--- a/毕设论文相关/我的相关/ppt/allPPT.pptx
+++ b/毕设论文相关/我的相关/ppt/allPPT.pptx
@@ -23,6 +23,11 @@
     <p:sldId id="272" r:id="rId18"/>
     <p:sldId id="273" r:id="rId19"/>
     <p:sldId id="275" r:id="rId20"/>
+    <p:sldId id="278" r:id="rId21"/>
+    <p:sldId id="282" r:id="rId22"/>
+    <p:sldId id="284" r:id="rId23"/>
+    <p:sldId id="283" r:id="rId24"/>
+    <p:sldId id="286" r:id="rId25"/>
   </p:sldIdLst>
   <p:sldSz cx="12192000" cy="6858000"/>
   <p:notesSz cx="7103745" cy="10234295"/>
@@ -15872,6 +15877,1864 @@
 </p:sld>
 </file>
 
+<file path=ppt/slides/slide19.xml><?xml version="1.0" encoding="utf-8"?>
+<p:sld xmlns:a="http://schemas.openxmlformats.org/drawingml/2006/main" xmlns:r="http://schemas.openxmlformats.org/officeDocument/2006/relationships" xmlns:p="http://schemas.openxmlformats.org/presentationml/2006/main">
+  <p:cSld>
+    <p:spTree>
+      <p:nvGrpSpPr>
+        <p:cNvPr id="1" name=""/>
+        <p:cNvGrpSpPr/>
+        <p:nvPr/>
+      </p:nvGrpSpPr>
+      <p:grpSpPr/>
+      <p:grpSp>
+        <p:nvGrpSpPr>
+          <p:cNvPr id="55" name="组合 54"/>
+          <p:cNvGrpSpPr/>
+          <p:nvPr/>
+        </p:nvGrpSpPr>
+        <p:grpSpPr>
+          <a:xfrm>
+            <a:off x="730885" y="1522730"/>
+            <a:ext cx="4813300" cy="3977005"/>
+            <a:chOff x="2572" y="1469"/>
+            <a:chExt cx="7580" cy="6263"/>
+          </a:xfrm>
+        </p:grpSpPr>
+        <p:cxnSp>
+          <p:nvCxnSpPr>
+            <p:cNvPr id="5" name="直接箭头连接符 4"/>
+            <p:cNvCxnSpPr/>
+            <p:nvPr/>
+          </p:nvCxnSpPr>
+          <p:spPr>
+            <a:xfrm flipH="1" flipV="1">
+              <a:off x="3236" y="1751"/>
+              <a:ext cx="51" cy="5361"/>
+            </a:xfrm>
+            <a:prstGeom prst="straightConnector1">
+              <a:avLst/>
+            </a:prstGeom>
+            <a:ln w="28575">
+              <a:solidFill>
+                <a:schemeClr val="tx1"/>
+              </a:solidFill>
+              <a:tailEnd type="arrow"/>
+            </a:ln>
+          </p:spPr>
+          <p:style>
+            <a:lnRef idx="1">
+              <a:schemeClr val="accent1"/>
+            </a:lnRef>
+            <a:fillRef idx="0">
+              <a:schemeClr val="accent1"/>
+            </a:fillRef>
+            <a:effectRef idx="0">
+              <a:schemeClr val="accent1"/>
+            </a:effectRef>
+            <a:fontRef idx="minor">
+              <a:schemeClr val="tx1"/>
+            </a:fontRef>
+          </p:style>
+        </p:cxnSp>
+        <p:cxnSp>
+          <p:nvCxnSpPr>
+            <p:cNvPr id="4" name="直接箭头连接符 3"/>
+            <p:cNvCxnSpPr/>
+            <p:nvPr/>
+          </p:nvCxnSpPr>
+          <p:spPr>
+            <a:xfrm flipV="1">
+              <a:off x="3287" y="7095"/>
+              <a:ext cx="6457" cy="6"/>
+            </a:xfrm>
+            <a:prstGeom prst="straightConnector1">
+              <a:avLst/>
+            </a:prstGeom>
+            <a:ln w="28575">
+              <a:solidFill>
+                <a:schemeClr val="tx1"/>
+              </a:solidFill>
+              <a:tailEnd type="arrow"/>
+            </a:ln>
+          </p:spPr>
+          <p:style>
+            <a:lnRef idx="1">
+              <a:schemeClr val="accent1"/>
+            </a:lnRef>
+            <a:fillRef idx="0">
+              <a:schemeClr val="accent1"/>
+            </a:fillRef>
+            <a:effectRef idx="0">
+              <a:schemeClr val="accent1"/>
+            </a:effectRef>
+            <a:fontRef idx="minor">
+              <a:schemeClr val="tx1"/>
+            </a:fontRef>
+          </p:style>
+        </p:cxnSp>
+        <p:graphicFrame>
+          <p:nvGraphicFramePr>
+            <p:cNvPr id="14" name="对象 13">
+              <a:hlinkClick r:id="" action="ppaction://ole?verb="/>
+            </p:cNvPr>
+            <p:cNvGraphicFramePr>
+              <a:graphicFrameLocks noChangeAspect="1"/>
+            </p:cNvGraphicFramePr>
+            <p:nvPr/>
+          </p:nvGraphicFramePr>
+          <p:xfrm>
+            <a:off x="9676" y="7112"/>
+            <a:ext cx="477" cy="621"/>
+          </p:xfrm>
+          <a:graphic>
+            <a:graphicData uri="http://schemas.openxmlformats.org/presentationml/2006/ole">
+              <mc:AlternateContent xmlns:mc="http://schemas.openxmlformats.org/markup-compatibility/2006">
+                <mc:Choice xmlns:v="urn:schemas-microsoft-com:vml" Requires="v">
+                  <p:oleObj spid="_x0000_s1025" name="" r:id="rId1" imgW="127000" imgH="165100" progId="Equation.KSEE3">
+                    <p:embed/>
+                  </p:oleObj>
+                </mc:Choice>
+                <mc:Fallback>
+                  <p:oleObj name="" r:id="rId1" imgW="127000" imgH="165100" progId="Equation.KSEE3">
+                    <p:embed/>
+                    <p:pic>
+                      <p:nvPicPr>
+                        <p:cNvPr id="0" name="图片 1024"/>
+                        <p:cNvPicPr/>
+                        <p:nvPr/>
+                      </p:nvPicPr>
+                      <p:blipFill>
+                        <a:blip r:embed="rId2"/>
+                        <a:stretch>
+                          <a:fillRect/>
+                        </a:stretch>
+                      </p:blipFill>
+                      <p:spPr>
+                        <a:xfrm>
+                          <a:off x="9676" y="7112"/>
+                          <a:ext cx="477" cy="621"/>
+                        </a:xfrm>
+                        <a:prstGeom prst="rect">
+                          <a:avLst/>
+                        </a:prstGeom>
+                      </p:spPr>
+                    </p:pic>
+                  </p:oleObj>
+                </mc:Fallback>
+              </mc:AlternateContent>
+            </a:graphicData>
+          </a:graphic>
+        </p:graphicFrame>
+        <p:graphicFrame>
+          <p:nvGraphicFramePr>
+            <p:cNvPr id="15" name="对象 14">
+              <a:hlinkClick r:id="" action="ppaction://ole?verb="/>
+            </p:cNvPr>
+            <p:cNvGraphicFramePr>
+              <a:graphicFrameLocks noChangeAspect="1"/>
+            </p:cNvGraphicFramePr>
+            <p:nvPr/>
+          </p:nvGraphicFramePr>
+          <p:xfrm>
+            <a:off x="2572" y="1469"/>
+            <a:ext cx="527" cy="623"/>
+          </p:xfrm>
+          <a:graphic>
+            <a:graphicData uri="http://schemas.openxmlformats.org/presentationml/2006/ole">
+              <mc:AlternateContent xmlns:mc="http://schemas.openxmlformats.org/markup-compatibility/2006">
+                <mc:Choice xmlns:v="urn:schemas-microsoft-com:vml" Requires="v">
+                  <p:oleObj spid="_x0000_s2" name="" r:id="rId3" imgW="139700" imgH="165100" progId="Equation.KSEE3">
+                    <p:embed/>
+                  </p:oleObj>
+                </mc:Choice>
+                <mc:Fallback>
+                  <p:oleObj name="" r:id="rId3" imgW="139700" imgH="165100" progId="Equation.KSEE3">
+                    <p:embed/>
+                    <p:pic>
+                      <p:nvPicPr>
+                        <p:cNvPr id="0" name="图片 1024"/>
+                        <p:cNvPicPr/>
+                        <p:nvPr/>
+                      </p:nvPicPr>
+                      <p:blipFill>
+                        <a:blip r:embed="rId4"/>
+                        <a:stretch>
+                          <a:fillRect/>
+                        </a:stretch>
+                      </p:blipFill>
+                      <p:spPr>
+                        <a:xfrm>
+                          <a:off x="2572" y="1469"/>
+                          <a:ext cx="527" cy="623"/>
+                        </a:xfrm>
+                        <a:prstGeom prst="rect">
+                          <a:avLst/>
+                        </a:prstGeom>
+                      </p:spPr>
+                    </p:pic>
+                  </p:oleObj>
+                </mc:Fallback>
+              </mc:AlternateContent>
+            </a:graphicData>
+          </a:graphic>
+        </p:graphicFrame>
+        <p:sp>
+          <p:nvSpPr>
+            <p:cNvPr id="61" name="椭圆 60"/>
+            <p:cNvSpPr/>
+            <p:nvPr/>
+          </p:nvSpPr>
+          <p:spPr>
+            <a:xfrm>
+              <a:off x="7518" y="3051"/>
+              <a:ext cx="205" cy="171"/>
+            </a:xfrm>
+            <a:prstGeom prst="ellipse">
+              <a:avLst/>
+            </a:prstGeom>
+            <a:noFill/>
+            <a:ln>
+              <a:solidFill>
+                <a:srgbClr val="FF0000"/>
+              </a:solidFill>
+            </a:ln>
+            <a:extLst>
+              <a:ext uri="{909E8E84-426E-40DD-AFC4-6F175D3DCCD1}">
+                <a14:hiddenFill xmlns:a14="http://schemas.microsoft.com/office/drawing/2010/main">
+                  <a:solidFill>
+                    <a:srgbClr val="FF0000"/>
+                  </a:solidFill>
+                </a14:hiddenFill>
+              </a:ext>
+            </a:extLst>
+          </p:spPr>
+          <p:style>
+            <a:lnRef idx="2">
+              <a:schemeClr val="accent1">
+                <a:shade val="50000"/>
+              </a:schemeClr>
+            </a:lnRef>
+            <a:fillRef idx="1">
+              <a:schemeClr val="accent1"/>
+            </a:fillRef>
+            <a:effectRef idx="0">
+              <a:schemeClr val="accent1"/>
+            </a:effectRef>
+            <a:fontRef idx="minor">
+              <a:schemeClr val="lt1"/>
+            </a:fontRef>
+          </p:style>
+          <p:txBody>
+            <a:bodyPr rtlCol="0" anchor="ctr"/>
+            <a:p>
+              <a:pPr algn="ctr"/>
+              <a:endParaRPr lang="zh-CN" altLang="en-US"/>
+            </a:p>
+          </p:txBody>
+        </p:sp>
+        <p:sp>
+          <p:nvSpPr>
+            <p:cNvPr id="63" name="椭圆 62"/>
+            <p:cNvSpPr/>
+            <p:nvPr/>
+          </p:nvSpPr>
+          <p:spPr>
+            <a:xfrm>
+              <a:off x="4807" y="2709"/>
+              <a:ext cx="205" cy="171"/>
+            </a:xfrm>
+            <a:prstGeom prst="ellipse">
+              <a:avLst/>
+            </a:prstGeom>
+            <a:noFill/>
+            <a:ln>
+              <a:solidFill>
+                <a:srgbClr val="FF0000"/>
+              </a:solidFill>
+            </a:ln>
+            <a:extLst>
+              <a:ext uri="{909E8E84-426E-40DD-AFC4-6F175D3DCCD1}">
+                <a14:hiddenFill xmlns:a14="http://schemas.microsoft.com/office/drawing/2010/main">
+                  <a:solidFill>
+                    <a:srgbClr val="FF0000"/>
+                  </a:solidFill>
+                </a14:hiddenFill>
+              </a:ext>
+            </a:extLst>
+          </p:spPr>
+          <p:style>
+            <a:lnRef idx="2">
+              <a:schemeClr val="accent1">
+                <a:shade val="50000"/>
+              </a:schemeClr>
+            </a:lnRef>
+            <a:fillRef idx="1">
+              <a:schemeClr val="accent1"/>
+            </a:fillRef>
+            <a:effectRef idx="0">
+              <a:schemeClr val="accent1"/>
+            </a:effectRef>
+            <a:fontRef idx="minor">
+              <a:schemeClr val="lt1"/>
+            </a:fontRef>
+          </p:style>
+          <p:txBody>
+            <a:bodyPr rtlCol="0" anchor="ctr"/>
+            <a:p>
+              <a:pPr algn="ctr"/>
+              <a:endParaRPr lang="zh-CN" altLang="en-US"/>
+            </a:p>
+          </p:txBody>
+        </p:sp>
+        <p:sp>
+          <p:nvSpPr>
+            <p:cNvPr id="7" name="椭圆 6"/>
+            <p:cNvSpPr/>
+            <p:nvPr/>
+          </p:nvSpPr>
+          <p:spPr>
+            <a:xfrm>
+              <a:off x="5832" y="2452"/>
+              <a:ext cx="205" cy="171"/>
+            </a:xfrm>
+            <a:prstGeom prst="ellipse">
+              <a:avLst/>
+            </a:prstGeom>
+            <a:noFill/>
+            <a:ln>
+              <a:solidFill>
+                <a:srgbClr val="FF0000"/>
+              </a:solidFill>
+            </a:ln>
+            <a:extLst>
+              <a:ext uri="{909E8E84-426E-40DD-AFC4-6F175D3DCCD1}">
+                <a14:hiddenFill xmlns:a14="http://schemas.microsoft.com/office/drawing/2010/main">
+                  <a:solidFill>
+                    <a:srgbClr val="FF0000"/>
+                  </a:solidFill>
+                </a14:hiddenFill>
+              </a:ext>
+            </a:extLst>
+          </p:spPr>
+          <p:style>
+            <a:lnRef idx="2">
+              <a:schemeClr val="accent1">
+                <a:shade val="50000"/>
+              </a:schemeClr>
+            </a:lnRef>
+            <a:fillRef idx="1">
+              <a:schemeClr val="accent1"/>
+            </a:fillRef>
+            <a:effectRef idx="0">
+              <a:schemeClr val="accent1"/>
+            </a:effectRef>
+            <a:fontRef idx="minor">
+              <a:schemeClr val="lt1"/>
+            </a:fontRef>
+          </p:style>
+          <p:txBody>
+            <a:bodyPr rtlCol="0" anchor="ctr"/>
+            <a:p>
+              <a:pPr algn="ctr"/>
+              <a:endParaRPr lang="zh-CN" altLang="en-US"/>
+            </a:p>
+          </p:txBody>
+        </p:sp>
+        <p:sp>
+          <p:nvSpPr>
+            <p:cNvPr id="10" name="椭圆 9"/>
+            <p:cNvSpPr/>
+            <p:nvPr/>
+          </p:nvSpPr>
+          <p:spPr>
+            <a:xfrm>
+              <a:off x="7313" y="3566"/>
+              <a:ext cx="205" cy="171"/>
+            </a:xfrm>
+            <a:prstGeom prst="ellipse">
+              <a:avLst/>
+            </a:prstGeom>
+            <a:noFill/>
+            <a:ln>
+              <a:solidFill>
+                <a:srgbClr val="FF0000"/>
+              </a:solidFill>
+            </a:ln>
+            <a:extLst>
+              <a:ext uri="{909E8E84-426E-40DD-AFC4-6F175D3DCCD1}">
+                <a14:hiddenFill xmlns:a14="http://schemas.microsoft.com/office/drawing/2010/main">
+                  <a:solidFill>
+                    <a:srgbClr val="FF0000"/>
+                  </a:solidFill>
+                </a14:hiddenFill>
+              </a:ext>
+            </a:extLst>
+          </p:spPr>
+          <p:style>
+            <a:lnRef idx="2">
+              <a:schemeClr val="accent1">
+                <a:shade val="50000"/>
+              </a:schemeClr>
+            </a:lnRef>
+            <a:fillRef idx="1">
+              <a:schemeClr val="accent1"/>
+            </a:fillRef>
+            <a:effectRef idx="0">
+              <a:schemeClr val="accent1"/>
+            </a:effectRef>
+            <a:fontRef idx="minor">
+              <a:schemeClr val="lt1"/>
+            </a:fontRef>
+          </p:style>
+          <p:txBody>
+            <a:bodyPr rtlCol="0" anchor="ctr"/>
+            <a:p>
+              <a:pPr algn="ctr"/>
+              <a:endParaRPr lang="zh-CN" altLang="en-US"/>
+            </a:p>
+          </p:txBody>
+        </p:sp>
+        <p:sp>
+          <p:nvSpPr>
+            <p:cNvPr id="6" name="椭圆 5"/>
+            <p:cNvSpPr/>
+            <p:nvPr/>
+          </p:nvSpPr>
+          <p:spPr>
+            <a:xfrm>
+              <a:off x="6427" y="4360"/>
+              <a:ext cx="205" cy="171"/>
+            </a:xfrm>
+            <a:prstGeom prst="ellipse">
+              <a:avLst/>
+            </a:prstGeom>
+            <a:noFill/>
+            <a:ln>
+              <a:solidFill>
+                <a:srgbClr val="FF0000"/>
+              </a:solidFill>
+            </a:ln>
+            <a:extLst>
+              <a:ext uri="{909E8E84-426E-40DD-AFC4-6F175D3DCCD1}">
+                <a14:hiddenFill xmlns:a14="http://schemas.microsoft.com/office/drawing/2010/main">
+                  <a:solidFill>
+                    <a:srgbClr val="FF0000"/>
+                  </a:solidFill>
+                </a14:hiddenFill>
+              </a:ext>
+            </a:extLst>
+          </p:spPr>
+          <p:style>
+            <a:lnRef idx="2">
+              <a:schemeClr val="accent1">
+                <a:shade val="50000"/>
+              </a:schemeClr>
+            </a:lnRef>
+            <a:fillRef idx="1">
+              <a:schemeClr val="accent1"/>
+            </a:fillRef>
+            <a:effectRef idx="0">
+              <a:schemeClr val="accent1"/>
+            </a:effectRef>
+            <a:fontRef idx="minor">
+              <a:schemeClr val="lt1"/>
+            </a:fontRef>
+          </p:style>
+          <p:txBody>
+            <a:bodyPr rtlCol="0" anchor="ctr"/>
+            <a:p>
+              <a:pPr algn="ctr"/>
+              <a:endParaRPr lang="zh-CN" altLang="en-US"/>
+            </a:p>
+          </p:txBody>
+        </p:sp>
+        <p:sp>
+          <p:nvSpPr>
+            <p:cNvPr id="8" name="椭圆 7"/>
+            <p:cNvSpPr/>
+            <p:nvPr/>
+          </p:nvSpPr>
+          <p:spPr>
+            <a:xfrm>
+              <a:off x="6469" y="2281"/>
+              <a:ext cx="205" cy="171"/>
+            </a:xfrm>
+            <a:prstGeom prst="ellipse">
+              <a:avLst/>
+            </a:prstGeom>
+            <a:noFill/>
+            <a:ln>
+              <a:solidFill>
+                <a:srgbClr val="FF0000"/>
+              </a:solidFill>
+            </a:ln>
+            <a:extLst>
+              <a:ext uri="{909E8E84-426E-40DD-AFC4-6F175D3DCCD1}">
+                <a14:hiddenFill xmlns:a14="http://schemas.microsoft.com/office/drawing/2010/main">
+                  <a:solidFill>
+                    <a:srgbClr val="FF0000"/>
+                  </a:solidFill>
+                </a14:hiddenFill>
+              </a:ext>
+            </a:extLst>
+          </p:spPr>
+          <p:style>
+            <a:lnRef idx="2">
+              <a:schemeClr val="accent1">
+                <a:shade val="50000"/>
+              </a:schemeClr>
+            </a:lnRef>
+            <a:fillRef idx="1">
+              <a:schemeClr val="accent1"/>
+            </a:fillRef>
+            <a:effectRef idx="0">
+              <a:schemeClr val="accent1"/>
+            </a:effectRef>
+            <a:fontRef idx="minor">
+              <a:schemeClr val="lt1"/>
+            </a:fontRef>
+          </p:style>
+          <p:txBody>
+            <a:bodyPr rtlCol="0" anchor="ctr"/>
+            <a:p>
+              <a:pPr algn="ctr"/>
+              <a:endParaRPr lang="zh-CN" altLang="en-US"/>
+            </a:p>
+          </p:txBody>
+        </p:sp>
+        <p:sp>
+          <p:nvSpPr>
+            <p:cNvPr id="42" name="椭圆 41"/>
+            <p:cNvSpPr/>
+            <p:nvPr/>
+          </p:nvSpPr>
+          <p:spPr>
+            <a:xfrm>
+              <a:off x="7330" y="5951"/>
+              <a:ext cx="205" cy="171"/>
+            </a:xfrm>
+            <a:prstGeom prst="ellipse">
+              <a:avLst/>
+            </a:prstGeom>
+            <a:noFill/>
+            <a:ln>
+              <a:solidFill>
+                <a:srgbClr val="FF0000"/>
+              </a:solidFill>
+            </a:ln>
+            <a:extLst>
+              <a:ext uri="{909E8E84-426E-40DD-AFC4-6F175D3DCCD1}">
+                <a14:hiddenFill xmlns:a14="http://schemas.microsoft.com/office/drawing/2010/main">
+                  <a:solidFill>
+                    <a:srgbClr val="FF0000"/>
+                  </a:solidFill>
+                </a14:hiddenFill>
+              </a:ext>
+            </a:extLst>
+          </p:spPr>
+          <p:style>
+            <a:lnRef idx="2">
+              <a:schemeClr val="accent1">
+                <a:shade val="50000"/>
+              </a:schemeClr>
+            </a:lnRef>
+            <a:fillRef idx="1">
+              <a:schemeClr val="accent1"/>
+            </a:fillRef>
+            <a:effectRef idx="0">
+              <a:schemeClr val="accent1"/>
+            </a:effectRef>
+            <a:fontRef idx="minor">
+              <a:schemeClr val="lt1"/>
+            </a:fontRef>
+          </p:style>
+          <p:txBody>
+            <a:bodyPr rtlCol="0" anchor="ctr"/>
+            <a:p>
+              <a:pPr algn="ctr"/>
+              <a:endParaRPr lang="zh-CN" altLang="en-US"/>
+            </a:p>
+          </p:txBody>
+        </p:sp>
+        <p:sp>
+          <p:nvSpPr>
+            <p:cNvPr id="43" name="椭圆 42"/>
+            <p:cNvSpPr/>
+            <p:nvPr/>
+          </p:nvSpPr>
+          <p:spPr>
+            <a:xfrm>
+              <a:off x="5217" y="3222"/>
+              <a:ext cx="205" cy="171"/>
+            </a:xfrm>
+            <a:prstGeom prst="ellipse">
+              <a:avLst/>
+            </a:prstGeom>
+            <a:noFill/>
+            <a:ln>
+              <a:solidFill>
+                <a:srgbClr val="FF0000"/>
+              </a:solidFill>
+            </a:ln>
+            <a:extLst>
+              <a:ext uri="{909E8E84-426E-40DD-AFC4-6F175D3DCCD1}">
+                <a14:hiddenFill xmlns:a14="http://schemas.microsoft.com/office/drawing/2010/main">
+                  <a:solidFill>
+                    <a:srgbClr val="FF0000"/>
+                  </a:solidFill>
+                </a14:hiddenFill>
+              </a:ext>
+            </a:extLst>
+          </p:spPr>
+          <p:style>
+            <a:lnRef idx="2">
+              <a:schemeClr val="accent1">
+                <a:shade val="50000"/>
+              </a:schemeClr>
+            </a:lnRef>
+            <a:fillRef idx="1">
+              <a:schemeClr val="accent1"/>
+            </a:fillRef>
+            <a:effectRef idx="0">
+              <a:schemeClr val="accent1"/>
+            </a:effectRef>
+            <a:fontRef idx="minor">
+              <a:schemeClr val="lt1"/>
+            </a:fontRef>
+          </p:style>
+          <p:txBody>
+            <a:bodyPr rtlCol="0" anchor="ctr"/>
+            <a:p>
+              <a:pPr algn="ctr"/>
+              <a:endParaRPr lang="zh-CN" altLang="en-US"/>
+            </a:p>
+          </p:txBody>
+        </p:sp>
+        <p:sp>
+          <p:nvSpPr>
+            <p:cNvPr id="47" name="椭圆 46"/>
+            <p:cNvSpPr/>
+            <p:nvPr/>
+          </p:nvSpPr>
+          <p:spPr>
+            <a:xfrm>
+              <a:off x="8229" y="6346"/>
+              <a:ext cx="205" cy="171"/>
+            </a:xfrm>
+            <a:prstGeom prst="ellipse">
+              <a:avLst/>
+            </a:prstGeom>
+            <a:noFill/>
+            <a:ln>
+              <a:solidFill>
+                <a:srgbClr val="FF0000"/>
+              </a:solidFill>
+            </a:ln>
+            <a:extLst>
+              <a:ext uri="{909E8E84-426E-40DD-AFC4-6F175D3DCCD1}">
+                <a14:hiddenFill xmlns:a14="http://schemas.microsoft.com/office/drawing/2010/main">
+                  <a:solidFill>
+                    <a:srgbClr val="FF0000"/>
+                  </a:solidFill>
+                </a14:hiddenFill>
+              </a:ext>
+            </a:extLst>
+          </p:spPr>
+          <p:style>
+            <a:lnRef idx="2">
+              <a:schemeClr val="accent1">
+                <a:shade val="50000"/>
+              </a:schemeClr>
+            </a:lnRef>
+            <a:fillRef idx="1">
+              <a:schemeClr val="accent1"/>
+            </a:fillRef>
+            <a:effectRef idx="0">
+              <a:schemeClr val="accent1"/>
+            </a:effectRef>
+            <a:fontRef idx="minor">
+              <a:schemeClr val="lt1"/>
+            </a:fontRef>
+          </p:style>
+          <p:txBody>
+            <a:bodyPr rtlCol="0" anchor="ctr"/>
+            <a:p>
+              <a:pPr algn="ctr"/>
+              <a:endParaRPr lang="zh-CN" altLang="en-US"/>
+            </a:p>
+          </p:txBody>
+        </p:sp>
+        <p:sp>
+          <p:nvSpPr>
+            <p:cNvPr id="48" name="椭圆 47"/>
+            <p:cNvSpPr/>
+            <p:nvPr/>
+          </p:nvSpPr>
+          <p:spPr>
+            <a:xfrm>
+              <a:off x="4379" y="3703"/>
+              <a:ext cx="205" cy="171"/>
+            </a:xfrm>
+            <a:prstGeom prst="ellipse">
+              <a:avLst/>
+            </a:prstGeom>
+            <a:noFill/>
+            <a:ln>
+              <a:solidFill>
+                <a:srgbClr val="FF0000"/>
+              </a:solidFill>
+            </a:ln>
+            <a:extLst>
+              <a:ext uri="{909E8E84-426E-40DD-AFC4-6F175D3DCCD1}">
+                <a14:hiddenFill xmlns:a14="http://schemas.microsoft.com/office/drawing/2010/main">
+                  <a:solidFill>
+                    <a:srgbClr val="FF0000"/>
+                  </a:solidFill>
+                </a14:hiddenFill>
+              </a:ext>
+            </a:extLst>
+          </p:spPr>
+          <p:style>
+            <a:lnRef idx="2">
+              <a:schemeClr val="accent1">
+                <a:shade val="50000"/>
+              </a:schemeClr>
+            </a:lnRef>
+            <a:fillRef idx="1">
+              <a:schemeClr val="accent1"/>
+            </a:fillRef>
+            <a:effectRef idx="0">
+              <a:schemeClr val="accent1"/>
+            </a:effectRef>
+            <a:fontRef idx="minor">
+              <a:schemeClr val="lt1"/>
+            </a:fontRef>
+          </p:style>
+          <p:txBody>
+            <a:bodyPr rtlCol="0" anchor="ctr"/>
+            <a:p>
+              <a:pPr algn="ctr"/>
+              <a:endParaRPr lang="zh-CN" altLang="en-US"/>
+            </a:p>
+          </p:txBody>
+        </p:sp>
+        <p:sp>
+          <p:nvSpPr>
+            <p:cNvPr id="50" name="椭圆 49"/>
+            <p:cNvSpPr/>
+            <p:nvPr/>
+          </p:nvSpPr>
+          <p:spPr>
+            <a:xfrm>
+              <a:off x="5012" y="4189"/>
+              <a:ext cx="205" cy="171"/>
+            </a:xfrm>
+            <a:prstGeom prst="ellipse">
+              <a:avLst/>
+            </a:prstGeom>
+            <a:noFill/>
+            <a:ln>
+              <a:solidFill>
+                <a:srgbClr val="FF0000"/>
+              </a:solidFill>
+            </a:ln>
+            <a:extLst>
+              <a:ext uri="{909E8E84-426E-40DD-AFC4-6F175D3DCCD1}">
+                <a14:hiddenFill xmlns:a14="http://schemas.microsoft.com/office/drawing/2010/main">
+                  <a:solidFill>
+                    <a:srgbClr val="FF0000"/>
+                  </a:solidFill>
+                </a14:hiddenFill>
+              </a:ext>
+            </a:extLst>
+          </p:spPr>
+          <p:style>
+            <a:lnRef idx="2">
+              <a:schemeClr val="accent1">
+                <a:shade val="50000"/>
+              </a:schemeClr>
+            </a:lnRef>
+            <a:fillRef idx="1">
+              <a:schemeClr val="accent1"/>
+            </a:fillRef>
+            <a:effectRef idx="0">
+              <a:schemeClr val="accent1"/>
+            </a:effectRef>
+            <a:fontRef idx="minor">
+              <a:schemeClr val="lt1"/>
+            </a:fontRef>
+          </p:style>
+          <p:txBody>
+            <a:bodyPr rtlCol="0" anchor="ctr"/>
+            <a:p>
+              <a:pPr algn="ctr"/>
+              <a:endParaRPr lang="zh-CN" altLang="en-US"/>
+            </a:p>
+          </p:txBody>
+        </p:sp>
+        <p:sp>
+          <p:nvSpPr>
+            <p:cNvPr id="51" name="椭圆 50"/>
+            <p:cNvSpPr/>
+            <p:nvPr/>
+          </p:nvSpPr>
+          <p:spPr>
+            <a:xfrm>
+              <a:off x="6674" y="3051"/>
+              <a:ext cx="205" cy="171"/>
+            </a:xfrm>
+            <a:prstGeom prst="ellipse">
+              <a:avLst/>
+            </a:prstGeom>
+            <a:noFill/>
+            <a:ln>
+              <a:solidFill>
+                <a:srgbClr val="FF0000"/>
+              </a:solidFill>
+            </a:ln>
+            <a:extLst>
+              <a:ext uri="{909E8E84-426E-40DD-AFC4-6F175D3DCCD1}">
+                <a14:hiddenFill xmlns:a14="http://schemas.microsoft.com/office/drawing/2010/main">
+                  <a:solidFill>
+                    <a:srgbClr val="FF0000"/>
+                  </a:solidFill>
+                </a14:hiddenFill>
+              </a:ext>
+            </a:extLst>
+          </p:spPr>
+          <p:style>
+            <a:lnRef idx="2">
+              <a:schemeClr val="accent1">
+                <a:shade val="50000"/>
+              </a:schemeClr>
+            </a:lnRef>
+            <a:fillRef idx="1">
+              <a:schemeClr val="accent1"/>
+            </a:fillRef>
+            <a:effectRef idx="0">
+              <a:schemeClr val="accent1"/>
+            </a:effectRef>
+            <a:fontRef idx="minor">
+              <a:schemeClr val="lt1"/>
+            </a:fontRef>
+          </p:style>
+          <p:txBody>
+            <a:bodyPr rtlCol="0" anchor="ctr"/>
+            <a:p>
+              <a:pPr algn="ctr"/>
+              <a:endParaRPr lang="zh-CN" altLang="en-US"/>
+            </a:p>
+          </p:txBody>
+        </p:sp>
+      </p:grpSp>
+      <p:grpSp>
+        <p:nvGrpSpPr>
+          <p:cNvPr id="77" name="组合 76"/>
+          <p:cNvGrpSpPr/>
+          <p:nvPr/>
+        </p:nvGrpSpPr>
+        <p:grpSpPr>
+          <a:xfrm>
+            <a:off x="6092825" y="1516380"/>
+            <a:ext cx="4808855" cy="3983355"/>
+            <a:chOff x="2505" y="1459"/>
+            <a:chExt cx="7573" cy="6273"/>
+          </a:xfrm>
+        </p:grpSpPr>
+        <p:cxnSp>
+          <p:nvCxnSpPr>
+            <p:cNvPr id="78" name="直接箭头连接符 77"/>
+            <p:cNvCxnSpPr/>
+            <p:nvPr/>
+          </p:nvCxnSpPr>
+          <p:spPr>
+            <a:xfrm flipH="1" flipV="1">
+              <a:off x="3236" y="1751"/>
+              <a:ext cx="51" cy="5361"/>
+            </a:xfrm>
+            <a:prstGeom prst="straightConnector1">
+              <a:avLst/>
+            </a:prstGeom>
+            <a:ln w="28575">
+              <a:solidFill>
+                <a:schemeClr val="tx1"/>
+              </a:solidFill>
+              <a:tailEnd type="arrow"/>
+            </a:ln>
+          </p:spPr>
+          <p:style>
+            <a:lnRef idx="1">
+              <a:schemeClr val="accent1"/>
+            </a:lnRef>
+            <a:fillRef idx="0">
+              <a:schemeClr val="accent1"/>
+            </a:fillRef>
+            <a:effectRef idx="0">
+              <a:schemeClr val="accent1"/>
+            </a:effectRef>
+            <a:fontRef idx="minor">
+              <a:schemeClr val="tx1"/>
+            </a:fontRef>
+          </p:style>
+        </p:cxnSp>
+        <p:cxnSp>
+          <p:nvCxnSpPr>
+            <p:cNvPr id="79" name="直接箭头连接符 78"/>
+            <p:cNvCxnSpPr/>
+            <p:nvPr/>
+          </p:nvCxnSpPr>
+          <p:spPr>
+            <a:xfrm flipV="1">
+              <a:off x="3287" y="7095"/>
+              <a:ext cx="6457" cy="6"/>
+            </a:xfrm>
+            <a:prstGeom prst="straightConnector1">
+              <a:avLst/>
+            </a:prstGeom>
+            <a:ln w="28575">
+              <a:solidFill>
+                <a:schemeClr val="tx1"/>
+              </a:solidFill>
+              <a:tailEnd type="arrow"/>
+            </a:ln>
+          </p:spPr>
+          <p:style>
+            <a:lnRef idx="1">
+              <a:schemeClr val="accent1"/>
+            </a:lnRef>
+            <a:fillRef idx="0">
+              <a:schemeClr val="accent1"/>
+            </a:fillRef>
+            <a:effectRef idx="0">
+              <a:schemeClr val="accent1"/>
+            </a:effectRef>
+            <a:fontRef idx="minor">
+              <a:schemeClr val="tx1"/>
+            </a:fontRef>
+          </p:style>
+        </p:cxnSp>
+        <p:graphicFrame>
+          <p:nvGraphicFramePr>
+            <p:cNvPr id="80" name="对象 79">
+              <a:hlinkClick r:id="" action="ppaction://ole?verb="/>
+            </p:cNvPr>
+            <p:cNvGraphicFramePr>
+              <a:graphicFrameLocks noChangeAspect="1"/>
+            </p:cNvGraphicFramePr>
+            <p:nvPr/>
+          </p:nvGraphicFramePr>
+          <p:xfrm>
+            <a:off x="9602" y="7112"/>
+            <a:ext cx="477" cy="621"/>
+          </p:xfrm>
+          <a:graphic>
+            <a:graphicData uri="http://schemas.openxmlformats.org/presentationml/2006/ole">
+              <mc:AlternateContent xmlns:mc="http://schemas.openxmlformats.org/markup-compatibility/2006">
+                <mc:Choice xmlns:v="urn:schemas-microsoft-com:vml" Requires="v">
+                  <p:oleObj spid="_x0000_s81" name="" r:id="rId5" imgW="127000" imgH="165100" progId="Equation.KSEE3">
+                    <p:embed/>
+                  </p:oleObj>
+                </mc:Choice>
+                <mc:Fallback>
+                  <p:oleObj name="" r:id="rId5" imgW="127000" imgH="165100" progId="Equation.KSEE3">
+                    <p:embed/>
+                    <p:pic>
+                      <p:nvPicPr>
+                        <p:cNvPr id="0" name="图片 1024"/>
+                        <p:cNvPicPr/>
+                        <p:nvPr/>
+                      </p:nvPicPr>
+                      <p:blipFill>
+                        <a:blip r:embed="rId2"/>
+                        <a:stretch>
+                          <a:fillRect/>
+                        </a:stretch>
+                      </p:blipFill>
+                      <p:spPr>
+                        <a:xfrm>
+                          <a:off x="9602" y="7112"/>
+                          <a:ext cx="477" cy="621"/>
+                        </a:xfrm>
+                        <a:prstGeom prst="rect">
+                          <a:avLst/>
+                        </a:prstGeom>
+                      </p:spPr>
+                    </p:pic>
+                  </p:oleObj>
+                </mc:Fallback>
+              </mc:AlternateContent>
+            </a:graphicData>
+          </a:graphic>
+        </p:graphicFrame>
+        <p:graphicFrame>
+          <p:nvGraphicFramePr>
+            <p:cNvPr id="82" name="对象 81">
+              <a:hlinkClick r:id="" action="ppaction://ole?verb="/>
+            </p:cNvPr>
+            <p:cNvGraphicFramePr>
+              <a:graphicFrameLocks noChangeAspect="1"/>
+            </p:cNvGraphicFramePr>
+            <p:nvPr/>
+          </p:nvGraphicFramePr>
+          <p:xfrm>
+            <a:off x="2505" y="1459"/>
+            <a:ext cx="527" cy="623"/>
+          </p:xfrm>
+          <a:graphic>
+            <a:graphicData uri="http://schemas.openxmlformats.org/presentationml/2006/ole">
+              <mc:AlternateContent xmlns:mc="http://schemas.openxmlformats.org/markup-compatibility/2006">
+                <mc:Choice xmlns:v="urn:schemas-microsoft-com:vml" Requires="v">
+                  <p:oleObj spid="_x0000_s83" name="" r:id="rId6" imgW="139700" imgH="165100" progId="Equation.KSEE3">
+                    <p:embed/>
+                  </p:oleObj>
+                </mc:Choice>
+                <mc:Fallback>
+                  <p:oleObj name="" r:id="rId6" imgW="139700" imgH="165100" progId="Equation.KSEE3">
+                    <p:embed/>
+                    <p:pic>
+                      <p:nvPicPr>
+                        <p:cNvPr id="0" name="图片 1024"/>
+                        <p:cNvPicPr/>
+                        <p:nvPr/>
+                      </p:nvPicPr>
+                      <p:blipFill>
+                        <a:blip r:embed="rId4"/>
+                        <a:stretch>
+                          <a:fillRect/>
+                        </a:stretch>
+                      </p:blipFill>
+                      <p:spPr>
+                        <a:xfrm>
+                          <a:off x="2505" y="1459"/>
+                          <a:ext cx="527" cy="623"/>
+                        </a:xfrm>
+                        <a:prstGeom prst="rect">
+                          <a:avLst/>
+                        </a:prstGeom>
+                      </p:spPr>
+                    </p:pic>
+                  </p:oleObj>
+                </mc:Fallback>
+              </mc:AlternateContent>
+            </a:graphicData>
+          </a:graphic>
+        </p:graphicFrame>
+        <p:sp>
+          <p:nvSpPr>
+            <p:cNvPr id="84" name="椭圆 83"/>
+            <p:cNvSpPr/>
+            <p:nvPr/>
+          </p:nvSpPr>
+          <p:spPr>
+            <a:xfrm>
+              <a:off x="7518" y="3051"/>
+              <a:ext cx="205" cy="171"/>
+            </a:xfrm>
+            <a:prstGeom prst="ellipse">
+              <a:avLst/>
+            </a:prstGeom>
+            <a:noFill/>
+            <a:ln>
+              <a:solidFill>
+                <a:srgbClr val="FF0000"/>
+              </a:solidFill>
+            </a:ln>
+            <a:extLst>
+              <a:ext uri="{909E8E84-426E-40DD-AFC4-6F175D3DCCD1}">
+                <a14:hiddenFill xmlns:a14="http://schemas.microsoft.com/office/drawing/2010/main">
+                  <a:solidFill>
+                    <a:srgbClr val="FF0000"/>
+                  </a:solidFill>
+                </a14:hiddenFill>
+              </a:ext>
+            </a:extLst>
+          </p:spPr>
+          <p:style>
+            <a:lnRef idx="2">
+              <a:schemeClr val="accent1">
+                <a:shade val="50000"/>
+              </a:schemeClr>
+            </a:lnRef>
+            <a:fillRef idx="1">
+              <a:schemeClr val="accent1"/>
+            </a:fillRef>
+            <a:effectRef idx="0">
+              <a:schemeClr val="accent1"/>
+            </a:effectRef>
+            <a:fontRef idx="minor">
+              <a:schemeClr val="lt1"/>
+            </a:fontRef>
+          </p:style>
+          <p:txBody>
+            <a:bodyPr rtlCol="0" anchor="ctr"/>
+            <a:p>
+              <a:pPr algn="ctr"/>
+              <a:endParaRPr lang="zh-CN" altLang="en-US"/>
+            </a:p>
+          </p:txBody>
+        </p:sp>
+        <p:sp>
+          <p:nvSpPr>
+            <p:cNvPr id="85" name="椭圆 84"/>
+            <p:cNvSpPr/>
+            <p:nvPr/>
+          </p:nvSpPr>
+          <p:spPr>
+            <a:xfrm>
+              <a:off x="4807" y="2709"/>
+              <a:ext cx="205" cy="171"/>
+            </a:xfrm>
+            <a:prstGeom prst="ellipse">
+              <a:avLst/>
+            </a:prstGeom>
+            <a:noFill/>
+            <a:ln>
+              <a:solidFill>
+                <a:srgbClr val="FF0000"/>
+              </a:solidFill>
+            </a:ln>
+            <a:extLst>
+              <a:ext uri="{909E8E84-426E-40DD-AFC4-6F175D3DCCD1}">
+                <a14:hiddenFill xmlns:a14="http://schemas.microsoft.com/office/drawing/2010/main">
+                  <a:solidFill>
+                    <a:srgbClr val="FF0000"/>
+                  </a:solidFill>
+                </a14:hiddenFill>
+              </a:ext>
+            </a:extLst>
+          </p:spPr>
+          <p:style>
+            <a:lnRef idx="2">
+              <a:schemeClr val="accent1">
+                <a:shade val="50000"/>
+              </a:schemeClr>
+            </a:lnRef>
+            <a:fillRef idx="1">
+              <a:schemeClr val="accent1"/>
+            </a:fillRef>
+            <a:effectRef idx="0">
+              <a:schemeClr val="accent1"/>
+            </a:effectRef>
+            <a:fontRef idx="minor">
+              <a:schemeClr val="lt1"/>
+            </a:fontRef>
+          </p:style>
+          <p:txBody>
+            <a:bodyPr rtlCol="0" anchor="ctr"/>
+            <a:p>
+              <a:pPr algn="ctr"/>
+              <a:endParaRPr lang="zh-CN" altLang="en-US"/>
+            </a:p>
+          </p:txBody>
+        </p:sp>
+        <p:sp>
+          <p:nvSpPr>
+            <p:cNvPr id="86" name="椭圆 85"/>
+            <p:cNvSpPr/>
+            <p:nvPr/>
+          </p:nvSpPr>
+          <p:spPr>
+            <a:xfrm>
+              <a:off x="5832" y="2452"/>
+              <a:ext cx="205" cy="171"/>
+            </a:xfrm>
+            <a:prstGeom prst="ellipse">
+              <a:avLst/>
+            </a:prstGeom>
+            <a:noFill/>
+            <a:ln>
+              <a:solidFill>
+                <a:srgbClr val="FF0000"/>
+              </a:solidFill>
+            </a:ln>
+            <a:extLst>
+              <a:ext uri="{909E8E84-426E-40DD-AFC4-6F175D3DCCD1}">
+                <a14:hiddenFill xmlns:a14="http://schemas.microsoft.com/office/drawing/2010/main">
+                  <a:solidFill>
+                    <a:srgbClr val="FF0000"/>
+                  </a:solidFill>
+                </a14:hiddenFill>
+              </a:ext>
+            </a:extLst>
+          </p:spPr>
+          <p:style>
+            <a:lnRef idx="2">
+              <a:schemeClr val="accent1">
+                <a:shade val="50000"/>
+              </a:schemeClr>
+            </a:lnRef>
+            <a:fillRef idx="1">
+              <a:schemeClr val="accent1"/>
+            </a:fillRef>
+            <a:effectRef idx="0">
+              <a:schemeClr val="accent1"/>
+            </a:effectRef>
+            <a:fontRef idx="minor">
+              <a:schemeClr val="lt1"/>
+            </a:fontRef>
+          </p:style>
+          <p:txBody>
+            <a:bodyPr rtlCol="0" anchor="ctr"/>
+            <a:p>
+              <a:pPr algn="ctr"/>
+              <a:endParaRPr lang="zh-CN" altLang="en-US"/>
+            </a:p>
+          </p:txBody>
+        </p:sp>
+        <p:sp>
+          <p:nvSpPr>
+            <p:cNvPr id="87" name="椭圆 86"/>
+            <p:cNvSpPr/>
+            <p:nvPr/>
+          </p:nvSpPr>
+          <p:spPr>
+            <a:xfrm>
+              <a:off x="7313" y="3566"/>
+              <a:ext cx="205" cy="171"/>
+            </a:xfrm>
+            <a:prstGeom prst="ellipse">
+              <a:avLst/>
+            </a:prstGeom>
+            <a:noFill/>
+            <a:ln>
+              <a:solidFill>
+                <a:srgbClr val="FF0000"/>
+              </a:solidFill>
+            </a:ln>
+            <a:extLst>
+              <a:ext uri="{909E8E84-426E-40DD-AFC4-6F175D3DCCD1}">
+                <a14:hiddenFill xmlns:a14="http://schemas.microsoft.com/office/drawing/2010/main">
+                  <a:solidFill>
+                    <a:srgbClr val="FF0000"/>
+                  </a:solidFill>
+                </a14:hiddenFill>
+              </a:ext>
+            </a:extLst>
+          </p:spPr>
+          <p:style>
+            <a:lnRef idx="2">
+              <a:schemeClr val="accent1">
+                <a:shade val="50000"/>
+              </a:schemeClr>
+            </a:lnRef>
+            <a:fillRef idx="1">
+              <a:schemeClr val="accent1"/>
+            </a:fillRef>
+            <a:effectRef idx="0">
+              <a:schemeClr val="accent1"/>
+            </a:effectRef>
+            <a:fontRef idx="minor">
+              <a:schemeClr val="lt1"/>
+            </a:fontRef>
+          </p:style>
+          <p:txBody>
+            <a:bodyPr rtlCol="0" anchor="ctr"/>
+            <a:p>
+              <a:pPr algn="ctr"/>
+              <a:endParaRPr lang="zh-CN" altLang="en-US"/>
+            </a:p>
+          </p:txBody>
+        </p:sp>
+        <p:sp>
+          <p:nvSpPr>
+            <p:cNvPr id="88" name="椭圆 87"/>
+            <p:cNvSpPr/>
+            <p:nvPr/>
+          </p:nvSpPr>
+          <p:spPr>
+            <a:xfrm>
+              <a:off x="6427" y="4360"/>
+              <a:ext cx="205" cy="171"/>
+            </a:xfrm>
+            <a:prstGeom prst="ellipse">
+              <a:avLst/>
+            </a:prstGeom>
+            <a:noFill/>
+            <a:ln>
+              <a:solidFill>
+                <a:srgbClr val="FF0000"/>
+              </a:solidFill>
+            </a:ln>
+            <a:extLst>
+              <a:ext uri="{909E8E84-426E-40DD-AFC4-6F175D3DCCD1}">
+                <a14:hiddenFill xmlns:a14="http://schemas.microsoft.com/office/drawing/2010/main">
+                  <a:solidFill>
+                    <a:srgbClr val="FF0000"/>
+                  </a:solidFill>
+                </a14:hiddenFill>
+              </a:ext>
+            </a:extLst>
+          </p:spPr>
+          <p:style>
+            <a:lnRef idx="2">
+              <a:schemeClr val="accent1">
+                <a:shade val="50000"/>
+              </a:schemeClr>
+            </a:lnRef>
+            <a:fillRef idx="1">
+              <a:schemeClr val="accent1"/>
+            </a:fillRef>
+            <a:effectRef idx="0">
+              <a:schemeClr val="accent1"/>
+            </a:effectRef>
+            <a:fontRef idx="minor">
+              <a:schemeClr val="lt1"/>
+            </a:fontRef>
+          </p:style>
+          <p:txBody>
+            <a:bodyPr rtlCol="0" anchor="ctr"/>
+            <a:p>
+              <a:pPr algn="ctr"/>
+              <a:endParaRPr lang="zh-CN" altLang="en-US"/>
+            </a:p>
+          </p:txBody>
+        </p:sp>
+        <p:sp>
+          <p:nvSpPr>
+            <p:cNvPr id="89" name="椭圆 88"/>
+            <p:cNvSpPr/>
+            <p:nvPr/>
+          </p:nvSpPr>
+          <p:spPr>
+            <a:xfrm>
+              <a:off x="6469" y="2281"/>
+              <a:ext cx="205" cy="171"/>
+            </a:xfrm>
+            <a:prstGeom prst="ellipse">
+              <a:avLst/>
+            </a:prstGeom>
+            <a:noFill/>
+            <a:ln>
+              <a:solidFill>
+                <a:srgbClr val="FF0000"/>
+              </a:solidFill>
+            </a:ln>
+            <a:extLst>
+              <a:ext uri="{909E8E84-426E-40DD-AFC4-6F175D3DCCD1}">
+                <a14:hiddenFill xmlns:a14="http://schemas.microsoft.com/office/drawing/2010/main">
+                  <a:solidFill>
+                    <a:srgbClr val="FF0000"/>
+                  </a:solidFill>
+                </a14:hiddenFill>
+              </a:ext>
+            </a:extLst>
+          </p:spPr>
+          <p:style>
+            <a:lnRef idx="2">
+              <a:schemeClr val="accent1">
+                <a:shade val="50000"/>
+              </a:schemeClr>
+            </a:lnRef>
+            <a:fillRef idx="1">
+              <a:schemeClr val="accent1"/>
+            </a:fillRef>
+            <a:effectRef idx="0">
+              <a:schemeClr val="accent1"/>
+            </a:effectRef>
+            <a:fontRef idx="minor">
+              <a:schemeClr val="lt1"/>
+            </a:fontRef>
+          </p:style>
+          <p:txBody>
+            <a:bodyPr rtlCol="0" anchor="ctr"/>
+            <a:p>
+              <a:pPr algn="ctr"/>
+              <a:endParaRPr lang="zh-CN" altLang="en-US"/>
+            </a:p>
+          </p:txBody>
+        </p:sp>
+        <p:sp>
+          <p:nvSpPr>
+            <p:cNvPr id="90" name="椭圆 89"/>
+            <p:cNvSpPr/>
+            <p:nvPr/>
+          </p:nvSpPr>
+          <p:spPr>
+            <a:xfrm>
+              <a:off x="7330" y="5951"/>
+              <a:ext cx="205" cy="171"/>
+            </a:xfrm>
+            <a:prstGeom prst="ellipse">
+              <a:avLst/>
+            </a:prstGeom>
+            <a:noFill/>
+            <a:ln>
+              <a:solidFill>
+                <a:srgbClr val="FF0000"/>
+              </a:solidFill>
+            </a:ln>
+            <a:extLst>
+              <a:ext uri="{909E8E84-426E-40DD-AFC4-6F175D3DCCD1}">
+                <a14:hiddenFill xmlns:a14="http://schemas.microsoft.com/office/drawing/2010/main">
+                  <a:solidFill>
+                    <a:srgbClr val="FF0000"/>
+                  </a:solidFill>
+                </a14:hiddenFill>
+              </a:ext>
+            </a:extLst>
+          </p:spPr>
+          <p:style>
+            <a:lnRef idx="2">
+              <a:schemeClr val="accent1">
+                <a:shade val="50000"/>
+              </a:schemeClr>
+            </a:lnRef>
+            <a:fillRef idx="1">
+              <a:schemeClr val="accent1"/>
+            </a:fillRef>
+            <a:effectRef idx="0">
+              <a:schemeClr val="accent1"/>
+            </a:effectRef>
+            <a:fontRef idx="minor">
+              <a:schemeClr val="lt1"/>
+            </a:fontRef>
+          </p:style>
+          <p:txBody>
+            <a:bodyPr rtlCol="0" anchor="ctr"/>
+            <a:p>
+              <a:pPr algn="ctr"/>
+              <a:endParaRPr lang="zh-CN" altLang="en-US"/>
+            </a:p>
+          </p:txBody>
+        </p:sp>
+        <p:sp>
+          <p:nvSpPr>
+            <p:cNvPr id="91" name="椭圆 90"/>
+            <p:cNvSpPr/>
+            <p:nvPr/>
+          </p:nvSpPr>
+          <p:spPr>
+            <a:xfrm>
+              <a:off x="5217" y="3222"/>
+              <a:ext cx="205" cy="171"/>
+            </a:xfrm>
+            <a:prstGeom prst="ellipse">
+              <a:avLst/>
+            </a:prstGeom>
+            <a:noFill/>
+            <a:ln>
+              <a:solidFill>
+                <a:srgbClr val="FF0000"/>
+              </a:solidFill>
+            </a:ln>
+            <a:extLst>
+              <a:ext uri="{909E8E84-426E-40DD-AFC4-6F175D3DCCD1}">
+                <a14:hiddenFill xmlns:a14="http://schemas.microsoft.com/office/drawing/2010/main">
+                  <a:solidFill>
+                    <a:srgbClr val="FF0000"/>
+                  </a:solidFill>
+                </a14:hiddenFill>
+              </a:ext>
+            </a:extLst>
+          </p:spPr>
+          <p:style>
+            <a:lnRef idx="2">
+              <a:schemeClr val="accent1">
+                <a:shade val="50000"/>
+              </a:schemeClr>
+            </a:lnRef>
+            <a:fillRef idx="1">
+              <a:schemeClr val="accent1"/>
+            </a:fillRef>
+            <a:effectRef idx="0">
+              <a:schemeClr val="accent1"/>
+            </a:effectRef>
+            <a:fontRef idx="minor">
+              <a:schemeClr val="lt1"/>
+            </a:fontRef>
+          </p:style>
+          <p:txBody>
+            <a:bodyPr rtlCol="0" anchor="ctr"/>
+            <a:p>
+              <a:pPr algn="ctr"/>
+              <a:endParaRPr lang="zh-CN" altLang="en-US"/>
+            </a:p>
+          </p:txBody>
+        </p:sp>
+        <p:sp>
+          <p:nvSpPr>
+            <p:cNvPr id="92" name="椭圆 91"/>
+            <p:cNvSpPr/>
+            <p:nvPr/>
+          </p:nvSpPr>
+          <p:spPr>
+            <a:xfrm>
+              <a:off x="8229" y="6346"/>
+              <a:ext cx="205" cy="171"/>
+            </a:xfrm>
+            <a:prstGeom prst="ellipse">
+              <a:avLst/>
+            </a:prstGeom>
+            <a:noFill/>
+            <a:ln>
+              <a:solidFill>
+                <a:srgbClr val="FF0000"/>
+              </a:solidFill>
+            </a:ln>
+            <a:extLst>
+              <a:ext uri="{909E8E84-426E-40DD-AFC4-6F175D3DCCD1}">
+                <a14:hiddenFill xmlns:a14="http://schemas.microsoft.com/office/drawing/2010/main">
+                  <a:solidFill>
+                    <a:srgbClr val="FF0000"/>
+                  </a:solidFill>
+                </a14:hiddenFill>
+              </a:ext>
+            </a:extLst>
+          </p:spPr>
+          <p:style>
+            <a:lnRef idx="2">
+              <a:schemeClr val="accent1">
+                <a:shade val="50000"/>
+              </a:schemeClr>
+            </a:lnRef>
+            <a:fillRef idx="1">
+              <a:schemeClr val="accent1"/>
+            </a:fillRef>
+            <a:effectRef idx="0">
+              <a:schemeClr val="accent1"/>
+            </a:effectRef>
+            <a:fontRef idx="minor">
+              <a:schemeClr val="lt1"/>
+            </a:fontRef>
+          </p:style>
+          <p:txBody>
+            <a:bodyPr rtlCol="0" anchor="ctr"/>
+            <a:p>
+              <a:pPr algn="ctr"/>
+              <a:endParaRPr lang="zh-CN" altLang="en-US"/>
+            </a:p>
+          </p:txBody>
+        </p:sp>
+        <p:sp>
+          <p:nvSpPr>
+            <p:cNvPr id="93" name="椭圆 92"/>
+            <p:cNvSpPr/>
+            <p:nvPr/>
+          </p:nvSpPr>
+          <p:spPr>
+            <a:xfrm>
+              <a:off x="4379" y="3703"/>
+              <a:ext cx="205" cy="171"/>
+            </a:xfrm>
+            <a:prstGeom prst="ellipse">
+              <a:avLst/>
+            </a:prstGeom>
+            <a:noFill/>
+            <a:ln>
+              <a:solidFill>
+                <a:srgbClr val="FF0000"/>
+              </a:solidFill>
+            </a:ln>
+            <a:extLst>
+              <a:ext uri="{909E8E84-426E-40DD-AFC4-6F175D3DCCD1}">
+                <a14:hiddenFill xmlns:a14="http://schemas.microsoft.com/office/drawing/2010/main">
+                  <a:solidFill>
+                    <a:srgbClr val="FF0000"/>
+                  </a:solidFill>
+                </a14:hiddenFill>
+              </a:ext>
+            </a:extLst>
+          </p:spPr>
+          <p:style>
+            <a:lnRef idx="2">
+              <a:schemeClr val="accent1">
+                <a:shade val="50000"/>
+              </a:schemeClr>
+            </a:lnRef>
+            <a:fillRef idx="1">
+              <a:schemeClr val="accent1"/>
+            </a:fillRef>
+            <a:effectRef idx="0">
+              <a:schemeClr val="accent1"/>
+            </a:effectRef>
+            <a:fontRef idx="minor">
+              <a:schemeClr val="lt1"/>
+            </a:fontRef>
+          </p:style>
+          <p:txBody>
+            <a:bodyPr rtlCol="0" anchor="ctr"/>
+            <a:p>
+              <a:pPr algn="ctr"/>
+              <a:endParaRPr lang="zh-CN" altLang="en-US"/>
+            </a:p>
+          </p:txBody>
+        </p:sp>
+        <p:sp>
+          <p:nvSpPr>
+            <p:cNvPr id="94" name="椭圆 93"/>
+            <p:cNvSpPr/>
+            <p:nvPr/>
+          </p:nvSpPr>
+          <p:spPr>
+            <a:xfrm>
+              <a:off x="5012" y="4189"/>
+              <a:ext cx="205" cy="171"/>
+            </a:xfrm>
+            <a:prstGeom prst="ellipse">
+              <a:avLst/>
+            </a:prstGeom>
+            <a:noFill/>
+            <a:ln>
+              <a:solidFill>
+                <a:srgbClr val="FF0000"/>
+              </a:solidFill>
+            </a:ln>
+            <a:extLst>
+              <a:ext uri="{909E8E84-426E-40DD-AFC4-6F175D3DCCD1}">
+                <a14:hiddenFill xmlns:a14="http://schemas.microsoft.com/office/drawing/2010/main">
+                  <a:solidFill>
+                    <a:srgbClr val="FF0000"/>
+                  </a:solidFill>
+                </a14:hiddenFill>
+              </a:ext>
+            </a:extLst>
+          </p:spPr>
+          <p:style>
+            <a:lnRef idx="2">
+              <a:schemeClr val="accent1">
+                <a:shade val="50000"/>
+              </a:schemeClr>
+            </a:lnRef>
+            <a:fillRef idx="1">
+              <a:schemeClr val="accent1"/>
+            </a:fillRef>
+            <a:effectRef idx="0">
+              <a:schemeClr val="accent1"/>
+            </a:effectRef>
+            <a:fontRef idx="minor">
+              <a:schemeClr val="lt1"/>
+            </a:fontRef>
+          </p:style>
+          <p:txBody>
+            <a:bodyPr rtlCol="0" anchor="ctr"/>
+            <a:p>
+              <a:pPr algn="ctr"/>
+              <a:endParaRPr lang="zh-CN" altLang="en-US"/>
+            </a:p>
+          </p:txBody>
+        </p:sp>
+        <p:sp>
+          <p:nvSpPr>
+            <p:cNvPr id="95" name="椭圆 94"/>
+            <p:cNvSpPr/>
+            <p:nvPr/>
+          </p:nvSpPr>
+          <p:spPr>
+            <a:xfrm>
+              <a:off x="6674" y="3051"/>
+              <a:ext cx="205" cy="171"/>
+            </a:xfrm>
+            <a:prstGeom prst="ellipse">
+              <a:avLst/>
+            </a:prstGeom>
+            <a:noFill/>
+            <a:ln>
+              <a:solidFill>
+                <a:srgbClr val="FF0000"/>
+              </a:solidFill>
+            </a:ln>
+            <a:extLst>
+              <a:ext uri="{909E8E84-426E-40DD-AFC4-6F175D3DCCD1}">
+                <a14:hiddenFill xmlns:a14="http://schemas.microsoft.com/office/drawing/2010/main">
+                  <a:solidFill>
+                    <a:srgbClr val="FF0000"/>
+                  </a:solidFill>
+                </a14:hiddenFill>
+              </a:ext>
+            </a:extLst>
+          </p:spPr>
+          <p:style>
+            <a:lnRef idx="2">
+              <a:schemeClr val="accent1">
+                <a:shade val="50000"/>
+              </a:schemeClr>
+            </a:lnRef>
+            <a:fillRef idx="1">
+              <a:schemeClr val="accent1"/>
+            </a:fillRef>
+            <a:effectRef idx="0">
+              <a:schemeClr val="accent1"/>
+            </a:effectRef>
+            <a:fontRef idx="minor">
+              <a:schemeClr val="lt1"/>
+            </a:fontRef>
+          </p:style>
+          <p:txBody>
+            <a:bodyPr rtlCol="0" anchor="ctr"/>
+            <a:p>
+              <a:pPr algn="ctr"/>
+              <a:endParaRPr lang="zh-CN" altLang="en-US"/>
+            </a:p>
+          </p:txBody>
+        </p:sp>
+        <p:graphicFrame>
+          <p:nvGraphicFramePr>
+            <p:cNvPr id="96" name="对象 95">
+              <a:hlinkClick r:id="" action="ppaction://ole?verb="/>
+            </p:cNvPr>
+            <p:cNvGraphicFramePr>
+              <a:graphicFrameLocks noChangeAspect="1"/>
+            </p:cNvGraphicFramePr>
+            <p:nvPr/>
+          </p:nvGraphicFramePr>
+          <p:xfrm>
+            <a:off x="4990" y="3393"/>
+            <a:ext cx="613" cy="613"/>
+          </p:xfrm>
+          <a:graphic>
+            <a:graphicData uri="http://schemas.openxmlformats.org/presentationml/2006/ole">
+              <mc:AlternateContent xmlns:mc="http://schemas.openxmlformats.org/markup-compatibility/2006">
+                <mc:Choice xmlns:v="urn:schemas-microsoft-com:vml" Requires="v">
+                  <p:oleObj spid="_x0000_s97" name="" r:id="rId7" imgW="190500" imgH="190500" progId="Equation.KSEE3">
+                    <p:embed/>
+                  </p:oleObj>
+                </mc:Choice>
+                <mc:Fallback>
+                  <p:oleObj name="" r:id="rId7" imgW="190500" imgH="190500" progId="Equation.KSEE3">
+                    <p:embed/>
+                    <p:pic>
+                      <p:nvPicPr>
+                        <p:cNvPr id="0" name="图片 1025"/>
+                        <p:cNvPicPr/>
+                        <p:nvPr/>
+                      </p:nvPicPr>
+                      <p:blipFill>
+                        <a:blip r:embed="rId8"/>
+                        <a:stretch>
+                          <a:fillRect/>
+                        </a:stretch>
+                      </p:blipFill>
+                      <p:spPr>
+                        <a:xfrm>
+                          <a:off x="4990" y="3393"/>
+                          <a:ext cx="613" cy="613"/>
+                        </a:xfrm>
+                        <a:prstGeom prst="rect">
+                          <a:avLst/>
+                        </a:prstGeom>
+                      </p:spPr>
+                    </p:pic>
+                  </p:oleObj>
+                </mc:Fallback>
+              </mc:AlternateContent>
+            </a:graphicData>
+          </a:graphic>
+        </p:graphicFrame>
+        <p:sp>
+          <p:nvSpPr>
+            <p:cNvPr id="98" name="等腰三角形 97"/>
+            <p:cNvSpPr/>
+            <p:nvPr/>
+          </p:nvSpPr>
+          <p:spPr>
+            <a:xfrm>
+              <a:off x="5603" y="3505"/>
+              <a:ext cx="229" cy="193"/>
+            </a:xfrm>
+            <a:prstGeom prst="triangle">
+              <a:avLst/>
+            </a:prstGeom>
+            <a:solidFill>
+              <a:srgbClr val="0070C0"/>
+            </a:solidFill>
+            <a:ln>
+              <a:solidFill>
+                <a:srgbClr val="0070C0"/>
+              </a:solidFill>
+            </a:ln>
+          </p:spPr>
+          <p:style>
+            <a:lnRef idx="2">
+              <a:schemeClr val="accent1">
+                <a:shade val="50000"/>
+              </a:schemeClr>
+            </a:lnRef>
+            <a:fillRef idx="1">
+              <a:schemeClr val="accent1"/>
+            </a:fillRef>
+            <a:effectRef idx="0">
+              <a:schemeClr val="accent1"/>
+            </a:effectRef>
+            <a:fontRef idx="minor">
+              <a:schemeClr val="lt1"/>
+            </a:fontRef>
+          </p:style>
+          <p:txBody>
+            <a:bodyPr rtlCol="0" anchor="ctr"/>
+            <a:p>
+              <a:pPr algn="ctr"/>
+              <a:endParaRPr lang="zh-CN" altLang="en-US"/>
+            </a:p>
+          </p:txBody>
+        </p:sp>
+      </p:grpSp>
+      <p:sp>
+        <p:nvSpPr>
+          <p:cNvPr id="100" name="文本框 99"/>
+          <p:cNvSpPr txBox="1"/>
+          <p:nvPr/>
+        </p:nvSpPr>
+        <p:spPr>
+          <a:xfrm>
+            <a:off x="4664710" y="1529715"/>
+            <a:ext cx="298450" cy="368300"/>
+          </a:xfrm>
+          <a:prstGeom prst="rect">
+            <a:avLst/>
+          </a:prstGeom>
+          <a:noFill/>
+        </p:spPr>
+        <p:txBody>
+          <a:bodyPr wrap="none" rtlCol="0">
+            <a:spAutoFit/>
+          </a:bodyPr>
+          <a:p>
+            <a:r>
+              <a:rPr lang="en-US" altLang="zh-CN"/>
+              <a:t>1</a:t>
+            </a:r>
+            <a:endParaRPr lang="en-US" altLang="zh-CN"/>
+          </a:p>
+        </p:txBody>
+      </p:sp>
+      <p:sp>
+        <p:nvSpPr>
+          <p:cNvPr id="101" name="文本框 100"/>
+          <p:cNvSpPr txBox="1"/>
+          <p:nvPr/>
+        </p:nvSpPr>
+        <p:spPr>
+          <a:xfrm>
+            <a:off x="10218420" y="1670050"/>
+            <a:ext cx="298450" cy="368300"/>
+          </a:xfrm>
+          <a:prstGeom prst="rect">
+            <a:avLst/>
+          </a:prstGeom>
+          <a:noFill/>
+        </p:spPr>
+        <p:txBody>
+          <a:bodyPr wrap="none" rtlCol="0">
+            <a:spAutoFit/>
+          </a:bodyPr>
+          <a:p>
+            <a:r>
+              <a:rPr lang="en-US" altLang="zh-CN"/>
+              <a:t>2</a:t>
+            </a:r>
+            <a:endParaRPr lang="en-US" altLang="zh-CN"/>
+          </a:p>
+        </p:txBody>
+      </p:sp>
+    </p:spTree>
+  </p:cSld>
+  <p:clrMapOvr>
+    <a:masterClrMapping/>
+  </p:clrMapOvr>
+</p:sld>
+</file>
+
 <file path=ppt/slides/slide2.xml><?xml version="1.0" encoding="utf-8"?>
 <p:sld xmlns:a="http://schemas.openxmlformats.org/drawingml/2006/main" xmlns:r="http://schemas.openxmlformats.org/officeDocument/2006/relationships" xmlns:p="http://schemas.openxmlformats.org/presentationml/2006/main">
   <p:cSld>
@@ -16579,6 +18442,7150 @@
 </p:sld>
 </file>
 
+<file path=ppt/slides/slide20.xml><?xml version="1.0" encoding="utf-8"?>
+<p:sld xmlns:a="http://schemas.openxmlformats.org/drawingml/2006/main" xmlns:r="http://schemas.openxmlformats.org/officeDocument/2006/relationships" xmlns:p="http://schemas.openxmlformats.org/presentationml/2006/main">
+  <p:cSld>
+    <p:spTree>
+      <p:nvGrpSpPr>
+        <p:cNvPr id="1" name=""/>
+        <p:cNvGrpSpPr/>
+        <p:nvPr/>
+      </p:nvGrpSpPr>
+      <p:grpSpPr/>
+      <p:grpSp>
+        <p:nvGrpSpPr>
+          <p:cNvPr id="29" name="组合 28"/>
+          <p:cNvGrpSpPr/>
+          <p:nvPr/>
+        </p:nvGrpSpPr>
+        <p:grpSpPr>
+          <a:xfrm>
+            <a:off x="687070" y="1592580"/>
+            <a:ext cx="4711065" cy="3991610"/>
+            <a:chOff x="2521" y="1429"/>
+            <a:chExt cx="7419" cy="6286"/>
+          </a:xfrm>
+        </p:grpSpPr>
+        <p:cxnSp>
+          <p:nvCxnSpPr>
+            <p:cNvPr id="5" name="直接箭头连接符 4"/>
+            <p:cNvCxnSpPr/>
+            <p:nvPr/>
+          </p:nvCxnSpPr>
+          <p:spPr>
+            <a:xfrm flipH="1" flipV="1">
+              <a:off x="3236" y="1734"/>
+              <a:ext cx="34" cy="5361"/>
+            </a:xfrm>
+            <a:prstGeom prst="straightConnector1">
+              <a:avLst/>
+            </a:prstGeom>
+            <a:ln w="28575">
+              <a:solidFill>
+                <a:schemeClr val="tx1"/>
+              </a:solidFill>
+              <a:tailEnd type="arrow"/>
+            </a:ln>
+          </p:spPr>
+          <p:style>
+            <a:lnRef idx="1">
+              <a:schemeClr val="accent1"/>
+            </a:lnRef>
+            <a:fillRef idx="0">
+              <a:schemeClr val="accent1"/>
+            </a:fillRef>
+            <a:effectRef idx="0">
+              <a:schemeClr val="accent1"/>
+            </a:effectRef>
+            <a:fontRef idx="minor">
+              <a:schemeClr val="tx1"/>
+            </a:fontRef>
+          </p:style>
+        </p:cxnSp>
+        <p:cxnSp>
+          <p:nvCxnSpPr>
+            <p:cNvPr id="4" name="直接箭头连接符 3"/>
+            <p:cNvCxnSpPr/>
+            <p:nvPr/>
+          </p:nvCxnSpPr>
+          <p:spPr>
+            <a:xfrm flipV="1">
+              <a:off x="3236" y="7060"/>
+              <a:ext cx="6474" cy="35"/>
+            </a:xfrm>
+            <a:prstGeom prst="straightConnector1">
+              <a:avLst/>
+            </a:prstGeom>
+            <a:ln w="28575">
+              <a:solidFill>
+                <a:schemeClr val="tx1"/>
+              </a:solidFill>
+              <a:tailEnd type="arrow"/>
+            </a:ln>
+          </p:spPr>
+          <p:style>
+            <a:lnRef idx="1">
+              <a:schemeClr val="accent1"/>
+            </a:lnRef>
+            <a:fillRef idx="0">
+              <a:schemeClr val="accent1"/>
+            </a:fillRef>
+            <a:effectRef idx="0">
+              <a:schemeClr val="accent1"/>
+            </a:effectRef>
+            <a:fontRef idx="minor">
+              <a:schemeClr val="tx1"/>
+            </a:fontRef>
+          </p:style>
+        </p:cxnSp>
+        <p:graphicFrame>
+          <p:nvGraphicFramePr>
+            <p:cNvPr id="14" name="对象 13">
+              <a:hlinkClick r:id="" action="ppaction://ole?verb="/>
+            </p:cNvPr>
+            <p:cNvGraphicFramePr>
+              <a:graphicFrameLocks noChangeAspect="1"/>
+            </p:cNvGraphicFramePr>
+            <p:nvPr/>
+          </p:nvGraphicFramePr>
+          <p:xfrm>
+            <a:off x="9464" y="7095"/>
+            <a:ext cx="477" cy="621"/>
+          </p:xfrm>
+          <a:graphic>
+            <a:graphicData uri="http://schemas.openxmlformats.org/presentationml/2006/ole">
+              <mc:AlternateContent xmlns:mc="http://schemas.openxmlformats.org/markup-compatibility/2006">
+                <mc:Choice xmlns:v="urn:schemas-microsoft-com:vml" Requires="v">
+                  <p:oleObj spid="_x0000_s1025" name="" r:id="rId1" imgW="127000" imgH="165100" progId="Equation.KSEE3">
+                    <p:embed/>
+                  </p:oleObj>
+                </mc:Choice>
+                <mc:Fallback>
+                  <p:oleObj name="" r:id="rId1" imgW="127000" imgH="165100" progId="Equation.KSEE3">
+                    <p:embed/>
+                    <p:pic>
+                      <p:nvPicPr>
+                        <p:cNvPr id="0" name="图片 1024"/>
+                        <p:cNvPicPr/>
+                        <p:nvPr/>
+                      </p:nvPicPr>
+                      <p:blipFill>
+                        <a:blip r:embed="rId2"/>
+                        <a:stretch>
+                          <a:fillRect/>
+                        </a:stretch>
+                      </p:blipFill>
+                      <p:spPr>
+                        <a:xfrm>
+                          <a:off x="9464" y="7095"/>
+                          <a:ext cx="477" cy="621"/>
+                        </a:xfrm>
+                        <a:prstGeom prst="rect">
+                          <a:avLst/>
+                        </a:prstGeom>
+                      </p:spPr>
+                    </p:pic>
+                  </p:oleObj>
+                </mc:Fallback>
+              </mc:AlternateContent>
+            </a:graphicData>
+          </a:graphic>
+        </p:graphicFrame>
+        <p:graphicFrame>
+          <p:nvGraphicFramePr>
+            <p:cNvPr id="15" name="对象 14">
+              <a:hlinkClick r:id="" action="ppaction://ole?verb="/>
+            </p:cNvPr>
+            <p:cNvGraphicFramePr>
+              <a:graphicFrameLocks noChangeAspect="1"/>
+            </p:cNvGraphicFramePr>
+            <p:nvPr/>
+          </p:nvGraphicFramePr>
+          <p:xfrm>
+            <a:off x="2521" y="1429"/>
+            <a:ext cx="527" cy="623"/>
+          </p:xfrm>
+          <a:graphic>
+            <a:graphicData uri="http://schemas.openxmlformats.org/presentationml/2006/ole">
+              <mc:AlternateContent xmlns:mc="http://schemas.openxmlformats.org/markup-compatibility/2006">
+                <mc:Choice xmlns:v="urn:schemas-microsoft-com:vml" Requires="v">
+                  <p:oleObj spid="_x0000_s2" name="" r:id="rId3" imgW="139700" imgH="165100" progId="Equation.KSEE3">
+                    <p:embed/>
+                  </p:oleObj>
+                </mc:Choice>
+                <mc:Fallback>
+                  <p:oleObj name="" r:id="rId3" imgW="139700" imgH="165100" progId="Equation.KSEE3">
+                    <p:embed/>
+                    <p:pic>
+                      <p:nvPicPr>
+                        <p:cNvPr id="0" name="图片 1024"/>
+                        <p:cNvPicPr/>
+                        <p:nvPr/>
+                      </p:nvPicPr>
+                      <p:blipFill>
+                        <a:blip r:embed="rId4"/>
+                        <a:stretch>
+                          <a:fillRect/>
+                        </a:stretch>
+                      </p:blipFill>
+                      <p:spPr>
+                        <a:xfrm>
+                          <a:off x="2521" y="1429"/>
+                          <a:ext cx="527" cy="623"/>
+                        </a:xfrm>
+                        <a:prstGeom prst="rect">
+                          <a:avLst/>
+                        </a:prstGeom>
+                      </p:spPr>
+                    </p:pic>
+                  </p:oleObj>
+                </mc:Fallback>
+              </mc:AlternateContent>
+            </a:graphicData>
+          </a:graphic>
+        </p:graphicFrame>
+        <p:sp>
+          <p:nvSpPr>
+            <p:cNvPr id="61" name="椭圆 60"/>
+            <p:cNvSpPr/>
+            <p:nvPr/>
+          </p:nvSpPr>
+          <p:spPr>
+            <a:xfrm>
+              <a:off x="7518" y="3051"/>
+              <a:ext cx="205" cy="171"/>
+            </a:xfrm>
+            <a:prstGeom prst="ellipse">
+              <a:avLst/>
+            </a:prstGeom>
+            <a:noFill/>
+            <a:ln>
+              <a:solidFill>
+                <a:srgbClr val="FF0000"/>
+              </a:solidFill>
+            </a:ln>
+            <a:extLst>
+              <a:ext uri="{909E8E84-426E-40DD-AFC4-6F175D3DCCD1}">
+                <a14:hiddenFill xmlns:a14="http://schemas.microsoft.com/office/drawing/2010/main">
+                  <a:solidFill>
+                    <a:srgbClr val="FF0000"/>
+                  </a:solidFill>
+                </a14:hiddenFill>
+              </a:ext>
+            </a:extLst>
+          </p:spPr>
+          <p:style>
+            <a:lnRef idx="2">
+              <a:schemeClr val="accent1">
+                <a:shade val="50000"/>
+              </a:schemeClr>
+            </a:lnRef>
+            <a:fillRef idx="1">
+              <a:schemeClr val="accent1"/>
+            </a:fillRef>
+            <a:effectRef idx="0">
+              <a:schemeClr val="accent1"/>
+            </a:effectRef>
+            <a:fontRef idx="minor">
+              <a:schemeClr val="lt1"/>
+            </a:fontRef>
+          </p:style>
+          <p:txBody>
+            <a:bodyPr rtlCol="0" anchor="ctr"/>
+            <a:p>
+              <a:pPr algn="ctr"/>
+              <a:endParaRPr lang="zh-CN" altLang="en-US"/>
+            </a:p>
+          </p:txBody>
+        </p:sp>
+        <p:sp>
+          <p:nvSpPr>
+            <p:cNvPr id="63" name="椭圆 62"/>
+            <p:cNvSpPr/>
+            <p:nvPr/>
+          </p:nvSpPr>
+          <p:spPr>
+            <a:xfrm>
+              <a:off x="4807" y="2709"/>
+              <a:ext cx="205" cy="171"/>
+            </a:xfrm>
+            <a:prstGeom prst="ellipse">
+              <a:avLst/>
+            </a:prstGeom>
+            <a:noFill/>
+            <a:ln>
+              <a:solidFill>
+                <a:srgbClr val="FF0000"/>
+              </a:solidFill>
+            </a:ln>
+            <a:extLst>
+              <a:ext uri="{909E8E84-426E-40DD-AFC4-6F175D3DCCD1}">
+                <a14:hiddenFill xmlns:a14="http://schemas.microsoft.com/office/drawing/2010/main">
+                  <a:solidFill>
+                    <a:srgbClr val="FF0000"/>
+                  </a:solidFill>
+                </a14:hiddenFill>
+              </a:ext>
+            </a:extLst>
+          </p:spPr>
+          <p:style>
+            <a:lnRef idx="2">
+              <a:schemeClr val="accent1">
+                <a:shade val="50000"/>
+              </a:schemeClr>
+            </a:lnRef>
+            <a:fillRef idx="1">
+              <a:schemeClr val="accent1"/>
+            </a:fillRef>
+            <a:effectRef idx="0">
+              <a:schemeClr val="accent1"/>
+            </a:effectRef>
+            <a:fontRef idx="minor">
+              <a:schemeClr val="lt1"/>
+            </a:fontRef>
+          </p:style>
+          <p:txBody>
+            <a:bodyPr rtlCol="0" anchor="ctr"/>
+            <a:p>
+              <a:pPr algn="ctr"/>
+              <a:endParaRPr lang="zh-CN" altLang="en-US"/>
+            </a:p>
+          </p:txBody>
+        </p:sp>
+        <p:sp>
+          <p:nvSpPr>
+            <p:cNvPr id="7" name="椭圆 6"/>
+            <p:cNvSpPr/>
+            <p:nvPr/>
+          </p:nvSpPr>
+          <p:spPr>
+            <a:xfrm>
+              <a:off x="5832" y="2452"/>
+              <a:ext cx="205" cy="171"/>
+            </a:xfrm>
+            <a:prstGeom prst="ellipse">
+              <a:avLst/>
+            </a:prstGeom>
+            <a:noFill/>
+            <a:ln>
+              <a:solidFill>
+                <a:srgbClr val="FF0000"/>
+              </a:solidFill>
+            </a:ln>
+            <a:extLst>
+              <a:ext uri="{909E8E84-426E-40DD-AFC4-6F175D3DCCD1}">
+                <a14:hiddenFill xmlns:a14="http://schemas.microsoft.com/office/drawing/2010/main">
+                  <a:solidFill>
+                    <a:srgbClr val="FF0000"/>
+                  </a:solidFill>
+                </a14:hiddenFill>
+              </a:ext>
+            </a:extLst>
+          </p:spPr>
+          <p:style>
+            <a:lnRef idx="2">
+              <a:schemeClr val="accent1">
+                <a:shade val="50000"/>
+              </a:schemeClr>
+            </a:lnRef>
+            <a:fillRef idx="1">
+              <a:schemeClr val="accent1"/>
+            </a:fillRef>
+            <a:effectRef idx="0">
+              <a:schemeClr val="accent1"/>
+            </a:effectRef>
+            <a:fontRef idx="minor">
+              <a:schemeClr val="lt1"/>
+            </a:fontRef>
+          </p:style>
+          <p:txBody>
+            <a:bodyPr rtlCol="0" anchor="ctr"/>
+            <a:p>
+              <a:pPr algn="ctr"/>
+              <a:endParaRPr lang="zh-CN" altLang="en-US"/>
+            </a:p>
+          </p:txBody>
+        </p:sp>
+        <p:sp>
+          <p:nvSpPr>
+            <p:cNvPr id="10" name="椭圆 9"/>
+            <p:cNvSpPr/>
+            <p:nvPr/>
+          </p:nvSpPr>
+          <p:spPr>
+            <a:xfrm>
+              <a:off x="7313" y="3566"/>
+              <a:ext cx="205" cy="171"/>
+            </a:xfrm>
+            <a:prstGeom prst="ellipse">
+              <a:avLst/>
+            </a:prstGeom>
+            <a:noFill/>
+            <a:ln>
+              <a:solidFill>
+                <a:srgbClr val="FF0000"/>
+              </a:solidFill>
+            </a:ln>
+            <a:extLst>
+              <a:ext uri="{909E8E84-426E-40DD-AFC4-6F175D3DCCD1}">
+                <a14:hiddenFill xmlns:a14="http://schemas.microsoft.com/office/drawing/2010/main">
+                  <a:solidFill>
+                    <a:srgbClr val="FF0000"/>
+                  </a:solidFill>
+                </a14:hiddenFill>
+              </a:ext>
+            </a:extLst>
+          </p:spPr>
+          <p:style>
+            <a:lnRef idx="2">
+              <a:schemeClr val="accent1">
+                <a:shade val="50000"/>
+              </a:schemeClr>
+            </a:lnRef>
+            <a:fillRef idx="1">
+              <a:schemeClr val="accent1"/>
+            </a:fillRef>
+            <a:effectRef idx="0">
+              <a:schemeClr val="accent1"/>
+            </a:effectRef>
+            <a:fontRef idx="minor">
+              <a:schemeClr val="lt1"/>
+            </a:fontRef>
+          </p:style>
+          <p:txBody>
+            <a:bodyPr rtlCol="0" anchor="ctr"/>
+            <a:p>
+              <a:pPr algn="ctr"/>
+              <a:endParaRPr lang="zh-CN" altLang="en-US"/>
+            </a:p>
+          </p:txBody>
+        </p:sp>
+        <p:sp>
+          <p:nvSpPr>
+            <p:cNvPr id="6" name="椭圆 5"/>
+            <p:cNvSpPr/>
+            <p:nvPr/>
+          </p:nvSpPr>
+          <p:spPr>
+            <a:xfrm>
+              <a:off x="6427" y="4360"/>
+              <a:ext cx="205" cy="171"/>
+            </a:xfrm>
+            <a:prstGeom prst="ellipse">
+              <a:avLst/>
+            </a:prstGeom>
+            <a:noFill/>
+            <a:ln>
+              <a:solidFill>
+                <a:srgbClr val="FF0000"/>
+              </a:solidFill>
+            </a:ln>
+            <a:extLst>
+              <a:ext uri="{909E8E84-426E-40DD-AFC4-6F175D3DCCD1}">
+                <a14:hiddenFill xmlns:a14="http://schemas.microsoft.com/office/drawing/2010/main">
+                  <a:solidFill>
+                    <a:srgbClr val="FF0000"/>
+                  </a:solidFill>
+                </a14:hiddenFill>
+              </a:ext>
+            </a:extLst>
+          </p:spPr>
+          <p:style>
+            <a:lnRef idx="2">
+              <a:schemeClr val="accent1">
+                <a:shade val="50000"/>
+              </a:schemeClr>
+            </a:lnRef>
+            <a:fillRef idx="1">
+              <a:schemeClr val="accent1"/>
+            </a:fillRef>
+            <a:effectRef idx="0">
+              <a:schemeClr val="accent1"/>
+            </a:effectRef>
+            <a:fontRef idx="minor">
+              <a:schemeClr val="lt1"/>
+            </a:fontRef>
+          </p:style>
+          <p:txBody>
+            <a:bodyPr rtlCol="0" anchor="ctr"/>
+            <a:p>
+              <a:pPr algn="ctr"/>
+              <a:endParaRPr lang="zh-CN" altLang="en-US"/>
+            </a:p>
+          </p:txBody>
+        </p:sp>
+        <p:sp>
+          <p:nvSpPr>
+            <p:cNvPr id="8" name="椭圆 7"/>
+            <p:cNvSpPr/>
+            <p:nvPr/>
+          </p:nvSpPr>
+          <p:spPr>
+            <a:xfrm>
+              <a:off x="6469" y="2281"/>
+              <a:ext cx="205" cy="171"/>
+            </a:xfrm>
+            <a:prstGeom prst="ellipse">
+              <a:avLst/>
+            </a:prstGeom>
+            <a:noFill/>
+            <a:ln>
+              <a:solidFill>
+                <a:srgbClr val="FF0000"/>
+              </a:solidFill>
+            </a:ln>
+            <a:extLst>
+              <a:ext uri="{909E8E84-426E-40DD-AFC4-6F175D3DCCD1}">
+                <a14:hiddenFill xmlns:a14="http://schemas.microsoft.com/office/drawing/2010/main">
+                  <a:solidFill>
+                    <a:srgbClr val="FF0000"/>
+                  </a:solidFill>
+                </a14:hiddenFill>
+              </a:ext>
+            </a:extLst>
+          </p:spPr>
+          <p:style>
+            <a:lnRef idx="2">
+              <a:schemeClr val="accent1">
+                <a:shade val="50000"/>
+              </a:schemeClr>
+            </a:lnRef>
+            <a:fillRef idx="1">
+              <a:schemeClr val="accent1"/>
+            </a:fillRef>
+            <a:effectRef idx="0">
+              <a:schemeClr val="accent1"/>
+            </a:effectRef>
+            <a:fontRef idx="minor">
+              <a:schemeClr val="lt1"/>
+            </a:fontRef>
+          </p:style>
+          <p:txBody>
+            <a:bodyPr rtlCol="0" anchor="ctr"/>
+            <a:p>
+              <a:pPr algn="ctr"/>
+              <a:endParaRPr lang="zh-CN" altLang="en-US"/>
+            </a:p>
+          </p:txBody>
+        </p:sp>
+        <p:sp>
+          <p:nvSpPr>
+            <p:cNvPr id="42" name="椭圆 41"/>
+            <p:cNvSpPr/>
+            <p:nvPr/>
+          </p:nvSpPr>
+          <p:spPr>
+            <a:xfrm>
+              <a:off x="7347" y="5934"/>
+              <a:ext cx="205" cy="171"/>
+            </a:xfrm>
+            <a:prstGeom prst="ellipse">
+              <a:avLst/>
+            </a:prstGeom>
+            <a:noFill/>
+            <a:ln>
+              <a:solidFill>
+                <a:srgbClr val="FF0000"/>
+              </a:solidFill>
+            </a:ln>
+            <a:extLst>
+              <a:ext uri="{909E8E84-426E-40DD-AFC4-6F175D3DCCD1}">
+                <a14:hiddenFill xmlns:a14="http://schemas.microsoft.com/office/drawing/2010/main">
+                  <a:solidFill>
+                    <a:srgbClr val="FF0000"/>
+                  </a:solidFill>
+                </a14:hiddenFill>
+              </a:ext>
+            </a:extLst>
+          </p:spPr>
+          <p:style>
+            <a:lnRef idx="2">
+              <a:schemeClr val="accent1">
+                <a:shade val="50000"/>
+              </a:schemeClr>
+            </a:lnRef>
+            <a:fillRef idx="1">
+              <a:schemeClr val="accent1"/>
+            </a:fillRef>
+            <a:effectRef idx="0">
+              <a:schemeClr val="accent1"/>
+            </a:effectRef>
+            <a:fontRef idx="minor">
+              <a:schemeClr val="lt1"/>
+            </a:fontRef>
+          </p:style>
+          <p:txBody>
+            <a:bodyPr rtlCol="0" anchor="ctr"/>
+            <a:p>
+              <a:pPr algn="ctr"/>
+              <a:endParaRPr lang="zh-CN" altLang="en-US"/>
+            </a:p>
+          </p:txBody>
+        </p:sp>
+        <p:sp>
+          <p:nvSpPr>
+            <p:cNvPr id="43" name="椭圆 42"/>
+            <p:cNvSpPr/>
+            <p:nvPr/>
+          </p:nvSpPr>
+          <p:spPr>
+            <a:xfrm>
+              <a:off x="5217" y="3222"/>
+              <a:ext cx="205" cy="171"/>
+            </a:xfrm>
+            <a:prstGeom prst="ellipse">
+              <a:avLst/>
+            </a:prstGeom>
+            <a:noFill/>
+            <a:ln>
+              <a:solidFill>
+                <a:srgbClr val="FF0000"/>
+              </a:solidFill>
+            </a:ln>
+            <a:extLst>
+              <a:ext uri="{909E8E84-426E-40DD-AFC4-6F175D3DCCD1}">
+                <a14:hiddenFill xmlns:a14="http://schemas.microsoft.com/office/drawing/2010/main">
+                  <a:solidFill>
+                    <a:srgbClr val="FF0000"/>
+                  </a:solidFill>
+                </a14:hiddenFill>
+              </a:ext>
+            </a:extLst>
+          </p:spPr>
+          <p:style>
+            <a:lnRef idx="2">
+              <a:schemeClr val="accent1">
+                <a:shade val="50000"/>
+              </a:schemeClr>
+            </a:lnRef>
+            <a:fillRef idx="1">
+              <a:schemeClr val="accent1"/>
+            </a:fillRef>
+            <a:effectRef idx="0">
+              <a:schemeClr val="accent1"/>
+            </a:effectRef>
+            <a:fontRef idx="minor">
+              <a:schemeClr val="lt1"/>
+            </a:fontRef>
+          </p:style>
+          <p:txBody>
+            <a:bodyPr rtlCol="0" anchor="ctr"/>
+            <a:p>
+              <a:pPr algn="ctr"/>
+              <a:endParaRPr lang="zh-CN" altLang="en-US"/>
+            </a:p>
+          </p:txBody>
+        </p:sp>
+        <p:sp>
+          <p:nvSpPr>
+            <p:cNvPr id="47" name="椭圆 46"/>
+            <p:cNvSpPr/>
+            <p:nvPr/>
+          </p:nvSpPr>
+          <p:spPr>
+            <a:xfrm>
+              <a:off x="8229" y="6346"/>
+              <a:ext cx="205" cy="171"/>
+            </a:xfrm>
+            <a:prstGeom prst="ellipse">
+              <a:avLst/>
+            </a:prstGeom>
+            <a:noFill/>
+            <a:ln>
+              <a:solidFill>
+                <a:srgbClr val="FF0000"/>
+              </a:solidFill>
+            </a:ln>
+            <a:extLst>
+              <a:ext uri="{909E8E84-426E-40DD-AFC4-6F175D3DCCD1}">
+                <a14:hiddenFill xmlns:a14="http://schemas.microsoft.com/office/drawing/2010/main">
+                  <a:solidFill>
+                    <a:srgbClr val="FF0000"/>
+                  </a:solidFill>
+                </a14:hiddenFill>
+              </a:ext>
+            </a:extLst>
+          </p:spPr>
+          <p:style>
+            <a:lnRef idx="2">
+              <a:schemeClr val="accent1">
+                <a:shade val="50000"/>
+              </a:schemeClr>
+            </a:lnRef>
+            <a:fillRef idx="1">
+              <a:schemeClr val="accent1"/>
+            </a:fillRef>
+            <a:effectRef idx="0">
+              <a:schemeClr val="accent1"/>
+            </a:effectRef>
+            <a:fontRef idx="minor">
+              <a:schemeClr val="lt1"/>
+            </a:fontRef>
+          </p:style>
+          <p:txBody>
+            <a:bodyPr rtlCol="0" anchor="ctr"/>
+            <a:p>
+              <a:pPr algn="ctr"/>
+              <a:endParaRPr lang="zh-CN" altLang="en-US"/>
+            </a:p>
+          </p:txBody>
+        </p:sp>
+        <p:sp>
+          <p:nvSpPr>
+            <p:cNvPr id="48" name="椭圆 47"/>
+            <p:cNvSpPr/>
+            <p:nvPr/>
+          </p:nvSpPr>
+          <p:spPr>
+            <a:xfrm>
+              <a:off x="6196" y="3051"/>
+              <a:ext cx="205" cy="171"/>
+            </a:xfrm>
+            <a:prstGeom prst="ellipse">
+              <a:avLst/>
+            </a:prstGeom>
+            <a:solidFill>
+              <a:srgbClr val="FF0000"/>
+            </a:solidFill>
+            <a:ln>
+              <a:solidFill>
+                <a:srgbClr val="FF0000"/>
+              </a:solidFill>
+            </a:ln>
+          </p:spPr>
+          <p:style>
+            <a:lnRef idx="2">
+              <a:schemeClr val="accent1">
+                <a:shade val="50000"/>
+              </a:schemeClr>
+            </a:lnRef>
+            <a:fillRef idx="1">
+              <a:schemeClr val="accent1"/>
+            </a:fillRef>
+            <a:effectRef idx="0">
+              <a:schemeClr val="accent1"/>
+            </a:effectRef>
+            <a:fontRef idx="minor">
+              <a:schemeClr val="lt1"/>
+            </a:fontRef>
+          </p:style>
+          <p:txBody>
+            <a:bodyPr rtlCol="0" anchor="ctr"/>
+            <a:p>
+              <a:pPr algn="ctr"/>
+              <a:endParaRPr lang="zh-CN" altLang="en-US"/>
+            </a:p>
+          </p:txBody>
+        </p:sp>
+        <p:sp>
+          <p:nvSpPr>
+            <p:cNvPr id="50" name="椭圆 49"/>
+            <p:cNvSpPr/>
+            <p:nvPr/>
+          </p:nvSpPr>
+          <p:spPr>
+            <a:xfrm>
+              <a:off x="5012" y="4189"/>
+              <a:ext cx="205" cy="171"/>
+            </a:xfrm>
+            <a:prstGeom prst="ellipse">
+              <a:avLst/>
+            </a:prstGeom>
+            <a:noFill/>
+            <a:ln>
+              <a:solidFill>
+                <a:srgbClr val="FF0000"/>
+              </a:solidFill>
+            </a:ln>
+            <a:extLst>
+              <a:ext uri="{909E8E84-426E-40DD-AFC4-6F175D3DCCD1}">
+                <a14:hiddenFill xmlns:a14="http://schemas.microsoft.com/office/drawing/2010/main">
+                  <a:solidFill>
+                    <a:srgbClr val="FF0000"/>
+                  </a:solidFill>
+                </a14:hiddenFill>
+              </a:ext>
+            </a:extLst>
+          </p:spPr>
+          <p:style>
+            <a:lnRef idx="2">
+              <a:schemeClr val="accent1">
+                <a:shade val="50000"/>
+              </a:schemeClr>
+            </a:lnRef>
+            <a:fillRef idx="1">
+              <a:schemeClr val="accent1"/>
+            </a:fillRef>
+            <a:effectRef idx="0">
+              <a:schemeClr val="accent1"/>
+            </a:effectRef>
+            <a:fontRef idx="minor">
+              <a:schemeClr val="lt1"/>
+            </a:fontRef>
+          </p:style>
+          <p:txBody>
+            <a:bodyPr rtlCol="0" anchor="ctr"/>
+            <a:p>
+              <a:pPr algn="ctr"/>
+              <a:endParaRPr lang="zh-CN" altLang="en-US"/>
+            </a:p>
+          </p:txBody>
+        </p:sp>
+        <p:sp>
+          <p:nvSpPr>
+            <p:cNvPr id="51" name="椭圆 50"/>
+            <p:cNvSpPr/>
+            <p:nvPr/>
+          </p:nvSpPr>
+          <p:spPr>
+            <a:xfrm>
+              <a:off x="6674" y="3051"/>
+              <a:ext cx="205" cy="171"/>
+            </a:xfrm>
+            <a:prstGeom prst="ellipse">
+              <a:avLst/>
+            </a:prstGeom>
+            <a:noFill/>
+            <a:ln>
+              <a:solidFill>
+                <a:srgbClr val="FF0000"/>
+              </a:solidFill>
+            </a:ln>
+            <a:extLst>
+              <a:ext uri="{909E8E84-426E-40DD-AFC4-6F175D3DCCD1}">
+                <a14:hiddenFill xmlns:a14="http://schemas.microsoft.com/office/drawing/2010/main">
+                  <a:solidFill>
+                    <a:srgbClr val="FF0000"/>
+                  </a:solidFill>
+                </a14:hiddenFill>
+              </a:ext>
+            </a:extLst>
+          </p:spPr>
+          <p:style>
+            <a:lnRef idx="2">
+              <a:schemeClr val="accent1">
+                <a:shade val="50000"/>
+              </a:schemeClr>
+            </a:lnRef>
+            <a:fillRef idx="1">
+              <a:schemeClr val="accent1"/>
+            </a:fillRef>
+            <a:effectRef idx="0">
+              <a:schemeClr val="accent1"/>
+            </a:effectRef>
+            <a:fontRef idx="minor">
+              <a:schemeClr val="lt1"/>
+            </a:fontRef>
+          </p:style>
+          <p:txBody>
+            <a:bodyPr rtlCol="0" anchor="ctr"/>
+            <a:p>
+              <a:pPr algn="ctr"/>
+              <a:endParaRPr lang="zh-CN" altLang="en-US"/>
+            </a:p>
+          </p:txBody>
+        </p:sp>
+        <p:graphicFrame>
+          <p:nvGraphicFramePr>
+            <p:cNvPr id="52" name="对象 51">
+              <a:hlinkClick r:id="" action="ppaction://ole?verb="/>
+            </p:cNvPr>
+            <p:cNvGraphicFramePr>
+              <a:graphicFrameLocks noChangeAspect="1"/>
+            </p:cNvGraphicFramePr>
+            <p:nvPr/>
+          </p:nvGraphicFramePr>
+          <p:xfrm>
+            <a:off x="4990" y="3393"/>
+            <a:ext cx="613" cy="613"/>
+          </p:xfrm>
+          <a:graphic>
+            <a:graphicData uri="http://schemas.openxmlformats.org/presentationml/2006/ole">
+              <mc:AlternateContent xmlns:mc="http://schemas.openxmlformats.org/markup-compatibility/2006">
+                <mc:Choice xmlns:v="urn:schemas-microsoft-com:vml" Requires="v">
+                  <p:oleObj spid="_x0000_s1026" name="" r:id="rId5" imgW="190500" imgH="190500" progId="Equation.KSEE3">
+                    <p:embed/>
+                  </p:oleObj>
+                </mc:Choice>
+                <mc:Fallback>
+                  <p:oleObj name="" r:id="rId5" imgW="190500" imgH="190500" progId="Equation.KSEE3">
+                    <p:embed/>
+                    <p:pic>
+                      <p:nvPicPr>
+                        <p:cNvPr id="0" name="图片 1025"/>
+                        <p:cNvPicPr/>
+                        <p:nvPr/>
+                      </p:nvPicPr>
+                      <p:blipFill>
+                        <a:blip r:embed="rId6"/>
+                        <a:stretch>
+                          <a:fillRect/>
+                        </a:stretch>
+                      </p:blipFill>
+                      <p:spPr>
+                        <a:xfrm>
+                          <a:off x="4990" y="3393"/>
+                          <a:ext cx="613" cy="613"/>
+                        </a:xfrm>
+                        <a:prstGeom prst="rect">
+                          <a:avLst/>
+                        </a:prstGeom>
+                      </p:spPr>
+                    </p:pic>
+                  </p:oleObj>
+                </mc:Fallback>
+              </mc:AlternateContent>
+            </a:graphicData>
+          </a:graphic>
+        </p:graphicFrame>
+        <p:sp>
+          <p:nvSpPr>
+            <p:cNvPr id="54" name="等腰三角形 53"/>
+            <p:cNvSpPr/>
+            <p:nvPr/>
+          </p:nvSpPr>
+          <p:spPr>
+            <a:xfrm>
+              <a:off x="5603" y="3505"/>
+              <a:ext cx="229" cy="193"/>
+            </a:xfrm>
+            <a:prstGeom prst="triangle">
+              <a:avLst/>
+            </a:prstGeom>
+            <a:solidFill>
+              <a:srgbClr val="0070C0"/>
+            </a:solidFill>
+            <a:ln>
+              <a:solidFill>
+                <a:srgbClr val="0070C0"/>
+              </a:solidFill>
+            </a:ln>
+          </p:spPr>
+          <p:style>
+            <a:lnRef idx="2">
+              <a:schemeClr val="accent1">
+                <a:shade val="50000"/>
+              </a:schemeClr>
+            </a:lnRef>
+            <a:fillRef idx="1">
+              <a:schemeClr val="accent1"/>
+            </a:fillRef>
+            <a:effectRef idx="0">
+              <a:schemeClr val="accent1"/>
+            </a:effectRef>
+            <a:fontRef idx="minor">
+              <a:schemeClr val="lt1"/>
+            </a:fontRef>
+          </p:style>
+          <p:txBody>
+            <a:bodyPr rtlCol="0" anchor="ctr"/>
+            <a:p>
+              <a:pPr algn="ctr"/>
+              <a:endParaRPr lang="zh-CN" altLang="en-US"/>
+            </a:p>
+          </p:txBody>
+        </p:sp>
+        <p:cxnSp>
+          <p:nvCxnSpPr>
+            <p:cNvPr id="3" name="直接连接符 2"/>
+            <p:cNvCxnSpPr>
+              <a:stCxn id="8" idx="4"/>
+              <a:endCxn id="54" idx="5"/>
+            </p:cNvCxnSpPr>
+            <p:nvPr/>
+          </p:nvCxnSpPr>
+          <p:spPr>
+            <a:xfrm flipH="1">
+              <a:off x="5775" y="2452"/>
+              <a:ext cx="797" cy="1150"/>
+            </a:xfrm>
+            <a:prstGeom prst="line">
+              <a:avLst/>
+            </a:prstGeom>
+            <a:ln>
+              <a:prstDash val="sysDash"/>
+            </a:ln>
+          </p:spPr>
+          <p:style>
+            <a:lnRef idx="1">
+              <a:schemeClr val="accent1"/>
+            </a:lnRef>
+            <a:fillRef idx="0">
+              <a:schemeClr val="accent1"/>
+            </a:fillRef>
+            <a:effectRef idx="0">
+              <a:schemeClr val="accent1"/>
+            </a:effectRef>
+            <a:fontRef idx="minor">
+              <a:schemeClr val="tx1"/>
+            </a:fontRef>
+          </p:style>
+        </p:cxnSp>
+        <p:cxnSp>
+          <p:nvCxnSpPr>
+            <p:cNvPr id="9" name="直接连接符 8"/>
+            <p:cNvCxnSpPr>
+              <a:stCxn id="54" idx="4"/>
+              <a:endCxn id="6" idx="1"/>
+            </p:cNvCxnSpPr>
+            <p:nvPr/>
+          </p:nvCxnSpPr>
+          <p:spPr>
+            <a:xfrm>
+              <a:off x="5832" y="3698"/>
+              <a:ext cx="625" cy="687"/>
+            </a:xfrm>
+            <a:prstGeom prst="line">
+              <a:avLst/>
+            </a:prstGeom>
+            <a:ln>
+              <a:prstDash val="sysDash"/>
+            </a:ln>
+          </p:spPr>
+          <p:style>
+            <a:lnRef idx="1">
+              <a:schemeClr val="accent1"/>
+            </a:lnRef>
+            <a:fillRef idx="0">
+              <a:schemeClr val="accent1"/>
+            </a:fillRef>
+            <a:effectRef idx="0">
+              <a:schemeClr val="accent1"/>
+            </a:effectRef>
+            <a:fontRef idx="minor">
+              <a:schemeClr val="tx1"/>
+            </a:fontRef>
+          </p:style>
+        </p:cxnSp>
+        <p:cxnSp>
+          <p:nvCxnSpPr>
+            <p:cNvPr id="11" name="直接连接符 10"/>
+            <p:cNvCxnSpPr>
+              <a:stCxn id="8" idx="5"/>
+              <a:endCxn id="6" idx="1"/>
+            </p:cNvCxnSpPr>
+            <p:nvPr/>
+          </p:nvCxnSpPr>
+          <p:spPr>
+            <a:xfrm flipH="1">
+              <a:off x="6457" y="2427"/>
+              <a:ext cx="187" cy="1958"/>
+            </a:xfrm>
+            <a:prstGeom prst="line">
+              <a:avLst/>
+            </a:prstGeom>
+            <a:ln>
+              <a:prstDash val="sysDash"/>
+            </a:ln>
+          </p:spPr>
+          <p:style>
+            <a:lnRef idx="1">
+              <a:schemeClr val="accent1"/>
+            </a:lnRef>
+            <a:fillRef idx="0">
+              <a:schemeClr val="accent1"/>
+            </a:fillRef>
+            <a:effectRef idx="0">
+              <a:schemeClr val="accent1"/>
+            </a:effectRef>
+            <a:fontRef idx="minor">
+              <a:schemeClr val="tx1"/>
+            </a:fontRef>
+          </p:style>
+        </p:cxnSp>
+        <p:sp>
+          <p:nvSpPr>
+            <p:cNvPr id="12" name="菱形 11"/>
+            <p:cNvSpPr/>
+            <p:nvPr/>
+          </p:nvSpPr>
+          <p:spPr>
+            <a:xfrm>
+              <a:off x="6054" y="3393"/>
+              <a:ext cx="240" cy="222"/>
+            </a:xfrm>
+            <a:prstGeom prst="diamond">
+              <a:avLst/>
+            </a:prstGeom>
+            <a:solidFill>
+              <a:srgbClr val="00B050"/>
+            </a:solidFill>
+            <a:ln>
+              <a:solidFill>
+                <a:srgbClr val="00B050"/>
+              </a:solidFill>
+            </a:ln>
+          </p:spPr>
+          <p:style>
+            <a:lnRef idx="2">
+              <a:schemeClr val="accent1">
+                <a:shade val="50000"/>
+              </a:schemeClr>
+            </a:lnRef>
+            <a:fillRef idx="1">
+              <a:schemeClr val="accent1"/>
+            </a:fillRef>
+            <a:effectRef idx="0">
+              <a:schemeClr val="accent1"/>
+            </a:effectRef>
+            <a:fontRef idx="minor">
+              <a:schemeClr val="lt1"/>
+            </a:fontRef>
+          </p:style>
+          <p:txBody>
+            <a:bodyPr rtlCol="0" anchor="ctr"/>
+            <a:p>
+              <a:pPr algn="ctr"/>
+              <a:endParaRPr lang="zh-CN" altLang="en-US"/>
+            </a:p>
+          </p:txBody>
+        </p:sp>
+        <p:cxnSp>
+          <p:nvCxnSpPr>
+            <p:cNvPr id="13" name="直接连接符 12"/>
+            <p:cNvCxnSpPr>
+              <a:stCxn id="12" idx="0"/>
+            </p:cNvCxnSpPr>
+            <p:nvPr/>
+          </p:nvCxnSpPr>
+          <p:spPr>
+            <a:xfrm flipV="1">
+              <a:off x="6174" y="2453"/>
+              <a:ext cx="453" cy="940"/>
+            </a:xfrm>
+            <a:prstGeom prst="line">
+              <a:avLst/>
+            </a:prstGeom>
+            <a:ln>
+              <a:prstDash val="sysDash"/>
+            </a:ln>
+          </p:spPr>
+          <p:style>
+            <a:lnRef idx="1">
+              <a:schemeClr val="accent1"/>
+            </a:lnRef>
+            <a:fillRef idx="0">
+              <a:schemeClr val="accent1"/>
+            </a:fillRef>
+            <a:effectRef idx="0">
+              <a:schemeClr val="accent1"/>
+            </a:effectRef>
+            <a:fontRef idx="minor">
+              <a:schemeClr val="tx1"/>
+            </a:fontRef>
+          </p:style>
+        </p:cxnSp>
+        <p:cxnSp>
+          <p:nvCxnSpPr>
+            <p:cNvPr id="16" name="直接连接符 15"/>
+            <p:cNvCxnSpPr>
+              <a:stCxn id="12" idx="2"/>
+              <a:endCxn id="6" idx="1"/>
+            </p:cNvCxnSpPr>
+            <p:nvPr/>
+          </p:nvCxnSpPr>
+          <p:spPr>
+            <a:xfrm>
+              <a:off x="6174" y="3615"/>
+              <a:ext cx="283" cy="770"/>
+            </a:xfrm>
+            <a:prstGeom prst="line">
+              <a:avLst/>
+            </a:prstGeom>
+            <a:ln>
+              <a:prstDash val="sysDash"/>
+            </a:ln>
+          </p:spPr>
+          <p:style>
+            <a:lnRef idx="1">
+              <a:schemeClr val="accent1"/>
+            </a:lnRef>
+            <a:fillRef idx="0">
+              <a:schemeClr val="accent1"/>
+            </a:fillRef>
+            <a:effectRef idx="0">
+              <a:schemeClr val="accent1"/>
+            </a:effectRef>
+            <a:fontRef idx="minor">
+              <a:schemeClr val="tx1"/>
+            </a:fontRef>
+          </p:style>
+        </p:cxnSp>
+        <p:sp>
+          <p:nvSpPr>
+            <p:cNvPr id="17" name="椭圆 16"/>
+            <p:cNvSpPr/>
+            <p:nvPr/>
+          </p:nvSpPr>
+          <p:spPr>
+            <a:xfrm>
+              <a:off x="4368" y="3698"/>
+              <a:ext cx="205" cy="171"/>
+            </a:xfrm>
+            <a:prstGeom prst="ellipse">
+              <a:avLst/>
+            </a:prstGeom>
+            <a:noFill/>
+            <a:ln>
+              <a:solidFill>
+                <a:srgbClr val="FF0000"/>
+              </a:solidFill>
+            </a:ln>
+            <a:extLst>
+              <a:ext uri="{909E8E84-426E-40DD-AFC4-6F175D3DCCD1}">
+                <a14:hiddenFill xmlns:a14="http://schemas.microsoft.com/office/drawing/2010/main">
+                  <a:solidFill>
+                    <a:srgbClr val="FF0000"/>
+                  </a:solidFill>
+                </a14:hiddenFill>
+              </a:ext>
+            </a:extLst>
+          </p:spPr>
+          <p:style>
+            <a:lnRef idx="2">
+              <a:schemeClr val="accent1">
+                <a:shade val="50000"/>
+              </a:schemeClr>
+            </a:lnRef>
+            <a:fillRef idx="1">
+              <a:schemeClr val="accent1"/>
+            </a:fillRef>
+            <a:effectRef idx="0">
+              <a:schemeClr val="accent1"/>
+            </a:effectRef>
+            <a:fontRef idx="minor">
+              <a:schemeClr val="lt1"/>
+            </a:fontRef>
+          </p:style>
+          <p:txBody>
+            <a:bodyPr rtlCol="0" anchor="ctr"/>
+            <a:p>
+              <a:pPr algn="ctr"/>
+              <a:endParaRPr lang="zh-CN" altLang="en-US"/>
+            </a:p>
+          </p:txBody>
+        </p:sp>
+        <p:sp>
+          <p:nvSpPr>
+            <p:cNvPr id="18" name="椭圆 17"/>
+            <p:cNvSpPr/>
+            <p:nvPr/>
+          </p:nvSpPr>
+          <p:spPr>
+            <a:xfrm>
+              <a:off x="6196" y="3835"/>
+              <a:ext cx="205" cy="171"/>
+            </a:xfrm>
+            <a:prstGeom prst="ellipse">
+              <a:avLst/>
+            </a:prstGeom>
+            <a:solidFill>
+              <a:srgbClr val="FF0000"/>
+            </a:solidFill>
+            <a:ln>
+              <a:solidFill>
+                <a:srgbClr val="FF0000"/>
+              </a:solidFill>
+            </a:ln>
+          </p:spPr>
+          <p:style>
+            <a:lnRef idx="2">
+              <a:schemeClr val="accent1">
+                <a:shade val="50000"/>
+              </a:schemeClr>
+            </a:lnRef>
+            <a:fillRef idx="1">
+              <a:schemeClr val="accent1"/>
+            </a:fillRef>
+            <a:effectRef idx="0">
+              <a:schemeClr val="accent1"/>
+            </a:effectRef>
+            <a:fontRef idx="minor">
+              <a:schemeClr val="lt1"/>
+            </a:fontRef>
+          </p:style>
+          <p:txBody>
+            <a:bodyPr rtlCol="0" anchor="ctr"/>
+            <a:p>
+              <a:pPr algn="ctr"/>
+              <a:endParaRPr lang="zh-CN" altLang="en-US"/>
+            </a:p>
+          </p:txBody>
+        </p:sp>
+        <p:graphicFrame>
+          <p:nvGraphicFramePr>
+            <p:cNvPr id="19" name="对象 18">
+              <a:hlinkClick r:id="" action="ppaction://ole?verb="/>
+            </p:cNvPr>
+            <p:cNvGraphicFramePr>
+              <a:graphicFrameLocks noChangeAspect="1"/>
+            </p:cNvGraphicFramePr>
+            <p:nvPr/>
+          </p:nvGraphicFramePr>
+          <p:xfrm>
+            <a:off x="6286" y="3264"/>
+            <a:ext cx="571" cy="571"/>
+          </p:xfrm>
+          <a:graphic>
+            <a:graphicData uri="http://schemas.openxmlformats.org/presentationml/2006/ole">
+              <mc:AlternateContent xmlns:mc="http://schemas.openxmlformats.org/markup-compatibility/2006">
+                <mc:Choice xmlns:v="urn:schemas-microsoft-com:vml" Requires="v">
+                  <p:oleObj spid="_x0000_s20" name="" r:id="rId7" imgW="177165" imgH="177165" progId="Equation.KSEE3">
+                    <p:embed/>
+                  </p:oleObj>
+                </mc:Choice>
+                <mc:Fallback>
+                  <p:oleObj name="" r:id="rId7" imgW="177165" imgH="177165" progId="Equation.KSEE3">
+                    <p:embed/>
+                    <p:pic>
+                      <p:nvPicPr>
+                        <p:cNvPr id="0" name="图片 1025"/>
+                        <p:cNvPicPr/>
+                        <p:nvPr/>
+                      </p:nvPicPr>
+                      <p:blipFill>
+                        <a:blip r:embed="rId8"/>
+                        <a:stretch>
+                          <a:fillRect/>
+                        </a:stretch>
+                      </p:blipFill>
+                      <p:spPr>
+                        <a:xfrm>
+                          <a:off x="6286" y="3264"/>
+                          <a:ext cx="571" cy="571"/>
+                        </a:xfrm>
+                        <a:prstGeom prst="rect">
+                          <a:avLst/>
+                        </a:prstGeom>
+                      </p:spPr>
+                    </p:pic>
+                  </p:oleObj>
+                </mc:Fallback>
+              </mc:AlternateContent>
+            </a:graphicData>
+          </a:graphic>
+        </p:graphicFrame>
+        <p:graphicFrame>
+          <p:nvGraphicFramePr>
+            <p:cNvPr id="21" name="对象 20">
+              <a:hlinkClick r:id="" action="ppaction://ole?verb="/>
+            </p:cNvPr>
+            <p:cNvGraphicFramePr>
+              <a:graphicFrameLocks noChangeAspect="1"/>
+            </p:cNvGraphicFramePr>
+            <p:nvPr/>
+          </p:nvGraphicFramePr>
+          <p:xfrm>
+            <a:off x="6742" y="2052"/>
+            <a:ext cx="571" cy="571"/>
+          </p:xfrm>
+          <a:graphic>
+            <a:graphicData uri="http://schemas.openxmlformats.org/presentationml/2006/ole">
+              <mc:AlternateContent xmlns:mc="http://schemas.openxmlformats.org/markup-compatibility/2006">
+                <mc:Choice xmlns:v="urn:schemas-microsoft-com:vml" Requires="v">
+                  <p:oleObj spid="_x0000_s22" name="" r:id="rId9" imgW="177165" imgH="177165" progId="Equation.KSEE3">
+                    <p:embed/>
+                  </p:oleObj>
+                </mc:Choice>
+                <mc:Fallback>
+                  <p:oleObj name="" r:id="rId9" imgW="177165" imgH="177165" progId="Equation.KSEE3">
+                    <p:embed/>
+                    <p:pic>
+                      <p:nvPicPr>
+                        <p:cNvPr id="0" name="图片 1025"/>
+                        <p:cNvPicPr/>
+                        <p:nvPr/>
+                      </p:nvPicPr>
+                      <p:blipFill>
+                        <a:blip r:embed="rId10"/>
+                        <a:stretch>
+                          <a:fillRect/>
+                        </a:stretch>
+                      </p:blipFill>
+                      <p:spPr>
+                        <a:xfrm>
+                          <a:off x="6742" y="2052"/>
+                          <a:ext cx="571" cy="571"/>
+                        </a:xfrm>
+                        <a:prstGeom prst="rect">
+                          <a:avLst/>
+                        </a:prstGeom>
+                      </p:spPr>
+                    </p:pic>
+                  </p:oleObj>
+                </mc:Fallback>
+              </mc:AlternateContent>
+            </a:graphicData>
+          </a:graphic>
+        </p:graphicFrame>
+        <p:graphicFrame>
+          <p:nvGraphicFramePr>
+            <p:cNvPr id="23" name="对象 22">
+              <a:hlinkClick r:id="" action="ppaction://ole?verb="/>
+            </p:cNvPr>
+            <p:cNvGraphicFramePr>
+              <a:graphicFrameLocks noChangeAspect="1"/>
+            </p:cNvGraphicFramePr>
+            <p:nvPr/>
+          </p:nvGraphicFramePr>
+          <p:xfrm>
+            <a:off x="6627" y="4189"/>
+            <a:ext cx="571" cy="571"/>
+          </p:xfrm>
+          <a:graphic>
+            <a:graphicData uri="http://schemas.openxmlformats.org/presentationml/2006/ole">
+              <mc:AlternateContent xmlns:mc="http://schemas.openxmlformats.org/markup-compatibility/2006">
+                <mc:Choice xmlns:v="urn:schemas-microsoft-com:vml" Requires="v">
+                  <p:oleObj spid="_x0000_s24" name="" r:id="rId11" imgW="177165" imgH="177165" progId="Equation.KSEE3">
+                    <p:embed/>
+                  </p:oleObj>
+                </mc:Choice>
+                <mc:Fallback>
+                  <p:oleObj name="" r:id="rId11" imgW="177165" imgH="177165" progId="Equation.KSEE3">
+                    <p:embed/>
+                    <p:pic>
+                      <p:nvPicPr>
+                        <p:cNvPr id="0" name="图片 1025"/>
+                        <p:cNvPicPr/>
+                        <p:nvPr/>
+                      </p:nvPicPr>
+                      <p:blipFill>
+                        <a:blip r:embed="rId12"/>
+                        <a:stretch>
+                          <a:fillRect/>
+                        </a:stretch>
+                      </p:blipFill>
+                      <p:spPr>
+                        <a:xfrm>
+                          <a:off x="6627" y="4189"/>
+                          <a:ext cx="571" cy="571"/>
+                        </a:xfrm>
+                        <a:prstGeom prst="rect">
+                          <a:avLst/>
+                        </a:prstGeom>
+                      </p:spPr>
+                    </p:pic>
+                  </p:oleObj>
+                </mc:Fallback>
+              </mc:AlternateContent>
+            </a:graphicData>
+          </a:graphic>
+        </p:graphicFrame>
+        <p:graphicFrame>
+          <p:nvGraphicFramePr>
+            <p:cNvPr id="25" name="对象 24">
+              <a:hlinkClick r:id="" action="ppaction://ole?verb="/>
+            </p:cNvPr>
+            <p:cNvGraphicFramePr>
+              <a:graphicFrameLocks noChangeAspect="1"/>
+            </p:cNvGraphicFramePr>
+            <p:nvPr/>
+          </p:nvGraphicFramePr>
+          <p:xfrm>
+            <a:off x="5668" y="3737"/>
+            <a:ext cx="533" cy="571"/>
+          </p:xfrm>
+          <a:graphic>
+            <a:graphicData uri="http://schemas.openxmlformats.org/presentationml/2006/ole">
+              <mc:AlternateContent xmlns:mc="http://schemas.openxmlformats.org/markup-compatibility/2006">
+                <mc:Choice xmlns:v="urn:schemas-microsoft-com:vml" Requires="v">
+                  <p:oleObj spid="_x0000_s26" name="" r:id="rId13" imgW="165100" imgH="177165" progId="Equation.KSEE3">
+                    <p:embed/>
+                  </p:oleObj>
+                </mc:Choice>
+                <mc:Fallback>
+                  <p:oleObj name="" r:id="rId13" imgW="165100" imgH="177165" progId="Equation.KSEE3">
+                    <p:embed/>
+                    <p:pic>
+                      <p:nvPicPr>
+                        <p:cNvPr id="0" name="图片 1025"/>
+                        <p:cNvPicPr/>
+                        <p:nvPr/>
+                      </p:nvPicPr>
+                      <p:blipFill>
+                        <a:blip r:embed="rId14"/>
+                        <a:stretch>
+                          <a:fillRect/>
+                        </a:stretch>
+                      </p:blipFill>
+                      <p:spPr>
+                        <a:xfrm>
+                          <a:off x="5668" y="3737"/>
+                          <a:ext cx="533" cy="571"/>
+                        </a:xfrm>
+                        <a:prstGeom prst="rect">
+                          <a:avLst/>
+                        </a:prstGeom>
+                      </p:spPr>
+                    </p:pic>
+                  </p:oleObj>
+                </mc:Fallback>
+              </mc:AlternateContent>
+            </a:graphicData>
+          </a:graphic>
+        </p:graphicFrame>
+        <p:graphicFrame>
+          <p:nvGraphicFramePr>
+            <p:cNvPr id="27" name="对象 26">
+              <a:hlinkClick r:id="" action="ppaction://ole?verb="/>
+            </p:cNvPr>
+            <p:cNvGraphicFramePr>
+              <a:graphicFrameLocks noChangeAspect="1"/>
+            </p:cNvGraphicFramePr>
+            <p:nvPr/>
+          </p:nvGraphicFramePr>
+          <p:xfrm>
+            <a:off x="5711" y="2800"/>
+            <a:ext cx="492" cy="571"/>
+          </p:xfrm>
+          <a:graphic>
+            <a:graphicData uri="http://schemas.openxmlformats.org/presentationml/2006/ole">
+              <mc:AlternateContent xmlns:mc="http://schemas.openxmlformats.org/markup-compatibility/2006">
+                <mc:Choice xmlns:v="urn:schemas-microsoft-com:vml" Requires="v">
+                  <p:oleObj spid="_x0000_s28" name="" r:id="rId15" imgW="152400" imgH="177165" progId="Equation.KSEE3">
+                    <p:embed/>
+                  </p:oleObj>
+                </mc:Choice>
+                <mc:Fallback>
+                  <p:oleObj name="" r:id="rId15" imgW="152400" imgH="177165" progId="Equation.KSEE3">
+                    <p:embed/>
+                    <p:pic>
+                      <p:nvPicPr>
+                        <p:cNvPr id="0" name="图片 1025"/>
+                        <p:cNvPicPr/>
+                        <p:nvPr/>
+                      </p:nvPicPr>
+                      <p:blipFill>
+                        <a:blip r:embed="rId16"/>
+                        <a:stretch>
+                          <a:fillRect/>
+                        </a:stretch>
+                      </p:blipFill>
+                      <p:spPr>
+                        <a:xfrm>
+                          <a:off x="5711" y="2800"/>
+                          <a:ext cx="492" cy="571"/>
+                        </a:xfrm>
+                        <a:prstGeom prst="rect">
+                          <a:avLst/>
+                        </a:prstGeom>
+                      </p:spPr>
+                    </p:pic>
+                  </p:oleObj>
+                </mc:Fallback>
+              </mc:AlternateContent>
+            </a:graphicData>
+          </a:graphic>
+        </p:graphicFrame>
+      </p:grpSp>
+      <p:grpSp>
+        <p:nvGrpSpPr>
+          <p:cNvPr id="30" name="组合 29"/>
+          <p:cNvGrpSpPr/>
+          <p:nvPr/>
+        </p:nvGrpSpPr>
+        <p:grpSpPr>
+          <a:xfrm>
+            <a:off x="6158230" y="1634490"/>
+            <a:ext cx="4878070" cy="3950335"/>
+            <a:chOff x="2538" y="1494"/>
+            <a:chExt cx="7682" cy="6221"/>
+          </a:xfrm>
+        </p:grpSpPr>
+        <p:cxnSp>
+          <p:nvCxnSpPr>
+            <p:cNvPr id="31" name="直接箭头连接符 30"/>
+            <p:cNvCxnSpPr/>
+            <p:nvPr/>
+          </p:nvCxnSpPr>
+          <p:spPr>
+            <a:xfrm flipH="1" flipV="1">
+              <a:off x="3236" y="1751"/>
+              <a:ext cx="51" cy="5361"/>
+            </a:xfrm>
+            <a:prstGeom prst="straightConnector1">
+              <a:avLst/>
+            </a:prstGeom>
+            <a:ln w="28575">
+              <a:solidFill>
+                <a:schemeClr val="tx1"/>
+              </a:solidFill>
+              <a:tailEnd type="arrow"/>
+            </a:ln>
+          </p:spPr>
+          <p:style>
+            <a:lnRef idx="1">
+              <a:schemeClr val="accent1"/>
+            </a:lnRef>
+            <a:fillRef idx="0">
+              <a:schemeClr val="accent1"/>
+            </a:fillRef>
+            <a:effectRef idx="0">
+              <a:schemeClr val="accent1"/>
+            </a:effectRef>
+            <a:fontRef idx="minor">
+              <a:schemeClr val="tx1"/>
+            </a:fontRef>
+          </p:style>
+        </p:cxnSp>
+        <p:cxnSp>
+          <p:nvCxnSpPr>
+            <p:cNvPr id="32" name="直接箭头连接符 31"/>
+            <p:cNvCxnSpPr/>
+            <p:nvPr/>
+          </p:nvCxnSpPr>
+          <p:spPr>
+            <a:xfrm flipV="1">
+              <a:off x="3287" y="7095"/>
+              <a:ext cx="6457" cy="6"/>
+            </a:xfrm>
+            <a:prstGeom prst="straightConnector1">
+              <a:avLst/>
+            </a:prstGeom>
+            <a:ln w="28575">
+              <a:solidFill>
+                <a:schemeClr val="tx1"/>
+              </a:solidFill>
+              <a:tailEnd type="arrow"/>
+            </a:ln>
+          </p:spPr>
+          <p:style>
+            <a:lnRef idx="1">
+              <a:schemeClr val="accent1"/>
+            </a:lnRef>
+            <a:fillRef idx="0">
+              <a:schemeClr val="accent1"/>
+            </a:fillRef>
+            <a:effectRef idx="0">
+              <a:schemeClr val="accent1"/>
+            </a:effectRef>
+            <a:fontRef idx="minor">
+              <a:schemeClr val="tx1"/>
+            </a:fontRef>
+          </p:style>
+        </p:cxnSp>
+        <p:graphicFrame>
+          <p:nvGraphicFramePr>
+            <p:cNvPr id="33" name="对象 32">
+              <a:hlinkClick r:id="" action="ppaction://ole?verb="/>
+            </p:cNvPr>
+            <p:cNvGraphicFramePr>
+              <a:graphicFrameLocks noChangeAspect="1"/>
+            </p:cNvGraphicFramePr>
+            <p:nvPr/>
+          </p:nvGraphicFramePr>
+          <p:xfrm>
+            <a:off x="9744" y="7095"/>
+            <a:ext cx="477" cy="621"/>
+          </p:xfrm>
+          <a:graphic>
+            <a:graphicData uri="http://schemas.openxmlformats.org/presentationml/2006/ole">
+              <mc:AlternateContent xmlns:mc="http://schemas.openxmlformats.org/markup-compatibility/2006">
+                <mc:Choice xmlns:v="urn:schemas-microsoft-com:vml" Requires="v">
+                  <p:oleObj spid="_x0000_s34" name="" r:id="rId17" imgW="127000" imgH="165100" progId="Equation.KSEE3">
+                    <p:embed/>
+                  </p:oleObj>
+                </mc:Choice>
+                <mc:Fallback>
+                  <p:oleObj name="" r:id="rId17" imgW="127000" imgH="165100" progId="Equation.KSEE3">
+                    <p:embed/>
+                    <p:pic>
+                      <p:nvPicPr>
+                        <p:cNvPr id="0" name="图片 1024"/>
+                        <p:cNvPicPr/>
+                        <p:nvPr/>
+                      </p:nvPicPr>
+                      <p:blipFill>
+                        <a:blip r:embed="rId2"/>
+                        <a:stretch>
+                          <a:fillRect/>
+                        </a:stretch>
+                      </p:blipFill>
+                      <p:spPr>
+                        <a:xfrm>
+                          <a:off x="9744" y="7095"/>
+                          <a:ext cx="477" cy="621"/>
+                        </a:xfrm>
+                        <a:prstGeom prst="rect">
+                          <a:avLst/>
+                        </a:prstGeom>
+                      </p:spPr>
+                    </p:pic>
+                  </p:oleObj>
+                </mc:Fallback>
+              </mc:AlternateContent>
+            </a:graphicData>
+          </a:graphic>
+        </p:graphicFrame>
+        <p:graphicFrame>
+          <p:nvGraphicFramePr>
+            <p:cNvPr id="35" name="对象 34">
+              <a:hlinkClick r:id="" action="ppaction://ole?verb="/>
+            </p:cNvPr>
+            <p:cNvGraphicFramePr>
+              <a:graphicFrameLocks noChangeAspect="1"/>
+            </p:cNvGraphicFramePr>
+            <p:nvPr/>
+          </p:nvGraphicFramePr>
+          <p:xfrm>
+            <a:off x="2538" y="1494"/>
+            <a:ext cx="527" cy="623"/>
+          </p:xfrm>
+          <a:graphic>
+            <a:graphicData uri="http://schemas.openxmlformats.org/presentationml/2006/ole">
+              <mc:AlternateContent xmlns:mc="http://schemas.openxmlformats.org/markup-compatibility/2006">
+                <mc:Choice xmlns:v="urn:schemas-microsoft-com:vml" Requires="v">
+                  <p:oleObj spid="_x0000_s36" name="" r:id="rId18" imgW="139700" imgH="165100" progId="Equation.KSEE3">
+                    <p:embed/>
+                  </p:oleObj>
+                </mc:Choice>
+                <mc:Fallback>
+                  <p:oleObj name="" r:id="rId18" imgW="139700" imgH="165100" progId="Equation.KSEE3">
+                    <p:embed/>
+                    <p:pic>
+                      <p:nvPicPr>
+                        <p:cNvPr id="0" name="图片 1024"/>
+                        <p:cNvPicPr/>
+                        <p:nvPr/>
+                      </p:nvPicPr>
+                      <p:blipFill>
+                        <a:blip r:embed="rId4"/>
+                        <a:stretch>
+                          <a:fillRect/>
+                        </a:stretch>
+                      </p:blipFill>
+                      <p:spPr>
+                        <a:xfrm>
+                          <a:off x="2538" y="1494"/>
+                          <a:ext cx="527" cy="623"/>
+                        </a:xfrm>
+                        <a:prstGeom prst="rect">
+                          <a:avLst/>
+                        </a:prstGeom>
+                      </p:spPr>
+                    </p:pic>
+                  </p:oleObj>
+                </mc:Fallback>
+              </mc:AlternateContent>
+            </a:graphicData>
+          </a:graphic>
+        </p:graphicFrame>
+        <p:sp>
+          <p:nvSpPr>
+            <p:cNvPr id="37" name="椭圆 36"/>
+            <p:cNvSpPr/>
+            <p:nvPr/>
+          </p:nvSpPr>
+          <p:spPr>
+            <a:xfrm>
+              <a:off x="7518" y="3051"/>
+              <a:ext cx="205" cy="171"/>
+            </a:xfrm>
+            <a:prstGeom prst="ellipse">
+              <a:avLst/>
+            </a:prstGeom>
+            <a:noFill/>
+            <a:ln>
+              <a:solidFill>
+                <a:srgbClr val="FF0000"/>
+              </a:solidFill>
+            </a:ln>
+            <a:extLst>
+              <a:ext uri="{909E8E84-426E-40DD-AFC4-6F175D3DCCD1}">
+                <a14:hiddenFill xmlns:a14="http://schemas.microsoft.com/office/drawing/2010/main">
+                  <a:solidFill>
+                    <a:srgbClr val="FF0000"/>
+                  </a:solidFill>
+                </a14:hiddenFill>
+              </a:ext>
+            </a:extLst>
+          </p:spPr>
+          <p:style>
+            <a:lnRef idx="2">
+              <a:schemeClr val="accent1">
+                <a:shade val="50000"/>
+              </a:schemeClr>
+            </a:lnRef>
+            <a:fillRef idx="1">
+              <a:schemeClr val="accent1"/>
+            </a:fillRef>
+            <a:effectRef idx="0">
+              <a:schemeClr val="accent1"/>
+            </a:effectRef>
+            <a:fontRef idx="minor">
+              <a:schemeClr val="lt1"/>
+            </a:fontRef>
+          </p:style>
+          <p:txBody>
+            <a:bodyPr rtlCol="0" anchor="ctr"/>
+            <a:p>
+              <a:pPr algn="ctr"/>
+              <a:endParaRPr lang="zh-CN" altLang="en-US"/>
+            </a:p>
+          </p:txBody>
+        </p:sp>
+        <p:sp>
+          <p:nvSpPr>
+            <p:cNvPr id="38" name="椭圆 37"/>
+            <p:cNvSpPr/>
+            <p:nvPr/>
+          </p:nvSpPr>
+          <p:spPr>
+            <a:xfrm>
+              <a:off x="4807" y="2709"/>
+              <a:ext cx="205" cy="171"/>
+            </a:xfrm>
+            <a:prstGeom prst="ellipse">
+              <a:avLst/>
+            </a:prstGeom>
+            <a:noFill/>
+            <a:ln>
+              <a:solidFill>
+                <a:srgbClr val="FF0000"/>
+              </a:solidFill>
+            </a:ln>
+            <a:extLst>
+              <a:ext uri="{909E8E84-426E-40DD-AFC4-6F175D3DCCD1}">
+                <a14:hiddenFill xmlns:a14="http://schemas.microsoft.com/office/drawing/2010/main">
+                  <a:solidFill>
+                    <a:srgbClr val="FF0000"/>
+                  </a:solidFill>
+                </a14:hiddenFill>
+              </a:ext>
+            </a:extLst>
+          </p:spPr>
+          <p:style>
+            <a:lnRef idx="2">
+              <a:schemeClr val="accent1">
+                <a:shade val="50000"/>
+              </a:schemeClr>
+            </a:lnRef>
+            <a:fillRef idx="1">
+              <a:schemeClr val="accent1"/>
+            </a:fillRef>
+            <a:effectRef idx="0">
+              <a:schemeClr val="accent1"/>
+            </a:effectRef>
+            <a:fontRef idx="minor">
+              <a:schemeClr val="lt1"/>
+            </a:fontRef>
+          </p:style>
+          <p:txBody>
+            <a:bodyPr rtlCol="0" anchor="ctr"/>
+            <a:p>
+              <a:pPr algn="ctr"/>
+              <a:endParaRPr lang="zh-CN" altLang="en-US"/>
+            </a:p>
+          </p:txBody>
+        </p:sp>
+        <p:sp>
+          <p:nvSpPr>
+            <p:cNvPr id="39" name="椭圆 38"/>
+            <p:cNvSpPr/>
+            <p:nvPr/>
+          </p:nvSpPr>
+          <p:spPr>
+            <a:xfrm>
+              <a:off x="5832" y="2452"/>
+              <a:ext cx="205" cy="171"/>
+            </a:xfrm>
+            <a:prstGeom prst="ellipse">
+              <a:avLst/>
+            </a:prstGeom>
+            <a:noFill/>
+            <a:ln>
+              <a:solidFill>
+                <a:srgbClr val="FF0000"/>
+              </a:solidFill>
+            </a:ln>
+            <a:extLst>
+              <a:ext uri="{909E8E84-426E-40DD-AFC4-6F175D3DCCD1}">
+                <a14:hiddenFill xmlns:a14="http://schemas.microsoft.com/office/drawing/2010/main">
+                  <a:solidFill>
+                    <a:srgbClr val="FF0000"/>
+                  </a:solidFill>
+                </a14:hiddenFill>
+              </a:ext>
+            </a:extLst>
+          </p:spPr>
+          <p:style>
+            <a:lnRef idx="2">
+              <a:schemeClr val="accent1">
+                <a:shade val="50000"/>
+              </a:schemeClr>
+            </a:lnRef>
+            <a:fillRef idx="1">
+              <a:schemeClr val="accent1"/>
+            </a:fillRef>
+            <a:effectRef idx="0">
+              <a:schemeClr val="accent1"/>
+            </a:effectRef>
+            <a:fontRef idx="minor">
+              <a:schemeClr val="lt1"/>
+            </a:fontRef>
+          </p:style>
+          <p:txBody>
+            <a:bodyPr rtlCol="0" anchor="ctr"/>
+            <a:p>
+              <a:pPr algn="ctr"/>
+              <a:endParaRPr lang="zh-CN" altLang="en-US"/>
+            </a:p>
+          </p:txBody>
+        </p:sp>
+        <p:sp>
+          <p:nvSpPr>
+            <p:cNvPr id="40" name="椭圆 39"/>
+            <p:cNvSpPr/>
+            <p:nvPr/>
+          </p:nvSpPr>
+          <p:spPr>
+            <a:xfrm>
+              <a:off x="7313" y="3566"/>
+              <a:ext cx="205" cy="171"/>
+            </a:xfrm>
+            <a:prstGeom prst="ellipse">
+              <a:avLst/>
+            </a:prstGeom>
+            <a:noFill/>
+            <a:ln>
+              <a:solidFill>
+                <a:srgbClr val="FF0000"/>
+              </a:solidFill>
+            </a:ln>
+            <a:extLst>
+              <a:ext uri="{909E8E84-426E-40DD-AFC4-6F175D3DCCD1}">
+                <a14:hiddenFill xmlns:a14="http://schemas.microsoft.com/office/drawing/2010/main">
+                  <a:solidFill>
+                    <a:srgbClr val="FF0000"/>
+                  </a:solidFill>
+                </a14:hiddenFill>
+              </a:ext>
+            </a:extLst>
+          </p:spPr>
+          <p:style>
+            <a:lnRef idx="2">
+              <a:schemeClr val="accent1">
+                <a:shade val="50000"/>
+              </a:schemeClr>
+            </a:lnRef>
+            <a:fillRef idx="1">
+              <a:schemeClr val="accent1"/>
+            </a:fillRef>
+            <a:effectRef idx="0">
+              <a:schemeClr val="accent1"/>
+            </a:effectRef>
+            <a:fontRef idx="minor">
+              <a:schemeClr val="lt1"/>
+            </a:fontRef>
+          </p:style>
+          <p:txBody>
+            <a:bodyPr rtlCol="0" anchor="ctr"/>
+            <a:p>
+              <a:pPr algn="ctr"/>
+              <a:endParaRPr lang="zh-CN" altLang="en-US"/>
+            </a:p>
+          </p:txBody>
+        </p:sp>
+        <p:sp>
+          <p:nvSpPr>
+            <p:cNvPr id="41" name="椭圆 40"/>
+            <p:cNvSpPr/>
+            <p:nvPr/>
+          </p:nvSpPr>
+          <p:spPr>
+            <a:xfrm>
+              <a:off x="6427" y="4360"/>
+              <a:ext cx="205" cy="171"/>
+            </a:xfrm>
+            <a:prstGeom prst="ellipse">
+              <a:avLst/>
+            </a:prstGeom>
+            <a:noFill/>
+            <a:ln>
+              <a:solidFill>
+                <a:srgbClr val="FF0000"/>
+              </a:solidFill>
+            </a:ln>
+            <a:extLst>
+              <a:ext uri="{909E8E84-426E-40DD-AFC4-6F175D3DCCD1}">
+                <a14:hiddenFill xmlns:a14="http://schemas.microsoft.com/office/drawing/2010/main">
+                  <a:solidFill>
+                    <a:srgbClr val="FF0000"/>
+                  </a:solidFill>
+                </a14:hiddenFill>
+              </a:ext>
+            </a:extLst>
+          </p:spPr>
+          <p:style>
+            <a:lnRef idx="2">
+              <a:schemeClr val="accent1">
+                <a:shade val="50000"/>
+              </a:schemeClr>
+            </a:lnRef>
+            <a:fillRef idx="1">
+              <a:schemeClr val="accent1"/>
+            </a:fillRef>
+            <a:effectRef idx="0">
+              <a:schemeClr val="accent1"/>
+            </a:effectRef>
+            <a:fontRef idx="minor">
+              <a:schemeClr val="lt1"/>
+            </a:fontRef>
+          </p:style>
+          <p:txBody>
+            <a:bodyPr rtlCol="0" anchor="ctr"/>
+            <a:p>
+              <a:pPr algn="ctr"/>
+              <a:endParaRPr lang="zh-CN" altLang="en-US"/>
+            </a:p>
+          </p:txBody>
+        </p:sp>
+        <p:sp>
+          <p:nvSpPr>
+            <p:cNvPr id="44" name="椭圆 43"/>
+            <p:cNvSpPr/>
+            <p:nvPr/>
+          </p:nvSpPr>
+          <p:spPr>
+            <a:xfrm>
+              <a:off x="6469" y="2281"/>
+              <a:ext cx="205" cy="171"/>
+            </a:xfrm>
+            <a:prstGeom prst="ellipse">
+              <a:avLst/>
+            </a:prstGeom>
+            <a:noFill/>
+            <a:ln>
+              <a:solidFill>
+                <a:srgbClr val="FF0000"/>
+              </a:solidFill>
+            </a:ln>
+            <a:extLst>
+              <a:ext uri="{909E8E84-426E-40DD-AFC4-6F175D3DCCD1}">
+                <a14:hiddenFill xmlns:a14="http://schemas.microsoft.com/office/drawing/2010/main">
+                  <a:solidFill>
+                    <a:srgbClr val="FF0000"/>
+                  </a:solidFill>
+                </a14:hiddenFill>
+              </a:ext>
+            </a:extLst>
+          </p:spPr>
+          <p:style>
+            <a:lnRef idx="2">
+              <a:schemeClr val="accent1">
+                <a:shade val="50000"/>
+              </a:schemeClr>
+            </a:lnRef>
+            <a:fillRef idx="1">
+              <a:schemeClr val="accent1"/>
+            </a:fillRef>
+            <a:effectRef idx="0">
+              <a:schemeClr val="accent1"/>
+            </a:effectRef>
+            <a:fontRef idx="minor">
+              <a:schemeClr val="lt1"/>
+            </a:fontRef>
+          </p:style>
+          <p:txBody>
+            <a:bodyPr rtlCol="0" anchor="ctr"/>
+            <a:p>
+              <a:pPr algn="ctr"/>
+              <a:endParaRPr lang="zh-CN" altLang="en-US"/>
+            </a:p>
+          </p:txBody>
+        </p:sp>
+        <p:sp>
+          <p:nvSpPr>
+            <p:cNvPr id="45" name="椭圆 44"/>
+            <p:cNvSpPr/>
+            <p:nvPr/>
+          </p:nvSpPr>
+          <p:spPr>
+            <a:xfrm>
+              <a:off x="7313" y="6021"/>
+              <a:ext cx="205" cy="171"/>
+            </a:xfrm>
+            <a:prstGeom prst="ellipse">
+              <a:avLst/>
+            </a:prstGeom>
+            <a:noFill/>
+            <a:ln>
+              <a:solidFill>
+                <a:srgbClr val="FF0000"/>
+              </a:solidFill>
+            </a:ln>
+            <a:extLst>
+              <a:ext uri="{909E8E84-426E-40DD-AFC4-6F175D3DCCD1}">
+                <a14:hiddenFill xmlns:a14="http://schemas.microsoft.com/office/drawing/2010/main">
+                  <a:solidFill>
+                    <a:srgbClr val="FF0000"/>
+                  </a:solidFill>
+                </a14:hiddenFill>
+              </a:ext>
+            </a:extLst>
+          </p:spPr>
+          <p:style>
+            <a:lnRef idx="2">
+              <a:schemeClr val="accent1">
+                <a:shade val="50000"/>
+              </a:schemeClr>
+            </a:lnRef>
+            <a:fillRef idx="1">
+              <a:schemeClr val="accent1"/>
+            </a:fillRef>
+            <a:effectRef idx="0">
+              <a:schemeClr val="accent1"/>
+            </a:effectRef>
+            <a:fontRef idx="minor">
+              <a:schemeClr val="lt1"/>
+            </a:fontRef>
+          </p:style>
+          <p:txBody>
+            <a:bodyPr rtlCol="0" anchor="ctr"/>
+            <a:p>
+              <a:pPr algn="ctr"/>
+              <a:endParaRPr lang="zh-CN" altLang="en-US"/>
+            </a:p>
+          </p:txBody>
+        </p:sp>
+        <p:sp>
+          <p:nvSpPr>
+            <p:cNvPr id="46" name="椭圆 45"/>
+            <p:cNvSpPr/>
+            <p:nvPr/>
+          </p:nvSpPr>
+          <p:spPr>
+            <a:xfrm>
+              <a:off x="5217" y="3222"/>
+              <a:ext cx="205" cy="171"/>
+            </a:xfrm>
+            <a:prstGeom prst="ellipse">
+              <a:avLst/>
+            </a:prstGeom>
+            <a:noFill/>
+            <a:ln>
+              <a:solidFill>
+                <a:srgbClr val="FF0000"/>
+              </a:solidFill>
+            </a:ln>
+            <a:extLst>
+              <a:ext uri="{909E8E84-426E-40DD-AFC4-6F175D3DCCD1}">
+                <a14:hiddenFill xmlns:a14="http://schemas.microsoft.com/office/drawing/2010/main">
+                  <a:solidFill>
+                    <a:srgbClr val="FF0000"/>
+                  </a:solidFill>
+                </a14:hiddenFill>
+              </a:ext>
+            </a:extLst>
+          </p:spPr>
+          <p:style>
+            <a:lnRef idx="2">
+              <a:schemeClr val="accent1">
+                <a:shade val="50000"/>
+              </a:schemeClr>
+            </a:lnRef>
+            <a:fillRef idx="1">
+              <a:schemeClr val="accent1"/>
+            </a:fillRef>
+            <a:effectRef idx="0">
+              <a:schemeClr val="accent1"/>
+            </a:effectRef>
+            <a:fontRef idx="minor">
+              <a:schemeClr val="lt1"/>
+            </a:fontRef>
+          </p:style>
+          <p:txBody>
+            <a:bodyPr rtlCol="0" anchor="ctr"/>
+            <a:p>
+              <a:pPr algn="ctr"/>
+              <a:endParaRPr lang="zh-CN" altLang="en-US"/>
+            </a:p>
+          </p:txBody>
+        </p:sp>
+        <p:sp>
+          <p:nvSpPr>
+            <p:cNvPr id="49" name="椭圆 48"/>
+            <p:cNvSpPr/>
+            <p:nvPr/>
+          </p:nvSpPr>
+          <p:spPr>
+            <a:xfrm>
+              <a:off x="8229" y="6346"/>
+              <a:ext cx="205" cy="171"/>
+            </a:xfrm>
+            <a:prstGeom prst="ellipse">
+              <a:avLst/>
+            </a:prstGeom>
+            <a:noFill/>
+            <a:ln>
+              <a:solidFill>
+                <a:srgbClr val="FF0000"/>
+              </a:solidFill>
+            </a:ln>
+            <a:extLst>
+              <a:ext uri="{909E8E84-426E-40DD-AFC4-6F175D3DCCD1}">
+                <a14:hiddenFill xmlns:a14="http://schemas.microsoft.com/office/drawing/2010/main">
+                  <a:solidFill>
+                    <a:srgbClr val="FF0000"/>
+                  </a:solidFill>
+                </a14:hiddenFill>
+              </a:ext>
+            </a:extLst>
+          </p:spPr>
+          <p:style>
+            <a:lnRef idx="2">
+              <a:schemeClr val="accent1">
+                <a:shade val="50000"/>
+              </a:schemeClr>
+            </a:lnRef>
+            <a:fillRef idx="1">
+              <a:schemeClr val="accent1"/>
+            </a:fillRef>
+            <a:effectRef idx="0">
+              <a:schemeClr val="accent1"/>
+            </a:effectRef>
+            <a:fontRef idx="minor">
+              <a:schemeClr val="lt1"/>
+            </a:fontRef>
+          </p:style>
+          <p:txBody>
+            <a:bodyPr rtlCol="0" anchor="ctr"/>
+            <a:p>
+              <a:pPr algn="ctr"/>
+              <a:endParaRPr lang="zh-CN" altLang="en-US"/>
+            </a:p>
+          </p:txBody>
+        </p:sp>
+        <p:sp>
+          <p:nvSpPr>
+            <p:cNvPr id="53" name="椭圆 52"/>
+            <p:cNvSpPr/>
+            <p:nvPr/>
+          </p:nvSpPr>
+          <p:spPr>
+            <a:xfrm>
+              <a:off x="4379" y="3703"/>
+              <a:ext cx="205" cy="171"/>
+            </a:xfrm>
+            <a:prstGeom prst="ellipse">
+              <a:avLst/>
+            </a:prstGeom>
+            <a:noFill/>
+            <a:ln>
+              <a:solidFill>
+                <a:srgbClr val="FF0000"/>
+              </a:solidFill>
+            </a:ln>
+            <a:extLst>
+              <a:ext uri="{909E8E84-426E-40DD-AFC4-6F175D3DCCD1}">
+                <a14:hiddenFill xmlns:a14="http://schemas.microsoft.com/office/drawing/2010/main">
+                  <a:solidFill>
+                    <a:srgbClr val="FF0000"/>
+                  </a:solidFill>
+                </a14:hiddenFill>
+              </a:ext>
+            </a:extLst>
+          </p:spPr>
+          <p:style>
+            <a:lnRef idx="2">
+              <a:schemeClr val="accent1">
+                <a:shade val="50000"/>
+              </a:schemeClr>
+            </a:lnRef>
+            <a:fillRef idx="1">
+              <a:schemeClr val="accent1"/>
+            </a:fillRef>
+            <a:effectRef idx="0">
+              <a:schemeClr val="accent1"/>
+            </a:effectRef>
+            <a:fontRef idx="minor">
+              <a:schemeClr val="lt1"/>
+            </a:fontRef>
+          </p:style>
+          <p:txBody>
+            <a:bodyPr rtlCol="0" anchor="ctr"/>
+            <a:p>
+              <a:pPr algn="ctr"/>
+              <a:endParaRPr lang="zh-CN" altLang="en-US"/>
+            </a:p>
+          </p:txBody>
+        </p:sp>
+        <p:sp>
+          <p:nvSpPr>
+            <p:cNvPr id="55" name="椭圆 54"/>
+            <p:cNvSpPr/>
+            <p:nvPr/>
+          </p:nvSpPr>
+          <p:spPr>
+            <a:xfrm>
+              <a:off x="5012" y="4189"/>
+              <a:ext cx="205" cy="171"/>
+            </a:xfrm>
+            <a:prstGeom prst="ellipse">
+              <a:avLst/>
+            </a:prstGeom>
+            <a:noFill/>
+            <a:ln>
+              <a:solidFill>
+                <a:srgbClr val="FF0000"/>
+              </a:solidFill>
+            </a:ln>
+            <a:extLst>
+              <a:ext uri="{909E8E84-426E-40DD-AFC4-6F175D3DCCD1}">
+                <a14:hiddenFill xmlns:a14="http://schemas.microsoft.com/office/drawing/2010/main">
+                  <a:solidFill>
+                    <a:srgbClr val="FF0000"/>
+                  </a:solidFill>
+                </a14:hiddenFill>
+              </a:ext>
+            </a:extLst>
+          </p:spPr>
+          <p:style>
+            <a:lnRef idx="2">
+              <a:schemeClr val="accent1">
+                <a:shade val="50000"/>
+              </a:schemeClr>
+            </a:lnRef>
+            <a:fillRef idx="1">
+              <a:schemeClr val="accent1"/>
+            </a:fillRef>
+            <a:effectRef idx="0">
+              <a:schemeClr val="accent1"/>
+            </a:effectRef>
+            <a:fontRef idx="minor">
+              <a:schemeClr val="lt1"/>
+            </a:fontRef>
+          </p:style>
+          <p:txBody>
+            <a:bodyPr rtlCol="0" anchor="ctr"/>
+            <a:p>
+              <a:pPr algn="ctr"/>
+              <a:endParaRPr lang="zh-CN" altLang="en-US"/>
+            </a:p>
+          </p:txBody>
+        </p:sp>
+        <p:sp>
+          <p:nvSpPr>
+            <p:cNvPr id="56" name="椭圆 55"/>
+            <p:cNvSpPr/>
+            <p:nvPr/>
+          </p:nvSpPr>
+          <p:spPr>
+            <a:xfrm>
+              <a:off x="6674" y="3051"/>
+              <a:ext cx="205" cy="171"/>
+            </a:xfrm>
+            <a:prstGeom prst="ellipse">
+              <a:avLst/>
+            </a:prstGeom>
+            <a:noFill/>
+            <a:ln>
+              <a:solidFill>
+                <a:srgbClr val="FF0000"/>
+              </a:solidFill>
+            </a:ln>
+            <a:extLst>
+              <a:ext uri="{909E8E84-426E-40DD-AFC4-6F175D3DCCD1}">
+                <a14:hiddenFill xmlns:a14="http://schemas.microsoft.com/office/drawing/2010/main">
+                  <a:solidFill>
+                    <a:srgbClr val="FF0000"/>
+                  </a:solidFill>
+                </a14:hiddenFill>
+              </a:ext>
+            </a:extLst>
+          </p:spPr>
+          <p:style>
+            <a:lnRef idx="2">
+              <a:schemeClr val="accent1">
+                <a:shade val="50000"/>
+              </a:schemeClr>
+            </a:lnRef>
+            <a:fillRef idx="1">
+              <a:schemeClr val="accent1"/>
+            </a:fillRef>
+            <a:effectRef idx="0">
+              <a:schemeClr val="accent1"/>
+            </a:effectRef>
+            <a:fontRef idx="minor">
+              <a:schemeClr val="lt1"/>
+            </a:fontRef>
+          </p:style>
+          <p:txBody>
+            <a:bodyPr rtlCol="0" anchor="ctr"/>
+            <a:p>
+              <a:pPr algn="ctr"/>
+              <a:endParaRPr lang="zh-CN" altLang="en-US"/>
+            </a:p>
+          </p:txBody>
+        </p:sp>
+        <p:graphicFrame>
+          <p:nvGraphicFramePr>
+            <p:cNvPr id="57" name="对象 56">
+              <a:hlinkClick r:id="" action="ppaction://ole?verb="/>
+            </p:cNvPr>
+            <p:cNvGraphicFramePr>
+              <a:graphicFrameLocks noChangeAspect="1"/>
+            </p:cNvGraphicFramePr>
+            <p:nvPr/>
+          </p:nvGraphicFramePr>
+          <p:xfrm>
+            <a:off x="4990" y="3393"/>
+            <a:ext cx="613" cy="613"/>
+          </p:xfrm>
+          <a:graphic>
+            <a:graphicData uri="http://schemas.openxmlformats.org/presentationml/2006/ole">
+              <mc:AlternateContent xmlns:mc="http://schemas.openxmlformats.org/markup-compatibility/2006">
+                <mc:Choice xmlns:v="urn:schemas-microsoft-com:vml" Requires="v">
+                  <p:oleObj spid="_x0000_s58" name="" r:id="rId19" imgW="190500" imgH="190500" progId="Equation.KSEE3">
+                    <p:embed/>
+                  </p:oleObj>
+                </mc:Choice>
+                <mc:Fallback>
+                  <p:oleObj name="" r:id="rId19" imgW="190500" imgH="190500" progId="Equation.KSEE3">
+                    <p:embed/>
+                    <p:pic>
+                      <p:nvPicPr>
+                        <p:cNvPr id="0" name="图片 1025"/>
+                        <p:cNvPicPr/>
+                        <p:nvPr/>
+                      </p:nvPicPr>
+                      <p:blipFill>
+                        <a:blip r:embed="rId6"/>
+                        <a:stretch>
+                          <a:fillRect/>
+                        </a:stretch>
+                      </p:blipFill>
+                      <p:spPr>
+                        <a:xfrm>
+                          <a:off x="4990" y="3393"/>
+                          <a:ext cx="613" cy="613"/>
+                        </a:xfrm>
+                        <a:prstGeom prst="rect">
+                          <a:avLst/>
+                        </a:prstGeom>
+                      </p:spPr>
+                    </p:pic>
+                  </p:oleObj>
+                </mc:Fallback>
+              </mc:AlternateContent>
+            </a:graphicData>
+          </a:graphic>
+        </p:graphicFrame>
+        <p:sp>
+          <p:nvSpPr>
+            <p:cNvPr id="59" name="等腰三角形 58"/>
+            <p:cNvSpPr/>
+            <p:nvPr/>
+          </p:nvSpPr>
+          <p:spPr>
+            <a:xfrm>
+              <a:off x="5603" y="3505"/>
+              <a:ext cx="229" cy="193"/>
+            </a:xfrm>
+            <a:prstGeom prst="triangle">
+              <a:avLst/>
+            </a:prstGeom>
+            <a:solidFill>
+              <a:srgbClr val="0070C0"/>
+            </a:solidFill>
+            <a:ln>
+              <a:solidFill>
+                <a:srgbClr val="0070C0"/>
+              </a:solidFill>
+            </a:ln>
+          </p:spPr>
+          <p:style>
+            <a:lnRef idx="2">
+              <a:schemeClr val="accent1">
+                <a:shade val="50000"/>
+              </a:schemeClr>
+            </a:lnRef>
+            <a:fillRef idx="1">
+              <a:schemeClr val="accent1"/>
+            </a:fillRef>
+            <a:effectRef idx="0">
+              <a:schemeClr val="accent1"/>
+            </a:effectRef>
+            <a:fontRef idx="minor">
+              <a:schemeClr val="lt1"/>
+            </a:fontRef>
+          </p:style>
+          <p:txBody>
+            <a:bodyPr rtlCol="0" anchor="ctr"/>
+            <a:p>
+              <a:pPr algn="ctr"/>
+              <a:endParaRPr lang="zh-CN" altLang="en-US"/>
+            </a:p>
+          </p:txBody>
+        </p:sp>
+        <p:cxnSp>
+          <p:nvCxnSpPr>
+            <p:cNvPr id="60" name="直接连接符 59"/>
+            <p:cNvCxnSpPr>
+              <a:stCxn id="59" idx="5"/>
+              <a:endCxn id="37" idx="2"/>
+            </p:cNvCxnSpPr>
+            <p:nvPr/>
+          </p:nvCxnSpPr>
+          <p:spPr>
+            <a:xfrm flipV="1">
+              <a:off x="5775" y="3137"/>
+              <a:ext cx="1743" cy="465"/>
+            </a:xfrm>
+            <a:prstGeom prst="line">
+              <a:avLst/>
+            </a:prstGeom>
+            <a:ln>
+              <a:prstDash val="sysDash"/>
+            </a:ln>
+          </p:spPr>
+          <p:style>
+            <a:lnRef idx="1">
+              <a:schemeClr val="accent1"/>
+            </a:lnRef>
+            <a:fillRef idx="0">
+              <a:schemeClr val="accent1"/>
+            </a:fillRef>
+            <a:effectRef idx="0">
+              <a:schemeClr val="accent1"/>
+            </a:effectRef>
+            <a:fontRef idx="minor">
+              <a:schemeClr val="tx1"/>
+            </a:fontRef>
+          </p:style>
+        </p:cxnSp>
+        <p:cxnSp>
+          <p:nvCxnSpPr>
+            <p:cNvPr id="62" name="直接连接符 61"/>
+            <p:cNvCxnSpPr>
+              <a:endCxn id="45" idx="1"/>
+            </p:cNvCxnSpPr>
+            <p:nvPr/>
+          </p:nvCxnSpPr>
+          <p:spPr>
+            <a:xfrm>
+              <a:off x="5788" y="3618"/>
+              <a:ext cx="1555" cy="2428"/>
+            </a:xfrm>
+            <a:prstGeom prst="line">
+              <a:avLst/>
+            </a:prstGeom>
+            <a:ln>
+              <a:prstDash val="sysDash"/>
+            </a:ln>
+          </p:spPr>
+          <p:style>
+            <a:lnRef idx="1">
+              <a:schemeClr val="accent1"/>
+            </a:lnRef>
+            <a:fillRef idx="0">
+              <a:schemeClr val="accent1"/>
+            </a:fillRef>
+            <a:effectRef idx="0">
+              <a:schemeClr val="accent1"/>
+            </a:effectRef>
+            <a:fontRef idx="minor">
+              <a:schemeClr val="tx1"/>
+            </a:fontRef>
+          </p:style>
+        </p:cxnSp>
+        <p:cxnSp>
+          <p:nvCxnSpPr>
+            <p:cNvPr id="64" name="直接连接符 63"/>
+            <p:cNvCxnSpPr>
+              <a:stCxn id="37" idx="4"/>
+              <a:endCxn id="45" idx="1"/>
+            </p:cNvCxnSpPr>
+            <p:nvPr/>
+          </p:nvCxnSpPr>
+          <p:spPr>
+            <a:xfrm flipH="1">
+              <a:off x="7343" y="3222"/>
+              <a:ext cx="278" cy="2824"/>
+            </a:xfrm>
+            <a:prstGeom prst="line">
+              <a:avLst/>
+            </a:prstGeom>
+            <a:ln>
+              <a:prstDash val="sysDash"/>
+            </a:ln>
+          </p:spPr>
+          <p:style>
+            <a:lnRef idx="1">
+              <a:schemeClr val="accent1"/>
+            </a:lnRef>
+            <a:fillRef idx="0">
+              <a:schemeClr val="accent1"/>
+            </a:fillRef>
+            <a:effectRef idx="0">
+              <a:schemeClr val="accent1"/>
+            </a:effectRef>
+            <a:fontRef idx="minor">
+              <a:schemeClr val="tx1"/>
+            </a:fontRef>
+          </p:style>
+        </p:cxnSp>
+        <p:sp>
+          <p:nvSpPr>
+            <p:cNvPr id="65" name="菱形 64"/>
+            <p:cNvSpPr/>
+            <p:nvPr/>
+          </p:nvSpPr>
+          <p:spPr>
+            <a:xfrm>
+              <a:off x="6896" y="4189"/>
+              <a:ext cx="240" cy="222"/>
+            </a:xfrm>
+            <a:prstGeom prst="diamond">
+              <a:avLst/>
+            </a:prstGeom>
+            <a:solidFill>
+              <a:srgbClr val="00B050"/>
+            </a:solidFill>
+            <a:ln>
+              <a:solidFill>
+                <a:srgbClr val="00B050"/>
+              </a:solidFill>
+            </a:ln>
+          </p:spPr>
+          <p:style>
+            <a:lnRef idx="2">
+              <a:schemeClr val="accent1">
+                <a:shade val="50000"/>
+              </a:schemeClr>
+            </a:lnRef>
+            <a:fillRef idx="1">
+              <a:schemeClr val="accent1"/>
+            </a:fillRef>
+            <a:effectRef idx="0">
+              <a:schemeClr val="accent1"/>
+            </a:effectRef>
+            <a:fontRef idx="minor">
+              <a:schemeClr val="lt1"/>
+            </a:fontRef>
+          </p:style>
+          <p:txBody>
+            <a:bodyPr rtlCol="0" anchor="ctr"/>
+            <a:p>
+              <a:pPr algn="ctr"/>
+              <a:endParaRPr lang="zh-CN" altLang="en-US"/>
+            </a:p>
+          </p:txBody>
+        </p:sp>
+        <p:cxnSp>
+          <p:nvCxnSpPr>
+            <p:cNvPr id="66" name="直接连接符 65"/>
+            <p:cNvCxnSpPr>
+              <a:stCxn id="37" idx="3"/>
+              <a:endCxn id="65" idx="0"/>
+            </p:cNvCxnSpPr>
+            <p:nvPr/>
+          </p:nvCxnSpPr>
+          <p:spPr>
+            <a:xfrm flipH="1">
+              <a:off x="7016" y="3197"/>
+              <a:ext cx="532" cy="992"/>
+            </a:xfrm>
+            <a:prstGeom prst="line">
+              <a:avLst/>
+            </a:prstGeom>
+            <a:ln>
+              <a:prstDash val="sysDash"/>
+            </a:ln>
+          </p:spPr>
+          <p:style>
+            <a:lnRef idx="1">
+              <a:schemeClr val="accent1"/>
+            </a:lnRef>
+            <a:fillRef idx="0">
+              <a:schemeClr val="accent1"/>
+            </a:fillRef>
+            <a:effectRef idx="0">
+              <a:schemeClr val="accent1"/>
+            </a:effectRef>
+            <a:fontRef idx="minor">
+              <a:schemeClr val="tx1"/>
+            </a:fontRef>
+          </p:style>
+        </p:cxnSp>
+        <p:cxnSp>
+          <p:nvCxnSpPr>
+            <p:cNvPr id="67" name="直接连接符 66"/>
+            <p:cNvCxnSpPr>
+              <a:stCxn id="65" idx="2"/>
+            </p:cNvCxnSpPr>
+            <p:nvPr/>
+          </p:nvCxnSpPr>
+          <p:spPr>
+            <a:xfrm>
+              <a:off x="7016" y="4411"/>
+              <a:ext cx="330" cy="1605"/>
+            </a:xfrm>
+            <a:prstGeom prst="line">
+              <a:avLst/>
+            </a:prstGeom>
+            <a:ln>
+              <a:prstDash val="sysDash"/>
+            </a:ln>
+          </p:spPr>
+          <p:style>
+            <a:lnRef idx="1">
+              <a:schemeClr val="accent1"/>
+            </a:lnRef>
+            <a:fillRef idx="0">
+              <a:schemeClr val="accent1"/>
+            </a:fillRef>
+            <a:effectRef idx="0">
+              <a:schemeClr val="accent1"/>
+            </a:effectRef>
+            <a:fontRef idx="minor">
+              <a:schemeClr val="tx1"/>
+            </a:fontRef>
+          </p:style>
+        </p:cxnSp>
+        <p:graphicFrame>
+          <p:nvGraphicFramePr>
+            <p:cNvPr id="68" name="对象 67">
+              <a:hlinkClick r:id="" action="ppaction://ole?verb="/>
+            </p:cNvPr>
+            <p:cNvGraphicFramePr>
+              <a:graphicFrameLocks noChangeAspect="1"/>
+            </p:cNvGraphicFramePr>
+            <p:nvPr/>
+          </p:nvGraphicFramePr>
+          <p:xfrm>
+            <a:off x="6361" y="4014"/>
+            <a:ext cx="571" cy="571"/>
+          </p:xfrm>
+          <a:graphic>
+            <a:graphicData uri="http://schemas.openxmlformats.org/presentationml/2006/ole">
+              <mc:AlternateContent xmlns:mc="http://schemas.openxmlformats.org/markup-compatibility/2006">
+                <mc:Choice xmlns:v="urn:schemas-microsoft-com:vml" Requires="v">
+                  <p:oleObj spid="_x0000_s69" name="" r:id="rId20" imgW="177165" imgH="177165" progId="Equation.KSEE3">
+                    <p:embed/>
+                  </p:oleObj>
+                </mc:Choice>
+                <mc:Fallback>
+                  <p:oleObj name="" r:id="rId20" imgW="177165" imgH="177165" progId="Equation.KSEE3">
+                    <p:embed/>
+                    <p:pic>
+                      <p:nvPicPr>
+                        <p:cNvPr id="0" name="图片 1025"/>
+                        <p:cNvPicPr/>
+                        <p:nvPr/>
+                      </p:nvPicPr>
+                      <p:blipFill>
+                        <a:blip r:embed="rId21"/>
+                        <a:stretch>
+                          <a:fillRect/>
+                        </a:stretch>
+                      </p:blipFill>
+                      <p:spPr>
+                        <a:xfrm>
+                          <a:off x="6361" y="4014"/>
+                          <a:ext cx="571" cy="571"/>
+                        </a:xfrm>
+                        <a:prstGeom prst="rect">
+                          <a:avLst/>
+                        </a:prstGeom>
+                      </p:spPr>
+                    </p:pic>
+                  </p:oleObj>
+                </mc:Fallback>
+              </mc:AlternateContent>
+            </a:graphicData>
+          </a:graphic>
+        </p:graphicFrame>
+        <p:graphicFrame>
+          <p:nvGraphicFramePr>
+            <p:cNvPr id="70" name="对象 69">
+              <a:hlinkClick r:id="" action="ppaction://ole?verb="/>
+            </p:cNvPr>
+            <p:cNvGraphicFramePr>
+              <a:graphicFrameLocks noChangeAspect="1"/>
+            </p:cNvGraphicFramePr>
+            <p:nvPr/>
+          </p:nvGraphicFramePr>
+          <p:xfrm>
+            <a:off x="7231" y="4706"/>
+            <a:ext cx="491" cy="571"/>
+          </p:xfrm>
+          <a:graphic>
+            <a:graphicData uri="http://schemas.openxmlformats.org/presentationml/2006/ole">
+              <mc:AlternateContent xmlns:mc="http://schemas.openxmlformats.org/markup-compatibility/2006">
+                <mc:Choice xmlns:v="urn:schemas-microsoft-com:vml" Requires="v">
+                  <p:oleObj spid="_x0000_s71" name="" r:id="rId22" imgW="152400" imgH="177165" progId="Equation.KSEE3">
+                    <p:embed/>
+                  </p:oleObj>
+                </mc:Choice>
+                <mc:Fallback>
+                  <p:oleObj name="" r:id="rId22" imgW="152400" imgH="177165" progId="Equation.KSEE3">
+                    <p:embed/>
+                    <p:pic>
+                      <p:nvPicPr>
+                        <p:cNvPr id="0" name="图片 1025"/>
+                        <p:cNvPicPr/>
+                        <p:nvPr/>
+                      </p:nvPicPr>
+                      <p:blipFill>
+                        <a:blip r:embed="rId23"/>
+                        <a:stretch>
+                          <a:fillRect/>
+                        </a:stretch>
+                      </p:blipFill>
+                      <p:spPr>
+                        <a:xfrm>
+                          <a:off x="7231" y="4706"/>
+                          <a:ext cx="491" cy="571"/>
+                        </a:xfrm>
+                        <a:prstGeom prst="rect">
+                          <a:avLst/>
+                        </a:prstGeom>
+                      </p:spPr>
+                    </p:pic>
+                  </p:oleObj>
+                </mc:Fallback>
+              </mc:AlternateContent>
+            </a:graphicData>
+          </a:graphic>
+        </p:graphicFrame>
+        <p:graphicFrame>
+          <p:nvGraphicFramePr>
+            <p:cNvPr id="72" name="对象 71">
+              <a:hlinkClick r:id="" action="ppaction://ole?verb="/>
+            </p:cNvPr>
+            <p:cNvGraphicFramePr>
+              <a:graphicFrameLocks noChangeAspect="1"/>
+            </p:cNvGraphicFramePr>
+            <p:nvPr/>
+          </p:nvGraphicFramePr>
+          <p:xfrm>
+            <a:off x="6605" y="3546"/>
+            <a:ext cx="450" cy="532"/>
+          </p:xfrm>
+          <a:graphic>
+            <a:graphicData uri="http://schemas.openxmlformats.org/presentationml/2006/ole">
+              <mc:AlternateContent xmlns:mc="http://schemas.openxmlformats.org/markup-compatibility/2006">
+                <mc:Choice xmlns:v="urn:schemas-microsoft-com:vml" Requires="v">
+                  <p:oleObj spid="_x0000_s73" name="" r:id="rId24" imgW="139700" imgH="165100" progId="Equation.KSEE3">
+                    <p:embed/>
+                  </p:oleObj>
+                </mc:Choice>
+                <mc:Fallback>
+                  <p:oleObj name="" r:id="rId24" imgW="139700" imgH="165100" progId="Equation.KSEE3">
+                    <p:embed/>
+                    <p:pic>
+                      <p:nvPicPr>
+                        <p:cNvPr id="0" name="图片 1025"/>
+                        <p:cNvPicPr/>
+                        <p:nvPr/>
+                      </p:nvPicPr>
+                      <p:blipFill>
+                        <a:blip r:embed="rId25"/>
+                        <a:stretch>
+                          <a:fillRect/>
+                        </a:stretch>
+                      </p:blipFill>
+                      <p:spPr>
+                        <a:xfrm>
+                          <a:off x="6605" y="3546"/>
+                          <a:ext cx="450" cy="532"/>
+                        </a:xfrm>
+                        <a:prstGeom prst="rect">
+                          <a:avLst/>
+                        </a:prstGeom>
+                      </p:spPr>
+                    </p:pic>
+                  </p:oleObj>
+                </mc:Fallback>
+              </mc:AlternateContent>
+            </a:graphicData>
+          </a:graphic>
+        </p:graphicFrame>
+        <p:graphicFrame>
+          <p:nvGraphicFramePr>
+            <p:cNvPr id="74" name="对象 73">
+              <a:hlinkClick r:id="" action="ppaction://ole?verb="/>
+            </p:cNvPr>
+            <p:cNvGraphicFramePr>
+              <a:graphicFrameLocks noChangeAspect="1"/>
+            </p:cNvGraphicFramePr>
+            <p:nvPr/>
+          </p:nvGraphicFramePr>
+          <p:xfrm>
+            <a:off x="6895" y="6037"/>
+            <a:ext cx="571" cy="571"/>
+          </p:xfrm>
+          <a:graphic>
+            <a:graphicData uri="http://schemas.openxmlformats.org/presentationml/2006/ole">
+              <mc:AlternateContent xmlns:mc="http://schemas.openxmlformats.org/markup-compatibility/2006">
+                <mc:Choice xmlns:v="urn:schemas-microsoft-com:vml" Requires="v">
+                  <p:oleObj spid="_x0000_s75" name="" r:id="rId26" imgW="177165" imgH="177165" progId="Equation.KSEE3">
+                    <p:embed/>
+                  </p:oleObj>
+                </mc:Choice>
+                <mc:Fallback>
+                  <p:oleObj name="" r:id="rId26" imgW="177165" imgH="177165" progId="Equation.KSEE3">
+                    <p:embed/>
+                    <p:pic>
+                      <p:nvPicPr>
+                        <p:cNvPr id="0" name="图片 1025"/>
+                        <p:cNvPicPr/>
+                        <p:nvPr/>
+                      </p:nvPicPr>
+                      <p:blipFill>
+                        <a:blip r:embed="rId27"/>
+                        <a:stretch>
+                          <a:fillRect/>
+                        </a:stretch>
+                      </p:blipFill>
+                      <p:spPr>
+                        <a:xfrm>
+                          <a:off x="6895" y="6037"/>
+                          <a:ext cx="571" cy="571"/>
+                        </a:xfrm>
+                        <a:prstGeom prst="rect">
+                          <a:avLst/>
+                        </a:prstGeom>
+                      </p:spPr>
+                    </p:pic>
+                  </p:oleObj>
+                </mc:Fallback>
+              </mc:AlternateContent>
+            </a:graphicData>
+          </a:graphic>
+        </p:graphicFrame>
+        <p:graphicFrame>
+          <p:nvGraphicFramePr>
+            <p:cNvPr id="76" name="对象 75">
+              <a:hlinkClick r:id="" action="ppaction://ole?verb="/>
+            </p:cNvPr>
+            <p:cNvGraphicFramePr>
+              <a:graphicFrameLocks noChangeAspect="1"/>
+            </p:cNvGraphicFramePr>
+            <p:nvPr/>
+          </p:nvGraphicFramePr>
+          <p:xfrm>
+            <a:off x="7793" y="2664"/>
+            <a:ext cx="532" cy="532"/>
+          </p:xfrm>
+          <a:graphic>
+            <a:graphicData uri="http://schemas.openxmlformats.org/presentationml/2006/ole">
+              <mc:AlternateContent xmlns:mc="http://schemas.openxmlformats.org/markup-compatibility/2006">
+                <mc:Choice xmlns:v="urn:schemas-microsoft-com:vml" Requires="v">
+                  <p:oleObj spid="_x0000_s77" name="" r:id="rId28" imgW="165100" imgH="165100" progId="Equation.KSEE3">
+                    <p:embed/>
+                  </p:oleObj>
+                </mc:Choice>
+                <mc:Fallback>
+                  <p:oleObj name="" r:id="rId28" imgW="165100" imgH="165100" progId="Equation.KSEE3">
+                    <p:embed/>
+                    <p:pic>
+                      <p:nvPicPr>
+                        <p:cNvPr id="0" name="图片 1025"/>
+                        <p:cNvPicPr/>
+                        <p:nvPr/>
+                      </p:nvPicPr>
+                      <p:blipFill>
+                        <a:blip r:embed="rId29"/>
+                        <a:stretch>
+                          <a:fillRect/>
+                        </a:stretch>
+                      </p:blipFill>
+                      <p:spPr>
+                        <a:xfrm>
+                          <a:off x="7793" y="2664"/>
+                          <a:ext cx="532" cy="532"/>
+                        </a:xfrm>
+                        <a:prstGeom prst="rect">
+                          <a:avLst/>
+                        </a:prstGeom>
+                      </p:spPr>
+                    </p:pic>
+                  </p:oleObj>
+                </mc:Fallback>
+              </mc:AlternateContent>
+            </a:graphicData>
+          </a:graphic>
+        </p:graphicFrame>
+        <p:sp>
+          <p:nvSpPr>
+            <p:cNvPr id="78" name="椭圆 77"/>
+            <p:cNvSpPr/>
+            <p:nvPr/>
+          </p:nvSpPr>
+          <p:spPr>
+            <a:xfrm>
+              <a:off x="7074" y="3776"/>
+              <a:ext cx="205" cy="171"/>
+            </a:xfrm>
+            <a:prstGeom prst="ellipse">
+              <a:avLst/>
+            </a:prstGeom>
+            <a:solidFill>
+              <a:srgbClr val="FF0000"/>
+            </a:solidFill>
+            <a:ln>
+              <a:solidFill>
+                <a:srgbClr val="FF0000"/>
+              </a:solidFill>
+            </a:ln>
+          </p:spPr>
+          <p:style>
+            <a:lnRef idx="2">
+              <a:schemeClr val="accent1">
+                <a:shade val="50000"/>
+              </a:schemeClr>
+            </a:lnRef>
+            <a:fillRef idx="1">
+              <a:schemeClr val="accent1"/>
+            </a:fillRef>
+            <a:effectRef idx="0">
+              <a:schemeClr val="accent1"/>
+            </a:effectRef>
+            <a:fontRef idx="minor">
+              <a:schemeClr val="lt1"/>
+            </a:fontRef>
+          </p:style>
+          <p:txBody>
+            <a:bodyPr rtlCol="0" anchor="ctr"/>
+            <a:p>
+              <a:pPr algn="ctr"/>
+              <a:endParaRPr lang="zh-CN" altLang="en-US"/>
+            </a:p>
+          </p:txBody>
+        </p:sp>
+        <p:sp>
+          <p:nvSpPr>
+            <p:cNvPr id="79" name="椭圆 78"/>
+            <p:cNvSpPr/>
+            <p:nvPr/>
+          </p:nvSpPr>
+          <p:spPr>
+            <a:xfrm>
+              <a:off x="7033" y="4906"/>
+              <a:ext cx="205" cy="171"/>
+            </a:xfrm>
+            <a:prstGeom prst="ellipse">
+              <a:avLst/>
+            </a:prstGeom>
+            <a:solidFill>
+              <a:srgbClr val="FF0000"/>
+            </a:solidFill>
+            <a:ln>
+              <a:solidFill>
+                <a:srgbClr val="FF0000"/>
+              </a:solidFill>
+            </a:ln>
+          </p:spPr>
+          <p:style>
+            <a:lnRef idx="2">
+              <a:schemeClr val="accent1">
+                <a:shade val="50000"/>
+              </a:schemeClr>
+            </a:lnRef>
+            <a:fillRef idx="1">
+              <a:schemeClr val="accent1"/>
+            </a:fillRef>
+            <a:effectRef idx="0">
+              <a:schemeClr val="accent1"/>
+            </a:effectRef>
+            <a:fontRef idx="minor">
+              <a:schemeClr val="lt1"/>
+            </a:fontRef>
+          </p:style>
+          <p:txBody>
+            <a:bodyPr rtlCol="0" anchor="ctr"/>
+            <a:p>
+              <a:pPr algn="ctr"/>
+              <a:endParaRPr lang="zh-CN" altLang="en-US"/>
+            </a:p>
+          </p:txBody>
+        </p:sp>
+      </p:grpSp>
+      <p:sp>
+        <p:nvSpPr>
+          <p:cNvPr id="100" name="文本框 99"/>
+          <p:cNvSpPr txBox="1"/>
+          <p:nvPr/>
+        </p:nvSpPr>
+        <p:spPr>
+          <a:xfrm>
+            <a:off x="4664710" y="1529715"/>
+            <a:ext cx="298450" cy="368300"/>
+          </a:xfrm>
+          <a:prstGeom prst="rect">
+            <a:avLst/>
+          </a:prstGeom>
+          <a:noFill/>
+        </p:spPr>
+        <p:txBody>
+          <a:bodyPr wrap="none" rtlCol="0">
+            <a:spAutoFit/>
+          </a:bodyPr>
+          <a:p>
+            <a:r>
+              <a:rPr lang="en-US" altLang="zh-CN"/>
+              <a:t>3</a:t>
+            </a:r>
+            <a:endParaRPr lang="en-US" altLang="zh-CN"/>
+          </a:p>
+        </p:txBody>
+      </p:sp>
+      <p:sp>
+        <p:nvSpPr>
+          <p:cNvPr id="80" name="文本框 79"/>
+          <p:cNvSpPr txBox="1"/>
+          <p:nvPr/>
+        </p:nvSpPr>
+        <p:spPr>
+          <a:xfrm>
+            <a:off x="10327640" y="1619885"/>
+            <a:ext cx="298450" cy="368300"/>
+          </a:xfrm>
+          <a:prstGeom prst="rect">
+            <a:avLst/>
+          </a:prstGeom>
+          <a:noFill/>
+        </p:spPr>
+        <p:txBody>
+          <a:bodyPr wrap="none" rtlCol="0">
+            <a:spAutoFit/>
+          </a:bodyPr>
+          <a:p>
+            <a:r>
+              <a:rPr lang="en-US" altLang="zh-CN"/>
+              <a:t>4</a:t>
+            </a:r>
+            <a:endParaRPr lang="en-US" altLang="zh-CN"/>
+          </a:p>
+        </p:txBody>
+      </p:sp>
+    </p:spTree>
+  </p:cSld>
+  <p:clrMapOvr>
+    <a:masterClrMapping/>
+  </p:clrMapOvr>
+</p:sld>
+</file>
+
+<file path=ppt/slides/slide21.xml><?xml version="1.0" encoding="utf-8"?>
+<p:sld xmlns:a="http://schemas.openxmlformats.org/drawingml/2006/main" xmlns:r="http://schemas.openxmlformats.org/officeDocument/2006/relationships" xmlns:p="http://schemas.openxmlformats.org/presentationml/2006/main">
+  <p:cSld>
+    <p:spTree>
+      <p:nvGrpSpPr>
+        <p:cNvPr id="1" name=""/>
+        <p:cNvGrpSpPr/>
+        <p:nvPr/>
+      </p:nvGrpSpPr>
+      <p:grpSpPr/>
+      <p:grpSp>
+        <p:nvGrpSpPr>
+          <p:cNvPr id="3" name="组合 2"/>
+          <p:cNvGrpSpPr/>
+          <p:nvPr/>
+        </p:nvGrpSpPr>
+        <p:grpSpPr>
+          <a:xfrm>
+            <a:off x="1590675" y="926465"/>
+            <a:ext cx="4808855" cy="3983355"/>
+            <a:chOff x="2505" y="1459"/>
+            <a:chExt cx="7573" cy="6273"/>
+          </a:xfrm>
+        </p:grpSpPr>
+        <p:cxnSp>
+          <p:nvCxnSpPr>
+            <p:cNvPr id="5" name="直接箭头连接符 4"/>
+            <p:cNvCxnSpPr/>
+            <p:nvPr/>
+          </p:nvCxnSpPr>
+          <p:spPr>
+            <a:xfrm flipH="1" flipV="1">
+              <a:off x="3236" y="1751"/>
+              <a:ext cx="51" cy="5361"/>
+            </a:xfrm>
+            <a:prstGeom prst="straightConnector1">
+              <a:avLst/>
+            </a:prstGeom>
+            <a:ln w="28575">
+              <a:solidFill>
+                <a:schemeClr val="tx1"/>
+              </a:solidFill>
+              <a:tailEnd type="arrow"/>
+            </a:ln>
+          </p:spPr>
+          <p:style>
+            <a:lnRef idx="1">
+              <a:schemeClr val="accent1"/>
+            </a:lnRef>
+            <a:fillRef idx="0">
+              <a:schemeClr val="accent1"/>
+            </a:fillRef>
+            <a:effectRef idx="0">
+              <a:schemeClr val="accent1"/>
+            </a:effectRef>
+            <a:fontRef idx="minor">
+              <a:schemeClr val="tx1"/>
+            </a:fontRef>
+          </p:style>
+        </p:cxnSp>
+        <p:cxnSp>
+          <p:nvCxnSpPr>
+            <p:cNvPr id="4" name="直接箭头连接符 3"/>
+            <p:cNvCxnSpPr/>
+            <p:nvPr/>
+          </p:nvCxnSpPr>
+          <p:spPr>
+            <a:xfrm flipV="1">
+              <a:off x="3287" y="7095"/>
+              <a:ext cx="6457" cy="6"/>
+            </a:xfrm>
+            <a:prstGeom prst="straightConnector1">
+              <a:avLst/>
+            </a:prstGeom>
+            <a:ln w="28575">
+              <a:solidFill>
+                <a:schemeClr val="tx1"/>
+              </a:solidFill>
+              <a:tailEnd type="arrow"/>
+            </a:ln>
+          </p:spPr>
+          <p:style>
+            <a:lnRef idx="1">
+              <a:schemeClr val="accent1"/>
+            </a:lnRef>
+            <a:fillRef idx="0">
+              <a:schemeClr val="accent1"/>
+            </a:fillRef>
+            <a:effectRef idx="0">
+              <a:schemeClr val="accent1"/>
+            </a:effectRef>
+            <a:fontRef idx="minor">
+              <a:schemeClr val="tx1"/>
+            </a:fontRef>
+          </p:style>
+        </p:cxnSp>
+        <p:graphicFrame>
+          <p:nvGraphicFramePr>
+            <p:cNvPr id="14" name="对象 13">
+              <a:hlinkClick r:id="" action="ppaction://ole?verb="/>
+            </p:cNvPr>
+            <p:cNvGraphicFramePr>
+              <a:graphicFrameLocks noChangeAspect="1"/>
+            </p:cNvGraphicFramePr>
+            <p:nvPr/>
+          </p:nvGraphicFramePr>
+          <p:xfrm>
+            <a:off x="9602" y="7112"/>
+            <a:ext cx="477" cy="621"/>
+          </p:xfrm>
+          <a:graphic>
+            <a:graphicData uri="http://schemas.openxmlformats.org/presentationml/2006/ole">
+              <mc:AlternateContent xmlns:mc="http://schemas.openxmlformats.org/markup-compatibility/2006">
+                <mc:Choice xmlns:v="urn:schemas-microsoft-com:vml" Requires="v">
+                  <p:oleObj spid="_x0000_s1025" name="" r:id="rId1" imgW="127000" imgH="165100" progId="Equation.KSEE3">
+                    <p:embed/>
+                  </p:oleObj>
+                </mc:Choice>
+                <mc:Fallback>
+                  <p:oleObj name="" r:id="rId1" imgW="127000" imgH="165100" progId="Equation.KSEE3">
+                    <p:embed/>
+                    <p:pic>
+                      <p:nvPicPr>
+                        <p:cNvPr id="0" name="图片 1024"/>
+                        <p:cNvPicPr/>
+                        <p:nvPr/>
+                      </p:nvPicPr>
+                      <p:blipFill>
+                        <a:blip r:embed="rId2"/>
+                        <a:stretch>
+                          <a:fillRect/>
+                        </a:stretch>
+                      </p:blipFill>
+                      <p:spPr>
+                        <a:xfrm>
+                          <a:off x="9602" y="7112"/>
+                          <a:ext cx="477" cy="621"/>
+                        </a:xfrm>
+                        <a:prstGeom prst="rect">
+                          <a:avLst/>
+                        </a:prstGeom>
+                      </p:spPr>
+                    </p:pic>
+                  </p:oleObj>
+                </mc:Fallback>
+              </mc:AlternateContent>
+            </a:graphicData>
+          </a:graphic>
+        </p:graphicFrame>
+        <p:graphicFrame>
+          <p:nvGraphicFramePr>
+            <p:cNvPr id="15" name="对象 14">
+              <a:hlinkClick r:id="" action="ppaction://ole?verb="/>
+            </p:cNvPr>
+            <p:cNvGraphicFramePr>
+              <a:graphicFrameLocks noChangeAspect="1"/>
+            </p:cNvGraphicFramePr>
+            <p:nvPr/>
+          </p:nvGraphicFramePr>
+          <p:xfrm>
+            <a:off x="2505" y="1459"/>
+            <a:ext cx="527" cy="623"/>
+          </p:xfrm>
+          <a:graphic>
+            <a:graphicData uri="http://schemas.openxmlformats.org/presentationml/2006/ole">
+              <mc:AlternateContent xmlns:mc="http://schemas.openxmlformats.org/markup-compatibility/2006">
+                <mc:Choice xmlns:v="urn:schemas-microsoft-com:vml" Requires="v">
+                  <p:oleObj spid="_x0000_s2" name="" r:id="rId3" imgW="139700" imgH="165100" progId="Equation.KSEE3">
+                    <p:embed/>
+                  </p:oleObj>
+                </mc:Choice>
+                <mc:Fallback>
+                  <p:oleObj name="" r:id="rId3" imgW="139700" imgH="165100" progId="Equation.KSEE3">
+                    <p:embed/>
+                    <p:pic>
+                      <p:nvPicPr>
+                        <p:cNvPr id="0" name="图片 1024"/>
+                        <p:cNvPicPr/>
+                        <p:nvPr/>
+                      </p:nvPicPr>
+                      <p:blipFill>
+                        <a:blip r:embed="rId4"/>
+                        <a:stretch>
+                          <a:fillRect/>
+                        </a:stretch>
+                      </p:blipFill>
+                      <p:spPr>
+                        <a:xfrm>
+                          <a:off x="2505" y="1459"/>
+                          <a:ext cx="527" cy="623"/>
+                        </a:xfrm>
+                        <a:prstGeom prst="rect">
+                          <a:avLst/>
+                        </a:prstGeom>
+                      </p:spPr>
+                    </p:pic>
+                  </p:oleObj>
+                </mc:Fallback>
+              </mc:AlternateContent>
+            </a:graphicData>
+          </a:graphic>
+        </p:graphicFrame>
+        <p:sp>
+          <p:nvSpPr>
+            <p:cNvPr id="61" name="椭圆 60"/>
+            <p:cNvSpPr/>
+            <p:nvPr/>
+          </p:nvSpPr>
+          <p:spPr>
+            <a:xfrm>
+              <a:off x="7518" y="3051"/>
+              <a:ext cx="205" cy="171"/>
+            </a:xfrm>
+            <a:prstGeom prst="ellipse">
+              <a:avLst/>
+            </a:prstGeom>
+            <a:noFill/>
+            <a:ln>
+              <a:solidFill>
+                <a:srgbClr val="FF0000"/>
+              </a:solidFill>
+            </a:ln>
+            <a:extLst>
+              <a:ext uri="{909E8E84-426E-40DD-AFC4-6F175D3DCCD1}">
+                <a14:hiddenFill xmlns:a14="http://schemas.microsoft.com/office/drawing/2010/main">
+                  <a:solidFill>
+                    <a:srgbClr val="FF0000"/>
+                  </a:solidFill>
+                </a14:hiddenFill>
+              </a:ext>
+            </a:extLst>
+          </p:spPr>
+          <p:style>
+            <a:lnRef idx="2">
+              <a:schemeClr val="accent1">
+                <a:shade val="50000"/>
+              </a:schemeClr>
+            </a:lnRef>
+            <a:fillRef idx="1">
+              <a:schemeClr val="accent1"/>
+            </a:fillRef>
+            <a:effectRef idx="0">
+              <a:schemeClr val="accent1"/>
+            </a:effectRef>
+            <a:fontRef idx="minor">
+              <a:schemeClr val="lt1"/>
+            </a:fontRef>
+          </p:style>
+          <p:txBody>
+            <a:bodyPr rtlCol="0" anchor="ctr"/>
+            <a:p>
+              <a:pPr algn="ctr"/>
+              <a:endParaRPr lang="zh-CN" altLang="en-US"/>
+            </a:p>
+          </p:txBody>
+        </p:sp>
+        <p:sp>
+          <p:nvSpPr>
+            <p:cNvPr id="63" name="椭圆 62"/>
+            <p:cNvSpPr/>
+            <p:nvPr/>
+          </p:nvSpPr>
+          <p:spPr>
+            <a:xfrm>
+              <a:off x="4807" y="2709"/>
+              <a:ext cx="205" cy="171"/>
+            </a:xfrm>
+            <a:prstGeom prst="ellipse">
+              <a:avLst/>
+            </a:prstGeom>
+            <a:noFill/>
+            <a:ln>
+              <a:solidFill>
+                <a:srgbClr val="FF0000"/>
+              </a:solidFill>
+            </a:ln>
+            <a:extLst>
+              <a:ext uri="{909E8E84-426E-40DD-AFC4-6F175D3DCCD1}">
+                <a14:hiddenFill xmlns:a14="http://schemas.microsoft.com/office/drawing/2010/main">
+                  <a:solidFill>
+                    <a:srgbClr val="FF0000"/>
+                  </a:solidFill>
+                </a14:hiddenFill>
+              </a:ext>
+            </a:extLst>
+          </p:spPr>
+          <p:style>
+            <a:lnRef idx="2">
+              <a:schemeClr val="accent1">
+                <a:shade val="50000"/>
+              </a:schemeClr>
+            </a:lnRef>
+            <a:fillRef idx="1">
+              <a:schemeClr val="accent1"/>
+            </a:fillRef>
+            <a:effectRef idx="0">
+              <a:schemeClr val="accent1"/>
+            </a:effectRef>
+            <a:fontRef idx="minor">
+              <a:schemeClr val="lt1"/>
+            </a:fontRef>
+          </p:style>
+          <p:txBody>
+            <a:bodyPr rtlCol="0" anchor="ctr"/>
+            <a:p>
+              <a:pPr algn="ctr"/>
+              <a:endParaRPr lang="zh-CN" altLang="en-US"/>
+            </a:p>
+          </p:txBody>
+        </p:sp>
+        <p:sp>
+          <p:nvSpPr>
+            <p:cNvPr id="7" name="椭圆 6"/>
+            <p:cNvSpPr/>
+            <p:nvPr/>
+          </p:nvSpPr>
+          <p:spPr>
+            <a:xfrm>
+              <a:off x="5832" y="2452"/>
+              <a:ext cx="205" cy="171"/>
+            </a:xfrm>
+            <a:prstGeom prst="ellipse">
+              <a:avLst/>
+            </a:prstGeom>
+            <a:noFill/>
+            <a:ln>
+              <a:solidFill>
+                <a:srgbClr val="FF0000"/>
+              </a:solidFill>
+            </a:ln>
+            <a:extLst>
+              <a:ext uri="{909E8E84-426E-40DD-AFC4-6F175D3DCCD1}">
+                <a14:hiddenFill xmlns:a14="http://schemas.microsoft.com/office/drawing/2010/main">
+                  <a:solidFill>
+                    <a:srgbClr val="FF0000"/>
+                  </a:solidFill>
+                </a14:hiddenFill>
+              </a:ext>
+            </a:extLst>
+          </p:spPr>
+          <p:style>
+            <a:lnRef idx="2">
+              <a:schemeClr val="accent1">
+                <a:shade val="50000"/>
+              </a:schemeClr>
+            </a:lnRef>
+            <a:fillRef idx="1">
+              <a:schemeClr val="accent1"/>
+            </a:fillRef>
+            <a:effectRef idx="0">
+              <a:schemeClr val="accent1"/>
+            </a:effectRef>
+            <a:fontRef idx="minor">
+              <a:schemeClr val="lt1"/>
+            </a:fontRef>
+          </p:style>
+          <p:txBody>
+            <a:bodyPr rtlCol="0" anchor="ctr"/>
+            <a:p>
+              <a:pPr algn="ctr"/>
+              <a:endParaRPr lang="zh-CN" altLang="en-US"/>
+            </a:p>
+          </p:txBody>
+        </p:sp>
+        <p:sp>
+          <p:nvSpPr>
+            <p:cNvPr id="10" name="椭圆 9"/>
+            <p:cNvSpPr/>
+            <p:nvPr/>
+          </p:nvSpPr>
+          <p:spPr>
+            <a:xfrm>
+              <a:off x="7313" y="3566"/>
+              <a:ext cx="205" cy="171"/>
+            </a:xfrm>
+            <a:prstGeom prst="ellipse">
+              <a:avLst/>
+            </a:prstGeom>
+            <a:noFill/>
+            <a:ln>
+              <a:solidFill>
+                <a:srgbClr val="FF0000"/>
+              </a:solidFill>
+            </a:ln>
+            <a:extLst>
+              <a:ext uri="{909E8E84-426E-40DD-AFC4-6F175D3DCCD1}">
+                <a14:hiddenFill xmlns:a14="http://schemas.microsoft.com/office/drawing/2010/main">
+                  <a:solidFill>
+                    <a:srgbClr val="FF0000"/>
+                  </a:solidFill>
+                </a14:hiddenFill>
+              </a:ext>
+            </a:extLst>
+          </p:spPr>
+          <p:style>
+            <a:lnRef idx="2">
+              <a:schemeClr val="accent1">
+                <a:shade val="50000"/>
+              </a:schemeClr>
+            </a:lnRef>
+            <a:fillRef idx="1">
+              <a:schemeClr val="accent1"/>
+            </a:fillRef>
+            <a:effectRef idx="0">
+              <a:schemeClr val="accent1"/>
+            </a:effectRef>
+            <a:fontRef idx="minor">
+              <a:schemeClr val="lt1"/>
+            </a:fontRef>
+          </p:style>
+          <p:txBody>
+            <a:bodyPr rtlCol="0" anchor="ctr"/>
+            <a:p>
+              <a:pPr algn="ctr"/>
+              <a:endParaRPr lang="zh-CN" altLang="en-US"/>
+            </a:p>
+          </p:txBody>
+        </p:sp>
+        <p:sp>
+          <p:nvSpPr>
+            <p:cNvPr id="6" name="椭圆 5"/>
+            <p:cNvSpPr/>
+            <p:nvPr/>
+          </p:nvSpPr>
+          <p:spPr>
+            <a:xfrm>
+              <a:off x="6427" y="4360"/>
+              <a:ext cx="205" cy="171"/>
+            </a:xfrm>
+            <a:prstGeom prst="ellipse">
+              <a:avLst/>
+            </a:prstGeom>
+            <a:noFill/>
+            <a:ln>
+              <a:solidFill>
+                <a:srgbClr val="FF0000"/>
+              </a:solidFill>
+            </a:ln>
+            <a:extLst>
+              <a:ext uri="{909E8E84-426E-40DD-AFC4-6F175D3DCCD1}">
+                <a14:hiddenFill xmlns:a14="http://schemas.microsoft.com/office/drawing/2010/main">
+                  <a:solidFill>
+                    <a:srgbClr val="FF0000"/>
+                  </a:solidFill>
+                </a14:hiddenFill>
+              </a:ext>
+            </a:extLst>
+          </p:spPr>
+          <p:style>
+            <a:lnRef idx="2">
+              <a:schemeClr val="accent1">
+                <a:shade val="50000"/>
+              </a:schemeClr>
+            </a:lnRef>
+            <a:fillRef idx="1">
+              <a:schemeClr val="accent1"/>
+            </a:fillRef>
+            <a:effectRef idx="0">
+              <a:schemeClr val="accent1"/>
+            </a:effectRef>
+            <a:fontRef idx="minor">
+              <a:schemeClr val="lt1"/>
+            </a:fontRef>
+          </p:style>
+          <p:txBody>
+            <a:bodyPr rtlCol="0" anchor="ctr"/>
+            <a:p>
+              <a:pPr algn="ctr"/>
+              <a:endParaRPr lang="zh-CN" altLang="en-US"/>
+            </a:p>
+          </p:txBody>
+        </p:sp>
+        <p:sp>
+          <p:nvSpPr>
+            <p:cNvPr id="8" name="椭圆 7"/>
+            <p:cNvSpPr/>
+            <p:nvPr/>
+          </p:nvSpPr>
+          <p:spPr>
+            <a:xfrm>
+              <a:off x="6469" y="2281"/>
+              <a:ext cx="205" cy="171"/>
+            </a:xfrm>
+            <a:prstGeom prst="ellipse">
+              <a:avLst/>
+            </a:prstGeom>
+            <a:noFill/>
+            <a:ln>
+              <a:solidFill>
+                <a:srgbClr val="FF0000"/>
+              </a:solidFill>
+            </a:ln>
+            <a:extLst>
+              <a:ext uri="{909E8E84-426E-40DD-AFC4-6F175D3DCCD1}">
+                <a14:hiddenFill xmlns:a14="http://schemas.microsoft.com/office/drawing/2010/main">
+                  <a:solidFill>
+                    <a:srgbClr val="FF0000"/>
+                  </a:solidFill>
+                </a14:hiddenFill>
+              </a:ext>
+            </a:extLst>
+          </p:spPr>
+          <p:style>
+            <a:lnRef idx="2">
+              <a:schemeClr val="accent1">
+                <a:shade val="50000"/>
+              </a:schemeClr>
+            </a:lnRef>
+            <a:fillRef idx="1">
+              <a:schemeClr val="accent1"/>
+            </a:fillRef>
+            <a:effectRef idx="0">
+              <a:schemeClr val="accent1"/>
+            </a:effectRef>
+            <a:fontRef idx="minor">
+              <a:schemeClr val="lt1"/>
+            </a:fontRef>
+          </p:style>
+          <p:txBody>
+            <a:bodyPr rtlCol="0" anchor="ctr"/>
+            <a:p>
+              <a:pPr algn="ctr"/>
+              <a:endParaRPr lang="zh-CN" altLang="en-US"/>
+            </a:p>
+          </p:txBody>
+        </p:sp>
+        <p:sp>
+          <p:nvSpPr>
+            <p:cNvPr id="42" name="椭圆 41"/>
+            <p:cNvSpPr/>
+            <p:nvPr/>
+          </p:nvSpPr>
+          <p:spPr>
+            <a:xfrm>
+              <a:off x="7330" y="5951"/>
+              <a:ext cx="205" cy="171"/>
+            </a:xfrm>
+            <a:prstGeom prst="ellipse">
+              <a:avLst/>
+            </a:prstGeom>
+            <a:noFill/>
+            <a:ln>
+              <a:solidFill>
+                <a:srgbClr val="FF0000"/>
+              </a:solidFill>
+            </a:ln>
+            <a:extLst>
+              <a:ext uri="{909E8E84-426E-40DD-AFC4-6F175D3DCCD1}">
+                <a14:hiddenFill xmlns:a14="http://schemas.microsoft.com/office/drawing/2010/main">
+                  <a:solidFill>
+                    <a:srgbClr val="FF0000"/>
+                  </a:solidFill>
+                </a14:hiddenFill>
+              </a:ext>
+            </a:extLst>
+          </p:spPr>
+          <p:style>
+            <a:lnRef idx="2">
+              <a:schemeClr val="accent1">
+                <a:shade val="50000"/>
+              </a:schemeClr>
+            </a:lnRef>
+            <a:fillRef idx="1">
+              <a:schemeClr val="accent1"/>
+            </a:fillRef>
+            <a:effectRef idx="0">
+              <a:schemeClr val="accent1"/>
+            </a:effectRef>
+            <a:fontRef idx="minor">
+              <a:schemeClr val="lt1"/>
+            </a:fontRef>
+          </p:style>
+          <p:txBody>
+            <a:bodyPr rtlCol="0" anchor="ctr"/>
+            <a:p>
+              <a:pPr algn="ctr"/>
+              <a:endParaRPr lang="zh-CN" altLang="en-US"/>
+            </a:p>
+          </p:txBody>
+        </p:sp>
+        <p:sp>
+          <p:nvSpPr>
+            <p:cNvPr id="43" name="椭圆 42"/>
+            <p:cNvSpPr/>
+            <p:nvPr/>
+          </p:nvSpPr>
+          <p:spPr>
+            <a:xfrm>
+              <a:off x="5217" y="3222"/>
+              <a:ext cx="205" cy="171"/>
+            </a:xfrm>
+            <a:prstGeom prst="ellipse">
+              <a:avLst/>
+            </a:prstGeom>
+            <a:noFill/>
+            <a:ln>
+              <a:solidFill>
+                <a:srgbClr val="FF0000"/>
+              </a:solidFill>
+            </a:ln>
+            <a:extLst>
+              <a:ext uri="{909E8E84-426E-40DD-AFC4-6F175D3DCCD1}">
+                <a14:hiddenFill xmlns:a14="http://schemas.microsoft.com/office/drawing/2010/main">
+                  <a:solidFill>
+                    <a:srgbClr val="FF0000"/>
+                  </a:solidFill>
+                </a14:hiddenFill>
+              </a:ext>
+            </a:extLst>
+          </p:spPr>
+          <p:style>
+            <a:lnRef idx="2">
+              <a:schemeClr val="accent1">
+                <a:shade val="50000"/>
+              </a:schemeClr>
+            </a:lnRef>
+            <a:fillRef idx="1">
+              <a:schemeClr val="accent1"/>
+            </a:fillRef>
+            <a:effectRef idx="0">
+              <a:schemeClr val="accent1"/>
+            </a:effectRef>
+            <a:fontRef idx="minor">
+              <a:schemeClr val="lt1"/>
+            </a:fontRef>
+          </p:style>
+          <p:txBody>
+            <a:bodyPr rtlCol="0" anchor="ctr"/>
+            <a:p>
+              <a:pPr algn="ctr"/>
+              <a:endParaRPr lang="zh-CN" altLang="en-US"/>
+            </a:p>
+          </p:txBody>
+        </p:sp>
+        <p:sp>
+          <p:nvSpPr>
+            <p:cNvPr id="47" name="椭圆 46"/>
+            <p:cNvSpPr/>
+            <p:nvPr/>
+          </p:nvSpPr>
+          <p:spPr>
+            <a:xfrm>
+              <a:off x="8229" y="6346"/>
+              <a:ext cx="205" cy="171"/>
+            </a:xfrm>
+            <a:prstGeom prst="ellipse">
+              <a:avLst/>
+            </a:prstGeom>
+            <a:noFill/>
+            <a:ln>
+              <a:solidFill>
+                <a:srgbClr val="FF0000"/>
+              </a:solidFill>
+            </a:ln>
+            <a:extLst>
+              <a:ext uri="{909E8E84-426E-40DD-AFC4-6F175D3DCCD1}">
+                <a14:hiddenFill xmlns:a14="http://schemas.microsoft.com/office/drawing/2010/main">
+                  <a:solidFill>
+                    <a:srgbClr val="FF0000"/>
+                  </a:solidFill>
+                </a14:hiddenFill>
+              </a:ext>
+            </a:extLst>
+          </p:spPr>
+          <p:style>
+            <a:lnRef idx="2">
+              <a:schemeClr val="accent1">
+                <a:shade val="50000"/>
+              </a:schemeClr>
+            </a:lnRef>
+            <a:fillRef idx="1">
+              <a:schemeClr val="accent1"/>
+            </a:fillRef>
+            <a:effectRef idx="0">
+              <a:schemeClr val="accent1"/>
+            </a:effectRef>
+            <a:fontRef idx="minor">
+              <a:schemeClr val="lt1"/>
+            </a:fontRef>
+          </p:style>
+          <p:txBody>
+            <a:bodyPr rtlCol="0" anchor="ctr"/>
+            <a:p>
+              <a:pPr algn="ctr"/>
+              <a:endParaRPr lang="zh-CN" altLang="en-US"/>
+            </a:p>
+          </p:txBody>
+        </p:sp>
+        <p:sp>
+          <p:nvSpPr>
+            <p:cNvPr id="48" name="椭圆 47"/>
+            <p:cNvSpPr/>
+            <p:nvPr/>
+          </p:nvSpPr>
+          <p:spPr>
+            <a:xfrm>
+              <a:off x="4379" y="3703"/>
+              <a:ext cx="205" cy="171"/>
+            </a:xfrm>
+            <a:prstGeom prst="ellipse">
+              <a:avLst/>
+            </a:prstGeom>
+            <a:noFill/>
+            <a:ln>
+              <a:solidFill>
+                <a:srgbClr val="FF0000"/>
+              </a:solidFill>
+            </a:ln>
+            <a:extLst>
+              <a:ext uri="{909E8E84-426E-40DD-AFC4-6F175D3DCCD1}">
+                <a14:hiddenFill xmlns:a14="http://schemas.microsoft.com/office/drawing/2010/main">
+                  <a:solidFill>
+                    <a:srgbClr val="FF0000"/>
+                  </a:solidFill>
+                </a14:hiddenFill>
+              </a:ext>
+            </a:extLst>
+          </p:spPr>
+          <p:style>
+            <a:lnRef idx="2">
+              <a:schemeClr val="accent1">
+                <a:shade val="50000"/>
+              </a:schemeClr>
+            </a:lnRef>
+            <a:fillRef idx="1">
+              <a:schemeClr val="accent1"/>
+            </a:fillRef>
+            <a:effectRef idx="0">
+              <a:schemeClr val="accent1"/>
+            </a:effectRef>
+            <a:fontRef idx="minor">
+              <a:schemeClr val="lt1"/>
+            </a:fontRef>
+          </p:style>
+          <p:txBody>
+            <a:bodyPr rtlCol="0" anchor="ctr"/>
+            <a:p>
+              <a:pPr algn="ctr"/>
+              <a:endParaRPr lang="zh-CN" altLang="en-US"/>
+            </a:p>
+          </p:txBody>
+        </p:sp>
+        <p:sp>
+          <p:nvSpPr>
+            <p:cNvPr id="50" name="椭圆 49"/>
+            <p:cNvSpPr/>
+            <p:nvPr/>
+          </p:nvSpPr>
+          <p:spPr>
+            <a:xfrm>
+              <a:off x="5012" y="4189"/>
+              <a:ext cx="205" cy="171"/>
+            </a:xfrm>
+            <a:prstGeom prst="ellipse">
+              <a:avLst/>
+            </a:prstGeom>
+            <a:noFill/>
+            <a:ln>
+              <a:solidFill>
+                <a:srgbClr val="FF0000"/>
+              </a:solidFill>
+            </a:ln>
+            <a:extLst>
+              <a:ext uri="{909E8E84-426E-40DD-AFC4-6F175D3DCCD1}">
+                <a14:hiddenFill xmlns:a14="http://schemas.microsoft.com/office/drawing/2010/main">
+                  <a:solidFill>
+                    <a:srgbClr val="FF0000"/>
+                  </a:solidFill>
+                </a14:hiddenFill>
+              </a:ext>
+            </a:extLst>
+          </p:spPr>
+          <p:style>
+            <a:lnRef idx="2">
+              <a:schemeClr val="accent1">
+                <a:shade val="50000"/>
+              </a:schemeClr>
+            </a:lnRef>
+            <a:fillRef idx="1">
+              <a:schemeClr val="accent1"/>
+            </a:fillRef>
+            <a:effectRef idx="0">
+              <a:schemeClr val="accent1"/>
+            </a:effectRef>
+            <a:fontRef idx="minor">
+              <a:schemeClr val="lt1"/>
+            </a:fontRef>
+          </p:style>
+          <p:txBody>
+            <a:bodyPr rtlCol="0" anchor="ctr"/>
+            <a:p>
+              <a:pPr algn="ctr"/>
+              <a:endParaRPr lang="zh-CN" altLang="en-US"/>
+            </a:p>
+          </p:txBody>
+        </p:sp>
+        <p:sp>
+          <p:nvSpPr>
+            <p:cNvPr id="51" name="椭圆 50"/>
+            <p:cNvSpPr/>
+            <p:nvPr/>
+          </p:nvSpPr>
+          <p:spPr>
+            <a:xfrm>
+              <a:off x="6674" y="3051"/>
+              <a:ext cx="205" cy="171"/>
+            </a:xfrm>
+            <a:prstGeom prst="ellipse">
+              <a:avLst/>
+            </a:prstGeom>
+            <a:noFill/>
+            <a:ln>
+              <a:solidFill>
+                <a:srgbClr val="FF0000"/>
+              </a:solidFill>
+            </a:ln>
+            <a:extLst>
+              <a:ext uri="{909E8E84-426E-40DD-AFC4-6F175D3DCCD1}">
+                <a14:hiddenFill xmlns:a14="http://schemas.microsoft.com/office/drawing/2010/main">
+                  <a:solidFill>
+                    <a:srgbClr val="FF0000"/>
+                  </a:solidFill>
+                </a14:hiddenFill>
+              </a:ext>
+            </a:extLst>
+          </p:spPr>
+          <p:style>
+            <a:lnRef idx="2">
+              <a:schemeClr val="accent1">
+                <a:shade val="50000"/>
+              </a:schemeClr>
+            </a:lnRef>
+            <a:fillRef idx="1">
+              <a:schemeClr val="accent1"/>
+            </a:fillRef>
+            <a:effectRef idx="0">
+              <a:schemeClr val="accent1"/>
+            </a:effectRef>
+            <a:fontRef idx="minor">
+              <a:schemeClr val="lt1"/>
+            </a:fontRef>
+          </p:style>
+          <p:txBody>
+            <a:bodyPr rtlCol="0" anchor="ctr"/>
+            <a:p>
+              <a:pPr algn="ctr"/>
+              <a:endParaRPr lang="zh-CN" altLang="en-US"/>
+            </a:p>
+          </p:txBody>
+        </p:sp>
+        <p:graphicFrame>
+          <p:nvGraphicFramePr>
+            <p:cNvPr id="52" name="对象 51">
+              <a:hlinkClick r:id="" action="ppaction://ole?verb="/>
+            </p:cNvPr>
+            <p:cNvGraphicFramePr>
+              <a:graphicFrameLocks noChangeAspect="1"/>
+            </p:cNvGraphicFramePr>
+            <p:nvPr/>
+          </p:nvGraphicFramePr>
+          <p:xfrm>
+            <a:off x="4990" y="3393"/>
+            <a:ext cx="613" cy="613"/>
+          </p:xfrm>
+          <a:graphic>
+            <a:graphicData uri="http://schemas.openxmlformats.org/presentationml/2006/ole">
+              <mc:AlternateContent xmlns:mc="http://schemas.openxmlformats.org/markup-compatibility/2006">
+                <mc:Choice xmlns:v="urn:schemas-microsoft-com:vml" Requires="v">
+                  <p:oleObj spid="_x0000_s1026" name="" r:id="rId5" imgW="190500" imgH="190500" progId="Equation.KSEE3">
+                    <p:embed/>
+                  </p:oleObj>
+                </mc:Choice>
+                <mc:Fallback>
+                  <p:oleObj name="" r:id="rId5" imgW="190500" imgH="190500" progId="Equation.KSEE3">
+                    <p:embed/>
+                    <p:pic>
+                      <p:nvPicPr>
+                        <p:cNvPr id="0" name="图片 1025"/>
+                        <p:cNvPicPr/>
+                        <p:nvPr/>
+                      </p:nvPicPr>
+                      <p:blipFill>
+                        <a:blip r:embed="rId6"/>
+                        <a:stretch>
+                          <a:fillRect/>
+                        </a:stretch>
+                      </p:blipFill>
+                      <p:spPr>
+                        <a:xfrm>
+                          <a:off x="4990" y="3393"/>
+                          <a:ext cx="613" cy="613"/>
+                        </a:xfrm>
+                        <a:prstGeom prst="rect">
+                          <a:avLst/>
+                        </a:prstGeom>
+                      </p:spPr>
+                    </p:pic>
+                  </p:oleObj>
+                </mc:Fallback>
+              </mc:AlternateContent>
+            </a:graphicData>
+          </a:graphic>
+        </p:graphicFrame>
+        <p:sp>
+          <p:nvSpPr>
+            <p:cNvPr id="54" name="等腰三角形 53"/>
+            <p:cNvSpPr/>
+            <p:nvPr/>
+          </p:nvSpPr>
+          <p:spPr>
+            <a:xfrm>
+              <a:off x="5603" y="3505"/>
+              <a:ext cx="229" cy="193"/>
+            </a:xfrm>
+            <a:prstGeom prst="triangle">
+              <a:avLst/>
+            </a:prstGeom>
+            <a:solidFill>
+              <a:srgbClr val="0070C0"/>
+            </a:solidFill>
+            <a:ln>
+              <a:solidFill>
+                <a:srgbClr val="0070C0"/>
+              </a:solidFill>
+            </a:ln>
+          </p:spPr>
+          <p:style>
+            <a:lnRef idx="2">
+              <a:schemeClr val="accent1">
+                <a:shade val="50000"/>
+              </a:schemeClr>
+            </a:lnRef>
+            <a:fillRef idx="1">
+              <a:schemeClr val="accent1"/>
+            </a:fillRef>
+            <a:effectRef idx="0">
+              <a:schemeClr val="accent1"/>
+            </a:effectRef>
+            <a:fontRef idx="minor">
+              <a:schemeClr val="lt1"/>
+            </a:fontRef>
+          </p:style>
+          <p:txBody>
+            <a:bodyPr rtlCol="0" anchor="ctr"/>
+            <a:p>
+              <a:pPr algn="ctr"/>
+              <a:endParaRPr lang="zh-CN" altLang="en-US"/>
+            </a:p>
+          </p:txBody>
+        </p:sp>
+      </p:grpSp>
+    </p:spTree>
+  </p:cSld>
+  <p:clrMapOvr>
+    <a:masterClrMapping/>
+  </p:clrMapOvr>
+</p:sld>
+</file>
+
+<file path=ppt/slides/slide22.xml><?xml version="1.0" encoding="utf-8"?>
+<p:sld xmlns:a="http://schemas.openxmlformats.org/drawingml/2006/main" xmlns:r="http://schemas.openxmlformats.org/officeDocument/2006/relationships" xmlns:p="http://schemas.openxmlformats.org/presentationml/2006/main">
+  <p:cSld>
+    <p:spTree>
+      <p:nvGrpSpPr>
+        <p:cNvPr id="1" name=""/>
+        <p:cNvGrpSpPr/>
+        <p:nvPr/>
+      </p:nvGrpSpPr>
+      <p:grpSpPr/>
+      <p:grpSp>
+        <p:nvGrpSpPr>
+          <p:cNvPr id="29" name="组合 28"/>
+          <p:cNvGrpSpPr/>
+          <p:nvPr/>
+        </p:nvGrpSpPr>
+        <p:grpSpPr>
+          <a:xfrm>
+            <a:off x="1611630" y="948690"/>
+            <a:ext cx="4878070" cy="3950335"/>
+            <a:chOff x="2538" y="1494"/>
+            <a:chExt cx="7682" cy="6221"/>
+          </a:xfrm>
+        </p:grpSpPr>
+        <p:cxnSp>
+          <p:nvCxnSpPr>
+            <p:cNvPr id="5" name="直接箭头连接符 4"/>
+            <p:cNvCxnSpPr/>
+            <p:nvPr/>
+          </p:nvCxnSpPr>
+          <p:spPr>
+            <a:xfrm flipH="1" flipV="1">
+              <a:off x="3236" y="1751"/>
+              <a:ext cx="51" cy="5361"/>
+            </a:xfrm>
+            <a:prstGeom prst="straightConnector1">
+              <a:avLst/>
+            </a:prstGeom>
+            <a:ln w="28575">
+              <a:solidFill>
+                <a:schemeClr val="tx1"/>
+              </a:solidFill>
+              <a:tailEnd type="arrow"/>
+            </a:ln>
+          </p:spPr>
+          <p:style>
+            <a:lnRef idx="1">
+              <a:schemeClr val="accent1"/>
+            </a:lnRef>
+            <a:fillRef idx="0">
+              <a:schemeClr val="accent1"/>
+            </a:fillRef>
+            <a:effectRef idx="0">
+              <a:schemeClr val="accent1"/>
+            </a:effectRef>
+            <a:fontRef idx="minor">
+              <a:schemeClr val="tx1"/>
+            </a:fontRef>
+          </p:style>
+        </p:cxnSp>
+        <p:cxnSp>
+          <p:nvCxnSpPr>
+            <p:cNvPr id="4" name="直接箭头连接符 3"/>
+            <p:cNvCxnSpPr/>
+            <p:nvPr/>
+          </p:nvCxnSpPr>
+          <p:spPr>
+            <a:xfrm flipV="1">
+              <a:off x="3287" y="7095"/>
+              <a:ext cx="6457" cy="6"/>
+            </a:xfrm>
+            <a:prstGeom prst="straightConnector1">
+              <a:avLst/>
+            </a:prstGeom>
+            <a:ln w="28575">
+              <a:solidFill>
+                <a:schemeClr val="tx1"/>
+              </a:solidFill>
+              <a:tailEnd type="arrow"/>
+            </a:ln>
+          </p:spPr>
+          <p:style>
+            <a:lnRef idx="1">
+              <a:schemeClr val="accent1"/>
+            </a:lnRef>
+            <a:fillRef idx="0">
+              <a:schemeClr val="accent1"/>
+            </a:fillRef>
+            <a:effectRef idx="0">
+              <a:schemeClr val="accent1"/>
+            </a:effectRef>
+            <a:fontRef idx="minor">
+              <a:schemeClr val="tx1"/>
+            </a:fontRef>
+          </p:style>
+        </p:cxnSp>
+        <p:graphicFrame>
+          <p:nvGraphicFramePr>
+            <p:cNvPr id="14" name="对象 13">
+              <a:hlinkClick r:id="" action="ppaction://ole?verb="/>
+            </p:cNvPr>
+            <p:cNvGraphicFramePr>
+              <a:graphicFrameLocks noChangeAspect="1"/>
+            </p:cNvGraphicFramePr>
+            <p:nvPr/>
+          </p:nvGraphicFramePr>
+          <p:xfrm>
+            <a:off x="9744" y="7095"/>
+            <a:ext cx="477" cy="621"/>
+          </p:xfrm>
+          <a:graphic>
+            <a:graphicData uri="http://schemas.openxmlformats.org/presentationml/2006/ole">
+              <mc:AlternateContent xmlns:mc="http://schemas.openxmlformats.org/markup-compatibility/2006">
+                <mc:Choice xmlns:v="urn:schemas-microsoft-com:vml" Requires="v">
+                  <p:oleObj spid="_x0000_s1025" name="" r:id="rId1" imgW="127000" imgH="165100" progId="Equation.KSEE3">
+                    <p:embed/>
+                  </p:oleObj>
+                </mc:Choice>
+                <mc:Fallback>
+                  <p:oleObj name="" r:id="rId1" imgW="127000" imgH="165100" progId="Equation.KSEE3">
+                    <p:embed/>
+                    <p:pic>
+                      <p:nvPicPr>
+                        <p:cNvPr id="0" name="图片 1024"/>
+                        <p:cNvPicPr/>
+                        <p:nvPr/>
+                      </p:nvPicPr>
+                      <p:blipFill>
+                        <a:blip r:embed="rId2"/>
+                        <a:stretch>
+                          <a:fillRect/>
+                        </a:stretch>
+                      </p:blipFill>
+                      <p:spPr>
+                        <a:xfrm>
+                          <a:off x="9744" y="7095"/>
+                          <a:ext cx="477" cy="621"/>
+                        </a:xfrm>
+                        <a:prstGeom prst="rect">
+                          <a:avLst/>
+                        </a:prstGeom>
+                      </p:spPr>
+                    </p:pic>
+                  </p:oleObj>
+                </mc:Fallback>
+              </mc:AlternateContent>
+            </a:graphicData>
+          </a:graphic>
+        </p:graphicFrame>
+        <p:graphicFrame>
+          <p:nvGraphicFramePr>
+            <p:cNvPr id="15" name="对象 14">
+              <a:hlinkClick r:id="" action="ppaction://ole?verb="/>
+            </p:cNvPr>
+            <p:cNvGraphicFramePr>
+              <a:graphicFrameLocks noChangeAspect="1"/>
+            </p:cNvGraphicFramePr>
+            <p:nvPr/>
+          </p:nvGraphicFramePr>
+          <p:xfrm>
+            <a:off x="2538" y="1494"/>
+            <a:ext cx="527" cy="623"/>
+          </p:xfrm>
+          <a:graphic>
+            <a:graphicData uri="http://schemas.openxmlformats.org/presentationml/2006/ole">
+              <mc:AlternateContent xmlns:mc="http://schemas.openxmlformats.org/markup-compatibility/2006">
+                <mc:Choice xmlns:v="urn:schemas-microsoft-com:vml" Requires="v">
+                  <p:oleObj spid="_x0000_s2" name="" r:id="rId3" imgW="139700" imgH="165100" progId="Equation.KSEE3">
+                    <p:embed/>
+                  </p:oleObj>
+                </mc:Choice>
+                <mc:Fallback>
+                  <p:oleObj name="" r:id="rId3" imgW="139700" imgH="165100" progId="Equation.KSEE3">
+                    <p:embed/>
+                    <p:pic>
+                      <p:nvPicPr>
+                        <p:cNvPr id="0" name="图片 1024"/>
+                        <p:cNvPicPr/>
+                        <p:nvPr/>
+                      </p:nvPicPr>
+                      <p:blipFill>
+                        <a:blip r:embed="rId4"/>
+                        <a:stretch>
+                          <a:fillRect/>
+                        </a:stretch>
+                      </p:blipFill>
+                      <p:spPr>
+                        <a:xfrm>
+                          <a:off x="2538" y="1494"/>
+                          <a:ext cx="527" cy="623"/>
+                        </a:xfrm>
+                        <a:prstGeom prst="rect">
+                          <a:avLst/>
+                        </a:prstGeom>
+                      </p:spPr>
+                    </p:pic>
+                  </p:oleObj>
+                </mc:Fallback>
+              </mc:AlternateContent>
+            </a:graphicData>
+          </a:graphic>
+        </p:graphicFrame>
+        <p:sp>
+          <p:nvSpPr>
+            <p:cNvPr id="61" name="椭圆 60"/>
+            <p:cNvSpPr/>
+            <p:nvPr/>
+          </p:nvSpPr>
+          <p:spPr>
+            <a:xfrm>
+              <a:off x="7518" y="3051"/>
+              <a:ext cx="205" cy="171"/>
+            </a:xfrm>
+            <a:prstGeom prst="ellipse">
+              <a:avLst/>
+            </a:prstGeom>
+            <a:noFill/>
+            <a:ln>
+              <a:solidFill>
+                <a:srgbClr val="FF0000"/>
+              </a:solidFill>
+            </a:ln>
+            <a:extLst>
+              <a:ext uri="{909E8E84-426E-40DD-AFC4-6F175D3DCCD1}">
+                <a14:hiddenFill xmlns:a14="http://schemas.microsoft.com/office/drawing/2010/main">
+                  <a:solidFill>
+                    <a:srgbClr val="FF0000"/>
+                  </a:solidFill>
+                </a14:hiddenFill>
+              </a:ext>
+            </a:extLst>
+          </p:spPr>
+          <p:style>
+            <a:lnRef idx="2">
+              <a:schemeClr val="accent1">
+                <a:shade val="50000"/>
+              </a:schemeClr>
+            </a:lnRef>
+            <a:fillRef idx="1">
+              <a:schemeClr val="accent1"/>
+            </a:fillRef>
+            <a:effectRef idx="0">
+              <a:schemeClr val="accent1"/>
+            </a:effectRef>
+            <a:fontRef idx="minor">
+              <a:schemeClr val="lt1"/>
+            </a:fontRef>
+          </p:style>
+          <p:txBody>
+            <a:bodyPr rtlCol="0" anchor="ctr"/>
+            <a:p>
+              <a:pPr algn="ctr"/>
+              <a:endParaRPr lang="zh-CN" altLang="en-US"/>
+            </a:p>
+          </p:txBody>
+        </p:sp>
+        <p:sp>
+          <p:nvSpPr>
+            <p:cNvPr id="63" name="椭圆 62"/>
+            <p:cNvSpPr/>
+            <p:nvPr/>
+          </p:nvSpPr>
+          <p:spPr>
+            <a:xfrm>
+              <a:off x="4807" y="2709"/>
+              <a:ext cx="205" cy="171"/>
+            </a:xfrm>
+            <a:prstGeom prst="ellipse">
+              <a:avLst/>
+            </a:prstGeom>
+            <a:noFill/>
+            <a:ln>
+              <a:solidFill>
+                <a:srgbClr val="FF0000"/>
+              </a:solidFill>
+            </a:ln>
+            <a:extLst>
+              <a:ext uri="{909E8E84-426E-40DD-AFC4-6F175D3DCCD1}">
+                <a14:hiddenFill xmlns:a14="http://schemas.microsoft.com/office/drawing/2010/main">
+                  <a:solidFill>
+                    <a:srgbClr val="FF0000"/>
+                  </a:solidFill>
+                </a14:hiddenFill>
+              </a:ext>
+            </a:extLst>
+          </p:spPr>
+          <p:style>
+            <a:lnRef idx="2">
+              <a:schemeClr val="accent1">
+                <a:shade val="50000"/>
+              </a:schemeClr>
+            </a:lnRef>
+            <a:fillRef idx="1">
+              <a:schemeClr val="accent1"/>
+            </a:fillRef>
+            <a:effectRef idx="0">
+              <a:schemeClr val="accent1"/>
+            </a:effectRef>
+            <a:fontRef idx="minor">
+              <a:schemeClr val="lt1"/>
+            </a:fontRef>
+          </p:style>
+          <p:txBody>
+            <a:bodyPr rtlCol="0" anchor="ctr"/>
+            <a:p>
+              <a:pPr algn="ctr"/>
+              <a:endParaRPr lang="zh-CN" altLang="en-US"/>
+            </a:p>
+          </p:txBody>
+        </p:sp>
+        <p:sp>
+          <p:nvSpPr>
+            <p:cNvPr id="7" name="椭圆 6"/>
+            <p:cNvSpPr/>
+            <p:nvPr/>
+          </p:nvSpPr>
+          <p:spPr>
+            <a:xfrm>
+              <a:off x="5832" y="2452"/>
+              <a:ext cx="205" cy="171"/>
+            </a:xfrm>
+            <a:prstGeom prst="ellipse">
+              <a:avLst/>
+            </a:prstGeom>
+            <a:noFill/>
+            <a:ln>
+              <a:solidFill>
+                <a:srgbClr val="FF0000"/>
+              </a:solidFill>
+            </a:ln>
+            <a:extLst>
+              <a:ext uri="{909E8E84-426E-40DD-AFC4-6F175D3DCCD1}">
+                <a14:hiddenFill xmlns:a14="http://schemas.microsoft.com/office/drawing/2010/main">
+                  <a:solidFill>
+                    <a:srgbClr val="FF0000"/>
+                  </a:solidFill>
+                </a14:hiddenFill>
+              </a:ext>
+            </a:extLst>
+          </p:spPr>
+          <p:style>
+            <a:lnRef idx="2">
+              <a:schemeClr val="accent1">
+                <a:shade val="50000"/>
+              </a:schemeClr>
+            </a:lnRef>
+            <a:fillRef idx="1">
+              <a:schemeClr val="accent1"/>
+            </a:fillRef>
+            <a:effectRef idx="0">
+              <a:schemeClr val="accent1"/>
+            </a:effectRef>
+            <a:fontRef idx="minor">
+              <a:schemeClr val="lt1"/>
+            </a:fontRef>
+          </p:style>
+          <p:txBody>
+            <a:bodyPr rtlCol="0" anchor="ctr"/>
+            <a:p>
+              <a:pPr algn="ctr"/>
+              <a:endParaRPr lang="zh-CN" altLang="en-US"/>
+            </a:p>
+          </p:txBody>
+        </p:sp>
+        <p:sp>
+          <p:nvSpPr>
+            <p:cNvPr id="10" name="椭圆 9"/>
+            <p:cNvSpPr/>
+            <p:nvPr/>
+          </p:nvSpPr>
+          <p:spPr>
+            <a:xfrm>
+              <a:off x="7313" y="3566"/>
+              <a:ext cx="205" cy="171"/>
+            </a:xfrm>
+            <a:prstGeom prst="ellipse">
+              <a:avLst/>
+            </a:prstGeom>
+            <a:noFill/>
+            <a:ln>
+              <a:solidFill>
+                <a:srgbClr val="FF0000"/>
+              </a:solidFill>
+            </a:ln>
+            <a:extLst>
+              <a:ext uri="{909E8E84-426E-40DD-AFC4-6F175D3DCCD1}">
+                <a14:hiddenFill xmlns:a14="http://schemas.microsoft.com/office/drawing/2010/main">
+                  <a:solidFill>
+                    <a:srgbClr val="FF0000"/>
+                  </a:solidFill>
+                </a14:hiddenFill>
+              </a:ext>
+            </a:extLst>
+          </p:spPr>
+          <p:style>
+            <a:lnRef idx="2">
+              <a:schemeClr val="accent1">
+                <a:shade val="50000"/>
+              </a:schemeClr>
+            </a:lnRef>
+            <a:fillRef idx="1">
+              <a:schemeClr val="accent1"/>
+            </a:fillRef>
+            <a:effectRef idx="0">
+              <a:schemeClr val="accent1"/>
+            </a:effectRef>
+            <a:fontRef idx="minor">
+              <a:schemeClr val="lt1"/>
+            </a:fontRef>
+          </p:style>
+          <p:txBody>
+            <a:bodyPr rtlCol="0" anchor="ctr"/>
+            <a:p>
+              <a:pPr algn="ctr"/>
+              <a:endParaRPr lang="zh-CN" altLang="en-US"/>
+            </a:p>
+          </p:txBody>
+        </p:sp>
+        <p:sp>
+          <p:nvSpPr>
+            <p:cNvPr id="6" name="椭圆 5"/>
+            <p:cNvSpPr/>
+            <p:nvPr/>
+          </p:nvSpPr>
+          <p:spPr>
+            <a:xfrm>
+              <a:off x="6427" y="4360"/>
+              <a:ext cx="205" cy="171"/>
+            </a:xfrm>
+            <a:prstGeom prst="ellipse">
+              <a:avLst/>
+            </a:prstGeom>
+            <a:noFill/>
+            <a:ln>
+              <a:solidFill>
+                <a:srgbClr val="FF0000"/>
+              </a:solidFill>
+            </a:ln>
+            <a:extLst>
+              <a:ext uri="{909E8E84-426E-40DD-AFC4-6F175D3DCCD1}">
+                <a14:hiddenFill xmlns:a14="http://schemas.microsoft.com/office/drawing/2010/main">
+                  <a:solidFill>
+                    <a:srgbClr val="FF0000"/>
+                  </a:solidFill>
+                </a14:hiddenFill>
+              </a:ext>
+            </a:extLst>
+          </p:spPr>
+          <p:style>
+            <a:lnRef idx="2">
+              <a:schemeClr val="accent1">
+                <a:shade val="50000"/>
+              </a:schemeClr>
+            </a:lnRef>
+            <a:fillRef idx="1">
+              <a:schemeClr val="accent1"/>
+            </a:fillRef>
+            <a:effectRef idx="0">
+              <a:schemeClr val="accent1"/>
+            </a:effectRef>
+            <a:fontRef idx="minor">
+              <a:schemeClr val="lt1"/>
+            </a:fontRef>
+          </p:style>
+          <p:txBody>
+            <a:bodyPr rtlCol="0" anchor="ctr"/>
+            <a:p>
+              <a:pPr algn="ctr"/>
+              <a:endParaRPr lang="zh-CN" altLang="en-US"/>
+            </a:p>
+          </p:txBody>
+        </p:sp>
+        <p:sp>
+          <p:nvSpPr>
+            <p:cNvPr id="8" name="椭圆 7"/>
+            <p:cNvSpPr/>
+            <p:nvPr/>
+          </p:nvSpPr>
+          <p:spPr>
+            <a:xfrm>
+              <a:off x="6469" y="2281"/>
+              <a:ext cx="205" cy="171"/>
+            </a:xfrm>
+            <a:prstGeom prst="ellipse">
+              <a:avLst/>
+            </a:prstGeom>
+            <a:noFill/>
+            <a:ln>
+              <a:solidFill>
+                <a:srgbClr val="FF0000"/>
+              </a:solidFill>
+            </a:ln>
+            <a:extLst>
+              <a:ext uri="{909E8E84-426E-40DD-AFC4-6F175D3DCCD1}">
+                <a14:hiddenFill xmlns:a14="http://schemas.microsoft.com/office/drawing/2010/main">
+                  <a:solidFill>
+                    <a:srgbClr val="FF0000"/>
+                  </a:solidFill>
+                </a14:hiddenFill>
+              </a:ext>
+            </a:extLst>
+          </p:spPr>
+          <p:style>
+            <a:lnRef idx="2">
+              <a:schemeClr val="accent1">
+                <a:shade val="50000"/>
+              </a:schemeClr>
+            </a:lnRef>
+            <a:fillRef idx="1">
+              <a:schemeClr val="accent1"/>
+            </a:fillRef>
+            <a:effectRef idx="0">
+              <a:schemeClr val="accent1"/>
+            </a:effectRef>
+            <a:fontRef idx="minor">
+              <a:schemeClr val="lt1"/>
+            </a:fontRef>
+          </p:style>
+          <p:txBody>
+            <a:bodyPr rtlCol="0" anchor="ctr"/>
+            <a:p>
+              <a:pPr algn="ctr"/>
+              <a:endParaRPr lang="zh-CN" altLang="en-US"/>
+            </a:p>
+          </p:txBody>
+        </p:sp>
+        <p:sp>
+          <p:nvSpPr>
+            <p:cNvPr id="42" name="椭圆 41"/>
+            <p:cNvSpPr/>
+            <p:nvPr/>
+          </p:nvSpPr>
+          <p:spPr>
+            <a:xfrm>
+              <a:off x="7313" y="6021"/>
+              <a:ext cx="205" cy="171"/>
+            </a:xfrm>
+            <a:prstGeom prst="ellipse">
+              <a:avLst/>
+            </a:prstGeom>
+            <a:noFill/>
+            <a:ln>
+              <a:solidFill>
+                <a:srgbClr val="FF0000"/>
+              </a:solidFill>
+            </a:ln>
+            <a:extLst>
+              <a:ext uri="{909E8E84-426E-40DD-AFC4-6F175D3DCCD1}">
+                <a14:hiddenFill xmlns:a14="http://schemas.microsoft.com/office/drawing/2010/main">
+                  <a:solidFill>
+                    <a:srgbClr val="FF0000"/>
+                  </a:solidFill>
+                </a14:hiddenFill>
+              </a:ext>
+            </a:extLst>
+          </p:spPr>
+          <p:style>
+            <a:lnRef idx="2">
+              <a:schemeClr val="accent1">
+                <a:shade val="50000"/>
+              </a:schemeClr>
+            </a:lnRef>
+            <a:fillRef idx="1">
+              <a:schemeClr val="accent1"/>
+            </a:fillRef>
+            <a:effectRef idx="0">
+              <a:schemeClr val="accent1"/>
+            </a:effectRef>
+            <a:fontRef idx="minor">
+              <a:schemeClr val="lt1"/>
+            </a:fontRef>
+          </p:style>
+          <p:txBody>
+            <a:bodyPr rtlCol="0" anchor="ctr"/>
+            <a:p>
+              <a:pPr algn="ctr"/>
+              <a:endParaRPr lang="zh-CN" altLang="en-US"/>
+            </a:p>
+          </p:txBody>
+        </p:sp>
+        <p:sp>
+          <p:nvSpPr>
+            <p:cNvPr id="43" name="椭圆 42"/>
+            <p:cNvSpPr/>
+            <p:nvPr/>
+          </p:nvSpPr>
+          <p:spPr>
+            <a:xfrm>
+              <a:off x="5217" y="3222"/>
+              <a:ext cx="205" cy="171"/>
+            </a:xfrm>
+            <a:prstGeom prst="ellipse">
+              <a:avLst/>
+            </a:prstGeom>
+            <a:noFill/>
+            <a:ln>
+              <a:solidFill>
+                <a:srgbClr val="FF0000"/>
+              </a:solidFill>
+            </a:ln>
+            <a:extLst>
+              <a:ext uri="{909E8E84-426E-40DD-AFC4-6F175D3DCCD1}">
+                <a14:hiddenFill xmlns:a14="http://schemas.microsoft.com/office/drawing/2010/main">
+                  <a:solidFill>
+                    <a:srgbClr val="FF0000"/>
+                  </a:solidFill>
+                </a14:hiddenFill>
+              </a:ext>
+            </a:extLst>
+          </p:spPr>
+          <p:style>
+            <a:lnRef idx="2">
+              <a:schemeClr val="accent1">
+                <a:shade val="50000"/>
+              </a:schemeClr>
+            </a:lnRef>
+            <a:fillRef idx="1">
+              <a:schemeClr val="accent1"/>
+            </a:fillRef>
+            <a:effectRef idx="0">
+              <a:schemeClr val="accent1"/>
+            </a:effectRef>
+            <a:fontRef idx="minor">
+              <a:schemeClr val="lt1"/>
+            </a:fontRef>
+          </p:style>
+          <p:txBody>
+            <a:bodyPr rtlCol="0" anchor="ctr"/>
+            <a:p>
+              <a:pPr algn="ctr"/>
+              <a:endParaRPr lang="zh-CN" altLang="en-US"/>
+            </a:p>
+          </p:txBody>
+        </p:sp>
+        <p:sp>
+          <p:nvSpPr>
+            <p:cNvPr id="47" name="椭圆 46"/>
+            <p:cNvSpPr/>
+            <p:nvPr/>
+          </p:nvSpPr>
+          <p:spPr>
+            <a:xfrm>
+              <a:off x="8229" y="6346"/>
+              <a:ext cx="205" cy="171"/>
+            </a:xfrm>
+            <a:prstGeom prst="ellipse">
+              <a:avLst/>
+            </a:prstGeom>
+            <a:noFill/>
+            <a:ln>
+              <a:solidFill>
+                <a:srgbClr val="FF0000"/>
+              </a:solidFill>
+            </a:ln>
+            <a:extLst>
+              <a:ext uri="{909E8E84-426E-40DD-AFC4-6F175D3DCCD1}">
+                <a14:hiddenFill xmlns:a14="http://schemas.microsoft.com/office/drawing/2010/main">
+                  <a:solidFill>
+                    <a:srgbClr val="FF0000"/>
+                  </a:solidFill>
+                </a14:hiddenFill>
+              </a:ext>
+            </a:extLst>
+          </p:spPr>
+          <p:style>
+            <a:lnRef idx="2">
+              <a:schemeClr val="accent1">
+                <a:shade val="50000"/>
+              </a:schemeClr>
+            </a:lnRef>
+            <a:fillRef idx="1">
+              <a:schemeClr val="accent1"/>
+            </a:fillRef>
+            <a:effectRef idx="0">
+              <a:schemeClr val="accent1"/>
+            </a:effectRef>
+            <a:fontRef idx="minor">
+              <a:schemeClr val="lt1"/>
+            </a:fontRef>
+          </p:style>
+          <p:txBody>
+            <a:bodyPr rtlCol="0" anchor="ctr"/>
+            <a:p>
+              <a:pPr algn="ctr"/>
+              <a:endParaRPr lang="zh-CN" altLang="en-US"/>
+            </a:p>
+          </p:txBody>
+        </p:sp>
+        <p:sp>
+          <p:nvSpPr>
+            <p:cNvPr id="48" name="椭圆 47"/>
+            <p:cNvSpPr/>
+            <p:nvPr/>
+          </p:nvSpPr>
+          <p:spPr>
+            <a:xfrm>
+              <a:off x="4379" y="3703"/>
+              <a:ext cx="205" cy="171"/>
+            </a:xfrm>
+            <a:prstGeom prst="ellipse">
+              <a:avLst/>
+            </a:prstGeom>
+            <a:noFill/>
+            <a:ln>
+              <a:solidFill>
+                <a:srgbClr val="FF0000"/>
+              </a:solidFill>
+            </a:ln>
+            <a:extLst>
+              <a:ext uri="{909E8E84-426E-40DD-AFC4-6F175D3DCCD1}">
+                <a14:hiddenFill xmlns:a14="http://schemas.microsoft.com/office/drawing/2010/main">
+                  <a:solidFill>
+                    <a:srgbClr val="FF0000"/>
+                  </a:solidFill>
+                </a14:hiddenFill>
+              </a:ext>
+            </a:extLst>
+          </p:spPr>
+          <p:style>
+            <a:lnRef idx="2">
+              <a:schemeClr val="accent1">
+                <a:shade val="50000"/>
+              </a:schemeClr>
+            </a:lnRef>
+            <a:fillRef idx="1">
+              <a:schemeClr val="accent1"/>
+            </a:fillRef>
+            <a:effectRef idx="0">
+              <a:schemeClr val="accent1"/>
+            </a:effectRef>
+            <a:fontRef idx="minor">
+              <a:schemeClr val="lt1"/>
+            </a:fontRef>
+          </p:style>
+          <p:txBody>
+            <a:bodyPr rtlCol="0" anchor="ctr"/>
+            <a:p>
+              <a:pPr algn="ctr"/>
+              <a:endParaRPr lang="zh-CN" altLang="en-US"/>
+            </a:p>
+          </p:txBody>
+        </p:sp>
+        <p:sp>
+          <p:nvSpPr>
+            <p:cNvPr id="50" name="椭圆 49"/>
+            <p:cNvSpPr/>
+            <p:nvPr/>
+          </p:nvSpPr>
+          <p:spPr>
+            <a:xfrm>
+              <a:off x="5012" y="4189"/>
+              <a:ext cx="205" cy="171"/>
+            </a:xfrm>
+            <a:prstGeom prst="ellipse">
+              <a:avLst/>
+            </a:prstGeom>
+            <a:noFill/>
+            <a:ln>
+              <a:solidFill>
+                <a:srgbClr val="FF0000"/>
+              </a:solidFill>
+            </a:ln>
+            <a:extLst>
+              <a:ext uri="{909E8E84-426E-40DD-AFC4-6F175D3DCCD1}">
+                <a14:hiddenFill xmlns:a14="http://schemas.microsoft.com/office/drawing/2010/main">
+                  <a:solidFill>
+                    <a:srgbClr val="FF0000"/>
+                  </a:solidFill>
+                </a14:hiddenFill>
+              </a:ext>
+            </a:extLst>
+          </p:spPr>
+          <p:style>
+            <a:lnRef idx="2">
+              <a:schemeClr val="accent1">
+                <a:shade val="50000"/>
+              </a:schemeClr>
+            </a:lnRef>
+            <a:fillRef idx="1">
+              <a:schemeClr val="accent1"/>
+            </a:fillRef>
+            <a:effectRef idx="0">
+              <a:schemeClr val="accent1"/>
+            </a:effectRef>
+            <a:fontRef idx="minor">
+              <a:schemeClr val="lt1"/>
+            </a:fontRef>
+          </p:style>
+          <p:txBody>
+            <a:bodyPr rtlCol="0" anchor="ctr"/>
+            <a:p>
+              <a:pPr algn="ctr"/>
+              <a:endParaRPr lang="zh-CN" altLang="en-US"/>
+            </a:p>
+          </p:txBody>
+        </p:sp>
+        <p:sp>
+          <p:nvSpPr>
+            <p:cNvPr id="51" name="椭圆 50"/>
+            <p:cNvSpPr/>
+            <p:nvPr/>
+          </p:nvSpPr>
+          <p:spPr>
+            <a:xfrm>
+              <a:off x="6674" y="3051"/>
+              <a:ext cx="205" cy="171"/>
+            </a:xfrm>
+            <a:prstGeom prst="ellipse">
+              <a:avLst/>
+            </a:prstGeom>
+            <a:noFill/>
+            <a:ln>
+              <a:solidFill>
+                <a:srgbClr val="FF0000"/>
+              </a:solidFill>
+            </a:ln>
+            <a:extLst>
+              <a:ext uri="{909E8E84-426E-40DD-AFC4-6F175D3DCCD1}">
+                <a14:hiddenFill xmlns:a14="http://schemas.microsoft.com/office/drawing/2010/main">
+                  <a:solidFill>
+                    <a:srgbClr val="FF0000"/>
+                  </a:solidFill>
+                </a14:hiddenFill>
+              </a:ext>
+            </a:extLst>
+          </p:spPr>
+          <p:style>
+            <a:lnRef idx="2">
+              <a:schemeClr val="accent1">
+                <a:shade val="50000"/>
+              </a:schemeClr>
+            </a:lnRef>
+            <a:fillRef idx="1">
+              <a:schemeClr val="accent1"/>
+            </a:fillRef>
+            <a:effectRef idx="0">
+              <a:schemeClr val="accent1"/>
+            </a:effectRef>
+            <a:fontRef idx="minor">
+              <a:schemeClr val="lt1"/>
+            </a:fontRef>
+          </p:style>
+          <p:txBody>
+            <a:bodyPr rtlCol="0" anchor="ctr"/>
+            <a:p>
+              <a:pPr algn="ctr"/>
+              <a:endParaRPr lang="zh-CN" altLang="en-US"/>
+            </a:p>
+          </p:txBody>
+        </p:sp>
+        <p:graphicFrame>
+          <p:nvGraphicFramePr>
+            <p:cNvPr id="52" name="对象 51">
+              <a:hlinkClick r:id="" action="ppaction://ole?verb="/>
+            </p:cNvPr>
+            <p:cNvGraphicFramePr>
+              <a:graphicFrameLocks noChangeAspect="1"/>
+            </p:cNvGraphicFramePr>
+            <p:nvPr/>
+          </p:nvGraphicFramePr>
+          <p:xfrm>
+            <a:off x="4990" y="3393"/>
+            <a:ext cx="613" cy="613"/>
+          </p:xfrm>
+          <a:graphic>
+            <a:graphicData uri="http://schemas.openxmlformats.org/presentationml/2006/ole">
+              <mc:AlternateContent xmlns:mc="http://schemas.openxmlformats.org/markup-compatibility/2006">
+                <mc:Choice xmlns:v="urn:schemas-microsoft-com:vml" Requires="v">
+                  <p:oleObj spid="_x0000_s1026" name="" r:id="rId5" imgW="190500" imgH="190500" progId="Equation.KSEE3">
+                    <p:embed/>
+                  </p:oleObj>
+                </mc:Choice>
+                <mc:Fallback>
+                  <p:oleObj name="" r:id="rId5" imgW="190500" imgH="190500" progId="Equation.KSEE3">
+                    <p:embed/>
+                    <p:pic>
+                      <p:nvPicPr>
+                        <p:cNvPr id="0" name="图片 1025"/>
+                        <p:cNvPicPr/>
+                        <p:nvPr/>
+                      </p:nvPicPr>
+                      <p:blipFill>
+                        <a:blip r:embed="rId6"/>
+                        <a:stretch>
+                          <a:fillRect/>
+                        </a:stretch>
+                      </p:blipFill>
+                      <p:spPr>
+                        <a:xfrm>
+                          <a:off x="4990" y="3393"/>
+                          <a:ext cx="613" cy="613"/>
+                        </a:xfrm>
+                        <a:prstGeom prst="rect">
+                          <a:avLst/>
+                        </a:prstGeom>
+                      </p:spPr>
+                    </p:pic>
+                  </p:oleObj>
+                </mc:Fallback>
+              </mc:AlternateContent>
+            </a:graphicData>
+          </a:graphic>
+        </p:graphicFrame>
+        <p:sp>
+          <p:nvSpPr>
+            <p:cNvPr id="54" name="等腰三角形 53"/>
+            <p:cNvSpPr/>
+            <p:nvPr/>
+          </p:nvSpPr>
+          <p:spPr>
+            <a:xfrm>
+              <a:off x="5603" y="3505"/>
+              <a:ext cx="229" cy="193"/>
+            </a:xfrm>
+            <a:prstGeom prst="triangle">
+              <a:avLst/>
+            </a:prstGeom>
+            <a:solidFill>
+              <a:srgbClr val="0070C0"/>
+            </a:solidFill>
+            <a:ln>
+              <a:solidFill>
+                <a:srgbClr val="0070C0"/>
+              </a:solidFill>
+            </a:ln>
+          </p:spPr>
+          <p:style>
+            <a:lnRef idx="2">
+              <a:schemeClr val="accent1">
+                <a:shade val="50000"/>
+              </a:schemeClr>
+            </a:lnRef>
+            <a:fillRef idx="1">
+              <a:schemeClr val="accent1"/>
+            </a:fillRef>
+            <a:effectRef idx="0">
+              <a:schemeClr val="accent1"/>
+            </a:effectRef>
+            <a:fontRef idx="minor">
+              <a:schemeClr val="lt1"/>
+            </a:fontRef>
+          </p:style>
+          <p:txBody>
+            <a:bodyPr rtlCol="0" anchor="ctr"/>
+            <a:p>
+              <a:pPr algn="ctr"/>
+              <a:endParaRPr lang="zh-CN" altLang="en-US"/>
+            </a:p>
+          </p:txBody>
+        </p:sp>
+        <p:cxnSp>
+          <p:nvCxnSpPr>
+            <p:cNvPr id="3" name="直接连接符 2"/>
+            <p:cNvCxnSpPr>
+              <a:stCxn id="54" idx="5"/>
+              <a:endCxn id="61" idx="2"/>
+            </p:cNvCxnSpPr>
+            <p:nvPr/>
+          </p:nvCxnSpPr>
+          <p:spPr>
+            <a:xfrm flipV="1">
+              <a:off x="5775" y="3137"/>
+              <a:ext cx="1743" cy="465"/>
+            </a:xfrm>
+            <a:prstGeom prst="line">
+              <a:avLst/>
+            </a:prstGeom>
+            <a:ln>
+              <a:prstDash val="sysDash"/>
+            </a:ln>
+          </p:spPr>
+          <p:style>
+            <a:lnRef idx="1">
+              <a:schemeClr val="accent1"/>
+            </a:lnRef>
+            <a:fillRef idx="0">
+              <a:schemeClr val="accent1"/>
+            </a:fillRef>
+            <a:effectRef idx="0">
+              <a:schemeClr val="accent1"/>
+            </a:effectRef>
+            <a:fontRef idx="minor">
+              <a:schemeClr val="tx1"/>
+            </a:fontRef>
+          </p:style>
+        </p:cxnSp>
+        <p:cxnSp>
+          <p:nvCxnSpPr>
+            <p:cNvPr id="9" name="直接连接符 8"/>
+            <p:cNvCxnSpPr>
+              <a:endCxn id="42" idx="1"/>
+            </p:cNvCxnSpPr>
+            <p:nvPr/>
+          </p:nvCxnSpPr>
+          <p:spPr>
+            <a:xfrm>
+              <a:off x="5788" y="3618"/>
+              <a:ext cx="1555" cy="2428"/>
+            </a:xfrm>
+            <a:prstGeom prst="line">
+              <a:avLst/>
+            </a:prstGeom>
+            <a:ln>
+              <a:prstDash val="sysDash"/>
+            </a:ln>
+          </p:spPr>
+          <p:style>
+            <a:lnRef idx="1">
+              <a:schemeClr val="accent1"/>
+            </a:lnRef>
+            <a:fillRef idx="0">
+              <a:schemeClr val="accent1"/>
+            </a:fillRef>
+            <a:effectRef idx="0">
+              <a:schemeClr val="accent1"/>
+            </a:effectRef>
+            <a:fontRef idx="minor">
+              <a:schemeClr val="tx1"/>
+            </a:fontRef>
+          </p:style>
+        </p:cxnSp>
+        <p:cxnSp>
+          <p:nvCxnSpPr>
+            <p:cNvPr id="11" name="直接连接符 10"/>
+            <p:cNvCxnSpPr>
+              <a:stCxn id="61" idx="4"/>
+              <a:endCxn id="42" idx="1"/>
+            </p:cNvCxnSpPr>
+            <p:nvPr/>
+          </p:nvCxnSpPr>
+          <p:spPr>
+            <a:xfrm flipH="1">
+              <a:off x="7343" y="3222"/>
+              <a:ext cx="278" cy="2824"/>
+            </a:xfrm>
+            <a:prstGeom prst="line">
+              <a:avLst/>
+            </a:prstGeom>
+            <a:ln>
+              <a:prstDash val="sysDash"/>
+            </a:ln>
+          </p:spPr>
+          <p:style>
+            <a:lnRef idx="1">
+              <a:schemeClr val="accent1"/>
+            </a:lnRef>
+            <a:fillRef idx="0">
+              <a:schemeClr val="accent1"/>
+            </a:fillRef>
+            <a:effectRef idx="0">
+              <a:schemeClr val="accent1"/>
+            </a:effectRef>
+            <a:fontRef idx="minor">
+              <a:schemeClr val="tx1"/>
+            </a:fontRef>
+          </p:style>
+        </p:cxnSp>
+        <p:sp>
+          <p:nvSpPr>
+            <p:cNvPr id="12" name="菱形 11"/>
+            <p:cNvSpPr/>
+            <p:nvPr/>
+          </p:nvSpPr>
+          <p:spPr>
+            <a:xfrm>
+              <a:off x="6896" y="4189"/>
+              <a:ext cx="240" cy="222"/>
+            </a:xfrm>
+            <a:prstGeom prst="diamond">
+              <a:avLst/>
+            </a:prstGeom>
+            <a:solidFill>
+              <a:srgbClr val="00B050"/>
+            </a:solidFill>
+            <a:ln>
+              <a:solidFill>
+                <a:srgbClr val="00B050"/>
+              </a:solidFill>
+            </a:ln>
+          </p:spPr>
+          <p:style>
+            <a:lnRef idx="2">
+              <a:schemeClr val="accent1">
+                <a:shade val="50000"/>
+              </a:schemeClr>
+            </a:lnRef>
+            <a:fillRef idx="1">
+              <a:schemeClr val="accent1"/>
+            </a:fillRef>
+            <a:effectRef idx="0">
+              <a:schemeClr val="accent1"/>
+            </a:effectRef>
+            <a:fontRef idx="minor">
+              <a:schemeClr val="lt1"/>
+            </a:fontRef>
+          </p:style>
+          <p:txBody>
+            <a:bodyPr rtlCol="0" anchor="ctr"/>
+            <a:p>
+              <a:pPr algn="ctr"/>
+              <a:endParaRPr lang="zh-CN" altLang="en-US"/>
+            </a:p>
+          </p:txBody>
+        </p:sp>
+        <p:cxnSp>
+          <p:nvCxnSpPr>
+            <p:cNvPr id="13" name="直接连接符 12"/>
+            <p:cNvCxnSpPr>
+              <a:stCxn id="61" idx="3"/>
+              <a:endCxn id="12" idx="0"/>
+            </p:cNvCxnSpPr>
+            <p:nvPr/>
+          </p:nvCxnSpPr>
+          <p:spPr>
+            <a:xfrm flipH="1">
+              <a:off x="7016" y="3197"/>
+              <a:ext cx="532" cy="992"/>
+            </a:xfrm>
+            <a:prstGeom prst="line">
+              <a:avLst/>
+            </a:prstGeom>
+            <a:ln>
+              <a:prstDash val="sysDash"/>
+            </a:ln>
+          </p:spPr>
+          <p:style>
+            <a:lnRef idx="1">
+              <a:schemeClr val="accent1"/>
+            </a:lnRef>
+            <a:fillRef idx="0">
+              <a:schemeClr val="accent1"/>
+            </a:fillRef>
+            <a:effectRef idx="0">
+              <a:schemeClr val="accent1"/>
+            </a:effectRef>
+            <a:fontRef idx="minor">
+              <a:schemeClr val="tx1"/>
+            </a:fontRef>
+          </p:style>
+        </p:cxnSp>
+        <p:cxnSp>
+          <p:nvCxnSpPr>
+            <p:cNvPr id="16" name="直接连接符 15"/>
+            <p:cNvCxnSpPr>
+              <a:stCxn id="12" idx="2"/>
+            </p:cNvCxnSpPr>
+            <p:nvPr/>
+          </p:nvCxnSpPr>
+          <p:spPr>
+            <a:xfrm>
+              <a:off x="7016" y="4411"/>
+              <a:ext cx="330" cy="1605"/>
+            </a:xfrm>
+            <a:prstGeom prst="line">
+              <a:avLst/>
+            </a:prstGeom>
+            <a:ln>
+              <a:prstDash val="sysDash"/>
+            </a:ln>
+          </p:spPr>
+          <p:style>
+            <a:lnRef idx="1">
+              <a:schemeClr val="accent1"/>
+            </a:lnRef>
+            <a:fillRef idx="0">
+              <a:schemeClr val="accent1"/>
+            </a:fillRef>
+            <a:effectRef idx="0">
+              <a:schemeClr val="accent1"/>
+            </a:effectRef>
+            <a:fontRef idx="minor">
+              <a:schemeClr val="tx1"/>
+            </a:fontRef>
+          </p:style>
+        </p:cxnSp>
+        <p:graphicFrame>
+          <p:nvGraphicFramePr>
+            <p:cNvPr id="17" name="对象 16">
+              <a:hlinkClick r:id="" action="ppaction://ole?verb="/>
+            </p:cNvPr>
+            <p:cNvGraphicFramePr>
+              <a:graphicFrameLocks noChangeAspect="1"/>
+            </p:cNvGraphicFramePr>
+            <p:nvPr/>
+          </p:nvGraphicFramePr>
+          <p:xfrm>
+            <a:off x="6361" y="4014"/>
+            <a:ext cx="571" cy="571"/>
+          </p:xfrm>
+          <a:graphic>
+            <a:graphicData uri="http://schemas.openxmlformats.org/presentationml/2006/ole">
+              <mc:AlternateContent xmlns:mc="http://schemas.openxmlformats.org/markup-compatibility/2006">
+                <mc:Choice xmlns:v="urn:schemas-microsoft-com:vml" Requires="v">
+                  <p:oleObj spid="_x0000_s18" name="" r:id="rId7" imgW="177165" imgH="177165" progId="Equation.KSEE3">
+                    <p:embed/>
+                  </p:oleObj>
+                </mc:Choice>
+                <mc:Fallback>
+                  <p:oleObj name="" r:id="rId7" imgW="177165" imgH="177165" progId="Equation.KSEE3">
+                    <p:embed/>
+                    <p:pic>
+                      <p:nvPicPr>
+                        <p:cNvPr id="0" name="图片 1025"/>
+                        <p:cNvPicPr/>
+                        <p:nvPr/>
+                      </p:nvPicPr>
+                      <p:blipFill>
+                        <a:blip r:embed="rId8"/>
+                        <a:stretch>
+                          <a:fillRect/>
+                        </a:stretch>
+                      </p:blipFill>
+                      <p:spPr>
+                        <a:xfrm>
+                          <a:off x="6361" y="4014"/>
+                          <a:ext cx="571" cy="571"/>
+                        </a:xfrm>
+                        <a:prstGeom prst="rect">
+                          <a:avLst/>
+                        </a:prstGeom>
+                      </p:spPr>
+                    </p:pic>
+                  </p:oleObj>
+                </mc:Fallback>
+              </mc:AlternateContent>
+            </a:graphicData>
+          </a:graphic>
+        </p:graphicFrame>
+        <p:graphicFrame>
+          <p:nvGraphicFramePr>
+            <p:cNvPr id="19" name="对象 18">
+              <a:hlinkClick r:id="" action="ppaction://ole?verb="/>
+            </p:cNvPr>
+            <p:cNvGraphicFramePr>
+              <a:graphicFrameLocks noChangeAspect="1"/>
+            </p:cNvGraphicFramePr>
+            <p:nvPr/>
+          </p:nvGraphicFramePr>
+          <p:xfrm>
+            <a:off x="7231" y="4706"/>
+            <a:ext cx="491" cy="571"/>
+          </p:xfrm>
+          <a:graphic>
+            <a:graphicData uri="http://schemas.openxmlformats.org/presentationml/2006/ole">
+              <mc:AlternateContent xmlns:mc="http://schemas.openxmlformats.org/markup-compatibility/2006">
+                <mc:Choice xmlns:v="urn:schemas-microsoft-com:vml" Requires="v">
+                  <p:oleObj spid="_x0000_s20" name="" r:id="rId9" imgW="152400" imgH="177165" progId="Equation.KSEE3">
+                    <p:embed/>
+                  </p:oleObj>
+                </mc:Choice>
+                <mc:Fallback>
+                  <p:oleObj name="" r:id="rId9" imgW="152400" imgH="177165" progId="Equation.KSEE3">
+                    <p:embed/>
+                    <p:pic>
+                      <p:nvPicPr>
+                        <p:cNvPr id="0" name="图片 1025"/>
+                        <p:cNvPicPr/>
+                        <p:nvPr/>
+                      </p:nvPicPr>
+                      <p:blipFill>
+                        <a:blip r:embed="rId10"/>
+                        <a:stretch>
+                          <a:fillRect/>
+                        </a:stretch>
+                      </p:blipFill>
+                      <p:spPr>
+                        <a:xfrm>
+                          <a:off x="7231" y="4706"/>
+                          <a:ext cx="491" cy="571"/>
+                        </a:xfrm>
+                        <a:prstGeom prst="rect">
+                          <a:avLst/>
+                        </a:prstGeom>
+                      </p:spPr>
+                    </p:pic>
+                  </p:oleObj>
+                </mc:Fallback>
+              </mc:AlternateContent>
+            </a:graphicData>
+          </a:graphic>
+        </p:graphicFrame>
+        <p:graphicFrame>
+          <p:nvGraphicFramePr>
+            <p:cNvPr id="21" name="对象 20">
+              <a:hlinkClick r:id="" action="ppaction://ole?verb="/>
+            </p:cNvPr>
+            <p:cNvGraphicFramePr>
+              <a:graphicFrameLocks noChangeAspect="1"/>
+            </p:cNvGraphicFramePr>
+            <p:nvPr/>
+          </p:nvGraphicFramePr>
+          <p:xfrm>
+            <a:off x="6605" y="3546"/>
+            <a:ext cx="450" cy="532"/>
+          </p:xfrm>
+          <a:graphic>
+            <a:graphicData uri="http://schemas.openxmlformats.org/presentationml/2006/ole">
+              <mc:AlternateContent xmlns:mc="http://schemas.openxmlformats.org/markup-compatibility/2006">
+                <mc:Choice xmlns:v="urn:schemas-microsoft-com:vml" Requires="v">
+                  <p:oleObj spid="_x0000_s22" name="" r:id="rId11" imgW="139700" imgH="165100" progId="Equation.KSEE3">
+                    <p:embed/>
+                  </p:oleObj>
+                </mc:Choice>
+                <mc:Fallback>
+                  <p:oleObj name="" r:id="rId11" imgW="139700" imgH="165100" progId="Equation.KSEE3">
+                    <p:embed/>
+                    <p:pic>
+                      <p:nvPicPr>
+                        <p:cNvPr id="0" name="图片 1025"/>
+                        <p:cNvPicPr/>
+                        <p:nvPr/>
+                      </p:nvPicPr>
+                      <p:blipFill>
+                        <a:blip r:embed="rId12"/>
+                        <a:stretch>
+                          <a:fillRect/>
+                        </a:stretch>
+                      </p:blipFill>
+                      <p:spPr>
+                        <a:xfrm>
+                          <a:off x="6605" y="3546"/>
+                          <a:ext cx="450" cy="532"/>
+                        </a:xfrm>
+                        <a:prstGeom prst="rect">
+                          <a:avLst/>
+                        </a:prstGeom>
+                      </p:spPr>
+                    </p:pic>
+                  </p:oleObj>
+                </mc:Fallback>
+              </mc:AlternateContent>
+            </a:graphicData>
+          </a:graphic>
+        </p:graphicFrame>
+        <p:graphicFrame>
+          <p:nvGraphicFramePr>
+            <p:cNvPr id="23" name="对象 22">
+              <a:hlinkClick r:id="" action="ppaction://ole?verb="/>
+            </p:cNvPr>
+            <p:cNvGraphicFramePr>
+              <a:graphicFrameLocks noChangeAspect="1"/>
+            </p:cNvGraphicFramePr>
+            <p:nvPr/>
+          </p:nvGraphicFramePr>
+          <p:xfrm>
+            <a:off x="6895" y="6037"/>
+            <a:ext cx="571" cy="571"/>
+          </p:xfrm>
+          <a:graphic>
+            <a:graphicData uri="http://schemas.openxmlformats.org/presentationml/2006/ole">
+              <mc:AlternateContent xmlns:mc="http://schemas.openxmlformats.org/markup-compatibility/2006">
+                <mc:Choice xmlns:v="urn:schemas-microsoft-com:vml" Requires="v">
+                  <p:oleObj spid="_x0000_s24" name="" r:id="rId13" imgW="177165" imgH="177165" progId="Equation.KSEE3">
+                    <p:embed/>
+                  </p:oleObj>
+                </mc:Choice>
+                <mc:Fallback>
+                  <p:oleObj name="" r:id="rId13" imgW="177165" imgH="177165" progId="Equation.KSEE3">
+                    <p:embed/>
+                    <p:pic>
+                      <p:nvPicPr>
+                        <p:cNvPr id="0" name="图片 1025"/>
+                        <p:cNvPicPr/>
+                        <p:nvPr/>
+                      </p:nvPicPr>
+                      <p:blipFill>
+                        <a:blip r:embed="rId14"/>
+                        <a:stretch>
+                          <a:fillRect/>
+                        </a:stretch>
+                      </p:blipFill>
+                      <p:spPr>
+                        <a:xfrm>
+                          <a:off x="6895" y="6037"/>
+                          <a:ext cx="571" cy="571"/>
+                        </a:xfrm>
+                        <a:prstGeom prst="rect">
+                          <a:avLst/>
+                        </a:prstGeom>
+                      </p:spPr>
+                    </p:pic>
+                  </p:oleObj>
+                </mc:Fallback>
+              </mc:AlternateContent>
+            </a:graphicData>
+          </a:graphic>
+        </p:graphicFrame>
+        <p:graphicFrame>
+          <p:nvGraphicFramePr>
+            <p:cNvPr id="25" name="对象 24">
+              <a:hlinkClick r:id="" action="ppaction://ole?verb="/>
+            </p:cNvPr>
+            <p:cNvGraphicFramePr>
+              <a:graphicFrameLocks noChangeAspect="1"/>
+            </p:cNvGraphicFramePr>
+            <p:nvPr/>
+          </p:nvGraphicFramePr>
+          <p:xfrm>
+            <a:off x="7793" y="2664"/>
+            <a:ext cx="532" cy="532"/>
+          </p:xfrm>
+          <a:graphic>
+            <a:graphicData uri="http://schemas.openxmlformats.org/presentationml/2006/ole">
+              <mc:AlternateContent xmlns:mc="http://schemas.openxmlformats.org/markup-compatibility/2006">
+                <mc:Choice xmlns:v="urn:schemas-microsoft-com:vml" Requires="v">
+                  <p:oleObj spid="_x0000_s26" name="" r:id="rId15" imgW="165100" imgH="165100" progId="Equation.KSEE3">
+                    <p:embed/>
+                  </p:oleObj>
+                </mc:Choice>
+                <mc:Fallback>
+                  <p:oleObj name="" r:id="rId15" imgW="165100" imgH="165100" progId="Equation.KSEE3">
+                    <p:embed/>
+                    <p:pic>
+                      <p:nvPicPr>
+                        <p:cNvPr id="0" name="图片 1025"/>
+                        <p:cNvPicPr/>
+                        <p:nvPr/>
+                      </p:nvPicPr>
+                      <p:blipFill>
+                        <a:blip r:embed="rId16"/>
+                        <a:stretch>
+                          <a:fillRect/>
+                        </a:stretch>
+                      </p:blipFill>
+                      <p:spPr>
+                        <a:xfrm>
+                          <a:off x="7793" y="2664"/>
+                          <a:ext cx="532" cy="532"/>
+                        </a:xfrm>
+                        <a:prstGeom prst="rect">
+                          <a:avLst/>
+                        </a:prstGeom>
+                      </p:spPr>
+                    </p:pic>
+                  </p:oleObj>
+                </mc:Fallback>
+              </mc:AlternateContent>
+            </a:graphicData>
+          </a:graphic>
+        </p:graphicFrame>
+        <p:sp>
+          <p:nvSpPr>
+            <p:cNvPr id="27" name="椭圆 26"/>
+            <p:cNvSpPr/>
+            <p:nvPr/>
+          </p:nvSpPr>
+          <p:spPr>
+            <a:xfrm>
+              <a:off x="7074" y="3776"/>
+              <a:ext cx="205" cy="171"/>
+            </a:xfrm>
+            <a:prstGeom prst="ellipse">
+              <a:avLst/>
+            </a:prstGeom>
+            <a:solidFill>
+              <a:srgbClr val="FF0000"/>
+            </a:solidFill>
+            <a:ln>
+              <a:solidFill>
+                <a:srgbClr val="FF0000"/>
+              </a:solidFill>
+            </a:ln>
+          </p:spPr>
+          <p:style>
+            <a:lnRef idx="2">
+              <a:schemeClr val="accent1">
+                <a:shade val="50000"/>
+              </a:schemeClr>
+            </a:lnRef>
+            <a:fillRef idx="1">
+              <a:schemeClr val="accent1"/>
+            </a:fillRef>
+            <a:effectRef idx="0">
+              <a:schemeClr val="accent1"/>
+            </a:effectRef>
+            <a:fontRef idx="minor">
+              <a:schemeClr val="lt1"/>
+            </a:fontRef>
+          </p:style>
+          <p:txBody>
+            <a:bodyPr rtlCol="0" anchor="ctr"/>
+            <a:p>
+              <a:pPr algn="ctr"/>
+              <a:endParaRPr lang="zh-CN" altLang="en-US"/>
+            </a:p>
+          </p:txBody>
+        </p:sp>
+        <p:sp>
+          <p:nvSpPr>
+            <p:cNvPr id="28" name="椭圆 27"/>
+            <p:cNvSpPr/>
+            <p:nvPr/>
+          </p:nvSpPr>
+          <p:spPr>
+            <a:xfrm>
+              <a:off x="7033" y="4906"/>
+              <a:ext cx="205" cy="171"/>
+            </a:xfrm>
+            <a:prstGeom prst="ellipse">
+              <a:avLst/>
+            </a:prstGeom>
+            <a:solidFill>
+              <a:srgbClr val="FF0000"/>
+            </a:solidFill>
+            <a:ln>
+              <a:solidFill>
+                <a:srgbClr val="FF0000"/>
+              </a:solidFill>
+            </a:ln>
+          </p:spPr>
+          <p:style>
+            <a:lnRef idx="2">
+              <a:schemeClr val="accent1">
+                <a:shade val="50000"/>
+              </a:schemeClr>
+            </a:lnRef>
+            <a:fillRef idx="1">
+              <a:schemeClr val="accent1"/>
+            </a:fillRef>
+            <a:effectRef idx="0">
+              <a:schemeClr val="accent1"/>
+            </a:effectRef>
+            <a:fontRef idx="minor">
+              <a:schemeClr val="lt1"/>
+            </a:fontRef>
+          </p:style>
+          <p:txBody>
+            <a:bodyPr rtlCol="0" anchor="ctr"/>
+            <a:p>
+              <a:pPr algn="ctr"/>
+              <a:endParaRPr lang="zh-CN" altLang="en-US"/>
+            </a:p>
+          </p:txBody>
+        </p:sp>
+      </p:grpSp>
+    </p:spTree>
+  </p:cSld>
+  <p:clrMapOvr>
+    <a:masterClrMapping/>
+  </p:clrMapOvr>
+</p:sld>
+</file>
+
+<file path=ppt/slides/slide23.xml><?xml version="1.0" encoding="utf-8"?>
+<p:sld xmlns:a="http://schemas.openxmlformats.org/drawingml/2006/main" xmlns:r="http://schemas.openxmlformats.org/officeDocument/2006/relationships" xmlns:p="http://schemas.openxmlformats.org/presentationml/2006/main">
+  <p:cSld>
+    <p:spTree>
+      <p:nvGrpSpPr>
+        <p:cNvPr id="1" name=""/>
+        <p:cNvGrpSpPr/>
+        <p:nvPr/>
+      </p:nvGrpSpPr>
+      <p:grpSpPr/>
+      <p:sp>
+        <p:nvSpPr>
+          <p:cNvPr id="40" name="文本框 39"/>
+          <p:cNvSpPr txBox="1"/>
+          <p:nvPr/>
+        </p:nvSpPr>
+        <p:spPr>
+          <a:xfrm>
+            <a:off x="6887845" y="5779770"/>
+            <a:ext cx="3780155" cy="826135"/>
+          </a:xfrm>
+          <a:prstGeom prst="rect">
+            <a:avLst/>
+          </a:prstGeom>
+          <a:noFill/>
+        </p:spPr>
+        <p:txBody>
+          <a:bodyPr wrap="square" rtlCol="0" anchor="t">
+            <a:spAutoFit/>
+          </a:bodyPr>
+          <a:p>
+            <a:pPr algn="l"/>
+            <a:r>
+              <a:rPr lang="zh-CN" altLang="en-US" sz="2400">
+                <a:sym typeface="+mn-ea"/>
+              </a:rPr>
+              <a:t>根据公式合成新样本     和</a:t>
+            </a:r>
+            <a:endParaRPr lang="zh-CN" altLang="en-US" sz="2400">
+              <a:sym typeface="+mn-ea"/>
+            </a:endParaRPr>
+          </a:p>
+          <a:p>
+            <a:pPr algn="l"/>
+            <a:r>
+              <a:rPr lang="zh-CN" altLang="en-US" sz="2400">
+                <a:sym typeface="+mn-ea"/>
+              </a:rPr>
+              <a:t>           ，放入数据集</a:t>
+            </a:r>
+            <a:r>
+              <a:rPr lang="en-US" altLang="zh-CN" sz="2400">
+                <a:sym typeface="+mn-ea"/>
+              </a:rPr>
+              <a:t>X</a:t>
+            </a:r>
+            <a:r>
+              <a:rPr lang="en-US" altLang="zh-CN" sz="2400" baseline="-25000">
+                <a:sym typeface="+mn-ea"/>
+              </a:rPr>
+              <a:t>new</a:t>
+            </a:r>
+            <a:endParaRPr lang="zh-CN" altLang="en-US" sz="2400">
+              <a:sym typeface="+mn-ea"/>
+            </a:endParaRPr>
+          </a:p>
+        </p:txBody>
+      </p:sp>
+      <p:sp>
+        <p:nvSpPr>
+          <p:cNvPr id="2" name="圆角矩形 1"/>
+          <p:cNvSpPr/>
+          <p:nvPr/>
+        </p:nvSpPr>
+        <p:spPr>
+          <a:xfrm>
+            <a:off x="1557020" y="202565"/>
+            <a:ext cx="3318510" cy="837565"/>
+          </a:xfrm>
+          <a:prstGeom prst="roundRect">
+            <a:avLst/>
+          </a:prstGeom>
+          <a:noFill/>
+          <a:ln>
+            <a:solidFill>
+              <a:schemeClr val="tx1"/>
+            </a:solidFill>
+          </a:ln>
+          <a:extLst>
+            <a:ext uri="{909E8E84-426E-40DD-AFC4-6F175D3DCCD1}">
+              <a14:hiddenFill xmlns:a14="http://schemas.microsoft.com/office/drawing/2010/main">
+                <a:solidFill>
+                  <a:schemeClr val="accent1"/>
+                </a:solidFill>
+              </a14:hiddenFill>
+            </a:ext>
+          </a:extLst>
+        </p:spPr>
+        <p:style>
+          <a:lnRef idx="2">
+            <a:schemeClr val="accent1">
+              <a:shade val="50000"/>
+            </a:schemeClr>
+          </a:lnRef>
+          <a:fillRef idx="1">
+            <a:schemeClr val="accent1"/>
+          </a:fillRef>
+          <a:effectRef idx="0">
+            <a:schemeClr val="accent1"/>
+          </a:effectRef>
+          <a:fontRef idx="minor">
+            <a:schemeClr val="lt1"/>
+          </a:fontRef>
+        </p:style>
+        <p:txBody>
+          <a:bodyPr rtlCol="0" anchor="ctr"/>
+          <a:p>
+            <a:pPr algn="ctr"/>
+            <a:endParaRPr lang="zh-CN" altLang="en-US"/>
+          </a:p>
+        </p:txBody>
+      </p:sp>
+      <p:cxnSp>
+        <p:nvCxnSpPr>
+          <p:cNvPr id="3" name="直接箭头连接符 2"/>
+          <p:cNvCxnSpPr>
+            <a:stCxn id="2" idx="2"/>
+            <a:endCxn id="6" idx="0"/>
+          </p:cNvCxnSpPr>
+          <p:nvPr/>
+        </p:nvCxnSpPr>
+        <p:spPr>
+          <a:xfrm flipH="1">
+            <a:off x="3215640" y="1040130"/>
+            <a:ext cx="635" cy="953135"/>
+          </a:xfrm>
+          <a:prstGeom prst="straightConnector1">
+            <a:avLst/>
+          </a:prstGeom>
+          <a:ln>
+            <a:tailEnd type="arrow" w="med" len="med"/>
+          </a:ln>
+        </p:spPr>
+        <p:style>
+          <a:lnRef idx="1">
+            <a:schemeClr val="dk1"/>
+          </a:lnRef>
+          <a:fillRef idx="0">
+            <a:schemeClr val="dk1"/>
+          </a:fillRef>
+          <a:effectRef idx="0">
+            <a:schemeClr val="dk1"/>
+          </a:effectRef>
+          <a:fontRef idx="minor">
+            <a:schemeClr val="tx1"/>
+          </a:fontRef>
+        </p:style>
+      </p:cxnSp>
+      <p:sp>
+        <p:nvSpPr>
+          <p:cNvPr id="6" name="矩形 5"/>
+          <p:cNvSpPr/>
+          <p:nvPr/>
+        </p:nvSpPr>
+        <p:spPr>
+          <a:xfrm>
+            <a:off x="1457960" y="1993265"/>
+            <a:ext cx="3514725" cy="956945"/>
+          </a:xfrm>
+          <a:prstGeom prst="rect">
+            <a:avLst/>
+          </a:prstGeom>
+          <a:noFill/>
+          <a:ln>
+            <a:solidFill>
+              <a:schemeClr val="tx1"/>
+            </a:solidFill>
+          </a:ln>
+          <a:extLst>
+            <a:ext uri="{909E8E84-426E-40DD-AFC4-6F175D3DCCD1}">
+              <a14:hiddenFill xmlns:a14="http://schemas.microsoft.com/office/drawing/2010/main">
+                <a:solidFill>
+                  <a:schemeClr val="accent1"/>
+                </a:solidFill>
+              </a14:hiddenFill>
+            </a:ext>
+          </a:extLst>
+        </p:spPr>
+        <p:style>
+          <a:lnRef idx="2">
+            <a:schemeClr val="accent1">
+              <a:shade val="50000"/>
+            </a:schemeClr>
+          </a:lnRef>
+          <a:fillRef idx="1">
+            <a:schemeClr val="accent1"/>
+          </a:fillRef>
+          <a:effectRef idx="0">
+            <a:schemeClr val="accent1"/>
+          </a:effectRef>
+          <a:fontRef idx="minor">
+            <a:schemeClr val="lt1"/>
+          </a:fontRef>
+        </p:style>
+        <p:txBody>
+          <a:bodyPr vertOverflow="overflow" horzOverflow="overflow" vert="horz" wrap="square" numCol="1" spcCol="0" rtlCol="0" fromWordArt="0" anchor="ctr" anchorCtr="0" forceAA="0" compatLnSpc="1">
+            <a:noAutofit/>
+          </a:bodyPr>
+          <a:p>
+            <a:pPr lvl="0" algn="ctr"/>
+            <a:endParaRPr lang="zh-CN" altLang="en-US">
+              <a:sym typeface="+mn-ea"/>
+            </a:endParaRPr>
+          </a:p>
+        </p:txBody>
+      </p:sp>
+      <p:sp>
+        <p:nvSpPr>
+          <p:cNvPr id="7" name="矩形 6"/>
+          <p:cNvSpPr/>
+          <p:nvPr/>
+        </p:nvSpPr>
+        <p:spPr>
+          <a:xfrm>
+            <a:off x="1457960" y="3759835"/>
+            <a:ext cx="3514725" cy="1010920"/>
+          </a:xfrm>
+          <a:prstGeom prst="rect">
+            <a:avLst/>
+          </a:prstGeom>
+          <a:noFill/>
+          <a:ln>
+            <a:solidFill>
+              <a:schemeClr val="tx1"/>
+            </a:solidFill>
+          </a:ln>
+          <a:extLst>
+            <a:ext uri="{909E8E84-426E-40DD-AFC4-6F175D3DCCD1}">
+              <a14:hiddenFill xmlns:a14="http://schemas.microsoft.com/office/drawing/2010/main">
+                <a:solidFill>
+                  <a:schemeClr val="accent1"/>
+                </a:solidFill>
+              </a14:hiddenFill>
+            </a:ext>
+          </a:extLst>
+        </p:spPr>
+        <p:style>
+          <a:lnRef idx="2">
+            <a:schemeClr val="accent1">
+              <a:shade val="50000"/>
+            </a:schemeClr>
+          </a:lnRef>
+          <a:fillRef idx="1">
+            <a:schemeClr val="accent1"/>
+          </a:fillRef>
+          <a:effectRef idx="0">
+            <a:schemeClr val="accent1"/>
+          </a:effectRef>
+          <a:fontRef idx="minor">
+            <a:schemeClr val="lt1"/>
+          </a:fontRef>
+        </p:style>
+        <p:txBody>
+          <a:bodyPr vertOverflow="overflow" horzOverflow="overflow" vert="horz" wrap="square" numCol="1" spcCol="0" rtlCol="0" fromWordArt="0" anchor="ctr" anchorCtr="0" forceAA="0" compatLnSpc="1">
+            <a:noAutofit/>
+          </a:bodyPr>
+          <a:p>
+            <a:pPr lvl="0" algn="ctr"/>
+            <a:endParaRPr lang="zh-CN" altLang="en-US">
+              <a:sym typeface="+mn-ea"/>
+            </a:endParaRPr>
+          </a:p>
+        </p:txBody>
+      </p:sp>
+      <p:sp>
+        <p:nvSpPr>
+          <p:cNvPr id="9" name="菱形 8"/>
+          <p:cNvSpPr/>
+          <p:nvPr/>
+        </p:nvSpPr>
+        <p:spPr>
+          <a:xfrm>
+            <a:off x="6243320" y="3398520"/>
+            <a:ext cx="4745990" cy="1732915"/>
+          </a:xfrm>
+          <a:prstGeom prst="diamond">
+            <a:avLst/>
+          </a:prstGeom>
+          <a:noFill/>
+          <a:ln>
+            <a:solidFill>
+              <a:schemeClr val="tx1"/>
+            </a:solidFill>
+          </a:ln>
+          <a:extLst>
+            <a:ext uri="{909E8E84-426E-40DD-AFC4-6F175D3DCCD1}">
+              <a14:hiddenFill xmlns:a14="http://schemas.microsoft.com/office/drawing/2010/main">
+                <a:solidFill>
+                  <a:schemeClr val="accent1"/>
+                </a:solidFill>
+              </a14:hiddenFill>
+            </a:ext>
+          </a:extLst>
+        </p:spPr>
+        <p:style>
+          <a:lnRef idx="2">
+            <a:schemeClr val="accent1">
+              <a:shade val="50000"/>
+            </a:schemeClr>
+          </a:lnRef>
+          <a:fillRef idx="1">
+            <a:schemeClr val="accent1"/>
+          </a:fillRef>
+          <a:effectRef idx="0">
+            <a:schemeClr val="accent1"/>
+          </a:effectRef>
+          <a:fontRef idx="minor">
+            <a:schemeClr val="lt1"/>
+          </a:fontRef>
+        </p:style>
+        <p:txBody>
+          <a:bodyPr vertOverflow="overflow" horzOverflow="overflow" vert="horz" wrap="square" numCol="1" spcCol="0" rtlCol="0" fromWordArt="0" anchor="ctr" anchorCtr="0" forceAA="0" compatLnSpc="1">
+            <a:noAutofit/>
+          </a:bodyPr>
+          <a:p>
+            <a:pPr lvl="0" algn="ctr"/>
+            <a:endParaRPr lang="zh-CN" altLang="en-US">
+              <a:sym typeface="+mn-ea"/>
+            </a:endParaRPr>
+          </a:p>
+        </p:txBody>
+      </p:sp>
+      <p:sp>
+        <p:nvSpPr>
+          <p:cNvPr id="10" name="矩形 9"/>
+          <p:cNvSpPr/>
+          <p:nvPr/>
+        </p:nvSpPr>
+        <p:spPr>
+          <a:xfrm>
+            <a:off x="1457960" y="5697855"/>
+            <a:ext cx="3514090" cy="946150"/>
+          </a:xfrm>
+          <a:prstGeom prst="rect">
+            <a:avLst/>
+          </a:prstGeom>
+          <a:noFill/>
+          <a:ln>
+            <a:solidFill>
+              <a:schemeClr val="tx1"/>
+            </a:solidFill>
+          </a:ln>
+          <a:extLst>
+            <a:ext uri="{909E8E84-426E-40DD-AFC4-6F175D3DCCD1}">
+              <a14:hiddenFill xmlns:a14="http://schemas.microsoft.com/office/drawing/2010/main">
+                <a:solidFill>
+                  <a:schemeClr val="accent1"/>
+                </a:solidFill>
+              </a14:hiddenFill>
+            </a:ext>
+          </a:extLst>
+        </p:spPr>
+        <p:style>
+          <a:lnRef idx="2">
+            <a:schemeClr val="accent1">
+              <a:shade val="50000"/>
+            </a:schemeClr>
+          </a:lnRef>
+          <a:fillRef idx="1">
+            <a:schemeClr val="accent1"/>
+          </a:fillRef>
+          <a:effectRef idx="0">
+            <a:schemeClr val="accent1"/>
+          </a:effectRef>
+          <a:fontRef idx="minor">
+            <a:schemeClr val="lt1"/>
+          </a:fontRef>
+        </p:style>
+        <p:txBody>
+          <a:bodyPr rtlCol="0" anchor="ctr"/>
+          <a:p>
+            <a:pPr algn="ctr"/>
+            <a:endParaRPr lang="zh-CN" altLang="en-US"/>
+          </a:p>
+        </p:txBody>
+      </p:sp>
+      <p:sp>
+        <p:nvSpPr>
+          <p:cNvPr id="11" name="文本框 10"/>
+          <p:cNvSpPr txBox="1"/>
+          <p:nvPr/>
+        </p:nvSpPr>
+        <p:spPr>
+          <a:xfrm>
+            <a:off x="1858010" y="382270"/>
+            <a:ext cx="2779395" cy="460375"/>
+          </a:xfrm>
+          <a:prstGeom prst="rect">
+            <a:avLst/>
+          </a:prstGeom>
+          <a:noFill/>
+        </p:spPr>
+        <p:txBody>
+          <a:bodyPr wrap="none" rtlCol="0">
+            <a:spAutoFit/>
+          </a:bodyPr>
+          <a:p>
+            <a:r>
+              <a:rPr lang="zh-CN" altLang="en-US" sz="2400"/>
+              <a:t>获取少数类样本集</a:t>
+            </a:r>
+            <a:r>
+              <a:rPr lang="en-US" altLang="zh-CN" sz="2400"/>
+              <a:t>X</a:t>
+            </a:r>
+            <a:endParaRPr lang="en-US" altLang="zh-CN" sz="2400"/>
+          </a:p>
+        </p:txBody>
+      </p:sp>
+      <p:sp>
+        <p:nvSpPr>
+          <p:cNvPr id="12" name="文本框 11"/>
+          <p:cNvSpPr txBox="1"/>
+          <p:nvPr/>
+        </p:nvSpPr>
+        <p:spPr>
+          <a:xfrm>
+            <a:off x="1703070" y="2060575"/>
+            <a:ext cx="2926080" cy="822960"/>
+          </a:xfrm>
+          <a:prstGeom prst="rect">
+            <a:avLst/>
+          </a:prstGeom>
+          <a:noFill/>
+        </p:spPr>
+        <p:txBody>
+          <a:bodyPr wrap="none" rtlCol="0" anchor="t">
+            <a:spAutoFit/>
+          </a:bodyPr>
+          <a:p>
+            <a:pPr algn="ctr"/>
+            <a:r>
+              <a:rPr lang="zh-CN" altLang="en-US" sz="2400">
+                <a:sym typeface="+mn-ea"/>
+              </a:rPr>
+              <a:t>根据公式求取少数类</a:t>
+            </a:r>
+            <a:endParaRPr lang="zh-CN" altLang="en-US" sz="2400">
+              <a:sym typeface="+mn-ea"/>
+            </a:endParaRPr>
+          </a:p>
+          <a:p>
+            <a:pPr algn="ctr"/>
+            <a:r>
+              <a:rPr lang="zh-CN" altLang="en-US" sz="2400">
+                <a:sym typeface="+mn-ea"/>
+              </a:rPr>
+              <a:t>样本的重心点</a:t>
+            </a:r>
+            <a:endParaRPr lang="zh-CN" altLang="en-US" sz="2400">
+              <a:sym typeface="+mn-ea"/>
+            </a:endParaRPr>
+          </a:p>
+        </p:txBody>
+      </p:sp>
+      <p:sp>
+        <p:nvSpPr>
+          <p:cNvPr id="13" name="文本框 12"/>
+          <p:cNvSpPr txBox="1"/>
+          <p:nvPr/>
+        </p:nvSpPr>
+        <p:spPr>
+          <a:xfrm>
+            <a:off x="1735455" y="3853180"/>
+            <a:ext cx="2926080" cy="822960"/>
+          </a:xfrm>
+          <a:prstGeom prst="rect">
+            <a:avLst/>
+          </a:prstGeom>
+          <a:noFill/>
+        </p:spPr>
+        <p:txBody>
+          <a:bodyPr wrap="none" rtlCol="0" anchor="t">
+            <a:spAutoFit/>
+          </a:bodyPr>
+          <a:p>
+            <a:pPr algn="l"/>
+            <a:r>
+              <a:rPr lang="zh-CN" altLang="en-US" sz="2400">
+                <a:sym typeface="+mn-ea"/>
+              </a:rPr>
+              <a:t>随机选取两个少数类</a:t>
+            </a:r>
+            <a:endParaRPr lang="zh-CN" altLang="en-US" sz="2400">
+              <a:sym typeface="+mn-ea"/>
+            </a:endParaRPr>
+          </a:p>
+          <a:p>
+            <a:pPr algn="l"/>
+            <a:r>
+              <a:rPr lang="zh-CN" altLang="en-US" sz="2400">
+                <a:sym typeface="+mn-ea"/>
+              </a:rPr>
+              <a:t>        样本      ，</a:t>
+            </a:r>
+            <a:endParaRPr lang="en-US" altLang="zh-CN" sz="2400">
+              <a:sym typeface="+mn-ea"/>
+            </a:endParaRPr>
+          </a:p>
+        </p:txBody>
+      </p:sp>
+      <p:cxnSp>
+        <p:nvCxnSpPr>
+          <p:cNvPr id="17" name="直接箭头连接符 16"/>
+          <p:cNvCxnSpPr/>
+          <p:nvPr/>
+        </p:nvCxnSpPr>
+        <p:spPr>
+          <a:xfrm flipV="1">
+            <a:off x="8611870" y="5127625"/>
+            <a:ext cx="3175" cy="588010"/>
+          </a:xfrm>
+          <a:prstGeom prst="straightConnector1">
+            <a:avLst/>
+          </a:prstGeom>
+          <a:ln>
+            <a:tailEnd type="arrow" w="med" len="med"/>
+          </a:ln>
+        </p:spPr>
+        <p:style>
+          <a:lnRef idx="1">
+            <a:schemeClr val="dk1"/>
+          </a:lnRef>
+          <a:fillRef idx="0">
+            <a:schemeClr val="dk1"/>
+          </a:fillRef>
+          <a:effectRef idx="0">
+            <a:schemeClr val="dk1"/>
+          </a:effectRef>
+          <a:fontRef idx="minor">
+            <a:schemeClr val="tx1"/>
+          </a:fontRef>
+        </p:style>
+      </p:cxnSp>
+      <p:sp>
+        <p:nvSpPr>
+          <p:cNvPr id="18" name="文本框 17"/>
+          <p:cNvSpPr txBox="1"/>
+          <p:nvPr/>
+        </p:nvSpPr>
+        <p:spPr>
+          <a:xfrm>
+            <a:off x="5521960" y="3759835"/>
+            <a:ext cx="487680" cy="457200"/>
+          </a:xfrm>
+          <a:prstGeom prst="rect">
+            <a:avLst/>
+          </a:prstGeom>
+          <a:noFill/>
+        </p:spPr>
+        <p:txBody>
+          <a:bodyPr wrap="none" rtlCol="0">
+            <a:spAutoFit/>
+          </a:bodyPr>
+          <a:p>
+            <a:r>
+              <a:rPr lang="zh-CN" altLang="en-US" sz="2400"/>
+              <a:t>否</a:t>
+            </a:r>
+            <a:endParaRPr lang="zh-CN" altLang="en-US"/>
+          </a:p>
+        </p:txBody>
+      </p:sp>
+      <p:sp>
+        <p:nvSpPr>
+          <p:cNvPr id="19" name="文本框 18"/>
+          <p:cNvSpPr txBox="1"/>
+          <p:nvPr/>
+        </p:nvSpPr>
+        <p:spPr>
+          <a:xfrm>
+            <a:off x="947420" y="5757545"/>
+            <a:ext cx="4069715" cy="826135"/>
+          </a:xfrm>
+          <a:prstGeom prst="rect">
+            <a:avLst/>
+          </a:prstGeom>
+          <a:noFill/>
+        </p:spPr>
+        <p:txBody>
+          <a:bodyPr wrap="square" rtlCol="0" anchor="t">
+            <a:spAutoFit/>
+          </a:bodyPr>
+          <a:p>
+            <a:pPr algn="l"/>
+            <a:r>
+              <a:rPr lang="en-US" altLang="zh-CN" sz="2400">
+                <a:sym typeface="+mn-ea"/>
+              </a:rPr>
+              <a:t>           </a:t>
+            </a:r>
+            <a:r>
+              <a:rPr lang="zh-CN" altLang="en-US" sz="2400">
+                <a:sym typeface="+mn-ea"/>
+              </a:rPr>
+              <a:t>通过      ，     ，    求取 </a:t>
+            </a:r>
+            <a:endParaRPr lang="zh-CN" altLang="en-US" sz="2400">
+              <a:sym typeface="+mn-ea"/>
+            </a:endParaRPr>
+          </a:p>
+          <a:p>
+            <a:pPr algn="l"/>
+            <a:r>
+              <a:rPr lang="zh-CN" altLang="en-US" sz="2400">
+                <a:sym typeface="+mn-ea"/>
+              </a:rPr>
+              <a:t>                小区域重心点</a:t>
+            </a:r>
+            <a:endParaRPr lang="en-US" altLang="zh-CN" sz="2400">
+              <a:sym typeface="+mn-ea"/>
+            </a:endParaRPr>
+          </a:p>
+        </p:txBody>
+      </p:sp>
+      <p:sp>
+        <p:nvSpPr>
+          <p:cNvPr id="20" name="文本框 19"/>
+          <p:cNvSpPr txBox="1"/>
+          <p:nvPr/>
+        </p:nvSpPr>
+        <p:spPr>
+          <a:xfrm>
+            <a:off x="6757670" y="3987800"/>
+            <a:ext cx="3701415" cy="826135"/>
+          </a:xfrm>
+          <a:prstGeom prst="rect">
+            <a:avLst/>
+          </a:prstGeom>
+          <a:noFill/>
+        </p:spPr>
+        <p:txBody>
+          <a:bodyPr wrap="none" rtlCol="0">
+            <a:spAutoFit/>
+          </a:bodyPr>
+          <a:p>
+            <a:pPr algn="ctr"/>
+            <a:r>
+              <a:rPr lang="zh-CN" altLang="en-US" sz="2400"/>
+              <a:t>计算非平衡率</a:t>
+            </a:r>
+            <a:r>
+              <a:rPr lang="en-US" altLang="zh-CN" sz="2400"/>
+              <a:t>R</a:t>
+            </a:r>
+            <a:r>
+              <a:rPr lang="zh-CN" altLang="en-US" sz="2400"/>
+              <a:t>，非平衡率</a:t>
+            </a:r>
+            <a:endParaRPr lang="zh-CN" altLang="en-US" sz="2400"/>
+          </a:p>
+          <a:p>
+            <a:pPr algn="ctr"/>
+            <a:r>
+              <a:rPr lang="zh-CN" altLang="en-US" sz="2400"/>
+              <a:t>是否小于目标值</a:t>
+            </a:r>
+            <a:endParaRPr lang="zh-CN" altLang="en-US" sz="2400"/>
+          </a:p>
+        </p:txBody>
+      </p:sp>
+      <p:cxnSp>
+        <p:nvCxnSpPr>
+          <p:cNvPr id="22" name="直接箭头连接符 21"/>
+          <p:cNvCxnSpPr/>
+          <p:nvPr/>
+        </p:nvCxnSpPr>
+        <p:spPr>
+          <a:xfrm flipH="1">
+            <a:off x="3242310" y="2950210"/>
+            <a:ext cx="1270" cy="829310"/>
+          </a:xfrm>
+          <a:prstGeom prst="straightConnector1">
+            <a:avLst/>
+          </a:prstGeom>
+          <a:ln>
+            <a:tailEnd type="arrow" w="med" len="med"/>
+          </a:ln>
+        </p:spPr>
+        <p:style>
+          <a:lnRef idx="1">
+            <a:schemeClr val="dk1"/>
+          </a:lnRef>
+          <a:fillRef idx="0">
+            <a:schemeClr val="dk1"/>
+          </a:fillRef>
+          <a:effectRef idx="0">
+            <a:schemeClr val="dk1"/>
+          </a:effectRef>
+          <a:fontRef idx="minor">
+            <a:schemeClr val="tx1"/>
+          </a:fontRef>
+        </p:style>
+      </p:cxnSp>
+      <p:sp>
+        <p:nvSpPr>
+          <p:cNvPr id="24" name="文本框 23"/>
+          <p:cNvSpPr txBox="1"/>
+          <p:nvPr/>
+        </p:nvSpPr>
+        <p:spPr>
+          <a:xfrm>
+            <a:off x="8589645" y="2750820"/>
+            <a:ext cx="487680" cy="457200"/>
+          </a:xfrm>
+          <a:prstGeom prst="rect">
+            <a:avLst/>
+          </a:prstGeom>
+          <a:noFill/>
+        </p:spPr>
+        <p:txBody>
+          <a:bodyPr wrap="none" rtlCol="0">
+            <a:spAutoFit/>
+          </a:bodyPr>
+          <a:p>
+            <a:r>
+              <a:rPr lang="zh-CN" altLang="en-US" sz="2400"/>
+              <a:t>是</a:t>
+            </a:r>
+            <a:endParaRPr lang="zh-CN" altLang="en-US"/>
+          </a:p>
+        </p:txBody>
+      </p:sp>
+      <p:sp>
+        <p:nvSpPr>
+          <p:cNvPr id="25" name="圆角矩形 24"/>
+          <p:cNvSpPr/>
+          <p:nvPr/>
+        </p:nvSpPr>
+        <p:spPr>
+          <a:xfrm>
+            <a:off x="6631940" y="1583055"/>
+            <a:ext cx="3951605" cy="914400"/>
+          </a:xfrm>
+          <a:prstGeom prst="roundRect">
+            <a:avLst/>
+          </a:prstGeom>
+          <a:noFill/>
+          <a:ln>
+            <a:solidFill>
+              <a:schemeClr val="tx1"/>
+            </a:solidFill>
+          </a:ln>
+          <a:extLst>
+            <a:ext uri="{909E8E84-426E-40DD-AFC4-6F175D3DCCD1}">
+              <a14:hiddenFill xmlns:a14="http://schemas.microsoft.com/office/drawing/2010/main">
+                <a:solidFill>
+                  <a:schemeClr val="accent1"/>
+                </a:solidFill>
+              </a14:hiddenFill>
+            </a:ext>
+          </a:extLst>
+        </p:spPr>
+        <p:style>
+          <a:lnRef idx="2">
+            <a:schemeClr val="accent1">
+              <a:shade val="50000"/>
+            </a:schemeClr>
+          </a:lnRef>
+          <a:fillRef idx="1">
+            <a:schemeClr val="accent1"/>
+          </a:fillRef>
+          <a:effectRef idx="0">
+            <a:schemeClr val="accent1"/>
+          </a:effectRef>
+          <a:fontRef idx="minor">
+            <a:schemeClr val="lt1"/>
+          </a:fontRef>
+        </p:style>
+        <p:txBody>
+          <a:bodyPr rtlCol="0" anchor="ctr"/>
+          <a:p>
+            <a:pPr algn="ctr"/>
+            <a:endParaRPr lang="zh-CN" altLang="en-US"/>
+          </a:p>
+        </p:txBody>
+      </p:sp>
+      <p:graphicFrame>
+        <p:nvGraphicFramePr>
+          <p:cNvPr id="4" name="对象 3">
+            <a:hlinkClick r:id="" action="ppaction://ole?verb="/>
+          </p:cNvPr>
+          <p:cNvGraphicFramePr>
+            <a:graphicFrameLocks noChangeAspect="1"/>
+          </p:cNvGraphicFramePr>
+          <p:nvPr/>
+        </p:nvGraphicFramePr>
+        <p:xfrm>
+          <a:off x="2983865" y="4246880"/>
+          <a:ext cx="429895" cy="429895"/>
+        </p:xfrm>
+        <a:graphic>
+          <a:graphicData uri="http://schemas.openxmlformats.org/presentationml/2006/ole">
+            <mc:AlternateContent xmlns:mc="http://schemas.openxmlformats.org/markup-compatibility/2006">
+              <mc:Choice xmlns:v="urn:schemas-microsoft-com:vml" Requires="v">
+                <p:oleObj spid="_x0000_s2049" name="" r:id="rId1" imgW="190500" imgH="190500" progId="Equation.KSEE3">
+                  <p:embed/>
+                </p:oleObj>
+              </mc:Choice>
+              <mc:Fallback>
+                <p:oleObj name="" r:id="rId1" imgW="190500" imgH="190500" progId="Equation.KSEE3">
+                  <p:embed/>
+                  <p:pic>
+                    <p:nvPicPr>
+                      <p:cNvPr id="0" name="图片 2048"/>
+                      <p:cNvPicPr/>
+                      <p:nvPr/>
+                    </p:nvPicPr>
+                    <p:blipFill>
+                      <a:blip r:embed="rId2"/>
+                      <a:stretch>
+                        <a:fillRect/>
+                      </a:stretch>
+                    </p:blipFill>
+                    <p:spPr>
+                      <a:xfrm>
+                        <a:off x="2983865" y="4246880"/>
+                        <a:ext cx="429895" cy="429895"/>
+                      </a:xfrm>
+                      <a:prstGeom prst="rect">
+                        <a:avLst/>
+                      </a:prstGeom>
+                    </p:spPr>
+                  </p:pic>
+                </p:oleObj>
+              </mc:Fallback>
+            </mc:AlternateContent>
+          </a:graphicData>
+        </a:graphic>
+      </p:graphicFrame>
+      <p:graphicFrame>
+        <p:nvGraphicFramePr>
+          <p:cNvPr id="5" name="对象 4">
+            <a:hlinkClick r:id="" action="ppaction://ole?verb="/>
+          </p:cNvPr>
+          <p:cNvGraphicFramePr>
+            <a:graphicFrameLocks noChangeAspect="1"/>
+          </p:cNvGraphicFramePr>
+          <p:nvPr/>
+        </p:nvGraphicFramePr>
+        <p:xfrm>
+          <a:off x="3479165" y="4257675"/>
+          <a:ext cx="459105" cy="429895"/>
+        </p:xfrm>
+        <a:graphic>
+          <a:graphicData uri="http://schemas.openxmlformats.org/presentationml/2006/ole">
+            <mc:AlternateContent xmlns:mc="http://schemas.openxmlformats.org/markup-compatibility/2006">
+              <mc:Choice xmlns:v="urn:schemas-microsoft-com:vml" Requires="v">
+                <p:oleObj spid="_x0000_s2049" name="" r:id="rId3" imgW="203200" imgH="190500" progId="Equation.KSEE3">
+                  <p:embed/>
+                </p:oleObj>
+              </mc:Choice>
+              <mc:Fallback>
+                <p:oleObj name="" r:id="rId3" imgW="203200" imgH="190500" progId="Equation.KSEE3">
+                  <p:embed/>
+                  <p:pic>
+                    <p:nvPicPr>
+                      <p:cNvPr id="0" name="图片 2048"/>
+                      <p:cNvPicPr/>
+                      <p:nvPr/>
+                    </p:nvPicPr>
+                    <p:blipFill>
+                      <a:blip r:embed="rId4"/>
+                      <a:stretch>
+                        <a:fillRect/>
+                      </a:stretch>
+                    </p:blipFill>
+                    <p:spPr>
+                      <a:xfrm>
+                        <a:off x="3479165" y="4257675"/>
+                        <a:ext cx="459105" cy="429895"/>
+                      </a:xfrm>
+                      <a:prstGeom prst="rect">
+                        <a:avLst/>
+                      </a:prstGeom>
+                    </p:spPr>
+                  </p:pic>
+                </p:oleObj>
+              </mc:Fallback>
+            </mc:AlternateContent>
+          </a:graphicData>
+        </a:graphic>
+      </p:graphicFrame>
+      <p:graphicFrame>
+        <p:nvGraphicFramePr>
+          <p:cNvPr id="26" name="对象 25">
+            <a:hlinkClick r:id="" action="ppaction://ole?verb="/>
+          </p:cNvPr>
+          <p:cNvGraphicFramePr>
+            <a:graphicFrameLocks noChangeAspect="1"/>
+          </p:cNvGraphicFramePr>
+          <p:nvPr/>
+        </p:nvGraphicFramePr>
+        <p:xfrm>
+          <a:off x="2382520" y="5779770"/>
+          <a:ext cx="429895" cy="429895"/>
+        </p:xfrm>
+        <a:graphic>
+          <a:graphicData uri="http://schemas.openxmlformats.org/presentationml/2006/ole">
+            <mc:AlternateContent xmlns:mc="http://schemas.openxmlformats.org/markup-compatibility/2006">
+              <mc:Choice xmlns:v="urn:schemas-microsoft-com:vml" Requires="v">
+                <p:oleObj spid="_x0000_s27" name="" r:id="rId5" imgW="190500" imgH="190500" progId="Equation.KSEE3">
+                  <p:embed/>
+                </p:oleObj>
+              </mc:Choice>
+              <mc:Fallback>
+                <p:oleObj name="" r:id="rId5" imgW="190500" imgH="190500" progId="Equation.KSEE3">
+                  <p:embed/>
+                  <p:pic>
+                    <p:nvPicPr>
+                      <p:cNvPr id="0" name="图片 2048"/>
+                      <p:cNvPicPr/>
+                      <p:nvPr/>
+                    </p:nvPicPr>
+                    <p:blipFill>
+                      <a:blip r:embed="rId2"/>
+                      <a:stretch>
+                        <a:fillRect/>
+                      </a:stretch>
+                    </p:blipFill>
+                    <p:spPr>
+                      <a:xfrm>
+                        <a:off x="2382520" y="5779770"/>
+                        <a:ext cx="429895" cy="429895"/>
+                      </a:xfrm>
+                      <a:prstGeom prst="rect">
+                        <a:avLst/>
+                      </a:prstGeom>
+                    </p:spPr>
+                  </p:pic>
+                </p:oleObj>
+              </mc:Fallback>
+            </mc:AlternateContent>
+          </a:graphicData>
+        </a:graphic>
+      </p:graphicFrame>
+      <p:graphicFrame>
+        <p:nvGraphicFramePr>
+          <p:cNvPr id="28" name="对象 27">
+            <a:hlinkClick r:id="" action="ppaction://ole?verb="/>
+          </p:cNvPr>
+          <p:cNvGraphicFramePr>
+            <a:graphicFrameLocks noChangeAspect="1"/>
+          </p:cNvGraphicFramePr>
+          <p:nvPr/>
+        </p:nvGraphicFramePr>
+        <p:xfrm>
+          <a:off x="2979420" y="5781040"/>
+          <a:ext cx="459105" cy="429895"/>
+        </p:xfrm>
+        <a:graphic>
+          <a:graphicData uri="http://schemas.openxmlformats.org/presentationml/2006/ole">
+            <mc:AlternateContent xmlns:mc="http://schemas.openxmlformats.org/markup-compatibility/2006">
+              <mc:Choice xmlns:v="urn:schemas-microsoft-com:vml" Requires="v">
+                <p:oleObj spid="_x0000_s29" name="" r:id="rId6" imgW="203200" imgH="190500" progId="Equation.KSEE3">
+                  <p:embed/>
+                </p:oleObj>
+              </mc:Choice>
+              <mc:Fallback>
+                <p:oleObj name="" r:id="rId6" imgW="203200" imgH="190500" progId="Equation.KSEE3">
+                  <p:embed/>
+                  <p:pic>
+                    <p:nvPicPr>
+                      <p:cNvPr id="0" name="图片 2048"/>
+                      <p:cNvPicPr/>
+                      <p:nvPr/>
+                    </p:nvPicPr>
+                    <p:blipFill>
+                      <a:blip r:embed="rId4"/>
+                      <a:stretch>
+                        <a:fillRect/>
+                      </a:stretch>
+                    </p:blipFill>
+                    <p:spPr>
+                      <a:xfrm>
+                        <a:off x="2979420" y="5781040"/>
+                        <a:ext cx="459105" cy="429895"/>
+                      </a:xfrm>
+                      <a:prstGeom prst="rect">
+                        <a:avLst/>
+                      </a:prstGeom>
+                    </p:spPr>
+                  </p:pic>
+                </p:oleObj>
+              </mc:Fallback>
+            </mc:AlternateContent>
+          </a:graphicData>
+        </a:graphic>
+      </p:graphicFrame>
+      <p:graphicFrame>
+        <p:nvGraphicFramePr>
+          <p:cNvPr id="30" name="对象 29">
+            <a:hlinkClick r:id="" action="ppaction://ole?verb="/>
+          </p:cNvPr>
+          <p:cNvGraphicFramePr>
+            <a:graphicFrameLocks noChangeAspect="1"/>
+          </p:cNvGraphicFramePr>
+          <p:nvPr/>
+        </p:nvGraphicFramePr>
+        <p:xfrm>
+          <a:off x="4025265" y="2464435"/>
+          <a:ext cx="429895" cy="429895"/>
+        </p:xfrm>
+        <a:graphic>
+          <a:graphicData uri="http://schemas.openxmlformats.org/presentationml/2006/ole">
+            <mc:AlternateContent xmlns:mc="http://schemas.openxmlformats.org/markup-compatibility/2006">
+              <mc:Choice xmlns:v="urn:schemas-microsoft-com:vml" Requires="v">
+                <p:oleObj spid="_x0000_s31" name="" r:id="rId7" imgW="190500" imgH="190500" progId="Equation.KSEE3">
+                  <p:embed/>
+                </p:oleObj>
+              </mc:Choice>
+              <mc:Fallback>
+                <p:oleObj name="" r:id="rId7" imgW="190500" imgH="190500" progId="Equation.KSEE3">
+                  <p:embed/>
+                  <p:pic>
+                    <p:nvPicPr>
+                      <p:cNvPr id="0" name="图片 2048"/>
+                      <p:cNvPicPr/>
+                      <p:nvPr/>
+                    </p:nvPicPr>
+                    <p:blipFill>
+                      <a:blip r:embed="rId8"/>
+                      <a:stretch>
+                        <a:fillRect/>
+                      </a:stretch>
+                    </p:blipFill>
+                    <p:spPr>
+                      <a:xfrm>
+                        <a:off x="4025265" y="2464435"/>
+                        <a:ext cx="429895" cy="429895"/>
+                      </a:xfrm>
+                      <a:prstGeom prst="rect">
+                        <a:avLst/>
+                      </a:prstGeom>
+                    </p:spPr>
+                  </p:pic>
+                </p:oleObj>
+              </mc:Fallback>
+            </mc:AlternateContent>
+          </a:graphicData>
+        </a:graphic>
+      </p:graphicFrame>
+      <p:graphicFrame>
+        <p:nvGraphicFramePr>
+          <p:cNvPr id="32" name="对象 31">
+            <a:hlinkClick r:id="" action="ppaction://ole?verb="/>
+          </p:cNvPr>
+          <p:cNvGraphicFramePr>
+            <a:graphicFrameLocks noChangeAspect="1"/>
+          </p:cNvGraphicFramePr>
+          <p:nvPr/>
+        </p:nvGraphicFramePr>
+        <p:xfrm>
+          <a:off x="3594100" y="5782945"/>
+          <a:ext cx="431165" cy="431165"/>
+        </p:xfrm>
+        <a:graphic>
+          <a:graphicData uri="http://schemas.openxmlformats.org/presentationml/2006/ole">
+            <mc:AlternateContent xmlns:mc="http://schemas.openxmlformats.org/markup-compatibility/2006">
+              <mc:Choice xmlns:v="urn:schemas-microsoft-com:vml" Requires="v">
+                <p:oleObj spid="_x0000_s33" name="" r:id="rId9" imgW="190500" imgH="190500" progId="Equation.KSEE3">
+                  <p:embed/>
+                </p:oleObj>
+              </mc:Choice>
+              <mc:Fallback>
+                <p:oleObj name="" r:id="rId9" imgW="190500" imgH="190500" progId="Equation.KSEE3">
+                  <p:embed/>
+                  <p:pic>
+                    <p:nvPicPr>
+                      <p:cNvPr id="0" name="图片 2048"/>
+                      <p:cNvPicPr/>
+                      <p:nvPr/>
+                    </p:nvPicPr>
+                    <p:blipFill>
+                      <a:blip r:embed="rId10"/>
+                      <a:stretch>
+                        <a:fillRect/>
+                      </a:stretch>
+                    </p:blipFill>
+                    <p:spPr>
+                      <a:xfrm>
+                        <a:off x="3594100" y="5782945"/>
+                        <a:ext cx="431165" cy="431165"/>
+                      </a:xfrm>
+                      <a:prstGeom prst="rect">
+                        <a:avLst/>
+                      </a:prstGeom>
+                    </p:spPr>
+                  </p:pic>
+                </p:oleObj>
+              </mc:Fallback>
+            </mc:AlternateContent>
+          </a:graphicData>
+        </a:graphic>
+      </p:graphicFrame>
+      <p:graphicFrame>
+        <p:nvGraphicFramePr>
+          <p:cNvPr id="35" name="对象 34">
+            <a:hlinkClick r:id="" action="ppaction://ole?verb="/>
+          </p:cNvPr>
+          <p:cNvGraphicFramePr>
+            <a:graphicFrameLocks noChangeAspect="1"/>
+          </p:cNvGraphicFramePr>
+          <p:nvPr/>
+        </p:nvGraphicFramePr>
+        <p:xfrm>
+          <a:off x="3991610" y="6178550"/>
+          <a:ext cx="400685" cy="400685"/>
+        </p:xfrm>
+        <a:graphic>
+          <a:graphicData uri="http://schemas.openxmlformats.org/presentationml/2006/ole">
+            <mc:AlternateContent xmlns:mc="http://schemas.openxmlformats.org/markup-compatibility/2006">
+              <mc:Choice xmlns:v="urn:schemas-microsoft-com:vml" Requires="v">
+                <p:oleObj spid="_x0000_s36" name="" r:id="rId11" imgW="177165" imgH="177165" progId="Equation.KSEE3">
+                  <p:embed/>
+                </p:oleObj>
+              </mc:Choice>
+              <mc:Fallback>
+                <p:oleObj name="" r:id="rId11" imgW="177165" imgH="177165" progId="Equation.KSEE3">
+                  <p:embed/>
+                  <p:pic>
+                    <p:nvPicPr>
+                      <p:cNvPr id="0" name="图片 2048"/>
+                      <p:cNvPicPr/>
+                      <p:nvPr/>
+                    </p:nvPicPr>
+                    <p:blipFill>
+                      <a:blip r:embed="rId12"/>
+                      <a:stretch>
+                        <a:fillRect/>
+                      </a:stretch>
+                    </p:blipFill>
+                    <p:spPr>
+                      <a:xfrm>
+                        <a:off x="3991610" y="6178550"/>
+                        <a:ext cx="400685" cy="400685"/>
+                      </a:xfrm>
+                      <a:prstGeom prst="rect">
+                        <a:avLst/>
+                      </a:prstGeom>
+                    </p:spPr>
+                  </p:pic>
+                </p:oleObj>
+              </mc:Fallback>
+            </mc:AlternateContent>
+          </a:graphicData>
+        </a:graphic>
+      </p:graphicFrame>
+      <p:cxnSp>
+        <p:nvCxnSpPr>
+          <p:cNvPr id="37" name="直接箭头连接符 36"/>
+          <p:cNvCxnSpPr>
+            <a:endCxn id="10" idx="0"/>
+          </p:cNvCxnSpPr>
+          <p:nvPr/>
+        </p:nvCxnSpPr>
+        <p:spPr>
+          <a:xfrm>
+            <a:off x="3207385" y="4770755"/>
+            <a:ext cx="7620" cy="927100"/>
+          </a:xfrm>
+          <a:prstGeom prst="straightConnector1">
+            <a:avLst/>
+          </a:prstGeom>
+          <a:ln>
+            <a:tailEnd type="arrow" w="med" len="med"/>
+          </a:ln>
+        </p:spPr>
+        <p:style>
+          <a:lnRef idx="1">
+            <a:schemeClr val="dk1"/>
+          </a:lnRef>
+          <a:fillRef idx="0">
+            <a:schemeClr val="dk1"/>
+          </a:fillRef>
+          <a:effectRef idx="0">
+            <a:schemeClr val="dk1"/>
+          </a:effectRef>
+          <a:fontRef idx="minor">
+            <a:schemeClr val="tx1"/>
+          </a:fontRef>
+        </p:style>
+      </p:cxnSp>
+      <p:sp>
+        <p:nvSpPr>
+          <p:cNvPr id="38" name="矩形 37"/>
+          <p:cNvSpPr/>
+          <p:nvPr/>
+        </p:nvSpPr>
+        <p:spPr>
+          <a:xfrm>
+            <a:off x="6631940" y="5708650"/>
+            <a:ext cx="4014470" cy="946150"/>
+          </a:xfrm>
+          <a:prstGeom prst="rect">
+            <a:avLst/>
+          </a:prstGeom>
+          <a:noFill/>
+          <a:ln>
+            <a:solidFill>
+              <a:schemeClr val="tx1"/>
+            </a:solidFill>
+          </a:ln>
+          <a:extLst>
+            <a:ext uri="{909E8E84-426E-40DD-AFC4-6F175D3DCCD1}">
+              <a14:hiddenFill xmlns:a14="http://schemas.microsoft.com/office/drawing/2010/main">
+                <a:solidFill>
+                  <a:schemeClr val="accent1"/>
+                </a:solidFill>
+              </a14:hiddenFill>
+            </a:ext>
+          </a:extLst>
+        </p:spPr>
+        <p:style>
+          <a:lnRef idx="2">
+            <a:schemeClr val="accent1">
+              <a:shade val="50000"/>
+            </a:schemeClr>
+          </a:lnRef>
+          <a:fillRef idx="1">
+            <a:schemeClr val="accent1"/>
+          </a:fillRef>
+          <a:effectRef idx="0">
+            <a:schemeClr val="accent1"/>
+          </a:effectRef>
+          <a:fontRef idx="minor">
+            <a:schemeClr val="lt1"/>
+          </a:fontRef>
+        </p:style>
+        <p:txBody>
+          <a:bodyPr rtlCol="0" anchor="ctr"/>
+          <a:p>
+            <a:pPr algn="ctr"/>
+            <a:endParaRPr lang="zh-CN" altLang="en-US"/>
+          </a:p>
+        </p:txBody>
+      </p:sp>
+      <p:cxnSp>
+        <p:nvCxnSpPr>
+          <p:cNvPr id="39" name="直接箭头连接符 38"/>
+          <p:cNvCxnSpPr>
+            <a:endCxn id="38" idx="1"/>
+          </p:cNvCxnSpPr>
+          <p:nvPr/>
+        </p:nvCxnSpPr>
+        <p:spPr>
+          <a:xfrm flipV="1">
+            <a:off x="4972685" y="6181725"/>
+            <a:ext cx="1659255" cy="3810"/>
+          </a:xfrm>
+          <a:prstGeom prst="straightConnector1">
+            <a:avLst/>
+          </a:prstGeom>
+          <a:ln>
+            <a:tailEnd type="arrow" w="med" len="med"/>
+          </a:ln>
+        </p:spPr>
+        <p:style>
+          <a:lnRef idx="1">
+            <a:schemeClr val="dk1"/>
+          </a:lnRef>
+          <a:fillRef idx="0">
+            <a:schemeClr val="dk1"/>
+          </a:fillRef>
+          <a:effectRef idx="0">
+            <a:schemeClr val="dk1"/>
+          </a:effectRef>
+          <a:fontRef idx="minor">
+            <a:schemeClr val="tx1"/>
+          </a:fontRef>
+        </p:style>
+      </p:cxnSp>
+      <p:graphicFrame>
+        <p:nvGraphicFramePr>
+          <p:cNvPr id="41" name="对象 40">
+            <a:hlinkClick r:id="" action="ppaction://ole?verb="/>
+          </p:cNvPr>
+          <p:cNvGraphicFramePr>
+            <a:graphicFrameLocks noChangeAspect="1"/>
+          </p:cNvGraphicFramePr>
+          <p:nvPr/>
+        </p:nvGraphicFramePr>
+        <p:xfrm>
+          <a:off x="9704070" y="5781040"/>
+          <a:ext cx="444500" cy="477520"/>
+        </p:xfrm>
+        <a:graphic>
+          <a:graphicData uri="http://schemas.openxmlformats.org/presentationml/2006/ole">
+            <mc:AlternateContent xmlns:mc="http://schemas.openxmlformats.org/markup-compatibility/2006">
+              <mc:Choice xmlns:v="urn:schemas-microsoft-com:vml" Requires="v">
+                <p:oleObj spid="_x0000_s42" name="" r:id="rId13" imgW="177165" imgH="190500" progId="Equation.KSEE3">
+                  <p:embed/>
+                </p:oleObj>
+              </mc:Choice>
+              <mc:Fallback>
+                <p:oleObj name="" r:id="rId13" imgW="177165" imgH="190500" progId="Equation.KSEE3">
+                  <p:embed/>
+                  <p:pic>
+                    <p:nvPicPr>
+                      <p:cNvPr id="0" name="图片 2048"/>
+                      <p:cNvPicPr/>
+                      <p:nvPr/>
+                    </p:nvPicPr>
+                    <p:blipFill>
+                      <a:blip r:embed="rId14"/>
+                      <a:stretch>
+                        <a:fillRect/>
+                      </a:stretch>
+                    </p:blipFill>
+                    <p:spPr>
+                      <a:xfrm>
+                        <a:off x="9704070" y="5781040"/>
+                        <a:ext cx="444500" cy="477520"/>
+                      </a:xfrm>
+                      <a:prstGeom prst="rect">
+                        <a:avLst/>
+                      </a:prstGeom>
+                    </p:spPr>
+                  </p:pic>
+                </p:oleObj>
+              </mc:Fallback>
+            </mc:AlternateContent>
+          </a:graphicData>
+        </a:graphic>
+      </p:graphicFrame>
+      <p:graphicFrame>
+        <p:nvGraphicFramePr>
+          <p:cNvPr id="43" name="对象 42">
+            <a:hlinkClick r:id="" action="ppaction://ole?verb="/>
+          </p:cNvPr>
+          <p:cNvGraphicFramePr>
+            <a:graphicFrameLocks noChangeAspect="1"/>
+          </p:cNvGraphicFramePr>
+          <p:nvPr/>
+        </p:nvGraphicFramePr>
+        <p:xfrm>
+          <a:off x="7242175" y="6115685"/>
+          <a:ext cx="507365" cy="506730"/>
+        </p:xfrm>
+        <a:graphic>
+          <a:graphicData uri="http://schemas.openxmlformats.org/presentationml/2006/ole">
+            <mc:AlternateContent xmlns:mc="http://schemas.openxmlformats.org/markup-compatibility/2006">
+              <mc:Choice xmlns:v="urn:schemas-microsoft-com:vml" Requires="v">
+                <p:oleObj spid="_x0000_s44" name="" r:id="rId15" imgW="190500" imgH="190500" progId="Equation.KSEE3">
+                  <p:embed/>
+                </p:oleObj>
+              </mc:Choice>
+              <mc:Fallback>
+                <p:oleObj name="" r:id="rId15" imgW="190500" imgH="190500" progId="Equation.KSEE3">
+                  <p:embed/>
+                  <p:pic>
+                    <p:nvPicPr>
+                      <p:cNvPr id="0" name="图片 2048"/>
+                      <p:cNvPicPr/>
+                      <p:nvPr/>
+                    </p:nvPicPr>
+                    <p:blipFill>
+                      <a:blip r:embed="rId16"/>
+                      <a:stretch>
+                        <a:fillRect/>
+                      </a:stretch>
+                    </p:blipFill>
+                    <p:spPr>
+                      <a:xfrm>
+                        <a:off x="7242175" y="6115685"/>
+                        <a:ext cx="507365" cy="506730"/>
+                      </a:xfrm>
+                      <a:prstGeom prst="rect">
+                        <a:avLst/>
+                      </a:prstGeom>
+                    </p:spPr>
+                  </p:pic>
+                </p:oleObj>
+              </mc:Fallback>
+            </mc:AlternateContent>
+          </a:graphicData>
+        </a:graphic>
+      </p:graphicFrame>
+      <p:cxnSp>
+        <p:nvCxnSpPr>
+          <p:cNvPr id="46" name="直接箭头连接符 45"/>
+          <p:cNvCxnSpPr>
+            <a:stCxn id="9" idx="1"/>
+            <a:endCxn id="7" idx="3"/>
+          </p:cNvCxnSpPr>
+          <p:nvPr/>
+        </p:nvCxnSpPr>
+        <p:spPr>
+          <a:xfrm flipH="1">
+            <a:off x="4972685" y="4265295"/>
+            <a:ext cx="1270635" cy="0"/>
+          </a:xfrm>
+          <a:prstGeom prst="straightConnector1">
+            <a:avLst/>
+          </a:prstGeom>
+          <a:ln w="6350">
+            <a:tailEnd type="arrow" w="med" len="med"/>
+          </a:ln>
+        </p:spPr>
+        <p:style>
+          <a:lnRef idx="1">
+            <a:schemeClr val="dk1"/>
+          </a:lnRef>
+          <a:fillRef idx="0">
+            <a:schemeClr val="dk1"/>
+          </a:fillRef>
+          <a:effectRef idx="0">
+            <a:schemeClr val="dk1"/>
+          </a:effectRef>
+          <a:fontRef idx="minor">
+            <a:schemeClr val="tx1"/>
+          </a:fontRef>
+        </p:style>
+      </p:cxnSp>
+      <p:sp>
+        <p:nvSpPr>
+          <p:cNvPr id="47" name="文本框 46"/>
+          <p:cNvSpPr txBox="1"/>
+          <p:nvPr/>
+        </p:nvSpPr>
+        <p:spPr>
+          <a:xfrm>
+            <a:off x="6742430" y="1583055"/>
+            <a:ext cx="3731260" cy="826135"/>
+          </a:xfrm>
+          <a:prstGeom prst="rect">
+            <a:avLst/>
+          </a:prstGeom>
+          <a:noFill/>
+        </p:spPr>
+        <p:txBody>
+          <a:bodyPr wrap="none" rtlCol="0">
+            <a:spAutoFit/>
+          </a:bodyPr>
+          <a:p>
+            <a:pPr algn="ctr"/>
+            <a:r>
+              <a:rPr lang="zh-CN" altLang="en-US" sz="2400"/>
+              <a:t>将</a:t>
+            </a:r>
+            <a:r>
+              <a:rPr lang="en-US" altLang="zh-CN" sz="2400"/>
+              <a:t>X</a:t>
+            </a:r>
+            <a:r>
+              <a:rPr lang="en-US" altLang="zh-CN" sz="2400" baseline="-25000"/>
+              <a:t>new</a:t>
+            </a:r>
+            <a:r>
+              <a:rPr lang="zh-CN" altLang="en-US" sz="2400"/>
+              <a:t>放入原数据集中作为</a:t>
+            </a:r>
+            <a:endParaRPr lang="zh-CN" altLang="en-US" sz="2400"/>
+          </a:p>
+          <a:p>
+            <a:pPr algn="ctr"/>
+            <a:r>
+              <a:rPr lang="zh-CN" altLang="en-US" sz="2400"/>
+              <a:t>分类的训练样本</a:t>
+            </a:r>
+            <a:endParaRPr lang="zh-CN" altLang="en-US" sz="2400"/>
+          </a:p>
+        </p:txBody>
+      </p:sp>
+      <p:cxnSp>
+        <p:nvCxnSpPr>
+          <p:cNvPr id="48" name="直接箭头连接符 47"/>
+          <p:cNvCxnSpPr/>
+          <p:nvPr/>
+        </p:nvCxnSpPr>
+        <p:spPr>
+          <a:xfrm flipV="1">
+            <a:off x="8611235" y="2495550"/>
+            <a:ext cx="3810" cy="902970"/>
+          </a:xfrm>
+          <a:prstGeom prst="straightConnector1">
+            <a:avLst/>
+          </a:prstGeom>
+          <a:ln>
+            <a:tailEnd type="arrow" w="med" len="med"/>
+          </a:ln>
+        </p:spPr>
+        <p:style>
+          <a:lnRef idx="1">
+            <a:schemeClr val="dk1"/>
+          </a:lnRef>
+          <a:fillRef idx="0">
+            <a:schemeClr val="dk1"/>
+          </a:fillRef>
+          <a:effectRef idx="0">
+            <a:schemeClr val="dk1"/>
+          </a:effectRef>
+          <a:fontRef idx="minor">
+            <a:schemeClr val="tx1"/>
+          </a:fontRef>
+        </p:style>
+      </p:cxnSp>
+    </p:spTree>
+  </p:cSld>
+  <p:clrMapOvr>
+    <a:masterClrMapping/>
+  </p:clrMapOvr>
+</p:sld>
+</file>
+
 <file path=ppt/slides/slide3.xml><?xml version="1.0" encoding="utf-8"?>
 <p:sld xmlns:a="http://schemas.openxmlformats.org/drawingml/2006/main" xmlns:r="http://schemas.openxmlformats.org/officeDocument/2006/relationships" xmlns:p="http://schemas.openxmlformats.org/presentationml/2006/main">
   <p:cSld>

--- a/毕设论文相关/我的相关/ppt/allPPT.pptx
+++ b/毕设论文相关/我的相关/ppt/allPPT.pptx
@@ -28,6 +28,8 @@
     <p:sldId id="284" r:id="rId23"/>
     <p:sldId id="283" r:id="rId24"/>
     <p:sldId id="286" r:id="rId25"/>
+    <p:sldId id="288" r:id="rId26"/>
+    <p:sldId id="289" r:id="rId27"/>
   </p:sldIdLst>
   <p:sldSz cx="12192000" cy="6858000"/>
   <p:notesSz cx="7103745" cy="10234295"/>
@@ -24929,7 +24931,7 @@
           <a:graphicData uri="http://schemas.openxmlformats.org/presentationml/2006/ole">
             <mc:AlternateContent xmlns:mc="http://schemas.openxmlformats.org/markup-compatibility/2006">
               <mc:Choice xmlns:v="urn:schemas-microsoft-com:vml" Requires="v">
-                <p:oleObj spid="_x0000_s2049" name="" r:id="rId3" imgW="203200" imgH="190500" progId="Equation.KSEE3">
+                <p:oleObj spid="_x0000_s8" name="" r:id="rId3" imgW="203200" imgH="190500" progId="Equation.KSEE3">
                   <p:embed/>
                 </p:oleObj>
               </mc:Choice>
@@ -25578,6 +25580,1257 @@
           </a:fontRef>
         </p:style>
       </p:cxnSp>
+    </p:spTree>
+  </p:cSld>
+  <p:clrMapOvr>
+    <a:masterClrMapping/>
+  </p:clrMapOvr>
+</p:sld>
+</file>
+
+<file path=ppt/slides/slide24.xml><?xml version="1.0" encoding="utf-8"?>
+<p:sld xmlns:a="http://schemas.openxmlformats.org/drawingml/2006/main" xmlns:r="http://schemas.openxmlformats.org/officeDocument/2006/relationships" xmlns:p="http://schemas.openxmlformats.org/presentationml/2006/main">
+  <p:cSld>
+    <p:spTree>
+      <p:nvGrpSpPr>
+        <p:cNvPr id="1" name=""/>
+        <p:cNvGrpSpPr/>
+        <p:nvPr/>
+      </p:nvGrpSpPr>
+      <p:grpSpPr/>
+      <p:pic>
+        <p:nvPicPr>
+          <p:cNvPr id="31" name="图片 30" descr="figure_1"/>
+          <p:cNvPicPr>
+            <a:picLocks noChangeAspect="1"/>
+          </p:cNvPicPr>
+          <p:nvPr/>
+        </p:nvPicPr>
+        <p:blipFill>
+          <a:blip r:embed="rId1"/>
+          <a:stretch>
+            <a:fillRect/>
+          </a:stretch>
+        </p:blipFill>
+        <p:spPr>
+          <a:xfrm>
+            <a:off x="121920" y="44450"/>
+            <a:ext cx="7315200" cy="5486400"/>
+          </a:xfrm>
+          <a:prstGeom prst="rect">
+            <a:avLst/>
+          </a:prstGeom>
+        </p:spPr>
+      </p:pic>
+      <p:sp>
+        <p:nvSpPr>
+          <p:cNvPr id="2" name="任意多边形 1"/>
+          <p:cNvSpPr/>
+          <p:nvPr/>
+        </p:nvSpPr>
+        <p:spPr>
+          <a:xfrm>
+            <a:off x="1282700" y="802640"/>
+            <a:ext cx="6710045" cy="3931285"/>
+          </a:xfrm>
+          <a:custGeom>
+            <a:avLst/>
+            <a:gdLst>
+              <a:gd name="connisteX0" fmla="*/ 0 w 6710045"/>
+              <a:gd name="connsiteY0" fmla="*/ 3931154 h 3931154"/>
+              <a:gd name="connisteX1" fmla="*/ 1957705 w 6710045"/>
+              <a:gd name="connsiteY1" fmla="*/ 1744849 h 3931154"/>
+              <a:gd name="connisteX2" fmla="*/ 5133340 w 6710045"/>
+              <a:gd name="connsiteY2" fmla="*/ 15744 h 3931154"/>
+              <a:gd name="connisteX3" fmla="*/ 6710045 w 6710045"/>
+              <a:gd name="connsiteY3" fmla="*/ 994279 h 3931154"/>
+              <a:gd name="connisteX4" fmla="*/ 6840855 w 6710045"/>
+              <a:gd name="connsiteY4" fmla="*/ 831719 h 3931154"/>
+            </a:gdLst>
+            <a:ahLst/>
+            <a:cxnLst>
+              <a:cxn ang="0">
+                <a:pos x="connisteX0" y="connsiteY0"/>
+              </a:cxn>
+              <a:cxn ang="0">
+                <a:pos x="connisteX1" y="connsiteY1"/>
+              </a:cxn>
+              <a:cxn ang="0">
+                <a:pos x="connisteX2" y="connsiteY2"/>
+              </a:cxn>
+              <a:cxn ang="0">
+                <a:pos x="connisteX3" y="connsiteY3"/>
+              </a:cxn>
+              <a:cxn ang="0">
+                <a:pos x="connisteX4" y="connsiteY4"/>
+              </a:cxn>
+            </a:cxnLst>
+            <a:rect l="l" t="t" r="r" b="b"/>
+            <a:pathLst>
+              <a:path w="6710045" h="3931154">
+                <a:moveTo>
+                  <a:pt x="0" y="3931154"/>
+                </a:moveTo>
+                <a:cubicBezTo>
+                  <a:pt x="328295" y="3528564"/>
+                  <a:pt x="930910" y="2527804"/>
+                  <a:pt x="1957705" y="1744849"/>
+                </a:cubicBezTo>
+                <a:cubicBezTo>
+                  <a:pt x="2984500" y="961894"/>
+                  <a:pt x="4182745" y="165604"/>
+                  <a:pt x="5133340" y="15744"/>
+                </a:cubicBezTo>
+                <a:cubicBezTo>
+                  <a:pt x="6083935" y="-134116"/>
+                  <a:pt x="6368415" y="831084"/>
+                  <a:pt x="6710045" y="994279"/>
+                </a:cubicBezTo>
+              </a:path>
+            </a:pathLst>
+          </a:custGeom>
+          <a:noFill/>
+          <a:ln>
+            <a:prstDash val="dash"/>
+          </a:ln>
+        </p:spPr>
+        <p:style>
+          <a:lnRef idx="2">
+            <a:schemeClr val="accent1">
+              <a:shade val="50000"/>
+            </a:schemeClr>
+          </a:lnRef>
+          <a:fillRef idx="1">
+            <a:schemeClr val="accent1"/>
+          </a:fillRef>
+          <a:effectRef idx="0">
+            <a:schemeClr val="accent1"/>
+          </a:effectRef>
+          <a:fontRef idx="minor">
+            <a:schemeClr val="lt1"/>
+          </a:fontRef>
+        </p:style>
+        <p:txBody>
+          <a:bodyPr rtlCol="0" anchor="ctr"/>
+          <a:p>
+            <a:pPr algn="ctr"/>
+            <a:endParaRPr lang="zh-CN" altLang="en-US"/>
+          </a:p>
+        </p:txBody>
+      </p:sp>
+      <p:sp>
+        <p:nvSpPr>
+          <p:cNvPr id="3" name="任意多边形 2"/>
+          <p:cNvSpPr/>
+          <p:nvPr/>
+        </p:nvSpPr>
+        <p:spPr>
+          <a:xfrm>
+            <a:off x="1293495" y="796925"/>
+            <a:ext cx="5111750" cy="3969385"/>
+          </a:xfrm>
+          <a:custGeom>
+            <a:avLst/>
+            <a:gdLst>
+              <a:gd name="connisteX0" fmla="*/ 0 w 5111750"/>
+              <a:gd name="connsiteY0" fmla="*/ 3969385 h 3969385"/>
+              <a:gd name="connisteX1" fmla="*/ 598170 w 5111750"/>
+              <a:gd name="connsiteY1" fmla="*/ 2098675 h 3969385"/>
+              <a:gd name="connisteX2" fmla="*/ 1500505 w 5111750"/>
+              <a:gd name="connsiteY2" fmla="*/ 1011555 h 3969385"/>
+              <a:gd name="connisteX3" fmla="*/ 3447415 w 5111750"/>
+              <a:gd name="connsiteY3" fmla="*/ 347980 h 3969385"/>
+              <a:gd name="connisteX4" fmla="*/ 5111750 w 5111750"/>
+              <a:gd name="connsiteY4" fmla="*/ 0 h 3969385"/>
+            </a:gdLst>
+            <a:ahLst/>
+            <a:cxnLst>
+              <a:cxn ang="0">
+                <a:pos x="connisteX0" y="connsiteY0"/>
+              </a:cxn>
+              <a:cxn ang="0">
+                <a:pos x="connisteX1" y="connsiteY1"/>
+              </a:cxn>
+              <a:cxn ang="0">
+                <a:pos x="connisteX2" y="connsiteY2"/>
+              </a:cxn>
+              <a:cxn ang="0">
+                <a:pos x="connisteX3" y="connsiteY3"/>
+              </a:cxn>
+              <a:cxn ang="0">
+                <a:pos x="connisteX4" y="connsiteY4"/>
+              </a:cxn>
+            </a:cxnLst>
+            <a:rect l="l" t="t" r="r" b="b"/>
+            <a:pathLst>
+              <a:path w="5111750" h="3969385">
+                <a:moveTo>
+                  <a:pt x="0" y="3969385"/>
+                </a:moveTo>
+                <a:cubicBezTo>
+                  <a:pt x="101600" y="3616960"/>
+                  <a:pt x="297815" y="2690495"/>
+                  <a:pt x="598170" y="2098675"/>
+                </a:cubicBezTo>
+                <a:cubicBezTo>
+                  <a:pt x="898525" y="1506855"/>
+                  <a:pt x="930910" y="1361440"/>
+                  <a:pt x="1500505" y="1011555"/>
+                </a:cubicBezTo>
+                <a:cubicBezTo>
+                  <a:pt x="2070100" y="661670"/>
+                  <a:pt x="2725420" y="550545"/>
+                  <a:pt x="3447415" y="347980"/>
+                </a:cubicBezTo>
+                <a:cubicBezTo>
+                  <a:pt x="4169410" y="145415"/>
+                  <a:pt x="4817745" y="56515"/>
+                  <a:pt x="5111750" y="0"/>
+                </a:cubicBezTo>
+              </a:path>
+            </a:pathLst>
+          </a:custGeom>
+          <a:noFill/>
+          <a:ln>
+            <a:solidFill>
+              <a:srgbClr val="00B050"/>
+            </a:solidFill>
+            <a:prstDash val="dash"/>
+          </a:ln>
+        </p:spPr>
+        <p:style>
+          <a:lnRef idx="2">
+            <a:schemeClr val="accent1">
+              <a:shade val="50000"/>
+            </a:schemeClr>
+          </a:lnRef>
+          <a:fillRef idx="1">
+            <a:schemeClr val="accent1"/>
+          </a:fillRef>
+          <a:effectRef idx="0">
+            <a:schemeClr val="accent1"/>
+          </a:effectRef>
+          <a:fontRef idx="minor">
+            <a:schemeClr val="lt1"/>
+          </a:fontRef>
+        </p:style>
+        <p:txBody>
+          <a:bodyPr rtlCol="0" anchor="ctr"/>
+          <a:p>
+            <a:pPr algn="ctr"/>
+            <a:endParaRPr lang="zh-CN" altLang="en-US"/>
+          </a:p>
+        </p:txBody>
+      </p:sp>
+      <p:grpSp>
+        <p:nvGrpSpPr>
+          <p:cNvPr id="16" name="组合 15"/>
+          <p:cNvGrpSpPr/>
+          <p:nvPr/>
+        </p:nvGrpSpPr>
+        <p:grpSpPr>
+          <a:xfrm>
+            <a:off x="6981825" y="3374390"/>
+            <a:ext cx="4861560" cy="2762250"/>
+            <a:chOff x="10995" y="5314"/>
+            <a:chExt cx="7656" cy="4350"/>
+          </a:xfrm>
+        </p:grpSpPr>
+        <p:sp>
+          <p:nvSpPr>
+            <p:cNvPr id="5" name="矩形 4"/>
+            <p:cNvSpPr/>
+            <p:nvPr/>
+          </p:nvSpPr>
+          <p:spPr>
+            <a:xfrm>
+              <a:off x="10995" y="5314"/>
+              <a:ext cx="7656" cy="4350"/>
+            </a:xfrm>
+            <a:prstGeom prst="rect">
+              <a:avLst/>
+            </a:prstGeom>
+            <a:noFill/>
+            <a:ln w="635">
+              <a:solidFill>
+                <a:schemeClr val="tx1"/>
+              </a:solidFill>
+            </a:ln>
+            <a:extLst>
+              <a:ext uri="{909E8E84-426E-40DD-AFC4-6F175D3DCCD1}">
+                <a14:hiddenFill xmlns:a14="http://schemas.microsoft.com/office/drawing/2010/main">
+                  <a:solidFill>
+                    <a:schemeClr val="accent1"/>
+                  </a:solidFill>
+                </a14:hiddenFill>
+              </a:ext>
+            </a:extLst>
+          </p:spPr>
+          <p:style>
+            <a:lnRef idx="2">
+              <a:schemeClr val="accent1">
+                <a:shade val="50000"/>
+              </a:schemeClr>
+            </a:lnRef>
+            <a:fillRef idx="1">
+              <a:schemeClr val="accent1"/>
+            </a:fillRef>
+            <a:effectRef idx="0">
+              <a:schemeClr val="accent1"/>
+            </a:effectRef>
+            <a:fontRef idx="minor">
+              <a:schemeClr val="lt1"/>
+            </a:fontRef>
+          </p:style>
+          <p:txBody>
+            <a:bodyPr rtlCol="0" anchor="ctr"/>
+            <a:p>
+              <a:pPr algn="ctr"/>
+              <a:endParaRPr lang="zh-CN" altLang="en-US"/>
+            </a:p>
+          </p:txBody>
+        </p:sp>
+        <p:cxnSp>
+          <p:nvCxnSpPr>
+            <p:cNvPr id="6" name="直接连接符 5"/>
+            <p:cNvCxnSpPr/>
+            <p:nvPr/>
+          </p:nvCxnSpPr>
+          <p:spPr>
+            <a:xfrm>
+              <a:off x="11628" y="6495"/>
+              <a:ext cx="411" cy="0"/>
+            </a:xfrm>
+            <a:prstGeom prst="line">
+              <a:avLst/>
+            </a:prstGeom>
+            <a:ln>
+              <a:solidFill>
+                <a:srgbClr val="FF0000"/>
+              </a:solidFill>
+              <a:prstDash val="dash"/>
+            </a:ln>
+          </p:spPr>
+          <p:style>
+            <a:lnRef idx="1">
+              <a:schemeClr val="accent1"/>
+            </a:lnRef>
+            <a:fillRef idx="0">
+              <a:schemeClr val="accent1"/>
+            </a:fillRef>
+            <a:effectRef idx="0">
+              <a:schemeClr val="accent1"/>
+            </a:effectRef>
+            <a:fontRef idx="minor">
+              <a:schemeClr val="tx1"/>
+            </a:fontRef>
+          </p:style>
+        </p:cxnSp>
+        <p:sp>
+          <p:nvSpPr>
+            <p:cNvPr id="9" name="文本框 8"/>
+            <p:cNvSpPr txBox="1"/>
+            <p:nvPr/>
+          </p:nvSpPr>
+          <p:spPr>
+            <a:xfrm>
+              <a:off x="12570" y="5999"/>
+              <a:ext cx="3597" cy="580"/>
+            </a:xfrm>
+            <a:prstGeom prst="rect">
+              <a:avLst/>
+            </a:prstGeom>
+            <a:noFill/>
+          </p:spPr>
+          <p:txBody>
+            <a:bodyPr wrap="square" rtlCol="0">
+              <a:spAutoFit/>
+            </a:bodyPr>
+            <a:p>
+              <a:r>
+                <a:rPr lang="en-US" altLang="zh-CN"/>
+                <a:t>I</a:t>
+              </a:r>
+              <a:r>
+                <a:rPr lang="zh-CN" altLang="en-US"/>
+                <a:t>mproved </a:t>
+              </a:r>
+              <a:r>
+                <a:rPr lang="en-US" altLang="zh-CN"/>
+                <a:t>SMOTE</a:t>
+              </a:r>
+              <a:endParaRPr lang="en-US" altLang="zh-CN"/>
+            </a:p>
+          </p:txBody>
+        </p:sp>
+        <p:cxnSp>
+          <p:nvCxnSpPr>
+            <p:cNvPr id="10" name="直接连接符 9"/>
+            <p:cNvCxnSpPr/>
+            <p:nvPr/>
+          </p:nvCxnSpPr>
+          <p:spPr>
+            <a:xfrm>
+              <a:off x="11628" y="7328"/>
+              <a:ext cx="411" cy="0"/>
+            </a:xfrm>
+            <a:prstGeom prst="line">
+              <a:avLst/>
+            </a:prstGeom>
+            <a:ln>
+              <a:solidFill>
+                <a:srgbClr val="0070C0"/>
+              </a:solidFill>
+              <a:prstDash val="dash"/>
+            </a:ln>
+          </p:spPr>
+          <p:style>
+            <a:lnRef idx="1">
+              <a:schemeClr val="accent1"/>
+            </a:lnRef>
+            <a:fillRef idx="0">
+              <a:schemeClr val="accent1"/>
+            </a:fillRef>
+            <a:effectRef idx="0">
+              <a:schemeClr val="accent1"/>
+            </a:effectRef>
+            <a:fontRef idx="minor">
+              <a:schemeClr val="tx1"/>
+            </a:fontRef>
+          </p:style>
+        </p:cxnSp>
+        <p:sp>
+          <p:nvSpPr>
+            <p:cNvPr id="11" name="文本框 10"/>
+            <p:cNvSpPr txBox="1"/>
+            <p:nvPr/>
+          </p:nvSpPr>
+          <p:spPr>
+            <a:xfrm>
+              <a:off x="12566" y="6926"/>
+              <a:ext cx="3597" cy="580"/>
+            </a:xfrm>
+            <a:prstGeom prst="rect">
+              <a:avLst/>
+            </a:prstGeom>
+            <a:noFill/>
+          </p:spPr>
+          <p:txBody>
+            <a:bodyPr wrap="square" rtlCol="0">
+              <a:spAutoFit/>
+            </a:bodyPr>
+            <a:p>
+              <a:r>
+                <a:rPr lang="en-US"/>
+                <a:t>Without </a:t>
+              </a:r>
+              <a:r>
+                <a:rPr lang="en-US" altLang="zh-CN"/>
+                <a:t>SMOTE</a:t>
+              </a:r>
+              <a:endParaRPr lang="en-US" altLang="zh-CN"/>
+            </a:p>
+          </p:txBody>
+        </p:sp>
+        <p:cxnSp>
+          <p:nvCxnSpPr>
+            <p:cNvPr id="12" name="直接连接符 11"/>
+            <p:cNvCxnSpPr/>
+            <p:nvPr/>
+          </p:nvCxnSpPr>
+          <p:spPr>
+            <a:xfrm>
+              <a:off x="11628" y="8230"/>
+              <a:ext cx="411" cy="0"/>
+            </a:xfrm>
+            <a:prstGeom prst="line">
+              <a:avLst/>
+            </a:prstGeom>
+            <a:ln>
+              <a:solidFill>
+                <a:srgbClr val="00B050"/>
+              </a:solidFill>
+              <a:prstDash val="dash"/>
+            </a:ln>
+          </p:spPr>
+          <p:style>
+            <a:lnRef idx="1">
+              <a:schemeClr val="accent1"/>
+            </a:lnRef>
+            <a:fillRef idx="0">
+              <a:schemeClr val="accent1"/>
+            </a:fillRef>
+            <a:effectRef idx="0">
+              <a:schemeClr val="accent1"/>
+            </a:effectRef>
+            <a:fontRef idx="minor">
+              <a:schemeClr val="tx1"/>
+            </a:fontRef>
+          </p:style>
+        </p:cxnSp>
+        <p:sp>
+          <p:nvSpPr>
+            <p:cNvPr id="13" name="文本框 12"/>
+            <p:cNvSpPr txBox="1"/>
+            <p:nvPr/>
+          </p:nvSpPr>
+          <p:spPr>
+            <a:xfrm>
+              <a:off x="12587" y="7940"/>
+              <a:ext cx="3597" cy="580"/>
+            </a:xfrm>
+            <a:prstGeom prst="rect">
+              <a:avLst/>
+            </a:prstGeom>
+            <a:noFill/>
+          </p:spPr>
+          <p:txBody>
+            <a:bodyPr wrap="square" rtlCol="0">
+              <a:spAutoFit/>
+            </a:bodyPr>
+            <a:p>
+              <a:r>
+                <a:rPr lang="en-US"/>
+                <a:t>Traditional </a:t>
+              </a:r>
+              <a:r>
+                <a:rPr lang="en-US" altLang="zh-CN"/>
+                <a:t>SMOTE</a:t>
+              </a:r>
+              <a:endParaRPr lang="en-US" altLang="zh-CN"/>
+            </a:p>
+          </p:txBody>
+        </p:sp>
+        <p:cxnSp>
+          <p:nvCxnSpPr>
+            <p:cNvPr id="14" name="直接连接符 13"/>
+            <p:cNvCxnSpPr/>
+            <p:nvPr/>
+          </p:nvCxnSpPr>
+          <p:spPr>
+            <a:xfrm>
+              <a:off x="11628" y="8926"/>
+              <a:ext cx="411" cy="0"/>
+            </a:xfrm>
+            <a:prstGeom prst="line">
+              <a:avLst/>
+            </a:prstGeom>
+            <a:ln>
+              <a:solidFill>
+                <a:schemeClr val="bg1">
+                  <a:lumMod val="75000"/>
+                </a:schemeClr>
+              </a:solidFill>
+              <a:prstDash val="dash"/>
+            </a:ln>
+          </p:spPr>
+          <p:style>
+            <a:lnRef idx="1">
+              <a:schemeClr val="accent1"/>
+            </a:lnRef>
+            <a:fillRef idx="0">
+              <a:schemeClr val="accent1"/>
+            </a:fillRef>
+            <a:effectRef idx="0">
+              <a:schemeClr val="accent1"/>
+            </a:effectRef>
+            <a:fontRef idx="minor">
+              <a:schemeClr val="tx1"/>
+            </a:fontRef>
+          </p:style>
+        </p:cxnSp>
+        <p:sp>
+          <p:nvSpPr>
+            <p:cNvPr id="15" name="文本框 14"/>
+            <p:cNvSpPr txBox="1"/>
+            <p:nvPr/>
+          </p:nvSpPr>
+          <p:spPr>
+            <a:xfrm>
+              <a:off x="12587" y="8636"/>
+              <a:ext cx="3597" cy="580"/>
+            </a:xfrm>
+            <a:prstGeom prst="rect">
+              <a:avLst/>
+            </a:prstGeom>
+            <a:noFill/>
+          </p:spPr>
+          <p:txBody>
+            <a:bodyPr wrap="square" rtlCol="0">
+              <a:spAutoFit/>
+            </a:bodyPr>
+            <a:p>
+              <a:r>
+                <a:rPr lang="en-US"/>
+                <a:t>Luck</a:t>
+              </a:r>
+              <a:endParaRPr lang="en-US" altLang="zh-CN"/>
+            </a:p>
+          </p:txBody>
+        </p:sp>
+      </p:grpSp>
+    </p:spTree>
+  </p:cSld>
+  <p:clrMapOvr>
+    <a:masterClrMapping/>
+  </p:clrMapOvr>
+</p:sld>
+</file>
+
+<file path=ppt/slides/slide25.xml><?xml version="1.0" encoding="utf-8"?>
+<p:sld xmlns:a="http://schemas.openxmlformats.org/drawingml/2006/main" xmlns:r="http://schemas.openxmlformats.org/officeDocument/2006/relationships" xmlns:p="http://schemas.openxmlformats.org/presentationml/2006/main">
+  <p:cSld>
+    <p:spTree>
+      <p:nvGrpSpPr>
+        <p:cNvPr id="1" name=""/>
+        <p:cNvGrpSpPr/>
+        <p:nvPr/>
+      </p:nvGrpSpPr>
+      <p:grpSpPr/>
+      <p:pic>
+        <p:nvPicPr>
+          <p:cNvPr id="31" name="图片 30" descr="figure_1"/>
+          <p:cNvPicPr>
+            <a:picLocks noChangeAspect="1"/>
+          </p:cNvPicPr>
+          <p:nvPr/>
+        </p:nvPicPr>
+        <p:blipFill>
+          <a:blip r:embed="rId1"/>
+          <a:stretch>
+            <a:fillRect/>
+          </a:stretch>
+        </p:blipFill>
+        <p:spPr>
+          <a:xfrm>
+            <a:off x="1456690" y="290195"/>
+            <a:ext cx="8319770" cy="6241415"/>
+          </a:xfrm>
+          <a:prstGeom prst="rect">
+            <a:avLst/>
+          </a:prstGeom>
+        </p:spPr>
+      </p:pic>
+      <p:sp>
+        <p:nvSpPr>
+          <p:cNvPr id="3" name="任意多边形 2"/>
+          <p:cNvSpPr/>
+          <p:nvPr/>
+        </p:nvSpPr>
+        <p:spPr>
+          <a:xfrm>
+            <a:off x="2780030" y="1132840"/>
+            <a:ext cx="5882640" cy="4568190"/>
+          </a:xfrm>
+          <a:custGeom>
+            <a:avLst/>
+            <a:gdLst>
+              <a:gd name="connisteX0" fmla="*/ 0 w 5111750"/>
+              <a:gd name="connsiteY0" fmla="*/ 3969385 h 3969385"/>
+              <a:gd name="connisteX1" fmla="*/ 598170 w 5111750"/>
+              <a:gd name="connsiteY1" fmla="*/ 2098675 h 3969385"/>
+              <a:gd name="connisteX2" fmla="*/ 1500505 w 5111750"/>
+              <a:gd name="connsiteY2" fmla="*/ 1011555 h 3969385"/>
+              <a:gd name="connisteX3" fmla="*/ 3447415 w 5111750"/>
+              <a:gd name="connsiteY3" fmla="*/ 347980 h 3969385"/>
+              <a:gd name="connisteX4" fmla="*/ 5111750 w 5111750"/>
+              <a:gd name="connsiteY4" fmla="*/ 0 h 3969385"/>
+            </a:gdLst>
+            <a:ahLst/>
+            <a:cxnLst>
+              <a:cxn ang="0">
+                <a:pos x="connisteX0" y="connsiteY0"/>
+              </a:cxn>
+              <a:cxn ang="0">
+                <a:pos x="connisteX1" y="connsiteY1"/>
+              </a:cxn>
+              <a:cxn ang="0">
+                <a:pos x="connisteX2" y="connsiteY2"/>
+              </a:cxn>
+              <a:cxn ang="0">
+                <a:pos x="connisteX3" y="connsiteY3"/>
+              </a:cxn>
+              <a:cxn ang="0">
+                <a:pos x="connisteX4" y="connsiteY4"/>
+              </a:cxn>
+            </a:cxnLst>
+            <a:rect l="l" t="t" r="r" b="b"/>
+            <a:pathLst>
+              <a:path w="5111750" h="3969385">
+                <a:moveTo>
+                  <a:pt x="0" y="3969385"/>
+                </a:moveTo>
+                <a:cubicBezTo>
+                  <a:pt x="101600" y="3616960"/>
+                  <a:pt x="297815" y="2690495"/>
+                  <a:pt x="598170" y="2098675"/>
+                </a:cubicBezTo>
+                <a:cubicBezTo>
+                  <a:pt x="898525" y="1506855"/>
+                  <a:pt x="930910" y="1361440"/>
+                  <a:pt x="1500505" y="1011555"/>
+                </a:cubicBezTo>
+                <a:cubicBezTo>
+                  <a:pt x="2070100" y="661670"/>
+                  <a:pt x="2725420" y="550545"/>
+                  <a:pt x="3447415" y="347980"/>
+                </a:cubicBezTo>
+                <a:cubicBezTo>
+                  <a:pt x="4169410" y="145415"/>
+                  <a:pt x="4817745" y="56515"/>
+                  <a:pt x="5111750" y="0"/>
+                </a:cubicBezTo>
+              </a:path>
+            </a:pathLst>
+          </a:custGeom>
+          <a:noFill/>
+          <a:ln w="19050">
+            <a:solidFill>
+              <a:srgbClr val="00B050"/>
+            </a:solidFill>
+            <a:prstDash val="lgDash"/>
+          </a:ln>
+        </p:spPr>
+        <p:style>
+          <a:lnRef idx="2">
+            <a:schemeClr val="accent1">
+              <a:shade val="50000"/>
+            </a:schemeClr>
+          </a:lnRef>
+          <a:fillRef idx="1">
+            <a:schemeClr val="accent1"/>
+          </a:fillRef>
+          <a:effectRef idx="0">
+            <a:schemeClr val="accent1"/>
+          </a:effectRef>
+          <a:fontRef idx="minor">
+            <a:schemeClr val="lt1"/>
+          </a:fontRef>
+        </p:style>
+        <p:txBody>
+          <a:bodyPr rtlCol="0" anchor="ctr"/>
+          <a:p>
+            <a:pPr algn="ctr"/>
+            <a:endParaRPr lang="zh-CN" altLang="en-US"/>
+          </a:p>
+        </p:txBody>
+      </p:sp>
+      <p:sp>
+        <p:nvSpPr>
+          <p:cNvPr id="8" name="任意多边形 7"/>
+          <p:cNvSpPr/>
+          <p:nvPr/>
+        </p:nvSpPr>
+        <p:spPr>
+          <a:xfrm>
+            <a:off x="2780030" y="1132205"/>
+            <a:ext cx="5920105" cy="4568825"/>
+          </a:xfrm>
+          <a:custGeom>
+            <a:avLst/>
+            <a:gdLst>
+              <a:gd name="connisteX0" fmla="*/ 0 w 5144135"/>
+              <a:gd name="connsiteY0" fmla="*/ 3970020 h 3970020"/>
+              <a:gd name="connisteX1" fmla="*/ 1370330 w 5144135"/>
+              <a:gd name="connsiteY1" fmla="*/ 1990725 h 3970020"/>
+              <a:gd name="connisteX2" fmla="*/ 3567430 w 5144135"/>
+              <a:gd name="connsiteY2" fmla="*/ 652780 h 3970020"/>
+              <a:gd name="connisteX3" fmla="*/ 5144135 w 5144135"/>
+              <a:gd name="connsiteY3" fmla="*/ 0 h 3970020"/>
+              <a:gd name="connisteX4" fmla="*/ 5176520 w 5144135"/>
+              <a:gd name="connsiteY4" fmla="*/ 0 h 3970020"/>
+            </a:gdLst>
+            <a:ahLst/>
+            <a:cxnLst>
+              <a:cxn ang="0">
+                <a:pos x="connisteX0" y="connsiteY0"/>
+              </a:cxn>
+              <a:cxn ang="0">
+                <a:pos x="connisteX1" y="connsiteY1"/>
+              </a:cxn>
+              <a:cxn ang="0">
+                <a:pos x="connisteX2" y="connsiteY2"/>
+              </a:cxn>
+              <a:cxn ang="0">
+                <a:pos x="connisteX3" y="connsiteY3"/>
+              </a:cxn>
+              <a:cxn ang="0">
+                <a:pos x="connisteX4" y="connsiteY4"/>
+              </a:cxn>
+            </a:cxnLst>
+            <a:rect l="l" t="t" r="r" b="b"/>
+            <a:pathLst>
+              <a:path w="5144135" h="3970020">
+                <a:moveTo>
+                  <a:pt x="0" y="3970020"/>
+                </a:moveTo>
+                <a:cubicBezTo>
+                  <a:pt x="229870" y="3601085"/>
+                  <a:pt x="656590" y="2654300"/>
+                  <a:pt x="1370330" y="1990725"/>
+                </a:cubicBezTo>
+                <a:cubicBezTo>
+                  <a:pt x="2084070" y="1327150"/>
+                  <a:pt x="2812415" y="1050925"/>
+                  <a:pt x="3567430" y="652780"/>
+                </a:cubicBezTo>
+                <a:cubicBezTo>
+                  <a:pt x="4322445" y="254635"/>
+                  <a:pt x="4822190" y="130810"/>
+                  <a:pt x="5144135" y="0"/>
+                </a:cubicBezTo>
+              </a:path>
+            </a:pathLst>
+          </a:custGeom>
+          <a:noFill/>
+          <a:ln>
+            <a:solidFill>
+              <a:srgbClr val="0070C0"/>
+            </a:solidFill>
+            <a:prstDash val="lgDash"/>
+          </a:ln>
+        </p:spPr>
+        <p:style>
+          <a:lnRef idx="2">
+            <a:schemeClr val="accent1">
+              <a:shade val="50000"/>
+            </a:schemeClr>
+          </a:lnRef>
+          <a:fillRef idx="1">
+            <a:schemeClr val="accent1"/>
+          </a:fillRef>
+          <a:effectRef idx="0">
+            <a:schemeClr val="accent1"/>
+          </a:effectRef>
+          <a:fontRef idx="minor">
+            <a:schemeClr val="lt1"/>
+          </a:fontRef>
+        </p:style>
+        <p:txBody>
+          <a:bodyPr rtlCol="0" anchor="ctr"/>
+          <a:p>
+            <a:pPr algn="ctr"/>
+            <a:endParaRPr lang="zh-CN" altLang="en-US"/>
+          </a:p>
+        </p:txBody>
+      </p:sp>
+      <p:sp>
+        <p:nvSpPr>
+          <p:cNvPr id="17" name="矩形 16"/>
+          <p:cNvSpPr/>
+          <p:nvPr/>
+        </p:nvSpPr>
+        <p:spPr>
+          <a:xfrm>
+            <a:off x="5410835" y="4352925"/>
+            <a:ext cx="3435350" cy="1452880"/>
+          </a:xfrm>
+          <a:prstGeom prst="rect">
+            <a:avLst/>
+          </a:prstGeom>
+          <a:solidFill>
+            <a:schemeClr val="bg1"/>
+          </a:solidFill>
+          <a:ln w="635">
+            <a:solidFill>
+              <a:schemeClr val="tx1"/>
+            </a:solidFill>
+          </a:ln>
+        </p:spPr>
+        <p:style>
+          <a:lnRef idx="2">
+            <a:schemeClr val="accent1">
+              <a:shade val="50000"/>
+            </a:schemeClr>
+          </a:lnRef>
+          <a:fillRef idx="1">
+            <a:schemeClr val="accent1"/>
+          </a:fillRef>
+          <a:effectRef idx="0">
+            <a:schemeClr val="accent1"/>
+          </a:effectRef>
+          <a:fontRef idx="minor">
+            <a:schemeClr val="lt1"/>
+          </a:fontRef>
+        </p:style>
+        <p:txBody>
+          <a:bodyPr rtlCol="0" anchor="ctr"/>
+          <a:p>
+            <a:pPr algn="ctr"/>
+            <a:endParaRPr lang="zh-CN" altLang="en-US"/>
+          </a:p>
+        </p:txBody>
+      </p:sp>
+      <p:cxnSp>
+        <p:nvCxnSpPr>
+          <p:cNvPr id="18" name="直接连接符 17"/>
+          <p:cNvCxnSpPr/>
+          <p:nvPr/>
+        </p:nvCxnSpPr>
+        <p:spPr>
+          <a:xfrm>
+            <a:off x="5612130" y="5581650"/>
+            <a:ext cx="260985" cy="0"/>
+          </a:xfrm>
+          <a:prstGeom prst="line">
+            <a:avLst/>
+          </a:prstGeom>
+          <a:ln>
+            <a:solidFill>
+              <a:srgbClr val="FF0000"/>
+            </a:solidFill>
+            <a:prstDash val="dash"/>
+          </a:ln>
+        </p:spPr>
+        <p:style>
+          <a:lnRef idx="1">
+            <a:schemeClr val="accent1"/>
+          </a:lnRef>
+          <a:fillRef idx="0">
+            <a:schemeClr val="accent1"/>
+          </a:fillRef>
+          <a:effectRef idx="0">
+            <a:schemeClr val="accent1"/>
+          </a:effectRef>
+          <a:fontRef idx="minor">
+            <a:schemeClr val="tx1"/>
+          </a:fontRef>
+        </p:style>
+      </p:cxnSp>
+      <p:sp>
+        <p:nvSpPr>
+          <p:cNvPr id="19" name="文本框 18"/>
+          <p:cNvSpPr txBox="1"/>
+          <p:nvPr/>
+        </p:nvSpPr>
+        <p:spPr>
+          <a:xfrm>
+            <a:off x="5932805" y="5397500"/>
+            <a:ext cx="2880995" cy="642620"/>
+          </a:xfrm>
+          <a:prstGeom prst="rect">
+            <a:avLst/>
+          </a:prstGeom>
+          <a:noFill/>
+        </p:spPr>
+        <p:txBody>
+          <a:bodyPr wrap="square" rtlCol="0">
+            <a:spAutoFit/>
+          </a:bodyPr>
+          <a:p>
+            <a:r>
+              <a:rPr lang="en-US" altLang="zh-CN"/>
+              <a:t>I</a:t>
+            </a:r>
+            <a:r>
+              <a:rPr lang="zh-CN" altLang="en-US"/>
+              <a:t>mproved </a:t>
+            </a:r>
+            <a:r>
+              <a:rPr lang="en-US" altLang="zh-CN"/>
+              <a:t>SMOTE </a:t>
+            </a:r>
+            <a:r>
+              <a:rPr lang="en-US" altLang="zh-CN">
+                <a:sym typeface="+mn-ea"/>
+              </a:rPr>
+              <a:t>(area=0.88)</a:t>
+            </a:r>
+            <a:endParaRPr lang="en-US" altLang="zh-CN"/>
+          </a:p>
+          <a:p>
+            <a:endParaRPr lang="en-US" altLang="zh-CN"/>
+          </a:p>
+        </p:txBody>
+      </p:sp>
+      <p:cxnSp>
+        <p:nvCxnSpPr>
+          <p:cNvPr id="20" name="直接连接符 19"/>
+          <p:cNvCxnSpPr/>
+          <p:nvPr/>
+        </p:nvCxnSpPr>
+        <p:spPr>
+          <a:xfrm>
+            <a:off x="5612130" y="4869180"/>
+            <a:ext cx="260985" cy="0"/>
+          </a:xfrm>
+          <a:prstGeom prst="line">
+            <a:avLst/>
+          </a:prstGeom>
+          <a:ln>
+            <a:solidFill>
+              <a:srgbClr val="0070C0"/>
+            </a:solidFill>
+            <a:prstDash val="dash"/>
+          </a:ln>
+        </p:spPr>
+        <p:style>
+          <a:lnRef idx="1">
+            <a:schemeClr val="accent1"/>
+          </a:lnRef>
+          <a:fillRef idx="0">
+            <a:schemeClr val="accent1"/>
+          </a:fillRef>
+          <a:effectRef idx="0">
+            <a:schemeClr val="accent1"/>
+          </a:effectRef>
+          <a:fontRef idx="minor">
+            <a:schemeClr val="tx1"/>
+          </a:fontRef>
+        </p:style>
+      </p:cxnSp>
+      <p:sp>
+        <p:nvSpPr>
+          <p:cNvPr id="21" name="文本框 20"/>
+          <p:cNvSpPr txBox="1"/>
+          <p:nvPr/>
+        </p:nvSpPr>
+        <p:spPr>
+          <a:xfrm>
+            <a:off x="5927090" y="4684395"/>
+            <a:ext cx="3382010" cy="642620"/>
+          </a:xfrm>
+          <a:prstGeom prst="rect">
+            <a:avLst/>
+          </a:prstGeom>
+          <a:noFill/>
+        </p:spPr>
+        <p:txBody>
+          <a:bodyPr wrap="square" rtlCol="0">
+            <a:spAutoFit/>
+          </a:bodyPr>
+          <a:p>
+            <a:r>
+              <a:rPr lang="en-US"/>
+              <a:t>Without </a:t>
+            </a:r>
+            <a:r>
+              <a:rPr lang="en-US" altLang="zh-CN"/>
+              <a:t>SMOTE </a:t>
+            </a:r>
+            <a:r>
+              <a:rPr lang="en-US" altLang="zh-CN">
+                <a:sym typeface="+mn-ea"/>
+              </a:rPr>
+              <a:t>(area=0.61)</a:t>
+            </a:r>
+            <a:endParaRPr lang="en-US" altLang="zh-CN"/>
+          </a:p>
+          <a:p>
+            <a:endParaRPr lang="en-US" altLang="zh-CN"/>
+          </a:p>
+        </p:txBody>
+      </p:sp>
+      <p:cxnSp>
+        <p:nvCxnSpPr>
+          <p:cNvPr id="22" name="直接连接符 21"/>
+          <p:cNvCxnSpPr/>
+          <p:nvPr/>
+        </p:nvCxnSpPr>
+        <p:spPr>
+          <a:xfrm>
+            <a:off x="5612130" y="5242560"/>
+            <a:ext cx="260985" cy="0"/>
+          </a:xfrm>
+          <a:prstGeom prst="line">
+            <a:avLst/>
+          </a:prstGeom>
+          <a:ln>
+            <a:solidFill>
+              <a:srgbClr val="00B050"/>
+            </a:solidFill>
+            <a:prstDash val="dash"/>
+          </a:ln>
+        </p:spPr>
+        <p:style>
+          <a:lnRef idx="1">
+            <a:schemeClr val="accent1"/>
+          </a:lnRef>
+          <a:fillRef idx="0">
+            <a:schemeClr val="accent1"/>
+          </a:fillRef>
+          <a:effectRef idx="0">
+            <a:schemeClr val="accent1"/>
+          </a:effectRef>
+          <a:fontRef idx="minor">
+            <a:schemeClr val="tx1"/>
+          </a:fontRef>
+        </p:style>
+      </p:cxnSp>
+      <p:sp>
+        <p:nvSpPr>
+          <p:cNvPr id="23" name="文本框 22"/>
+          <p:cNvSpPr txBox="1"/>
+          <p:nvPr/>
+        </p:nvSpPr>
+        <p:spPr>
+          <a:xfrm>
+            <a:off x="5916295" y="5058410"/>
+            <a:ext cx="3034030" cy="368300"/>
+          </a:xfrm>
+          <a:prstGeom prst="rect">
+            <a:avLst/>
+          </a:prstGeom>
+          <a:noFill/>
+        </p:spPr>
+        <p:txBody>
+          <a:bodyPr wrap="square" rtlCol="0">
+            <a:spAutoFit/>
+          </a:bodyPr>
+          <a:p>
+            <a:r>
+              <a:rPr lang="en-US"/>
+              <a:t>Traditional </a:t>
+            </a:r>
+            <a:r>
+              <a:rPr lang="en-US" altLang="zh-CN"/>
+              <a:t>SMOTE (area=0.72)</a:t>
+            </a:r>
+            <a:endParaRPr lang="en-US" altLang="zh-CN"/>
+          </a:p>
+        </p:txBody>
+      </p:sp>
+      <p:cxnSp>
+        <p:nvCxnSpPr>
+          <p:cNvPr id="24" name="直接连接符 23"/>
+          <p:cNvCxnSpPr/>
+          <p:nvPr/>
+        </p:nvCxnSpPr>
+        <p:spPr>
+          <a:xfrm>
+            <a:off x="5612130" y="4536440"/>
+            <a:ext cx="260985" cy="0"/>
+          </a:xfrm>
+          <a:prstGeom prst="line">
+            <a:avLst/>
+          </a:prstGeom>
+          <a:ln>
+            <a:solidFill>
+              <a:schemeClr val="bg1">
+                <a:lumMod val="75000"/>
+              </a:schemeClr>
+            </a:solidFill>
+            <a:prstDash val="dash"/>
+          </a:ln>
+        </p:spPr>
+        <p:style>
+          <a:lnRef idx="1">
+            <a:schemeClr val="accent1"/>
+          </a:lnRef>
+          <a:fillRef idx="0">
+            <a:schemeClr val="accent1"/>
+          </a:fillRef>
+          <a:effectRef idx="0">
+            <a:schemeClr val="accent1"/>
+          </a:effectRef>
+          <a:fontRef idx="minor">
+            <a:schemeClr val="tx1"/>
+          </a:fontRef>
+        </p:style>
+      </p:cxnSp>
+      <p:sp>
+        <p:nvSpPr>
+          <p:cNvPr id="25" name="文本框 24"/>
+          <p:cNvSpPr txBox="1"/>
+          <p:nvPr/>
+        </p:nvSpPr>
+        <p:spPr>
+          <a:xfrm>
+            <a:off x="5932805" y="4352290"/>
+            <a:ext cx="2284095" cy="368300"/>
+          </a:xfrm>
+          <a:prstGeom prst="rect">
+            <a:avLst/>
+          </a:prstGeom>
+          <a:noFill/>
+        </p:spPr>
+        <p:txBody>
+          <a:bodyPr wrap="square" rtlCol="0">
+            <a:spAutoFit/>
+          </a:bodyPr>
+          <a:p>
+            <a:r>
+              <a:rPr lang="en-US"/>
+              <a:t>Luck</a:t>
+            </a:r>
+            <a:endParaRPr lang="en-US" altLang="zh-CN"/>
+          </a:p>
+        </p:txBody>
+      </p:sp>
+      <p:sp>
+        <p:nvSpPr>
+          <p:cNvPr id="29" name="矩形 28"/>
+          <p:cNvSpPr/>
+          <p:nvPr/>
+        </p:nvSpPr>
+        <p:spPr>
+          <a:xfrm>
+            <a:off x="3141980" y="600710"/>
+            <a:ext cx="5144770" cy="293370"/>
+          </a:xfrm>
+          <a:prstGeom prst="rect">
+            <a:avLst/>
+          </a:prstGeom>
+          <a:solidFill>
+            <a:schemeClr val="bg1"/>
+          </a:solidFill>
+          <a:ln>
+            <a:noFill/>
+          </a:ln>
+        </p:spPr>
+        <p:style>
+          <a:lnRef idx="2">
+            <a:schemeClr val="accent1">
+              <a:shade val="50000"/>
+            </a:schemeClr>
+          </a:lnRef>
+          <a:fillRef idx="1">
+            <a:schemeClr val="accent1"/>
+          </a:fillRef>
+          <a:effectRef idx="0">
+            <a:schemeClr val="accent1"/>
+          </a:effectRef>
+          <a:fontRef idx="minor">
+            <a:schemeClr val="lt1"/>
+          </a:fontRef>
+        </p:style>
+        <p:txBody>
+          <a:bodyPr rtlCol="0" anchor="ctr"/>
+          <a:p>
+            <a:pPr algn="ctr"/>
+            <a:endParaRPr lang="zh-CN" altLang="en-US"/>
+          </a:p>
+        </p:txBody>
+      </p:sp>
+      <p:sp>
+        <p:nvSpPr>
+          <p:cNvPr id="28" name="文本框 27"/>
+          <p:cNvSpPr txBox="1"/>
+          <p:nvPr/>
+        </p:nvSpPr>
+        <p:spPr>
+          <a:xfrm>
+            <a:off x="4380865" y="459105"/>
+            <a:ext cx="2980690" cy="368300"/>
+          </a:xfrm>
+          <a:prstGeom prst="rect">
+            <a:avLst/>
+          </a:prstGeom>
+          <a:noFill/>
+        </p:spPr>
+        <p:txBody>
+          <a:bodyPr wrap="square" rtlCol="0">
+            <a:spAutoFit/>
+          </a:bodyPr>
+          <a:p>
+            <a:r>
+              <a:rPr lang="en-US" altLang="zh-CN" b="1"/>
+              <a:t> ROC Curve Comparison</a:t>
+            </a:r>
+            <a:endParaRPr lang="en-US" altLang="zh-CN" b="1"/>
+          </a:p>
+        </p:txBody>
+      </p:sp>
     </p:spTree>
   </p:cSld>
   <p:clrMapOvr>

--- a/毕设论文相关/我的相关/ppt/allPPT.pptx
+++ b/毕设论文相关/我的相关/ppt/allPPT.pptx
@@ -27,8 +27,8 @@
     <p:sldId id="282" r:id="rId22"/>
     <p:sldId id="284" r:id="rId23"/>
     <p:sldId id="283" r:id="rId24"/>
-    <p:sldId id="286" r:id="rId25"/>
-    <p:sldId id="288" r:id="rId26"/>
+    <p:sldId id="290" r:id="rId25"/>
+    <p:sldId id="286" r:id="rId26"/>
     <p:sldId id="289" r:id="rId27"/>
   </p:sldIdLst>
   <p:sldSz cx="12192000" cy="6858000"/>
@@ -22540,95 +22540,1551 @@
         <p:nvPr/>
       </p:nvGrpSpPr>
       <p:grpSpPr/>
+      <p:cxnSp>
+        <p:nvCxnSpPr>
+          <p:cNvPr id="5" name="直接箭头连接符 4"/>
+          <p:cNvCxnSpPr/>
+          <p:nvPr/>
+        </p:nvCxnSpPr>
+        <p:spPr>
+          <a:xfrm flipH="1" flipV="1">
+            <a:off x="2054860" y="1111885"/>
+            <a:ext cx="32385" cy="3404235"/>
+          </a:xfrm>
+          <a:prstGeom prst="straightConnector1">
+            <a:avLst/>
+          </a:prstGeom>
+          <a:ln w="28575">
+            <a:solidFill>
+              <a:schemeClr val="tx1"/>
+            </a:solidFill>
+            <a:tailEnd type="arrow"/>
+          </a:ln>
+        </p:spPr>
+        <p:style>
+          <a:lnRef idx="1">
+            <a:schemeClr val="accent1"/>
+          </a:lnRef>
+          <a:fillRef idx="0">
+            <a:schemeClr val="accent1"/>
+          </a:fillRef>
+          <a:effectRef idx="0">
+            <a:schemeClr val="accent1"/>
+          </a:effectRef>
+          <a:fontRef idx="minor">
+            <a:schemeClr val="tx1"/>
+          </a:fontRef>
+        </p:style>
+      </p:cxnSp>
+      <p:cxnSp>
+        <p:nvCxnSpPr>
+          <p:cNvPr id="4" name="直接箭头连接符 3"/>
+          <p:cNvCxnSpPr/>
+          <p:nvPr/>
+        </p:nvCxnSpPr>
+        <p:spPr>
+          <a:xfrm flipV="1">
+            <a:off x="2087245" y="4505325"/>
+            <a:ext cx="4100195" cy="3810"/>
+          </a:xfrm>
+          <a:prstGeom prst="straightConnector1">
+            <a:avLst/>
+          </a:prstGeom>
+          <a:ln w="28575">
+            <a:solidFill>
+              <a:schemeClr val="tx1"/>
+            </a:solidFill>
+            <a:tailEnd type="arrow"/>
+          </a:ln>
+        </p:spPr>
+        <p:style>
+          <a:lnRef idx="1">
+            <a:schemeClr val="accent1"/>
+          </a:lnRef>
+          <a:fillRef idx="0">
+            <a:schemeClr val="accent1"/>
+          </a:fillRef>
+          <a:effectRef idx="0">
+            <a:schemeClr val="accent1"/>
+          </a:effectRef>
+          <a:fontRef idx="minor">
+            <a:schemeClr val="tx1"/>
+          </a:fontRef>
+        </p:style>
+      </p:cxnSp>
+      <p:graphicFrame>
+        <p:nvGraphicFramePr>
+          <p:cNvPr id="14" name="对象 13">
+            <a:hlinkClick r:id="" action="ppaction://ole?verb="/>
+          </p:cNvPr>
+          <p:cNvGraphicFramePr>
+            <a:graphicFrameLocks noChangeAspect="1"/>
+          </p:cNvGraphicFramePr>
+          <p:nvPr/>
+        </p:nvGraphicFramePr>
+        <p:xfrm>
+          <a:off x="6187440" y="4505325"/>
+          <a:ext cx="302895" cy="394335"/>
+        </p:xfrm>
+        <a:graphic>
+          <a:graphicData uri="http://schemas.openxmlformats.org/presentationml/2006/ole">
+            <mc:AlternateContent xmlns:mc="http://schemas.openxmlformats.org/markup-compatibility/2006">
+              <mc:Choice xmlns:v="urn:schemas-microsoft-com:vml" Requires="v">
+                <p:oleObj spid="_x0000_s1025" name="" r:id="rId1" imgW="127000" imgH="165100" progId="Equation.KSEE3">
+                  <p:embed/>
+                </p:oleObj>
+              </mc:Choice>
+              <mc:Fallback>
+                <p:oleObj name="" r:id="rId1" imgW="127000" imgH="165100" progId="Equation.KSEE3">
+                  <p:embed/>
+                  <p:pic>
+                    <p:nvPicPr>
+                      <p:cNvPr id="0" name="图片 1024"/>
+                      <p:cNvPicPr/>
+                      <p:nvPr/>
+                    </p:nvPicPr>
+                    <p:blipFill>
+                      <a:blip r:embed="rId2"/>
+                      <a:stretch>
+                        <a:fillRect/>
+                      </a:stretch>
+                    </p:blipFill>
+                    <p:spPr>
+                      <a:xfrm>
+                        <a:off x="6187440" y="4505325"/>
+                        <a:ext cx="302895" cy="394335"/>
+                      </a:xfrm>
+                      <a:prstGeom prst="rect">
+                        <a:avLst/>
+                      </a:prstGeom>
+                    </p:spPr>
+                  </p:pic>
+                </p:oleObj>
+              </mc:Fallback>
+            </mc:AlternateContent>
+          </a:graphicData>
+        </a:graphic>
+      </p:graphicFrame>
+      <p:graphicFrame>
+        <p:nvGraphicFramePr>
+          <p:cNvPr id="15" name="对象 14">
+            <a:hlinkClick r:id="" action="ppaction://ole?verb="/>
+          </p:cNvPr>
+          <p:cNvGraphicFramePr>
+            <a:graphicFrameLocks noChangeAspect="1"/>
+          </p:cNvGraphicFramePr>
+          <p:nvPr/>
+        </p:nvGraphicFramePr>
+        <p:xfrm>
+          <a:off x="1611630" y="948690"/>
+          <a:ext cx="334645" cy="395605"/>
+        </p:xfrm>
+        <a:graphic>
+          <a:graphicData uri="http://schemas.openxmlformats.org/presentationml/2006/ole">
+            <mc:AlternateContent xmlns:mc="http://schemas.openxmlformats.org/markup-compatibility/2006">
+              <mc:Choice xmlns:v="urn:schemas-microsoft-com:vml" Requires="v">
+                <p:oleObj spid="_x0000_s2" name="" r:id="rId3" imgW="139700" imgH="165100" progId="Equation.KSEE3">
+                  <p:embed/>
+                </p:oleObj>
+              </mc:Choice>
+              <mc:Fallback>
+                <p:oleObj name="" r:id="rId3" imgW="139700" imgH="165100" progId="Equation.KSEE3">
+                  <p:embed/>
+                  <p:pic>
+                    <p:nvPicPr>
+                      <p:cNvPr id="0" name="图片 1024"/>
+                      <p:cNvPicPr/>
+                      <p:nvPr/>
+                    </p:nvPicPr>
+                    <p:blipFill>
+                      <a:blip r:embed="rId4"/>
+                      <a:stretch>
+                        <a:fillRect/>
+                      </a:stretch>
+                    </p:blipFill>
+                    <p:spPr>
+                      <a:xfrm>
+                        <a:off x="1611630" y="948690"/>
+                        <a:ext cx="334645" cy="395605"/>
+                      </a:xfrm>
+                      <a:prstGeom prst="rect">
+                        <a:avLst/>
+                      </a:prstGeom>
+                    </p:spPr>
+                  </p:pic>
+                </p:oleObj>
+              </mc:Fallback>
+            </mc:AlternateContent>
+          </a:graphicData>
+        </a:graphic>
+      </p:graphicFrame>
+      <p:sp>
+        <p:nvSpPr>
+          <p:cNvPr id="61" name="椭圆 60"/>
+          <p:cNvSpPr/>
+          <p:nvPr/>
+        </p:nvSpPr>
+        <p:spPr>
+          <a:xfrm>
+            <a:off x="4773930" y="1937385"/>
+            <a:ext cx="130175" cy="108585"/>
+          </a:xfrm>
+          <a:prstGeom prst="ellipse">
+            <a:avLst/>
+          </a:prstGeom>
+          <a:noFill/>
+          <a:ln>
+            <a:solidFill>
+              <a:srgbClr val="FF0000"/>
+            </a:solidFill>
+          </a:ln>
+          <a:extLst>
+            <a:ext uri="{909E8E84-426E-40DD-AFC4-6F175D3DCCD1}">
+              <a14:hiddenFill xmlns:a14="http://schemas.microsoft.com/office/drawing/2010/main">
+                <a:solidFill>
+                  <a:srgbClr val="FF0000"/>
+                </a:solidFill>
+              </a14:hiddenFill>
+            </a:ext>
+          </a:extLst>
+        </p:spPr>
+        <p:style>
+          <a:lnRef idx="2">
+            <a:schemeClr val="accent1">
+              <a:shade val="50000"/>
+            </a:schemeClr>
+          </a:lnRef>
+          <a:fillRef idx="1">
+            <a:schemeClr val="accent1"/>
+          </a:fillRef>
+          <a:effectRef idx="0">
+            <a:schemeClr val="accent1"/>
+          </a:effectRef>
+          <a:fontRef idx="minor">
+            <a:schemeClr val="lt1"/>
+          </a:fontRef>
+        </p:style>
+        <p:txBody>
+          <a:bodyPr rtlCol="0" anchor="ctr"/>
+          <a:p>
+            <a:pPr algn="ctr"/>
+            <a:endParaRPr lang="zh-CN" altLang="en-US"/>
+          </a:p>
+        </p:txBody>
+      </p:sp>
+      <p:sp>
+        <p:nvSpPr>
+          <p:cNvPr id="63" name="椭圆 62"/>
+          <p:cNvSpPr/>
+          <p:nvPr/>
+        </p:nvSpPr>
+        <p:spPr>
+          <a:xfrm>
+            <a:off x="3052445" y="1720215"/>
+            <a:ext cx="130175" cy="108585"/>
+          </a:xfrm>
+          <a:prstGeom prst="ellipse">
+            <a:avLst/>
+          </a:prstGeom>
+          <a:noFill/>
+          <a:ln>
+            <a:solidFill>
+              <a:srgbClr val="FF0000"/>
+            </a:solidFill>
+          </a:ln>
+          <a:extLst>
+            <a:ext uri="{909E8E84-426E-40DD-AFC4-6F175D3DCCD1}">
+              <a14:hiddenFill xmlns:a14="http://schemas.microsoft.com/office/drawing/2010/main">
+                <a:solidFill>
+                  <a:srgbClr val="FF0000"/>
+                </a:solidFill>
+              </a14:hiddenFill>
+            </a:ext>
+          </a:extLst>
+        </p:spPr>
+        <p:style>
+          <a:lnRef idx="2">
+            <a:schemeClr val="accent1">
+              <a:shade val="50000"/>
+            </a:schemeClr>
+          </a:lnRef>
+          <a:fillRef idx="1">
+            <a:schemeClr val="accent1"/>
+          </a:fillRef>
+          <a:effectRef idx="0">
+            <a:schemeClr val="accent1"/>
+          </a:effectRef>
+          <a:fontRef idx="minor">
+            <a:schemeClr val="lt1"/>
+          </a:fontRef>
+        </p:style>
+        <p:txBody>
+          <a:bodyPr rtlCol="0" anchor="ctr"/>
+          <a:p>
+            <a:pPr algn="ctr"/>
+            <a:endParaRPr lang="zh-CN" altLang="en-US"/>
+          </a:p>
+        </p:txBody>
+      </p:sp>
+      <p:sp>
+        <p:nvSpPr>
+          <p:cNvPr id="7" name="椭圆 6"/>
+          <p:cNvSpPr/>
+          <p:nvPr/>
+        </p:nvSpPr>
+        <p:spPr>
+          <a:xfrm>
+            <a:off x="3703320" y="1557020"/>
+            <a:ext cx="130175" cy="108585"/>
+          </a:xfrm>
+          <a:prstGeom prst="ellipse">
+            <a:avLst/>
+          </a:prstGeom>
+          <a:noFill/>
+          <a:ln>
+            <a:solidFill>
+              <a:srgbClr val="FF0000"/>
+            </a:solidFill>
+          </a:ln>
+          <a:extLst>
+            <a:ext uri="{909E8E84-426E-40DD-AFC4-6F175D3DCCD1}">
+              <a14:hiddenFill xmlns:a14="http://schemas.microsoft.com/office/drawing/2010/main">
+                <a:solidFill>
+                  <a:srgbClr val="FF0000"/>
+                </a:solidFill>
+              </a14:hiddenFill>
+            </a:ext>
+          </a:extLst>
+        </p:spPr>
+        <p:style>
+          <a:lnRef idx="2">
+            <a:schemeClr val="accent1">
+              <a:shade val="50000"/>
+            </a:schemeClr>
+          </a:lnRef>
+          <a:fillRef idx="1">
+            <a:schemeClr val="accent1"/>
+          </a:fillRef>
+          <a:effectRef idx="0">
+            <a:schemeClr val="accent1"/>
+          </a:effectRef>
+          <a:fontRef idx="minor">
+            <a:schemeClr val="lt1"/>
+          </a:fontRef>
+        </p:style>
+        <p:txBody>
+          <a:bodyPr rtlCol="0" anchor="ctr"/>
+          <a:p>
+            <a:pPr algn="ctr"/>
+            <a:endParaRPr lang="zh-CN" altLang="en-US"/>
+          </a:p>
+        </p:txBody>
+      </p:sp>
+      <p:sp>
+        <p:nvSpPr>
+          <p:cNvPr id="10" name="椭圆 9"/>
+          <p:cNvSpPr/>
+          <p:nvPr/>
+        </p:nvSpPr>
+        <p:spPr>
+          <a:xfrm>
+            <a:off x="4643755" y="2264410"/>
+            <a:ext cx="130175" cy="108585"/>
+          </a:xfrm>
+          <a:prstGeom prst="ellipse">
+            <a:avLst/>
+          </a:prstGeom>
+          <a:noFill/>
+          <a:ln>
+            <a:solidFill>
+              <a:srgbClr val="FF0000"/>
+            </a:solidFill>
+          </a:ln>
+          <a:extLst>
+            <a:ext uri="{909E8E84-426E-40DD-AFC4-6F175D3DCCD1}">
+              <a14:hiddenFill xmlns:a14="http://schemas.microsoft.com/office/drawing/2010/main">
+                <a:solidFill>
+                  <a:srgbClr val="FF0000"/>
+                </a:solidFill>
+              </a14:hiddenFill>
+            </a:ext>
+          </a:extLst>
+        </p:spPr>
+        <p:style>
+          <a:lnRef idx="2">
+            <a:schemeClr val="accent1">
+              <a:shade val="50000"/>
+            </a:schemeClr>
+          </a:lnRef>
+          <a:fillRef idx="1">
+            <a:schemeClr val="accent1"/>
+          </a:fillRef>
+          <a:effectRef idx="0">
+            <a:schemeClr val="accent1"/>
+          </a:effectRef>
+          <a:fontRef idx="minor">
+            <a:schemeClr val="lt1"/>
+          </a:fontRef>
+        </p:style>
+        <p:txBody>
+          <a:bodyPr rtlCol="0" anchor="ctr"/>
+          <a:p>
+            <a:pPr algn="ctr"/>
+            <a:endParaRPr lang="zh-CN" altLang="en-US"/>
+          </a:p>
+        </p:txBody>
+      </p:sp>
+      <p:sp>
+        <p:nvSpPr>
+          <p:cNvPr id="6" name="椭圆 5"/>
+          <p:cNvSpPr/>
+          <p:nvPr/>
+        </p:nvSpPr>
+        <p:spPr>
+          <a:xfrm>
+            <a:off x="4081145" y="2768600"/>
+            <a:ext cx="130175" cy="108585"/>
+          </a:xfrm>
+          <a:prstGeom prst="ellipse">
+            <a:avLst/>
+          </a:prstGeom>
+          <a:noFill/>
+          <a:ln>
+            <a:solidFill>
+              <a:srgbClr val="FF0000"/>
+            </a:solidFill>
+          </a:ln>
+          <a:extLst>
+            <a:ext uri="{909E8E84-426E-40DD-AFC4-6F175D3DCCD1}">
+              <a14:hiddenFill xmlns:a14="http://schemas.microsoft.com/office/drawing/2010/main">
+                <a:solidFill>
+                  <a:srgbClr val="FF0000"/>
+                </a:solidFill>
+              </a14:hiddenFill>
+            </a:ext>
+          </a:extLst>
+        </p:spPr>
+        <p:style>
+          <a:lnRef idx="2">
+            <a:schemeClr val="accent1">
+              <a:shade val="50000"/>
+            </a:schemeClr>
+          </a:lnRef>
+          <a:fillRef idx="1">
+            <a:schemeClr val="accent1"/>
+          </a:fillRef>
+          <a:effectRef idx="0">
+            <a:schemeClr val="accent1"/>
+          </a:effectRef>
+          <a:fontRef idx="minor">
+            <a:schemeClr val="lt1"/>
+          </a:fontRef>
+        </p:style>
+        <p:txBody>
+          <a:bodyPr rtlCol="0" anchor="ctr"/>
+          <a:p>
+            <a:pPr algn="ctr"/>
+            <a:endParaRPr lang="zh-CN" altLang="en-US"/>
+          </a:p>
+        </p:txBody>
+      </p:sp>
+      <p:sp>
+        <p:nvSpPr>
+          <p:cNvPr id="8" name="椭圆 7"/>
+          <p:cNvSpPr/>
+          <p:nvPr/>
+        </p:nvSpPr>
+        <p:spPr>
+          <a:xfrm>
+            <a:off x="4107815" y="1448435"/>
+            <a:ext cx="130175" cy="108585"/>
+          </a:xfrm>
+          <a:prstGeom prst="ellipse">
+            <a:avLst/>
+          </a:prstGeom>
+          <a:noFill/>
+          <a:ln>
+            <a:solidFill>
+              <a:srgbClr val="FF0000"/>
+            </a:solidFill>
+          </a:ln>
+          <a:extLst>
+            <a:ext uri="{909E8E84-426E-40DD-AFC4-6F175D3DCCD1}">
+              <a14:hiddenFill xmlns:a14="http://schemas.microsoft.com/office/drawing/2010/main">
+                <a:solidFill>
+                  <a:srgbClr val="FF0000"/>
+                </a:solidFill>
+              </a14:hiddenFill>
+            </a:ext>
+          </a:extLst>
+        </p:spPr>
+        <p:style>
+          <a:lnRef idx="2">
+            <a:schemeClr val="accent1">
+              <a:shade val="50000"/>
+            </a:schemeClr>
+          </a:lnRef>
+          <a:fillRef idx="1">
+            <a:schemeClr val="accent1"/>
+          </a:fillRef>
+          <a:effectRef idx="0">
+            <a:schemeClr val="accent1"/>
+          </a:effectRef>
+          <a:fontRef idx="minor">
+            <a:schemeClr val="lt1"/>
+          </a:fontRef>
+        </p:style>
+        <p:txBody>
+          <a:bodyPr rtlCol="0" anchor="ctr"/>
+          <a:p>
+            <a:pPr algn="ctr"/>
+            <a:endParaRPr lang="zh-CN" altLang="en-US"/>
+          </a:p>
+        </p:txBody>
+      </p:sp>
+      <p:sp>
+        <p:nvSpPr>
+          <p:cNvPr id="42" name="椭圆 41"/>
+          <p:cNvSpPr/>
+          <p:nvPr/>
+        </p:nvSpPr>
+        <p:spPr>
+          <a:xfrm>
+            <a:off x="4643755" y="3823335"/>
+            <a:ext cx="130175" cy="108585"/>
+          </a:xfrm>
+          <a:prstGeom prst="ellipse">
+            <a:avLst/>
+          </a:prstGeom>
+          <a:noFill/>
+          <a:ln>
+            <a:solidFill>
+              <a:srgbClr val="FF0000"/>
+            </a:solidFill>
+          </a:ln>
+          <a:extLst>
+            <a:ext uri="{909E8E84-426E-40DD-AFC4-6F175D3DCCD1}">
+              <a14:hiddenFill xmlns:a14="http://schemas.microsoft.com/office/drawing/2010/main">
+                <a:solidFill>
+                  <a:srgbClr val="FF0000"/>
+                </a:solidFill>
+              </a14:hiddenFill>
+            </a:ext>
+          </a:extLst>
+        </p:spPr>
+        <p:style>
+          <a:lnRef idx="2">
+            <a:schemeClr val="accent1">
+              <a:shade val="50000"/>
+            </a:schemeClr>
+          </a:lnRef>
+          <a:fillRef idx="1">
+            <a:schemeClr val="accent1"/>
+          </a:fillRef>
+          <a:effectRef idx="0">
+            <a:schemeClr val="accent1"/>
+          </a:effectRef>
+          <a:fontRef idx="minor">
+            <a:schemeClr val="lt1"/>
+          </a:fontRef>
+        </p:style>
+        <p:txBody>
+          <a:bodyPr rtlCol="0" anchor="ctr"/>
+          <a:p>
+            <a:pPr algn="ctr"/>
+            <a:endParaRPr lang="zh-CN" altLang="en-US"/>
+          </a:p>
+        </p:txBody>
+      </p:sp>
+      <p:sp>
+        <p:nvSpPr>
+          <p:cNvPr id="43" name="椭圆 42"/>
+          <p:cNvSpPr/>
+          <p:nvPr/>
+        </p:nvSpPr>
+        <p:spPr>
+          <a:xfrm>
+            <a:off x="3312795" y="2045970"/>
+            <a:ext cx="130175" cy="108585"/>
+          </a:xfrm>
+          <a:prstGeom prst="ellipse">
+            <a:avLst/>
+          </a:prstGeom>
+          <a:noFill/>
+          <a:ln>
+            <a:solidFill>
+              <a:srgbClr val="FF0000"/>
+            </a:solidFill>
+          </a:ln>
+          <a:extLst>
+            <a:ext uri="{909E8E84-426E-40DD-AFC4-6F175D3DCCD1}">
+              <a14:hiddenFill xmlns:a14="http://schemas.microsoft.com/office/drawing/2010/main">
+                <a:solidFill>
+                  <a:srgbClr val="FF0000"/>
+                </a:solidFill>
+              </a14:hiddenFill>
+            </a:ext>
+          </a:extLst>
+        </p:spPr>
+        <p:style>
+          <a:lnRef idx="2">
+            <a:schemeClr val="accent1">
+              <a:shade val="50000"/>
+            </a:schemeClr>
+          </a:lnRef>
+          <a:fillRef idx="1">
+            <a:schemeClr val="accent1"/>
+          </a:fillRef>
+          <a:effectRef idx="0">
+            <a:schemeClr val="accent1"/>
+          </a:effectRef>
+          <a:fontRef idx="minor">
+            <a:schemeClr val="lt1"/>
+          </a:fontRef>
+        </p:style>
+        <p:txBody>
+          <a:bodyPr rtlCol="0" anchor="ctr"/>
+          <a:p>
+            <a:pPr algn="ctr"/>
+            <a:endParaRPr lang="zh-CN" altLang="en-US"/>
+          </a:p>
+        </p:txBody>
+      </p:sp>
+      <p:sp>
+        <p:nvSpPr>
+          <p:cNvPr id="47" name="椭圆 46"/>
+          <p:cNvSpPr/>
+          <p:nvPr/>
+        </p:nvSpPr>
+        <p:spPr>
+          <a:xfrm>
+            <a:off x="5225415" y="4029710"/>
+            <a:ext cx="130175" cy="108585"/>
+          </a:xfrm>
+          <a:prstGeom prst="ellipse">
+            <a:avLst/>
+          </a:prstGeom>
+          <a:noFill/>
+          <a:ln>
+            <a:solidFill>
+              <a:srgbClr val="FF0000"/>
+            </a:solidFill>
+          </a:ln>
+          <a:extLst>
+            <a:ext uri="{909E8E84-426E-40DD-AFC4-6F175D3DCCD1}">
+              <a14:hiddenFill xmlns:a14="http://schemas.microsoft.com/office/drawing/2010/main">
+                <a:solidFill>
+                  <a:srgbClr val="FF0000"/>
+                </a:solidFill>
+              </a14:hiddenFill>
+            </a:ext>
+          </a:extLst>
+        </p:spPr>
+        <p:style>
+          <a:lnRef idx="2">
+            <a:schemeClr val="accent1">
+              <a:shade val="50000"/>
+            </a:schemeClr>
+          </a:lnRef>
+          <a:fillRef idx="1">
+            <a:schemeClr val="accent1"/>
+          </a:fillRef>
+          <a:effectRef idx="0">
+            <a:schemeClr val="accent1"/>
+          </a:effectRef>
+          <a:fontRef idx="minor">
+            <a:schemeClr val="lt1"/>
+          </a:fontRef>
+        </p:style>
+        <p:txBody>
+          <a:bodyPr rtlCol="0" anchor="ctr"/>
+          <a:p>
+            <a:pPr algn="ctr"/>
+            <a:endParaRPr lang="zh-CN" altLang="en-US"/>
+          </a:p>
+        </p:txBody>
+      </p:sp>
+      <p:sp>
+        <p:nvSpPr>
+          <p:cNvPr id="48" name="椭圆 47"/>
+          <p:cNvSpPr/>
+          <p:nvPr/>
+        </p:nvSpPr>
+        <p:spPr>
+          <a:xfrm>
+            <a:off x="2780665" y="2351405"/>
+            <a:ext cx="130175" cy="108585"/>
+          </a:xfrm>
+          <a:prstGeom prst="ellipse">
+            <a:avLst/>
+          </a:prstGeom>
+          <a:noFill/>
+          <a:ln>
+            <a:solidFill>
+              <a:srgbClr val="FF0000"/>
+            </a:solidFill>
+          </a:ln>
+          <a:extLst>
+            <a:ext uri="{909E8E84-426E-40DD-AFC4-6F175D3DCCD1}">
+              <a14:hiddenFill xmlns:a14="http://schemas.microsoft.com/office/drawing/2010/main">
+                <a:solidFill>
+                  <a:srgbClr val="FF0000"/>
+                </a:solidFill>
+              </a14:hiddenFill>
+            </a:ext>
+          </a:extLst>
+        </p:spPr>
+        <p:style>
+          <a:lnRef idx="2">
+            <a:schemeClr val="accent1">
+              <a:shade val="50000"/>
+            </a:schemeClr>
+          </a:lnRef>
+          <a:fillRef idx="1">
+            <a:schemeClr val="accent1"/>
+          </a:fillRef>
+          <a:effectRef idx="0">
+            <a:schemeClr val="accent1"/>
+          </a:effectRef>
+          <a:fontRef idx="minor">
+            <a:schemeClr val="lt1"/>
+          </a:fontRef>
+        </p:style>
+        <p:txBody>
+          <a:bodyPr rtlCol="0" anchor="ctr"/>
+          <a:p>
+            <a:pPr algn="ctr"/>
+            <a:endParaRPr lang="zh-CN" altLang="en-US"/>
+          </a:p>
+        </p:txBody>
+      </p:sp>
+      <p:sp>
+        <p:nvSpPr>
+          <p:cNvPr id="50" name="椭圆 49"/>
+          <p:cNvSpPr/>
+          <p:nvPr/>
+        </p:nvSpPr>
+        <p:spPr>
+          <a:xfrm>
+            <a:off x="3182620" y="2660015"/>
+            <a:ext cx="130175" cy="108585"/>
+          </a:xfrm>
+          <a:prstGeom prst="ellipse">
+            <a:avLst/>
+          </a:prstGeom>
+          <a:noFill/>
+          <a:ln>
+            <a:solidFill>
+              <a:srgbClr val="FF0000"/>
+            </a:solidFill>
+          </a:ln>
+          <a:extLst>
+            <a:ext uri="{909E8E84-426E-40DD-AFC4-6F175D3DCCD1}">
+              <a14:hiddenFill xmlns:a14="http://schemas.microsoft.com/office/drawing/2010/main">
+                <a:solidFill>
+                  <a:srgbClr val="FF0000"/>
+                </a:solidFill>
+              </a14:hiddenFill>
+            </a:ext>
+          </a:extLst>
+        </p:spPr>
+        <p:style>
+          <a:lnRef idx="2">
+            <a:schemeClr val="accent1">
+              <a:shade val="50000"/>
+            </a:schemeClr>
+          </a:lnRef>
+          <a:fillRef idx="1">
+            <a:schemeClr val="accent1"/>
+          </a:fillRef>
+          <a:effectRef idx="0">
+            <a:schemeClr val="accent1"/>
+          </a:effectRef>
+          <a:fontRef idx="minor">
+            <a:schemeClr val="lt1"/>
+          </a:fontRef>
+        </p:style>
+        <p:txBody>
+          <a:bodyPr rtlCol="0" anchor="ctr"/>
+          <a:p>
+            <a:pPr algn="ctr"/>
+            <a:endParaRPr lang="zh-CN" altLang="en-US"/>
+          </a:p>
+        </p:txBody>
+      </p:sp>
+      <p:sp>
+        <p:nvSpPr>
+          <p:cNvPr id="51" name="椭圆 50"/>
+          <p:cNvSpPr/>
+          <p:nvPr/>
+        </p:nvSpPr>
+        <p:spPr>
+          <a:xfrm>
+            <a:off x="4237990" y="1937385"/>
+            <a:ext cx="130175" cy="108585"/>
+          </a:xfrm>
+          <a:prstGeom prst="ellipse">
+            <a:avLst/>
+          </a:prstGeom>
+          <a:noFill/>
+          <a:ln>
+            <a:solidFill>
+              <a:srgbClr val="FF0000"/>
+            </a:solidFill>
+          </a:ln>
+          <a:extLst>
+            <a:ext uri="{909E8E84-426E-40DD-AFC4-6F175D3DCCD1}">
+              <a14:hiddenFill xmlns:a14="http://schemas.microsoft.com/office/drawing/2010/main">
+                <a:solidFill>
+                  <a:srgbClr val="FF0000"/>
+                </a:solidFill>
+              </a14:hiddenFill>
+            </a:ext>
+          </a:extLst>
+        </p:spPr>
+        <p:style>
+          <a:lnRef idx="2">
+            <a:schemeClr val="accent1">
+              <a:shade val="50000"/>
+            </a:schemeClr>
+          </a:lnRef>
+          <a:fillRef idx="1">
+            <a:schemeClr val="accent1"/>
+          </a:fillRef>
+          <a:effectRef idx="0">
+            <a:schemeClr val="accent1"/>
+          </a:effectRef>
+          <a:fontRef idx="minor">
+            <a:schemeClr val="lt1"/>
+          </a:fontRef>
+        </p:style>
+        <p:txBody>
+          <a:bodyPr rtlCol="0" anchor="ctr"/>
+          <a:p>
+            <a:pPr algn="ctr"/>
+            <a:endParaRPr lang="zh-CN" altLang="en-US"/>
+          </a:p>
+        </p:txBody>
+      </p:sp>
+      <p:graphicFrame>
+        <p:nvGraphicFramePr>
+          <p:cNvPr id="52" name="对象 51">
+            <a:hlinkClick r:id="" action="ppaction://ole?verb="/>
+          </p:cNvPr>
+          <p:cNvGraphicFramePr>
+            <a:graphicFrameLocks noChangeAspect="1"/>
+          </p:cNvGraphicFramePr>
+          <p:nvPr/>
+        </p:nvGraphicFramePr>
+        <p:xfrm>
+          <a:off x="3168650" y="2154555"/>
+          <a:ext cx="389255" cy="389255"/>
+        </p:xfrm>
+        <a:graphic>
+          <a:graphicData uri="http://schemas.openxmlformats.org/presentationml/2006/ole">
+            <mc:AlternateContent xmlns:mc="http://schemas.openxmlformats.org/markup-compatibility/2006">
+              <mc:Choice xmlns:v="urn:schemas-microsoft-com:vml" Requires="v">
+                <p:oleObj spid="_x0000_s1026" name="" r:id="rId5" imgW="190500" imgH="190500" progId="Equation.KSEE3">
+                  <p:embed/>
+                </p:oleObj>
+              </mc:Choice>
+              <mc:Fallback>
+                <p:oleObj name="" r:id="rId5" imgW="190500" imgH="190500" progId="Equation.KSEE3">
+                  <p:embed/>
+                  <p:pic>
+                    <p:nvPicPr>
+                      <p:cNvPr id="0" name="图片 1025"/>
+                      <p:cNvPicPr/>
+                      <p:nvPr/>
+                    </p:nvPicPr>
+                    <p:blipFill>
+                      <a:blip r:embed="rId6"/>
+                      <a:stretch>
+                        <a:fillRect/>
+                      </a:stretch>
+                    </p:blipFill>
+                    <p:spPr>
+                      <a:xfrm>
+                        <a:off x="3168650" y="2154555"/>
+                        <a:ext cx="389255" cy="389255"/>
+                      </a:xfrm>
+                      <a:prstGeom prst="rect">
+                        <a:avLst/>
+                      </a:prstGeom>
+                    </p:spPr>
+                  </p:pic>
+                </p:oleObj>
+              </mc:Fallback>
+            </mc:AlternateContent>
+          </a:graphicData>
+        </a:graphic>
+      </p:graphicFrame>
+      <p:sp>
+        <p:nvSpPr>
+          <p:cNvPr id="54" name="等腰三角形 53"/>
+          <p:cNvSpPr/>
+          <p:nvPr/>
+        </p:nvSpPr>
+        <p:spPr>
+          <a:xfrm>
+            <a:off x="3557905" y="2225675"/>
+            <a:ext cx="145415" cy="122555"/>
+          </a:xfrm>
+          <a:prstGeom prst="triangle">
+            <a:avLst/>
+          </a:prstGeom>
+          <a:solidFill>
+            <a:srgbClr val="0070C0"/>
+          </a:solidFill>
+          <a:ln>
+            <a:solidFill>
+              <a:srgbClr val="0070C0"/>
+            </a:solidFill>
+          </a:ln>
+        </p:spPr>
+        <p:style>
+          <a:lnRef idx="2">
+            <a:schemeClr val="accent1">
+              <a:shade val="50000"/>
+            </a:schemeClr>
+          </a:lnRef>
+          <a:fillRef idx="1">
+            <a:schemeClr val="accent1"/>
+          </a:fillRef>
+          <a:effectRef idx="0">
+            <a:schemeClr val="accent1"/>
+          </a:effectRef>
+          <a:fontRef idx="minor">
+            <a:schemeClr val="lt1"/>
+          </a:fontRef>
+        </p:style>
+        <p:txBody>
+          <a:bodyPr rtlCol="0" anchor="ctr"/>
+          <a:p>
+            <a:pPr algn="ctr"/>
+            <a:endParaRPr lang="zh-CN" altLang="en-US"/>
+          </a:p>
+        </p:txBody>
+      </p:sp>
+      <p:cxnSp>
+        <p:nvCxnSpPr>
+          <p:cNvPr id="3" name="直接连接符 2"/>
+          <p:cNvCxnSpPr>
+            <a:stCxn id="54" idx="5"/>
+            <a:endCxn id="61" idx="2"/>
+          </p:cNvCxnSpPr>
+          <p:nvPr/>
+        </p:nvCxnSpPr>
+        <p:spPr>
+          <a:xfrm flipV="1">
+            <a:off x="3667125" y="1991995"/>
+            <a:ext cx="1106805" cy="295275"/>
+          </a:xfrm>
+          <a:prstGeom prst="line">
+            <a:avLst/>
+          </a:prstGeom>
+          <a:ln>
+            <a:prstDash val="sysDash"/>
+          </a:ln>
+        </p:spPr>
+        <p:style>
+          <a:lnRef idx="1">
+            <a:schemeClr val="accent1"/>
+          </a:lnRef>
+          <a:fillRef idx="0">
+            <a:schemeClr val="accent1"/>
+          </a:fillRef>
+          <a:effectRef idx="0">
+            <a:schemeClr val="accent1"/>
+          </a:effectRef>
+          <a:fontRef idx="minor">
+            <a:schemeClr val="tx1"/>
+          </a:fontRef>
+        </p:style>
+      </p:cxnSp>
+      <p:cxnSp>
+        <p:nvCxnSpPr>
+          <p:cNvPr id="9" name="直接连接符 8"/>
+          <p:cNvCxnSpPr>
+            <a:endCxn id="42" idx="1"/>
+          </p:cNvCxnSpPr>
+          <p:nvPr/>
+        </p:nvCxnSpPr>
+        <p:spPr>
+          <a:xfrm>
+            <a:off x="3675380" y="2297430"/>
+            <a:ext cx="987425" cy="1541780"/>
+          </a:xfrm>
+          <a:prstGeom prst="line">
+            <a:avLst/>
+          </a:prstGeom>
+          <a:ln>
+            <a:prstDash val="sysDash"/>
+          </a:ln>
+        </p:spPr>
+        <p:style>
+          <a:lnRef idx="1">
+            <a:schemeClr val="accent1"/>
+          </a:lnRef>
+          <a:fillRef idx="0">
+            <a:schemeClr val="accent1"/>
+          </a:fillRef>
+          <a:effectRef idx="0">
+            <a:schemeClr val="accent1"/>
+          </a:effectRef>
+          <a:fontRef idx="minor">
+            <a:schemeClr val="tx1"/>
+          </a:fontRef>
+        </p:style>
+      </p:cxnSp>
+      <p:cxnSp>
+        <p:nvCxnSpPr>
+          <p:cNvPr id="11" name="直接连接符 10"/>
+          <p:cNvCxnSpPr>
+            <a:stCxn id="61" idx="4"/>
+            <a:endCxn id="42" idx="1"/>
+          </p:cNvCxnSpPr>
+          <p:nvPr/>
+        </p:nvCxnSpPr>
+        <p:spPr>
+          <a:xfrm flipH="1">
+            <a:off x="4662805" y="2045970"/>
+            <a:ext cx="176530" cy="1793240"/>
+          </a:xfrm>
+          <a:prstGeom prst="line">
+            <a:avLst/>
+          </a:prstGeom>
+          <a:ln>
+            <a:prstDash val="sysDash"/>
+          </a:ln>
+        </p:spPr>
+        <p:style>
+          <a:lnRef idx="1">
+            <a:schemeClr val="accent1"/>
+          </a:lnRef>
+          <a:fillRef idx="0">
+            <a:schemeClr val="accent1"/>
+          </a:fillRef>
+          <a:effectRef idx="0">
+            <a:schemeClr val="accent1"/>
+          </a:effectRef>
+          <a:fontRef idx="minor">
+            <a:schemeClr val="tx1"/>
+          </a:fontRef>
+        </p:style>
+      </p:cxnSp>
+      <p:sp>
+        <p:nvSpPr>
+          <p:cNvPr id="12" name="菱形 11"/>
+          <p:cNvSpPr/>
+          <p:nvPr/>
+        </p:nvSpPr>
+        <p:spPr>
+          <a:xfrm>
+            <a:off x="4378960" y="2660015"/>
+            <a:ext cx="152400" cy="140970"/>
+          </a:xfrm>
+          <a:prstGeom prst="diamond">
+            <a:avLst/>
+          </a:prstGeom>
+          <a:solidFill>
+            <a:srgbClr val="00B050"/>
+          </a:solidFill>
+          <a:ln>
+            <a:solidFill>
+              <a:srgbClr val="00B050"/>
+            </a:solidFill>
+          </a:ln>
+        </p:spPr>
+        <p:style>
+          <a:lnRef idx="2">
+            <a:schemeClr val="accent1">
+              <a:shade val="50000"/>
+            </a:schemeClr>
+          </a:lnRef>
+          <a:fillRef idx="1">
+            <a:schemeClr val="accent1"/>
+          </a:fillRef>
+          <a:effectRef idx="0">
+            <a:schemeClr val="accent1"/>
+          </a:effectRef>
+          <a:fontRef idx="minor">
+            <a:schemeClr val="lt1"/>
+          </a:fontRef>
+        </p:style>
+        <p:txBody>
+          <a:bodyPr rtlCol="0" anchor="ctr"/>
+          <a:p>
+            <a:pPr algn="ctr"/>
+            <a:endParaRPr lang="zh-CN" altLang="en-US"/>
+          </a:p>
+        </p:txBody>
+      </p:sp>
+      <p:cxnSp>
+        <p:nvCxnSpPr>
+          <p:cNvPr id="13" name="直接连接符 12"/>
+          <p:cNvCxnSpPr>
+            <a:stCxn id="61" idx="3"/>
+            <a:endCxn id="12" idx="0"/>
+          </p:cNvCxnSpPr>
+          <p:nvPr/>
+        </p:nvCxnSpPr>
+        <p:spPr>
+          <a:xfrm flipH="1">
+            <a:off x="4455160" y="2030095"/>
+            <a:ext cx="337820" cy="629920"/>
+          </a:xfrm>
+          <a:prstGeom prst="line">
+            <a:avLst/>
+          </a:prstGeom>
+          <a:ln>
+            <a:prstDash val="sysDash"/>
+          </a:ln>
+        </p:spPr>
+        <p:style>
+          <a:lnRef idx="1">
+            <a:schemeClr val="accent1"/>
+          </a:lnRef>
+          <a:fillRef idx="0">
+            <a:schemeClr val="accent1"/>
+          </a:fillRef>
+          <a:effectRef idx="0">
+            <a:schemeClr val="accent1"/>
+          </a:effectRef>
+          <a:fontRef idx="minor">
+            <a:schemeClr val="tx1"/>
+          </a:fontRef>
+        </p:style>
+      </p:cxnSp>
+      <p:cxnSp>
+        <p:nvCxnSpPr>
+          <p:cNvPr id="16" name="直接连接符 15"/>
+          <p:cNvCxnSpPr>
+            <a:stCxn id="12" idx="2"/>
+          </p:cNvCxnSpPr>
+          <p:nvPr/>
+        </p:nvCxnSpPr>
+        <p:spPr>
+          <a:xfrm>
+            <a:off x="4455160" y="2800985"/>
+            <a:ext cx="209550" cy="1019175"/>
+          </a:xfrm>
+          <a:prstGeom prst="line">
+            <a:avLst/>
+          </a:prstGeom>
+          <a:ln>
+            <a:prstDash val="sysDash"/>
+          </a:ln>
+        </p:spPr>
+        <p:style>
+          <a:lnRef idx="1">
+            <a:schemeClr val="accent1"/>
+          </a:lnRef>
+          <a:fillRef idx="0">
+            <a:schemeClr val="accent1"/>
+          </a:fillRef>
+          <a:effectRef idx="0">
+            <a:schemeClr val="accent1"/>
+          </a:effectRef>
+          <a:fontRef idx="minor">
+            <a:schemeClr val="tx1"/>
+          </a:fontRef>
+        </p:style>
+      </p:cxnSp>
+      <p:graphicFrame>
+        <p:nvGraphicFramePr>
+          <p:cNvPr id="17" name="对象 16">
+            <a:hlinkClick r:id="" action="ppaction://ole?verb="/>
+          </p:cNvPr>
+          <p:cNvGraphicFramePr>
+            <a:graphicFrameLocks noChangeAspect="1"/>
+          </p:cNvGraphicFramePr>
+          <p:nvPr/>
+        </p:nvGraphicFramePr>
+        <p:xfrm>
+          <a:off x="4039235" y="2548890"/>
+          <a:ext cx="362585" cy="362585"/>
+        </p:xfrm>
+        <a:graphic>
+          <a:graphicData uri="http://schemas.openxmlformats.org/presentationml/2006/ole">
+            <mc:AlternateContent xmlns:mc="http://schemas.openxmlformats.org/markup-compatibility/2006">
+              <mc:Choice xmlns:v="urn:schemas-microsoft-com:vml" Requires="v">
+                <p:oleObj spid="_x0000_s18" name="" r:id="rId7" imgW="177165" imgH="177165" progId="Equation.KSEE3">
+                  <p:embed/>
+                </p:oleObj>
+              </mc:Choice>
+              <mc:Fallback>
+                <p:oleObj name="" r:id="rId7" imgW="177165" imgH="177165" progId="Equation.KSEE3">
+                  <p:embed/>
+                  <p:pic>
+                    <p:nvPicPr>
+                      <p:cNvPr id="0" name="图片 1025"/>
+                      <p:cNvPicPr/>
+                      <p:nvPr/>
+                    </p:nvPicPr>
+                    <p:blipFill>
+                      <a:blip r:embed="rId8"/>
+                      <a:stretch>
+                        <a:fillRect/>
+                      </a:stretch>
+                    </p:blipFill>
+                    <p:spPr>
+                      <a:xfrm>
+                        <a:off x="4039235" y="2548890"/>
+                        <a:ext cx="362585" cy="362585"/>
+                      </a:xfrm>
+                      <a:prstGeom prst="rect">
+                        <a:avLst/>
+                      </a:prstGeom>
+                    </p:spPr>
+                  </p:pic>
+                </p:oleObj>
+              </mc:Fallback>
+            </mc:AlternateContent>
+          </a:graphicData>
+        </a:graphic>
+      </p:graphicFrame>
+      <p:graphicFrame>
+        <p:nvGraphicFramePr>
+          <p:cNvPr id="19" name="对象 18">
+            <a:hlinkClick r:id="" action="ppaction://ole?verb="/>
+          </p:cNvPr>
+          <p:cNvGraphicFramePr>
+            <a:graphicFrameLocks noChangeAspect="1"/>
+          </p:cNvGraphicFramePr>
+          <p:nvPr/>
+        </p:nvGraphicFramePr>
+        <p:xfrm>
+          <a:off x="4591685" y="2988310"/>
+          <a:ext cx="311785" cy="362585"/>
+        </p:xfrm>
+        <a:graphic>
+          <a:graphicData uri="http://schemas.openxmlformats.org/presentationml/2006/ole">
+            <mc:AlternateContent xmlns:mc="http://schemas.openxmlformats.org/markup-compatibility/2006">
+              <mc:Choice xmlns:v="urn:schemas-microsoft-com:vml" Requires="v">
+                <p:oleObj spid="_x0000_s20" name="" r:id="rId9" imgW="152400" imgH="177165" progId="Equation.KSEE3">
+                  <p:embed/>
+                </p:oleObj>
+              </mc:Choice>
+              <mc:Fallback>
+                <p:oleObj name="" r:id="rId9" imgW="152400" imgH="177165" progId="Equation.KSEE3">
+                  <p:embed/>
+                  <p:pic>
+                    <p:nvPicPr>
+                      <p:cNvPr id="0" name="图片 1025"/>
+                      <p:cNvPicPr/>
+                      <p:nvPr/>
+                    </p:nvPicPr>
+                    <p:blipFill>
+                      <a:blip r:embed="rId10"/>
+                      <a:stretch>
+                        <a:fillRect/>
+                      </a:stretch>
+                    </p:blipFill>
+                    <p:spPr>
+                      <a:xfrm>
+                        <a:off x="4591685" y="2988310"/>
+                        <a:ext cx="311785" cy="362585"/>
+                      </a:xfrm>
+                      <a:prstGeom prst="rect">
+                        <a:avLst/>
+                      </a:prstGeom>
+                    </p:spPr>
+                  </p:pic>
+                </p:oleObj>
+              </mc:Fallback>
+            </mc:AlternateContent>
+          </a:graphicData>
+        </a:graphic>
+      </p:graphicFrame>
+      <p:graphicFrame>
+        <p:nvGraphicFramePr>
+          <p:cNvPr id="21" name="对象 20">
+            <a:hlinkClick r:id="" action="ppaction://ole?verb="/>
+          </p:cNvPr>
+          <p:cNvGraphicFramePr>
+            <a:graphicFrameLocks noChangeAspect="1"/>
+          </p:cNvGraphicFramePr>
+          <p:nvPr/>
+        </p:nvGraphicFramePr>
+        <p:xfrm>
+          <a:off x="4194175" y="2251710"/>
+          <a:ext cx="285750" cy="337820"/>
+        </p:xfrm>
+        <a:graphic>
+          <a:graphicData uri="http://schemas.openxmlformats.org/presentationml/2006/ole">
+            <mc:AlternateContent xmlns:mc="http://schemas.openxmlformats.org/markup-compatibility/2006">
+              <mc:Choice xmlns:v="urn:schemas-microsoft-com:vml" Requires="v">
+                <p:oleObj spid="_x0000_s22" name="" r:id="rId11" imgW="139700" imgH="165100" progId="Equation.KSEE3">
+                  <p:embed/>
+                </p:oleObj>
+              </mc:Choice>
+              <mc:Fallback>
+                <p:oleObj name="" r:id="rId11" imgW="139700" imgH="165100" progId="Equation.KSEE3">
+                  <p:embed/>
+                  <p:pic>
+                    <p:nvPicPr>
+                      <p:cNvPr id="0" name="图片 1025"/>
+                      <p:cNvPicPr/>
+                      <p:nvPr/>
+                    </p:nvPicPr>
+                    <p:blipFill>
+                      <a:blip r:embed="rId12"/>
+                      <a:stretch>
+                        <a:fillRect/>
+                      </a:stretch>
+                    </p:blipFill>
+                    <p:spPr>
+                      <a:xfrm>
+                        <a:off x="4194175" y="2251710"/>
+                        <a:ext cx="285750" cy="337820"/>
+                      </a:xfrm>
+                      <a:prstGeom prst="rect">
+                        <a:avLst/>
+                      </a:prstGeom>
+                    </p:spPr>
+                  </p:pic>
+                </p:oleObj>
+              </mc:Fallback>
+            </mc:AlternateContent>
+          </a:graphicData>
+        </a:graphic>
+      </p:graphicFrame>
+      <p:graphicFrame>
+        <p:nvGraphicFramePr>
+          <p:cNvPr id="23" name="对象 22">
+            <a:hlinkClick r:id="" action="ppaction://ole?verb="/>
+          </p:cNvPr>
+          <p:cNvGraphicFramePr>
+            <a:graphicFrameLocks noChangeAspect="1"/>
+          </p:cNvGraphicFramePr>
+          <p:nvPr/>
+        </p:nvGraphicFramePr>
+        <p:xfrm>
+          <a:off x="4378325" y="3833495"/>
+          <a:ext cx="362585" cy="362585"/>
+        </p:xfrm>
+        <a:graphic>
+          <a:graphicData uri="http://schemas.openxmlformats.org/presentationml/2006/ole">
+            <mc:AlternateContent xmlns:mc="http://schemas.openxmlformats.org/markup-compatibility/2006">
+              <mc:Choice xmlns:v="urn:schemas-microsoft-com:vml" Requires="v">
+                <p:oleObj spid="_x0000_s24" name="" r:id="rId13" imgW="177165" imgH="177165" progId="Equation.KSEE3">
+                  <p:embed/>
+                </p:oleObj>
+              </mc:Choice>
+              <mc:Fallback>
+                <p:oleObj name="" r:id="rId13" imgW="177165" imgH="177165" progId="Equation.KSEE3">
+                  <p:embed/>
+                  <p:pic>
+                    <p:nvPicPr>
+                      <p:cNvPr id="0" name="图片 1025"/>
+                      <p:cNvPicPr/>
+                      <p:nvPr/>
+                    </p:nvPicPr>
+                    <p:blipFill>
+                      <a:blip r:embed="rId14"/>
+                      <a:stretch>
+                        <a:fillRect/>
+                      </a:stretch>
+                    </p:blipFill>
+                    <p:spPr>
+                      <a:xfrm>
+                        <a:off x="4378325" y="3833495"/>
+                        <a:ext cx="362585" cy="362585"/>
+                      </a:xfrm>
+                      <a:prstGeom prst="rect">
+                        <a:avLst/>
+                      </a:prstGeom>
+                    </p:spPr>
+                  </p:pic>
+                </p:oleObj>
+              </mc:Fallback>
+            </mc:AlternateContent>
+          </a:graphicData>
+        </a:graphic>
+      </p:graphicFrame>
+      <p:graphicFrame>
+        <p:nvGraphicFramePr>
+          <p:cNvPr id="25" name="对象 24">
+            <a:hlinkClick r:id="" action="ppaction://ole?verb="/>
+          </p:cNvPr>
+          <p:cNvGraphicFramePr>
+            <a:graphicFrameLocks noChangeAspect="1"/>
+          </p:cNvGraphicFramePr>
+          <p:nvPr/>
+        </p:nvGraphicFramePr>
+        <p:xfrm>
+          <a:off x="4948555" y="1691640"/>
+          <a:ext cx="337820" cy="337820"/>
+        </p:xfrm>
+        <a:graphic>
+          <a:graphicData uri="http://schemas.openxmlformats.org/presentationml/2006/ole">
+            <mc:AlternateContent xmlns:mc="http://schemas.openxmlformats.org/markup-compatibility/2006">
+              <mc:Choice xmlns:v="urn:schemas-microsoft-com:vml" Requires="v">
+                <p:oleObj spid="_x0000_s26" name="" r:id="rId15" imgW="165100" imgH="165100" progId="Equation.KSEE3">
+                  <p:embed/>
+                </p:oleObj>
+              </mc:Choice>
+              <mc:Fallback>
+                <p:oleObj name="" r:id="rId15" imgW="165100" imgH="165100" progId="Equation.KSEE3">
+                  <p:embed/>
+                  <p:pic>
+                    <p:nvPicPr>
+                      <p:cNvPr id="0" name="图片 1025"/>
+                      <p:cNvPicPr/>
+                      <p:nvPr/>
+                    </p:nvPicPr>
+                    <p:blipFill>
+                      <a:blip r:embed="rId16"/>
+                      <a:stretch>
+                        <a:fillRect/>
+                      </a:stretch>
+                    </p:blipFill>
+                    <p:spPr>
+                      <a:xfrm>
+                        <a:off x="4948555" y="1691640"/>
+                        <a:ext cx="337820" cy="337820"/>
+                      </a:xfrm>
+                      <a:prstGeom prst="rect">
+                        <a:avLst/>
+                      </a:prstGeom>
+                    </p:spPr>
+                  </p:pic>
+                </p:oleObj>
+              </mc:Fallback>
+            </mc:AlternateContent>
+          </a:graphicData>
+        </a:graphic>
+      </p:graphicFrame>
+      <p:sp>
+        <p:nvSpPr>
+          <p:cNvPr id="27" name="椭圆 26"/>
+          <p:cNvSpPr/>
+          <p:nvPr/>
+        </p:nvSpPr>
+        <p:spPr>
+          <a:xfrm>
+            <a:off x="4491990" y="2397760"/>
+            <a:ext cx="130175" cy="108585"/>
+          </a:xfrm>
+          <a:prstGeom prst="ellipse">
+            <a:avLst/>
+          </a:prstGeom>
+          <a:solidFill>
+            <a:srgbClr val="FF0000"/>
+          </a:solidFill>
+          <a:ln>
+            <a:solidFill>
+              <a:srgbClr val="FF0000"/>
+            </a:solidFill>
+          </a:ln>
+        </p:spPr>
+        <p:style>
+          <a:lnRef idx="2">
+            <a:schemeClr val="accent1">
+              <a:shade val="50000"/>
+            </a:schemeClr>
+          </a:lnRef>
+          <a:fillRef idx="1">
+            <a:schemeClr val="accent1"/>
+          </a:fillRef>
+          <a:effectRef idx="0">
+            <a:schemeClr val="accent1"/>
+          </a:effectRef>
+          <a:fontRef idx="minor">
+            <a:schemeClr val="lt1"/>
+          </a:fontRef>
+        </p:style>
+        <p:txBody>
+          <a:bodyPr rtlCol="0" anchor="ctr"/>
+          <a:p>
+            <a:pPr algn="ctr"/>
+            <a:endParaRPr lang="zh-CN" altLang="en-US"/>
+          </a:p>
+        </p:txBody>
+      </p:sp>
+      <p:sp>
+        <p:nvSpPr>
+          <p:cNvPr id="28" name="椭圆 27"/>
+          <p:cNvSpPr/>
+          <p:nvPr/>
+        </p:nvSpPr>
+        <p:spPr>
+          <a:xfrm>
+            <a:off x="4465955" y="3115310"/>
+            <a:ext cx="130175" cy="108585"/>
+          </a:xfrm>
+          <a:prstGeom prst="ellipse">
+            <a:avLst/>
+          </a:prstGeom>
+          <a:solidFill>
+            <a:srgbClr val="FF0000"/>
+          </a:solidFill>
+          <a:ln>
+            <a:solidFill>
+              <a:srgbClr val="FF0000"/>
+            </a:solidFill>
+          </a:ln>
+        </p:spPr>
+        <p:style>
+          <a:lnRef idx="2">
+            <a:schemeClr val="accent1">
+              <a:shade val="50000"/>
+            </a:schemeClr>
+          </a:lnRef>
+          <a:fillRef idx="1">
+            <a:schemeClr val="accent1"/>
+          </a:fillRef>
+          <a:effectRef idx="0">
+            <a:schemeClr val="accent1"/>
+          </a:effectRef>
+          <a:fontRef idx="minor">
+            <a:schemeClr val="lt1"/>
+          </a:fontRef>
+        </p:style>
+        <p:txBody>
+          <a:bodyPr rtlCol="0" anchor="ctr"/>
+          <a:p>
+            <a:pPr algn="ctr"/>
+            <a:endParaRPr lang="zh-CN" altLang="en-US"/>
+          </a:p>
+        </p:txBody>
+      </p:sp>
+    </p:spTree>
+  </p:cSld>
+  <p:clrMapOvr>
+    <a:masterClrMapping/>
+  </p:clrMapOvr>
+</p:sld>
+</file>
+
+<file path=ppt/slides/slide23.xml><?xml version="1.0" encoding="utf-8"?>
+<p:sld xmlns:a="http://schemas.openxmlformats.org/drawingml/2006/main" xmlns:r="http://schemas.openxmlformats.org/officeDocument/2006/relationships" xmlns:p="http://schemas.openxmlformats.org/presentationml/2006/main">
+  <p:cSld>
+    <p:spTree>
+      <p:nvGrpSpPr>
+        <p:cNvPr id="1" name=""/>
+        <p:cNvGrpSpPr/>
+        <p:nvPr/>
+      </p:nvGrpSpPr>
+      <p:grpSpPr/>
       <p:grpSp>
         <p:nvGrpSpPr>
-          <p:cNvPr id="29" name="组合 28"/>
+          <p:cNvPr id="238" name="组合 237"/>
           <p:cNvGrpSpPr/>
           <p:nvPr/>
         </p:nvGrpSpPr>
         <p:grpSpPr>
           <a:xfrm>
-            <a:off x="1611630" y="948690"/>
-            <a:ext cx="4878070" cy="3950335"/>
-            <a:chOff x="2538" y="1494"/>
-            <a:chExt cx="7682" cy="6221"/>
+            <a:off x="6057900" y="695960"/>
+            <a:ext cx="5920740" cy="5075555"/>
+            <a:chOff x="56" y="1392"/>
+            <a:chExt cx="9324" cy="7993"/>
           </a:xfrm>
         </p:grpSpPr>
-        <p:cxnSp>
-          <p:nvCxnSpPr>
-            <p:cNvPr id="5" name="直接箭头连接符 4"/>
-            <p:cNvCxnSpPr/>
-            <p:nvPr/>
-          </p:nvCxnSpPr>
-          <p:spPr>
-            <a:xfrm flipH="1" flipV="1">
-              <a:off x="3236" y="1751"/>
-              <a:ext cx="51" cy="5361"/>
-            </a:xfrm>
-            <a:prstGeom prst="straightConnector1">
-              <a:avLst/>
-            </a:prstGeom>
-            <a:ln w="28575">
-              <a:solidFill>
-                <a:schemeClr val="tx1"/>
-              </a:solidFill>
-              <a:tailEnd type="arrow"/>
-            </a:ln>
-          </p:spPr>
-          <p:style>
-            <a:lnRef idx="1">
-              <a:schemeClr val="accent1"/>
-            </a:lnRef>
-            <a:fillRef idx="0">
-              <a:schemeClr val="accent1"/>
-            </a:fillRef>
-            <a:effectRef idx="0">
-              <a:schemeClr val="accent1"/>
-            </a:effectRef>
-            <a:fontRef idx="minor">
-              <a:schemeClr val="tx1"/>
-            </a:fontRef>
-          </p:style>
-        </p:cxnSp>
-        <p:cxnSp>
-          <p:nvCxnSpPr>
-            <p:cNvPr id="4" name="直接箭头连接符 3"/>
-            <p:cNvCxnSpPr/>
-            <p:nvPr/>
-          </p:nvCxnSpPr>
-          <p:spPr>
-            <a:xfrm flipV="1">
-              <a:off x="3287" y="7095"/>
-              <a:ext cx="6457" cy="6"/>
-            </a:xfrm>
-            <a:prstGeom prst="straightConnector1">
-              <a:avLst/>
-            </a:prstGeom>
-            <a:ln w="28575">
-              <a:solidFill>
-                <a:schemeClr val="tx1"/>
-              </a:solidFill>
-              <a:tailEnd type="arrow"/>
-            </a:ln>
-          </p:spPr>
-          <p:style>
-            <a:lnRef idx="1">
-              <a:schemeClr val="accent1"/>
-            </a:lnRef>
-            <a:fillRef idx="0">
-              <a:schemeClr val="accent1"/>
-            </a:fillRef>
-            <a:effectRef idx="0">
-              <a:schemeClr val="accent1"/>
-            </a:effectRef>
-            <a:fontRef idx="minor">
-              <a:schemeClr val="tx1"/>
-            </a:fontRef>
-          </p:style>
-        </p:cxnSp>
         <p:graphicFrame>
           <p:nvGraphicFramePr>
-            <p:cNvPr id="14" name="对象 13">
+            <p:cNvPr id="15" name="对象 14">
               <a:hlinkClick r:id="" action="ppaction://ole?verb="/>
             </p:cNvPr>
             <p:cNvGraphicFramePr>
@@ -22637,19 +24093,19 @@
             <p:nvPr/>
           </p:nvGraphicFramePr>
           <p:xfrm>
-            <a:off x="9744" y="7095"/>
-            <a:ext cx="477" cy="621"/>
+            <a:off x="56" y="1392"/>
+            <a:ext cx="527" cy="623"/>
           </p:xfrm>
           <a:graphic>
             <a:graphicData uri="http://schemas.openxmlformats.org/presentationml/2006/ole">
               <mc:AlternateContent xmlns:mc="http://schemas.openxmlformats.org/markup-compatibility/2006">
                 <mc:Choice xmlns:v="urn:schemas-microsoft-com:vml" Requires="v">
-                  <p:oleObj spid="_x0000_s1025" name="" r:id="rId1" imgW="127000" imgH="165100" progId="Equation.KSEE3">
+                  <p:oleObj spid="_x0000_s2" name="" r:id="rId1" imgW="139700" imgH="165100" progId="Equation.KSEE3">
                     <p:embed/>
                   </p:oleObj>
                 </mc:Choice>
                 <mc:Fallback>
-                  <p:oleObj name="" r:id="rId1" imgW="127000" imgH="165100" progId="Equation.KSEE3">
+                  <p:oleObj name="" r:id="rId1" imgW="139700" imgH="165100" progId="Equation.KSEE3">
                     <p:embed/>
                     <p:pic>
                       <p:nvPicPr>
@@ -22665,60 +24121,7 @@
                       </p:blipFill>
                       <p:spPr>
                         <a:xfrm>
-                          <a:off x="9744" y="7095"/>
-                          <a:ext cx="477" cy="621"/>
-                        </a:xfrm>
-                        <a:prstGeom prst="rect">
-                          <a:avLst/>
-                        </a:prstGeom>
-                      </p:spPr>
-                    </p:pic>
-                  </p:oleObj>
-                </mc:Fallback>
-              </mc:AlternateContent>
-            </a:graphicData>
-          </a:graphic>
-        </p:graphicFrame>
-        <p:graphicFrame>
-          <p:nvGraphicFramePr>
-            <p:cNvPr id="15" name="对象 14">
-              <a:hlinkClick r:id="" action="ppaction://ole?verb="/>
-            </p:cNvPr>
-            <p:cNvGraphicFramePr>
-              <a:graphicFrameLocks noChangeAspect="1"/>
-            </p:cNvGraphicFramePr>
-            <p:nvPr/>
-          </p:nvGraphicFramePr>
-          <p:xfrm>
-            <a:off x="2538" y="1494"/>
-            <a:ext cx="527" cy="623"/>
-          </p:xfrm>
-          <a:graphic>
-            <a:graphicData uri="http://schemas.openxmlformats.org/presentationml/2006/ole">
-              <mc:AlternateContent xmlns:mc="http://schemas.openxmlformats.org/markup-compatibility/2006">
-                <mc:Choice xmlns:v="urn:schemas-microsoft-com:vml" Requires="v">
-                  <p:oleObj spid="_x0000_s2" name="" r:id="rId3" imgW="139700" imgH="165100" progId="Equation.KSEE3">
-                    <p:embed/>
-                  </p:oleObj>
-                </mc:Choice>
-                <mc:Fallback>
-                  <p:oleObj name="" r:id="rId3" imgW="139700" imgH="165100" progId="Equation.KSEE3">
-                    <p:embed/>
-                    <p:pic>
-                      <p:nvPicPr>
-                        <p:cNvPr id="0" name="图片 1024"/>
-                        <p:cNvPicPr/>
-                        <p:nvPr/>
-                      </p:nvPicPr>
-                      <p:blipFill>
-                        <a:blip r:embed="rId4"/>
-                        <a:stretch>
-                          <a:fillRect/>
-                        </a:stretch>
-                      </p:blipFill>
-                      <p:spPr>
-                        <a:xfrm>
-                          <a:off x="2538" y="1494"/>
+                          <a:off x="56" y="1392"/>
                           <a:ext cx="527" cy="623"/>
                         </a:xfrm>
                         <a:prstGeom prst="rect">
@@ -22732,657 +24135,3193 @@
             </a:graphicData>
           </a:graphic>
         </p:graphicFrame>
-        <p:sp>
-          <p:nvSpPr>
-            <p:cNvPr id="61" name="椭圆 60"/>
-            <p:cNvSpPr/>
+        <p:grpSp>
+          <p:nvGrpSpPr>
+            <p:cNvPr id="234" name="组合 233"/>
+            <p:cNvGrpSpPr/>
             <p:nvPr/>
-          </p:nvSpPr>
-          <p:spPr>
+          </p:nvGrpSpPr>
+          <p:grpSpPr>
             <a:xfrm>
-              <a:off x="7518" y="3051"/>
-              <a:ext cx="205" cy="171"/>
+              <a:off x="714" y="1657"/>
+              <a:ext cx="8667" cy="7728"/>
+              <a:chOff x="765" y="1657"/>
+              <a:chExt cx="8667" cy="7728"/>
             </a:xfrm>
-            <a:prstGeom prst="ellipse">
-              <a:avLst/>
-            </a:prstGeom>
-            <a:noFill/>
-            <a:ln>
+          </p:grpSpPr>
+          <p:cxnSp>
+            <p:nvCxnSpPr>
+              <p:cNvPr id="5" name="直接箭头连接符 4"/>
+              <p:cNvCxnSpPr/>
+              <p:nvPr/>
+            </p:nvCxnSpPr>
+            <p:spPr>
+              <a:xfrm flipH="1" flipV="1">
+                <a:off x="765" y="1657"/>
+                <a:ext cx="45" cy="7159"/>
+              </a:xfrm>
+              <a:prstGeom prst="straightConnector1">
+                <a:avLst/>
+              </a:prstGeom>
+              <a:ln w="28575">
+                <a:solidFill>
+                  <a:schemeClr val="tx1"/>
+                </a:solidFill>
+                <a:tailEnd type="arrow"/>
+              </a:ln>
+            </p:spPr>
+            <p:style>
+              <a:lnRef idx="1">
+                <a:schemeClr val="accent1"/>
+              </a:lnRef>
+              <a:fillRef idx="0">
+                <a:schemeClr val="accent1"/>
+              </a:fillRef>
+              <a:effectRef idx="0">
+                <a:schemeClr val="accent1"/>
+              </a:effectRef>
+              <a:fontRef idx="minor">
+                <a:schemeClr val="tx1"/>
+              </a:fontRef>
+            </p:style>
+          </p:cxnSp>
+          <p:cxnSp>
+            <p:nvCxnSpPr>
+              <p:cNvPr id="4" name="直接箭头连接符 3"/>
+              <p:cNvCxnSpPr/>
+              <p:nvPr/>
+            </p:nvCxnSpPr>
+            <p:spPr>
+              <a:xfrm flipV="1">
+                <a:off x="810" y="8765"/>
+                <a:ext cx="8438" cy="34"/>
+              </a:xfrm>
+              <a:prstGeom prst="straightConnector1">
+                <a:avLst/>
+              </a:prstGeom>
+              <a:ln w="28575">
+                <a:solidFill>
+                  <a:schemeClr val="tx1"/>
+                </a:solidFill>
+                <a:tailEnd type="arrow"/>
+              </a:ln>
+            </p:spPr>
+            <p:style>
+              <a:lnRef idx="1">
+                <a:schemeClr val="accent1"/>
+              </a:lnRef>
+              <a:fillRef idx="0">
+                <a:schemeClr val="accent1"/>
+              </a:fillRef>
+              <a:effectRef idx="0">
+                <a:schemeClr val="accent1"/>
+              </a:effectRef>
+              <a:fontRef idx="minor">
+                <a:schemeClr val="tx1"/>
+              </a:fontRef>
+            </p:style>
+          </p:cxnSp>
+          <p:graphicFrame>
+            <p:nvGraphicFramePr>
+              <p:cNvPr id="14" name="对象 13">
+                <a:hlinkClick r:id="" action="ppaction://ole?verb="/>
+              </p:cNvPr>
+              <p:cNvGraphicFramePr>
+                <a:graphicFrameLocks noChangeAspect="1"/>
+              </p:cNvGraphicFramePr>
+              <p:nvPr/>
+            </p:nvGraphicFramePr>
+            <p:xfrm>
+              <a:off x="8956" y="8765"/>
+              <a:ext cx="477" cy="621"/>
+            </p:xfrm>
+            <a:graphic>
+              <a:graphicData uri="http://schemas.openxmlformats.org/presentationml/2006/ole">
+                <mc:AlternateContent xmlns:mc="http://schemas.openxmlformats.org/markup-compatibility/2006">
+                  <mc:Choice xmlns:v="urn:schemas-microsoft-com:vml" Requires="v">
+                    <p:oleObj spid="_x0000_s1025" name="" r:id="rId3" imgW="127000" imgH="165100" progId="Equation.KSEE3">
+                      <p:embed/>
+                    </p:oleObj>
+                  </mc:Choice>
+                  <mc:Fallback>
+                    <p:oleObj name="" r:id="rId3" imgW="127000" imgH="165100" progId="Equation.KSEE3">
+                      <p:embed/>
+                      <p:pic>
+                        <p:nvPicPr>
+                          <p:cNvPr id="0" name="图片 1024"/>
+                          <p:cNvPicPr/>
+                          <p:nvPr/>
+                        </p:nvPicPr>
+                        <p:blipFill>
+                          <a:blip r:embed="rId4"/>
+                          <a:stretch>
+                            <a:fillRect/>
+                          </a:stretch>
+                        </p:blipFill>
+                        <p:spPr>
+                          <a:xfrm>
+                            <a:off x="8956" y="8765"/>
+                            <a:ext cx="477" cy="621"/>
+                          </a:xfrm>
+                          <a:prstGeom prst="rect">
+                            <a:avLst/>
+                          </a:prstGeom>
+                        </p:spPr>
+                      </p:pic>
+                    </p:oleObj>
+                  </mc:Fallback>
+                </mc:AlternateContent>
+              </a:graphicData>
+            </a:graphic>
+          </p:graphicFrame>
+          <p:sp>
+            <p:nvSpPr>
+              <p:cNvPr id="30" name="椭圆 29"/>
+              <p:cNvSpPr/>
+              <p:nvPr/>
+            </p:nvSpPr>
+            <p:spPr>
+              <a:xfrm>
+                <a:off x="3525" y="7813"/>
+                <a:ext cx="205" cy="171"/>
+              </a:xfrm>
+              <a:prstGeom prst="ellipse">
+                <a:avLst/>
+              </a:prstGeom>
+              <a:noFill/>
+              <a:ln>
+                <a:solidFill>
+                  <a:srgbClr val="FF0000"/>
+                </a:solidFill>
+              </a:ln>
+              <a:extLst>
+                <a:ext uri="{909E8E84-426E-40DD-AFC4-6F175D3DCCD1}">
+                  <a14:hiddenFill xmlns:a14="http://schemas.microsoft.com/office/drawing/2010/main">
+                    <a:solidFill>
+                      <a:srgbClr val="FF0000"/>
+                    </a:solidFill>
+                  </a14:hiddenFill>
+                </a:ext>
+              </a:extLst>
+            </p:spPr>
+            <p:style>
+              <a:lnRef idx="2">
+                <a:schemeClr val="accent1">
+                  <a:shade val="50000"/>
+                </a:schemeClr>
+              </a:lnRef>
+              <a:fillRef idx="1">
+                <a:schemeClr val="accent1"/>
+              </a:fillRef>
+              <a:effectRef idx="0">
+                <a:schemeClr val="accent1"/>
+              </a:effectRef>
+              <a:fontRef idx="minor">
+                <a:schemeClr val="lt1"/>
+              </a:fontRef>
+            </p:style>
+            <p:txBody>
+              <a:bodyPr rtlCol="0" anchor="ctr"/>
+              <a:p>
+                <a:pPr algn="ctr"/>
+                <a:endParaRPr lang="zh-CN" altLang="en-US"/>
+              </a:p>
+            </p:txBody>
+          </p:sp>
+          <p:sp>
+            <p:nvSpPr>
+              <p:cNvPr id="31" name="椭圆 30"/>
+              <p:cNvSpPr/>
+              <p:nvPr/>
+            </p:nvSpPr>
+            <p:spPr>
+              <a:xfrm>
+                <a:off x="3525" y="2893"/>
+                <a:ext cx="205" cy="171"/>
+              </a:xfrm>
+              <a:prstGeom prst="ellipse">
+                <a:avLst/>
+              </a:prstGeom>
+              <a:solidFill>
+                <a:srgbClr val="00B050"/>
+              </a:solidFill>
+              <a:ln>
+                <a:solidFill>
+                  <a:srgbClr val="00B050"/>
+                </a:solidFill>
+              </a:ln>
+            </p:spPr>
+            <p:style>
+              <a:lnRef idx="2">
+                <a:schemeClr val="accent1">
+                  <a:shade val="50000"/>
+                </a:schemeClr>
+              </a:lnRef>
+              <a:fillRef idx="1">
+                <a:schemeClr val="accent1"/>
+              </a:fillRef>
+              <a:effectRef idx="0">
+                <a:schemeClr val="accent1"/>
+              </a:effectRef>
+              <a:fontRef idx="minor">
+                <a:schemeClr val="lt1"/>
+              </a:fontRef>
+            </p:style>
+            <p:txBody>
+              <a:bodyPr rtlCol="0" anchor="ctr"/>
+              <a:p>
+                <a:pPr algn="ctr"/>
+                <a:endParaRPr lang="zh-CN" altLang="en-US"/>
+              </a:p>
+            </p:txBody>
+          </p:sp>
+          <p:sp>
+            <p:nvSpPr>
+              <p:cNvPr id="32" name="椭圆 31"/>
+              <p:cNvSpPr/>
+              <p:nvPr/>
+            </p:nvSpPr>
+            <p:spPr>
+              <a:xfrm>
+                <a:off x="2818" y="3213"/>
+                <a:ext cx="205" cy="171"/>
+              </a:xfrm>
+              <a:prstGeom prst="ellipse">
+                <a:avLst/>
+              </a:prstGeom>
+              <a:solidFill>
+                <a:srgbClr val="00B050"/>
+              </a:solidFill>
+              <a:ln>
+                <a:solidFill>
+                  <a:srgbClr val="00B050"/>
+                </a:solidFill>
+              </a:ln>
+            </p:spPr>
+            <p:style>
+              <a:lnRef idx="2">
+                <a:schemeClr val="accent1">
+                  <a:shade val="50000"/>
+                </a:schemeClr>
+              </a:lnRef>
+              <a:fillRef idx="1">
+                <a:schemeClr val="accent1"/>
+              </a:fillRef>
+              <a:effectRef idx="0">
+                <a:schemeClr val="accent1"/>
+              </a:effectRef>
+              <a:fontRef idx="minor">
+                <a:schemeClr val="lt1"/>
+              </a:fontRef>
+            </p:style>
+            <p:txBody>
+              <a:bodyPr vertOverflow="overflow" horzOverflow="overflow" vert="horz" wrap="square" numCol="1" spcCol="0" rtlCol="0" fromWordArt="0" anchor="ctr" anchorCtr="0" forceAA="0" compatLnSpc="1">
+                <a:noAutofit/>
+              </a:bodyPr>
+              <a:p>
+                <a:pPr lvl="0" algn="ctr"/>
+                <a:endParaRPr lang="zh-CN" altLang="en-US">
+                  <a:sym typeface="+mn-ea"/>
+                </a:endParaRPr>
+              </a:p>
+            </p:txBody>
+          </p:sp>
+          <p:sp>
+            <p:nvSpPr>
+              <p:cNvPr id="33" name="椭圆 32"/>
+              <p:cNvSpPr/>
+              <p:nvPr/>
+            </p:nvSpPr>
+            <p:spPr>
+              <a:xfrm>
+                <a:off x="2818" y="4006"/>
+                <a:ext cx="205" cy="171"/>
+              </a:xfrm>
+              <a:prstGeom prst="ellipse">
+                <a:avLst/>
+              </a:prstGeom>
+              <a:solidFill>
+                <a:srgbClr val="00B050"/>
+              </a:solidFill>
+              <a:ln>
+                <a:solidFill>
+                  <a:srgbClr val="00B050"/>
+                </a:solidFill>
+              </a:ln>
+            </p:spPr>
+            <p:style>
+              <a:lnRef idx="2">
+                <a:schemeClr val="accent1">
+                  <a:shade val="50000"/>
+                </a:schemeClr>
+              </a:lnRef>
+              <a:fillRef idx="1">
+                <a:schemeClr val="accent1"/>
+              </a:fillRef>
+              <a:effectRef idx="0">
+                <a:schemeClr val="accent1"/>
+              </a:effectRef>
+              <a:fontRef idx="minor">
+                <a:schemeClr val="lt1"/>
+              </a:fontRef>
+            </p:style>
+            <p:txBody>
+              <a:bodyPr rtlCol="0" anchor="ctr"/>
+              <a:p>
+                <a:pPr algn="ctr"/>
+                <a:endParaRPr lang="zh-CN" altLang="en-US"/>
+              </a:p>
+            </p:txBody>
+          </p:sp>
+          <p:sp>
+            <p:nvSpPr>
+              <p:cNvPr id="34" name="椭圆 33"/>
+              <p:cNvSpPr/>
+              <p:nvPr/>
+            </p:nvSpPr>
+            <p:spPr>
+              <a:xfrm>
+                <a:off x="4325" y="3406"/>
+                <a:ext cx="205" cy="171"/>
+              </a:xfrm>
+              <a:prstGeom prst="ellipse">
+                <a:avLst/>
+              </a:prstGeom>
+              <a:solidFill>
+                <a:srgbClr val="00B050"/>
+              </a:solidFill>
+              <a:ln>
+                <a:solidFill>
+                  <a:srgbClr val="00B050"/>
+                </a:solidFill>
+              </a:ln>
+            </p:spPr>
+            <p:style>
+              <a:lnRef idx="2">
+                <a:schemeClr val="accent1">
+                  <a:shade val="50000"/>
+                </a:schemeClr>
+              </a:lnRef>
+              <a:fillRef idx="1">
+                <a:schemeClr val="accent1"/>
+              </a:fillRef>
+              <a:effectRef idx="0">
+                <a:schemeClr val="accent1"/>
+              </a:effectRef>
+              <a:fontRef idx="minor">
+                <a:schemeClr val="lt1"/>
+              </a:fontRef>
+            </p:style>
+            <p:txBody>
+              <a:bodyPr vertOverflow="overflow" horzOverflow="overflow" vert="horz" wrap="square" numCol="1" spcCol="0" rtlCol="0" fromWordArt="0" anchor="ctr" anchorCtr="0" forceAA="0" compatLnSpc="1">
+                <a:noAutofit/>
+              </a:bodyPr>
+              <a:p>
+                <a:pPr lvl="0" algn="ctr"/>
+                <a:endParaRPr lang="zh-CN" altLang="en-US">
+                  <a:sym typeface="+mn-ea"/>
+                </a:endParaRPr>
+              </a:p>
+            </p:txBody>
+          </p:sp>
+          <p:sp>
+            <p:nvSpPr>
+              <p:cNvPr id="35" name="椭圆 34"/>
+              <p:cNvSpPr/>
+              <p:nvPr/>
+            </p:nvSpPr>
+            <p:spPr>
+              <a:xfrm>
+                <a:off x="4940" y="6519"/>
+                <a:ext cx="205" cy="171"/>
+              </a:xfrm>
+              <a:prstGeom prst="ellipse">
+                <a:avLst/>
+              </a:prstGeom>
+              <a:noFill/>
+              <a:ln>
+                <a:solidFill>
+                  <a:srgbClr val="FF0000"/>
+                </a:solidFill>
+              </a:ln>
+              <a:extLst>
+                <a:ext uri="{909E8E84-426E-40DD-AFC4-6F175D3DCCD1}">
+                  <a14:hiddenFill xmlns:a14="http://schemas.microsoft.com/office/drawing/2010/main">
+                    <a:solidFill>
+                      <a:srgbClr val="FF0000"/>
+                    </a:solidFill>
+                  </a14:hiddenFill>
+                </a:ext>
+              </a:extLst>
+            </p:spPr>
+            <p:style>
+              <a:lnRef idx="2">
+                <a:schemeClr val="accent1">
+                  <a:shade val="50000"/>
+                </a:schemeClr>
+              </a:lnRef>
+              <a:fillRef idx="1">
+                <a:schemeClr val="accent1"/>
+              </a:fillRef>
+              <a:effectRef idx="0">
+                <a:schemeClr val="accent1"/>
+              </a:effectRef>
+              <a:fontRef idx="minor">
+                <a:schemeClr val="lt1"/>
+              </a:fontRef>
+            </p:style>
+            <p:txBody>
+              <a:bodyPr rtlCol="0" anchor="ctr"/>
+              <a:p>
+                <a:pPr algn="ctr"/>
+                <a:endParaRPr lang="zh-CN" altLang="en-US"/>
+              </a:p>
+            </p:txBody>
+          </p:sp>
+          <p:sp>
+            <p:nvSpPr>
+              <p:cNvPr id="36" name="椭圆 35"/>
+              <p:cNvSpPr/>
+              <p:nvPr/>
+            </p:nvSpPr>
+            <p:spPr>
+              <a:xfrm>
+                <a:off x="5506" y="5119"/>
+                <a:ext cx="205" cy="171"/>
+              </a:xfrm>
+              <a:prstGeom prst="ellipse">
+                <a:avLst/>
+              </a:prstGeom>
+              <a:noFill/>
+              <a:ln>
+                <a:solidFill>
+                  <a:srgbClr val="FF0000"/>
+                </a:solidFill>
+              </a:ln>
+              <a:extLst>
+                <a:ext uri="{909E8E84-426E-40DD-AFC4-6F175D3DCCD1}">
+                  <a14:hiddenFill xmlns:a14="http://schemas.microsoft.com/office/drawing/2010/main">
+                    <a:solidFill>
+                      <a:srgbClr val="FF0000"/>
+                    </a:solidFill>
+                  </a14:hiddenFill>
+                </a:ext>
+              </a:extLst>
+            </p:spPr>
+            <p:style>
+              <a:lnRef idx="2">
+                <a:schemeClr val="accent1">
+                  <a:shade val="50000"/>
+                </a:schemeClr>
+              </a:lnRef>
+              <a:fillRef idx="1">
+                <a:schemeClr val="accent1"/>
+              </a:fillRef>
+              <a:effectRef idx="0">
+                <a:schemeClr val="accent1"/>
+              </a:effectRef>
+              <a:fontRef idx="minor">
+                <a:schemeClr val="lt1"/>
+              </a:fontRef>
+            </p:style>
+            <p:txBody>
+              <a:bodyPr rtlCol="0" anchor="ctr"/>
+              <a:p>
+                <a:pPr algn="ctr"/>
+                <a:endParaRPr lang="zh-CN" altLang="en-US"/>
+              </a:p>
+            </p:txBody>
+          </p:sp>
+          <p:sp>
+            <p:nvSpPr>
+              <p:cNvPr id="37" name="椭圆 36"/>
+              <p:cNvSpPr/>
+              <p:nvPr/>
+            </p:nvSpPr>
+            <p:spPr>
+              <a:xfrm>
+                <a:off x="7415" y="7642"/>
+                <a:ext cx="205" cy="171"/>
+              </a:xfrm>
+              <a:prstGeom prst="ellipse">
+                <a:avLst/>
+              </a:prstGeom>
+              <a:noFill/>
+              <a:ln>
+                <a:solidFill>
+                  <a:srgbClr val="FF0000"/>
+                </a:solidFill>
+              </a:ln>
+              <a:extLst>
+                <a:ext uri="{909E8E84-426E-40DD-AFC4-6F175D3DCCD1}">
+                  <a14:hiddenFill xmlns:a14="http://schemas.microsoft.com/office/drawing/2010/main">
+                    <a:solidFill>
+                      <a:srgbClr val="FF0000"/>
+                    </a:solidFill>
+                  </a14:hiddenFill>
+                </a:ext>
+              </a:extLst>
+            </p:spPr>
+            <p:style>
+              <a:lnRef idx="2">
+                <a:schemeClr val="accent1">
+                  <a:shade val="50000"/>
+                </a:schemeClr>
+              </a:lnRef>
+              <a:fillRef idx="1">
+                <a:schemeClr val="accent1"/>
+              </a:fillRef>
+              <a:effectRef idx="0">
+                <a:schemeClr val="accent1"/>
+              </a:effectRef>
+              <a:fontRef idx="minor">
+                <a:schemeClr val="lt1"/>
+              </a:fontRef>
+            </p:style>
+            <p:txBody>
+              <a:bodyPr rtlCol="0" anchor="ctr"/>
+              <a:p>
+                <a:pPr algn="ctr"/>
+                <a:endParaRPr lang="zh-CN" altLang="en-US"/>
+              </a:p>
+            </p:txBody>
+          </p:sp>
+          <p:sp>
+            <p:nvSpPr>
+              <p:cNvPr id="38" name="椭圆 37"/>
+              <p:cNvSpPr/>
+              <p:nvPr/>
+            </p:nvSpPr>
+            <p:spPr>
+              <a:xfrm>
+                <a:off x="3925" y="7062"/>
+                <a:ext cx="205" cy="171"/>
+              </a:xfrm>
+              <a:prstGeom prst="ellipse">
+                <a:avLst/>
+              </a:prstGeom>
+              <a:noFill/>
+              <a:ln>
+                <a:solidFill>
+                  <a:srgbClr val="FF0000"/>
+                </a:solidFill>
+              </a:ln>
+              <a:extLst>
+                <a:ext uri="{909E8E84-426E-40DD-AFC4-6F175D3DCCD1}">
+                  <a14:hiddenFill xmlns:a14="http://schemas.microsoft.com/office/drawing/2010/main">
+                    <a:solidFill>
+                      <a:srgbClr val="FF0000"/>
+                    </a:solidFill>
+                  </a14:hiddenFill>
+                </a:ext>
+              </a:extLst>
+            </p:spPr>
+            <p:style>
+              <a:lnRef idx="2">
+                <a:schemeClr val="accent1">
+                  <a:shade val="50000"/>
+                </a:schemeClr>
+              </a:lnRef>
+              <a:fillRef idx="1">
+                <a:schemeClr val="accent1"/>
+              </a:fillRef>
+              <a:effectRef idx="0">
+                <a:schemeClr val="accent1"/>
+              </a:effectRef>
+              <a:fontRef idx="minor">
+                <a:schemeClr val="lt1"/>
+              </a:fontRef>
+            </p:style>
+            <p:txBody>
+              <a:bodyPr rtlCol="0" anchor="ctr"/>
+              <a:p>
+                <a:pPr algn="ctr"/>
+                <a:endParaRPr lang="zh-CN" altLang="en-US"/>
+              </a:p>
+            </p:txBody>
+          </p:sp>
+          <p:sp>
+            <p:nvSpPr>
+              <p:cNvPr id="39" name="椭圆 38"/>
+              <p:cNvSpPr/>
+              <p:nvPr/>
+            </p:nvSpPr>
+            <p:spPr>
+              <a:xfrm>
+                <a:off x="4120" y="5519"/>
+                <a:ext cx="205" cy="171"/>
+              </a:xfrm>
+              <a:prstGeom prst="ellipse">
+                <a:avLst/>
+              </a:prstGeom>
+              <a:noFill/>
+              <a:ln>
+                <a:solidFill>
+                  <a:srgbClr val="FF0000"/>
+                </a:solidFill>
+              </a:ln>
+              <a:extLst>
+                <a:ext uri="{909E8E84-426E-40DD-AFC4-6F175D3DCCD1}">
+                  <a14:hiddenFill xmlns:a14="http://schemas.microsoft.com/office/drawing/2010/main">
+                    <a:solidFill>
+                      <a:srgbClr val="FF0000"/>
+                    </a:solidFill>
+                  </a14:hiddenFill>
+                </a:ext>
+              </a:extLst>
+            </p:spPr>
+            <p:style>
+              <a:lnRef idx="2">
+                <a:schemeClr val="accent1">
+                  <a:shade val="50000"/>
+                </a:schemeClr>
+              </a:lnRef>
+              <a:fillRef idx="1">
+                <a:schemeClr val="accent1"/>
+              </a:fillRef>
+              <a:effectRef idx="0">
+                <a:schemeClr val="accent1"/>
+              </a:effectRef>
+              <a:fontRef idx="minor">
+                <a:schemeClr val="lt1"/>
+              </a:fontRef>
+            </p:style>
+            <p:txBody>
+              <a:bodyPr rtlCol="0" anchor="ctr"/>
+              <a:p>
+                <a:pPr algn="ctr"/>
+                <a:endParaRPr lang="zh-CN" altLang="en-US"/>
+              </a:p>
+            </p:txBody>
+          </p:sp>
+          <p:sp>
+            <p:nvSpPr>
+              <p:cNvPr id="40" name="椭圆 39"/>
+              <p:cNvSpPr/>
+              <p:nvPr/>
+            </p:nvSpPr>
+            <p:spPr>
+              <a:xfrm>
+                <a:off x="6346" y="6690"/>
+                <a:ext cx="205" cy="171"/>
+              </a:xfrm>
+              <a:prstGeom prst="ellipse">
+                <a:avLst/>
+              </a:prstGeom>
+              <a:noFill/>
+              <a:ln>
+                <a:solidFill>
+                  <a:srgbClr val="FF0000"/>
+                </a:solidFill>
+              </a:ln>
+              <a:extLst>
+                <a:ext uri="{909E8E84-426E-40DD-AFC4-6F175D3DCCD1}">
+                  <a14:hiddenFill xmlns:a14="http://schemas.microsoft.com/office/drawing/2010/main">
+                    <a:solidFill>
+                      <a:srgbClr val="FF0000"/>
+                    </a:solidFill>
+                  </a14:hiddenFill>
+                </a:ext>
+              </a:extLst>
+            </p:spPr>
+            <p:style>
+              <a:lnRef idx="2">
+                <a:schemeClr val="accent1">
+                  <a:shade val="50000"/>
+                </a:schemeClr>
+              </a:lnRef>
+              <a:fillRef idx="1">
+                <a:schemeClr val="accent1"/>
+              </a:fillRef>
+              <a:effectRef idx="0">
+                <a:schemeClr val="accent1"/>
+              </a:effectRef>
+              <a:fontRef idx="minor">
+                <a:schemeClr val="lt1"/>
+              </a:fontRef>
+            </p:style>
+            <p:txBody>
+              <a:bodyPr rtlCol="0" anchor="ctr"/>
+              <a:p>
+                <a:pPr algn="ctr"/>
+                <a:endParaRPr lang="zh-CN" altLang="en-US"/>
+              </a:p>
+            </p:txBody>
+          </p:sp>
+          <p:sp>
+            <p:nvSpPr>
+              <p:cNvPr id="41" name="椭圆 40"/>
+              <p:cNvSpPr/>
+              <p:nvPr/>
+            </p:nvSpPr>
+            <p:spPr>
+              <a:xfrm>
+                <a:off x="6346" y="7642"/>
+                <a:ext cx="205" cy="171"/>
+              </a:xfrm>
+              <a:prstGeom prst="ellipse">
+                <a:avLst/>
+              </a:prstGeom>
+              <a:noFill/>
+              <a:ln>
+                <a:solidFill>
+                  <a:srgbClr val="FF0000"/>
+                </a:solidFill>
+              </a:ln>
+              <a:extLst>
+                <a:ext uri="{909E8E84-426E-40DD-AFC4-6F175D3DCCD1}">
+                  <a14:hiddenFill xmlns:a14="http://schemas.microsoft.com/office/drawing/2010/main">
+                    <a:solidFill>
+                      <a:srgbClr val="FF0000"/>
+                    </a:solidFill>
+                  </a14:hiddenFill>
+                </a:ext>
+              </a:extLst>
+            </p:spPr>
+            <p:style>
+              <a:lnRef idx="2">
+                <a:schemeClr val="accent1">
+                  <a:shade val="50000"/>
+                </a:schemeClr>
+              </a:lnRef>
+              <a:fillRef idx="1">
+                <a:schemeClr val="accent1"/>
+              </a:fillRef>
+              <a:effectRef idx="0">
+                <a:schemeClr val="accent1"/>
+              </a:effectRef>
+              <a:fontRef idx="minor">
+                <a:schemeClr val="lt1"/>
+              </a:fontRef>
+            </p:style>
+            <p:txBody>
+              <a:bodyPr rtlCol="0" anchor="ctr"/>
+              <a:p>
+                <a:pPr algn="ctr"/>
+                <a:endParaRPr lang="zh-CN" altLang="en-US"/>
+              </a:p>
+            </p:txBody>
+          </p:sp>
+          <p:sp>
+            <p:nvSpPr>
+              <p:cNvPr id="44" name="椭圆 43"/>
+              <p:cNvSpPr/>
+              <p:nvPr/>
+            </p:nvSpPr>
+            <p:spPr>
+              <a:xfrm>
+                <a:off x="7210" y="6861"/>
+                <a:ext cx="205" cy="171"/>
+              </a:xfrm>
+              <a:prstGeom prst="ellipse">
+                <a:avLst/>
+              </a:prstGeom>
+              <a:noFill/>
+              <a:ln>
+                <a:solidFill>
+                  <a:srgbClr val="FF0000"/>
+                </a:solidFill>
+              </a:ln>
+              <a:extLst>
+                <a:ext uri="{909E8E84-426E-40DD-AFC4-6F175D3DCCD1}">
+                  <a14:hiddenFill xmlns:a14="http://schemas.microsoft.com/office/drawing/2010/main">
+                    <a:solidFill>
+                      <a:srgbClr val="FF0000"/>
+                    </a:solidFill>
+                  </a14:hiddenFill>
+                </a:ext>
+              </a:extLst>
+            </p:spPr>
+            <p:style>
+              <a:lnRef idx="2">
+                <a:schemeClr val="accent1">
+                  <a:shade val="50000"/>
+                </a:schemeClr>
+              </a:lnRef>
+              <a:fillRef idx="1">
+                <a:schemeClr val="accent1"/>
+              </a:fillRef>
+              <a:effectRef idx="0">
+                <a:schemeClr val="accent1"/>
+              </a:effectRef>
+              <a:fontRef idx="minor">
+                <a:schemeClr val="lt1"/>
+              </a:fontRef>
+            </p:style>
+            <p:txBody>
+              <a:bodyPr rtlCol="0" anchor="ctr"/>
+              <a:p>
+                <a:pPr algn="ctr"/>
+                <a:endParaRPr lang="zh-CN" altLang="en-US"/>
+              </a:p>
+            </p:txBody>
+          </p:sp>
+          <p:sp>
+            <p:nvSpPr>
+              <p:cNvPr id="45" name="椭圆 44"/>
+              <p:cNvSpPr/>
+              <p:nvPr/>
+            </p:nvSpPr>
+            <p:spPr>
+              <a:xfrm>
+                <a:off x="4735" y="7984"/>
+                <a:ext cx="205" cy="171"/>
+              </a:xfrm>
+              <a:prstGeom prst="ellipse">
+                <a:avLst/>
+              </a:prstGeom>
+              <a:noFill/>
+              <a:ln>
+                <a:solidFill>
+                  <a:srgbClr val="FF0000"/>
+                </a:solidFill>
+              </a:ln>
+              <a:extLst>
+                <a:ext uri="{909E8E84-426E-40DD-AFC4-6F175D3DCCD1}">
+                  <a14:hiddenFill xmlns:a14="http://schemas.microsoft.com/office/drawing/2010/main">
+                    <a:solidFill>
+                      <a:srgbClr val="FF0000"/>
+                    </a:solidFill>
+                  </a14:hiddenFill>
+                </a:ext>
+              </a:extLst>
+            </p:spPr>
+            <p:style>
+              <a:lnRef idx="2">
+                <a:schemeClr val="accent1">
+                  <a:shade val="50000"/>
+                </a:schemeClr>
+              </a:lnRef>
+              <a:fillRef idx="1">
+                <a:schemeClr val="accent1"/>
+              </a:fillRef>
+              <a:effectRef idx="0">
+                <a:schemeClr val="accent1"/>
+              </a:effectRef>
+              <a:fontRef idx="minor">
+                <a:schemeClr val="lt1"/>
+              </a:fontRef>
+            </p:style>
+            <p:txBody>
+              <a:bodyPr rtlCol="0" anchor="ctr"/>
+              <a:p>
+                <a:pPr algn="ctr"/>
+                <a:endParaRPr lang="zh-CN" altLang="en-US"/>
+              </a:p>
+            </p:txBody>
+          </p:sp>
+          <p:sp>
+            <p:nvSpPr>
+              <p:cNvPr id="46" name="椭圆 45"/>
+              <p:cNvSpPr/>
+              <p:nvPr/>
+            </p:nvSpPr>
+            <p:spPr>
+              <a:xfrm>
+                <a:off x="4604" y="2816"/>
+                <a:ext cx="205" cy="171"/>
+              </a:xfrm>
+              <a:prstGeom prst="ellipse">
+                <a:avLst/>
+              </a:prstGeom>
+              <a:solidFill>
+                <a:srgbClr val="00B050"/>
+              </a:solidFill>
+              <a:ln>
+                <a:solidFill>
+                  <a:srgbClr val="00B050"/>
+                </a:solidFill>
+              </a:ln>
+            </p:spPr>
+            <p:style>
+              <a:lnRef idx="2">
+                <a:schemeClr val="accent1">
+                  <a:shade val="50000"/>
+                </a:schemeClr>
+              </a:lnRef>
+              <a:fillRef idx="1">
+                <a:schemeClr val="accent1"/>
+              </a:fillRef>
+              <a:effectRef idx="0">
+                <a:schemeClr val="accent1"/>
+              </a:effectRef>
+              <a:fontRef idx="minor">
+                <a:schemeClr val="lt1"/>
+              </a:fontRef>
+            </p:style>
+            <p:txBody>
+              <a:bodyPr rtlCol="0" anchor="ctr"/>
+              <a:p>
+                <a:pPr algn="ctr"/>
+                <a:endParaRPr lang="zh-CN" altLang="en-US"/>
+              </a:p>
+            </p:txBody>
+          </p:sp>
+          <p:sp>
+            <p:nvSpPr>
+              <p:cNvPr id="49" name="椭圆 48"/>
+              <p:cNvSpPr/>
+              <p:nvPr/>
+            </p:nvSpPr>
+            <p:spPr>
+              <a:xfrm>
+                <a:off x="2366" y="4177"/>
+                <a:ext cx="205" cy="171"/>
+              </a:xfrm>
+              <a:prstGeom prst="ellipse">
+                <a:avLst/>
+              </a:prstGeom>
+              <a:solidFill>
+                <a:srgbClr val="00B050"/>
+              </a:solidFill>
+              <a:ln>
+                <a:solidFill>
+                  <a:srgbClr val="00B050"/>
+                </a:solidFill>
+              </a:ln>
+            </p:spPr>
+            <p:style>
+              <a:lnRef idx="2">
+                <a:schemeClr val="accent1">
+                  <a:shade val="50000"/>
+                </a:schemeClr>
+              </a:lnRef>
+              <a:fillRef idx="1">
+                <a:schemeClr val="accent1"/>
+              </a:fillRef>
+              <a:effectRef idx="0">
+                <a:schemeClr val="accent1"/>
+              </a:effectRef>
+              <a:fontRef idx="minor">
+                <a:schemeClr val="lt1"/>
+              </a:fontRef>
+            </p:style>
+            <p:txBody>
+              <a:bodyPr rtlCol="0" anchor="ctr"/>
+              <a:p>
+                <a:pPr algn="ctr"/>
+                <a:endParaRPr lang="zh-CN" altLang="en-US"/>
+              </a:p>
+            </p:txBody>
+          </p:sp>
+          <p:sp>
+            <p:nvSpPr>
+              <p:cNvPr id="53" name="椭圆 52"/>
+              <p:cNvSpPr/>
+              <p:nvPr/>
+            </p:nvSpPr>
+            <p:spPr>
+              <a:xfrm>
+                <a:off x="2366" y="3406"/>
+                <a:ext cx="205" cy="171"/>
+              </a:xfrm>
+              <a:prstGeom prst="ellipse">
+                <a:avLst/>
+              </a:prstGeom>
+              <a:solidFill>
+                <a:srgbClr val="00B050"/>
+              </a:solidFill>
+              <a:ln>
+                <a:solidFill>
+                  <a:srgbClr val="00B050"/>
+                </a:solidFill>
+              </a:ln>
+            </p:spPr>
+            <p:style>
+              <a:lnRef idx="2">
+                <a:schemeClr val="accent1">
+                  <a:shade val="50000"/>
+                </a:schemeClr>
+              </a:lnRef>
+              <a:fillRef idx="1">
+                <a:schemeClr val="accent1"/>
+              </a:fillRef>
+              <a:effectRef idx="0">
+                <a:schemeClr val="accent1"/>
+              </a:effectRef>
+              <a:fontRef idx="minor">
+                <a:schemeClr val="lt1"/>
+              </a:fontRef>
+            </p:style>
+            <p:txBody>
+              <a:bodyPr rtlCol="0" anchor="ctr"/>
+              <a:p>
+                <a:pPr algn="ctr"/>
+                <a:endParaRPr lang="zh-CN" altLang="en-US"/>
+              </a:p>
+            </p:txBody>
+          </p:sp>
+          <p:sp>
+            <p:nvSpPr>
+              <p:cNvPr id="55" name="椭圆 54"/>
+              <p:cNvSpPr/>
+              <p:nvPr/>
+            </p:nvSpPr>
+            <p:spPr>
+              <a:xfrm>
+                <a:off x="5135" y="3235"/>
+                <a:ext cx="205" cy="171"/>
+              </a:xfrm>
+              <a:prstGeom prst="ellipse">
+                <a:avLst/>
+              </a:prstGeom>
+              <a:solidFill>
+                <a:srgbClr val="00B050"/>
+              </a:solidFill>
+              <a:ln>
+                <a:solidFill>
+                  <a:srgbClr val="00B050"/>
+                </a:solidFill>
+              </a:ln>
+            </p:spPr>
+            <p:style>
+              <a:lnRef idx="2">
+                <a:schemeClr val="accent1">
+                  <a:shade val="50000"/>
+                </a:schemeClr>
+              </a:lnRef>
+              <a:fillRef idx="1">
+                <a:schemeClr val="accent1"/>
+              </a:fillRef>
+              <a:effectRef idx="0">
+                <a:schemeClr val="accent1"/>
+              </a:effectRef>
+              <a:fontRef idx="minor">
+                <a:schemeClr val="lt1"/>
+              </a:fontRef>
+            </p:style>
+            <p:txBody>
+              <a:bodyPr rtlCol="0" anchor="ctr"/>
+              <a:p>
+                <a:pPr algn="ctr"/>
+                <a:endParaRPr lang="zh-CN" altLang="en-US"/>
+              </a:p>
+            </p:txBody>
+          </p:sp>
+          <p:sp>
+            <p:nvSpPr>
+              <p:cNvPr id="56" name="椭圆 55"/>
+              <p:cNvSpPr/>
+              <p:nvPr/>
+            </p:nvSpPr>
+            <p:spPr>
+              <a:xfrm>
+                <a:off x="5899" y="3064"/>
+                <a:ext cx="205" cy="171"/>
+              </a:xfrm>
+              <a:prstGeom prst="ellipse">
+                <a:avLst/>
+              </a:prstGeom>
+              <a:solidFill>
+                <a:srgbClr val="00B050"/>
+              </a:solidFill>
+              <a:ln>
+                <a:solidFill>
+                  <a:srgbClr val="00B050"/>
+                </a:solidFill>
+              </a:ln>
+            </p:spPr>
+            <p:style>
+              <a:lnRef idx="2">
+                <a:schemeClr val="accent1">
+                  <a:shade val="50000"/>
+                </a:schemeClr>
+              </a:lnRef>
+              <a:fillRef idx="1">
+                <a:schemeClr val="accent1"/>
+              </a:fillRef>
+              <a:effectRef idx="0">
+                <a:schemeClr val="accent1"/>
+              </a:effectRef>
+              <a:fontRef idx="minor">
+                <a:schemeClr val="lt1"/>
+              </a:fontRef>
+            </p:style>
+            <p:txBody>
+              <a:bodyPr rtlCol="0" anchor="ctr"/>
+              <a:p>
+                <a:pPr algn="ctr"/>
+                <a:endParaRPr lang="zh-CN" altLang="en-US"/>
+              </a:p>
+            </p:txBody>
+          </p:sp>
+          <p:sp>
+            <p:nvSpPr>
+              <p:cNvPr id="57" name="椭圆 56"/>
+              <p:cNvSpPr/>
+              <p:nvPr/>
+            </p:nvSpPr>
+            <p:spPr>
+              <a:xfrm>
+                <a:off x="3720" y="4519"/>
+                <a:ext cx="205" cy="171"/>
+              </a:xfrm>
+              <a:prstGeom prst="ellipse">
+                <a:avLst/>
+              </a:prstGeom>
+              <a:solidFill>
+                <a:srgbClr val="00B050"/>
+              </a:solidFill>
+              <a:ln>
+                <a:solidFill>
+                  <a:srgbClr val="00B050"/>
+                </a:solidFill>
+              </a:ln>
+            </p:spPr>
+            <p:style>
+              <a:lnRef idx="2">
+                <a:schemeClr val="accent1">
+                  <a:shade val="50000"/>
+                </a:schemeClr>
+              </a:lnRef>
+              <a:fillRef idx="1">
+                <a:schemeClr val="accent1"/>
+              </a:fillRef>
+              <a:effectRef idx="0">
+                <a:schemeClr val="accent1"/>
+              </a:effectRef>
+              <a:fontRef idx="minor">
+                <a:schemeClr val="lt1"/>
+              </a:fontRef>
+            </p:style>
+            <p:txBody>
+              <a:bodyPr rtlCol="0" anchor="ctr"/>
+              <a:p>
+                <a:pPr algn="ctr"/>
+                <a:endParaRPr lang="zh-CN" altLang="en-US"/>
+              </a:p>
+            </p:txBody>
+          </p:sp>
+          <p:sp>
+            <p:nvSpPr>
+              <p:cNvPr id="58" name="椭圆 57"/>
+              <p:cNvSpPr/>
+              <p:nvPr/>
+            </p:nvSpPr>
+            <p:spPr>
+              <a:xfrm>
+                <a:off x="3330" y="3577"/>
+                <a:ext cx="205" cy="171"/>
+              </a:xfrm>
+              <a:prstGeom prst="ellipse">
+                <a:avLst/>
+              </a:prstGeom>
+              <a:solidFill>
+                <a:srgbClr val="00B050"/>
+              </a:solidFill>
+              <a:ln>
+                <a:solidFill>
+                  <a:srgbClr val="00B050"/>
+                </a:solidFill>
+              </a:ln>
+            </p:spPr>
+            <p:style>
+              <a:lnRef idx="2">
+                <a:schemeClr val="accent1">
+                  <a:shade val="50000"/>
+                </a:schemeClr>
+              </a:lnRef>
+              <a:fillRef idx="1">
+                <a:schemeClr val="accent1"/>
+              </a:fillRef>
+              <a:effectRef idx="0">
+                <a:schemeClr val="accent1"/>
+              </a:effectRef>
+              <a:fontRef idx="minor">
+                <a:schemeClr val="lt1"/>
+              </a:fontRef>
+            </p:style>
+            <p:txBody>
+              <a:bodyPr rtlCol="0" anchor="ctr"/>
+              <a:p>
+                <a:pPr algn="ctr"/>
+                <a:endParaRPr lang="zh-CN" altLang="en-US"/>
+              </a:p>
+            </p:txBody>
+          </p:sp>
+          <p:sp>
+            <p:nvSpPr>
+              <p:cNvPr id="59" name="椭圆 58"/>
+              <p:cNvSpPr/>
+              <p:nvPr/>
+            </p:nvSpPr>
+            <p:spPr>
+              <a:xfrm>
+                <a:off x="3940" y="4948"/>
+                <a:ext cx="205" cy="171"/>
+              </a:xfrm>
+              <a:prstGeom prst="ellipse">
+                <a:avLst/>
+              </a:prstGeom>
+              <a:solidFill>
+                <a:srgbClr val="00B050"/>
+              </a:solidFill>
+              <a:ln>
+                <a:solidFill>
+                  <a:srgbClr val="00B050"/>
+                </a:solidFill>
+              </a:ln>
+            </p:spPr>
+            <p:style>
+              <a:lnRef idx="2">
+                <a:schemeClr val="accent1">
+                  <a:shade val="50000"/>
+                </a:schemeClr>
+              </a:lnRef>
+              <a:fillRef idx="1">
+                <a:schemeClr val="accent1"/>
+              </a:fillRef>
+              <a:effectRef idx="0">
+                <a:schemeClr val="accent1"/>
+              </a:effectRef>
+              <a:fontRef idx="minor">
+                <a:schemeClr val="lt1"/>
+              </a:fontRef>
+            </p:style>
+            <p:txBody>
+              <a:bodyPr rtlCol="0" anchor="ctr"/>
+              <a:p>
+                <a:pPr algn="ctr"/>
+                <a:endParaRPr lang="zh-CN" altLang="en-US"/>
+              </a:p>
+            </p:txBody>
+          </p:sp>
+          <p:sp>
+            <p:nvSpPr>
+              <p:cNvPr id="60" name="椭圆 59"/>
+              <p:cNvSpPr/>
+              <p:nvPr/>
+            </p:nvSpPr>
+            <p:spPr>
+              <a:xfrm>
+                <a:off x="5350" y="4006"/>
+                <a:ext cx="205" cy="171"/>
+              </a:xfrm>
+              <a:prstGeom prst="ellipse">
+                <a:avLst/>
+              </a:prstGeom>
+              <a:solidFill>
+                <a:srgbClr val="00B050"/>
+              </a:solidFill>
+              <a:ln>
+                <a:solidFill>
+                  <a:srgbClr val="00B050"/>
+                </a:solidFill>
+              </a:ln>
+            </p:spPr>
+            <p:style>
+              <a:lnRef idx="2">
+                <a:schemeClr val="accent1">
+                  <a:shade val="50000"/>
+                </a:schemeClr>
+              </a:lnRef>
+              <a:fillRef idx="1">
+                <a:schemeClr val="accent1"/>
+              </a:fillRef>
+              <a:effectRef idx="0">
+                <a:schemeClr val="accent1"/>
+              </a:effectRef>
+              <a:fontRef idx="minor">
+                <a:schemeClr val="lt1"/>
+              </a:fontRef>
+            </p:style>
+            <p:txBody>
+              <a:bodyPr rtlCol="0" anchor="ctr"/>
+              <a:p>
+                <a:pPr algn="ctr"/>
+                <a:endParaRPr lang="zh-CN" altLang="en-US"/>
+              </a:p>
+            </p:txBody>
+          </p:sp>
+          <p:sp>
+            <p:nvSpPr>
+              <p:cNvPr id="62" name="椭圆 61"/>
+              <p:cNvSpPr/>
+              <p:nvPr/>
+            </p:nvSpPr>
+            <p:spPr>
+              <a:xfrm>
+                <a:off x="3023" y="4348"/>
+                <a:ext cx="205" cy="171"/>
+              </a:xfrm>
+              <a:prstGeom prst="ellipse">
+                <a:avLst/>
+              </a:prstGeom>
+              <a:solidFill>
+                <a:srgbClr val="00B050"/>
+              </a:solidFill>
+              <a:ln>
+                <a:solidFill>
+                  <a:srgbClr val="00B050"/>
+                </a:solidFill>
+              </a:ln>
+            </p:spPr>
+            <p:style>
+              <a:lnRef idx="2">
+                <a:schemeClr val="accent1">
+                  <a:shade val="50000"/>
+                </a:schemeClr>
+              </a:lnRef>
+              <a:fillRef idx="1">
+                <a:schemeClr val="accent1"/>
+              </a:fillRef>
+              <a:effectRef idx="0">
+                <a:schemeClr val="accent1"/>
+              </a:effectRef>
+              <a:fontRef idx="minor">
+                <a:schemeClr val="lt1"/>
+              </a:fontRef>
+            </p:style>
+            <p:txBody>
+              <a:bodyPr rtlCol="0" anchor="ctr"/>
+              <a:p>
+                <a:pPr algn="ctr"/>
+                <a:endParaRPr lang="zh-CN" altLang="en-US"/>
+              </a:p>
+            </p:txBody>
+          </p:sp>
+          <p:sp>
+            <p:nvSpPr>
+              <p:cNvPr id="64" name="椭圆 63"/>
+              <p:cNvSpPr/>
+              <p:nvPr/>
+            </p:nvSpPr>
+            <p:spPr>
+              <a:xfrm>
+                <a:off x="3925" y="4006"/>
+                <a:ext cx="205" cy="171"/>
+              </a:xfrm>
+              <a:prstGeom prst="ellipse">
+                <a:avLst/>
+              </a:prstGeom>
+              <a:solidFill>
+                <a:srgbClr val="00B050"/>
+              </a:solidFill>
+              <a:ln>
+                <a:solidFill>
+                  <a:srgbClr val="00B050"/>
+                </a:solidFill>
+              </a:ln>
+            </p:spPr>
+            <p:style>
+              <a:lnRef idx="2">
+                <a:schemeClr val="accent1">
+                  <a:shade val="50000"/>
+                </a:schemeClr>
+              </a:lnRef>
+              <a:fillRef idx="1">
+                <a:schemeClr val="accent1"/>
+              </a:fillRef>
+              <a:effectRef idx="0">
+                <a:schemeClr val="accent1"/>
+              </a:effectRef>
+              <a:fontRef idx="minor">
+                <a:schemeClr val="lt1"/>
+              </a:fontRef>
+            </p:style>
+            <p:txBody>
+              <a:bodyPr rtlCol="0" anchor="ctr"/>
+              <a:p>
+                <a:pPr algn="ctr"/>
+                <a:endParaRPr lang="zh-CN" altLang="en-US"/>
+              </a:p>
+            </p:txBody>
+          </p:sp>
+          <p:sp>
+            <p:nvSpPr>
+              <p:cNvPr id="65" name="椭圆 64"/>
+              <p:cNvSpPr/>
+              <p:nvPr/>
+            </p:nvSpPr>
+            <p:spPr>
+              <a:xfrm>
+                <a:off x="4399" y="3948"/>
+                <a:ext cx="205" cy="171"/>
+              </a:xfrm>
+              <a:prstGeom prst="ellipse">
+                <a:avLst/>
+              </a:prstGeom>
+              <a:solidFill>
+                <a:srgbClr val="00B050"/>
+              </a:solidFill>
+              <a:ln>
+                <a:solidFill>
+                  <a:srgbClr val="00B050"/>
+                </a:solidFill>
+              </a:ln>
+            </p:spPr>
+            <p:style>
+              <a:lnRef idx="2">
+                <a:schemeClr val="accent1">
+                  <a:shade val="50000"/>
+                </a:schemeClr>
+              </a:lnRef>
+              <a:fillRef idx="1">
+                <a:schemeClr val="accent1"/>
+              </a:fillRef>
+              <a:effectRef idx="0">
+                <a:schemeClr val="accent1"/>
+              </a:effectRef>
+              <a:fontRef idx="minor">
+                <a:schemeClr val="lt1"/>
+              </a:fontRef>
+            </p:style>
+            <p:txBody>
+              <a:bodyPr rtlCol="0" anchor="ctr"/>
+              <a:p>
+                <a:pPr algn="ctr"/>
+                <a:endParaRPr lang="zh-CN" altLang="en-US"/>
+              </a:p>
+            </p:txBody>
+          </p:sp>
+          <p:sp>
+            <p:nvSpPr>
+              <p:cNvPr id="66" name="椭圆 65"/>
+              <p:cNvSpPr/>
+              <p:nvPr/>
+            </p:nvSpPr>
+            <p:spPr>
+              <a:xfrm>
+                <a:off x="5555" y="3577"/>
+                <a:ext cx="205" cy="171"/>
+              </a:xfrm>
+              <a:prstGeom prst="ellipse">
+                <a:avLst/>
+              </a:prstGeom>
+              <a:solidFill>
+                <a:srgbClr val="00B050"/>
+              </a:solidFill>
+              <a:ln>
+                <a:solidFill>
+                  <a:srgbClr val="00B050"/>
+                </a:solidFill>
+              </a:ln>
+            </p:spPr>
+            <p:style>
+              <a:lnRef idx="2">
+                <a:schemeClr val="accent1">
+                  <a:shade val="50000"/>
+                </a:schemeClr>
+              </a:lnRef>
+              <a:fillRef idx="1">
+                <a:schemeClr val="accent1"/>
+              </a:fillRef>
+              <a:effectRef idx="0">
+                <a:schemeClr val="accent1"/>
+              </a:effectRef>
+              <a:fontRef idx="minor">
+                <a:schemeClr val="lt1"/>
+              </a:fontRef>
+            </p:style>
+            <p:txBody>
+              <a:bodyPr rtlCol="0" anchor="ctr"/>
+              <a:p>
+                <a:pPr algn="ctr"/>
+                <a:endParaRPr lang="zh-CN" altLang="en-US"/>
+              </a:p>
+            </p:txBody>
+          </p:sp>
+          <p:sp>
+            <p:nvSpPr>
+              <p:cNvPr id="67" name="椭圆 66"/>
+              <p:cNvSpPr/>
+              <p:nvPr/>
+            </p:nvSpPr>
+            <p:spPr>
+              <a:xfrm>
+                <a:off x="2161" y="5519"/>
+                <a:ext cx="205" cy="171"/>
+              </a:xfrm>
+              <a:prstGeom prst="ellipse">
+                <a:avLst/>
+              </a:prstGeom>
+              <a:solidFill>
+                <a:srgbClr val="00B050"/>
+              </a:solidFill>
+              <a:ln>
+                <a:solidFill>
+                  <a:srgbClr val="00B050"/>
+                </a:solidFill>
+              </a:ln>
+            </p:spPr>
+            <p:style>
+              <a:lnRef idx="2">
+                <a:schemeClr val="accent1">
+                  <a:shade val="50000"/>
+                </a:schemeClr>
+              </a:lnRef>
+              <a:fillRef idx="1">
+                <a:schemeClr val="accent1"/>
+              </a:fillRef>
+              <a:effectRef idx="0">
+                <a:schemeClr val="accent1"/>
+              </a:effectRef>
+              <a:fontRef idx="minor">
+                <a:schemeClr val="lt1"/>
+              </a:fontRef>
+            </p:style>
+            <p:txBody>
+              <a:bodyPr rtlCol="0" anchor="ctr"/>
+              <a:p>
+                <a:pPr algn="ctr"/>
+                <a:endParaRPr lang="zh-CN" altLang="en-US"/>
+              </a:p>
+            </p:txBody>
+          </p:sp>
+          <p:sp>
+            <p:nvSpPr>
+              <p:cNvPr id="68" name="椭圆 67"/>
+              <p:cNvSpPr/>
+              <p:nvPr/>
+            </p:nvSpPr>
+            <p:spPr>
+              <a:xfrm>
+                <a:off x="5694" y="2590"/>
+                <a:ext cx="205" cy="171"/>
+              </a:xfrm>
+              <a:prstGeom prst="ellipse">
+                <a:avLst/>
+              </a:prstGeom>
+              <a:solidFill>
+                <a:srgbClr val="00B050"/>
+              </a:solidFill>
+              <a:ln>
+                <a:solidFill>
+                  <a:srgbClr val="00B050"/>
+                </a:solidFill>
+              </a:ln>
+            </p:spPr>
+            <p:style>
+              <a:lnRef idx="2">
+                <a:schemeClr val="accent1">
+                  <a:shade val="50000"/>
+                </a:schemeClr>
+              </a:lnRef>
+              <a:fillRef idx="1">
+                <a:schemeClr val="accent1"/>
+              </a:fillRef>
+              <a:effectRef idx="0">
+                <a:schemeClr val="accent1"/>
+              </a:effectRef>
+              <a:fontRef idx="minor">
+                <a:schemeClr val="lt1"/>
+              </a:fontRef>
+            </p:style>
+            <p:txBody>
+              <a:bodyPr rtlCol="0" anchor="ctr"/>
+              <a:p>
+                <a:pPr algn="ctr"/>
+                <a:endParaRPr lang="zh-CN" altLang="en-US"/>
+              </a:p>
+            </p:txBody>
+          </p:sp>
+          <p:sp>
+            <p:nvSpPr>
+              <p:cNvPr id="69" name="椭圆 68"/>
+              <p:cNvSpPr/>
+              <p:nvPr/>
+            </p:nvSpPr>
+            <p:spPr>
+              <a:xfrm>
+                <a:off x="6346" y="3606"/>
+                <a:ext cx="205" cy="171"/>
+              </a:xfrm>
+              <a:prstGeom prst="ellipse">
+                <a:avLst/>
+              </a:prstGeom>
+              <a:solidFill>
+                <a:srgbClr val="00B050"/>
+              </a:solidFill>
+              <a:ln>
+                <a:solidFill>
+                  <a:srgbClr val="00B050"/>
+                </a:solidFill>
+              </a:ln>
+            </p:spPr>
+            <p:style>
+              <a:lnRef idx="2">
+                <a:schemeClr val="accent1">
+                  <a:shade val="50000"/>
+                </a:schemeClr>
+              </a:lnRef>
+              <a:fillRef idx="1">
+                <a:schemeClr val="accent1"/>
+              </a:fillRef>
+              <a:effectRef idx="0">
+                <a:schemeClr val="accent1"/>
+              </a:effectRef>
+              <a:fontRef idx="minor">
+                <a:schemeClr val="lt1"/>
+              </a:fontRef>
+            </p:style>
+            <p:txBody>
+              <a:bodyPr rtlCol="0" anchor="ctr"/>
+              <a:p>
+                <a:pPr algn="ctr"/>
+                <a:endParaRPr lang="zh-CN" altLang="en-US"/>
+              </a:p>
+            </p:txBody>
+          </p:sp>
+          <p:sp>
+            <p:nvSpPr>
+              <p:cNvPr id="70" name="椭圆 69"/>
+              <p:cNvSpPr/>
+              <p:nvPr/>
+            </p:nvSpPr>
+            <p:spPr>
+              <a:xfrm>
+                <a:off x="4530" y="4519"/>
+                <a:ext cx="205" cy="171"/>
+              </a:xfrm>
+              <a:prstGeom prst="ellipse">
+                <a:avLst/>
+              </a:prstGeom>
+              <a:solidFill>
+                <a:srgbClr val="00B050"/>
+              </a:solidFill>
+              <a:ln>
+                <a:solidFill>
+                  <a:srgbClr val="00B050"/>
+                </a:solidFill>
+              </a:ln>
+            </p:spPr>
+            <p:style>
+              <a:lnRef idx="2">
+                <a:schemeClr val="accent1">
+                  <a:shade val="50000"/>
+                </a:schemeClr>
+              </a:lnRef>
+              <a:fillRef idx="1">
+                <a:schemeClr val="accent1"/>
+              </a:fillRef>
+              <a:effectRef idx="0">
+                <a:schemeClr val="accent1"/>
+              </a:effectRef>
+              <a:fontRef idx="minor">
+                <a:schemeClr val="lt1"/>
+              </a:fontRef>
+            </p:style>
+            <p:txBody>
+              <a:bodyPr rtlCol="0" anchor="ctr"/>
+              <a:p>
+                <a:pPr algn="ctr"/>
+                <a:endParaRPr lang="zh-CN" altLang="en-US"/>
+              </a:p>
+            </p:txBody>
+          </p:sp>
+          <p:sp>
+            <p:nvSpPr>
+              <p:cNvPr id="71" name="椭圆 70"/>
+              <p:cNvSpPr/>
+              <p:nvPr/>
+            </p:nvSpPr>
+            <p:spPr>
+              <a:xfrm>
+                <a:off x="2161" y="4948"/>
+                <a:ext cx="205" cy="171"/>
+              </a:xfrm>
+              <a:prstGeom prst="ellipse">
+                <a:avLst/>
+              </a:prstGeom>
+              <a:solidFill>
+                <a:srgbClr val="00B050"/>
+              </a:solidFill>
+              <a:ln>
+                <a:solidFill>
+                  <a:srgbClr val="00B050"/>
+                </a:solidFill>
+              </a:ln>
+            </p:spPr>
+            <p:style>
+              <a:lnRef idx="2">
+                <a:schemeClr val="accent1">
+                  <a:shade val="50000"/>
+                </a:schemeClr>
+              </a:lnRef>
+              <a:fillRef idx="1">
+                <a:schemeClr val="accent1"/>
+              </a:fillRef>
+              <a:effectRef idx="0">
+                <a:schemeClr val="accent1"/>
+              </a:effectRef>
+              <a:fontRef idx="minor">
+                <a:schemeClr val="lt1"/>
+              </a:fontRef>
+            </p:style>
+            <p:txBody>
+              <a:bodyPr rtlCol="0" anchor="ctr"/>
+              <a:p>
+                <a:pPr algn="ctr"/>
+                <a:endParaRPr lang="zh-CN" altLang="en-US"/>
+              </a:p>
+            </p:txBody>
+          </p:sp>
+          <p:sp>
+            <p:nvSpPr>
+              <p:cNvPr id="72" name="椭圆 71"/>
+              <p:cNvSpPr/>
+              <p:nvPr/>
+            </p:nvSpPr>
+            <p:spPr>
+              <a:xfrm>
+                <a:off x="4809" y="5032"/>
+                <a:ext cx="205" cy="171"/>
+              </a:xfrm>
+              <a:prstGeom prst="ellipse">
+                <a:avLst/>
+              </a:prstGeom>
+              <a:solidFill>
+                <a:srgbClr val="00B050"/>
+              </a:solidFill>
+              <a:ln>
+                <a:solidFill>
+                  <a:srgbClr val="00B050"/>
+                </a:solidFill>
+              </a:ln>
+            </p:spPr>
+            <p:style>
+              <a:lnRef idx="2">
+                <a:schemeClr val="accent1">
+                  <a:shade val="50000"/>
+                </a:schemeClr>
+              </a:lnRef>
+              <a:fillRef idx="1">
+                <a:schemeClr val="accent1"/>
+              </a:fillRef>
+              <a:effectRef idx="0">
+                <a:schemeClr val="accent1"/>
+              </a:effectRef>
+              <a:fontRef idx="minor">
+                <a:schemeClr val="lt1"/>
+              </a:fontRef>
+            </p:style>
+            <p:txBody>
+              <a:bodyPr rtlCol="0" anchor="ctr"/>
+              <a:p>
+                <a:pPr algn="ctr"/>
+                <a:endParaRPr lang="zh-CN" altLang="en-US"/>
+              </a:p>
+            </p:txBody>
+          </p:sp>
+          <p:sp>
+            <p:nvSpPr>
+              <p:cNvPr id="73" name="椭圆 72"/>
+              <p:cNvSpPr/>
+              <p:nvPr/>
+            </p:nvSpPr>
+            <p:spPr>
+              <a:xfrm>
+                <a:off x="2818" y="4777"/>
+                <a:ext cx="205" cy="171"/>
+              </a:xfrm>
+              <a:prstGeom prst="ellipse">
+                <a:avLst/>
+              </a:prstGeom>
+              <a:solidFill>
+                <a:srgbClr val="00B050"/>
+              </a:solidFill>
+              <a:ln>
+                <a:solidFill>
+                  <a:srgbClr val="00B050"/>
+                </a:solidFill>
+              </a:ln>
+            </p:spPr>
+            <p:style>
+              <a:lnRef idx="2">
+                <a:schemeClr val="accent1">
+                  <a:shade val="50000"/>
+                </a:schemeClr>
+              </a:lnRef>
+              <a:fillRef idx="1">
+                <a:schemeClr val="accent1"/>
+              </a:fillRef>
+              <a:effectRef idx="0">
+                <a:schemeClr val="accent1"/>
+              </a:effectRef>
+              <a:fontRef idx="minor">
+                <a:schemeClr val="lt1"/>
+              </a:fontRef>
+            </p:style>
+            <p:txBody>
+              <a:bodyPr rtlCol="0" anchor="ctr"/>
+              <a:p>
+                <a:pPr algn="ctr"/>
+                <a:endParaRPr lang="zh-CN" altLang="en-US"/>
+              </a:p>
+            </p:txBody>
+          </p:sp>
+          <p:sp>
+            <p:nvSpPr>
+              <p:cNvPr id="74" name="椭圆 73"/>
+              <p:cNvSpPr/>
+              <p:nvPr/>
+            </p:nvSpPr>
+            <p:spPr>
+              <a:xfrm>
+                <a:off x="3125" y="5519"/>
+                <a:ext cx="205" cy="171"/>
+              </a:xfrm>
+              <a:prstGeom prst="ellipse">
+                <a:avLst/>
+              </a:prstGeom>
+              <a:solidFill>
+                <a:srgbClr val="00B050"/>
+              </a:solidFill>
+              <a:ln>
+                <a:solidFill>
+                  <a:srgbClr val="00B050"/>
+                </a:solidFill>
+              </a:ln>
+            </p:spPr>
+            <p:style>
+              <a:lnRef idx="2">
+                <a:schemeClr val="accent1">
+                  <a:shade val="50000"/>
+                </a:schemeClr>
+              </a:lnRef>
+              <a:fillRef idx="1">
+                <a:schemeClr val="accent1"/>
+              </a:fillRef>
+              <a:effectRef idx="0">
+                <a:schemeClr val="accent1"/>
+              </a:effectRef>
+              <a:fontRef idx="minor">
+                <a:schemeClr val="lt1"/>
+              </a:fontRef>
+            </p:style>
+            <p:txBody>
+              <a:bodyPr rtlCol="0" anchor="ctr"/>
+              <a:p>
+                <a:pPr algn="ctr"/>
+                <a:endParaRPr lang="zh-CN" altLang="en-US"/>
+              </a:p>
+            </p:txBody>
+          </p:sp>
+          <p:sp>
+            <p:nvSpPr>
+              <p:cNvPr id="75" name="椭圆 74"/>
+              <p:cNvSpPr/>
+              <p:nvPr/>
+            </p:nvSpPr>
+            <p:spPr>
+              <a:xfrm>
+                <a:off x="5378" y="4690"/>
+                <a:ext cx="205" cy="171"/>
+              </a:xfrm>
+              <a:prstGeom prst="ellipse">
+                <a:avLst/>
+              </a:prstGeom>
+              <a:solidFill>
+                <a:srgbClr val="00B050"/>
+              </a:solidFill>
+              <a:ln>
+                <a:solidFill>
+                  <a:srgbClr val="00B050"/>
+                </a:solidFill>
+              </a:ln>
+            </p:spPr>
+            <p:style>
+              <a:lnRef idx="2">
+                <a:schemeClr val="accent1">
+                  <a:shade val="50000"/>
+                </a:schemeClr>
+              </a:lnRef>
+              <a:fillRef idx="1">
+                <a:schemeClr val="accent1"/>
+              </a:fillRef>
+              <a:effectRef idx="0">
+                <a:schemeClr val="accent1"/>
+              </a:effectRef>
+              <a:fontRef idx="minor">
+                <a:schemeClr val="lt1"/>
+              </a:fontRef>
+            </p:style>
+            <p:txBody>
+              <a:bodyPr rtlCol="0" anchor="ctr"/>
+              <a:p>
+                <a:pPr algn="ctr"/>
+                <a:endParaRPr lang="zh-CN" altLang="en-US"/>
+              </a:p>
+            </p:txBody>
+          </p:sp>
+          <p:sp>
+            <p:nvSpPr>
+              <p:cNvPr id="76" name="椭圆 75"/>
+              <p:cNvSpPr/>
+              <p:nvPr/>
+            </p:nvSpPr>
+            <p:spPr>
+              <a:xfrm>
+                <a:off x="4940" y="3835"/>
+                <a:ext cx="205" cy="171"/>
+              </a:xfrm>
+              <a:prstGeom prst="ellipse">
+                <a:avLst/>
+              </a:prstGeom>
+              <a:solidFill>
+                <a:srgbClr val="00B050"/>
+              </a:solidFill>
+              <a:ln>
+                <a:solidFill>
+                  <a:srgbClr val="00B050"/>
+                </a:solidFill>
+              </a:ln>
+            </p:spPr>
+            <p:style>
+              <a:lnRef idx="2">
+                <a:schemeClr val="accent1">
+                  <a:shade val="50000"/>
+                </a:schemeClr>
+              </a:lnRef>
+              <a:fillRef idx="1">
+                <a:schemeClr val="accent1"/>
+              </a:fillRef>
+              <a:effectRef idx="0">
+                <a:schemeClr val="accent1"/>
+              </a:effectRef>
+              <a:fontRef idx="minor">
+                <a:schemeClr val="lt1"/>
+              </a:fontRef>
+            </p:style>
+            <p:txBody>
+              <a:bodyPr rtlCol="0" anchor="ctr"/>
+              <a:p>
+                <a:pPr algn="ctr"/>
+                <a:endParaRPr lang="zh-CN" altLang="en-US"/>
+              </a:p>
+            </p:txBody>
+          </p:sp>
+          <p:sp>
+            <p:nvSpPr>
+              <p:cNvPr id="77" name="椭圆 76"/>
+              <p:cNvSpPr/>
+              <p:nvPr/>
+            </p:nvSpPr>
+            <p:spPr>
+              <a:xfrm>
+                <a:off x="3330" y="5119"/>
+                <a:ext cx="205" cy="171"/>
+              </a:xfrm>
+              <a:prstGeom prst="ellipse">
+                <a:avLst/>
+              </a:prstGeom>
+              <a:solidFill>
+                <a:srgbClr val="00B050"/>
+              </a:solidFill>
+              <a:ln>
+                <a:solidFill>
+                  <a:srgbClr val="00B050"/>
+                </a:solidFill>
+              </a:ln>
+            </p:spPr>
+            <p:style>
+              <a:lnRef idx="2">
+                <a:schemeClr val="accent1">
+                  <a:shade val="50000"/>
+                </a:schemeClr>
+              </a:lnRef>
+              <a:fillRef idx="1">
+                <a:schemeClr val="accent1"/>
+              </a:fillRef>
+              <a:effectRef idx="0">
+                <a:schemeClr val="accent1"/>
+              </a:effectRef>
+              <a:fontRef idx="minor">
+                <a:schemeClr val="lt1"/>
+              </a:fontRef>
+            </p:style>
+            <p:txBody>
+              <a:bodyPr rtlCol="0" anchor="ctr"/>
+              <a:p>
+                <a:pPr algn="ctr"/>
+                <a:endParaRPr lang="zh-CN" altLang="en-US"/>
+              </a:p>
+            </p:txBody>
+          </p:sp>
+          <p:sp>
+            <p:nvSpPr>
+              <p:cNvPr id="78" name="椭圆 77"/>
+              <p:cNvSpPr/>
+              <p:nvPr/>
+            </p:nvSpPr>
+            <p:spPr>
+              <a:xfrm>
+                <a:off x="5896" y="4690"/>
+                <a:ext cx="205" cy="171"/>
+              </a:xfrm>
+              <a:prstGeom prst="ellipse">
+                <a:avLst/>
+              </a:prstGeom>
+              <a:solidFill>
+                <a:srgbClr val="00B050"/>
+              </a:solidFill>
+              <a:ln>
+                <a:solidFill>
+                  <a:srgbClr val="00B050"/>
+                </a:solidFill>
+              </a:ln>
+            </p:spPr>
+            <p:style>
+              <a:lnRef idx="2">
+                <a:schemeClr val="accent1">
+                  <a:shade val="50000"/>
+                </a:schemeClr>
+              </a:lnRef>
+              <a:fillRef idx="1">
+                <a:schemeClr val="accent1"/>
+              </a:fillRef>
+              <a:effectRef idx="0">
+                <a:schemeClr val="accent1"/>
+              </a:effectRef>
+              <a:fontRef idx="minor">
+                <a:schemeClr val="lt1"/>
+              </a:fontRef>
+            </p:style>
+            <p:txBody>
+              <a:bodyPr rtlCol="0" anchor="ctr"/>
+              <a:p>
+                <a:pPr algn="ctr"/>
+                <a:endParaRPr lang="zh-CN" altLang="en-US"/>
+              </a:p>
+            </p:txBody>
+          </p:sp>
+          <p:sp>
+            <p:nvSpPr>
+              <p:cNvPr id="79" name="椭圆 78"/>
+              <p:cNvSpPr/>
+              <p:nvPr/>
+            </p:nvSpPr>
+            <p:spPr>
+              <a:xfrm>
+                <a:off x="5896" y="3777"/>
+                <a:ext cx="205" cy="171"/>
+              </a:xfrm>
+              <a:prstGeom prst="ellipse">
+                <a:avLst/>
+              </a:prstGeom>
+              <a:solidFill>
+                <a:srgbClr val="00B050"/>
+              </a:solidFill>
+              <a:ln>
+                <a:solidFill>
+                  <a:srgbClr val="00B050"/>
+                </a:solidFill>
+              </a:ln>
+            </p:spPr>
+            <p:style>
+              <a:lnRef idx="2">
+                <a:schemeClr val="accent1">
+                  <a:shade val="50000"/>
+                </a:schemeClr>
+              </a:lnRef>
+              <a:fillRef idx="1">
+                <a:schemeClr val="accent1"/>
+              </a:fillRef>
+              <a:effectRef idx="0">
+                <a:schemeClr val="accent1"/>
+              </a:effectRef>
+              <a:fontRef idx="minor">
+                <a:schemeClr val="lt1"/>
+              </a:fontRef>
+            </p:style>
+            <p:txBody>
+              <a:bodyPr rtlCol="0" anchor="ctr"/>
+              <a:p>
+                <a:pPr algn="ctr"/>
+                <a:endParaRPr lang="zh-CN" altLang="en-US"/>
+              </a:p>
+            </p:txBody>
+          </p:sp>
+          <p:sp>
+            <p:nvSpPr>
+              <p:cNvPr id="80" name="椭圆 79"/>
+              <p:cNvSpPr/>
+              <p:nvPr/>
+            </p:nvSpPr>
+            <p:spPr>
+              <a:xfrm>
+                <a:off x="6159" y="4348"/>
+                <a:ext cx="205" cy="171"/>
+              </a:xfrm>
+              <a:prstGeom prst="ellipse">
+                <a:avLst/>
+              </a:prstGeom>
+              <a:solidFill>
+                <a:srgbClr val="00B050"/>
+              </a:solidFill>
+              <a:ln>
+                <a:solidFill>
+                  <a:srgbClr val="00B050"/>
+                </a:solidFill>
+              </a:ln>
+            </p:spPr>
+            <p:style>
+              <a:lnRef idx="2">
+                <a:schemeClr val="accent1">
+                  <a:shade val="50000"/>
+                </a:schemeClr>
+              </a:lnRef>
+              <a:fillRef idx="1">
+                <a:schemeClr val="accent1"/>
+              </a:fillRef>
+              <a:effectRef idx="0">
+                <a:schemeClr val="accent1"/>
+              </a:effectRef>
+              <a:fontRef idx="minor">
+                <a:schemeClr val="lt1"/>
+              </a:fontRef>
+            </p:style>
+            <p:txBody>
+              <a:bodyPr rtlCol="0" anchor="ctr"/>
+              <a:p>
+                <a:pPr algn="ctr"/>
+                <a:endParaRPr lang="zh-CN" altLang="en-US"/>
+              </a:p>
+            </p:txBody>
+          </p:sp>
+          <p:sp>
+            <p:nvSpPr>
+              <p:cNvPr id="81" name="椭圆 80"/>
+              <p:cNvSpPr/>
+              <p:nvPr/>
+            </p:nvSpPr>
+            <p:spPr>
+              <a:xfrm>
+                <a:off x="6551" y="4177"/>
+                <a:ext cx="205" cy="171"/>
+              </a:xfrm>
+              <a:prstGeom prst="ellipse">
+                <a:avLst/>
+              </a:prstGeom>
+              <a:solidFill>
+                <a:srgbClr val="00B050"/>
+              </a:solidFill>
+              <a:ln>
+                <a:solidFill>
+                  <a:srgbClr val="00B050"/>
+                </a:solidFill>
+              </a:ln>
+            </p:spPr>
+            <p:style>
+              <a:lnRef idx="2">
+                <a:schemeClr val="accent1">
+                  <a:shade val="50000"/>
+                </a:schemeClr>
+              </a:lnRef>
+              <a:fillRef idx="1">
+                <a:schemeClr val="accent1"/>
+              </a:fillRef>
+              <a:effectRef idx="0">
+                <a:schemeClr val="accent1"/>
+              </a:effectRef>
+              <a:fontRef idx="minor">
+                <a:schemeClr val="lt1"/>
+              </a:fontRef>
+            </p:style>
+            <p:txBody>
+              <a:bodyPr rtlCol="0" anchor="ctr"/>
+              <a:p>
+                <a:pPr algn="ctr"/>
+                <a:endParaRPr lang="zh-CN" altLang="en-US"/>
+              </a:p>
+            </p:txBody>
+          </p:sp>
+          <p:sp>
+            <p:nvSpPr>
+              <p:cNvPr id="82" name="椭圆 81"/>
+              <p:cNvSpPr/>
+              <p:nvPr/>
+            </p:nvSpPr>
+            <p:spPr>
+              <a:xfrm>
+                <a:off x="4399" y="4861"/>
+                <a:ext cx="205" cy="171"/>
+              </a:xfrm>
+              <a:prstGeom prst="ellipse">
+                <a:avLst/>
+              </a:prstGeom>
+              <a:solidFill>
+                <a:srgbClr val="00B050"/>
+              </a:solidFill>
+              <a:ln>
+                <a:solidFill>
+                  <a:srgbClr val="00B050"/>
+                </a:solidFill>
+              </a:ln>
+            </p:spPr>
+            <p:style>
+              <a:lnRef idx="2">
+                <a:schemeClr val="accent1">
+                  <a:shade val="50000"/>
+                </a:schemeClr>
+              </a:lnRef>
+              <a:fillRef idx="1">
+                <a:schemeClr val="accent1"/>
+              </a:fillRef>
+              <a:effectRef idx="0">
+                <a:schemeClr val="accent1"/>
+              </a:effectRef>
+              <a:fontRef idx="minor">
+                <a:schemeClr val="lt1"/>
+              </a:fontRef>
+            </p:style>
+            <p:txBody>
+              <a:bodyPr rtlCol="0" anchor="ctr"/>
+              <a:p>
+                <a:pPr algn="ctr"/>
+                <a:endParaRPr lang="zh-CN" altLang="en-US"/>
+              </a:p>
+            </p:txBody>
+          </p:sp>
+          <p:sp>
+            <p:nvSpPr>
+              <p:cNvPr id="83" name="椭圆 82"/>
+              <p:cNvSpPr/>
+              <p:nvPr/>
+            </p:nvSpPr>
+            <p:spPr>
+              <a:xfrm>
+                <a:off x="6501" y="4777"/>
+                <a:ext cx="205" cy="171"/>
+              </a:xfrm>
+              <a:prstGeom prst="ellipse">
+                <a:avLst/>
+              </a:prstGeom>
+              <a:solidFill>
+                <a:srgbClr val="00B050"/>
+              </a:solidFill>
+              <a:ln>
+                <a:solidFill>
+                  <a:srgbClr val="00B050"/>
+                </a:solidFill>
+              </a:ln>
+            </p:spPr>
+            <p:style>
+              <a:lnRef idx="2">
+                <a:schemeClr val="accent1">
+                  <a:shade val="50000"/>
+                </a:schemeClr>
+              </a:lnRef>
+              <a:fillRef idx="1">
+                <a:schemeClr val="accent1"/>
+              </a:fillRef>
+              <a:effectRef idx="0">
+                <a:schemeClr val="accent1"/>
+              </a:effectRef>
+              <a:fontRef idx="minor">
+                <a:schemeClr val="lt1"/>
+              </a:fontRef>
+            </p:style>
+            <p:txBody>
+              <a:bodyPr rtlCol="0" anchor="ctr"/>
+              <a:p>
+                <a:pPr algn="ctr"/>
+                <a:endParaRPr lang="zh-CN" altLang="en-US"/>
+              </a:p>
+            </p:txBody>
+          </p:sp>
+          <p:sp>
+            <p:nvSpPr>
+              <p:cNvPr id="84" name="椭圆 83"/>
+              <p:cNvSpPr/>
+              <p:nvPr/>
+            </p:nvSpPr>
+            <p:spPr>
+              <a:xfrm>
+                <a:off x="7005" y="4519"/>
+                <a:ext cx="205" cy="171"/>
+              </a:xfrm>
+              <a:prstGeom prst="ellipse">
+                <a:avLst/>
+              </a:prstGeom>
+              <a:solidFill>
+                <a:srgbClr val="00B050"/>
+              </a:solidFill>
+              <a:ln>
+                <a:solidFill>
+                  <a:srgbClr val="00B050"/>
+                </a:solidFill>
+              </a:ln>
+            </p:spPr>
+            <p:style>
+              <a:lnRef idx="2">
+                <a:schemeClr val="accent1">
+                  <a:shade val="50000"/>
+                </a:schemeClr>
+              </a:lnRef>
+              <a:fillRef idx="1">
+                <a:schemeClr val="accent1"/>
+              </a:fillRef>
+              <a:effectRef idx="0">
+                <a:schemeClr val="accent1"/>
+              </a:effectRef>
+              <a:fontRef idx="minor">
+                <a:schemeClr val="lt1"/>
+              </a:fontRef>
+            </p:style>
+            <p:txBody>
+              <a:bodyPr rtlCol="0" anchor="ctr"/>
+              <a:p>
+                <a:pPr algn="ctr"/>
+                <a:endParaRPr lang="zh-CN" altLang="en-US"/>
+              </a:p>
+            </p:txBody>
+          </p:sp>
+          <p:sp>
+            <p:nvSpPr>
+              <p:cNvPr id="85" name="椭圆 84"/>
+              <p:cNvSpPr/>
+              <p:nvPr/>
+            </p:nvSpPr>
+            <p:spPr>
+              <a:xfrm>
+                <a:off x="2818" y="5348"/>
+                <a:ext cx="205" cy="171"/>
+              </a:xfrm>
+              <a:prstGeom prst="ellipse">
+                <a:avLst/>
+              </a:prstGeom>
+              <a:solidFill>
+                <a:srgbClr val="00B050"/>
+              </a:solidFill>
+              <a:ln>
+                <a:solidFill>
+                  <a:srgbClr val="00B050"/>
+                </a:solidFill>
+              </a:ln>
+            </p:spPr>
+            <p:style>
+              <a:lnRef idx="2">
+                <a:schemeClr val="accent1">
+                  <a:shade val="50000"/>
+                </a:schemeClr>
+              </a:lnRef>
+              <a:fillRef idx="1">
+                <a:schemeClr val="accent1"/>
+              </a:fillRef>
+              <a:effectRef idx="0">
+                <a:schemeClr val="accent1"/>
+              </a:effectRef>
+              <a:fontRef idx="minor">
+                <a:schemeClr val="lt1"/>
+              </a:fontRef>
+            </p:style>
+            <p:txBody>
+              <a:bodyPr rtlCol="0" anchor="ctr"/>
+              <a:p>
+                <a:pPr algn="ctr"/>
+                <a:endParaRPr lang="zh-CN" altLang="en-US"/>
+              </a:p>
+            </p:txBody>
+          </p:sp>
+          <p:sp>
+            <p:nvSpPr>
+              <p:cNvPr id="86" name="椭圆 85"/>
+              <p:cNvSpPr/>
+              <p:nvPr/>
+            </p:nvSpPr>
+            <p:spPr>
+              <a:xfrm>
+                <a:off x="4809" y="7245"/>
+                <a:ext cx="205" cy="171"/>
+              </a:xfrm>
+              <a:prstGeom prst="ellipse">
+                <a:avLst/>
+              </a:prstGeom>
+              <a:noFill/>
+              <a:ln>
+                <a:solidFill>
+                  <a:srgbClr val="FF0000"/>
+                </a:solidFill>
+              </a:ln>
+              <a:extLst>
+                <a:ext uri="{909E8E84-426E-40DD-AFC4-6F175D3DCCD1}">
+                  <a14:hiddenFill xmlns:a14="http://schemas.microsoft.com/office/drawing/2010/main">
+                    <a:solidFill>
+                      <a:srgbClr val="FF0000"/>
+                    </a:solidFill>
+                  </a14:hiddenFill>
+                </a:ext>
+              </a:extLst>
+            </p:spPr>
+            <p:style>
+              <a:lnRef idx="2">
+                <a:schemeClr val="accent1">
+                  <a:shade val="50000"/>
+                </a:schemeClr>
+              </a:lnRef>
+              <a:fillRef idx="1">
+                <a:schemeClr val="accent1"/>
+              </a:fillRef>
+              <a:effectRef idx="0">
+                <a:schemeClr val="accent1"/>
+              </a:effectRef>
+              <a:fontRef idx="minor">
+                <a:schemeClr val="lt1"/>
+              </a:fontRef>
+            </p:style>
+            <p:txBody>
+              <a:bodyPr rtlCol="0" anchor="ctr"/>
+              <a:p>
+                <a:pPr algn="ctr"/>
+                <a:endParaRPr lang="zh-CN" altLang="en-US"/>
+              </a:p>
+            </p:txBody>
+          </p:sp>
+          <p:sp>
+            <p:nvSpPr>
+              <p:cNvPr id="87" name="等腰三角形 86"/>
+              <p:cNvSpPr/>
+              <p:nvPr/>
+            </p:nvSpPr>
+            <p:spPr>
+              <a:xfrm>
+                <a:off x="5694" y="7449"/>
+                <a:ext cx="229" cy="193"/>
+              </a:xfrm>
+              <a:prstGeom prst="triangle">
+                <a:avLst/>
+              </a:prstGeom>
+              <a:solidFill>
+                <a:srgbClr val="0070C0"/>
+              </a:solidFill>
+              <a:ln>
+                <a:solidFill>
+                  <a:srgbClr val="0070C0"/>
+                </a:solidFill>
+              </a:ln>
+            </p:spPr>
+            <p:style>
+              <a:lnRef idx="2">
+                <a:schemeClr val="accent1">
+                  <a:shade val="50000"/>
+                </a:schemeClr>
+              </a:lnRef>
+              <a:fillRef idx="1">
+                <a:schemeClr val="accent1"/>
+              </a:fillRef>
+              <a:effectRef idx="0">
+                <a:schemeClr val="accent1"/>
+              </a:effectRef>
+              <a:fontRef idx="minor">
+                <a:schemeClr val="lt1"/>
+              </a:fontRef>
+            </p:style>
+            <p:txBody>
+              <a:bodyPr rtlCol="0" anchor="ctr"/>
+              <a:p>
+                <a:pPr algn="ctr"/>
+                <a:endParaRPr lang="zh-CN" altLang="en-US"/>
+              </a:p>
+            </p:txBody>
+          </p:sp>
+          <p:cxnSp>
+            <p:nvCxnSpPr>
+              <p:cNvPr id="90" name="直接连接符 89"/>
+              <p:cNvCxnSpPr>
+                <a:stCxn id="87" idx="0"/>
+              </p:cNvCxnSpPr>
+              <p:nvPr/>
+            </p:nvCxnSpPr>
+            <p:spPr>
+              <a:xfrm flipH="1" flipV="1">
+                <a:off x="5617" y="5305"/>
+                <a:ext cx="192" cy="2144"/>
+              </a:xfrm>
+              <a:prstGeom prst="line">
+                <a:avLst/>
+              </a:prstGeom>
+              <a:ln>
+                <a:prstDash val="sysDash"/>
+              </a:ln>
+            </p:spPr>
+            <p:style>
+              <a:lnRef idx="1">
+                <a:schemeClr val="accent1"/>
+              </a:lnRef>
+              <a:fillRef idx="0">
+                <a:schemeClr val="accent1"/>
+              </a:fillRef>
+              <a:effectRef idx="0">
+                <a:schemeClr val="accent1"/>
+              </a:effectRef>
+              <a:fontRef idx="minor">
+                <a:schemeClr val="tx1"/>
+              </a:fontRef>
+            </p:style>
+          </p:cxnSp>
+          <p:cxnSp>
+            <p:nvCxnSpPr>
+              <p:cNvPr id="91" name="直接连接符 90"/>
+              <p:cNvCxnSpPr>
+                <a:endCxn id="87" idx="2"/>
+              </p:cNvCxnSpPr>
+              <p:nvPr/>
+            </p:nvCxnSpPr>
+            <p:spPr>
+              <a:xfrm flipV="1">
+                <a:off x="3730" y="7642"/>
+                <a:ext cx="1964" cy="239"/>
+              </a:xfrm>
+              <a:prstGeom prst="line">
+                <a:avLst/>
+              </a:prstGeom>
+              <a:ln>
+                <a:prstDash val="sysDash"/>
+              </a:ln>
+            </p:spPr>
+            <p:style>
+              <a:lnRef idx="1">
+                <a:schemeClr val="accent1"/>
+              </a:lnRef>
+              <a:fillRef idx="0">
+                <a:schemeClr val="accent1"/>
+              </a:fillRef>
+              <a:effectRef idx="0">
+                <a:schemeClr val="accent1"/>
+              </a:effectRef>
+              <a:fontRef idx="minor">
+                <a:schemeClr val="tx1"/>
+              </a:fontRef>
+            </p:style>
+          </p:cxnSp>
+          <p:cxnSp>
+            <p:nvCxnSpPr>
+              <p:cNvPr id="92" name="直接连接符 91"/>
+              <p:cNvCxnSpPr>
+                <a:stCxn id="30" idx="7"/>
+              </p:cNvCxnSpPr>
+              <p:nvPr/>
+            </p:nvCxnSpPr>
+            <p:spPr>
+              <a:xfrm flipV="1">
+                <a:off x="3700" y="5288"/>
+                <a:ext cx="1832" cy="2550"/>
+              </a:xfrm>
+              <a:prstGeom prst="line">
+                <a:avLst/>
+              </a:prstGeom>
+              <a:ln>
+                <a:prstDash val="sysDash"/>
+              </a:ln>
+            </p:spPr>
+            <p:style>
+              <a:lnRef idx="1">
+                <a:schemeClr val="accent1"/>
+              </a:lnRef>
+              <a:fillRef idx="0">
+                <a:schemeClr val="accent1"/>
+              </a:fillRef>
+              <a:effectRef idx="0">
+                <a:schemeClr val="accent1"/>
+              </a:effectRef>
+              <a:fontRef idx="minor">
+                <a:schemeClr val="tx1"/>
+              </a:fontRef>
+            </p:style>
+          </p:cxnSp>
+          <p:sp>
+            <p:nvSpPr>
+              <p:cNvPr id="93" name="菱形 92"/>
+              <p:cNvSpPr/>
+              <p:nvPr/>
+            </p:nvSpPr>
+            <p:spPr>
+              <a:xfrm>
+                <a:off x="5014" y="6895"/>
+                <a:ext cx="240" cy="222"/>
+              </a:xfrm>
+              <a:prstGeom prst="diamond">
+                <a:avLst/>
+              </a:prstGeom>
+              <a:solidFill>
+                <a:srgbClr val="00B050"/>
+              </a:solidFill>
+              <a:ln>
+                <a:solidFill>
+                  <a:srgbClr val="00B050"/>
+                </a:solidFill>
+              </a:ln>
+            </p:spPr>
+            <p:style>
+              <a:lnRef idx="2">
+                <a:schemeClr val="accent1">
+                  <a:shade val="50000"/>
+                </a:schemeClr>
+              </a:lnRef>
+              <a:fillRef idx="1">
+                <a:schemeClr val="accent1"/>
+              </a:fillRef>
+              <a:effectRef idx="0">
+                <a:schemeClr val="accent1"/>
+              </a:effectRef>
+              <a:fontRef idx="minor">
+                <a:schemeClr val="lt1"/>
+              </a:fontRef>
+            </p:style>
+            <p:txBody>
+              <a:bodyPr rtlCol="0" anchor="ctr"/>
+              <a:p>
+                <a:pPr algn="ctr"/>
+                <a:endParaRPr lang="zh-CN" altLang="en-US"/>
+              </a:p>
+            </p:txBody>
+          </p:sp>
+          <p:cxnSp>
+            <p:nvCxnSpPr>
+              <p:cNvPr id="96" name="直接连接符 95"/>
+              <p:cNvCxnSpPr>
+                <a:stCxn id="93" idx="3"/>
+              </p:cNvCxnSpPr>
+              <p:nvPr/>
+            </p:nvCxnSpPr>
+            <p:spPr>
+              <a:xfrm flipV="1">
+                <a:off x="5254" y="5271"/>
+                <a:ext cx="329" cy="1735"/>
+              </a:xfrm>
+              <a:prstGeom prst="line">
+                <a:avLst/>
+              </a:prstGeom>
+              <a:ln>
+                <a:prstDash val="sysDash"/>
+              </a:ln>
+            </p:spPr>
+            <p:style>
+              <a:lnRef idx="1">
+                <a:schemeClr val="accent1"/>
+              </a:lnRef>
+              <a:fillRef idx="0">
+                <a:schemeClr val="accent1"/>
+              </a:fillRef>
+              <a:effectRef idx="0">
+                <a:schemeClr val="accent1"/>
+              </a:effectRef>
+              <a:fontRef idx="minor">
+                <a:schemeClr val="tx1"/>
+              </a:fontRef>
+            </p:style>
+          </p:cxnSp>
+          <p:cxnSp>
+            <p:nvCxnSpPr>
+              <p:cNvPr id="97" name="直接连接符 96"/>
+              <p:cNvCxnSpPr>
+                <a:endCxn id="93" idx="1"/>
+              </p:cNvCxnSpPr>
+              <p:nvPr/>
+            </p:nvCxnSpPr>
+            <p:spPr>
+              <a:xfrm flipV="1">
+                <a:off x="3730" y="7006"/>
+                <a:ext cx="1284" cy="875"/>
+              </a:xfrm>
+              <a:prstGeom prst="line">
+                <a:avLst/>
+              </a:prstGeom>
+              <a:ln>
+                <a:prstDash val="sysDash"/>
+              </a:ln>
+            </p:spPr>
+            <p:style>
+              <a:lnRef idx="1">
+                <a:schemeClr val="accent1"/>
+              </a:lnRef>
+              <a:fillRef idx="0">
+                <a:schemeClr val="accent1"/>
+              </a:fillRef>
+              <a:effectRef idx="0">
+                <a:schemeClr val="accent1"/>
+              </a:effectRef>
+              <a:fontRef idx="minor">
+                <a:schemeClr val="tx1"/>
+              </a:fontRef>
+            </p:style>
+          </p:cxnSp>
+          <p:sp>
+            <p:nvSpPr>
+              <p:cNvPr id="99" name="椭圆 98"/>
+              <p:cNvSpPr/>
+              <p:nvPr/>
+            </p:nvSpPr>
+            <p:spPr>
+              <a:xfrm>
+                <a:off x="5254" y="6291"/>
+                <a:ext cx="205" cy="171"/>
+              </a:xfrm>
+              <a:prstGeom prst="ellipse">
+                <a:avLst/>
+              </a:prstGeom>
               <a:solidFill>
                 <a:srgbClr val="FF0000"/>
               </a:solidFill>
-            </a:ln>
-            <a:extLst>
-              <a:ext uri="{909E8E84-426E-40DD-AFC4-6F175D3DCCD1}">
-                <a14:hiddenFill xmlns:a14="http://schemas.microsoft.com/office/drawing/2010/main">
-                  <a:solidFill>
-                    <a:srgbClr val="FF0000"/>
-                  </a:solidFill>
-                </a14:hiddenFill>
-              </a:ext>
-            </a:extLst>
-          </p:spPr>
-          <p:style>
-            <a:lnRef idx="2">
-              <a:schemeClr val="accent1">
-                <a:shade val="50000"/>
-              </a:schemeClr>
-            </a:lnRef>
-            <a:fillRef idx="1">
-              <a:schemeClr val="accent1"/>
-            </a:fillRef>
-            <a:effectRef idx="0">
-              <a:schemeClr val="accent1"/>
-            </a:effectRef>
-            <a:fontRef idx="minor">
-              <a:schemeClr val="lt1"/>
-            </a:fontRef>
-          </p:style>
-          <p:txBody>
-            <a:bodyPr rtlCol="0" anchor="ctr"/>
-            <a:p>
-              <a:pPr algn="ctr"/>
-              <a:endParaRPr lang="zh-CN" altLang="en-US"/>
-            </a:p>
-          </p:txBody>
-        </p:sp>
-        <p:sp>
-          <p:nvSpPr>
-            <p:cNvPr id="63" name="椭圆 62"/>
-            <p:cNvSpPr/>
-            <p:nvPr/>
-          </p:nvSpPr>
-          <p:spPr>
-            <a:xfrm>
-              <a:off x="4807" y="2709"/>
-              <a:ext cx="205" cy="171"/>
-            </a:xfrm>
-            <a:prstGeom prst="ellipse">
-              <a:avLst/>
-            </a:prstGeom>
-            <a:noFill/>
-            <a:ln>
+              <a:ln>
+                <a:solidFill>
+                  <a:srgbClr val="FF0000"/>
+                </a:solidFill>
+              </a:ln>
+            </p:spPr>
+            <p:style>
+              <a:lnRef idx="2">
+                <a:schemeClr val="accent1">
+                  <a:shade val="50000"/>
+                </a:schemeClr>
+              </a:lnRef>
+              <a:fillRef idx="1">
+                <a:schemeClr val="accent1"/>
+              </a:fillRef>
+              <a:effectRef idx="0">
+                <a:schemeClr val="accent1"/>
+              </a:effectRef>
+              <a:fontRef idx="minor">
+                <a:schemeClr val="lt1"/>
+              </a:fontRef>
+            </p:style>
+            <p:txBody>
+              <a:bodyPr rtlCol="0" anchor="ctr"/>
+              <a:p>
+                <a:pPr algn="ctr"/>
+                <a:endParaRPr lang="zh-CN" altLang="en-US"/>
+              </a:p>
+            </p:txBody>
+          </p:sp>
+          <p:sp>
+            <p:nvSpPr>
+              <p:cNvPr id="100" name="椭圆 99"/>
+              <p:cNvSpPr/>
+              <p:nvPr/>
+            </p:nvSpPr>
+            <p:spPr>
+              <a:xfrm>
+                <a:off x="4399" y="7233"/>
+                <a:ext cx="205" cy="171"/>
+              </a:xfrm>
+              <a:prstGeom prst="ellipse">
+                <a:avLst/>
+              </a:prstGeom>
               <a:solidFill>
                 <a:srgbClr val="FF0000"/>
               </a:solidFill>
-            </a:ln>
-            <a:extLst>
-              <a:ext uri="{909E8E84-426E-40DD-AFC4-6F175D3DCCD1}">
-                <a14:hiddenFill xmlns:a14="http://schemas.microsoft.com/office/drawing/2010/main">
-                  <a:solidFill>
-                    <a:srgbClr val="FF0000"/>
-                  </a:solidFill>
-                </a14:hiddenFill>
-              </a:ext>
-            </a:extLst>
-          </p:spPr>
-          <p:style>
-            <a:lnRef idx="2">
-              <a:schemeClr val="accent1">
-                <a:shade val="50000"/>
-              </a:schemeClr>
-            </a:lnRef>
-            <a:fillRef idx="1">
-              <a:schemeClr val="accent1"/>
-            </a:fillRef>
-            <a:effectRef idx="0">
-              <a:schemeClr val="accent1"/>
-            </a:effectRef>
-            <a:fontRef idx="minor">
-              <a:schemeClr val="lt1"/>
-            </a:fontRef>
-          </p:style>
-          <p:txBody>
-            <a:bodyPr rtlCol="0" anchor="ctr"/>
-            <a:p>
-              <a:pPr algn="ctr"/>
-              <a:endParaRPr lang="zh-CN" altLang="en-US"/>
-            </a:p>
-          </p:txBody>
-        </p:sp>
-        <p:sp>
-          <p:nvSpPr>
-            <p:cNvPr id="7" name="椭圆 6"/>
-            <p:cNvSpPr/>
-            <p:nvPr/>
-          </p:nvSpPr>
-          <p:spPr>
-            <a:xfrm>
-              <a:off x="5832" y="2452"/>
-              <a:ext cx="205" cy="171"/>
-            </a:xfrm>
-            <a:prstGeom prst="ellipse">
-              <a:avLst/>
-            </a:prstGeom>
-            <a:noFill/>
-            <a:ln>
-              <a:solidFill>
-                <a:srgbClr val="FF0000"/>
-              </a:solidFill>
-            </a:ln>
-            <a:extLst>
-              <a:ext uri="{909E8E84-426E-40DD-AFC4-6F175D3DCCD1}">
-                <a14:hiddenFill xmlns:a14="http://schemas.microsoft.com/office/drawing/2010/main">
-                  <a:solidFill>
-                    <a:srgbClr val="FF0000"/>
-                  </a:solidFill>
-                </a14:hiddenFill>
-              </a:ext>
-            </a:extLst>
-          </p:spPr>
-          <p:style>
-            <a:lnRef idx="2">
-              <a:schemeClr val="accent1">
-                <a:shade val="50000"/>
-              </a:schemeClr>
-            </a:lnRef>
-            <a:fillRef idx="1">
-              <a:schemeClr val="accent1"/>
-            </a:fillRef>
-            <a:effectRef idx="0">
-              <a:schemeClr val="accent1"/>
-            </a:effectRef>
-            <a:fontRef idx="minor">
-              <a:schemeClr val="lt1"/>
-            </a:fontRef>
-          </p:style>
-          <p:txBody>
-            <a:bodyPr rtlCol="0" anchor="ctr"/>
-            <a:p>
-              <a:pPr algn="ctr"/>
-              <a:endParaRPr lang="zh-CN" altLang="en-US"/>
-            </a:p>
-          </p:txBody>
-        </p:sp>
-        <p:sp>
-          <p:nvSpPr>
-            <p:cNvPr id="10" name="椭圆 9"/>
-            <p:cNvSpPr/>
-            <p:nvPr/>
-          </p:nvSpPr>
-          <p:spPr>
-            <a:xfrm>
-              <a:off x="7313" y="3566"/>
-              <a:ext cx="205" cy="171"/>
-            </a:xfrm>
-            <a:prstGeom prst="ellipse">
-              <a:avLst/>
-            </a:prstGeom>
-            <a:noFill/>
-            <a:ln>
-              <a:solidFill>
-                <a:srgbClr val="FF0000"/>
-              </a:solidFill>
-            </a:ln>
-            <a:extLst>
-              <a:ext uri="{909E8E84-426E-40DD-AFC4-6F175D3DCCD1}">
-                <a14:hiddenFill xmlns:a14="http://schemas.microsoft.com/office/drawing/2010/main">
-                  <a:solidFill>
-                    <a:srgbClr val="FF0000"/>
-                  </a:solidFill>
-                </a14:hiddenFill>
-              </a:ext>
-            </a:extLst>
-          </p:spPr>
-          <p:style>
-            <a:lnRef idx="2">
-              <a:schemeClr val="accent1">
-                <a:shade val="50000"/>
-              </a:schemeClr>
-            </a:lnRef>
-            <a:fillRef idx="1">
-              <a:schemeClr val="accent1"/>
-            </a:fillRef>
-            <a:effectRef idx="0">
-              <a:schemeClr val="accent1"/>
-            </a:effectRef>
-            <a:fontRef idx="minor">
-              <a:schemeClr val="lt1"/>
-            </a:fontRef>
-          </p:style>
-          <p:txBody>
-            <a:bodyPr rtlCol="0" anchor="ctr"/>
-            <a:p>
-              <a:pPr algn="ctr"/>
-              <a:endParaRPr lang="zh-CN" altLang="en-US"/>
-            </a:p>
-          </p:txBody>
-        </p:sp>
-        <p:sp>
-          <p:nvSpPr>
-            <p:cNvPr id="6" name="椭圆 5"/>
-            <p:cNvSpPr/>
-            <p:nvPr/>
-          </p:nvSpPr>
-          <p:spPr>
-            <a:xfrm>
-              <a:off x="6427" y="4360"/>
-              <a:ext cx="205" cy="171"/>
-            </a:xfrm>
-            <a:prstGeom prst="ellipse">
-              <a:avLst/>
-            </a:prstGeom>
-            <a:noFill/>
-            <a:ln>
-              <a:solidFill>
-                <a:srgbClr val="FF0000"/>
-              </a:solidFill>
-            </a:ln>
-            <a:extLst>
-              <a:ext uri="{909E8E84-426E-40DD-AFC4-6F175D3DCCD1}">
-                <a14:hiddenFill xmlns:a14="http://schemas.microsoft.com/office/drawing/2010/main">
-                  <a:solidFill>
-                    <a:srgbClr val="FF0000"/>
-                  </a:solidFill>
-                </a14:hiddenFill>
-              </a:ext>
-            </a:extLst>
-          </p:spPr>
-          <p:style>
-            <a:lnRef idx="2">
-              <a:schemeClr val="accent1">
-                <a:shade val="50000"/>
-              </a:schemeClr>
-            </a:lnRef>
-            <a:fillRef idx="1">
-              <a:schemeClr val="accent1"/>
-            </a:fillRef>
-            <a:effectRef idx="0">
-              <a:schemeClr val="accent1"/>
-            </a:effectRef>
-            <a:fontRef idx="minor">
-              <a:schemeClr val="lt1"/>
-            </a:fontRef>
-          </p:style>
-          <p:txBody>
-            <a:bodyPr rtlCol="0" anchor="ctr"/>
-            <a:p>
-              <a:pPr algn="ctr"/>
-              <a:endParaRPr lang="zh-CN" altLang="en-US"/>
-            </a:p>
-          </p:txBody>
-        </p:sp>
-        <p:sp>
-          <p:nvSpPr>
-            <p:cNvPr id="8" name="椭圆 7"/>
-            <p:cNvSpPr/>
-            <p:nvPr/>
-          </p:nvSpPr>
-          <p:spPr>
-            <a:xfrm>
-              <a:off x="6469" y="2281"/>
-              <a:ext cx="205" cy="171"/>
-            </a:xfrm>
-            <a:prstGeom prst="ellipse">
-              <a:avLst/>
-            </a:prstGeom>
-            <a:noFill/>
-            <a:ln>
-              <a:solidFill>
-                <a:srgbClr val="FF0000"/>
-              </a:solidFill>
-            </a:ln>
-            <a:extLst>
-              <a:ext uri="{909E8E84-426E-40DD-AFC4-6F175D3DCCD1}">
-                <a14:hiddenFill xmlns:a14="http://schemas.microsoft.com/office/drawing/2010/main">
-                  <a:solidFill>
-                    <a:srgbClr val="FF0000"/>
-                  </a:solidFill>
-                </a14:hiddenFill>
-              </a:ext>
-            </a:extLst>
-          </p:spPr>
-          <p:style>
-            <a:lnRef idx="2">
-              <a:schemeClr val="accent1">
-                <a:shade val="50000"/>
-              </a:schemeClr>
-            </a:lnRef>
-            <a:fillRef idx="1">
-              <a:schemeClr val="accent1"/>
-            </a:fillRef>
-            <a:effectRef idx="0">
-              <a:schemeClr val="accent1"/>
-            </a:effectRef>
-            <a:fontRef idx="minor">
-              <a:schemeClr val="lt1"/>
-            </a:fontRef>
-          </p:style>
-          <p:txBody>
-            <a:bodyPr rtlCol="0" anchor="ctr"/>
-            <a:p>
-              <a:pPr algn="ctr"/>
-              <a:endParaRPr lang="zh-CN" altLang="en-US"/>
-            </a:p>
-          </p:txBody>
-        </p:sp>
-        <p:sp>
-          <p:nvSpPr>
-            <p:cNvPr id="42" name="椭圆 41"/>
-            <p:cNvSpPr/>
-            <p:nvPr/>
-          </p:nvSpPr>
-          <p:spPr>
-            <a:xfrm>
-              <a:off x="7313" y="6021"/>
-              <a:ext cx="205" cy="171"/>
-            </a:xfrm>
-            <a:prstGeom prst="ellipse">
-              <a:avLst/>
-            </a:prstGeom>
-            <a:noFill/>
-            <a:ln>
-              <a:solidFill>
-                <a:srgbClr val="FF0000"/>
-              </a:solidFill>
-            </a:ln>
-            <a:extLst>
-              <a:ext uri="{909E8E84-426E-40DD-AFC4-6F175D3DCCD1}">
-                <a14:hiddenFill xmlns:a14="http://schemas.microsoft.com/office/drawing/2010/main">
-                  <a:solidFill>
-                    <a:srgbClr val="FF0000"/>
-                  </a:solidFill>
-                </a14:hiddenFill>
-              </a:ext>
-            </a:extLst>
-          </p:spPr>
-          <p:style>
-            <a:lnRef idx="2">
-              <a:schemeClr val="accent1">
-                <a:shade val="50000"/>
-              </a:schemeClr>
-            </a:lnRef>
-            <a:fillRef idx="1">
-              <a:schemeClr val="accent1"/>
-            </a:fillRef>
-            <a:effectRef idx="0">
-              <a:schemeClr val="accent1"/>
-            </a:effectRef>
-            <a:fontRef idx="minor">
-              <a:schemeClr val="lt1"/>
-            </a:fontRef>
-          </p:style>
-          <p:txBody>
-            <a:bodyPr rtlCol="0" anchor="ctr"/>
-            <a:p>
-              <a:pPr algn="ctr"/>
-              <a:endParaRPr lang="zh-CN" altLang="en-US"/>
-            </a:p>
-          </p:txBody>
-        </p:sp>
-        <p:sp>
-          <p:nvSpPr>
-            <p:cNvPr id="43" name="椭圆 42"/>
-            <p:cNvSpPr/>
-            <p:nvPr/>
-          </p:nvSpPr>
-          <p:spPr>
-            <a:xfrm>
-              <a:off x="5217" y="3222"/>
-              <a:ext cx="205" cy="171"/>
-            </a:xfrm>
-            <a:prstGeom prst="ellipse">
-              <a:avLst/>
-            </a:prstGeom>
-            <a:noFill/>
-            <a:ln>
-              <a:solidFill>
-                <a:srgbClr val="FF0000"/>
-              </a:solidFill>
-            </a:ln>
-            <a:extLst>
-              <a:ext uri="{909E8E84-426E-40DD-AFC4-6F175D3DCCD1}">
-                <a14:hiddenFill xmlns:a14="http://schemas.microsoft.com/office/drawing/2010/main">
-                  <a:solidFill>
-                    <a:srgbClr val="FF0000"/>
-                  </a:solidFill>
-                </a14:hiddenFill>
-              </a:ext>
-            </a:extLst>
-          </p:spPr>
-          <p:style>
-            <a:lnRef idx="2">
-              <a:schemeClr val="accent1">
-                <a:shade val="50000"/>
-              </a:schemeClr>
-            </a:lnRef>
-            <a:fillRef idx="1">
-              <a:schemeClr val="accent1"/>
-            </a:fillRef>
-            <a:effectRef idx="0">
-              <a:schemeClr val="accent1"/>
-            </a:effectRef>
-            <a:fontRef idx="minor">
-              <a:schemeClr val="lt1"/>
-            </a:fontRef>
-          </p:style>
-          <p:txBody>
-            <a:bodyPr rtlCol="0" anchor="ctr"/>
-            <a:p>
-              <a:pPr algn="ctr"/>
-              <a:endParaRPr lang="zh-CN" altLang="en-US"/>
-            </a:p>
-          </p:txBody>
-        </p:sp>
-        <p:sp>
-          <p:nvSpPr>
-            <p:cNvPr id="47" name="椭圆 46"/>
-            <p:cNvSpPr/>
-            <p:nvPr/>
-          </p:nvSpPr>
-          <p:spPr>
-            <a:xfrm>
-              <a:off x="8229" y="6346"/>
-              <a:ext cx="205" cy="171"/>
-            </a:xfrm>
-            <a:prstGeom prst="ellipse">
-              <a:avLst/>
-            </a:prstGeom>
-            <a:noFill/>
-            <a:ln>
-              <a:solidFill>
-                <a:srgbClr val="FF0000"/>
-              </a:solidFill>
-            </a:ln>
-            <a:extLst>
-              <a:ext uri="{909E8E84-426E-40DD-AFC4-6F175D3DCCD1}">
-                <a14:hiddenFill xmlns:a14="http://schemas.microsoft.com/office/drawing/2010/main">
-                  <a:solidFill>
-                    <a:srgbClr val="FF0000"/>
-                  </a:solidFill>
-                </a14:hiddenFill>
-              </a:ext>
-            </a:extLst>
-          </p:spPr>
-          <p:style>
-            <a:lnRef idx="2">
-              <a:schemeClr val="accent1">
-                <a:shade val="50000"/>
-              </a:schemeClr>
-            </a:lnRef>
-            <a:fillRef idx="1">
-              <a:schemeClr val="accent1"/>
-            </a:fillRef>
-            <a:effectRef idx="0">
-              <a:schemeClr val="accent1"/>
-            </a:effectRef>
-            <a:fontRef idx="minor">
-              <a:schemeClr val="lt1"/>
-            </a:fontRef>
-          </p:style>
-          <p:txBody>
-            <a:bodyPr rtlCol="0" anchor="ctr"/>
-            <a:p>
-              <a:pPr algn="ctr"/>
-              <a:endParaRPr lang="zh-CN" altLang="en-US"/>
-            </a:p>
-          </p:txBody>
-        </p:sp>
-        <p:sp>
-          <p:nvSpPr>
-            <p:cNvPr id="48" name="椭圆 47"/>
-            <p:cNvSpPr/>
-            <p:nvPr/>
-          </p:nvSpPr>
-          <p:spPr>
-            <a:xfrm>
-              <a:off x="4379" y="3703"/>
-              <a:ext cx="205" cy="171"/>
-            </a:xfrm>
-            <a:prstGeom prst="ellipse">
-              <a:avLst/>
-            </a:prstGeom>
-            <a:noFill/>
-            <a:ln>
-              <a:solidFill>
-                <a:srgbClr val="FF0000"/>
-              </a:solidFill>
-            </a:ln>
-            <a:extLst>
-              <a:ext uri="{909E8E84-426E-40DD-AFC4-6F175D3DCCD1}">
-                <a14:hiddenFill xmlns:a14="http://schemas.microsoft.com/office/drawing/2010/main">
-                  <a:solidFill>
-                    <a:srgbClr val="FF0000"/>
-                  </a:solidFill>
-                </a14:hiddenFill>
-              </a:ext>
-            </a:extLst>
-          </p:spPr>
-          <p:style>
-            <a:lnRef idx="2">
-              <a:schemeClr val="accent1">
-                <a:shade val="50000"/>
-              </a:schemeClr>
-            </a:lnRef>
-            <a:fillRef idx="1">
-              <a:schemeClr val="accent1"/>
-            </a:fillRef>
-            <a:effectRef idx="0">
-              <a:schemeClr val="accent1"/>
-            </a:effectRef>
-            <a:fontRef idx="minor">
-              <a:schemeClr val="lt1"/>
-            </a:fontRef>
-          </p:style>
-          <p:txBody>
-            <a:bodyPr rtlCol="0" anchor="ctr"/>
-            <a:p>
-              <a:pPr algn="ctr"/>
-              <a:endParaRPr lang="zh-CN" altLang="en-US"/>
-            </a:p>
-          </p:txBody>
-        </p:sp>
-        <p:sp>
-          <p:nvSpPr>
-            <p:cNvPr id="50" name="椭圆 49"/>
-            <p:cNvSpPr/>
-            <p:nvPr/>
-          </p:nvSpPr>
-          <p:spPr>
-            <a:xfrm>
-              <a:off x="5012" y="4189"/>
-              <a:ext cx="205" cy="171"/>
-            </a:xfrm>
-            <a:prstGeom prst="ellipse">
-              <a:avLst/>
-            </a:prstGeom>
-            <a:noFill/>
-            <a:ln>
-              <a:solidFill>
-                <a:srgbClr val="FF0000"/>
-              </a:solidFill>
-            </a:ln>
-            <a:extLst>
-              <a:ext uri="{909E8E84-426E-40DD-AFC4-6F175D3DCCD1}">
-                <a14:hiddenFill xmlns:a14="http://schemas.microsoft.com/office/drawing/2010/main">
-                  <a:solidFill>
-                    <a:srgbClr val="FF0000"/>
-                  </a:solidFill>
-                </a14:hiddenFill>
-              </a:ext>
-            </a:extLst>
-          </p:spPr>
-          <p:style>
-            <a:lnRef idx="2">
-              <a:schemeClr val="accent1">
-                <a:shade val="50000"/>
-              </a:schemeClr>
-            </a:lnRef>
-            <a:fillRef idx="1">
-              <a:schemeClr val="accent1"/>
-            </a:fillRef>
-            <a:effectRef idx="0">
-              <a:schemeClr val="accent1"/>
-            </a:effectRef>
-            <a:fontRef idx="minor">
-              <a:schemeClr val="lt1"/>
-            </a:fontRef>
-          </p:style>
-          <p:txBody>
-            <a:bodyPr rtlCol="0" anchor="ctr"/>
-            <a:p>
-              <a:pPr algn="ctr"/>
-              <a:endParaRPr lang="zh-CN" altLang="en-US"/>
-            </a:p>
-          </p:txBody>
-        </p:sp>
-        <p:sp>
-          <p:nvSpPr>
-            <p:cNvPr id="51" name="椭圆 50"/>
-            <p:cNvSpPr/>
-            <p:nvPr/>
-          </p:nvSpPr>
-          <p:spPr>
-            <a:xfrm>
-              <a:off x="6674" y="3051"/>
-              <a:ext cx="205" cy="171"/>
-            </a:xfrm>
-            <a:prstGeom prst="ellipse">
-              <a:avLst/>
-            </a:prstGeom>
-            <a:noFill/>
-            <a:ln>
-              <a:solidFill>
-                <a:srgbClr val="FF0000"/>
-              </a:solidFill>
-            </a:ln>
-            <a:extLst>
-              <a:ext uri="{909E8E84-426E-40DD-AFC4-6F175D3DCCD1}">
-                <a14:hiddenFill xmlns:a14="http://schemas.microsoft.com/office/drawing/2010/main">
-                  <a:solidFill>
-                    <a:srgbClr val="FF0000"/>
-                  </a:solidFill>
-                </a14:hiddenFill>
-              </a:ext>
-            </a:extLst>
-          </p:spPr>
-          <p:style>
-            <a:lnRef idx="2">
-              <a:schemeClr val="accent1">
-                <a:shade val="50000"/>
-              </a:schemeClr>
-            </a:lnRef>
-            <a:fillRef idx="1">
-              <a:schemeClr val="accent1"/>
-            </a:fillRef>
-            <a:effectRef idx="0">
-              <a:schemeClr val="accent1"/>
-            </a:effectRef>
-            <a:fontRef idx="minor">
-              <a:schemeClr val="lt1"/>
-            </a:fontRef>
-          </p:style>
-          <p:txBody>
-            <a:bodyPr rtlCol="0" anchor="ctr"/>
-            <a:p>
-              <a:pPr algn="ctr"/>
-              <a:endParaRPr lang="zh-CN" altLang="en-US"/>
-            </a:p>
-          </p:txBody>
-        </p:sp>
+              <a:ln>
+                <a:solidFill>
+                  <a:srgbClr val="FF0000"/>
+                </a:solidFill>
+              </a:ln>
+            </p:spPr>
+            <p:style>
+              <a:lnRef idx="2">
+                <a:schemeClr val="accent1">
+                  <a:shade val="50000"/>
+                </a:schemeClr>
+              </a:lnRef>
+              <a:fillRef idx="1">
+                <a:schemeClr val="accent1"/>
+              </a:fillRef>
+              <a:effectRef idx="0">
+                <a:schemeClr val="accent1"/>
+              </a:effectRef>
+              <a:fontRef idx="minor">
+                <a:schemeClr val="lt1"/>
+              </a:fontRef>
+            </p:style>
+            <p:txBody>
+              <a:bodyPr rtlCol="0" anchor="ctr"/>
+              <a:p>
+                <a:pPr algn="ctr"/>
+                <a:endParaRPr lang="zh-CN" altLang="en-US"/>
+              </a:p>
+            </p:txBody>
+          </p:sp>
+          <p:graphicFrame>
+            <p:nvGraphicFramePr>
+              <p:cNvPr id="101" name="对象 100">
+                <a:hlinkClick r:id="" action="ppaction://ole?verb="/>
+              </p:cNvPr>
+              <p:cNvGraphicFramePr>
+                <a:graphicFrameLocks noChangeAspect="1"/>
+              </p:cNvGraphicFramePr>
+              <p:nvPr/>
+            </p:nvGraphicFramePr>
+            <p:xfrm>
+              <a:off x="5838" y="7151"/>
+              <a:ext cx="613" cy="613"/>
+            </p:xfrm>
+            <a:graphic>
+              <a:graphicData uri="http://schemas.openxmlformats.org/presentationml/2006/ole">
+                <mc:AlternateContent xmlns:mc="http://schemas.openxmlformats.org/markup-compatibility/2006">
+                  <mc:Choice xmlns:v="urn:schemas-microsoft-com:vml" Requires="v">
+                    <p:oleObj spid="_x0000_s102" name="" r:id="rId5" imgW="190500" imgH="190500" progId="Equation.KSEE3">
+                      <p:embed/>
+                    </p:oleObj>
+                  </mc:Choice>
+                  <mc:Fallback>
+                    <p:oleObj name="" r:id="rId5" imgW="190500" imgH="190500" progId="Equation.KSEE3">
+                      <p:embed/>
+                      <p:pic>
+                        <p:nvPicPr>
+                          <p:cNvPr id="0" name="图片 1025"/>
+                          <p:cNvPicPr/>
+                          <p:nvPr/>
+                        </p:nvPicPr>
+                        <p:blipFill>
+                          <a:blip r:embed="rId6"/>
+                          <a:stretch>
+                            <a:fillRect/>
+                          </a:stretch>
+                        </p:blipFill>
+                        <p:spPr>
+                          <a:xfrm>
+                            <a:off x="5838" y="7151"/>
+                            <a:ext cx="613" cy="613"/>
+                          </a:xfrm>
+                          <a:prstGeom prst="rect">
+                            <a:avLst/>
+                          </a:prstGeom>
+                        </p:spPr>
+                      </p:pic>
+                    </p:oleObj>
+                  </mc:Fallback>
+                </mc:AlternateContent>
+              </a:graphicData>
+            </a:graphic>
+          </p:graphicFrame>
+          <p:graphicFrame>
+            <p:nvGraphicFramePr>
+              <p:cNvPr id="25" name="对象 24">
+                <a:hlinkClick r:id="" action="ppaction://ole?verb="/>
+              </p:cNvPr>
+              <p:cNvGraphicFramePr>
+                <a:graphicFrameLocks noChangeAspect="1"/>
+              </p:cNvGraphicFramePr>
+              <p:nvPr/>
+            </p:nvGraphicFramePr>
+            <p:xfrm>
+              <a:off x="5709" y="4850"/>
+              <a:ext cx="532" cy="532"/>
+            </p:xfrm>
+            <a:graphic>
+              <a:graphicData uri="http://schemas.openxmlformats.org/presentationml/2006/ole">
+                <mc:AlternateContent xmlns:mc="http://schemas.openxmlformats.org/markup-compatibility/2006">
+                  <mc:Choice xmlns:v="urn:schemas-microsoft-com:vml" Requires="v">
+                    <p:oleObj spid="_x0000_s26" name="" r:id="rId7" imgW="165100" imgH="165100" progId="Equation.KSEE3">
+                      <p:embed/>
+                    </p:oleObj>
+                  </mc:Choice>
+                  <mc:Fallback>
+                    <p:oleObj name="" r:id="rId7" imgW="165100" imgH="165100" progId="Equation.KSEE3">
+                      <p:embed/>
+                      <p:pic>
+                        <p:nvPicPr>
+                          <p:cNvPr id="0" name="图片 1025"/>
+                          <p:cNvPicPr/>
+                          <p:nvPr/>
+                        </p:nvPicPr>
+                        <p:blipFill>
+                          <a:blip r:embed="rId8"/>
+                          <a:stretch>
+                            <a:fillRect/>
+                          </a:stretch>
+                        </p:blipFill>
+                        <p:spPr>
+                          <a:xfrm>
+                            <a:off x="5709" y="4850"/>
+                            <a:ext cx="532" cy="532"/>
+                          </a:xfrm>
+                          <a:prstGeom prst="rect">
+                            <a:avLst/>
+                          </a:prstGeom>
+                        </p:spPr>
+                      </p:pic>
+                    </p:oleObj>
+                  </mc:Fallback>
+                </mc:AlternateContent>
+              </a:graphicData>
+            </a:graphic>
+          </p:graphicFrame>
+          <p:graphicFrame>
+            <p:nvGraphicFramePr>
+              <p:cNvPr id="17" name="对象 16">
+                <a:hlinkClick r:id="" action="ppaction://ole?verb="/>
+              </p:cNvPr>
+              <p:cNvGraphicFramePr>
+                <a:graphicFrameLocks noChangeAspect="1"/>
+              </p:cNvGraphicFramePr>
+              <p:nvPr/>
+            </p:nvGraphicFramePr>
+            <p:xfrm>
+              <a:off x="5145" y="6895"/>
+              <a:ext cx="571" cy="571"/>
+            </p:xfrm>
+            <a:graphic>
+              <a:graphicData uri="http://schemas.openxmlformats.org/presentationml/2006/ole">
+                <mc:AlternateContent xmlns:mc="http://schemas.openxmlformats.org/markup-compatibility/2006">
+                  <mc:Choice xmlns:v="urn:schemas-microsoft-com:vml" Requires="v">
+                    <p:oleObj spid="_x0000_s18" name="" r:id="rId9" imgW="177165" imgH="177165" progId="Equation.KSEE3">
+                      <p:embed/>
+                    </p:oleObj>
+                  </mc:Choice>
+                  <mc:Fallback>
+                    <p:oleObj name="" r:id="rId9" imgW="177165" imgH="177165" progId="Equation.KSEE3">
+                      <p:embed/>
+                      <p:pic>
+                        <p:nvPicPr>
+                          <p:cNvPr id="0" name="图片 1025"/>
+                          <p:cNvPicPr/>
+                          <p:nvPr/>
+                        </p:nvPicPr>
+                        <p:blipFill>
+                          <a:blip r:embed="rId10"/>
+                          <a:stretch>
+                            <a:fillRect/>
+                          </a:stretch>
+                        </p:blipFill>
+                        <p:spPr>
+                          <a:xfrm>
+                            <a:off x="5145" y="6895"/>
+                            <a:ext cx="571" cy="571"/>
+                          </a:xfrm>
+                          <a:prstGeom prst="rect">
+                            <a:avLst/>
+                          </a:prstGeom>
+                        </p:spPr>
+                      </p:pic>
+                    </p:oleObj>
+                  </mc:Fallback>
+                </mc:AlternateContent>
+              </a:graphicData>
+            </a:graphic>
+          </p:graphicFrame>
+          <p:graphicFrame>
+            <p:nvGraphicFramePr>
+              <p:cNvPr id="21" name="对象 20">
+                <a:hlinkClick r:id="" action="ppaction://ole?verb="/>
+              </p:cNvPr>
+              <p:cNvGraphicFramePr>
+                <a:graphicFrameLocks noChangeAspect="1"/>
+              </p:cNvGraphicFramePr>
+              <p:nvPr/>
+            </p:nvGraphicFramePr>
+            <p:xfrm>
+              <a:off x="5437" y="6059"/>
+              <a:ext cx="450" cy="532"/>
+            </p:xfrm>
+            <a:graphic>
+              <a:graphicData uri="http://schemas.openxmlformats.org/presentationml/2006/ole">
+                <mc:AlternateContent xmlns:mc="http://schemas.openxmlformats.org/markup-compatibility/2006">
+                  <mc:Choice xmlns:v="urn:schemas-microsoft-com:vml" Requires="v">
+                    <p:oleObj spid="_x0000_s22" name="" r:id="rId11" imgW="139700" imgH="165100" progId="Equation.KSEE3">
+                      <p:embed/>
+                    </p:oleObj>
+                  </mc:Choice>
+                  <mc:Fallback>
+                    <p:oleObj name="" r:id="rId11" imgW="139700" imgH="165100" progId="Equation.KSEE3">
+                      <p:embed/>
+                      <p:pic>
+                        <p:nvPicPr>
+                          <p:cNvPr id="0" name="图片 1025"/>
+                          <p:cNvPicPr/>
+                          <p:nvPr/>
+                        </p:nvPicPr>
+                        <p:blipFill>
+                          <a:blip r:embed="rId12"/>
+                          <a:stretch>
+                            <a:fillRect/>
+                          </a:stretch>
+                        </p:blipFill>
+                        <p:spPr>
+                          <a:xfrm>
+                            <a:off x="5437" y="6059"/>
+                            <a:ext cx="450" cy="532"/>
+                          </a:xfrm>
+                          <a:prstGeom prst="rect">
+                            <a:avLst/>
+                          </a:prstGeom>
+                        </p:spPr>
+                      </p:pic>
+                    </p:oleObj>
+                  </mc:Fallback>
+                </mc:AlternateContent>
+              </a:graphicData>
+            </a:graphic>
+          </p:graphicFrame>
+          <p:graphicFrame>
+            <p:nvGraphicFramePr>
+              <p:cNvPr id="3" name="对象 2">
+                <a:hlinkClick r:id="" action="ppaction://ole?verb="/>
+              </p:cNvPr>
+              <p:cNvGraphicFramePr>
+                <a:graphicFrameLocks noChangeAspect="1"/>
+              </p:cNvGraphicFramePr>
+              <p:nvPr/>
+            </p:nvGraphicFramePr>
+            <p:xfrm>
+              <a:off x="2943" y="7696"/>
+              <a:ext cx="571" cy="532"/>
+            </p:xfrm>
+            <a:graphic>
+              <a:graphicData uri="http://schemas.openxmlformats.org/presentationml/2006/ole">
+                <mc:AlternateContent xmlns:mc="http://schemas.openxmlformats.org/markup-compatibility/2006">
+                  <mc:Choice xmlns:v="urn:schemas-microsoft-com:vml" Requires="v">
+                    <p:oleObj spid="_x0000_s6" name="" r:id="rId13" imgW="177165" imgH="165100" progId="Equation.KSEE3">
+                      <p:embed/>
+                    </p:oleObj>
+                  </mc:Choice>
+                  <mc:Fallback>
+                    <p:oleObj name="" r:id="rId13" imgW="177165" imgH="165100" progId="Equation.KSEE3">
+                      <p:embed/>
+                      <p:pic>
+                        <p:nvPicPr>
+                          <p:cNvPr id="0" name="图片 1025"/>
+                          <p:cNvPicPr/>
+                          <p:nvPr/>
+                        </p:nvPicPr>
+                        <p:blipFill>
+                          <a:blip r:embed="rId14"/>
+                          <a:stretch>
+                            <a:fillRect/>
+                          </a:stretch>
+                        </p:blipFill>
+                        <p:spPr>
+                          <a:xfrm>
+                            <a:off x="2943" y="7696"/>
+                            <a:ext cx="571" cy="532"/>
+                          </a:xfrm>
+                          <a:prstGeom prst="rect">
+                            <a:avLst/>
+                          </a:prstGeom>
+                        </p:spPr>
+                      </p:pic>
+                    </p:oleObj>
+                  </mc:Fallback>
+                </mc:AlternateContent>
+              </a:graphicData>
+            </a:graphic>
+          </p:graphicFrame>
+          <p:graphicFrame>
+            <p:nvGraphicFramePr>
+              <p:cNvPr id="7" name="对象 6">
+                <a:hlinkClick r:id="" action="ppaction://ole?verb="/>
+              </p:cNvPr>
+              <p:cNvGraphicFramePr>
+                <a:graphicFrameLocks noChangeAspect="1"/>
+              </p:cNvGraphicFramePr>
+              <p:nvPr/>
+            </p:nvGraphicFramePr>
+            <p:xfrm>
+              <a:off x="4489" y="7198"/>
+              <a:ext cx="532" cy="532"/>
+            </p:xfrm>
+            <a:graphic>
+              <a:graphicData uri="http://schemas.openxmlformats.org/presentationml/2006/ole">
+                <mc:AlternateContent xmlns:mc="http://schemas.openxmlformats.org/markup-compatibility/2006">
+                  <mc:Choice xmlns:v="urn:schemas-microsoft-com:vml" Requires="v">
+                    <p:oleObj spid="_x0000_s8" name="" r:id="rId15" imgW="165100" imgH="165100" progId="Equation.KSEE3">
+                      <p:embed/>
+                    </p:oleObj>
+                  </mc:Choice>
+                  <mc:Fallback>
+                    <p:oleObj name="" r:id="rId15" imgW="165100" imgH="165100" progId="Equation.KSEE3">
+                      <p:embed/>
+                      <p:pic>
+                        <p:nvPicPr>
+                          <p:cNvPr id="0" name="图片 1025"/>
+                          <p:cNvPicPr/>
+                          <p:nvPr/>
+                        </p:nvPicPr>
+                        <p:blipFill>
+                          <a:blip r:embed="rId16"/>
+                          <a:stretch>
+                            <a:fillRect/>
+                          </a:stretch>
+                        </p:blipFill>
+                        <p:spPr>
+                          <a:xfrm>
+                            <a:off x="4489" y="7198"/>
+                            <a:ext cx="532" cy="532"/>
+                          </a:xfrm>
+                          <a:prstGeom prst="rect">
+                            <a:avLst/>
+                          </a:prstGeom>
+                        </p:spPr>
+                      </p:pic>
+                    </p:oleObj>
+                  </mc:Fallback>
+                </mc:AlternateContent>
+              </a:graphicData>
+            </a:graphic>
+          </p:graphicFrame>
+          <p:sp>
+            <p:nvSpPr>
+              <p:cNvPr id="229" name="椭圆 228"/>
+              <p:cNvSpPr/>
+              <p:nvPr/>
+            </p:nvSpPr>
+            <p:spPr>
+              <a:xfrm>
+                <a:off x="6501" y="5117"/>
+                <a:ext cx="205" cy="171"/>
+              </a:xfrm>
+              <a:prstGeom prst="ellipse">
+                <a:avLst/>
+              </a:prstGeom>
+              <a:noFill/>
+              <a:ln>
+                <a:solidFill>
+                  <a:srgbClr val="FF0000"/>
+                </a:solidFill>
+              </a:ln>
+              <a:extLst>
+                <a:ext uri="{909E8E84-426E-40DD-AFC4-6F175D3DCCD1}">
+                  <a14:hiddenFill xmlns:a14="http://schemas.microsoft.com/office/drawing/2010/main">
+                    <a:solidFill>
+                      <a:srgbClr val="FF0000"/>
+                    </a:solidFill>
+                  </a14:hiddenFill>
+                </a:ext>
+              </a:extLst>
+            </p:spPr>
+            <p:style>
+              <a:lnRef idx="2">
+                <a:schemeClr val="accent1">
+                  <a:shade val="50000"/>
+                </a:schemeClr>
+              </a:lnRef>
+              <a:fillRef idx="1">
+                <a:schemeClr val="accent1"/>
+              </a:fillRef>
+              <a:effectRef idx="0">
+                <a:schemeClr val="accent1"/>
+              </a:effectRef>
+              <a:fontRef idx="minor">
+                <a:schemeClr val="lt1"/>
+              </a:fontRef>
+            </p:style>
+            <p:txBody>
+              <a:bodyPr rtlCol="0" anchor="ctr"/>
+              <a:p>
+                <a:pPr algn="ctr"/>
+                <a:endParaRPr lang="zh-CN" altLang="en-US"/>
+              </a:p>
+            </p:txBody>
+          </p:sp>
+        </p:grpSp>
+      </p:grpSp>
+      <p:grpSp>
+        <p:nvGrpSpPr>
+          <p:cNvPr id="237" name="组合 236"/>
+          <p:cNvGrpSpPr/>
+          <p:nvPr/>
+        </p:nvGrpSpPr>
+        <p:grpSpPr>
+          <a:xfrm>
+            <a:off x="160655" y="749935"/>
+            <a:ext cx="5953125" cy="5053965"/>
+            <a:chOff x="9416" y="1386"/>
+            <a:chExt cx="9375" cy="7959"/>
+          </a:xfrm>
+        </p:grpSpPr>
         <p:graphicFrame>
           <p:nvGraphicFramePr>
-            <p:cNvPr id="52" name="对象 51">
+            <p:cNvPr id="19" name="对象 18">
               <a:hlinkClick r:id="" action="ppaction://ole?verb="/>
             </p:cNvPr>
             <p:cNvGraphicFramePr>
@@ -23391,36 +27330,36 @@
             <p:nvPr/>
           </p:nvGraphicFramePr>
           <p:xfrm>
-            <a:off x="4990" y="3393"/>
-            <a:ext cx="613" cy="613"/>
+            <a:off x="9416" y="1386"/>
+            <a:ext cx="527" cy="623"/>
           </p:xfrm>
           <a:graphic>
             <a:graphicData uri="http://schemas.openxmlformats.org/presentationml/2006/ole">
               <mc:AlternateContent xmlns:mc="http://schemas.openxmlformats.org/markup-compatibility/2006">
                 <mc:Choice xmlns:v="urn:schemas-microsoft-com:vml" Requires="v">
-                  <p:oleObj spid="_x0000_s1026" name="" r:id="rId5" imgW="190500" imgH="190500" progId="Equation.KSEE3">
+                  <p:oleObj spid="_x0000_s20" name="" r:id="rId17" imgW="139700" imgH="165100" progId="Equation.KSEE3">
                     <p:embed/>
                   </p:oleObj>
                 </mc:Choice>
                 <mc:Fallback>
-                  <p:oleObj name="" r:id="rId5" imgW="190500" imgH="190500" progId="Equation.KSEE3">
+                  <p:oleObj name="" r:id="rId17" imgW="139700" imgH="165100" progId="Equation.KSEE3">
                     <p:embed/>
                     <p:pic>
                       <p:nvPicPr>
-                        <p:cNvPr id="0" name="图片 1025"/>
+                        <p:cNvPr id="0" name="图片 1024"/>
                         <p:cNvPicPr/>
                         <p:nvPr/>
                       </p:nvPicPr>
                       <p:blipFill>
-                        <a:blip r:embed="rId6"/>
+                        <a:blip r:embed="rId2"/>
                         <a:stretch>
                           <a:fillRect/>
                         </a:stretch>
                       </p:blipFill>
                       <p:spPr>
                         <a:xfrm>
-                          <a:off x="4990" y="3393"/>
-                          <a:ext cx="613" cy="613"/>
+                          <a:off x="9416" y="1386"/>
+                          <a:ext cx="527" cy="623"/>
                         </a:xfrm>
                         <a:prstGeom prst="rect">
                           <a:avLst/>
@@ -23433,637 +27372,2700 @@
             </a:graphicData>
           </a:graphic>
         </p:graphicFrame>
-        <p:sp>
-          <p:nvSpPr>
-            <p:cNvPr id="54" name="等腰三角形 53"/>
-            <p:cNvSpPr/>
+        <p:grpSp>
+          <p:nvGrpSpPr>
+            <p:cNvPr id="236" name="组合 235"/>
+            <p:cNvGrpSpPr/>
             <p:nvPr/>
-          </p:nvSpPr>
-          <p:spPr>
+          </p:nvGrpSpPr>
+          <p:grpSpPr>
             <a:xfrm>
-              <a:off x="5603" y="3505"/>
-              <a:ext cx="229" cy="193"/>
+              <a:off x="10125" y="1617"/>
+              <a:ext cx="8667" cy="7728"/>
+              <a:chOff x="10125" y="1617"/>
+              <a:chExt cx="8667" cy="7728"/>
             </a:xfrm>
-            <a:prstGeom prst="triangle">
-              <a:avLst/>
-            </a:prstGeom>
-            <a:solidFill>
-              <a:srgbClr val="0070C0"/>
-            </a:solidFill>
-            <a:ln>
-              <a:solidFill>
-                <a:srgbClr val="0070C0"/>
-              </a:solidFill>
-            </a:ln>
-          </p:spPr>
-          <p:style>
-            <a:lnRef idx="2">
-              <a:schemeClr val="accent1">
-                <a:shade val="50000"/>
-              </a:schemeClr>
-            </a:lnRef>
-            <a:fillRef idx="1">
-              <a:schemeClr val="accent1"/>
-            </a:fillRef>
-            <a:effectRef idx="0">
-              <a:schemeClr val="accent1"/>
-            </a:effectRef>
-            <a:fontRef idx="minor">
-              <a:schemeClr val="lt1"/>
-            </a:fontRef>
-          </p:style>
-          <p:txBody>
-            <a:bodyPr rtlCol="0" anchor="ctr"/>
-            <a:p>
-              <a:pPr algn="ctr"/>
-              <a:endParaRPr lang="zh-CN" altLang="en-US"/>
-            </a:p>
-          </p:txBody>
-        </p:sp>
-        <p:cxnSp>
-          <p:nvCxnSpPr>
-            <p:cNvPr id="3" name="直接连接符 2"/>
-            <p:cNvCxnSpPr>
-              <a:stCxn id="54" idx="5"/>
-              <a:endCxn id="61" idx="2"/>
-            </p:cNvCxnSpPr>
-            <p:nvPr/>
-          </p:nvCxnSpPr>
-          <p:spPr>
-            <a:xfrm flipV="1">
-              <a:off x="5775" y="3137"/>
-              <a:ext cx="1743" cy="465"/>
-            </a:xfrm>
-            <a:prstGeom prst="line">
-              <a:avLst/>
-            </a:prstGeom>
-            <a:ln>
-              <a:prstDash val="sysDash"/>
-            </a:ln>
-          </p:spPr>
-          <p:style>
-            <a:lnRef idx="1">
-              <a:schemeClr val="accent1"/>
-            </a:lnRef>
-            <a:fillRef idx="0">
-              <a:schemeClr val="accent1"/>
-            </a:fillRef>
-            <a:effectRef idx="0">
-              <a:schemeClr val="accent1"/>
-            </a:effectRef>
-            <a:fontRef idx="minor">
-              <a:schemeClr val="tx1"/>
-            </a:fontRef>
-          </p:style>
-        </p:cxnSp>
-        <p:cxnSp>
-          <p:nvCxnSpPr>
-            <p:cNvPr id="9" name="直接连接符 8"/>
-            <p:cNvCxnSpPr>
-              <a:endCxn id="42" idx="1"/>
-            </p:cNvCxnSpPr>
-            <p:nvPr/>
-          </p:nvCxnSpPr>
-          <p:spPr>
-            <a:xfrm>
-              <a:off x="5788" y="3618"/>
-              <a:ext cx="1555" cy="2428"/>
-            </a:xfrm>
-            <a:prstGeom prst="line">
-              <a:avLst/>
-            </a:prstGeom>
-            <a:ln>
-              <a:prstDash val="sysDash"/>
-            </a:ln>
-          </p:spPr>
-          <p:style>
-            <a:lnRef idx="1">
-              <a:schemeClr val="accent1"/>
-            </a:lnRef>
-            <a:fillRef idx="0">
-              <a:schemeClr val="accent1"/>
-            </a:fillRef>
-            <a:effectRef idx="0">
-              <a:schemeClr val="accent1"/>
-            </a:effectRef>
-            <a:fontRef idx="minor">
-              <a:schemeClr val="tx1"/>
-            </a:fontRef>
-          </p:style>
-        </p:cxnSp>
-        <p:cxnSp>
-          <p:nvCxnSpPr>
-            <p:cNvPr id="11" name="直接连接符 10"/>
-            <p:cNvCxnSpPr>
-              <a:stCxn id="61" idx="4"/>
-              <a:endCxn id="42" idx="1"/>
-            </p:cNvCxnSpPr>
-            <p:nvPr/>
-          </p:nvCxnSpPr>
-          <p:spPr>
-            <a:xfrm flipH="1">
-              <a:off x="7343" y="3222"/>
-              <a:ext cx="278" cy="2824"/>
-            </a:xfrm>
-            <a:prstGeom prst="line">
-              <a:avLst/>
-            </a:prstGeom>
-            <a:ln>
-              <a:prstDash val="sysDash"/>
-            </a:ln>
-          </p:spPr>
-          <p:style>
-            <a:lnRef idx="1">
-              <a:schemeClr val="accent1"/>
-            </a:lnRef>
-            <a:fillRef idx="0">
-              <a:schemeClr val="accent1"/>
-            </a:fillRef>
-            <a:effectRef idx="0">
-              <a:schemeClr val="accent1"/>
-            </a:effectRef>
-            <a:fontRef idx="minor">
-              <a:schemeClr val="tx1"/>
-            </a:fontRef>
-          </p:style>
-        </p:cxnSp>
-        <p:sp>
-          <p:nvSpPr>
-            <p:cNvPr id="12" name="菱形 11"/>
-            <p:cNvSpPr/>
-            <p:nvPr/>
-          </p:nvSpPr>
-          <p:spPr>
-            <a:xfrm>
-              <a:off x="6896" y="4189"/>
-              <a:ext cx="240" cy="222"/>
-            </a:xfrm>
-            <a:prstGeom prst="diamond">
-              <a:avLst/>
-            </a:prstGeom>
-            <a:solidFill>
-              <a:srgbClr val="00B050"/>
-            </a:solidFill>
-            <a:ln>
+          </p:grpSpPr>
+          <p:cxnSp>
+            <p:nvCxnSpPr>
+              <p:cNvPr id="11" name="直接箭头连接符 10"/>
+              <p:cNvCxnSpPr/>
+              <p:nvPr/>
+            </p:nvCxnSpPr>
+            <p:spPr>
+              <a:xfrm flipH="1" flipV="1">
+                <a:off x="10125" y="1617"/>
+                <a:ext cx="45" cy="7159"/>
+              </a:xfrm>
+              <a:prstGeom prst="straightConnector1">
+                <a:avLst/>
+              </a:prstGeom>
+              <a:ln w="28575">
+                <a:solidFill>
+                  <a:schemeClr val="tx1"/>
+                </a:solidFill>
+                <a:tailEnd type="arrow"/>
+              </a:ln>
+            </p:spPr>
+            <p:style>
+              <a:lnRef idx="1">
+                <a:schemeClr val="accent1"/>
+              </a:lnRef>
+              <a:fillRef idx="0">
+                <a:schemeClr val="accent1"/>
+              </a:fillRef>
+              <a:effectRef idx="0">
+                <a:schemeClr val="accent1"/>
+              </a:effectRef>
+              <a:fontRef idx="minor">
+                <a:schemeClr val="tx1"/>
+              </a:fontRef>
+            </p:style>
+          </p:cxnSp>
+          <p:cxnSp>
+            <p:nvCxnSpPr>
+              <p:cNvPr id="12" name="直接箭头连接符 11"/>
+              <p:cNvCxnSpPr/>
+              <p:nvPr/>
+            </p:nvCxnSpPr>
+            <p:spPr>
+              <a:xfrm flipV="1">
+                <a:off x="10170" y="8714"/>
+                <a:ext cx="8438" cy="34"/>
+              </a:xfrm>
+              <a:prstGeom prst="straightConnector1">
+                <a:avLst/>
+              </a:prstGeom>
+              <a:ln w="28575">
+                <a:solidFill>
+                  <a:schemeClr val="tx1"/>
+                </a:solidFill>
+                <a:tailEnd type="arrow"/>
+              </a:ln>
+            </p:spPr>
+            <p:style>
+              <a:lnRef idx="1">
+                <a:schemeClr val="accent1"/>
+              </a:lnRef>
+              <a:fillRef idx="0">
+                <a:schemeClr val="accent1"/>
+              </a:fillRef>
+              <a:effectRef idx="0">
+                <a:schemeClr val="accent1"/>
+              </a:effectRef>
+              <a:fontRef idx="minor">
+                <a:schemeClr val="tx1"/>
+              </a:fontRef>
+            </p:style>
+          </p:cxnSp>
+          <p:graphicFrame>
+            <p:nvGraphicFramePr>
+              <p:cNvPr id="13" name="对象 12">
+                <a:hlinkClick r:id="" action="ppaction://ole?verb="/>
+              </p:cNvPr>
+              <p:cNvGraphicFramePr>
+                <a:graphicFrameLocks noChangeAspect="1"/>
+              </p:cNvGraphicFramePr>
+              <p:nvPr/>
+            </p:nvGraphicFramePr>
+            <p:xfrm>
+              <a:off x="18316" y="8725"/>
+              <a:ext cx="477" cy="621"/>
+            </p:xfrm>
+            <a:graphic>
+              <a:graphicData uri="http://schemas.openxmlformats.org/presentationml/2006/ole">
+                <mc:AlternateContent xmlns:mc="http://schemas.openxmlformats.org/markup-compatibility/2006">
+                  <mc:Choice xmlns:v="urn:schemas-microsoft-com:vml" Requires="v">
+                    <p:oleObj spid="_x0000_s16" name="" r:id="rId18" imgW="127000" imgH="165100" progId="Equation.KSEE3">
+                      <p:embed/>
+                    </p:oleObj>
+                  </mc:Choice>
+                  <mc:Fallback>
+                    <p:oleObj name="" r:id="rId18" imgW="127000" imgH="165100" progId="Equation.KSEE3">
+                      <p:embed/>
+                      <p:pic>
+                        <p:nvPicPr>
+                          <p:cNvPr id="0" name="图片 1024"/>
+                          <p:cNvPicPr/>
+                          <p:nvPr/>
+                        </p:nvPicPr>
+                        <p:blipFill>
+                          <a:blip r:embed="rId4"/>
+                          <a:stretch>
+                            <a:fillRect/>
+                          </a:stretch>
+                        </p:blipFill>
+                        <p:spPr>
+                          <a:xfrm>
+                            <a:off x="18316" y="8725"/>
+                            <a:ext cx="477" cy="621"/>
+                          </a:xfrm>
+                          <a:prstGeom prst="rect">
+                            <a:avLst/>
+                          </a:prstGeom>
+                        </p:spPr>
+                      </p:pic>
+                    </p:oleObj>
+                  </mc:Fallback>
+                </mc:AlternateContent>
+              </a:graphicData>
+            </a:graphic>
+          </p:graphicFrame>
+          <p:sp>
+            <p:nvSpPr>
+              <p:cNvPr id="23" name="椭圆 22"/>
+              <p:cNvSpPr/>
+              <p:nvPr/>
+            </p:nvSpPr>
+            <p:spPr>
+              <a:xfrm>
+                <a:off x="12885" y="7773"/>
+                <a:ext cx="205" cy="171"/>
+              </a:xfrm>
+              <a:prstGeom prst="ellipse">
+                <a:avLst/>
+              </a:prstGeom>
+              <a:noFill/>
+              <a:ln>
+                <a:solidFill>
+                  <a:srgbClr val="FF0000"/>
+                </a:solidFill>
+              </a:ln>
+              <a:extLst>
+                <a:ext uri="{909E8E84-426E-40DD-AFC4-6F175D3DCCD1}">
+                  <a14:hiddenFill xmlns:a14="http://schemas.microsoft.com/office/drawing/2010/main">
+                    <a:solidFill>
+                      <a:srgbClr val="FF0000"/>
+                    </a:solidFill>
+                  </a14:hiddenFill>
+                </a:ext>
+              </a:extLst>
+            </p:spPr>
+            <p:style>
+              <a:lnRef idx="2">
+                <a:schemeClr val="accent1">
+                  <a:shade val="50000"/>
+                </a:schemeClr>
+              </a:lnRef>
+              <a:fillRef idx="1">
+                <a:schemeClr val="accent1"/>
+              </a:fillRef>
+              <a:effectRef idx="0">
+                <a:schemeClr val="accent1"/>
+              </a:effectRef>
+              <a:fontRef idx="minor">
+                <a:schemeClr val="lt1"/>
+              </a:fontRef>
+            </p:style>
+            <p:txBody>
+              <a:bodyPr rtlCol="0" anchor="ctr"/>
+              <a:p>
+                <a:pPr algn="ctr"/>
+                <a:endParaRPr lang="zh-CN" altLang="en-US"/>
+              </a:p>
+            </p:txBody>
+          </p:sp>
+          <p:sp>
+            <p:nvSpPr>
+              <p:cNvPr id="24" name="椭圆 23"/>
+              <p:cNvSpPr/>
+              <p:nvPr/>
+            </p:nvSpPr>
+            <p:spPr>
+              <a:xfrm>
+                <a:off x="12885" y="2853"/>
+                <a:ext cx="205" cy="171"/>
+              </a:xfrm>
+              <a:prstGeom prst="ellipse">
+                <a:avLst/>
+              </a:prstGeom>
               <a:solidFill>
                 <a:srgbClr val="00B050"/>
               </a:solidFill>
-            </a:ln>
-          </p:spPr>
-          <p:style>
-            <a:lnRef idx="2">
-              <a:schemeClr val="accent1">
-                <a:shade val="50000"/>
-              </a:schemeClr>
-            </a:lnRef>
-            <a:fillRef idx="1">
-              <a:schemeClr val="accent1"/>
-            </a:fillRef>
-            <a:effectRef idx="0">
-              <a:schemeClr val="accent1"/>
-            </a:effectRef>
-            <a:fontRef idx="minor">
-              <a:schemeClr val="lt1"/>
-            </a:fontRef>
-          </p:style>
-          <p:txBody>
-            <a:bodyPr rtlCol="0" anchor="ctr"/>
-            <a:p>
-              <a:pPr algn="ctr"/>
-              <a:endParaRPr lang="zh-CN" altLang="en-US"/>
-            </a:p>
-          </p:txBody>
-        </p:sp>
-        <p:cxnSp>
-          <p:nvCxnSpPr>
-            <p:cNvPr id="13" name="直接连接符 12"/>
-            <p:cNvCxnSpPr>
-              <a:stCxn id="61" idx="3"/>
-              <a:endCxn id="12" idx="0"/>
-            </p:cNvCxnSpPr>
-            <p:nvPr/>
-          </p:nvCxnSpPr>
-          <p:spPr>
-            <a:xfrm flipH="1">
-              <a:off x="7016" y="3197"/>
-              <a:ext cx="532" cy="992"/>
-            </a:xfrm>
-            <a:prstGeom prst="line">
-              <a:avLst/>
-            </a:prstGeom>
-            <a:ln>
-              <a:prstDash val="sysDash"/>
-            </a:ln>
-          </p:spPr>
-          <p:style>
-            <a:lnRef idx="1">
-              <a:schemeClr val="accent1"/>
-            </a:lnRef>
-            <a:fillRef idx="0">
-              <a:schemeClr val="accent1"/>
-            </a:fillRef>
-            <a:effectRef idx="0">
-              <a:schemeClr val="accent1"/>
-            </a:effectRef>
-            <a:fontRef idx="minor">
-              <a:schemeClr val="tx1"/>
-            </a:fontRef>
-          </p:style>
-        </p:cxnSp>
-        <p:cxnSp>
-          <p:nvCxnSpPr>
-            <p:cNvPr id="16" name="直接连接符 15"/>
-            <p:cNvCxnSpPr>
-              <a:stCxn id="12" idx="2"/>
-            </p:cNvCxnSpPr>
-            <p:nvPr/>
-          </p:nvCxnSpPr>
-          <p:spPr>
-            <a:xfrm>
-              <a:off x="7016" y="4411"/>
-              <a:ext cx="330" cy="1605"/>
-            </a:xfrm>
-            <a:prstGeom prst="line">
-              <a:avLst/>
-            </a:prstGeom>
-            <a:ln>
-              <a:prstDash val="sysDash"/>
-            </a:ln>
-          </p:spPr>
-          <p:style>
-            <a:lnRef idx="1">
-              <a:schemeClr val="accent1"/>
-            </a:lnRef>
-            <a:fillRef idx="0">
-              <a:schemeClr val="accent1"/>
-            </a:fillRef>
-            <a:effectRef idx="0">
-              <a:schemeClr val="accent1"/>
-            </a:effectRef>
-            <a:fontRef idx="minor">
-              <a:schemeClr val="tx1"/>
-            </a:fontRef>
-          </p:style>
-        </p:cxnSp>
-        <p:graphicFrame>
-          <p:nvGraphicFramePr>
-            <p:cNvPr id="17" name="对象 16">
-              <a:hlinkClick r:id="" action="ppaction://ole?verb="/>
-            </p:cNvPr>
-            <p:cNvGraphicFramePr>
-              <a:graphicFrameLocks noChangeAspect="1"/>
-            </p:cNvGraphicFramePr>
-            <p:nvPr/>
-          </p:nvGraphicFramePr>
-          <p:xfrm>
-            <a:off x="6361" y="4014"/>
-            <a:ext cx="571" cy="571"/>
-          </p:xfrm>
-          <a:graphic>
-            <a:graphicData uri="http://schemas.openxmlformats.org/presentationml/2006/ole">
-              <mc:AlternateContent xmlns:mc="http://schemas.openxmlformats.org/markup-compatibility/2006">
-                <mc:Choice xmlns:v="urn:schemas-microsoft-com:vml" Requires="v">
-                  <p:oleObj spid="_x0000_s18" name="" r:id="rId7" imgW="177165" imgH="177165" progId="Equation.KSEE3">
-                    <p:embed/>
-                  </p:oleObj>
-                </mc:Choice>
-                <mc:Fallback>
-                  <p:oleObj name="" r:id="rId7" imgW="177165" imgH="177165" progId="Equation.KSEE3">
-                    <p:embed/>
-                    <p:pic>
-                      <p:nvPicPr>
-                        <p:cNvPr id="0" name="图片 1025"/>
-                        <p:cNvPicPr/>
-                        <p:nvPr/>
-                      </p:nvPicPr>
-                      <p:blipFill>
-                        <a:blip r:embed="rId8"/>
-                        <a:stretch>
-                          <a:fillRect/>
-                        </a:stretch>
-                      </p:blipFill>
-                      <p:spPr>
-                        <a:xfrm>
-                          <a:off x="6361" y="4014"/>
-                          <a:ext cx="571" cy="571"/>
-                        </a:xfrm>
-                        <a:prstGeom prst="rect">
-                          <a:avLst/>
-                        </a:prstGeom>
-                      </p:spPr>
-                    </p:pic>
-                  </p:oleObj>
-                </mc:Fallback>
-              </mc:AlternateContent>
-            </a:graphicData>
-          </a:graphic>
-        </p:graphicFrame>
-        <p:graphicFrame>
-          <p:nvGraphicFramePr>
-            <p:cNvPr id="19" name="对象 18">
-              <a:hlinkClick r:id="" action="ppaction://ole?verb="/>
-            </p:cNvPr>
-            <p:cNvGraphicFramePr>
-              <a:graphicFrameLocks noChangeAspect="1"/>
-            </p:cNvGraphicFramePr>
-            <p:nvPr/>
-          </p:nvGraphicFramePr>
-          <p:xfrm>
-            <a:off x="7231" y="4706"/>
-            <a:ext cx="491" cy="571"/>
-          </p:xfrm>
-          <a:graphic>
-            <a:graphicData uri="http://schemas.openxmlformats.org/presentationml/2006/ole">
-              <mc:AlternateContent xmlns:mc="http://schemas.openxmlformats.org/markup-compatibility/2006">
-                <mc:Choice xmlns:v="urn:schemas-microsoft-com:vml" Requires="v">
-                  <p:oleObj spid="_x0000_s20" name="" r:id="rId9" imgW="152400" imgH="177165" progId="Equation.KSEE3">
-                    <p:embed/>
-                  </p:oleObj>
-                </mc:Choice>
-                <mc:Fallback>
-                  <p:oleObj name="" r:id="rId9" imgW="152400" imgH="177165" progId="Equation.KSEE3">
-                    <p:embed/>
-                    <p:pic>
-                      <p:nvPicPr>
-                        <p:cNvPr id="0" name="图片 1025"/>
-                        <p:cNvPicPr/>
-                        <p:nvPr/>
-                      </p:nvPicPr>
-                      <p:blipFill>
-                        <a:blip r:embed="rId10"/>
-                        <a:stretch>
-                          <a:fillRect/>
-                        </a:stretch>
-                      </p:blipFill>
-                      <p:spPr>
-                        <a:xfrm>
-                          <a:off x="7231" y="4706"/>
-                          <a:ext cx="491" cy="571"/>
-                        </a:xfrm>
-                        <a:prstGeom prst="rect">
-                          <a:avLst/>
-                        </a:prstGeom>
-                      </p:spPr>
-                    </p:pic>
-                  </p:oleObj>
-                </mc:Fallback>
-              </mc:AlternateContent>
-            </a:graphicData>
-          </a:graphic>
-        </p:graphicFrame>
-        <p:graphicFrame>
-          <p:nvGraphicFramePr>
-            <p:cNvPr id="21" name="对象 20">
-              <a:hlinkClick r:id="" action="ppaction://ole?verb="/>
-            </p:cNvPr>
-            <p:cNvGraphicFramePr>
-              <a:graphicFrameLocks noChangeAspect="1"/>
-            </p:cNvGraphicFramePr>
-            <p:nvPr/>
-          </p:nvGraphicFramePr>
-          <p:xfrm>
-            <a:off x="6605" y="3546"/>
-            <a:ext cx="450" cy="532"/>
-          </p:xfrm>
-          <a:graphic>
-            <a:graphicData uri="http://schemas.openxmlformats.org/presentationml/2006/ole">
-              <mc:AlternateContent xmlns:mc="http://schemas.openxmlformats.org/markup-compatibility/2006">
-                <mc:Choice xmlns:v="urn:schemas-microsoft-com:vml" Requires="v">
-                  <p:oleObj spid="_x0000_s22" name="" r:id="rId11" imgW="139700" imgH="165100" progId="Equation.KSEE3">
-                    <p:embed/>
-                  </p:oleObj>
-                </mc:Choice>
-                <mc:Fallback>
-                  <p:oleObj name="" r:id="rId11" imgW="139700" imgH="165100" progId="Equation.KSEE3">
-                    <p:embed/>
-                    <p:pic>
-                      <p:nvPicPr>
-                        <p:cNvPr id="0" name="图片 1025"/>
-                        <p:cNvPicPr/>
-                        <p:nvPr/>
-                      </p:nvPicPr>
-                      <p:blipFill>
-                        <a:blip r:embed="rId12"/>
-                        <a:stretch>
-                          <a:fillRect/>
-                        </a:stretch>
-                      </p:blipFill>
-                      <p:spPr>
-                        <a:xfrm>
-                          <a:off x="6605" y="3546"/>
-                          <a:ext cx="450" cy="532"/>
-                        </a:xfrm>
-                        <a:prstGeom prst="rect">
-                          <a:avLst/>
-                        </a:prstGeom>
-                      </p:spPr>
-                    </p:pic>
-                  </p:oleObj>
-                </mc:Fallback>
-              </mc:AlternateContent>
-            </a:graphicData>
-          </a:graphic>
-        </p:graphicFrame>
-        <p:graphicFrame>
-          <p:nvGraphicFramePr>
-            <p:cNvPr id="23" name="对象 22">
-              <a:hlinkClick r:id="" action="ppaction://ole?verb="/>
-            </p:cNvPr>
-            <p:cNvGraphicFramePr>
-              <a:graphicFrameLocks noChangeAspect="1"/>
-            </p:cNvGraphicFramePr>
-            <p:nvPr/>
-          </p:nvGraphicFramePr>
-          <p:xfrm>
-            <a:off x="6895" y="6037"/>
-            <a:ext cx="571" cy="571"/>
-          </p:xfrm>
-          <a:graphic>
-            <a:graphicData uri="http://schemas.openxmlformats.org/presentationml/2006/ole">
-              <mc:AlternateContent xmlns:mc="http://schemas.openxmlformats.org/markup-compatibility/2006">
-                <mc:Choice xmlns:v="urn:schemas-microsoft-com:vml" Requires="v">
-                  <p:oleObj spid="_x0000_s24" name="" r:id="rId13" imgW="177165" imgH="177165" progId="Equation.KSEE3">
-                    <p:embed/>
-                  </p:oleObj>
-                </mc:Choice>
-                <mc:Fallback>
-                  <p:oleObj name="" r:id="rId13" imgW="177165" imgH="177165" progId="Equation.KSEE3">
-                    <p:embed/>
-                    <p:pic>
-                      <p:nvPicPr>
-                        <p:cNvPr id="0" name="图片 1025"/>
-                        <p:cNvPicPr/>
-                        <p:nvPr/>
-                      </p:nvPicPr>
-                      <p:blipFill>
-                        <a:blip r:embed="rId14"/>
-                        <a:stretch>
-                          <a:fillRect/>
-                        </a:stretch>
-                      </p:blipFill>
-                      <p:spPr>
-                        <a:xfrm>
-                          <a:off x="6895" y="6037"/>
-                          <a:ext cx="571" cy="571"/>
-                        </a:xfrm>
-                        <a:prstGeom prst="rect">
-                          <a:avLst/>
-                        </a:prstGeom>
-                      </p:spPr>
-                    </p:pic>
-                  </p:oleObj>
-                </mc:Fallback>
-              </mc:AlternateContent>
-            </a:graphicData>
-          </a:graphic>
-        </p:graphicFrame>
-        <p:graphicFrame>
-          <p:nvGraphicFramePr>
-            <p:cNvPr id="25" name="对象 24">
-              <a:hlinkClick r:id="" action="ppaction://ole?verb="/>
-            </p:cNvPr>
-            <p:cNvGraphicFramePr>
-              <a:graphicFrameLocks noChangeAspect="1"/>
-            </p:cNvGraphicFramePr>
-            <p:nvPr/>
-          </p:nvGraphicFramePr>
-          <p:xfrm>
-            <a:off x="7793" y="2664"/>
-            <a:ext cx="532" cy="532"/>
-          </p:xfrm>
-          <a:graphic>
-            <a:graphicData uri="http://schemas.openxmlformats.org/presentationml/2006/ole">
-              <mc:AlternateContent xmlns:mc="http://schemas.openxmlformats.org/markup-compatibility/2006">
-                <mc:Choice xmlns:v="urn:schemas-microsoft-com:vml" Requires="v">
-                  <p:oleObj spid="_x0000_s26" name="" r:id="rId15" imgW="165100" imgH="165100" progId="Equation.KSEE3">
-                    <p:embed/>
-                  </p:oleObj>
-                </mc:Choice>
-                <mc:Fallback>
-                  <p:oleObj name="" r:id="rId15" imgW="165100" imgH="165100" progId="Equation.KSEE3">
-                    <p:embed/>
-                    <p:pic>
-                      <p:nvPicPr>
-                        <p:cNvPr id="0" name="图片 1025"/>
-                        <p:cNvPicPr/>
-                        <p:nvPr/>
-                      </p:nvPicPr>
-                      <p:blipFill>
-                        <a:blip r:embed="rId16"/>
-                        <a:stretch>
-                          <a:fillRect/>
-                        </a:stretch>
-                      </p:blipFill>
-                      <p:spPr>
-                        <a:xfrm>
-                          <a:off x="7793" y="2664"/>
-                          <a:ext cx="532" cy="532"/>
-                        </a:xfrm>
-                        <a:prstGeom prst="rect">
-                          <a:avLst/>
-                        </a:prstGeom>
-                      </p:spPr>
-                    </p:pic>
-                  </p:oleObj>
-                </mc:Fallback>
-              </mc:AlternateContent>
-            </a:graphicData>
-          </a:graphic>
-        </p:graphicFrame>
-        <p:sp>
-          <p:nvSpPr>
-            <p:cNvPr id="27" name="椭圆 26"/>
-            <p:cNvSpPr/>
-            <p:nvPr/>
-          </p:nvSpPr>
-          <p:spPr>
-            <a:xfrm>
-              <a:off x="7074" y="3776"/>
-              <a:ext cx="205" cy="171"/>
-            </a:xfrm>
-            <a:prstGeom prst="ellipse">
-              <a:avLst/>
-            </a:prstGeom>
-            <a:solidFill>
-              <a:srgbClr val="FF0000"/>
-            </a:solidFill>
-            <a:ln>
+              <a:ln>
+                <a:solidFill>
+                  <a:srgbClr val="00B050"/>
+                </a:solidFill>
+              </a:ln>
+            </p:spPr>
+            <p:style>
+              <a:lnRef idx="2">
+                <a:schemeClr val="accent1">
+                  <a:shade val="50000"/>
+                </a:schemeClr>
+              </a:lnRef>
+              <a:fillRef idx="1">
+                <a:schemeClr val="accent1"/>
+              </a:fillRef>
+              <a:effectRef idx="0">
+                <a:schemeClr val="accent1"/>
+              </a:effectRef>
+              <a:fontRef idx="minor">
+                <a:schemeClr val="lt1"/>
+              </a:fontRef>
+            </p:style>
+            <p:txBody>
+              <a:bodyPr rtlCol="0" anchor="ctr"/>
+              <a:p>
+                <a:pPr algn="ctr"/>
+                <a:endParaRPr lang="zh-CN" altLang="en-US"/>
+              </a:p>
+            </p:txBody>
+          </p:sp>
+          <p:sp>
+            <p:nvSpPr>
+              <p:cNvPr id="27" name="椭圆 26"/>
+              <p:cNvSpPr/>
+              <p:nvPr/>
+            </p:nvSpPr>
+            <p:spPr>
+              <a:xfrm>
+                <a:off x="12178" y="3173"/>
+                <a:ext cx="205" cy="171"/>
+              </a:xfrm>
+              <a:prstGeom prst="ellipse">
+                <a:avLst/>
+              </a:prstGeom>
+              <a:solidFill>
+                <a:srgbClr val="00B050"/>
+              </a:solidFill>
+              <a:ln>
+                <a:solidFill>
+                  <a:srgbClr val="00B050"/>
+                </a:solidFill>
+              </a:ln>
+            </p:spPr>
+            <p:style>
+              <a:lnRef idx="2">
+                <a:schemeClr val="accent1">
+                  <a:shade val="50000"/>
+                </a:schemeClr>
+              </a:lnRef>
+              <a:fillRef idx="1">
+                <a:schemeClr val="accent1"/>
+              </a:fillRef>
+              <a:effectRef idx="0">
+                <a:schemeClr val="accent1"/>
+              </a:effectRef>
+              <a:fontRef idx="minor">
+                <a:schemeClr val="lt1"/>
+              </a:fontRef>
+            </p:style>
+            <p:txBody>
+              <a:bodyPr vertOverflow="overflow" horzOverflow="overflow" vert="horz" wrap="square" numCol="1" spcCol="0" rtlCol="0" fromWordArt="0" anchor="ctr" anchorCtr="0" forceAA="0" compatLnSpc="1">
+                <a:noAutofit/>
+              </a:bodyPr>
+              <a:p>
+                <a:pPr lvl="0" algn="ctr"/>
+                <a:endParaRPr lang="zh-CN" altLang="en-US">
+                  <a:sym typeface="+mn-ea"/>
+                </a:endParaRPr>
+              </a:p>
+            </p:txBody>
+          </p:sp>
+          <p:sp>
+            <p:nvSpPr>
+              <p:cNvPr id="28" name="椭圆 27"/>
+              <p:cNvSpPr/>
+              <p:nvPr/>
+            </p:nvSpPr>
+            <p:spPr>
+              <a:xfrm>
+                <a:off x="12178" y="3966"/>
+                <a:ext cx="205" cy="171"/>
+              </a:xfrm>
+              <a:prstGeom prst="ellipse">
+                <a:avLst/>
+              </a:prstGeom>
+              <a:solidFill>
+                <a:srgbClr val="00B050"/>
+              </a:solidFill>
+              <a:ln>
+                <a:solidFill>
+                  <a:srgbClr val="00B050"/>
+                </a:solidFill>
+              </a:ln>
+            </p:spPr>
+            <p:style>
+              <a:lnRef idx="2">
+                <a:schemeClr val="accent1">
+                  <a:shade val="50000"/>
+                </a:schemeClr>
+              </a:lnRef>
+              <a:fillRef idx="1">
+                <a:schemeClr val="accent1"/>
+              </a:fillRef>
+              <a:effectRef idx="0">
+                <a:schemeClr val="accent1"/>
+              </a:effectRef>
+              <a:fontRef idx="minor">
+                <a:schemeClr val="lt1"/>
+              </a:fontRef>
+            </p:style>
+            <p:txBody>
+              <a:bodyPr rtlCol="0" anchor="ctr"/>
+              <a:p>
+                <a:pPr algn="ctr"/>
+                <a:endParaRPr lang="zh-CN" altLang="en-US"/>
+              </a:p>
+            </p:txBody>
+          </p:sp>
+          <p:sp>
+            <p:nvSpPr>
+              <p:cNvPr id="29" name="椭圆 28"/>
+              <p:cNvSpPr/>
+              <p:nvPr/>
+            </p:nvSpPr>
+            <p:spPr>
+              <a:xfrm>
+                <a:off x="13685" y="3366"/>
+                <a:ext cx="205" cy="171"/>
+              </a:xfrm>
+              <a:prstGeom prst="ellipse">
+                <a:avLst/>
+              </a:prstGeom>
+              <a:solidFill>
+                <a:srgbClr val="00B050"/>
+              </a:solidFill>
+              <a:ln>
+                <a:solidFill>
+                  <a:srgbClr val="00B050"/>
+                </a:solidFill>
+              </a:ln>
+            </p:spPr>
+            <p:style>
+              <a:lnRef idx="2">
+                <a:schemeClr val="accent1">
+                  <a:shade val="50000"/>
+                </a:schemeClr>
+              </a:lnRef>
+              <a:fillRef idx="1">
+                <a:schemeClr val="accent1"/>
+              </a:fillRef>
+              <a:effectRef idx="0">
+                <a:schemeClr val="accent1"/>
+              </a:effectRef>
+              <a:fontRef idx="minor">
+                <a:schemeClr val="lt1"/>
+              </a:fontRef>
+            </p:style>
+            <p:txBody>
+              <a:bodyPr vertOverflow="overflow" horzOverflow="overflow" vert="horz" wrap="square" numCol="1" spcCol="0" rtlCol="0" fromWordArt="0" anchor="ctr" anchorCtr="0" forceAA="0" compatLnSpc="1">
+                <a:noAutofit/>
+              </a:bodyPr>
+              <a:p>
+                <a:pPr lvl="0" algn="ctr"/>
+                <a:endParaRPr lang="zh-CN" altLang="en-US">
+                  <a:sym typeface="+mn-ea"/>
+                </a:endParaRPr>
+              </a:p>
+            </p:txBody>
+          </p:sp>
+          <p:sp>
+            <p:nvSpPr>
+              <p:cNvPr id="42" name="椭圆 41"/>
+              <p:cNvSpPr/>
+              <p:nvPr/>
+            </p:nvSpPr>
+            <p:spPr>
+              <a:xfrm>
+                <a:off x="14300" y="6479"/>
+                <a:ext cx="205" cy="171"/>
+              </a:xfrm>
+              <a:prstGeom prst="ellipse">
+                <a:avLst/>
+              </a:prstGeom>
+              <a:noFill/>
+              <a:ln>
+                <a:solidFill>
+                  <a:srgbClr val="FF0000"/>
+                </a:solidFill>
+              </a:ln>
+              <a:extLst>
+                <a:ext uri="{909E8E84-426E-40DD-AFC4-6F175D3DCCD1}">
+                  <a14:hiddenFill xmlns:a14="http://schemas.microsoft.com/office/drawing/2010/main">
+                    <a:solidFill>
+                      <a:srgbClr val="FF0000"/>
+                    </a:solidFill>
+                  </a14:hiddenFill>
+                </a:ext>
+              </a:extLst>
+            </p:spPr>
+            <p:style>
+              <a:lnRef idx="2">
+                <a:schemeClr val="accent1">
+                  <a:shade val="50000"/>
+                </a:schemeClr>
+              </a:lnRef>
+              <a:fillRef idx="1">
+                <a:schemeClr val="accent1"/>
+              </a:fillRef>
+              <a:effectRef idx="0">
+                <a:schemeClr val="accent1"/>
+              </a:effectRef>
+              <a:fontRef idx="minor">
+                <a:schemeClr val="lt1"/>
+              </a:fontRef>
+            </p:style>
+            <p:txBody>
+              <a:bodyPr rtlCol="0" anchor="ctr"/>
+              <a:p>
+                <a:pPr algn="ctr"/>
+                <a:endParaRPr lang="zh-CN" altLang="en-US"/>
+              </a:p>
+            </p:txBody>
+          </p:sp>
+          <p:sp>
+            <p:nvSpPr>
+              <p:cNvPr id="43" name="椭圆 42"/>
+              <p:cNvSpPr/>
+              <p:nvPr/>
+            </p:nvSpPr>
+            <p:spPr>
+              <a:xfrm>
+                <a:off x="14866" y="5079"/>
+                <a:ext cx="205" cy="171"/>
+              </a:xfrm>
+              <a:prstGeom prst="ellipse">
+                <a:avLst/>
+              </a:prstGeom>
+              <a:noFill/>
+              <a:ln>
+                <a:solidFill>
+                  <a:srgbClr val="FF0000"/>
+                </a:solidFill>
+              </a:ln>
+              <a:extLst>
+                <a:ext uri="{909E8E84-426E-40DD-AFC4-6F175D3DCCD1}">
+                  <a14:hiddenFill xmlns:a14="http://schemas.microsoft.com/office/drawing/2010/main">
+                    <a:solidFill>
+                      <a:srgbClr val="FF0000"/>
+                    </a:solidFill>
+                  </a14:hiddenFill>
+                </a:ext>
+              </a:extLst>
+            </p:spPr>
+            <p:style>
+              <a:lnRef idx="2">
+                <a:schemeClr val="accent1">
+                  <a:shade val="50000"/>
+                </a:schemeClr>
+              </a:lnRef>
+              <a:fillRef idx="1">
+                <a:schemeClr val="accent1"/>
+              </a:fillRef>
+              <a:effectRef idx="0">
+                <a:schemeClr val="accent1"/>
+              </a:effectRef>
+              <a:fontRef idx="minor">
+                <a:schemeClr val="lt1"/>
+              </a:fontRef>
+            </p:style>
+            <p:txBody>
+              <a:bodyPr rtlCol="0" anchor="ctr"/>
+              <a:p>
+                <a:pPr algn="ctr"/>
+                <a:endParaRPr lang="zh-CN" altLang="en-US"/>
+              </a:p>
+            </p:txBody>
+          </p:sp>
+          <p:sp>
+            <p:nvSpPr>
+              <p:cNvPr id="47" name="椭圆 46"/>
+              <p:cNvSpPr/>
+              <p:nvPr/>
+            </p:nvSpPr>
+            <p:spPr>
+              <a:xfrm>
+                <a:off x="16775" y="7602"/>
+                <a:ext cx="205" cy="171"/>
+              </a:xfrm>
+              <a:prstGeom prst="ellipse">
+                <a:avLst/>
+              </a:prstGeom>
+              <a:noFill/>
+              <a:ln>
+                <a:solidFill>
+                  <a:srgbClr val="FF0000"/>
+                </a:solidFill>
+              </a:ln>
+              <a:extLst>
+                <a:ext uri="{909E8E84-426E-40DD-AFC4-6F175D3DCCD1}">
+                  <a14:hiddenFill xmlns:a14="http://schemas.microsoft.com/office/drawing/2010/main">
+                    <a:solidFill>
+                      <a:srgbClr val="FF0000"/>
+                    </a:solidFill>
+                  </a14:hiddenFill>
+                </a:ext>
+              </a:extLst>
+            </p:spPr>
+            <p:style>
+              <a:lnRef idx="2">
+                <a:schemeClr val="accent1">
+                  <a:shade val="50000"/>
+                </a:schemeClr>
+              </a:lnRef>
+              <a:fillRef idx="1">
+                <a:schemeClr val="accent1"/>
+              </a:fillRef>
+              <a:effectRef idx="0">
+                <a:schemeClr val="accent1"/>
+              </a:effectRef>
+              <a:fontRef idx="minor">
+                <a:schemeClr val="lt1"/>
+              </a:fontRef>
+            </p:style>
+            <p:txBody>
+              <a:bodyPr rtlCol="0" anchor="ctr"/>
+              <a:p>
+                <a:pPr algn="ctr"/>
+                <a:endParaRPr lang="zh-CN" altLang="en-US"/>
+              </a:p>
+            </p:txBody>
+          </p:sp>
+          <p:sp>
+            <p:nvSpPr>
+              <p:cNvPr id="48" name="椭圆 47"/>
+              <p:cNvSpPr/>
+              <p:nvPr/>
+            </p:nvSpPr>
+            <p:spPr>
+              <a:xfrm>
+                <a:off x="13285" y="7022"/>
+                <a:ext cx="205" cy="171"/>
+              </a:xfrm>
+              <a:prstGeom prst="ellipse">
+                <a:avLst/>
+              </a:prstGeom>
+              <a:noFill/>
+              <a:ln>
+                <a:solidFill>
+                  <a:srgbClr val="FF0000"/>
+                </a:solidFill>
+              </a:ln>
+              <a:extLst>
+                <a:ext uri="{909E8E84-426E-40DD-AFC4-6F175D3DCCD1}">
+                  <a14:hiddenFill xmlns:a14="http://schemas.microsoft.com/office/drawing/2010/main">
+                    <a:solidFill>
+                      <a:srgbClr val="FF0000"/>
+                    </a:solidFill>
+                  </a14:hiddenFill>
+                </a:ext>
+              </a:extLst>
+            </p:spPr>
+            <p:style>
+              <a:lnRef idx="2">
+                <a:schemeClr val="accent1">
+                  <a:shade val="50000"/>
+                </a:schemeClr>
+              </a:lnRef>
+              <a:fillRef idx="1">
+                <a:schemeClr val="accent1"/>
+              </a:fillRef>
+              <a:effectRef idx="0">
+                <a:schemeClr val="accent1"/>
+              </a:effectRef>
+              <a:fontRef idx="minor">
+                <a:schemeClr val="lt1"/>
+              </a:fontRef>
+            </p:style>
+            <p:txBody>
+              <a:bodyPr rtlCol="0" anchor="ctr"/>
+              <a:p>
+                <a:pPr algn="ctr"/>
+                <a:endParaRPr lang="zh-CN" altLang="en-US"/>
+              </a:p>
+            </p:txBody>
+          </p:sp>
+          <p:sp>
+            <p:nvSpPr>
+              <p:cNvPr id="50" name="椭圆 49"/>
+              <p:cNvSpPr/>
+              <p:nvPr/>
+            </p:nvSpPr>
+            <p:spPr>
+              <a:xfrm>
+                <a:off x="13480" y="5479"/>
+                <a:ext cx="205" cy="171"/>
+              </a:xfrm>
+              <a:prstGeom prst="ellipse">
+                <a:avLst/>
+              </a:prstGeom>
+              <a:noFill/>
+              <a:ln>
+                <a:solidFill>
+                  <a:srgbClr val="FF0000"/>
+                </a:solidFill>
+              </a:ln>
+              <a:extLst>
+                <a:ext uri="{909E8E84-426E-40DD-AFC4-6F175D3DCCD1}">
+                  <a14:hiddenFill xmlns:a14="http://schemas.microsoft.com/office/drawing/2010/main">
+                    <a:solidFill>
+                      <a:srgbClr val="FF0000"/>
+                    </a:solidFill>
+                  </a14:hiddenFill>
+                </a:ext>
+              </a:extLst>
+            </p:spPr>
+            <p:style>
+              <a:lnRef idx="2">
+                <a:schemeClr val="accent1">
+                  <a:shade val="50000"/>
+                </a:schemeClr>
+              </a:lnRef>
+              <a:fillRef idx="1">
+                <a:schemeClr val="accent1"/>
+              </a:fillRef>
+              <a:effectRef idx="0">
+                <a:schemeClr val="accent1"/>
+              </a:effectRef>
+              <a:fontRef idx="minor">
+                <a:schemeClr val="lt1"/>
+              </a:fontRef>
+            </p:style>
+            <p:txBody>
+              <a:bodyPr rtlCol="0" anchor="ctr"/>
+              <a:p>
+                <a:pPr algn="ctr"/>
+                <a:endParaRPr lang="zh-CN" altLang="en-US"/>
+              </a:p>
+            </p:txBody>
+          </p:sp>
+          <p:sp>
+            <p:nvSpPr>
+              <p:cNvPr id="51" name="椭圆 50"/>
+              <p:cNvSpPr/>
+              <p:nvPr/>
+            </p:nvSpPr>
+            <p:spPr>
+              <a:xfrm>
+                <a:off x="15706" y="6650"/>
+                <a:ext cx="205" cy="171"/>
+              </a:xfrm>
+              <a:prstGeom prst="ellipse">
+                <a:avLst/>
+              </a:prstGeom>
+              <a:noFill/>
+              <a:ln>
+                <a:solidFill>
+                  <a:srgbClr val="FF0000"/>
+                </a:solidFill>
+              </a:ln>
+              <a:extLst>
+                <a:ext uri="{909E8E84-426E-40DD-AFC4-6F175D3DCCD1}">
+                  <a14:hiddenFill xmlns:a14="http://schemas.microsoft.com/office/drawing/2010/main">
+                    <a:solidFill>
+                      <a:srgbClr val="FF0000"/>
+                    </a:solidFill>
+                  </a14:hiddenFill>
+                </a:ext>
+              </a:extLst>
+            </p:spPr>
+            <p:style>
+              <a:lnRef idx="2">
+                <a:schemeClr val="accent1">
+                  <a:shade val="50000"/>
+                </a:schemeClr>
+              </a:lnRef>
+              <a:fillRef idx="1">
+                <a:schemeClr val="accent1"/>
+              </a:fillRef>
+              <a:effectRef idx="0">
+                <a:schemeClr val="accent1"/>
+              </a:effectRef>
+              <a:fontRef idx="minor">
+                <a:schemeClr val="lt1"/>
+              </a:fontRef>
+            </p:style>
+            <p:txBody>
+              <a:bodyPr rtlCol="0" anchor="ctr"/>
+              <a:p>
+                <a:pPr algn="ctr"/>
+                <a:endParaRPr lang="zh-CN" altLang="en-US"/>
+              </a:p>
+            </p:txBody>
+          </p:sp>
+          <p:sp>
+            <p:nvSpPr>
+              <p:cNvPr id="52" name="椭圆 51"/>
+              <p:cNvSpPr/>
+              <p:nvPr/>
+            </p:nvSpPr>
+            <p:spPr>
+              <a:xfrm>
+                <a:off x="15706" y="7602"/>
+                <a:ext cx="205" cy="171"/>
+              </a:xfrm>
+              <a:prstGeom prst="ellipse">
+                <a:avLst/>
+              </a:prstGeom>
+              <a:noFill/>
+              <a:ln>
+                <a:solidFill>
+                  <a:srgbClr val="FF0000"/>
+                </a:solidFill>
+              </a:ln>
+              <a:extLst>
+                <a:ext uri="{909E8E84-426E-40DD-AFC4-6F175D3DCCD1}">
+                  <a14:hiddenFill xmlns:a14="http://schemas.microsoft.com/office/drawing/2010/main">
+                    <a:solidFill>
+                      <a:srgbClr val="FF0000"/>
+                    </a:solidFill>
+                  </a14:hiddenFill>
+                </a:ext>
+              </a:extLst>
+            </p:spPr>
+            <p:style>
+              <a:lnRef idx="2">
+                <a:schemeClr val="accent1">
+                  <a:shade val="50000"/>
+                </a:schemeClr>
+              </a:lnRef>
+              <a:fillRef idx="1">
+                <a:schemeClr val="accent1"/>
+              </a:fillRef>
+              <a:effectRef idx="0">
+                <a:schemeClr val="accent1"/>
+              </a:effectRef>
+              <a:fontRef idx="minor">
+                <a:schemeClr val="lt1"/>
+              </a:fontRef>
+            </p:style>
+            <p:txBody>
+              <a:bodyPr rtlCol="0" anchor="ctr"/>
+              <a:p>
+                <a:pPr algn="ctr"/>
+                <a:endParaRPr lang="zh-CN" altLang="en-US"/>
+              </a:p>
+            </p:txBody>
+          </p:sp>
+          <p:sp>
+            <p:nvSpPr>
+              <p:cNvPr id="54" name="椭圆 53"/>
+              <p:cNvSpPr/>
+              <p:nvPr/>
+            </p:nvSpPr>
+            <p:spPr>
+              <a:xfrm>
+                <a:off x="16570" y="6821"/>
+                <a:ext cx="205" cy="171"/>
+              </a:xfrm>
+              <a:prstGeom prst="ellipse">
+                <a:avLst/>
+              </a:prstGeom>
+              <a:noFill/>
+              <a:ln>
+                <a:solidFill>
+                  <a:srgbClr val="FF0000"/>
+                </a:solidFill>
+              </a:ln>
+              <a:extLst>
+                <a:ext uri="{909E8E84-426E-40DD-AFC4-6F175D3DCCD1}">
+                  <a14:hiddenFill xmlns:a14="http://schemas.microsoft.com/office/drawing/2010/main">
+                    <a:solidFill>
+                      <a:srgbClr val="FF0000"/>
+                    </a:solidFill>
+                  </a14:hiddenFill>
+                </a:ext>
+              </a:extLst>
+            </p:spPr>
+            <p:style>
+              <a:lnRef idx="2">
+                <a:schemeClr val="accent1">
+                  <a:shade val="50000"/>
+                </a:schemeClr>
+              </a:lnRef>
+              <a:fillRef idx="1">
+                <a:schemeClr val="accent1"/>
+              </a:fillRef>
+              <a:effectRef idx="0">
+                <a:schemeClr val="accent1"/>
+              </a:effectRef>
+              <a:fontRef idx="minor">
+                <a:schemeClr val="lt1"/>
+              </a:fontRef>
+            </p:style>
+            <p:txBody>
+              <a:bodyPr rtlCol="0" anchor="ctr"/>
+              <a:p>
+                <a:pPr algn="ctr"/>
+                <a:endParaRPr lang="zh-CN" altLang="en-US"/>
+              </a:p>
+            </p:txBody>
+          </p:sp>
+          <p:sp>
+            <p:nvSpPr>
+              <p:cNvPr id="61" name="椭圆 60"/>
+              <p:cNvSpPr/>
+              <p:nvPr/>
+            </p:nvSpPr>
+            <p:spPr>
+              <a:xfrm>
+                <a:off x="14095" y="7944"/>
+                <a:ext cx="205" cy="171"/>
+              </a:xfrm>
+              <a:prstGeom prst="ellipse">
+                <a:avLst/>
+              </a:prstGeom>
+              <a:noFill/>
+              <a:ln>
+                <a:solidFill>
+                  <a:srgbClr val="FF0000"/>
+                </a:solidFill>
+              </a:ln>
+              <a:extLst>
+                <a:ext uri="{909E8E84-426E-40DD-AFC4-6F175D3DCCD1}">
+                  <a14:hiddenFill xmlns:a14="http://schemas.microsoft.com/office/drawing/2010/main">
+                    <a:solidFill>
+                      <a:srgbClr val="FF0000"/>
+                    </a:solidFill>
+                  </a14:hiddenFill>
+                </a:ext>
+              </a:extLst>
+            </p:spPr>
+            <p:style>
+              <a:lnRef idx="2">
+                <a:schemeClr val="accent1">
+                  <a:shade val="50000"/>
+                </a:schemeClr>
+              </a:lnRef>
+              <a:fillRef idx="1">
+                <a:schemeClr val="accent1"/>
+              </a:fillRef>
+              <a:effectRef idx="0">
+                <a:schemeClr val="accent1"/>
+              </a:effectRef>
+              <a:fontRef idx="minor">
+                <a:schemeClr val="lt1"/>
+              </a:fontRef>
+            </p:style>
+            <p:txBody>
+              <a:bodyPr rtlCol="0" anchor="ctr"/>
+              <a:p>
+                <a:pPr algn="ctr"/>
+                <a:endParaRPr lang="zh-CN" altLang="en-US"/>
+              </a:p>
+            </p:txBody>
+          </p:sp>
+          <p:sp>
+            <p:nvSpPr>
+              <p:cNvPr id="63" name="椭圆 62"/>
+              <p:cNvSpPr/>
+              <p:nvPr/>
+            </p:nvSpPr>
+            <p:spPr>
+              <a:xfrm>
+                <a:off x="13964" y="2776"/>
+                <a:ext cx="205" cy="171"/>
+              </a:xfrm>
+              <a:prstGeom prst="ellipse">
+                <a:avLst/>
+              </a:prstGeom>
+              <a:solidFill>
+                <a:srgbClr val="00B050"/>
+              </a:solidFill>
+              <a:ln>
+                <a:solidFill>
+                  <a:srgbClr val="00B050"/>
+                </a:solidFill>
+              </a:ln>
+            </p:spPr>
+            <p:style>
+              <a:lnRef idx="2">
+                <a:schemeClr val="accent1">
+                  <a:shade val="50000"/>
+                </a:schemeClr>
+              </a:lnRef>
+              <a:fillRef idx="1">
+                <a:schemeClr val="accent1"/>
+              </a:fillRef>
+              <a:effectRef idx="0">
+                <a:schemeClr val="accent1"/>
+              </a:effectRef>
+              <a:fontRef idx="minor">
+                <a:schemeClr val="lt1"/>
+              </a:fontRef>
+            </p:style>
+            <p:txBody>
+              <a:bodyPr rtlCol="0" anchor="ctr"/>
+              <a:p>
+                <a:pPr algn="ctr"/>
+                <a:endParaRPr lang="zh-CN" altLang="en-US"/>
+              </a:p>
+            </p:txBody>
+          </p:sp>
+          <p:sp>
+            <p:nvSpPr>
+              <p:cNvPr id="94" name="椭圆 93"/>
+              <p:cNvSpPr/>
+              <p:nvPr/>
+            </p:nvSpPr>
+            <p:spPr>
+              <a:xfrm>
+                <a:off x="11726" y="4137"/>
+                <a:ext cx="205" cy="171"/>
+              </a:xfrm>
+              <a:prstGeom prst="ellipse">
+                <a:avLst/>
+              </a:prstGeom>
+              <a:solidFill>
+                <a:srgbClr val="00B050"/>
+              </a:solidFill>
+              <a:ln>
+                <a:solidFill>
+                  <a:srgbClr val="00B050"/>
+                </a:solidFill>
+              </a:ln>
+            </p:spPr>
+            <p:style>
+              <a:lnRef idx="2">
+                <a:schemeClr val="accent1">
+                  <a:shade val="50000"/>
+                </a:schemeClr>
+              </a:lnRef>
+              <a:fillRef idx="1">
+                <a:schemeClr val="accent1"/>
+              </a:fillRef>
+              <a:effectRef idx="0">
+                <a:schemeClr val="accent1"/>
+              </a:effectRef>
+              <a:fontRef idx="minor">
+                <a:schemeClr val="lt1"/>
+              </a:fontRef>
+            </p:style>
+            <p:txBody>
+              <a:bodyPr rtlCol="0" anchor="ctr"/>
+              <a:p>
+                <a:pPr algn="ctr"/>
+                <a:endParaRPr lang="zh-CN" altLang="en-US"/>
+              </a:p>
+            </p:txBody>
+          </p:sp>
+          <p:sp>
+            <p:nvSpPr>
+              <p:cNvPr id="95" name="椭圆 94"/>
+              <p:cNvSpPr/>
+              <p:nvPr/>
+            </p:nvSpPr>
+            <p:spPr>
+              <a:xfrm>
+                <a:off x="11726" y="3366"/>
+                <a:ext cx="205" cy="171"/>
+              </a:xfrm>
+              <a:prstGeom prst="ellipse">
+                <a:avLst/>
+              </a:prstGeom>
+              <a:solidFill>
+                <a:srgbClr val="00B050"/>
+              </a:solidFill>
+              <a:ln>
+                <a:solidFill>
+                  <a:srgbClr val="00B050"/>
+                </a:solidFill>
+              </a:ln>
+            </p:spPr>
+            <p:style>
+              <a:lnRef idx="2">
+                <a:schemeClr val="accent1">
+                  <a:shade val="50000"/>
+                </a:schemeClr>
+              </a:lnRef>
+              <a:fillRef idx="1">
+                <a:schemeClr val="accent1"/>
+              </a:fillRef>
+              <a:effectRef idx="0">
+                <a:schemeClr val="accent1"/>
+              </a:effectRef>
+              <a:fontRef idx="minor">
+                <a:schemeClr val="lt1"/>
+              </a:fontRef>
+            </p:style>
+            <p:txBody>
+              <a:bodyPr rtlCol="0" anchor="ctr"/>
+              <a:p>
+                <a:pPr algn="ctr"/>
+                <a:endParaRPr lang="zh-CN" altLang="en-US"/>
+              </a:p>
+            </p:txBody>
+          </p:sp>
+          <p:sp>
+            <p:nvSpPr>
+              <p:cNvPr id="98" name="椭圆 97"/>
+              <p:cNvSpPr/>
+              <p:nvPr/>
+            </p:nvSpPr>
+            <p:spPr>
+              <a:xfrm>
+                <a:off x="14495" y="3195"/>
+                <a:ext cx="205" cy="171"/>
+              </a:xfrm>
+              <a:prstGeom prst="ellipse">
+                <a:avLst/>
+              </a:prstGeom>
+              <a:solidFill>
+                <a:srgbClr val="00B050"/>
+              </a:solidFill>
+              <a:ln>
+                <a:solidFill>
+                  <a:srgbClr val="00B050"/>
+                </a:solidFill>
+              </a:ln>
+            </p:spPr>
+            <p:style>
+              <a:lnRef idx="2">
+                <a:schemeClr val="accent1">
+                  <a:shade val="50000"/>
+                </a:schemeClr>
+              </a:lnRef>
+              <a:fillRef idx="1">
+                <a:schemeClr val="accent1"/>
+              </a:fillRef>
+              <a:effectRef idx="0">
+                <a:schemeClr val="accent1"/>
+              </a:effectRef>
+              <a:fontRef idx="minor">
+                <a:schemeClr val="lt1"/>
+              </a:fontRef>
+            </p:style>
+            <p:txBody>
+              <a:bodyPr rtlCol="0" anchor="ctr"/>
+              <a:p>
+                <a:pPr algn="ctr"/>
+                <a:endParaRPr lang="zh-CN" altLang="en-US"/>
+              </a:p>
+            </p:txBody>
+          </p:sp>
+          <p:sp>
+            <p:nvSpPr>
+              <p:cNvPr id="103" name="椭圆 102"/>
+              <p:cNvSpPr/>
+              <p:nvPr/>
+            </p:nvSpPr>
+            <p:spPr>
+              <a:xfrm>
+                <a:off x="15259" y="3024"/>
+                <a:ext cx="205" cy="171"/>
+              </a:xfrm>
+              <a:prstGeom prst="ellipse">
+                <a:avLst/>
+              </a:prstGeom>
+              <a:solidFill>
+                <a:srgbClr val="00B050"/>
+              </a:solidFill>
+              <a:ln>
+                <a:solidFill>
+                  <a:srgbClr val="00B050"/>
+                </a:solidFill>
+              </a:ln>
+            </p:spPr>
+            <p:style>
+              <a:lnRef idx="2">
+                <a:schemeClr val="accent1">
+                  <a:shade val="50000"/>
+                </a:schemeClr>
+              </a:lnRef>
+              <a:fillRef idx="1">
+                <a:schemeClr val="accent1"/>
+              </a:fillRef>
+              <a:effectRef idx="0">
+                <a:schemeClr val="accent1"/>
+              </a:effectRef>
+              <a:fontRef idx="minor">
+                <a:schemeClr val="lt1"/>
+              </a:fontRef>
+            </p:style>
+            <p:txBody>
+              <a:bodyPr rtlCol="0" anchor="ctr"/>
+              <a:p>
+                <a:pPr algn="ctr"/>
+                <a:endParaRPr lang="zh-CN" altLang="en-US"/>
+              </a:p>
+            </p:txBody>
+          </p:sp>
+          <p:sp>
+            <p:nvSpPr>
+              <p:cNvPr id="104" name="椭圆 103"/>
+              <p:cNvSpPr/>
+              <p:nvPr/>
+            </p:nvSpPr>
+            <p:spPr>
+              <a:xfrm>
+                <a:off x="13080" y="4479"/>
+                <a:ext cx="205" cy="171"/>
+              </a:xfrm>
+              <a:prstGeom prst="ellipse">
+                <a:avLst/>
+              </a:prstGeom>
+              <a:solidFill>
+                <a:srgbClr val="00B050"/>
+              </a:solidFill>
+              <a:ln>
+                <a:solidFill>
+                  <a:srgbClr val="00B050"/>
+                </a:solidFill>
+              </a:ln>
+            </p:spPr>
+            <p:style>
+              <a:lnRef idx="2">
+                <a:schemeClr val="accent1">
+                  <a:shade val="50000"/>
+                </a:schemeClr>
+              </a:lnRef>
+              <a:fillRef idx="1">
+                <a:schemeClr val="accent1"/>
+              </a:fillRef>
+              <a:effectRef idx="0">
+                <a:schemeClr val="accent1"/>
+              </a:effectRef>
+              <a:fontRef idx="minor">
+                <a:schemeClr val="lt1"/>
+              </a:fontRef>
+            </p:style>
+            <p:txBody>
+              <a:bodyPr rtlCol="0" anchor="ctr"/>
+              <a:p>
+                <a:pPr algn="ctr"/>
+                <a:endParaRPr lang="zh-CN" altLang="en-US"/>
+              </a:p>
+            </p:txBody>
+          </p:sp>
+          <p:sp>
+            <p:nvSpPr>
+              <p:cNvPr id="105" name="椭圆 104"/>
+              <p:cNvSpPr/>
+              <p:nvPr/>
+            </p:nvSpPr>
+            <p:spPr>
+              <a:xfrm>
+                <a:off x="12690" y="3537"/>
+                <a:ext cx="205" cy="171"/>
+              </a:xfrm>
+              <a:prstGeom prst="ellipse">
+                <a:avLst/>
+              </a:prstGeom>
+              <a:solidFill>
+                <a:srgbClr val="00B050"/>
+              </a:solidFill>
+              <a:ln>
+                <a:solidFill>
+                  <a:srgbClr val="00B050"/>
+                </a:solidFill>
+              </a:ln>
+            </p:spPr>
+            <p:style>
+              <a:lnRef idx="2">
+                <a:schemeClr val="accent1">
+                  <a:shade val="50000"/>
+                </a:schemeClr>
+              </a:lnRef>
+              <a:fillRef idx="1">
+                <a:schemeClr val="accent1"/>
+              </a:fillRef>
+              <a:effectRef idx="0">
+                <a:schemeClr val="accent1"/>
+              </a:effectRef>
+              <a:fontRef idx="minor">
+                <a:schemeClr val="lt1"/>
+              </a:fontRef>
+            </p:style>
+            <p:txBody>
+              <a:bodyPr rtlCol="0" anchor="ctr"/>
+              <a:p>
+                <a:pPr algn="ctr"/>
+                <a:endParaRPr lang="zh-CN" altLang="en-US"/>
+              </a:p>
+            </p:txBody>
+          </p:sp>
+          <p:sp>
+            <p:nvSpPr>
+              <p:cNvPr id="106" name="椭圆 105"/>
+              <p:cNvSpPr/>
+              <p:nvPr/>
+            </p:nvSpPr>
+            <p:spPr>
+              <a:xfrm>
+                <a:off x="13300" y="4908"/>
+                <a:ext cx="205" cy="171"/>
+              </a:xfrm>
+              <a:prstGeom prst="ellipse">
+                <a:avLst/>
+              </a:prstGeom>
+              <a:solidFill>
+                <a:srgbClr val="00B050"/>
+              </a:solidFill>
+              <a:ln>
+                <a:solidFill>
+                  <a:srgbClr val="00B050"/>
+                </a:solidFill>
+              </a:ln>
+            </p:spPr>
+            <p:style>
+              <a:lnRef idx="2">
+                <a:schemeClr val="accent1">
+                  <a:shade val="50000"/>
+                </a:schemeClr>
+              </a:lnRef>
+              <a:fillRef idx="1">
+                <a:schemeClr val="accent1"/>
+              </a:fillRef>
+              <a:effectRef idx="0">
+                <a:schemeClr val="accent1"/>
+              </a:effectRef>
+              <a:fontRef idx="minor">
+                <a:schemeClr val="lt1"/>
+              </a:fontRef>
+            </p:style>
+            <p:txBody>
+              <a:bodyPr rtlCol="0" anchor="ctr"/>
+              <a:p>
+                <a:pPr algn="ctr"/>
+                <a:endParaRPr lang="zh-CN" altLang="en-US"/>
+              </a:p>
+            </p:txBody>
+          </p:sp>
+          <p:sp>
+            <p:nvSpPr>
+              <p:cNvPr id="107" name="椭圆 106"/>
+              <p:cNvSpPr/>
+              <p:nvPr/>
+            </p:nvSpPr>
+            <p:spPr>
+              <a:xfrm>
+                <a:off x="14710" y="3966"/>
+                <a:ext cx="205" cy="171"/>
+              </a:xfrm>
+              <a:prstGeom prst="ellipse">
+                <a:avLst/>
+              </a:prstGeom>
+              <a:solidFill>
+                <a:srgbClr val="00B050"/>
+              </a:solidFill>
+              <a:ln>
+                <a:solidFill>
+                  <a:srgbClr val="00B050"/>
+                </a:solidFill>
+              </a:ln>
+            </p:spPr>
+            <p:style>
+              <a:lnRef idx="2">
+                <a:schemeClr val="accent1">
+                  <a:shade val="50000"/>
+                </a:schemeClr>
+              </a:lnRef>
+              <a:fillRef idx="1">
+                <a:schemeClr val="accent1"/>
+              </a:fillRef>
+              <a:effectRef idx="0">
+                <a:schemeClr val="accent1"/>
+              </a:effectRef>
+              <a:fontRef idx="minor">
+                <a:schemeClr val="lt1"/>
+              </a:fontRef>
+            </p:style>
+            <p:txBody>
+              <a:bodyPr rtlCol="0" anchor="ctr"/>
+              <a:p>
+                <a:pPr algn="ctr"/>
+                <a:endParaRPr lang="zh-CN" altLang="en-US"/>
+              </a:p>
+            </p:txBody>
+          </p:sp>
+          <p:sp>
+            <p:nvSpPr>
+              <p:cNvPr id="108" name="椭圆 107"/>
+              <p:cNvSpPr/>
+              <p:nvPr/>
+            </p:nvSpPr>
+            <p:spPr>
+              <a:xfrm>
+                <a:off x="12383" y="4308"/>
+                <a:ext cx="205" cy="171"/>
+              </a:xfrm>
+              <a:prstGeom prst="ellipse">
+                <a:avLst/>
+              </a:prstGeom>
+              <a:solidFill>
+                <a:srgbClr val="00B050"/>
+              </a:solidFill>
+              <a:ln>
+                <a:solidFill>
+                  <a:srgbClr val="00B050"/>
+                </a:solidFill>
+              </a:ln>
+            </p:spPr>
+            <p:style>
+              <a:lnRef idx="2">
+                <a:schemeClr val="accent1">
+                  <a:shade val="50000"/>
+                </a:schemeClr>
+              </a:lnRef>
+              <a:fillRef idx="1">
+                <a:schemeClr val="accent1"/>
+              </a:fillRef>
+              <a:effectRef idx="0">
+                <a:schemeClr val="accent1"/>
+              </a:effectRef>
+              <a:fontRef idx="minor">
+                <a:schemeClr val="lt1"/>
+              </a:fontRef>
+            </p:style>
+            <p:txBody>
+              <a:bodyPr rtlCol="0" anchor="ctr"/>
+              <a:p>
+                <a:pPr algn="ctr"/>
+                <a:endParaRPr lang="zh-CN" altLang="en-US"/>
+              </a:p>
+            </p:txBody>
+          </p:sp>
+          <p:sp>
+            <p:nvSpPr>
+              <p:cNvPr id="109" name="椭圆 108"/>
+              <p:cNvSpPr/>
+              <p:nvPr/>
+            </p:nvSpPr>
+            <p:spPr>
+              <a:xfrm>
+                <a:off x="13285" y="3966"/>
+                <a:ext cx="205" cy="171"/>
+              </a:xfrm>
+              <a:prstGeom prst="ellipse">
+                <a:avLst/>
+              </a:prstGeom>
+              <a:solidFill>
+                <a:srgbClr val="00B050"/>
+              </a:solidFill>
+              <a:ln>
+                <a:solidFill>
+                  <a:srgbClr val="00B050"/>
+                </a:solidFill>
+              </a:ln>
+            </p:spPr>
+            <p:style>
+              <a:lnRef idx="2">
+                <a:schemeClr val="accent1">
+                  <a:shade val="50000"/>
+                </a:schemeClr>
+              </a:lnRef>
+              <a:fillRef idx="1">
+                <a:schemeClr val="accent1"/>
+              </a:fillRef>
+              <a:effectRef idx="0">
+                <a:schemeClr val="accent1"/>
+              </a:effectRef>
+              <a:fontRef idx="minor">
+                <a:schemeClr val="lt1"/>
+              </a:fontRef>
+            </p:style>
+            <p:txBody>
+              <a:bodyPr rtlCol="0" anchor="ctr"/>
+              <a:p>
+                <a:pPr algn="ctr"/>
+                <a:endParaRPr lang="zh-CN" altLang="en-US"/>
+              </a:p>
+            </p:txBody>
+          </p:sp>
+          <p:sp>
+            <p:nvSpPr>
+              <p:cNvPr id="110" name="椭圆 109"/>
+              <p:cNvSpPr/>
+              <p:nvPr/>
+            </p:nvSpPr>
+            <p:spPr>
+              <a:xfrm>
+                <a:off x="13759" y="3908"/>
+                <a:ext cx="205" cy="171"/>
+              </a:xfrm>
+              <a:prstGeom prst="ellipse">
+                <a:avLst/>
+              </a:prstGeom>
+              <a:solidFill>
+                <a:srgbClr val="00B050"/>
+              </a:solidFill>
+              <a:ln>
+                <a:solidFill>
+                  <a:srgbClr val="00B050"/>
+                </a:solidFill>
+              </a:ln>
+            </p:spPr>
+            <p:style>
+              <a:lnRef idx="2">
+                <a:schemeClr val="accent1">
+                  <a:shade val="50000"/>
+                </a:schemeClr>
+              </a:lnRef>
+              <a:fillRef idx="1">
+                <a:schemeClr val="accent1"/>
+              </a:fillRef>
+              <a:effectRef idx="0">
+                <a:schemeClr val="accent1"/>
+              </a:effectRef>
+              <a:fontRef idx="minor">
+                <a:schemeClr val="lt1"/>
+              </a:fontRef>
+            </p:style>
+            <p:txBody>
+              <a:bodyPr rtlCol="0" anchor="ctr"/>
+              <a:p>
+                <a:pPr algn="ctr"/>
+                <a:endParaRPr lang="zh-CN" altLang="en-US"/>
+              </a:p>
+            </p:txBody>
+          </p:sp>
+          <p:sp>
+            <p:nvSpPr>
+              <p:cNvPr id="111" name="椭圆 110"/>
+              <p:cNvSpPr/>
+              <p:nvPr/>
+            </p:nvSpPr>
+            <p:spPr>
+              <a:xfrm>
+                <a:off x="14915" y="3537"/>
+                <a:ext cx="205" cy="171"/>
+              </a:xfrm>
+              <a:prstGeom prst="ellipse">
+                <a:avLst/>
+              </a:prstGeom>
+              <a:solidFill>
+                <a:srgbClr val="00B050"/>
+              </a:solidFill>
+              <a:ln>
+                <a:solidFill>
+                  <a:srgbClr val="00B050"/>
+                </a:solidFill>
+              </a:ln>
+            </p:spPr>
+            <p:style>
+              <a:lnRef idx="2">
+                <a:schemeClr val="accent1">
+                  <a:shade val="50000"/>
+                </a:schemeClr>
+              </a:lnRef>
+              <a:fillRef idx="1">
+                <a:schemeClr val="accent1"/>
+              </a:fillRef>
+              <a:effectRef idx="0">
+                <a:schemeClr val="accent1"/>
+              </a:effectRef>
+              <a:fontRef idx="minor">
+                <a:schemeClr val="lt1"/>
+              </a:fontRef>
+            </p:style>
+            <p:txBody>
+              <a:bodyPr rtlCol="0" anchor="ctr"/>
+              <a:p>
+                <a:pPr algn="ctr"/>
+                <a:endParaRPr lang="zh-CN" altLang="en-US"/>
+              </a:p>
+            </p:txBody>
+          </p:sp>
+          <p:sp>
+            <p:nvSpPr>
+              <p:cNvPr id="112" name="椭圆 111"/>
+              <p:cNvSpPr/>
+              <p:nvPr/>
+            </p:nvSpPr>
+            <p:spPr>
+              <a:xfrm>
+                <a:off x="11521" y="5479"/>
+                <a:ext cx="205" cy="171"/>
+              </a:xfrm>
+              <a:prstGeom prst="ellipse">
+                <a:avLst/>
+              </a:prstGeom>
+              <a:solidFill>
+                <a:srgbClr val="00B050"/>
+              </a:solidFill>
+              <a:ln>
+                <a:solidFill>
+                  <a:srgbClr val="00B050"/>
+                </a:solidFill>
+              </a:ln>
+            </p:spPr>
+            <p:style>
+              <a:lnRef idx="2">
+                <a:schemeClr val="accent1">
+                  <a:shade val="50000"/>
+                </a:schemeClr>
+              </a:lnRef>
+              <a:fillRef idx="1">
+                <a:schemeClr val="accent1"/>
+              </a:fillRef>
+              <a:effectRef idx="0">
+                <a:schemeClr val="accent1"/>
+              </a:effectRef>
+              <a:fontRef idx="minor">
+                <a:schemeClr val="lt1"/>
+              </a:fontRef>
+            </p:style>
+            <p:txBody>
+              <a:bodyPr rtlCol="0" anchor="ctr"/>
+              <a:p>
+                <a:pPr algn="ctr"/>
+                <a:endParaRPr lang="zh-CN" altLang="en-US"/>
+              </a:p>
+            </p:txBody>
+          </p:sp>
+          <p:sp>
+            <p:nvSpPr>
+              <p:cNvPr id="113" name="椭圆 112"/>
+              <p:cNvSpPr/>
+              <p:nvPr/>
+            </p:nvSpPr>
+            <p:spPr>
+              <a:xfrm>
+                <a:off x="15054" y="2550"/>
+                <a:ext cx="205" cy="171"/>
+              </a:xfrm>
+              <a:prstGeom prst="ellipse">
+                <a:avLst/>
+              </a:prstGeom>
+              <a:solidFill>
+                <a:srgbClr val="00B050"/>
+              </a:solidFill>
+              <a:ln>
+                <a:solidFill>
+                  <a:srgbClr val="00B050"/>
+                </a:solidFill>
+              </a:ln>
+            </p:spPr>
+            <p:style>
+              <a:lnRef idx="2">
+                <a:schemeClr val="accent1">
+                  <a:shade val="50000"/>
+                </a:schemeClr>
+              </a:lnRef>
+              <a:fillRef idx="1">
+                <a:schemeClr val="accent1"/>
+              </a:fillRef>
+              <a:effectRef idx="0">
+                <a:schemeClr val="accent1"/>
+              </a:effectRef>
+              <a:fontRef idx="minor">
+                <a:schemeClr val="lt1"/>
+              </a:fontRef>
+            </p:style>
+            <p:txBody>
+              <a:bodyPr rtlCol="0" anchor="ctr"/>
+              <a:p>
+                <a:pPr algn="ctr"/>
+                <a:endParaRPr lang="zh-CN" altLang="en-US"/>
+              </a:p>
+            </p:txBody>
+          </p:sp>
+          <p:sp>
+            <p:nvSpPr>
+              <p:cNvPr id="114" name="椭圆 113"/>
+              <p:cNvSpPr/>
+              <p:nvPr/>
+            </p:nvSpPr>
+            <p:spPr>
+              <a:xfrm>
+                <a:off x="15706" y="3566"/>
+                <a:ext cx="205" cy="171"/>
+              </a:xfrm>
+              <a:prstGeom prst="ellipse">
+                <a:avLst/>
+              </a:prstGeom>
+              <a:solidFill>
+                <a:srgbClr val="00B050"/>
+              </a:solidFill>
+              <a:ln>
+                <a:solidFill>
+                  <a:srgbClr val="00B050"/>
+                </a:solidFill>
+              </a:ln>
+            </p:spPr>
+            <p:style>
+              <a:lnRef idx="2">
+                <a:schemeClr val="accent1">
+                  <a:shade val="50000"/>
+                </a:schemeClr>
+              </a:lnRef>
+              <a:fillRef idx="1">
+                <a:schemeClr val="accent1"/>
+              </a:fillRef>
+              <a:effectRef idx="0">
+                <a:schemeClr val="accent1"/>
+              </a:effectRef>
+              <a:fontRef idx="minor">
+                <a:schemeClr val="lt1"/>
+              </a:fontRef>
+            </p:style>
+            <p:txBody>
+              <a:bodyPr rtlCol="0" anchor="ctr"/>
+              <a:p>
+                <a:pPr algn="ctr"/>
+                <a:endParaRPr lang="zh-CN" altLang="en-US"/>
+              </a:p>
+            </p:txBody>
+          </p:sp>
+          <p:sp>
+            <p:nvSpPr>
+              <p:cNvPr id="115" name="椭圆 114"/>
+              <p:cNvSpPr/>
+              <p:nvPr/>
+            </p:nvSpPr>
+            <p:spPr>
+              <a:xfrm>
+                <a:off x="13890" y="4479"/>
+                <a:ext cx="205" cy="171"/>
+              </a:xfrm>
+              <a:prstGeom prst="ellipse">
+                <a:avLst/>
+              </a:prstGeom>
+              <a:solidFill>
+                <a:srgbClr val="00B050"/>
+              </a:solidFill>
+              <a:ln>
+                <a:solidFill>
+                  <a:srgbClr val="00B050"/>
+                </a:solidFill>
+              </a:ln>
+            </p:spPr>
+            <p:style>
+              <a:lnRef idx="2">
+                <a:schemeClr val="accent1">
+                  <a:shade val="50000"/>
+                </a:schemeClr>
+              </a:lnRef>
+              <a:fillRef idx="1">
+                <a:schemeClr val="accent1"/>
+              </a:fillRef>
+              <a:effectRef idx="0">
+                <a:schemeClr val="accent1"/>
+              </a:effectRef>
+              <a:fontRef idx="minor">
+                <a:schemeClr val="lt1"/>
+              </a:fontRef>
+            </p:style>
+            <p:txBody>
+              <a:bodyPr rtlCol="0" anchor="ctr"/>
+              <a:p>
+                <a:pPr algn="ctr"/>
+                <a:endParaRPr lang="zh-CN" altLang="en-US"/>
+              </a:p>
+            </p:txBody>
+          </p:sp>
+          <p:sp>
+            <p:nvSpPr>
+              <p:cNvPr id="116" name="椭圆 115"/>
+              <p:cNvSpPr/>
+              <p:nvPr/>
+            </p:nvSpPr>
+            <p:spPr>
+              <a:xfrm>
+                <a:off x="11521" y="4908"/>
+                <a:ext cx="205" cy="171"/>
+              </a:xfrm>
+              <a:prstGeom prst="ellipse">
+                <a:avLst/>
+              </a:prstGeom>
+              <a:solidFill>
+                <a:srgbClr val="00B050"/>
+              </a:solidFill>
+              <a:ln>
+                <a:solidFill>
+                  <a:srgbClr val="00B050"/>
+                </a:solidFill>
+              </a:ln>
+            </p:spPr>
+            <p:style>
+              <a:lnRef idx="2">
+                <a:schemeClr val="accent1">
+                  <a:shade val="50000"/>
+                </a:schemeClr>
+              </a:lnRef>
+              <a:fillRef idx="1">
+                <a:schemeClr val="accent1"/>
+              </a:fillRef>
+              <a:effectRef idx="0">
+                <a:schemeClr val="accent1"/>
+              </a:effectRef>
+              <a:fontRef idx="minor">
+                <a:schemeClr val="lt1"/>
+              </a:fontRef>
+            </p:style>
+            <p:txBody>
+              <a:bodyPr rtlCol="0" anchor="ctr"/>
+              <a:p>
+                <a:pPr algn="ctr"/>
+                <a:endParaRPr lang="zh-CN" altLang="en-US"/>
+              </a:p>
+            </p:txBody>
+          </p:sp>
+          <p:sp>
+            <p:nvSpPr>
+              <p:cNvPr id="117" name="椭圆 116"/>
+              <p:cNvSpPr/>
+              <p:nvPr/>
+            </p:nvSpPr>
+            <p:spPr>
+              <a:xfrm>
+                <a:off x="14169" y="4992"/>
+                <a:ext cx="205" cy="171"/>
+              </a:xfrm>
+              <a:prstGeom prst="ellipse">
+                <a:avLst/>
+              </a:prstGeom>
+              <a:solidFill>
+                <a:srgbClr val="00B050"/>
+              </a:solidFill>
+              <a:ln>
+                <a:solidFill>
+                  <a:srgbClr val="00B050"/>
+                </a:solidFill>
+              </a:ln>
+            </p:spPr>
+            <p:style>
+              <a:lnRef idx="2">
+                <a:schemeClr val="accent1">
+                  <a:shade val="50000"/>
+                </a:schemeClr>
+              </a:lnRef>
+              <a:fillRef idx="1">
+                <a:schemeClr val="accent1"/>
+              </a:fillRef>
+              <a:effectRef idx="0">
+                <a:schemeClr val="accent1"/>
+              </a:effectRef>
+              <a:fontRef idx="minor">
+                <a:schemeClr val="lt1"/>
+              </a:fontRef>
+            </p:style>
+            <p:txBody>
+              <a:bodyPr rtlCol="0" anchor="ctr"/>
+              <a:p>
+                <a:pPr algn="ctr"/>
+                <a:endParaRPr lang="zh-CN" altLang="en-US"/>
+              </a:p>
+            </p:txBody>
+          </p:sp>
+          <p:sp>
+            <p:nvSpPr>
+              <p:cNvPr id="118" name="椭圆 117"/>
+              <p:cNvSpPr/>
+              <p:nvPr/>
+            </p:nvSpPr>
+            <p:spPr>
+              <a:xfrm>
+                <a:off x="12178" y="4737"/>
+                <a:ext cx="205" cy="171"/>
+              </a:xfrm>
+              <a:prstGeom prst="ellipse">
+                <a:avLst/>
+              </a:prstGeom>
+              <a:solidFill>
+                <a:srgbClr val="00B050"/>
+              </a:solidFill>
+              <a:ln>
+                <a:solidFill>
+                  <a:srgbClr val="00B050"/>
+                </a:solidFill>
+              </a:ln>
+            </p:spPr>
+            <p:style>
+              <a:lnRef idx="2">
+                <a:schemeClr val="accent1">
+                  <a:shade val="50000"/>
+                </a:schemeClr>
+              </a:lnRef>
+              <a:fillRef idx="1">
+                <a:schemeClr val="accent1"/>
+              </a:fillRef>
+              <a:effectRef idx="0">
+                <a:schemeClr val="accent1"/>
+              </a:effectRef>
+              <a:fontRef idx="minor">
+                <a:schemeClr val="lt1"/>
+              </a:fontRef>
+            </p:style>
+            <p:txBody>
+              <a:bodyPr rtlCol="0" anchor="ctr"/>
+              <a:p>
+                <a:pPr algn="ctr"/>
+                <a:endParaRPr lang="zh-CN" altLang="en-US"/>
+              </a:p>
+            </p:txBody>
+          </p:sp>
+          <p:sp>
+            <p:nvSpPr>
+              <p:cNvPr id="119" name="椭圆 118"/>
+              <p:cNvSpPr/>
+              <p:nvPr/>
+            </p:nvSpPr>
+            <p:spPr>
+              <a:xfrm>
+                <a:off x="12485" y="5479"/>
+                <a:ext cx="205" cy="171"/>
+              </a:xfrm>
+              <a:prstGeom prst="ellipse">
+                <a:avLst/>
+              </a:prstGeom>
+              <a:solidFill>
+                <a:srgbClr val="00B050"/>
+              </a:solidFill>
+              <a:ln>
+                <a:solidFill>
+                  <a:srgbClr val="00B050"/>
+                </a:solidFill>
+              </a:ln>
+            </p:spPr>
+            <p:style>
+              <a:lnRef idx="2">
+                <a:schemeClr val="accent1">
+                  <a:shade val="50000"/>
+                </a:schemeClr>
+              </a:lnRef>
+              <a:fillRef idx="1">
+                <a:schemeClr val="accent1"/>
+              </a:fillRef>
+              <a:effectRef idx="0">
+                <a:schemeClr val="accent1"/>
+              </a:effectRef>
+              <a:fontRef idx="minor">
+                <a:schemeClr val="lt1"/>
+              </a:fontRef>
+            </p:style>
+            <p:txBody>
+              <a:bodyPr rtlCol="0" anchor="ctr"/>
+              <a:p>
+                <a:pPr algn="ctr"/>
+                <a:endParaRPr lang="zh-CN" altLang="en-US"/>
+              </a:p>
+            </p:txBody>
+          </p:sp>
+          <p:sp>
+            <p:nvSpPr>
+              <p:cNvPr id="120" name="椭圆 119"/>
+              <p:cNvSpPr/>
+              <p:nvPr/>
+            </p:nvSpPr>
+            <p:spPr>
+              <a:xfrm>
+                <a:off x="14738" y="4650"/>
+                <a:ext cx="205" cy="171"/>
+              </a:xfrm>
+              <a:prstGeom prst="ellipse">
+                <a:avLst/>
+              </a:prstGeom>
+              <a:solidFill>
+                <a:srgbClr val="00B050"/>
+              </a:solidFill>
+              <a:ln>
+                <a:solidFill>
+                  <a:srgbClr val="00B050"/>
+                </a:solidFill>
+              </a:ln>
+            </p:spPr>
+            <p:style>
+              <a:lnRef idx="2">
+                <a:schemeClr val="accent1">
+                  <a:shade val="50000"/>
+                </a:schemeClr>
+              </a:lnRef>
+              <a:fillRef idx="1">
+                <a:schemeClr val="accent1"/>
+              </a:fillRef>
+              <a:effectRef idx="0">
+                <a:schemeClr val="accent1"/>
+              </a:effectRef>
+              <a:fontRef idx="minor">
+                <a:schemeClr val="lt1"/>
+              </a:fontRef>
+            </p:style>
+            <p:txBody>
+              <a:bodyPr rtlCol="0" anchor="ctr"/>
+              <a:p>
+                <a:pPr algn="ctr"/>
+                <a:endParaRPr lang="zh-CN" altLang="en-US"/>
+              </a:p>
+            </p:txBody>
+          </p:sp>
+          <p:sp>
+            <p:nvSpPr>
+              <p:cNvPr id="121" name="椭圆 120"/>
+              <p:cNvSpPr/>
+              <p:nvPr/>
+            </p:nvSpPr>
+            <p:spPr>
+              <a:xfrm>
+                <a:off x="14300" y="3795"/>
+                <a:ext cx="205" cy="171"/>
+              </a:xfrm>
+              <a:prstGeom prst="ellipse">
+                <a:avLst/>
+              </a:prstGeom>
+              <a:solidFill>
+                <a:srgbClr val="00B050"/>
+              </a:solidFill>
+              <a:ln>
+                <a:solidFill>
+                  <a:srgbClr val="00B050"/>
+                </a:solidFill>
+              </a:ln>
+            </p:spPr>
+            <p:style>
+              <a:lnRef idx="2">
+                <a:schemeClr val="accent1">
+                  <a:shade val="50000"/>
+                </a:schemeClr>
+              </a:lnRef>
+              <a:fillRef idx="1">
+                <a:schemeClr val="accent1"/>
+              </a:fillRef>
+              <a:effectRef idx="0">
+                <a:schemeClr val="accent1"/>
+              </a:effectRef>
+              <a:fontRef idx="minor">
+                <a:schemeClr val="lt1"/>
+              </a:fontRef>
+            </p:style>
+            <p:txBody>
+              <a:bodyPr rtlCol="0" anchor="ctr"/>
+              <a:p>
+                <a:pPr algn="ctr"/>
+                <a:endParaRPr lang="zh-CN" altLang="en-US"/>
+              </a:p>
+            </p:txBody>
+          </p:sp>
+          <p:sp>
+            <p:nvSpPr>
+              <p:cNvPr id="122" name="椭圆 121"/>
+              <p:cNvSpPr/>
+              <p:nvPr/>
+            </p:nvSpPr>
+            <p:spPr>
+              <a:xfrm>
+                <a:off x="12690" y="5079"/>
+                <a:ext cx="205" cy="171"/>
+              </a:xfrm>
+              <a:prstGeom prst="ellipse">
+                <a:avLst/>
+              </a:prstGeom>
+              <a:solidFill>
+                <a:srgbClr val="00B050"/>
+              </a:solidFill>
+              <a:ln>
+                <a:solidFill>
+                  <a:srgbClr val="00B050"/>
+                </a:solidFill>
+              </a:ln>
+            </p:spPr>
+            <p:style>
+              <a:lnRef idx="2">
+                <a:schemeClr val="accent1">
+                  <a:shade val="50000"/>
+                </a:schemeClr>
+              </a:lnRef>
+              <a:fillRef idx="1">
+                <a:schemeClr val="accent1"/>
+              </a:fillRef>
+              <a:effectRef idx="0">
+                <a:schemeClr val="accent1"/>
+              </a:effectRef>
+              <a:fontRef idx="minor">
+                <a:schemeClr val="lt1"/>
+              </a:fontRef>
+            </p:style>
+            <p:txBody>
+              <a:bodyPr rtlCol="0" anchor="ctr"/>
+              <a:p>
+                <a:pPr algn="ctr"/>
+                <a:endParaRPr lang="zh-CN" altLang="en-US"/>
+              </a:p>
+            </p:txBody>
+          </p:sp>
+          <p:sp>
+            <p:nvSpPr>
+              <p:cNvPr id="123" name="椭圆 122"/>
+              <p:cNvSpPr/>
+              <p:nvPr/>
+            </p:nvSpPr>
+            <p:spPr>
+              <a:xfrm>
+                <a:off x="15256" y="4650"/>
+                <a:ext cx="205" cy="171"/>
+              </a:xfrm>
+              <a:prstGeom prst="ellipse">
+                <a:avLst/>
+              </a:prstGeom>
+              <a:solidFill>
+                <a:srgbClr val="00B050"/>
+              </a:solidFill>
+              <a:ln>
+                <a:solidFill>
+                  <a:srgbClr val="00B050"/>
+                </a:solidFill>
+              </a:ln>
+            </p:spPr>
+            <p:style>
+              <a:lnRef idx="2">
+                <a:schemeClr val="accent1">
+                  <a:shade val="50000"/>
+                </a:schemeClr>
+              </a:lnRef>
+              <a:fillRef idx="1">
+                <a:schemeClr val="accent1"/>
+              </a:fillRef>
+              <a:effectRef idx="0">
+                <a:schemeClr val="accent1"/>
+              </a:effectRef>
+              <a:fontRef idx="minor">
+                <a:schemeClr val="lt1"/>
+              </a:fontRef>
+            </p:style>
+            <p:txBody>
+              <a:bodyPr rtlCol="0" anchor="ctr"/>
+              <a:p>
+                <a:pPr algn="ctr"/>
+                <a:endParaRPr lang="zh-CN" altLang="en-US"/>
+              </a:p>
+            </p:txBody>
+          </p:sp>
+          <p:sp>
+            <p:nvSpPr>
+              <p:cNvPr id="124" name="椭圆 123"/>
+              <p:cNvSpPr/>
+              <p:nvPr/>
+            </p:nvSpPr>
+            <p:spPr>
+              <a:xfrm>
+                <a:off x="15256" y="3737"/>
+                <a:ext cx="205" cy="171"/>
+              </a:xfrm>
+              <a:prstGeom prst="ellipse">
+                <a:avLst/>
+              </a:prstGeom>
+              <a:solidFill>
+                <a:srgbClr val="00B050"/>
+              </a:solidFill>
+              <a:ln>
+                <a:solidFill>
+                  <a:srgbClr val="00B050"/>
+                </a:solidFill>
+              </a:ln>
+            </p:spPr>
+            <p:style>
+              <a:lnRef idx="2">
+                <a:schemeClr val="accent1">
+                  <a:shade val="50000"/>
+                </a:schemeClr>
+              </a:lnRef>
+              <a:fillRef idx="1">
+                <a:schemeClr val="accent1"/>
+              </a:fillRef>
+              <a:effectRef idx="0">
+                <a:schemeClr val="accent1"/>
+              </a:effectRef>
+              <a:fontRef idx="minor">
+                <a:schemeClr val="lt1"/>
+              </a:fontRef>
+            </p:style>
+            <p:txBody>
+              <a:bodyPr rtlCol="0" anchor="ctr"/>
+              <a:p>
+                <a:pPr algn="ctr"/>
+                <a:endParaRPr lang="zh-CN" altLang="en-US"/>
+              </a:p>
+            </p:txBody>
+          </p:sp>
+          <p:sp>
+            <p:nvSpPr>
+              <p:cNvPr id="125" name="椭圆 124"/>
+              <p:cNvSpPr/>
+              <p:nvPr/>
+            </p:nvSpPr>
+            <p:spPr>
+              <a:xfrm>
+                <a:off x="15519" y="4308"/>
+                <a:ext cx="205" cy="171"/>
+              </a:xfrm>
+              <a:prstGeom prst="ellipse">
+                <a:avLst/>
+              </a:prstGeom>
+              <a:solidFill>
+                <a:srgbClr val="00B050"/>
+              </a:solidFill>
+              <a:ln>
+                <a:solidFill>
+                  <a:srgbClr val="00B050"/>
+                </a:solidFill>
+              </a:ln>
+            </p:spPr>
+            <p:style>
+              <a:lnRef idx="2">
+                <a:schemeClr val="accent1">
+                  <a:shade val="50000"/>
+                </a:schemeClr>
+              </a:lnRef>
+              <a:fillRef idx="1">
+                <a:schemeClr val="accent1"/>
+              </a:fillRef>
+              <a:effectRef idx="0">
+                <a:schemeClr val="accent1"/>
+              </a:effectRef>
+              <a:fontRef idx="minor">
+                <a:schemeClr val="lt1"/>
+              </a:fontRef>
+            </p:style>
+            <p:txBody>
+              <a:bodyPr rtlCol="0" anchor="ctr"/>
+              <a:p>
+                <a:pPr algn="ctr"/>
+                <a:endParaRPr lang="zh-CN" altLang="en-US"/>
+              </a:p>
+            </p:txBody>
+          </p:sp>
+          <p:sp>
+            <p:nvSpPr>
+              <p:cNvPr id="126" name="椭圆 125"/>
+              <p:cNvSpPr/>
+              <p:nvPr/>
+            </p:nvSpPr>
+            <p:spPr>
+              <a:xfrm>
+                <a:off x="15911" y="4137"/>
+                <a:ext cx="205" cy="171"/>
+              </a:xfrm>
+              <a:prstGeom prst="ellipse">
+                <a:avLst/>
+              </a:prstGeom>
+              <a:solidFill>
+                <a:srgbClr val="00B050"/>
+              </a:solidFill>
+              <a:ln>
+                <a:solidFill>
+                  <a:srgbClr val="00B050"/>
+                </a:solidFill>
+              </a:ln>
+            </p:spPr>
+            <p:style>
+              <a:lnRef idx="2">
+                <a:schemeClr val="accent1">
+                  <a:shade val="50000"/>
+                </a:schemeClr>
+              </a:lnRef>
+              <a:fillRef idx="1">
+                <a:schemeClr val="accent1"/>
+              </a:fillRef>
+              <a:effectRef idx="0">
+                <a:schemeClr val="accent1"/>
+              </a:effectRef>
+              <a:fontRef idx="minor">
+                <a:schemeClr val="lt1"/>
+              </a:fontRef>
+            </p:style>
+            <p:txBody>
+              <a:bodyPr rtlCol="0" anchor="ctr"/>
+              <a:p>
+                <a:pPr algn="ctr"/>
+                <a:endParaRPr lang="zh-CN" altLang="en-US"/>
+              </a:p>
+            </p:txBody>
+          </p:sp>
+          <p:sp>
+            <p:nvSpPr>
+              <p:cNvPr id="127" name="椭圆 126"/>
+              <p:cNvSpPr/>
+              <p:nvPr/>
+            </p:nvSpPr>
+            <p:spPr>
+              <a:xfrm>
+                <a:off x="13759" y="4821"/>
+                <a:ext cx="205" cy="171"/>
+              </a:xfrm>
+              <a:prstGeom prst="ellipse">
+                <a:avLst/>
+              </a:prstGeom>
+              <a:solidFill>
+                <a:srgbClr val="00B050"/>
+              </a:solidFill>
+              <a:ln>
+                <a:solidFill>
+                  <a:srgbClr val="00B050"/>
+                </a:solidFill>
+              </a:ln>
+            </p:spPr>
+            <p:style>
+              <a:lnRef idx="2">
+                <a:schemeClr val="accent1">
+                  <a:shade val="50000"/>
+                </a:schemeClr>
+              </a:lnRef>
+              <a:fillRef idx="1">
+                <a:schemeClr val="accent1"/>
+              </a:fillRef>
+              <a:effectRef idx="0">
+                <a:schemeClr val="accent1"/>
+              </a:effectRef>
+              <a:fontRef idx="minor">
+                <a:schemeClr val="lt1"/>
+              </a:fontRef>
+            </p:style>
+            <p:txBody>
+              <a:bodyPr rtlCol="0" anchor="ctr"/>
+              <a:p>
+                <a:pPr algn="ctr"/>
+                <a:endParaRPr lang="zh-CN" altLang="en-US"/>
+              </a:p>
+            </p:txBody>
+          </p:sp>
+          <p:sp>
+            <p:nvSpPr>
+              <p:cNvPr id="128" name="椭圆 127"/>
+              <p:cNvSpPr/>
+              <p:nvPr/>
+            </p:nvSpPr>
+            <p:spPr>
+              <a:xfrm>
+                <a:off x="15861" y="4737"/>
+                <a:ext cx="205" cy="171"/>
+              </a:xfrm>
+              <a:prstGeom prst="ellipse">
+                <a:avLst/>
+              </a:prstGeom>
+              <a:solidFill>
+                <a:srgbClr val="00B050"/>
+              </a:solidFill>
+              <a:ln>
+                <a:solidFill>
+                  <a:srgbClr val="00B050"/>
+                </a:solidFill>
+              </a:ln>
+            </p:spPr>
+            <p:style>
+              <a:lnRef idx="2">
+                <a:schemeClr val="accent1">
+                  <a:shade val="50000"/>
+                </a:schemeClr>
+              </a:lnRef>
+              <a:fillRef idx="1">
+                <a:schemeClr val="accent1"/>
+              </a:fillRef>
+              <a:effectRef idx="0">
+                <a:schemeClr val="accent1"/>
+              </a:effectRef>
+              <a:fontRef idx="minor">
+                <a:schemeClr val="lt1"/>
+              </a:fontRef>
+            </p:style>
+            <p:txBody>
+              <a:bodyPr rtlCol="0" anchor="ctr"/>
+              <a:p>
+                <a:pPr algn="ctr"/>
+                <a:endParaRPr lang="zh-CN" altLang="en-US"/>
+              </a:p>
+            </p:txBody>
+          </p:sp>
+          <p:sp>
+            <p:nvSpPr>
+              <p:cNvPr id="129" name="椭圆 128"/>
+              <p:cNvSpPr/>
+              <p:nvPr/>
+            </p:nvSpPr>
+            <p:spPr>
+              <a:xfrm>
+                <a:off x="16365" y="4479"/>
+                <a:ext cx="205" cy="171"/>
+              </a:xfrm>
+              <a:prstGeom prst="ellipse">
+                <a:avLst/>
+              </a:prstGeom>
+              <a:solidFill>
+                <a:srgbClr val="00B050"/>
+              </a:solidFill>
+              <a:ln>
+                <a:solidFill>
+                  <a:srgbClr val="00B050"/>
+                </a:solidFill>
+              </a:ln>
+            </p:spPr>
+            <p:style>
+              <a:lnRef idx="2">
+                <a:schemeClr val="accent1">
+                  <a:shade val="50000"/>
+                </a:schemeClr>
+              </a:lnRef>
+              <a:fillRef idx="1">
+                <a:schemeClr val="accent1"/>
+              </a:fillRef>
+              <a:effectRef idx="0">
+                <a:schemeClr val="accent1"/>
+              </a:effectRef>
+              <a:fontRef idx="minor">
+                <a:schemeClr val="lt1"/>
+              </a:fontRef>
+            </p:style>
+            <p:txBody>
+              <a:bodyPr rtlCol="0" anchor="ctr"/>
+              <a:p>
+                <a:pPr algn="ctr"/>
+                <a:endParaRPr lang="zh-CN" altLang="en-US"/>
+              </a:p>
+            </p:txBody>
+          </p:sp>
+          <p:sp>
+            <p:nvSpPr>
+              <p:cNvPr id="130" name="椭圆 129"/>
+              <p:cNvSpPr/>
+              <p:nvPr/>
+            </p:nvSpPr>
+            <p:spPr>
+              <a:xfrm>
+                <a:off x="12178" y="5308"/>
+                <a:ext cx="205" cy="171"/>
+              </a:xfrm>
+              <a:prstGeom prst="ellipse">
+                <a:avLst/>
+              </a:prstGeom>
+              <a:solidFill>
+                <a:srgbClr val="00B050"/>
+              </a:solidFill>
+              <a:ln>
+                <a:solidFill>
+                  <a:srgbClr val="00B050"/>
+                </a:solidFill>
+              </a:ln>
+            </p:spPr>
+            <p:style>
+              <a:lnRef idx="2">
+                <a:schemeClr val="accent1">
+                  <a:shade val="50000"/>
+                </a:schemeClr>
+              </a:lnRef>
+              <a:fillRef idx="1">
+                <a:schemeClr val="accent1"/>
+              </a:fillRef>
+              <a:effectRef idx="0">
+                <a:schemeClr val="accent1"/>
+              </a:effectRef>
+              <a:fontRef idx="minor">
+                <a:schemeClr val="lt1"/>
+              </a:fontRef>
+            </p:style>
+            <p:txBody>
+              <a:bodyPr rtlCol="0" anchor="ctr"/>
+              <a:p>
+                <a:pPr algn="ctr"/>
+                <a:endParaRPr lang="zh-CN" altLang="en-US"/>
+              </a:p>
+            </p:txBody>
+          </p:sp>
+          <p:sp>
+            <p:nvSpPr>
+              <p:cNvPr id="131" name="椭圆 130"/>
+              <p:cNvSpPr/>
+              <p:nvPr/>
+            </p:nvSpPr>
+            <p:spPr>
+              <a:xfrm>
+                <a:off x="14169" y="7205"/>
+                <a:ext cx="205" cy="171"/>
+              </a:xfrm>
+              <a:prstGeom prst="ellipse">
+                <a:avLst/>
+              </a:prstGeom>
+              <a:noFill/>
+              <a:ln>
+                <a:solidFill>
+                  <a:srgbClr val="FF0000"/>
+                </a:solidFill>
+              </a:ln>
+              <a:extLst>
+                <a:ext uri="{909E8E84-426E-40DD-AFC4-6F175D3DCCD1}">
+                  <a14:hiddenFill xmlns:a14="http://schemas.microsoft.com/office/drawing/2010/main">
+                    <a:solidFill>
+                      <a:srgbClr val="FF0000"/>
+                    </a:solidFill>
+                  </a14:hiddenFill>
+                </a:ext>
+              </a:extLst>
+            </p:spPr>
+            <p:style>
+              <a:lnRef idx="2">
+                <a:schemeClr val="accent1">
+                  <a:shade val="50000"/>
+                </a:schemeClr>
+              </a:lnRef>
+              <a:fillRef idx="1">
+                <a:schemeClr val="accent1"/>
+              </a:fillRef>
+              <a:effectRef idx="0">
+                <a:schemeClr val="accent1"/>
+              </a:effectRef>
+              <a:fontRef idx="minor">
+                <a:schemeClr val="lt1"/>
+              </a:fontRef>
+            </p:style>
+            <p:txBody>
+              <a:bodyPr rtlCol="0" anchor="ctr"/>
+              <a:p>
+                <a:pPr algn="ctr"/>
+                <a:endParaRPr lang="zh-CN" altLang="en-US"/>
+              </a:p>
+            </p:txBody>
+          </p:sp>
+          <p:sp>
+            <p:nvSpPr>
+              <p:cNvPr id="139" name="椭圆 138"/>
+              <p:cNvSpPr/>
+              <p:nvPr/>
+            </p:nvSpPr>
+            <p:spPr>
+              <a:xfrm>
+                <a:off x="14342" y="5271"/>
+                <a:ext cx="205" cy="171"/>
+              </a:xfrm>
+              <a:prstGeom prst="ellipse">
+                <a:avLst/>
+              </a:prstGeom>
               <a:solidFill>
                 <a:srgbClr val="FF0000"/>
               </a:solidFill>
-            </a:ln>
-          </p:spPr>
-          <p:style>
-            <a:lnRef idx="2">
-              <a:schemeClr val="accent1">
-                <a:shade val="50000"/>
-              </a:schemeClr>
-            </a:lnRef>
-            <a:fillRef idx="1">
-              <a:schemeClr val="accent1"/>
-            </a:fillRef>
-            <a:effectRef idx="0">
-              <a:schemeClr val="accent1"/>
-            </a:effectRef>
-            <a:fontRef idx="minor">
-              <a:schemeClr val="lt1"/>
-            </a:fontRef>
-          </p:style>
-          <p:txBody>
-            <a:bodyPr rtlCol="0" anchor="ctr"/>
-            <a:p>
-              <a:pPr algn="ctr"/>
-              <a:endParaRPr lang="zh-CN" altLang="en-US"/>
-            </a:p>
-          </p:txBody>
-        </p:sp>
-        <p:sp>
-          <p:nvSpPr>
-            <p:cNvPr id="28" name="椭圆 27"/>
-            <p:cNvSpPr/>
-            <p:nvPr/>
-          </p:nvSpPr>
-          <p:spPr>
-            <a:xfrm>
-              <a:off x="7033" y="4906"/>
-              <a:ext cx="205" cy="171"/>
-            </a:xfrm>
-            <a:prstGeom prst="ellipse">
-              <a:avLst/>
-            </a:prstGeom>
-            <a:solidFill>
-              <a:srgbClr val="FF0000"/>
-            </a:solidFill>
-            <a:ln>
-              <a:solidFill>
-                <a:srgbClr val="FF0000"/>
-              </a:solidFill>
-            </a:ln>
-          </p:spPr>
-          <p:style>
-            <a:lnRef idx="2">
-              <a:schemeClr val="accent1">
-                <a:shade val="50000"/>
-              </a:schemeClr>
-            </a:lnRef>
-            <a:fillRef idx="1">
-              <a:schemeClr val="accent1"/>
-            </a:fillRef>
-            <a:effectRef idx="0">
-              <a:schemeClr val="accent1"/>
-            </a:effectRef>
-            <a:fontRef idx="minor">
-              <a:schemeClr val="lt1"/>
-            </a:fontRef>
-          </p:style>
-          <p:txBody>
-            <a:bodyPr rtlCol="0" anchor="ctr"/>
-            <a:p>
-              <a:pPr algn="ctr"/>
-              <a:endParaRPr lang="zh-CN" altLang="en-US"/>
-            </a:p>
-          </p:txBody>
-        </p:sp>
+              <a:ln>
+                <a:solidFill>
+                  <a:srgbClr val="FF0000"/>
+                </a:solidFill>
+              </a:ln>
+            </p:spPr>
+            <p:style>
+              <a:lnRef idx="2">
+                <a:schemeClr val="accent1">
+                  <a:shade val="50000"/>
+                </a:schemeClr>
+              </a:lnRef>
+              <a:fillRef idx="1">
+                <a:schemeClr val="accent1"/>
+              </a:fillRef>
+              <a:effectRef idx="0">
+                <a:schemeClr val="accent1"/>
+              </a:effectRef>
+              <a:fontRef idx="minor">
+                <a:schemeClr val="lt1"/>
+              </a:fontRef>
+            </p:style>
+            <p:txBody>
+              <a:bodyPr rtlCol="0" anchor="ctr"/>
+              <a:p>
+                <a:pPr algn="ctr"/>
+                <a:endParaRPr lang="zh-CN" altLang="en-US"/>
+              </a:p>
+            </p:txBody>
+          </p:sp>
+          <p:graphicFrame>
+            <p:nvGraphicFramePr>
+              <p:cNvPr id="143" name="对象 142">
+                <a:hlinkClick r:id="" action="ppaction://ole?verb="/>
+              </p:cNvPr>
+              <p:cNvGraphicFramePr>
+                <a:graphicFrameLocks noChangeAspect="1"/>
+              </p:cNvGraphicFramePr>
+              <p:nvPr/>
+            </p:nvGraphicFramePr>
+            <p:xfrm>
+              <a:off x="15069" y="4810"/>
+              <a:ext cx="532" cy="532"/>
+            </p:xfrm>
+            <a:graphic>
+              <a:graphicData uri="http://schemas.openxmlformats.org/presentationml/2006/ole">
+                <mc:AlternateContent xmlns:mc="http://schemas.openxmlformats.org/markup-compatibility/2006">
+                  <mc:Choice xmlns:v="urn:schemas-microsoft-com:vml" Requires="v">
+                    <p:oleObj spid="_x0000_s144" name="" r:id="rId19" imgW="165100" imgH="165100" progId="Equation.KSEE3">
+                      <p:embed/>
+                    </p:oleObj>
+                  </mc:Choice>
+                  <mc:Fallback>
+                    <p:oleObj name="" r:id="rId19" imgW="165100" imgH="165100" progId="Equation.KSEE3">
+                      <p:embed/>
+                      <p:pic>
+                        <p:nvPicPr>
+                          <p:cNvPr id="0" name="图片 1025"/>
+                          <p:cNvPicPr/>
+                          <p:nvPr/>
+                        </p:nvPicPr>
+                        <p:blipFill>
+                          <a:blip r:embed="rId8"/>
+                          <a:stretch>
+                            <a:fillRect/>
+                          </a:stretch>
+                        </p:blipFill>
+                        <p:spPr>
+                          <a:xfrm>
+                            <a:off x="15069" y="4810"/>
+                            <a:ext cx="532" cy="532"/>
+                          </a:xfrm>
+                          <a:prstGeom prst="rect">
+                            <a:avLst/>
+                          </a:prstGeom>
+                        </p:spPr>
+                      </p:pic>
+                    </p:oleObj>
+                  </mc:Fallback>
+                </mc:AlternateContent>
+              </a:graphicData>
+            </a:graphic>
+          </p:graphicFrame>
+          <p:graphicFrame>
+            <p:nvGraphicFramePr>
+              <p:cNvPr id="147" name="对象 146">
+                <a:hlinkClick r:id="" action="ppaction://ole?verb="/>
+              </p:cNvPr>
+              <p:cNvGraphicFramePr>
+                <a:graphicFrameLocks noChangeAspect="1"/>
+              </p:cNvGraphicFramePr>
+              <p:nvPr/>
+            </p:nvGraphicFramePr>
+            <p:xfrm>
+              <a:off x="13850" y="5158"/>
+              <a:ext cx="450" cy="532"/>
+            </p:xfrm>
+            <a:graphic>
+              <a:graphicData uri="http://schemas.openxmlformats.org/presentationml/2006/ole">
+                <mc:AlternateContent xmlns:mc="http://schemas.openxmlformats.org/markup-compatibility/2006">
+                  <mc:Choice xmlns:v="urn:schemas-microsoft-com:vml" Requires="v">
+                    <p:oleObj spid="_x0000_s148" name="" r:id="rId20" imgW="139700" imgH="165100" progId="Equation.KSEE3">
+                      <p:embed/>
+                    </p:oleObj>
+                  </mc:Choice>
+                  <mc:Fallback>
+                    <p:oleObj name="" r:id="rId20" imgW="139700" imgH="165100" progId="Equation.KSEE3">
+                      <p:embed/>
+                      <p:pic>
+                        <p:nvPicPr>
+                          <p:cNvPr id="0" name="图片 1025"/>
+                          <p:cNvPicPr/>
+                          <p:nvPr/>
+                        </p:nvPicPr>
+                        <p:blipFill>
+                          <a:blip r:embed="rId12"/>
+                          <a:stretch>
+                            <a:fillRect/>
+                          </a:stretch>
+                        </p:blipFill>
+                        <p:spPr>
+                          <a:xfrm>
+                            <a:off x="13850" y="5158"/>
+                            <a:ext cx="450" cy="532"/>
+                          </a:xfrm>
+                          <a:prstGeom prst="rect">
+                            <a:avLst/>
+                          </a:prstGeom>
+                        </p:spPr>
+                      </p:pic>
+                    </p:oleObj>
+                  </mc:Fallback>
+                </mc:AlternateContent>
+              </a:graphicData>
+            </a:graphic>
+          </p:graphicFrame>
+          <p:graphicFrame>
+            <p:nvGraphicFramePr>
+              <p:cNvPr id="149" name="对象 148">
+                <a:hlinkClick r:id="" action="ppaction://ole?verb="/>
+              </p:cNvPr>
+              <p:cNvGraphicFramePr>
+                <a:graphicFrameLocks noChangeAspect="1"/>
+              </p:cNvGraphicFramePr>
+              <p:nvPr/>
+            </p:nvGraphicFramePr>
+            <p:xfrm>
+              <a:off x="12303" y="7656"/>
+              <a:ext cx="571" cy="532"/>
+            </p:xfrm>
+            <a:graphic>
+              <a:graphicData uri="http://schemas.openxmlformats.org/presentationml/2006/ole">
+                <mc:AlternateContent xmlns:mc="http://schemas.openxmlformats.org/markup-compatibility/2006">
+                  <mc:Choice xmlns:v="urn:schemas-microsoft-com:vml" Requires="v">
+                    <p:oleObj spid="_x0000_s150" name="" r:id="rId21" imgW="177165" imgH="165100" progId="Equation.KSEE3">
+                      <p:embed/>
+                    </p:oleObj>
+                  </mc:Choice>
+                  <mc:Fallback>
+                    <p:oleObj name="" r:id="rId21" imgW="177165" imgH="165100" progId="Equation.KSEE3">
+                      <p:embed/>
+                      <p:pic>
+                        <p:nvPicPr>
+                          <p:cNvPr id="0" name="图片 1025"/>
+                          <p:cNvPicPr/>
+                          <p:nvPr/>
+                        </p:nvPicPr>
+                        <p:blipFill>
+                          <a:blip r:embed="rId14"/>
+                          <a:stretch>
+                            <a:fillRect/>
+                          </a:stretch>
+                        </p:blipFill>
+                        <p:spPr>
+                          <a:xfrm>
+                            <a:off x="12303" y="7656"/>
+                            <a:ext cx="571" cy="532"/>
+                          </a:xfrm>
+                          <a:prstGeom prst="rect">
+                            <a:avLst/>
+                          </a:prstGeom>
+                        </p:spPr>
+                      </p:pic>
+                    </p:oleObj>
+                  </mc:Fallback>
+                </mc:AlternateContent>
+              </a:graphicData>
+            </a:graphic>
+          </p:graphicFrame>
+          <p:sp>
+            <p:nvSpPr>
+              <p:cNvPr id="230" name="椭圆 229"/>
+              <p:cNvSpPr/>
+              <p:nvPr/>
+            </p:nvSpPr>
+            <p:spPr>
+              <a:xfrm>
+                <a:off x="15894" y="5030"/>
+                <a:ext cx="205" cy="171"/>
+              </a:xfrm>
+              <a:prstGeom prst="ellipse">
+                <a:avLst/>
+              </a:prstGeom>
+              <a:noFill/>
+              <a:ln>
+                <a:solidFill>
+                  <a:srgbClr val="FF0000"/>
+                </a:solidFill>
+              </a:ln>
+              <a:extLst>
+                <a:ext uri="{909E8E84-426E-40DD-AFC4-6F175D3DCCD1}">
+                  <a14:hiddenFill xmlns:a14="http://schemas.microsoft.com/office/drawing/2010/main">
+                    <a:solidFill>
+                      <a:srgbClr val="FF0000"/>
+                    </a:solidFill>
+                  </a14:hiddenFill>
+                </a:ext>
+              </a:extLst>
+            </p:spPr>
+            <p:style>
+              <a:lnRef idx="2">
+                <a:schemeClr val="accent1">
+                  <a:shade val="50000"/>
+                </a:schemeClr>
+              </a:lnRef>
+              <a:fillRef idx="1">
+                <a:schemeClr val="accent1"/>
+              </a:fillRef>
+              <a:effectRef idx="0">
+                <a:schemeClr val="accent1"/>
+              </a:effectRef>
+              <a:fontRef idx="minor">
+                <a:schemeClr val="lt1"/>
+              </a:fontRef>
+            </p:style>
+            <p:txBody>
+              <a:bodyPr rtlCol="0" anchor="ctr"/>
+              <a:p>
+                <a:pPr algn="ctr"/>
+                <a:endParaRPr lang="zh-CN" altLang="en-US"/>
+              </a:p>
+            </p:txBody>
+          </p:sp>
+        </p:grpSp>
       </p:grpSp>
     </p:spTree>
   </p:cSld>
@@ -24073,7 +30075,7 @@
 </p:sld>
 </file>
 
-<file path=ppt/slides/slide23.xml><?xml version="1.0" encoding="utf-8"?>
+<file path=ppt/slides/slide24.xml><?xml version="1.0" encoding="utf-8"?>
 <p:sld xmlns:a="http://schemas.openxmlformats.org/drawingml/2006/main" xmlns:r="http://schemas.openxmlformats.org/officeDocument/2006/relationships" xmlns:p="http://schemas.openxmlformats.org/presentationml/2006/main">
   <p:cSld>
     <p:spTree>
@@ -25580,595 +31582,6 @@
           </a:fontRef>
         </p:style>
       </p:cxnSp>
-    </p:spTree>
-  </p:cSld>
-  <p:clrMapOvr>
-    <a:masterClrMapping/>
-  </p:clrMapOvr>
-</p:sld>
-</file>
-
-<file path=ppt/slides/slide24.xml><?xml version="1.0" encoding="utf-8"?>
-<p:sld xmlns:a="http://schemas.openxmlformats.org/drawingml/2006/main" xmlns:r="http://schemas.openxmlformats.org/officeDocument/2006/relationships" xmlns:p="http://schemas.openxmlformats.org/presentationml/2006/main">
-  <p:cSld>
-    <p:spTree>
-      <p:nvGrpSpPr>
-        <p:cNvPr id="1" name=""/>
-        <p:cNvGrpSpPr/>
-        <p:nvPr/>
-      </p:nvGrpSpPr>
-      <p:grpSpPr/>
-      <p:pic>
-        <p:nvPicPr>
-          <p:cNvPr id="31" name="图片 30" descr="figure_1"/>
-          <p:cNvPicPr>
-            <a:picLocks noChangeAspect="1"/>
-          </p:cNvPicPr>
-          <p:nvPr/>
-        </p:nvPicPr>
-        <p:blipFill>
-          <a:blip r:embed="rId1"/>
-          <a:stretch>
-            <a:fillRect/>
-          </a:stretch>
-        </p:blipFill>
-        <p:spPr>
-          <a:xfrm>
-            <a:off x="121920" y="44450"/>
-            <a:ext cx="7315200" cy="5486400"/>
-          </a:xfrm>
-          <a:prstGeom prst="rect">
-            <a:avLst/>
-          </a:prstGeom>
-        </p:spPr>
-      </p:pic>
-      <p:sp>
-        <p:nvSpPr>
-          <p:cNvPr id="2" name="任意多边形 1"/>
-          <p:cNvSpPr/>
-          <p:nvPr/>
-        </p:nvSpPr>
-        <p:spPr>
-          <a:xfrm>
-            <a:off x="1282700" y="802640"/>
-            <a:ext cx="6710045" cy="3931285"/>
-          </a:xfrm>
-          <a:custGeom>
-            <a:avLst/>
-            <a:gdLst>
-              <a:gd name="connisteX0" fmla="*/ 0 w 6710045"/>
-              <a:gd name="connsiteY0" fmla="*/ 3931154 h 3931154"/>
-              <a:gd name="connisteX1" fmla="*/ 1957705 w 6710045"/>
-              <a:gd name="connsiteY1" fmla="*/ 1744849 h 3931154"/>
-              <a:gd name="connisteX2" fmla="*/ 5133340 w 6710045"/>
-              <a:gd name="connsiteY2" fmla="*/ 15744 h 3931154"/>
-              <a:gd name="connisteX3" fmla="*/ 6710045 w 6710045"/>
-              <a:gd name="connsiteY3" fmla="*/ 994279 h 3931154"/>
-              <a:gd name="connisteX4" fmla="*/ 6840855 w 6710045"/>
-              <a:gd name="connsiteY4" fmla="*/ 831719 h 3931154"/>
-            </a:gdLst>
-            <a:ahLst/>
-            <a:cxnLst>
-              <a:cxn ang="0">
-                <a:pos x="connisteX0" y="connsiteY0"/>
-              </a:cxn>
-              <a:cxn ang="0">
-                <a:pos x="connisteX1" y="connsiteY1"/>
-              </a:cxn>
-              <a:cxn ang="0">
-                <a:pos x="connisteX2" y="connsiteY2"/>
-              </a:cxn>
-              <a:cxn ang="0">
-                <a:pos x="connisteX3" y="connsiteY3"/>
-              </a:cxn>
-              <a:cxn ang="0">
-                <a:pos x="connisteX4" y="connsiteY4"/>
-              </a:cxn>
-            </a:cxnLst>
-            <a:rect l="l" t="t" r="r" b="b"/>
-            <a:pathLst>
-              <a:path w="6710045" h="3931154">
-                <a:moveTo>
-                  <a:pt x="0" y="3931154"/>
-                </a:moveTo>
-                <a:cubicBezTo>
-                  <a:pt x="328295" y="3528564"/>
-                  <a:pt x="930910" y="2527804"/>
-                  <a:pt x="1957705" y="1744849"/>
-                </a:cubicBezTo>
-                <a:cubicBezTo>
-                  <a:pt x="2984500" y="961894"/>
-                  <a:pt x="4182745" y="165604"/>
-                  <a:pt x="5133340" y="15744"/>
-                </a:cubicBezTo>
-                <a:cubicBezTo>
-                  <a:pt x="6083935" y="-134116"/>
-                  <a:pt x="6368415" y="831084"/>
-                  <a:pt x="6710045" y="994279"/>
-                </a:cubicBezTo>
-              </a:path>
-            </a:pathLst>
-          </a:custGeom>
-          <a:noFill/>
-          <a:ln>
-            <a:prstDash val="dash"/>
-          </a:ln>
-        </p:spPr>
-        <p:style>
-          <a:lnRef idx="2">
-            <a:schemeClr val="accent1">
-              <a:shade val="50000"/>
-            </a:schemeClr>
-          </a:lnRef>
-          <a:fillRef idx="1">
-            <a:schemeClr val="accent1"/>
-          </a:fillRef>
-          <a:effectRef idx="0">
-            <a:schemeClr val="accent1"/>
-          </a:effectRef>
-          <a:fontRef idx="minor">
-            <a:schemeClr val="lt1"/>
-          </a:fontRef>
-        </p:style>
-        <p:txBody>
-          <a:bodyPr rtlCol="0" anchor="ctr"/>
-          <a:p>
-            <a:pPr algn="ctr"/>
-            <a:endParaRPr lang="zh-CN" altLang="en-US"/>
-          </a:p>
-        </p:txBody>
-      </p:sp>
-      <p:sp>
-        <p:nvSpPr>
-          <p:cNvPr id="3" name="任意多边形 2"/>
-          <p:cNvSpPr/>
-          <p:nvPr/>
-        </p:nvSpPr>
-        <p:spPr>
-          <a:xfrm>
-            <a:off x="1293495" y="796925"/>
-            <a:ext cx="5111750" cy="3969385"/>
-          </a:xfrm>
-          <a:custGeom>
-            <a:avLst/>
-            <a:gdLst>
-              <a:gd name="connisteX0" fmla="*/ 0 w 5111750"/>
-              <a:gd name="connsiteY0" fmla="*/ 3969385 h 3969385"/>
-              <a:gd name="connisteX1" fmla="*/ 598170 w 5111750"/>
-              <a:gd name="connsiteY1" fmla="*/ 2098675 h 3969385"/>
-              <a:gd name="connisteX2" fmla="*/ 1500505 w 5111750"/>
-              <a:gd name="connsiteY2" fmla="*/ 1011555 h 3969385"/>
-              <a:gd name="connisteX3" fmla="*/ 3447415 w 5111750"/>
-              <a:gd name="connsiteY3" fmla="*/ 347980 h 3969385"/>
-              <a:gd name="connisteX4" fmla="*/ 5111750 w 5111750"/>
-              <a:gd name="connsiteY4" fmla="*/ 0 h 3969385"/>
-            </a:gdLst>
-            <a:ahLst/>
-            <a:cxnLst>
-              <a:cxn ang="0">
-                <a:pos x="connisteX0" y="connsiteY0"/>
-              </a:cxn>
-              <a:cxn ang="0">
-                <a:pos x="connisteX1" y="connsiteY1"/>
-              </a:cxn>
-              <a:cxn ang="0">
-                <a:pos x="connisteX2" y="connsiteY2"/>
-              </a:cxn>
-              <a:cxn ang="0">
-                <a:pos x="connisteX3" y="connsiteY3"/>
-              </a:cxn>
-              <a:cxn ang="0">
-                <a:pos x="connisteX4" y="connsiteY4"/>
-              </a:cxn>
-            </a:cxnLst>
-            <a:rect l="l" t="t" r="r" b="b"/>
-            <a:pathLst>
-              <a:path w="5111750" h="3969385">
-                <a:moveTo>
-                  <a:pt x="0" y="3969385"/>
-                </a:moveTo>
-                <a:cubicBezTo>
-                  <a:pt x="101600" y="3616960"/>
-                  <a:pt x="297815" y="2690495"/>
-                  <a:pt x="598170" y="2098675"/>
-                </a:cubicBezTo>
-                <a:cubicBezTo>
-                  <a:pt x="898525" y="1506855"/>
-                  <a:pt x="930910" y="1361440"/>
-                  <a:pt x="1500505" y="1011555"/>
-                </a:cubicBezTo>
-                <a:cubicBezTo>
-                  <a:pt x="2070100" y="661670"/>
-                  <a:pt x="2725420" y="550545"/>
-                  <a:pt x="3447415" y="347980"/>
-                </a:cubicBezTo>
-                <a:cubicBezTo>
-                  <a:pt x="4169410" y="145415"/>
-                  <a:pt x="4817745" y="56515"/>
-                  <a:pt x="5111750" y="0"/>
-                </a:cubicBezTo>
-              </a:path>
-            </a:pathLst>
-          </a:custGeom>
-          <a:noFill/>
-          <a:ln>
-            <a:solidFill>
-              <a:srgbClr val="00B050"/>
-            </a:solidFill>
-            <a:prstDash val="dash"/>
-          </a:ln>
-        </p:spPr>
-        <p:style>
-          <a:lnRef idx="2">
-            <a:schemeClr val="accent1">
-              <a:shade val="50000"/>
-            </a:schemeClr>
-          </a:lnRef>
-          <a:fillRef idx="1">
-            <a:schemeClr val="accent1"/>
-          </a:fillRef>
-          <a:effectRef idx="0">
-            <a:schemeClr val="accent1"/>
-          </a:effectRef>
-          <a:fontRef idx="minor">
-            <a:schemeClr val="lt1"/>
-          </a:fontRef>
-        </p:style>
-        <p:txBody>
-          <a:bodyPr rtlCol="0" anchor="ctr"/>
-          <a:p>
-            <a:pPr algn="ctr"/>
-            <a:endParaRPr lang="zh-CN" altLang="en-US"/>
-          </a:p>
-        </p:txBody>
-      </p:sp>
-      <p:grpSp>
-        <p:nvGrpSpPr>
-          <p:cNvPr id="16" name="组合 15"/>
-          <p:cNvGrpSpPr/>
-          <p:nvPr/>
-        </p:nvGrpSpPr>
-        <p:grpSpPr>
-          <a:xfrm>
-            <a:off x="6981825" y="3374390"/>
-            <a:ext cx="4861560" cy="2762250"/>
-            <a:chOff x="10995" y="5314"/>
-            <a:chExt cx="7656" cy="4350"/>
-          </a:xfrm>
-        </p:grpSpPr>
-        <p:sp>
-          <p:nvSpPr>
-            <p:cNvPr id="5" name="矩形 4"/>
-            <p:cNvSpPr/>
-            <p:nvPr/>
-          </p:nvSpPr>
-          <p:spPr>
-            <a:xfrm>
-              <a:off x="10995" y="5314"/>
-              <a:ext cx="7656" cy="4350"/>
-            </a:xfrm>
-            <a:prstGeom prst="rect">
-              <a:avLst/>
-            </a:prstGeom>
-            <a:noFill/>
-            <a:ln w="635">
-              <a:solidFill>
-                <a:schemeClr val="tx1"/>
-              </a:solidFill>
-            </a:ln>
-            <a:extLst>
-              <a:ext uri="{909E8E84-426E-40DD-AFC4-6F175D3DCCD1}">
-                <a14:hiddenFill xmlns:a14="http://schemas.microsoft.com/office/drawing/2010/main">
-                  <a:solidFill>
-                    <a:schemeClr val="accent1"/>
-                  </a:solidFill>
-                </a14:hiddenFill>
-              </a:ext>
-            </a:extLst>
-          </p:spPr>
-          <p:style>
-            <a:lnRef idx="2">
-              <a:schemeClr val="accent1">
-                <a:shade val="50000"/>
-              </a:schemeClr>
-            </a:lnRef>
-            <a:fillRef idx="1">
-              <a:schemeClr val="accent1"/>
-            </a:fillRef>
-            <a:effectRef idx="0">
-              <a:schemeClr val="accent1"/>
-            </a:effectRef>
-            <a:fontRef idx="minor">
-              <a:schemeClr val="lt1"/>
-            </a:fontRef>
-          </p:style>
-          <p:txBody>
-            <a:bodyPr rtlCol="0" anchor="ctr"/>
-            <a:p>
-              <a:pPr algn="ctr"/>
-              <a:endParaRPr lang="zh-CN" altLang="en-US"/>
-            </a:p>
-          </p:txBody>
-        </p:sp>
-        <p:cxnSp>
-          <p:nvCxnSpPr>
-            <p:cNvPr id="6" name="直接连接符 5"/>
-            <p:cNvCxnSpPr/>
-            <p:nvPr/>
-          </p:nvCxnSpPr>
-          <p:spPr>
-            <a:xfrm>
-              <a:off x="11628" y="6495"/>
-              <a:ext cx="411" cy="0"/>
-            </a:xfrm>
-            <a:prstGeom prst="line">
-              <a:avLst/>
-            </a:prstGeom>
-            <a:ln>
-              <a:solidFill>
-                <a:srgbClr val="FF0000"/>
-              </a:solidFill>
-              <a:prstDash val="dash"/>
-            </a:ln>
-          </p:spPr>
-          <p:style>
-            <a:lnRef idx="1">
-              <a:schemeClr val="accent1"/>
-            </a:lnRef>
-            <a:fillRef idx="0">
-              <a:schemeClr val="accent1"/>
-            </a:fillRef>
-            <a:effectRef idx="0">
-              <a:schemeClr val="accent1"/>
-            </a:effectRef>
-            <a:fontRef idx="minor">
-              <a:schemeClr val="tx1"/>
-            </a:fontRef>
-          </p:style>
-        </p:cxnSp>
-        <p:sp>
-          <p:nvSpPr>
-            <p:cNvPr id="9" name="文本框 8"/>
-            <p:cNvSpPr txBox="1"/>
-            <p:nvPr/>
-          </p:nvSpPr>
-          <p:spPr>
-            <a:xfrm>
-              <a:off x="12570" y="5999"/>
-              <a:ext cx="3597" cy="580"/>
-            </a:xfrm>
-            <a:prstGeom prst="rect">
-              <a:avLst/>
-            </a:prstGeom>
-            <a:noFill/>
-          </p:spPr>
-          <p:txBody>
-            <a:bodyPr wrap="square" rtlCol="0">
-              <a:spAutoFit/>
-            </a:bodyPr>
-            <a:p>
-              <a:r>
-                <a:rPr lang="en-US" altLang="zh-CN"/>
-                <a:t>I</a:t>
-              </a:r>
-              <a:r>
-                <a:rPr lang="zh-CN" altLang="en-US"/>
-                <a:t>mproved </a:t>
-              </a:r>
-              <a:r>
-                <a:rPr lang="en-US" altLang="zh-CN"/>
-                <a:t>SMOTE</a:t>
-              </a:r>
-              <a:endParaRPr lang="en-US" altLang="zh-CN"/>
-            </a:p>
-          </p:txBody>
-        </p:sp>
-        <p:cxnSp>
-          <p:nvCxnSpPr>
-            <p:cNvPr id="10" name="直接连接符 9"/>
-            <p:cNvCxnSpPr/>
-            <p:nvPr/>
-          </p:nvCxnSpPr>
-          <p:spPr>
-            <a:xfrm>
-              <a:off x="11628" y="7328"/>
-              <a:ext cx="411" cy="0"/>
-            </a:xfrm>
-            <a:prstGeom prst="line">
-              <a:avLst/>
-            </a:prstGeom>
-            <a:ln>
-              <a:solidFill>
-                <a:srgbClr val="0070C0"/>
-              </a:solidFill>
-              <a:prstDash val="dash"/>
-            </a:ln>
-          </p:spPr>
-          <p:style>
-            <a:lnRef idx="1">
-              <a:schemeClr val="accent1"/>
-            </a:lnRef>
-            <a:fillRef idx="0">
-              <a:schemeClr val="accent1"/>
-            </a:fillRef>
-            <a:effectRef idx="0">
-              <a:schemeClr val="accent1"/>
-            </a:effectRef>
-            <a:fontRef idx="minor">
-              <a:schemeClr val="tx1"/>
-            </a:fontRef>
-          </p:style>
-        </p:cxnSp>
-        <p:sp>
-          <p:nvSpPr>
-            <p:cNvPr id="11" name="文本框 10"/>
-            <p:cNvSpPr txBox="1"/>
-            <p:nvPr/>
-          </p:nvSpPr>
-          <p:spPr>
-            <a:xfrm>
-              <a:off x="12566" y="6926"/>
-              <a:ext cx="3597" cy="580"/>
-            </a:xfrm>
-            <a:prstGeom prst="rect">
-              <a:avLst/>
-            </a:prstGeom>
-            <a:noFill/>
-          </p:spPr>
-          <p:txBody>
-            <a:bodyPr wrap="square" rtlCol="0">
-              <a:spAutoFit/>
-            </a:bodyPr>
-            <a:p>
-              <a:r>
-                <a:rPr lang="en-US"/>
-                <a:t>Without </a:t>
-              </a:r>
-              <a:r>
-                <a:rPr lang="en-US" altLang="zh-CN"/>
-                <a:t>SMOTE</a:t>
-              </a:r>
-              <a:endParaRPr lang="en-US" altLang="zh-CN"/>
-            </a:p>
-          </p:txBody>
-        </p:sp>
-        <p:cxnSp>
-          <p:nvCxnSpPr>
-            <p:cNvPr id="12" name="直接连接符 11"/>
-            <p:cNvCxnSpPr/>
-            <p:nvPr/>
-          </p:nvCxnSpPr>
-          <p:spPr>
-            <a:xfrm>
-              <a:off x="11628" y="8230"/>
-              <a:ext cx="411" cy="0"/>
-            </a:xfrm>
-            <a:prstGeom prst="line">
-              <a:avLst/>
-            </a:prstGeom>
-            <a:ln>
-              <a:solidFill>
-                <a:srgbClr val="00B050"/>
-              </a:solidFill>
-              <a:prstDash val="dash"/>
-            </a:ln>
-          </p:spPr>
-          <p:style>
-            <a:lnRef idx="1">
-              <a:schemeClr val="accent1"/>
-            </a:lnRef>
-            <a:fillRef idx="0">
-              <a:schemeClr val="accent1"/>
-            </a:fillRef>
-            <a:effectRef idx="0">
-              <a:schemeClr val="accent1"/>
-            </a:effectRef>
-            <a:fontRef idx="minor">
-              <a:schemeClr val="tx1"/>
-            </a:fontRef>
-          </p:style>
-        </p:cxnSp>
-        <p:sp>
-          <p:nvSpPr>
-            <p:cNvPr id="13" name="文本框 12"/>
-            <p:cNvSpPr txBox="1"/>
-            <p:nvPr/>
-          </p:nvSpPr>
-          <p:spPr>
-            <a:xfrm>
-              <a:off x="12587" y="7940"/>
-              <a:ext cx="3597" cy="580"/>
-            </a:xfrm>
-            <a:prstGeom prst="rect">
-              <a:avLst/>
-            </a:prstGeom>
-            <a:noFill/>
-          </p:spPr>
-          <p:txBody>
-            <a:bodyPr wrap="square" rtlCol="0">
-              <a:spAutoFit/>
-            </a:bodyPr>
-            <a:p>
-              <a:r>
-                <a:rPr lang="en-US"/>
-                <a:t>Traditional </a:t>
-              </a:r>
-              <a:r>
-                <a:rPr lang="en-US" altLang="zh-CN"/>
-                <a:t>SMOTE</a:t>
-              </a:r>
-              <a:endParaRPr lang="en-US" altLang="zh-CN"/>
-            </a:p>
-          </p:txBody>
-        </p:sp>
-        <p:cxnSp>
-          <p:nvCxnSpPr>
-            <p:cNvPr id="14" name="直接连接符 13"/>
-            <p:cNvCxnSpPr/>
-            <p:nvPr/>
-          </p:nvCxnSpPr>
-          <p:spPr>
-            <a:xfrm>
-              <a:off x="11628" y="8926"/>
-              <a:ext cx="411" cy="0"/>
-            </a:xfrm>
-            <a:prstGeom prst="line">
-              <a:avLst/>
-            </a:prstGeom>
-            <a:ln>
-              <a:solidFill>
-                <a:schemeClr val="bg1">
-                  <a:lumMod val="75000"/>
-                </a:schemeClr>
-              </a:solidFill>
-              <a:prstDash val="dash"/>
-            </a:ln>
-          </p:spPr>
-          <p:style>
-            <a:lnRef idx="1">
-              <a:schemeClr val="accent1"/>
-            </a:lnRef>
-            <a:fillRef idx="0">
-              <a:schemeClr val="accent1"/>
-            </a:fillRef>
-            <a:effectRef idx="0">
-              <a:schemeClr val="accent1"/>
-            </a:effectRef>
-            <a:fontRef idx="minor">
-              <a:schemeClr val="tx1"/>
-            </a:fontRef>
-          </p:style>
-        </p:cxnSp>
-        <p:sp>
-          <p:nvSpPr>
-            <p:cNvPr id="15" name="文本框 14"/>
-            <p:cNvSpPr txBox="1"/>
-            <p:nvPr/>
-          </p:nvSpPr>
-          <p:spPr>
-            <a:xfrm>
-              <a:off x="12587" y="8636"/>
-              <a:ext cx="3597" cy="580"/>
-            </a:xfrm>
-            <a:prstGeom prst="rect">
-              <a:avLst/>
-            </a:prstGeom>
-            <a:noFill/>
-          </p:spPr>
-          <p:txBody>
-            <a:bodyPr wrap="square" rtlCol="0">
-              <a:spAutoFit/>
-            </a:bodyPr>
-            <a:p>
-              <a:r>
-                <a:rPr lang="en-US"/>
-                <a:t>Luck</a:t>
-              </a:r>
-              <a:endParaRPr lang="en-US" altLang="zh-CN"/>
-            </a:p>
-          </p:txBody>
-        </p:sp>
-      </p:grpSp>
     </p:spTree>
   </p:cSld>
   <p:clrMapOvr>

--- a/毕设论文相关/我的相关/ppt/allPPT.pptx
+++ b/毕设论文相关/我的相关/ppt/allPPT.pptx
@@ -30,6 +30,7 @@
     <p:sldId id="290" r:id="rId25"/>
     <p:sldId id="286" r:id="rId26"/>
     <p:sldId id="289" r:id="rId27"/>
+    <p:sldId id="293" r:id="rId28"/>
   </p:sldIdLst>
   <p:sldSz cx="12192000" cy="6858000"/>
   <p:notesSz cx="7103745" cy="10234295"/>
@@ -32960,6 +32961,5188 @@
 </p:sld>
 </file>
 
+<file path=ppt/slides/slide26.xml><?xml version="1.0" encoding="utf-8"?>
+<p:sld xmlns:a="http://schemas.openxmlformats.org/drawingml/2006/main" xmlns:r="http://schemas.openxmlformats.org/officeDocument/2006/relationships" xmlns:p="http://schemas.openxmlformats.org/presentationml/2006/main">
+  <p:cSld>
+    <p:spTree>
+      <p:nvGrpSpPr>
+        <p:cNvPr id="1" name=""/>
+        <p:cNvGrpSpPr/>
+        <p:nvPr/>
+      </p:nvGrpSpPr>
+      <p:grpSpPr/>
+      <p:grpSp>
+        <p:nvGrpSpPr>
+          <p:cNvPr id="361" name="组合 360"/>
+          <p:cNvGrpSpPr/>
+          <p:nvPr/>
+        </p:nvGrpSpPr>
+        <p:grpSpPr>
+          <a:xfrm>
+            <a:off x="158750" y="2487930"/>
+            <a:ext cx="3580765" cy="3488055"/>
+            <a:chOff x="284" y="3918"/>
+            <a:chExt cx="5639" cy="5493"/>
+          </a:xfrm>
+        </p:grpSpPr>
+        <p:cxnSp>
+          <p:nvCxnSpPr>
+            <p:cNvPr id="158" name="直接箭头连接符 157"/>
+            <p:cNvCxnSpPr/>
+            <p:nvPr/>
+          </p:nvCxnSpPr>
+          <p:spPr>
+            <a:xfrm>
+              <a:off x="1107" y="8718"/>
+              <a:ext cx="4817" cy="9"/>
+            </a:xfrm>
+            <a:prstGeom prst="straightConnector1">
+              <a:avLst/>
+            </a:prstGeom>
+            <a:ln w="3175">
+              <a:tailEnd type="arrow" w="med" len="med"/>
+            </a:ln>
+          </p:spPr>
+          <p:style>
+            <a:lnRef idx="1">
+              <a:schemeClr val="dk1"/>
+            </a:lnRef>
+            <a:fillRef idx="0">
+              <a:schemeClr val="dk1"/>
+            </a:fillRef>
+            <a:effectRef idx="0">
+              <a:schemeClr val="dk1"/>
+            </a:effectRef>
+            <a:fontRef idx="minor">
+              <a:schemeClr val="tx1"/>
+            </a:fontRef>
+          </p:style>
+        </p:cxnSp>
+        <p:cxnSp>
+          <p:nvCxnSpPr>
+            <p:cNvPr id="159" name="直接箭头连接符 158"/>
+            <p:cNvCxnSpPr/>
+            <p:nvPr/>
+          </p:nvCxnSpPr>
+          <p:spPr>
+            <a:xfrm flipV="1">
+              <a:off x="1107" y="3918"/>
+              <a:ext cx="0" cy="4813"/>
+            </a:xfrm>
+            <a:prstGeom prst="straightConnector1">
+              <a:avLst/>
+            </a:prstGeom>
+            <a:ln w="3175">
+              <a:tailEnd type="arrow" w="med" len="med"/>
+            </a:ln>
+          </p:spPr>
+          <p:style>
+            <a:lnRef idx="1">
+              <a:schemeClr val="dk1"/>
+            </a:lnRef>
+            <a:fillRef idx="0">
+              <a:schemeClr val="dk1"/>
+            </a:fillRef>
+            <a:effectRef idx="0">
+              <a:schemeClr val="dk1"/>
+            </a:effectRef>
+            <a:fontRef idx="minor">
+              <a:schemeClr val="tx1"/>
+            </a:fontRef>
+          </p:style>
+        </p:cxnSp>
+        <p:cxnSp>
+          <p:nvCxnSpPr>
+            <p:cNvPr id="160" name="直接箭头连接符 159"/>
+            <p:cNvCxnSpPr/>
+            <p:nvPr/>
+          </p:nvCxnSpPr>
+          <p:spPr>
+            <a:xfrm flipH="1">
+              <a:off x="284" y="8717"/>
+              <a:ext cx="808" cy="694"/>
+            </a:xfrm>
+            <a:prstGeom prst="straightConnector1">
+              <a:avLst/>
+            </a:prstGeom>
+            <a:ln w="3175">
+              <a:tailEnd type="arrow" w="med" len="med"/>
+            </a:ln>
+          </p:spPr>
+          <p:style>
+            <a:lnRef idx="1">
+              <a:schemeClr val="dk1"/>
+            </a:lnRef>
+            <a:fillRef idx="0">
+              <a:schemeClr val="dk1"/>
+            </a:fillRef>
+            <a:effectRef idx="0">
+              <a:schemeClr val="dk1"/>
+            </a:effectRef>
+            <a:fontRef idx="minor">
+              <a:schemeClr val="tx1"/>
+            </a:fontRef>
+          </p:style>
+        </p:cxnSp>
+        <p:cxnSp>
+          <p:nvCxnSpPr>
+            <p:cNvPr id="161" name="直接箭头连接符 160"/>
+            <p:cNvCxnSpPr/>
+            <p:nvPr/>
+          </p:nvCxnSpPr>
+          <p:spPr>
+            <a:xfrm>
+              <a:off x="1092" y="8702"/>
+              <a:ext cx="334" cy="540"/>
+            </a:xfrm>
+            <a:prstGeom prst="straightConnector1">
+              <a:avLst/>
+            </a:prstGeom>
+            <a:ln w="3175">
+              <a:tailEnd type="arrow" w="med" len="med"/>
+            </a:ln>
+          </p:spPr>
+          <p:style>
+            <a:lnRef idx="1">
+              <a:schemeClr val="dk1"/>
+            </a:lnRef>
+            <a:fillRef idx="0">
+              <a:schemeClr val="dk1"/>
+            </a:fillRef>
+            <a:effectRef idx="0">
+              <a:schemeClr val="dk1"/>
+            </a:effectRef>
+            <a:fontRef idx="minor">
+              <a:schemeClr val="tx1"/>
+            </a:fontRef>
+          </p:style>
+        </p:cxnSp>
+        <p:sp>
+          <p:nvSpPr>
+            <p:cNvPr id="162" name="椭圆 161"/>
+            <p:cNvSpPr/>
+            <p:nvPr/>
+          </p:nvSpPr>
+          <p:spPr>
+            <a:xfrm>
+              <a:off x="2506" y="4582"/>
+              <a:ext cx="139" cy="155"/>
+            </a:xfrm>
+            <a:prstGeom prst="ellipse">
+              <a:avLst/>
+            </a:prstGeom>
+            <a:noFill/>
+            <a:ln w="6350">
+              <a:solidFill>
+                <a:schemeClr val="tx1"/>
+              </a:solidFill>
+            </a:ln>
+            <a:extLst>
+              <a:ext uri="{909E8E84-426E-40DD-AFC4-6F175D3DCCD1}">
+                <a14:hiddenFill xmlns:a14="http://schemas.microsoft.com/office/drawing/2010/main">
+                  <a:solidFill>
+                    <a:srgbClr val="00B050"/>
+                  </a:solidFill>
+                </a14:hiddenFill>
+              </a:ext>
+            </a:extLst>
+          </p:spPr>
+          <p:style>
+            <a:lnRef idx="2">
+              <a:schemeClr val="accent1">
+                <a:shade val="50000"/>
+              </a:schemeClr>
+            </a:lnRef>
+            <a:fillRef idx="1">
+              <a:schemeClr val="accent1"/>
+            </a:fillRef>
+            <a:effectRef idx="0">
+              <a:schemeClr val="accent1"/>
+            </a:effectRef>
+            <a:fontRef idx="minor">
+              <a:schemeClr val="lt1"/>
+            </a:fontRef>
+          </p:style>
+          <p:txBody>
+            <a:bodyPr vertOverflow="overflow" horzOverflow="overflow" vert="horz" wrap="square" numCol="1" spcCol="0" rtlCol="0" fromWordArt="0" anchor="ctr" anchorCtr="0" forceAA="0" compatLnSpc="1">
+              <a:noAutofit/>
+            </a:bodyPr>
+            <a:p>
+              <a:pPr lvl="0" algn="ctr"/>
+              <a:endParaRPr lang="zh-CN" altLang="en-US">
+                <a:sym typeface="+mn-ea"/>
+              </a:endParaRPr>
+            </a:p>
+          </p:txBody>
+        </p:sp>
+        <p:sp>
+          <p:nvSpPr>
+            <p:cNvPr id="163" name="椭圆 162"/>
+            <p:cNvSpPr/>
+            <p:nvPr/>
+          </p:nvSpPr>
+          <p:spPr>
+            <a:xfrm>
+              <a:off x="2121" y="5025"/>
+              <a:ext cx="139" cy="155"/>
+            </a:xfrm>
+            <a:prstGeom prst="ellipse">
+              <a:avLst/>
+            </a:prstGeom>
+            <a:noFill/>
+            <a:ln w="6350">
+              <a:solidFill>
+                <a:schemeClr val="tx1"/>
+              </a:solidFill>
+            </a:ln>
+            <a:extLst>
+              <a:ext uri="{909E8E84-426E-40DD-AFC4-6F175D3DCCD1}">
+                <a14:hiddenFill xmlns:a14="http://schemas.microsoft.com/office/drawing/2010/main">
+                  <a:solidFill>
+                    <a:srgbClr val="00B050"/>
+                  </a:solidFill>
+                </a14:hiddenFill>
+              </a:ext>
+            </a:extLst>
+          </p:spPr>
+          <p:style>
+            <a:lnRef idx="2">
+              <a:schemeClr val="accent1">
+                <a:shade val="50000"/>
+              </a:schemeClr>
+            </a:lnRef>
+            <a:fillRef idx="1">
+              <a:schemeClr val="accent1"/>
+            </a:fillRef>
+            <a:effectRef idx="0">
+              <a:schemeClr val="accent1"/>
+            </a:effectRef>
+            <a:fontRef idx="minor">
+              <a:schemeClr val="lt1"/>
+            </a:fontRef>
+          </p:style>
+          <p:txBody>
+            <a:bodyPr vertOverflow="overflow" horzOverflow="overflow" vert="horz" wrap="square" numCol="1" spcCol="0" rtlCol="0" fromWordArt="0" anchor="ctr" anchorCtr="0" forceAA="0" compatLnSpc="1">
+              <a:noAutofit/>
+            </a:bodyPr>
+            <a:p>
+              <a:pPr lvl="0" algn="ctr"/>
+              <a:endParaRPr lang="zh-CN" altLang="en-US">
+                <a:sym typeface="+mn-ea"/>
+              </a:endParaRPr>
+            </a:p>
+          </p:txBody>
+        </p:sp>
+        <p:sp>
+          <p:nvSpPr>
+            <p:cNvPr id="164" name="椭圆 163"/>
+            <p:cNvSpPr/>
+            <p:nvPr/>
+          </p:nvSpPr>
+          <p:spPr>
+            <a:xfrm>
+              <a:off x="1471" y="5747"/>
+              <a:ext cx="139" cy="155"/>
+            </a:xfrm>
+            <a:prstGeom prst="ellipse">
+              <a:avLst/>
+            </a:prstGeom>
+            <a:noFill/>
+            <a:ln w="6350">
+              <a:solidFill>
+                <a:schemeClr val="tx1"/>
+              </a:solidFill>
+            </a:ln>
+            <a:extLst>
+              <a:ext uri="{909E8E84-426E-40DD-AFC4-6F175D3DCCD1}">
+                <a14:hiddenFill xmlns:a14="http://schemas.microsoft.com/office/drawing/2010/main">
+                  <a:solidFill>
+                    <a:srgbClr val="00B050"/>
+                  </a:solidFill>
+                </a14:hiddenFill>
+              </a:ext>
+            </a:extLst>
+          </p:spPr>
+          <p:style>
+            <a:lnRef idx="2">
+              <a:schemeClr val="accent1">
+                <a:shade val="50000"/>
+              </a:schemeClr>
+            </a:lnRef>
+            <a:fillRef idx="1">
+              <a:schemeClr val="accent1"/>
+            </a:fillRef>
+            <a:effectRef idx="0">
+              <a:schemeClr val="accent1"/>
+            </a:effectRef>
+            <a:fontRef idx="minor">
+              <a:schemeClr val="lt1"/>
+            </a:fontRef>
+          </p:style>
+          <p:txBody>
+            <a:bodyPr vertOverflow="overflow" horzOverflow="overflow" vert="horz" wrap="square" numCol="1" spcCol="0" rtlCol="0" fromWordArt="0" anchor="ctr" anchorCtr="0" forceAA="0" compatLnSpc="1">
+              <a:noAutofit/>
+            </a:bodyPr>
+            <a:p>
+              <a:pPr lvl="0" algn="ctr"/>
+              <a:endParaRPr lang="zh-CN" altLang="en-US">
+                <a:sym typeface="+mn-ea"/>
+              </a:endParaRPr>
+            </a:p>
+          </p:txBody>
+        </p:sp>
+        <p:sp>
+          <p:nvSpPr>
+            <p:cNvPr id="165" name="椭圆 164"/>
+            <p:cNvSpPr/>
+            <p:nvPr/>
+          </p:nvSpPr>
+          <p:spPr>
+            <a:xfrm>
+              <a:off x="1471" y="6590"/>
+              <a:ext cx="139" cy="155"/>
+            </a:xfrm>
+            <a:prstGeom prst="ellipse">
+              <a:avLst/>
+            </a:prstGeom>
+            <a:noFill/>
+            <a:ln w="6350">
+              <a:solidFill>
+                <a:schemeClr val="tx1"/>
+              </a:solidFill>
+            </a:ln>
+            <a:extLst>
+              <a:ext uri="{909E8E84-426E-40DD-AFC4-6F175D3DCCD1}">
+                <a14:hiddenFill xmlns:a14="http://schemas.microsoft.com/office/drawing/2010/main">
+                  <a:solidFill>
+                    <a:srgbClr val="00B050"/>
+                  </a:solidFill>
+                </a14:hiddenFill>
+              </a:ext>
+            </a:extLst>
+          </p:spPr>
+          <p:style>
+            <a:lnRef idx="2">
+              <a:schemeClr val="accent1">
+                <a:shade val="50000"/>
+              </a:schemeClr>
+            </a:lnRef>
+            <a:fillRef idx="1">
+              <a:schemeClr val="accent1"/>
+            </a:fillRef>
+            <a:effectRef idx="0">
+              <a:schemeClr val="accent1"/>
+            </a:effectRef>
+            <a:fontRef idx="minor">
+              <a:schemeClr val="lt1"/>
+            </a:fontRef>
+          </p:style>
+          <p:txBody>
+            <a:bodyPr vertOverflow="overflow" horzOverflow="overflow" vert="horz" wrap="square" numCol="1" spcCol="0" rtlCol="0" fromWordArt="0" anchor="ctr" anchorCtr="0" forceAA="0" compatLnSpc="1">
+              <a:noAutofit/>
+            </a:bodyPr>
+            <a:p>
+              <a:pPr lvl="0" algn="ctr"/>
+              <a:endParaRPr lang="zh-CN" altLang="en-US">
+                <a:sym typeface="+mn-ea"/>
+              </a:endParaRPr>
+            </a:p>
+          </p:txBody>
+        </p:sp>
+        <p:sp>
+          <p:nvSpPr>
+            <p:cNvPr id="166" name="椭圆 165"/>
+            <p:cNvSpPr/>
+            <p:nvPr/>
+          </p:nvSpPr>
+          <p:spPr>
+            <a:xfrm>
+              <a:off x="1861" y="7205"/>
+              <a:ext cx="139" cy="155"/>
+            </a:xfrm>
+            <a:prstGeom prst="ellipse">
+              <a:avLst/>
+            </a:prstGeom>
+            <a:noFill/>
+            <a:ln w="6350">
+              <a:solidFill>
+                <a:schemeClr val="tx1"/>
+              </a:solidFill>
+            </a:ln>
+            <a:extLst>
+              <a:ext uri="{909E8E84-426E-40DD-AFC4-6F175D3DCCD1}">
+                <a14:hiddenFill xmlns:a14="http://schemas.microsoft.com/office/drawing/2010/main">
+                  <a:solidFill>
+                    <a:srgbClr val="00B050"/>
+                  </a:solidFill>
+                </a14:hiddenFill>
+              </a:ext>
+            </a:extLst>
+          </p:spPr>
+          <p:style>
+            <a:lnRef idx="2">
+              <a:schemeClr val="accent1">
+                <a:shade val="50000"/>
+              </a:schemeClr>
+            </a:lnRef>
+            <a:fillRef idx="1">
+              <a:schemeClr val="accent1"/>
+            </a:fillRef>
+            <a:effectRef idx="0">
+              <a:schemeClr val="accent1"/>
+            </a:effectRef>
+            <a:fontRef idx="minor">
+              <a:schemeClr val="lt1"/>
+            </a:fontRef>
+          </p:style>
+          <p:txBody>
+            <a:bodyPr vertOverflow="overflow" horzOverflow="overflow" vert="horz" wrap="square" numCol="1" spcCol="0" rtlCol="0" fromWordArt="0" anchor="ctr" anchorCtr="0" forceAA="0" compatLnSpc="1">
+              <a:noAutofit/>
+            </a:bodyPr>
+            <a:p>
+              <a:pPr lvl="0" algn="ctr"/>
+              <a:endParaRPr lang="zh-CN" altLang="en-US">
+                <a:sym typeface="+mn-ea"/>
+              </a:endParaRPr>
+            </a:p>
+          </p:txBody>
+        </p:sp>
+        <p:sp>
+          <p:nvSpPr>
+            <p:cNvPr id="167" name="椭圆 166"/>
+            <p:cNvSpPr/>
+            <p:nvPr/>
+          </p:nvSpPr>
+          <p:spPr>
+            <a:xfrm>
+              <a:off x="2506" y="7659"/>
+              <a:ext cx="139" cy="155"/>
+            </a:xfrm>
+            <a:prstGeom prst="ellipse">
+              <a:avLst/>
+            </a:prstGeom>
+            <a:noFill/>
+            <a:ln w="6350">
+              <a:solidFill>
+                <a:schemeClr val="tx1"/>
+              </a:solidFill>
+            </a:ln>
+            <a:extLst>
+              <a:ext uri="{909E8E84-426E-40DD-AFC4-6F175D3DCCD1}">
+                <a14:hiddenFill xmlns:a14="http://schemas.microsoft.com/office/drawing/2010/main">
+                  <a:solidFill>
+                    <a:srgbClr val="00B050"/>
+                  </a:solidFill>
+                </a14:hiddenFill>
+              </a:ext>
+            </a:extLst>
+          </p:spPr>
+          <p:style>
+            <a:lnRef idx="2">
+              <a:schemeClr val="accent1">
+                <a:shade val="50000"/>
+              </a:schemeClr>
+            </a:lnRef>
+            <a:fillRef idx="1">
+              <a:schemeClr val="accent1"/>
+            </a:fillRef>
+            <a:effectRef idx="0">
+              <a:schemeClr val="accent1"/>
+            </a:effectRef>
+            <a:fontRef idx="minor">
+              <a:schemeClr val="lt1"/>
+            </a:fontRef>
+          </p:style>
+          <p:txBody>
+            <a:bodyPr vertOverflow="overflow" horzOverflow="overflow" vert="horz" wrap="square" numCol="1" spcCol="0" rtlCol="0" fromWordArt="0" anchor="ctr" anchorCtr="0" forceAA="0" compatLnSpc="1">
+              <a:noAutofit/>
+            </a:bodyPr>
+            <a:p>
+              <a:pPr lvl="0" algn="ctr"/>
+              <a:endParaRPr lang="zh-CN" altLang="en-US">
+                <a:sym typeface="+mn-ea"/>
+              </a:endParaRPr>
+            </a:p>
+          </p:txBody>
+        </p:sp>
+        <p:sp>
+          <p:nvSpPr>
+            <p:cNvPr id="168" name="椭圆 167"/>
+            <p:cNvSpPr/>
+            <p:nvPr/>
+          </p:nvSpPr>
+          <p:spPr>
+            <a:xfrm>
+              <a:off x="3273" y="4429"/>
+              <a:ext cx="139" cy="155"/>
+            </a:xfrm>
+            <a:prstGeom prst="ellipse">
+              <a:avLst/>
+            </a:prstGeom>
+            <a:noFill/>
+            <a:ln w="6350">
+              <a:solidFill>
+                <a:schemeClr val="tx1"/>
+              </a:solidFill>
+            </a:ln>
+            <a:extLst>
+              <a:ext uri="{909E8E84-426E-40DD-AFC4-6F175D3DCCD1}">
+                <a14:hiddenFill xmlns:a14="http://schemas.microsoft.com/office/drawing/2010/main">
+                  <a:solidFill>
+                    <a:srgbClr val="00B050"/>
+                  </a:solidFill>
+                </a14:hiddenFill>
+              </a:ext>
+            </a:extLst>
+          </p:spPr>
+          <p:style>
+            <a:lnRef idx="2">
+              <a:schemeClr val="accent1">
+                <a:shade val="50000"/>
+              </a:schemeClr>
+            </a:lnRef>
+            <a:fillRef idx="1">
+              <a:schemeClr val="accent1"/>
+            </a:fillRef>
+            <a:effectRef idx="0">
+              <a:schemeClr val="accent1"/>
+            </a:effectRef>
+            <a:fontRef idx="minor">
+              <a:schemeClr val="lt1"/>
+            </a:fontRef>
+          </p:style>
+          <p:txBody>
+            <a:bodyPr vertOverflow="overflow" horzOverflow="overflow" vert="horz" wrap="square" numCol="1" spcCol="0" rtlCol="0" fromWordArt="0" anchor="ctr" anchorCtr="0" forceAA="0" compatLnSpc="1">
+              <a:noAutofit/>
+            </a:bodyPr>
+            <a:p>
+              <a:pPr lvl="0" algn="ctr"/>
+              <a:endParaRPr lang="zh-CN" altLang="en-US">
+                <a:sym typeface="+mn-ea"/>
+              </a:endParaRPr>
+            </a:p>
+          </p:txBody>
+        </p:sp>
+        <p:sp>
+          <p:nvSpPr>
+            <p:cNvPr id="169" name="椭圆 168"/>
+            <p:cNvSpPr/>
+            <p:nvPr/>
+          </p:nvSpPr>
+          <p:spPr>
+            <a:xfrm>
+              <a:off x="4651" y="5808"/>
+              <a:ext cx="139" cy="155"/>
+            </a:xfrm>
+            <a:prstGeom prst="ellipse">
+              <a:avLst/>
+            </a:prstGeom>
+            <a:solidFill>
+              <a:srgbClr val="FF0000"/>
+            </a:solidFill>
+            <a:ln w="6350">
+              <a:solidFill>
+                <a:srgbClr val="FF0000"/>
+              </a:solidFill>
+            </a:ln>
+          </p:spPr>
+          <p:style>
+            <a:lnRef idx="2">
+              <a:schemeClr val="accent1">
+                <a:shade val="50000"/>
+              </a:schemeClr>
+            </a:lnRef>
+            <a:fillRef idx="1">
+              <a:schemeClr val="accent1"/>
+            </a:fillRef>
+            <a:effectRef idx="0">
+              <a:schemeClr val="accent1"/>
+            </a:effectRef>
+            <a:fontRef idx="minor">
+              <a:schemeClr val="lt1"/>
+            </a:fontRef>
+          </p:style>
+          <p:txBody>
+            <a:bodyPr vertOverflow="overflow" horzOverflow="overflow" vert="horz" wrap="square" numCol="1" spcCol="0" rtlCol="0" fromWordArt="0" anchor="ctr" anchorCtr="0" forceAA="0" compatLnSpc="1">
+              <a:noAutofit/>
+            </a:bodyPr>
+            <a:p>
+              <a:pPr lvl="0" algn="ctr"/>
+              <a:endParaRPr lang="zh-CN" altLang="en-US">
+                <a:sym typeface="+mn-ea"/>
+              </a:endParaRPr>
+            </a:p>
+          </p:txBody>
+        </p:sp>
+        <p:sp>
+          <p:nvSpPr>
+            <p:cNvPr id="170" name="椭圆 169"/>
+            <p:cNvSpPr/>
+            <p:nvPr/>
+          </p:nvSpPr>
+          <p:spPr>
+            <a:xfrm>
+              <a:off x="4651" y="4778"/>
+              <a:ext cx="139" cy="155"/>
+            </a:xfrm>
+            <a:prstGeom prst="ellipse">
+              <a:avLst/>
+            </a:prstGeom>
+            <a:noFill/>
+            <a:ln w="6350">
+              <a:solidFill>
+                <a:schemeClr val="tx1"/>
+              </a:solidFill>
+            </a:ln>
+            <a:extLst>
+              <a:ext uri="{909E8E84-426E-40DD-AFC4-6F175D3DCCD1}">
+                <a14:hiddenFill xmlns:a14="http://schemas.microsoft.com/office/drawing/2010/main">
+                  <a:solidFill>
+                    <a:srgbClr val="00B050"/>
+                  </a:solidFill>
+                </a14:hiddenFill>
+              </a:ext>
+            </a:extLst>
+          </p:spPr>
+          <p:style>
+            <a:lnRef idx="2">
+              <a:schemeClr val="accent1">
+                <a:shade val="50000"/>
+              </a:schemeClr>
+            </a:lnRef>
+            <a:fillRef idx="1">
+              <a:schemeClr val="accent1"/>
+            </a:fillRef>
+            <a:effectRef idx="0">
+              <a:schemeClr val="accent1"/>
+            </a:effectRef>
+            <a:fontRef idx="minor">
+              <a:schemeClr val="lt1"/>
+            </a:fontRef>
+          </p:style>
+          <p:txBody>
+            <a:bodyPr vertOverflow="overflow" horzOverflow="overflow" vert="horz" wrap="square" numCol="1" spcCol="0" rtlCol="0" fromWordArt="0" anchor="ctr" anchorCtr="0" forceAA="0" compatLnSpc="1">
+              <a:noAutofit/>
+            </a:bodyPr>
+            <a:p>
+              <a:pPr lvl="0" algn="ctr"/>
+              <a:endParaRPr lang="zh-CN" altLang="en-US">
+                <a:sym typeface="+mn-ea"/>
+              </a:endParaRPr>
+            </a:p>
+          </p:txBody>
+        </p:sp>
+        <p:sp>
+          <p:nvSpPr>
+            <p:cNvPr id="171" name="椭圆 170"/>
+            <p:cNvSpPr/>
+            <p:nvPr/>
+          </p:nvSpPr>
+          <p:spPr>
+            <a:xfrm>
+              <a:off x="3413" y="7659"/>
+              <a:ext cx="139" cy="155"/>
+            </a:xfrm>
+            <a:prstGeom prst="ellipse">
+              <a:avLst/>
+            </a:prstGeom>
+            <a:noFill/>
+            <a:ln w="6350">
+              <a:solidFill>
+                <a:schemeClr val="tx1"/>
+              </a:solidFill>
+            </a:ln>
+            <a:extLst>
+              <a:ext uri="{909E8E84-426E-40DD-AFC4-6F175D3DCCD1}">
+                <a14:hiddenFill xmlns:a14="http://schemas.microsoft.com/office/drawing/2010/main">
+                  <a:solidFill>
+                    <a:srgbClr val="00B050"/>
+                  </a:solidFill>
+                </a14:hiddenFill>
+              </a:ext>
+            </a:extLst>
+          </p:spPr>
+          <p:style>
+            <a:lnRef idx="2">
+              <a:schemeClr val="accent1">
+                <a:shade val="50000"/>
+              </a:schemeClr>
+            </a:lnRef>
+            <a:fillRef idx="1">
+              <a:schemeClr val="accent1"/>
+            </a:fillRef>
+            <a:effectRef idx="0">
+              <a:schemeClr val="accent1"/>
+            </a:effectRef>
+            <a:fontRef idx="minor">
+              <a:schemeClr val="lt1"/>
+            </a:fontRef>
+          </p:style>
+          <p:txBody>
+            <a:bodyPr vertOverflow="overflow" horzOverflow="overflow" vert="horz" wrap="square" numCol="1" spcCol="0" rtlCol="0" fromWordArt="0" anchor="ctr" anchorCtr="0" forceAA="0" compatLnSpc="1">
+              <a:noAutofit/>
+            </a:bodyPr>
+            <a:p>
+              <a:pPr lvl="0" algn="ctr"/>
+              <a:endParaRPr lang="zh-CN" altLang="en-US">
+                <a:sym typeface="+mn-ea"/>
+              </a:endParaRPr>
+            </a:p>
+          </p:txBody>
+        </p:sp>
+        <p:sp>
+          <p:nvSpPr>
+            <p:cNvPr id="172" name="椭圆 171"/>
+            <p:cNvSpPr/>
+            <p:nvPr/>
+          </p:nvSpPr>
+          <p:spPr>
+            <a:xfrm>
+              <a:off x="4233" y="7360"/>
+              <a:ext cx="139" cy="155"/>
+            </a:xfrm>
+            <a:prstGeom prst="ellipse">
+              <a:avLst/>
+            </a:prstGeom>
+            <a:noFill/>
+            <a:ln w="6350">
+              <a:solidFill>
+                <a:schemeClr val="tx1"/>
+              </a:solidFill>
+            </a:ln>
+            <a:extLst>
+              <a:ext uri="{909E8E84-426E-40DD-AFC4-6F175D3DCCD1}">
+                <a14:hiddenFill xmlns:a14="http://schemas.microsoft.com/office/drawing/2010/main">
+                  <a:solidFill>
+                    <a:srgbClr val="00B050"/>
+                  </a:solidFill>
+                </a14:hiddenFill>
+              </a:ext>
+            </a:extLst>
+          </p:spPr>
+          <p:style>
+            <a:lnRef idx="2">
+              <a:schemeClr val="accent1">
+                <a:shade val="50000"/>
+              </a:schemeClr>
+            </a:lnRef>
+            <a:fillRef idx="1">
+              <a:schemeClr val="accent1"/>
+            </a:fillRef>
+            <a:effectRef idx="0">
+              <a:schemeClr val="accent1"/>
+            </a:effectRef>
+            <a:fontRef idx="minor">
+              <a:schemeClr val="lt1"/>
+            </a:fontRef>
+          </p:style>
+          <p:txBody>
+            <a:bodyPr vertOverflow="overflow" horzOverflow="overflow" vert="horz" wrap="square" numCol="1" spcCol="0" rtlCol="0" fromWordArt="0" anchor="ctr" anchorCtr="0" forceAA="0" compatLnSpc="1">
+              <a:noAutofit/>
+            </a:bodyPr>
+            <a:p>
+              <a:pPr lvl="0" algn="ctr"/>
+              <a:endParaRPr lang="zh-CN" altLang="en-US">
+                <a:sym typeface="+mn-ea"/>
+              </a:endParaRPr>
+            </a:p>
+          </p:txBody>
+        </p:sp>
+        <p:sp>
+          <p:nvSpPr>
+            <p:cNvPr id="173" name="椭圆 172"/>
+            <p:cNvSpPr/>
+            <p:nvPr/>
+          </p:nvSpPr>
+          <p:spPr>
+            <a:xfrm>
+              <a:off x="5271" y="5365"/>
+              <a:ext cx="139" cy="155"/>
+            </a:xfrm>
+            <a:prstGeom prst="ellipse">
+              <a:avLst/>
+            </a:prstGeom>
+            <a:noFill/>
+            <a:ln w="6350">
+              <a:solidFill>
+                <a:schemeClr val="tx1"/>
+              </a:solidFill>
+            </a:ln>
+            <a:extLst>
+              <a:ext uri="{909E8E84-426E-40DD-AFC4-6F175D3DCCD1}">
+                <a14:hiddenFill xmlns:a14="http://schemas.microsoft.com/office/drawing/2010/main">
+                  <a:solidFill>
+                    <a:srgbClr val="00B050"/>
+                  </a:solidFill>
+                </a14:hiddenFill>
+              </a:ext>
+            </a:extLst>
+          </p:spPr>
+          <p:style>
+            <a:lnRef idx="2">
+              <a:schemeClr val="accent1">
+                <a:shade val="50000"/>
+              </a:schemeClr>
+            </a:lnRef>
+            <a:fillRef idx="1">
+              <a:schemeClr val="accent1"/>
+            </a:fillRef>
+            <a:effectRef idx="0">
+              <a:schemeClr val="accent1"/>
+            </a:effectRef>
+            <a:fontRef idx="minor">
+              <a:schemeClr val="lt1"/>
+            </a:fontRef>
+          </p:style>
+          <p:txBody>
+            <a:bodyPr vertOverflow="overflow" horzOverflow="overflow" vert="horz" wrap="square" numCol="1" spcCol="0" rtlCol="0" fromWordArt="0" anchor="ctr" anchorCtr="0" forceAA="0" compatLnSpc="1">
+              <a:noAutofit/>
+            </a:bodyPr>
+            <a:p>
+              <a:pPr lvl="0" algn="ctr"/>
+              <a:endParaRPr lang="zh-CN" altLang="en-US">
+                <a:sym typeface="+mn-ea"/>
+              </a:endParaRPr>
+            </a:p>
+          </p:txBody>
+        </p:sp>
+        <p:sp>
+          <p:nvSpPr>
+            <p:cNvPr id="174" name="椭圆 173"/>
+            <p:cNvSpPr/>
+            <p:nvPr/>
+          </p:nvSpPr>
+          <p:spPr>
+            <a:xfrm>
+              <a:off x="3273" y="5902"/>
+              <a:ext cx="139" cy="155"/>
+            </a:xfrm>
+            <a:prstGeom prst="ellipse">
+              <a:avLst/>
+            </a:prstGeom>
+            <a:solidFill>
+              <a:schemeClr val="tx1"/>
+            </a:solidFill>
+            <a:ln w="6350">
+              <a:solidFill>
+                <a:schemeClr val="tx1"/>
+              </a:solidFill>
+            </a:ln>
+          </p:spPr>
+          <p:style>
+            <a:lnRef idx="2">
+              <a:schemeClr val="accent1">
+                <a:shade val="50000"/>
+              </a:schemeClr>
+            </a:lnRef>
+            <a:fillRef idx="1">
+              <a:schemeClr val="accent1"/>
+            </a:fillRef>
+            <a:effectRef idx="0">
+              <a:schemeClr val="accent1"/>
+            </a:effectRef>
+            <a:fontRef idx="minor">
+              <a:schemeClr val="lt1"/>
+            </a:fontRef>
+          </p:style>
+          <p:txBody>
+            <a:bodyPr vertOverflow="overflow" horzOverflow="overflow" vert="horz" wrap="square" numCol="1" spcCol="0" rtlCol="0" fromWordArt="0" anchor="ctr" anchorCtr="0" forceAA="0" compatLnSpc="1">
+              <a:noAutofit/>
+            </a:bodyPr>
+            <a:p>
+              <a:pPr lvl="0" algn="ctr"/>
+              <a:endParaRPr lang="zh-CN" altLang="en-US">
+                <a:sym typeface="+mn-ea"/>
+              </a:endParaRPr>
+            </a:p>
+          </p:txBody>
+        </p:sp>
+        <p:sp>
+          <p:nvSpPr>
+            <p:cNvPr id="175" name="椭圆 174"/>
+            <p:cNvSpPr/>
+            <p:nvPr/>
+          </p:nvSpPr>
+          <p:spPr>
+            <a:xfrm>
+              <a:off x="4915" y="6897"/>
+              <a:ext cx="139" cy="155"/>
+            </a:xfrm>
+            <a:prstGeom prst="ellipse">
+              <a:avLst/>
+            </a:prstGeom>
+            <a:noFill/>
+            <a:ln w="6350">
+              <a:solidFill>
+                <a:schemeClr val="tx1"/>
+              </a:solidFill>
+            </a:ln>
+            <a:extLst>
+              <a:ext uri="{909E8E84-426E-40DD-AFC4-6F175D3DCCD1}">
+                <a14:hiddenFill xmlns:a14="http://schemas.microsoft.com/office/drawing/2010/main">
+                  <a:solidFill>
+                    <a:srgbClr val="00B050"/>
+                  </a:solidFill>
+                </a14:hiddenFill>
+              </a:ext>
+            </a:extLst>
+          </p:spPr>
+          <p:style>
+            <a:lnRef idx="2">
+              <a:schemeClr val="accent1">
+                <a:shade val="50000"/>
+              </a:schemeClr>
+            </a:lnRef>
+            <a:fillRef idx="1">
+              <a:schemeClr val="accent1"/>
+            </a:fillRef>
+            <a:effectRef idx="0">
+              <a:schemeClr val="accent1"/>
+            </a:effectRef>
+            <a:fontRef idx="minor">
+              <a:schemeClr val="lt1"/>
+            </a:fontRef>
+          </p:style>
+          <p:txBody>
+            <a:bodyPr vertOverflow="overflow" horzOverflow="overflow" vert="horz" wrap="square" numCol="1" spcCol="0" rtlCol="0" fromWordArt="0" anchor="ctr" anchorCtr="0" forceAA="0" compatLnSpc="1">
+              <a:noAutofit/>
+            </a:bodyPr>
+            <a:p>
+              <a:pPr lvl="0" algn="ctr"/>
+              <a:endParaRPr lang="zh-CN" altLang="en-US">
+                <a:sym typeface="+mn-ea"/>
+              </a:endParaRPr>
+            </a:p>
+          </p:txBody>
+        </p:sp>
+        <p:sp>
+          <p:nvSpPr>
+            <p:cNvPr id="176" name="椭圆 175"/>
+            <p:cNvSpPr/>
+            <p:nvPr/>
+          </p:nvSpPr>
+          <p:spPr>
+            <a:xfrm>
+              <a:off x="5271" y="6343"/>
+              <a:ext cx="139" cy="155"/>
+            </a:xfrm>
+            <a:prstGeom prst="ellipse">
+              <a:avLst/>
+            </a:prstGeom>
+            <a:noFill/>
+            <a:ln w="6350">
+              <a:solidFill>
+                <a:schemeClr val="tx1"/>
+              </a:solidFill>
+            </a:ln>
+            <a:extLst>
+              <a:ext uri="{909E8E84-426E-40DD-AFC4-6F175D3DCCD1}">
+                <a14:hiddenFill xmlns:a14="http://schemas.microsoft.com/office/drawing/2010/main">
+                  <a:solidFill>
+                    <a:srgbClr val="00B050"/>
+                  </a:solidFill>
+                </a14:hiddenFill>
+              </a:ext>
+            </a:extLst>
+          </p:spPr>
+          <p:style>
+            <a:lnRef idx="2">
+              <a:schemeClr val="accent1">
+                <a:shade val="50000"/>
+              </a:schemeClr>
+            </a:lnRef>
+            <a:fillRef idx="1">
+              <a:schemeClr val="accent1"/>
+            </a:fillRef>
+            <a:effectRef idx="0">
+              <a:schemeClr val="accent1"/>
+            </a:effectRef>
+            <a:fontRef idx="minor">
+              <a:schemeClr val="lt1"/>
+            </a:fontRef>
+          </p:style>
+          <p:txBody>
+            <a:bodyPr vertOverflow="overflow" horzOverflow="overflow" vert="horz" wrap="square" numCol="1" spcCol="0" rtlCol="0" fromWordArt="0" anchor="ctr" anchorCtr="0" forceAA="0" compatLnSpc="1">
+              <a:noAutofit/>
+            </a:bodyPr>
+            <a:p>
+              <a:pPr lvl="0" algn="ctr"/>
+              <a:endParaRPr lang="zh-CN" altLang="en-US">
+                <a:sym typeface="+mn-ea"/>
+              </a:endParaRPr>
+            </a:p>
+          </p:txBody>
+        </p:sp>
+        <p:sp>
+          <p:nvSpPr>
+            <p:cNvPr id="177" name="椭圆 176"/>
+            <p:cNvSpPr/>
+            <p:nvPr/>
+          </p:nvSpPr>
+          <p:spPr>
+            <a:xfrm>
+              <a:off x="4023" y="4583"/>
+              <a:ext cx="139" cy="155"/>
+            </a:xfrm>
+            <a:prstGeom prst="ellipse">
+              <a:avLst/>
+            </a:prstGeom>
+            <a:noFill/>
+            <a:ln w="6350">
+              <a:solidFill>
+                <a:schemeClr val="tx1"/>
+              </a:solidFill>
+            </a:ln>
+            <a:extLst>
+              <a:ext uri="{909E8E84-426E-40DD-AFC4-6F175D3DCCD1}">
+                <a14:hiddenFill xmlns:a14="http://schemas.microsoft.com/office/drawing/2010/main">
+                  <a:solidFill>
+                    <a:srgbClr val="00B050"/>
+                  </a:solidFill>
+                </a14:hiddenFill>
+              </a:ext>
+            </a:extLst>
+          </p:spPr>
+          <p:style>
+            <a:lnRef idx="2">
+              <a:schemeClr val="accent1">
+                <a:shade val="50000"/>
+              </a:schemeClr>
+            </a:lnRef>
+            <a:fillRef idx="1">
+              <a:schemeClr val="accent1"/>
+            </a:fillRef>
+            <a:effectRef idx="0">
+              <a:schemeClr val="accent1"/>
+            </a:effectRef>
+            <a:fontRef idx="minor">
+              <a:schemeClr val="lt1"/>
+            </a:fontRef>
+          </p:style>
+          <p:txBody>
+            <a:bodyPr vertOverflow="overflow" horzOverflow="overflow" vert="horz" wrap="square" numCol="1" spcCol="0" rtlCol="0" fromWordArt="0" anchor="ctr" anchorCtr="0" forceAA="0" compatLnSpc="1">
+              <a:noAutofit/>
+            </a:bodyPr>
+            <a:p>
+              <a:pPr lvl="0" algn="ctr"/>
+              <a:endParaRPr lang="zh-CN" altLang="en-US">
+                <a:sym typeface="+mn-ea"/>
+              </a:endParaRPr>
+            </a:p>
+          </p:txBody>
+        </p:sp>
+        <p:sp>
+          <p:nvSpPr>
+            <p:cNvPr id="178" name="椭圆 177"/>
+            <p:cNvSpPr/>
+            <p:nvPr/>
+          </p:nvSpPr>
+          <p:spPr>
+            <a:xfrm>
+              <a:off x="2367" y="5611"/>
+              <a:ext cx="139" cy="155"/>
+            </a:xfrm>
+            <a:prstGeom prst="ellipse">
+              <a:avLst/>
+            </a:prstGeom>
+            <a:solidFill>
+              <a:srgbClr val="FF0000"/>
+            </a:solidFill>
+            <a:ln w="6350">
+              <a:solidFill>
+                <a:srgbClr val="FF0000"/>
+              </a:solidFill>
+            </a:ln>
+          </p:spPr>
+          <p:style>
+            <a:lnRef idx="2">
+              <a:schemeClr val="accent1">
+                <a:shade val="50000"/>
+              </a:schemeClr>
+            </a:lnRef>
+            <a:fillRef idx="1">
+              <a:schemeClr val="accent1"/>
+            </a:fillRef>
+            <a:effectRef idx="0">
+              <a:schemeClr val="accent1"/>
+            </a:effectRef>
+            <a:fontRef idx="minor">
+              <a:schemeClr val="lt1"/>
+            </a:fontRef>
+          </p:style>
+          <p:txBody>
+            <a:bodyPr vertOverflow="overflow" horzOverflow="overflow" vert="horz" wrap="square" numCol="1" spcCol="0" rtlCol="0" fromWordArt="0" anchor="ctr" anchorCtr="0" forceAA="0" compatLnSpc="1">
+              <a:noAutofit/>
+            </a:bodyPr>
+            <a:p>
+              <a:pPr lvl="0" algn="ctr"/>
+              <a:endParaRPr lang="zh-CN" altLang="en-US">
+                <a:sym typeface="+mn-ea"/>
+              </a:endParaRPr>
+            </a:p>
+          </p:txBody>
+        </p:sp>
+        <p:sp>
+          <p:nvSpPr>
+            <p:cNvPr id="179" name="椭圆 178"/>
+            <p:cNvSpPr/>
+            <p:nvPr/>
+          </p:nvSpPr>
+          <p:spPr>
+            <a:xfrm>
+              <a:off x="3134" y="5025"/>
+              <a:ext cx="139" cy="155"/>
+            </a:xfrm>
+            <a:prstGeom prst="ellipse">
+              <a:avLst/>
+            </a:prstGeom>
+            <a:solidFill>
+              <a:srgbClr val="FF0000"/>
+            </a:solidFill>
+            <a:ln w="6350">
+              <a:solidFill>
+                <a:srgbClr val="FF0000"/>
+              </a:solidFill>
+            </a:ln>
+          </p:spPr>
+          <p:style>
+            <a:lnRef idx="2">
+              <a:schemeClr val="accent1">
+                <a:shade val="50000"/>
+              </a:schemeClr>
+            </a:lnRef>
+            <a:fillRef idx="1">
+              <a:schemeClr val="accent1"/>
+            </a:fillRef>
+            <a:effectRef idx="0">
+              <a:schemeClr val="accent1"/>
+            </a:effectRef>
+            <a:fontRef idx="minor">
+              <a:schemeClr val="lt1"/>
+            </a:fontRef>
+          </p:style>
+          <p:txBody>
+            <a:bodyPr vertOverflow="overflow" horzOverflow="overflow" vert="horz" wrap="square" numCol="1" spcCol="0" rtlCol="0" fromWordArt="0" anchor="ctr" anchorCtr="0" forceAA="0" compatLnSpc="1">
+              <a:noAutofit/>
+            </a:bodyPr>
+            <a:p>
+              <a:pPr lvl="0" algn="ctr"/>
+              <a:endParaRPr lang="zh-CN" altLang="en-US">
+                <a:sym typeface="+mn-ea"/>
+              </a:endParaRPr>
+            </a:p>
+          </p:txBody>
+        </p:sp>
+        <p:sp>
+          <p:nvSpPr>
+            <p:cNvPr id="180" name="椭圆 179"/>
+            <p:cNvSpPr/>
+            <p:nvPr/>
+          </p:nvSpPr>
+          <p:spPr>
+            <a:xfrm>
+              <a:off x="2400" y="6496"/>
+              <a:ext cx="139" cy="155"/>
+            </a:xfrm>
+            <a:prstGeom prst="ellipse">
+              <a:avLst/>
+            </a:prstGeom>
+            <a:solidFill>
+              <a:srgbClr val="FF0000"/>
+            </a:solidFill>
+            <a:ln w="6350">
+              <a:solidFill>
+                <a:srgbClr val="FF0000"/>
+              </a:solidFill>
+            </a:ln>
+          </p:spPr>
+          <p:style>
+            <a:lnRef idx="2">
+              <a:schemeClr val="accent1">
+                <a:shade val="50000"/>
+              </a:schemeClr>
+            </a:lnRef>
+            <a:fillRef idx="1">
+              <a:schemeClr val="accent1"/>
+            </a:fillRef>
+            <a:effectRef idx="0">
+              <a:schemeClr val="accent1"/>
+            </a:effectRef>
+            <a:fontRef idx="minor">
+              <a:schemeClr val="lt1"/>
+            </a:fontRef>
+          </p:style>
+          <p:txBody>
+            <a:bodyPr vertOverflow="overflow" horzOverflow="overflow" vert="horz" wrap="square" numCol="1" spcCol="0" rtlCol="0" fromWordArt="0" anchor="ctr" anchorCtr="0" forceAA="0" compatLnSpc="1">
+              <a:noAutofit/>
+            </a:bodyPr>
+            <a:p>
+              <a:pPr lvl="0" algn="ctr"/>
+              <a:endParaRPr lang="zh-CN" altLang="en-US">
+                <a:sym typeface="+mn-ea"/>
+              </a:endParaRPr>
+            </a:p>
+          </p:txBody>
+        </p:sp>
+        <p:sp>
+          <p:nvSpPr>
+            <p:cNvPr id="181" name="椭圆 180"/>
+            <p:cNvSpPr/>
+            <p:nvPr/>
+          </p:nvSpPr>
+          <p:spPr>
+            <a:xfrm>
+              <a:off x="2995" y="6897"/>
+              <a:ext cx="139" cy="155"/>
+            </a:xfrm>
+            <a:prstGeom prst="ellipse">
+              <a:avLst/>
+            </a:prstGeom>
+            <a:solidFill>
+              <a:srgbClr val="FF0000"/>
+            </a:solidFill>
+            <a:ln w="6350">
+              <a:solidFill>
+                <a:srgbClr val="FF0000"/>
+              </a:solidFill>
+            </a:ln>
+          </p:spPr>
+          <p:style>
+            <a:lnRef idx="2">
+              <a:schemeClr val="accent1">
+                <a:shade val="50000"/>
+              </a:schemeClr>
+            </a:lnRef>
+            <a:fillRef idx="1">
+              <a:schemeClr val="accent1"/>
+            </a:fillRef>
+            <a:effectRef idx="0">
+              <a:schemeClr val="accent1"/>
+            </a:effectRef>
+            <a:fontRef idx="minor">
+              <a:schemeClr val="lt1"/>
+            </a:fontRef>
+          </p:style>
+          <p:txBody>
+            <a:bodyPr vertOverflow="overflow" horzOverflow="overflow" vert="horz" wrap="square" numCol="1" spcCol="0" rtlCol="0" fromWordArt="0" anchor="ctr" anchorCtr="0" forceAA="0" compatLnSpc="1">
+              <a:noAutofit/>
+            </a:bodyPr>
+            <a:p>
+              <a:pPr lvl="0" algn="ctr"/>
+              <a:endParaRPr lang="zh-CN" altLang="en-US">
+                <a:sym typeface="+mn-ea"/>
+              </a:endParaRPr>
+            </a:p>
+          </p:txBody>
+        </p:sp>
+        <p:sp>
+          <p:nvSpPr>
+            <p:cNvPr id="182" name="椭圆 181"/>
+            <p:cNvSpPr/>
+            <p:nvPr/>
+          </p:nvSpPr>
+          <p:spPr>
+            <a:xfrm>
+              <a:off x="3744" y="6897"/>
+              <a:ext cx="139" cy="155"/>
+            </a:xfrm>
+            <a:prstGeom prst="ellipse">
+              <a:avLst/>
+            </a:prstGeom>
+            <a:solidFill>
+              <a:srgbClr val="FF0000"/>
+            </a:solidFill>
+            <a:ln w="6350">
+              <a:solidFill>
+                <a:srgbClr val="FF0000"/>
+              </a:solidFill>
+            </a:ln>
+          </p:spPr>
+          <p:style>
+            <a:lnRef idx="2">
+              <a:schemeClr val="accent1">
+                <a:shade val="50000"/>
+              </a:schemeClr>
+            </a:lnRef>
+            <a:fillRef idx="1">
+              <a:schemeClr val="accent1"/>
+            </a:fillRef>
+            <a:effectRef idx="0">
+              <a:schemeClr val="accent1"/>
+            </a:effectRef>
+            <a:fontRef idx="minor">
+              <a:schemeClr val="lt1"/>
+            </a:fontRef>
+          </p:style>
+          <p:txBody>
+            <a:bodyPr vertOverflow="overflow" horzOverflow="overflow" vert="horz" wrap="square" numCol="1" spcCol="0" rtlCol="0" fromWordArt="0" anchor="ctr" anchorCtr="0" forceAA="0" compatLnSpc="1">
+              <a:noAutofit/>
+            </a:bodyPr>
+            <a:p>
+              <a:pPr lvl="0" algn="ctr"/>
+              <a:endParaRPr lang="zh-CN" altLang="en-US">
+                <a:sym typeface="+mn-ea"/>
+              </a:endParaRPr>
+            </a:p>
+          </p:txBody>
+        </p:sp>
+        <p:sp>
+          <p:nvSpPr>
+            <p:cNvPr id="183" name="椭圆 182"/>
+            <p:cNvSpPr/>
+            <p:nvPr/>
+          </p:nvSpPr>
+          <p:spPr>
+            <a:xfrm>
+              <a:off x="3883" y="5303"/>
+              <a:ext cx="139" cy="155"/>
+            </a:xfrm>
+            <a:prstGeom prst="ellipse">
+              <a:avLst/>
+            </a:prstGeom>
+            <a:solidFill>
+              <a:srgbClr val="FF0000"/>
+            </a:solidFill>
+            <a:ln w="6350">
+              <a:solidFill>
+                <a:srgbClr val="FF0000"/>
+              </a:solidFill>
+            </a:ln>
+          </p:spPr>
+          <p:style>
+            <a:lnRef idx="2">
+              <a:schemeClr val="accent1">
+                <a:shade val="50000"/>
+              </a:schemeClr>
+            </a:lnRef>
+            <a:fillRef idx="1">
+              <a:schemeClr val="accent1"/>
+            </a:fillRef>
+            <a:effectRef idx="0">
+              <a:schemeClr val="accent1"/>
+            </a:effectRef>
+            <a:fontRef idx="minor">
+              <a:schemeClr val="lt1"/>
+            </a:fontRef>
+          </p:style>
+          <p:txBody>
+            <a:bodyPr vertOverflow="overflow" horzOverflow="overflow" vert="horz" wrap="square" numCol="1" spcCol="0" rtlCol="0" fromWordArt="0" anchor="ctr" anchorCtr="0" forceAA="0" compatLnSpc="1">
+              <a:noAutofit/>
+            </a:bodyPr>
+            <a:p>
+              <a:pPr lvl="0" algn="ctr"/>
+              <a:endParaRPr lang="zh-CN" altLang="en-US">
+                <a:sym typeface="+mn-ea"/>
+              </a:endParaRPr>
+            </a:p>
+          </p:txBody>
+        </p:sp>
+        <p:sp>
+          <p:nvSpPr>
+            <p:cNvPr id="184" name="椭圆 183"/>
+            <p:cNvSpPr/>
+            <p:nvPr/>
+          </p:nvSpPr>
+          <p:spPr>
+            <a:xfrm>
+              <a:off x="4093" y="6343"/>
+              <a:ext cx="139" cy="155"/>
+            </a:xfrm>
+            <a:prstGeom prst="ellipse">
+              <a:avLst/>
+            </a:prstGeom>
+            <a:solidFill>
+              <a:srgbClr val="FF0000"/>
+            </a:solidFill>
+            <a:ln w="6350">
+              <a:solidFill>
+                <a:srgbClr val="FF0000"/>
+              </a:solidFill>
+            </a:ln>
+          </p:spPr>
+          <p:style>
+            <a:lnRef idx="2">
+              <a:schemeClr val="accent1">
+                <a:shade val="50000"/>
+              </a:schemeClr>
+            </a:lnRef>
+            <a:fillRef idx="1">
+              <a:schemeClr val="accent1"/>
+            </a:fillRef>
+            <a:effectRef idx="0">
+              <a:schemeClr val="accent1"/>
+            </a:effectRef>
+            <a:fontRef idx="minor">
+              <a:schemeClr val="lt1"/>
+            </a:fontRef>
+          </p:style>
+          <p:txBody>
+            <a:bodyPr vertOverflow="overflow" horzOverflow="overflow" vert="horz" wrap="square" numCol="1" spcCol="0" rtlCol="0" fromWordArt="0" anchor="ctr" anchorCtr="0" forceAA="0" compatLnSpc="1">
+              <a:noAutofit/>
+            </a:bodyPr>
+            <a:p>
+              <a:pPr lvl="0" algn="ctr"/>
+              <a:endParaRPr lang="zh-CN" altLang="en-US">
+                <a:sym typeface="+mn-ea"/>
+              </a:endParaRPr>
+            </a:p>
+          </p:txBody>
+        </p:sp>
+        <p:graphicFrame>
+          <p:nvGraphicFramePr>
+            <p:cNvPr id="271" name="对象 270">
+              <a:hlinkClick r:id="" action="ppaction://ole?verb="/>
+            </p:cNvPr>
+            <p:cNvGraphicFramePr>
+              <a:graphicFrameLocks noChangeAspect="1"/>
+            </p:cNvGraphicFramePr>
+            <p:nvPr/>
+          </p:nvGraphicFramePr>
+          <p:xfrm>
+            <a:off x="2639" y="5810"/>
+            <a:ext cx="573" cy="669"/>
+          </p:xfrm>
+          <a:graphic>
+            <a:graphicData uri="http://schemas.openxmlformats.org/presentationml/2006/ole">
+              <mc:AlternateContent xmlns:mc="http://schemas.openxmlformats.org/markup-compatibility/2006">
+                <mc:Choice xmlns:v="urn:schemas-microsoft-com:vml" Requires="v">
+                  <p:oleObj spid="_x0000_s1026" name="" r:id="rId1" imgW="152400" imgH="177165" progId="Equation.KSEE3">
+                    <p:embed/>
+                  </p:oleObj>
+                </mc:Choice>
+                <mc:Fallback>
+                  <p:oleObj name="" r:id="rId1" imgW="152400" imgH="177165" progId="Equation.KSEE3">
+                    <p:embed/>
+                    <p:pic>
+                      <p:nvPicPr>
+                        <p:cNvPr id="0" name="图片 1025"/>
+                        <p:cNvPicPr/>
+                        <p:nvPr/>
+                      </p:nvPicPr>
+                      <p:blipFill>
+                        <a:blip r:embed="rId2"/>
+                        <a:stretch>
+                          <a:fillRect/>
+                        </a:stretch>
+                      </p:blipFill>
+                      <p:spPr>
+                        <a:xfrm>
+                          <a:off x="2639" y="5810"/>
+                          <a:ext cx="573" cy="669"/>
+                        </a:xfrm>
+                        <a:prstGeom prst="rect">
+                          <a:avLst/>
+                        </a:prstGeom>
+                      </p:spPr>
+                    </p:pic>
+                  </p:oleObj>
+                </mc:Fallback>
+              </mc:AlternateContent>
+            </a:graphicData>
+          </a:graphic>
+        </p:graphicFrame>
+      </p:grpSp>
+      <p:cxnSp>
+        <p:nvCxnSpPr>
+          <p:cNvPr id="274" name="直接箭头连接符 273"/>
+          <p:cNvCxnSpPr/>
+          <p:nvPr/>
+        </p:nvCxnSpPr>
+        <p:spPr>
+          <a:xfrm>
+            <a:off x="8964930" y="5535930"/>
+            <a:ext cx="3058795" cy="5715"/>
+          </a:xfrm>
+          <a:prstGeom prst="straightConnector1">
+            <a:avLst/>
+          </a:prstGeom>
+          <a:ln w="3175">
+            <a:tailEnd type="arrow" w="med" len="med"/>
+          </a:ln>
+        </p:spPr>
+        <p:style>
+          <a:lnRef idx="1">
+            <a:schemeClr val="dk1"/>
+          </a:lnRef>
+          <a:fillRef idx="0">
+            <a:schemeClr val="dk1"/>
+          </a:fillRef>
+          <a:effectRef idx="0">
+            <a:schemeClr val="dk1"/>
+          </a:effectRef>
+          <a:fontRef idx="minor">
+            <a:schemeClr val="tx1"/>
+          </a:fontRef>
+        </p:style>
+      </p:cxnSp>
+      <p:cxnSp>
+        <p:nvCxnSpPr>
+          <p:cNvPr id="275" name="直接箭头连接符 274"/>
+          <p:cNvCxnSpPr/>
+          <p:nvPr/>
+        </p:nvCxnSpPr>
+        <p:spPr>
+          <a:xfrm flipV="1">
+            <a:off x="8955405" y="2487930"/>
+            <a:ext cx="0" cy="3056255"/>
+          </a:xfrm>
+          <a:prstGeom prst="straightConnector1">
+            <a:avLst/>
+          </a:prstGeom>
+          <a:ln w="3175">
+            <a:tailEnd type="arrow" w="med" len="med"/>
+          </a:ln>
+        </p:spPr>
+        <p:style>
+          <a:lnRef idx="1">
+            <a:schemeClr val="dk1"/>
+          </a:lnRef>
+          <a:fillRef idx="0">
+            <a:schemeClr val="dk1"/>
+          </a:fillRef>
+          <a:effectRef idx="0">
+            <a:schemeClr val="dk1"/>
+          </a:effectRef>
+          <a:fontRef idx="minor">
+            <a:schemeClr val="tx1"/>
+          </a:fontRef>
+        </p:style>
+      </p:cxnSp>
+      <p:sp>
+        <p:nvSpPr>
+          <p:cNvPr id="278" name="椭圆 277"/>
+          <p:cNvSpPr/>
+          <p:nvPr/>
+        </p:nvSpPr>
+        <p:spPr>
+          <a:xfrm>
+            <a:off x="9952990" y="2897505"/>
+            <a:ext cx="88265" cy="98425"/>
+          </a:xfrm>
+          <a:prstGeom prst="ellipse">
+            <a:avLst/>
+          </a:prstGeom>
+          <a:noFill/>
+          <a:ln w="6350">
+            <a:solidFill>
+              <a:schemeClr val="tx1"/>
+            </a:solidFill>
+          </a:ln>
+          <a:extLst>
+            <a:ext uri="{909E8E84-426E-40DD-AFC4-6F175D3DCCD1}">
+              <a14:hiddenFill xmlns:a14="http://schemas.microsoft.com/office/drawing/2010/main">
+                <a:solidFill>
+                  <a:srgbClr val="00B050"/>
+                </a:solidFill>
+              </a14:hiddenFill>
+            </a:ext>
+          </a:extLst>
+        </p:spPr>
+        <p:style>
+          <a:lnRef idx="2">
+            <a:schemeClr val="accent1">
+              <a:shade val="50000"/>
+            </a:schemeClr>
+          </a:lnRef>
+          <a:fillRef idx="1">
+            <a:schemeClr val="accent1"/>
+          </a:fillRef>
+          <a:effectRef idx="0">
+            <a:schemeClr val="accent1"/>
+          </a:effectRef>
+          <a:fontRef idx="minor">
+            <a:schemeClr val="lt1"/>
+          </a:fontRef>
+        </p:style>
+        <p:txBody>
+          <a:bodyPr vertOverflow="overflow" horzOverflow="overflow" vert="horz" wrap="square" numCol="1" spcCol="0" rtlCol="0" fromWordArt="0" anchor="ctr" anchorCtr="0" forceAA="0" compatLnSpc="1">
+            <a:noAutofit/>
+          </a:bodyPr>
+          <a:p>
+            <a:pPr lvl="0" algn="ctr"/>
+            <a:endParaRPr lang="zh-CN" altLang="en-US">
+              <a:sym typeface="+mn-ea"/>
+            </a:endParaRPr>
+          </a:p>
+        </p:txBody>
+      </p:sp>
+      <p:sp>
+        <p:nvSpPr>
+          <p:cNvPr id="279" name="椭圆 278"/>
+          <p:cNvSpPr/>
+          <p:nvPr/>
+        </p:nvSpPr>
+        <p:spPr>
+          <a:xfrm>
+            <a:off x="9458960" y="3218815"/>
+            <a:ext cx="88265" cy="98425"/>
+          </a:xfrm>
+          <a:prstGeom prst="ellipse">
+            <a:avLst/>
+          </a:prstGeom>
+          <a:noFill/>
+          <a:ln w="6350">
+            <a:solidFill>
+              <a:schemeClr val="tx1"/>
+            </a:solidFill>
+          </a:ln>
+          <a:extLst>
+            <a:ext uri="{909E8E84-426E-40DD-AFC4-6F175D3DCCD1}">
+              <a14:hiddenFill xmlns:a14="http://schemas.microsoft.com/office/drawing/2010/main">
+                <a:solidFill>
+                  <a:srgbClr val="00B050"/>
+                </a:solidFill>
+              </a14:hiddenFill>
+            </a:ext>
+          </a:extLst>
+        </p:spPr>
+        <p:style>
+          <a:lnRef idx="2">
+            <a:schemeClr val="accent1">
+              <a:shade val="50000"/>
+            </a:schemeClr>
+          </a:lnRef>
+          <a:fillRef idx="1">
+            <a:schemeClr val="accent1"/>
+          </a:fillRef>
+          <a:effectRef idx="0">
+            <a:schemeClr val="accent1"/>
+          </a:effectRef>
+          <a:fontRef idx="minor">
+            <a:schemeClr val="lt1"/>
+          </a:fontRef>
+        </p:style>
+        <p:txBody>
+          <a:bodyPr vertOverflow="overflow" horzOverflow="overflow" vert="horz" wrap="square" numCol="1" spcCol="0" rtlCol="0" fromWordArt="0" anchor="ctr" anchorCtr="0" forceAA="0" compatLnSpc="1">
+            <a:noAutofit/>
+          </a:bodyPr>
+          <a:p>
+            <a:pPr lvl="0" algn="ctr"/>
+            <a:endParaRPr lang="zh-CN" altLang="en-US">
+              <a:sym typeface="+mn-ea"/>
+            </a:endParaRPr>
+          </a:p>
+        </p:txBody>
+      </p:sp>
+      <p:sp>
+        <p:nvSpPr>
+          <p:cNvPr id="280" name="椭圆 279"/>
+          <p:cNvSpPr/>
+          <p:nvPr/>
+        </p:nvSpPr>
+        <p:spPr>
+          <a:xfrm>
+            <a:off x="9211310" y="3735705"/>
+            <a:ext cx="88265" cy="98425"/>
+          </a:xfrm>
+          <a:prstGeom prst="ellipse">
+            <a:avLst/>
+          </a:prstGeom>
+          <a:noFill/>
+          <a:ln w="6350">
+            <a:solidFill>
+              <a:schemeClr val="tx1"/>
+            </a:solidFill>
+          </a:ln>
+          <a:extLst>
+            <a:ext uri="{909E8E84-426E-40DD-AFC4-6F175D3DCCD1}">
+              <a14:hiddenFill xmlns:a14="http://schemas.microsoft.com/office/drawing/2010/main">
+                <a:solidFill>
+                  <a:srgbClr val="00B050"/>
+                </a:solidFill>
+              </a14:hiddenFill>
+            </a:ext>
+          </a:extLst>
+        </p:spPr>
+        <p:style>
+          <a:lnRef idx="2">
+            <a:schemeClr val="accent1">
+              <a:shade val="50000"/>
+            </a:schemeClr>
+          </a:lnRef>
+          <a:fillRef idx="1">
+            <a:schemeClr val="accent1"/>
+          </a:fillRef>
+          <a:effectRef idx="0">
+            <a:schemeClr val="accent1"/>
+          </a:effectRef>
+          <a:fontRef idx="minor">
+            <a:schemeClr val="lt1"/>
+          </a:fontRef>
+        </p:style>
+        <p:txBody>
+          <a:bodyPr vertOverflow="overflow" horzOverflow="overflow" vert="horz" wrap="square" numCol="1" spcCol="0" rtlCol="0" fromWordArt="0" anchor="ctr" anchorCtr="0" forceAA="0" compatLnSpc="1">
+            <a:noAutofit/>
+          </a:bodyPr>
+          <a:p>
+            <a:pPr lvl="0" algn="ctr"/>
+            <a:endParaRPr lang="zh-CN" altLang="en-US">
+              <a:sym typeface="+mn-ea"/>
+            </a:endParaRPr>
+          </a:p>
+        </p:txBody>
+      </p:sp>
+      <p:sp>
+        <p:nvSpPr>
+          <p:cNvPr id="281" name="椭圆 280"/>
+          <p:cNvSpPr/>
+          <p:nvPr/>
+        </p:nvSpPr>
+        <p:spPr>
+          <a:xfrm>
+            <a:off x="9299575" y="4382135"/>
+            <a:ext cx="88265" cy="98425"/>
+          </a:xfrm>
+          <a:prstGeom prst="ellipse">
+            <a:avLst/>
+          </a:prstGeom>
+          <a:noFill/>
+          <a:ln w="6350">
+            <a:solidFill>
+              <a:schemeClr val="tx1"/>
+            </a:solidFill>
+          </a:ln>
+          <a:extLst>
+            <a:ext uri="{909E8E84-426E-40DD-AFC4-6F175D3DCCD1}">
+              <a14:hiddenFill xmlns:a14="http://schemas.microsoft.com/office/drawing/2010/main">
+                <a:solidFill>
+                  <a:srgbClr val="00B050"/>
+                </a:solidFill>
+              </a14:hiddenFill>
+            </a:ext>
+          </a:extLst>
+        </p:spPr>
+        <p:style>
+          <a:lnRef idx="2">
+            <a:schemeClr val="accent1">
+              <a:shade val="50000"/>
+            </a:schemeClr>
+          </a:lnRef>
+          <a:fillRef idx="1">
+            <a:schemeClr val="accent1"/>
+          </a:fillRef>
+          <a:effectRef idx="0">
+            <a:schemeClr val="accent1"/>
+          </a:effectRef>
+          <a:fontRef idx="minor">
+            <a:schemeClr val="lt1"/>
+          </a:fontRef>
+        </p:style>
+        <p:txBody>
+          <a:bodyPr vertOverflow="overflow" horzOverflow="overflow" vert="horz" wrap="square" numCol="1" spcCol="0" rtlCol="0" fromWordArt="0" anchor="ctr" anchorCtr="0" forceAA="0" compatLnSpc="1">
+            <a:noAutofit/>
+          </a:bodyPr>
+          <a:p>
+            <a:pPr lvl="0" algn="ctr"/>
+            <a:endParaRPr lang="zh-CN" altLang="en-US">
+              <a:sym typeface="+mn-ea"/>
+            </a:endParaRPr>
+          </a:p>
+        </p:txBody>
+      </p:sp>
+      <p:sp>
+        <p:nvSpPr>
+          <p:cNvPr id="282" name="椭圆 281"/>
+          <p:cNvSpPr/>
+          <p:nvPr/>
+        </p:nvSpPr>
+        <p:spPr>
+          <a:xfrm>
+            <a:off x="9801225" y="4851400"/>
+            <a:ext cx="88265" cy="98425"/>
+          </a:xfrm>
+          <a:prstGeom prst="ellipse">
+            <a:avLst/>
+          </a:prstGeom>
+          <a:noFill/>
+          <a:ln w="6350">
+            <a:solidFill>
+              <a:schemeClr val="tx1"/>
+            </a:solidFill>
+          </a:ln>
+          <a:extLst>
+            <a:ext uri="{909E8E84-426E-40DD-AFC4-6F175D3DCCD1}">
+              <a14:hiddenFill xmlns:a14="http://schemas.microsoft.com/office/drawing/2010/main">
+                <a:solidFill>
+                  <a:srgbClr val="00B050"/>
+                </a:solidFill>
+              </a14:hiddenFill>
+            </a:ext>
+          </a:extLst>
+        </p:spPr>
+        <p:style>
+          <a:lnRef idx="2">
+            <a:schemeClr val="accent1">
+              <a:shade val="50000"/>
+            </a:schemeClr>
+          </a:lnRef>
+          <a:fillRef idx="1">
+            <a:schemeClr val="accent1"/>
+          </a:fillRef>
+          <a:effectRef idx="0">
+            <a:schemeClr val="accent1"/>
+          </a:effectRef>
+          <a:fontRef idx="minor">
+            <a:schemeClr val="lt1"/>
+          </a:fontRef>
+        </p:style>
+        <p:txBody>
+          <a:bodyPr vertOverflow="overflow" horzOverflow="overflow" vert="horz" wrap="square" numCol="1" spcCol="0" rtlCol="0" fromWordArt="0" anchor="ctr" anchorCtr="0" forceAA="0" compatLnSpc="1">
+            <a:noAutofit/>
+          </a:bodyPr>
+          <a:p>
+            <a:pPr lvl="0" algn="ctr"/>
+            <a:endParaRPr lang="zh-CN" altLang="en-US">
+              <a:sym typeface="+mn-ea"/>
+            </a:endParaRPr>
+          </a:p>
+        </p:txBody>
+      </p:sp>
+      <p:sp>
+        <p:nvSpPr>
+          <p:cNvPr id="283" name="椭圆 282"/>
+          <p:cNvSpPr/>
+          <p:nvPr/>
+        </p:nvSpPr>
+        <p:spPr>
+          <a:xfrm>
+            <a:off x="10355580" y="4949825"/>
+            <a:ext cx="88265" cy="98425"/>
+          </a:xfrm>
+          <a:prstGeom prst="ellipse">
+            <a:avLst/>
+          </a:prstGeom>
+          <a:noFill/>
+          <a:ln w="6350">
+            <a:solidFill>
+              <a:schemeClr val="tx1"/>
+            </a:solidFill>
+          </a:ln>
+          <a:extLst>
+            <a:ext uri="{909E8E84-426E-40DD-AFC4-6F175D3DCCD1}">
+              <a14:hiddenFill xmlns:a14="http://schemas.microsoft.com/office/drawing/2010/main">
+                <a:solidFill>
+                  <a:srgbClr val="00B050"/>
+                </a:solidFill>
+              </a14:hiddenFill>
+            </a:ext>
+          </a:extLst>
+        </p:spPr>
+        <p:style>
+          <a:lnRef idx="2">
+            <a:schemeClr val="accent1">
+              <a:shade val="50000"/>
+            </a:schemeClr>
+          </a:lnRef>
+          <a:fillRef idx="1">
+            <a:schemeClr val="accent1"/>
+          </a:fillRef>
+          <a:effectRef idx="0">
+            <a:schemeClr val="accent1"/>
+          </a:effectRef>
+          <a:fontRef idx="minor">
+            <a:schemeClr val="lt1"/>
+          </a:fontRef>
+        </p:style>
+        <p:txBody>
+          <a:bodyPr vertOverflow="overflow" horzOverflow="overflow" vert="horz" wrap="square" numCol="1" spcCol="0" rtlCol="0" fromWordArt="0" anchor="ctr" anchorCtr="0" forceAA="0" compatLnSpc="1">
+            <a:noAutofit/>
+          </a:bodyPr>
+          <a:p>
+            <a:pPr lvl="0" algn="ctr"/>
+            <a:endParaRPr lang="zh-CN" altLang="en-US">
+              <a:sym typeface="+mn-ea"/>
+            </a:endParaRPr>
+          </a:p>
+        </p:txBody>
+      </p:sp>
+      <p:sp>
+        <p:nvSpPr>
+          <p:cNvPr id="284" name="椭圆 283"/>
+          <p:cNvSpPr/>
+          <p:nvPr/>
+        </p:nvSpPr>
+        <p:spPr>
+          <a:xfrm>
+            <a:off x="10356215" y="2670175"/>
+            <a:ext cx="88265" cy="98425"/>
+          </a:xfrm>
+          <a:prstGeom prst="ellipse">
+            <a:avLst/>
+          </a:prstGeom>
+          <a:noFill/>
+          <a:ln w="6350">
+            <a:solidFill>
+              <a:schemeClr val="tx1"/>
+            </a:solidFill>
+          </a:ln>
+          <a:extLst>
+            <a:ext uri="{909E8E84-426E-40DD-AFC4-6F175D3DCCD1}">
+              <a14:hiddenFill xmlns:a14="http://schemas.microsoft.com/office/drawing/2010/main">
+                <a:solidFill>
+                  <a:srgbClr val="00B050"/>
+                </a:solidFill>
+              </a14:hiddenFill>
+            </a:ext>
+          </a:extLst>
+        </p:spPr>
+        <p:style>
+          <a:lnRef idx="2">
+            <a:schemeClr val="accent1">
+              <a:shade val="50000"/>
+            </a:schemeClr>
+          </a:lnRef>
+          <a:fillRef idx="1">
+            <a:schemeClr val="accent1"/>
+          </a:fillRef>
+          <a:effectRef idx="0">
+            <a:schemeClr val="accent1"/>
+          </a:effectRef>
+          <a:fontRef idx="minor">
+            <a:schemeClr val="lt1"/>
+          </a:fontRef>
+        </p:style>
+        <p:txBody>
+          <a:bodyPr vertOverflow="overflow" horzOverflow="overflow" vert="horz" wrap="square" numCol="1" spcCol="0" rtlCol="0" fromWordArt="0" anchor="ctr" anchorCtr="0" forceAA="0" compatLnSpc="1">
+            <a:noAutofit/>
+          </a:bodyPr>
+          <a:p>
+            <a:pPr lvl="0" algn="ctr"/>
+            <a:endParaRPr lang="zh-CN" altLang="en-US">
+              <a:sym typeface="+mn-ea"/>
+            </a:endParaRPr>
+          </a:p>
+        </p:txBody>
+      </p:sp>
+      <p:sp>
+        <p:nvSpPr>
+          <p:cNvPr id="285" name="椭圆 284"/>
+          <p:cNvSpPr/>
+          <p:nvPr/>
+        </p:nvSpPr>
+        <p:spPr>
+          <a:xfrm>
+            <a:off x="11186795" y="3669665"/>
+            <a:ext cx="88265" cy="98425"/>
+          </a:xfrm>
+          <a:prstGeom prst="ellipse">
+            <a:avLst/>
+          </a:prstGeom>
+          <a:solidFill>
+            <a:srgbClr val="FF0000"/>
+          </a:solidFill>
+          <a:ln w="6350">
+            <a:solidFill>
+              <a:srgbClr val="FF0000"/>
+            </a:solidFill>
+          </a:ln>
+        </p:spPr>
+        <p:style>
+          <a:lnRef idx="2">
+            <a:schemeClr val="accent1">
+              <a:shade val="50000"/>
+            </a:schemeClr>
+          </a:lnRef>
+          <a:fillRef idx="1">
+            <a:schemeClr val="accent1"/>
+          </a:fillRef>
+          <a:effectRef idx="0">
+            <a:schemeClr val="accent1"/>
+          </a:effectRef>
+          <a:fontRef idx="minor">
+            <a:schemeClr val="lt1"/>
+          </a:fontRef>
+        </p:style>
+        <p:txBody>
+          <a:bodyPr vertOverflow="overflow" horzOverflow="overflow" vert="horz" wrap="square" numCol="1" spcCol="0" rtlCol="0" fromWordArt="0" anchor="ctr" anchorCtr="0" forceAA="0" compatLnSpc="1">
+            <a:noAutofit/>
+          </a:bodyPr>
+          <a:p>
+            <a:pPr lvl="0" algn="ctr"/>
+            <a:endParaRPr lang="zh-CN" altLang="en-US">
+              <a:sym typeface="+mn-ea"/>
+            </a:endParaRPr>
+          </a:p>
+        </p:txBody>
+      </p:sp>
+      <p:sp>
+        <p:nvSpPr>
+          <p:cNvPr id="286" name="椭圆 285"/>
+          <p:cNvSpPr/>
+          <p:nvPr/>
+        </p:nvSpPr>
+        <p:spPr>
+          <a:xfrm>
+            <a:off x="11486515" y="2768600"/>
+            <a:ext cx="88265" cy="98425"/>
+          </a:xfrm>
+          <a:prstGeom prst="ellipse">
+            <a:avLst/>
+          </a:prstGeom>
+          <a:noFill/>
+          <a:ln w="6350">
+            <a:solidFill>
+              <a:schemeClr val="tx1"/>
+            </a:solidFill>
+          </a:ln>
+          <a:extLst>
+            <a:ext uri="{909E8E84-426E-40DD-AFC4-6F175D3DCCD1}">
+              <a14:hiddenFill xmlns:a14="http://schemas.microsoft.com/office/drawing/2010/main">
+                <a:solidFill>
+                  <a:srgbClr val="00B050"/>
+                </a:solidFill>
+              </a14:hiddenFill>
+            </a:ext>
+          </a:extLst>
+        </p:spPr>
+        <p:style>
+          <a:lnRef idx="2">
+            <a:schemeClr val="accent1">
+              <a:shade val="50000"/>
+            </a:schemeClr>
+          </a:lnRef>
+          <a:fillRef idx="1">
+            <a:schemeClr val="accent1"/>
+          </a:fillRef>
+          <a:effectRef idx="0">
+            <a:schemeClr val="accent1"/>
+          </a:effectRef>
+          <a:fontRef idx="minor">
+            <a:schemeClr val="lt1"/>
+          </a:fontRef>
+        </p:style>
+        <p:txBody>
+          <a:bodyPr vertOverflow="overflow" horzOverflow="overflow" vert="horz" wrap="square" numCol="1" spcCol="0" rtlCol="0" fromWordArt="0" anchor="ctr" anchorCtr="0" forceAA="0" compatLnSpc="1">
+            <a:noAutofit/>
+          </a:bodyPr>
+          <a:p>
+            <a:pPr lvl="0" algn="ctr"/>
+            <a:endParaRPr lang="zh-CN" altLang="en-US">
+              <a:sym typeface="+mn-ea"/>
+            </a:endParaRPr>
+          </a:p>
+        </p:txBody>
+      </p:sp>
+      <p:sp>
+        <p:nvSpPr>
+          <p:cNvPr id="287" name="椭圆 286"/>
+          <p:cNvSpPr/>
+          <p:nvPr/>
+        </p:nvSpPr>
+        <p:spPr>
+          <a:xfrm>
+            <a:off x="10876280" y="4851400"/>
+            <a:ext cx="88265" cy="98425"/>
+          </a:xfrm>
+          <a:prstGeom prst="ellipse">
+            <a:avLst/>
+          </a:prstGeom>
+          <a:noFill/>
+          <a:ln w="6350">
+            <a:solidFill>
+              <a:schemeClr val="tx1"/>
+            </a:solidFill>
+          </a:ln>
+          <a:extLst>
+            <a:ext uri="{909E8E84-426E-40DD-AFC4-6F175D3DCCD1}">
+              <a14:hiddenFill xmlns:a14="http://schemas.microsoft.com/office/drawing/2010/main">
+                <a:solidFill>
+                  <a:srgbClr val="00B050"/>
+                </a:solidFill>
+              </a14:hiddenFill>
+            </a:ext>
+          </a:extLst>
+        </p:spPr>
+        <p:style>
+          <a:lnRef idx="2">
+            <a:schemeClr val="accent1">
+              <a:shade val="50000"/>
+            </a:schemeClr>
+          </a:lnRef>
+          <a:fillRef idx="1">
+            <a:schemeClr val="accent1"/>
+          </a:fillRef>
+          <a:effectRef idx="0">
+            <a:schemeClr val="accent1"/>
+          </a:effectRef>
+          <a:fontRef idx="minor">
+            <a:schemeClr val="lt1"/>
+          </a:fontRef>
+        </p:style>
+        <p:txBody>
+          <a:bodyPr vertOverflow="overflow" horzOverflow="overflow" vert="horz" wrap="square" numCol="1" spcCol="0" rtlCol="0" fromWordArt="0" anchor="ctr" anchorCtr="0" forceAA="0" compatLnSpc="1">
+            <a:noAutofit/>
+          </a:bodyPr>
+          <a:p>
+            <a:pPr lvl="0" algn="ctr"/>
+            <a:endParaRPr lang="zh-CN" altLang="en-US">
+              <a:sym typeface="+mn-ea"/>
+            </a:endParaRPr>
+          </a:p>
+        </p:txBody>
+      </p:sp>
+      <p:sp>
+        <p:nvSpPr>
+          <p:cNvPr id="288" name="椭圆 287"/>
+          <p:cNvSpPr/>
+          <p:nvPr/>
+        </p:nvSpPr>
+        <p:spPr>
+          <a:xfrm>
+            <a:off x="11398250" y="4563110"/>
+            <a:ext cx="88265" cy="98425"/>
+          </a:xfrm>
+          <a:prstGeom prst="ellipse">
+            <a:avLst/>
+          </a:prstGeom>
+          <a:noFill/>
+          <a:ln w="6350">
+            <a:solidFill>
+              <a:schemeClr val="tx1"/>
+            </a:solidFill>
+          </a:ln>
+          <a:extLst>
+            <a:ext uri="{909E8E84-426E-40DD-AFC4-6F175D3DCCD1}">
+              <a14:hiddenFill xmlns:a14="http://schemas.microsoft.com/office/drawing/2010/main">
+                <a:solidFill>
+                  <a:srgbClr val="00B050"/>
+                </a:solidFill>
+              </a14:hiddenFill>
+            </a:ext>
+          </a:extLst>
+        </p:spPr>
+        <p:style>
+          <a:lnRef idx="2">
+            <a:schemeClr val="accent1">
+              <a:shade val="50000"/>
+            </a:schemeClr>
+          </a:lnRef>
+          <a:fillRef idx="1">
+            <a:schemeClr val="accent1"/>
+          </a:fillRef>
+          <a:effectRef idx="0">
+            <a:schemeClr val="accent1"/>
+          </a:effectRef>
+          <a:fontRef idx="minor">
+            <a:schemeClr val="lt1"/>
+          </a:fontRef>
+        </p:style>
+        <p:txBody>
+          <a:bodyPr vertOverflow="overflow" horzOverflow="overflow" vert="horz" wrap="square" numCol="1" spcCol="0" rtlCol="0" fromWordArt="0" anchor="ctr" anchorCtr="0" forceAA="0" compatLnSpc="1">
+            <a:noAutofit/>
+          </a:bodyPr>
+          <a:p>
+            <a:pPr lvl="0" algn="ctr"/>
+            <a:endParaRPr lang="zh-CN" altLang="en-US">
+              <a:sym typeface="+mn-ea"/>
+            </a:endParaRPr>
+          </a:p>
+        </p:txBody>
+      </p:sp>
+      <p:sp>
+        <p:nvSpPr>
+          <p:cNvPr id="289" name="椭圆 288"/>
+          <p:cNvSpPr/>
+          <p:nvPr/>
+        </p:nvSpPr>
+        <p:spPr>
+          <a:xfrm>
+            <a:off x="11712575" y="3094355"/>
+            <a:ext cx="88265" cy="98425"/>
+          </a:xfrm>
+          <a:prstGeom prst="ellipse">
+            <a:avLst/>
+          </a:prstGeom>
+          <a:noFill/>
+          <a:ln w="6350">
+            <a:solidFill>
+              <a:schemeClr val="tx1"/>
+            </a:solidFill>
+          </a:ln>
+          <a:extLst>
+            <a:ext uri="{909E8E84-426E-40DD-AFC4-6F175D3DCCD1}">
+              <a14:hiddenFill xmlns:a14="http://schemas.microsoft.com/office/drawing/2010/main">
+                <a:solidFill>
+                  <a:srgbClr val="00B050"/>
+                </a:solidFill>
+              </a14:hiddenFill>
+            </a:ext>
+          </a:extLst>
+        </p:spPr>
+        <p:style>
+          <a:lnRef idx="2">
+            <a:schemeClr val="accent1">
+              <a:shade val="50000"/>
+            </a:schemeClr>
+          </a:lnRef>
+          <a:fillRef idx="1">
+            <a:schemeClr val="accent1"/>
+          </a:fillRef>
+          <a:effectRef idx="0">
+            <a:schemeClr val="accent1"/>
+          </a:effectRef>
+          <a:fontRef idx="minor">
+            <a:schemeClr val="lt1"/>
+          </a:fontRef>
+        </p:style>
+        <p:txBody>
+          <a:bodyPr vertOverflow="overflow" horzOverflow="overflow" vert="horz" wrap="square" numCol="1" spcCol="0" rtlCol="0" fromWordArt="0" anchor="ctr" anchorCtr="0" forceAA="0" compatLnSpc="1">
+            <a:noAutofit/>
+          </a:bodyPr>
+          <a:p>
+            <a:pPr lvl="0" algn="ctr"/>
+            <a:endParaRPr lang="zh-CN" altLang="en-US">
+              <a:sym typeface="+mn-ea"/>
+            </a:endParaRPr>
+          </a:p>
+        </p:txBody>
+      </p:sp>
+      <p:sp>
+        <p:nvSpPr>
+          <p:cNvPr id="290" name="椭圆 289"/>
+          <p:cNvSpPr/>
+          <p:nvPr/>
+        </p:nvSpPr>
+        <p:spPr>
+          <a:xfrm>
+            <a:off x="10553700" y="3853180"/>
+            <a:ext cx="88265" cy="98425"/>
+          </a:xfrm>
+          <a:prstGeom prst="ellipse">
+            <a:avLst/>
+          </a:prstGeom>
+          <a:solidFill>
+            <a:schemeClr val="tx1"/>
+          </a:solidFill>
+          <a:ln w="6350">
+            <a:solidFill>
+              <a:schemeClr val="tx1"/>
+            </a:solidFill>
+          </a:ln>
+        </p:spPr>
+        <p:style>
+          <a:lnRef idx="2">
+            <a:schemeClr val="accent1">
+              <a:shade val="50000"/>
+            </a:schemeClr>
+          </a:lnRef>
+          <a:fillRef idx="1">
+            <a:schemeClr val="accent1"/>
+          </a:fillRef>
+          <a:effectRef idx="0">
+            <a:schemeClr val="accent1"/>
+          </a:effectRef>
+          <a:fontRef idx="minor">
+            <a:schemeClr val="lt1"/>
+          </a:fontRef>
+        </p:style>
+        <p:txBody>
+          <a:bodyPr vertOverflow="overflow" horzOverflow="overflow" vert="horz" wrap="square" numCol="1" spcCol="0" rtlCol="0" fromWordArt="0" anchor="ctr" anchorCtr="0" forceAA="0" compatLnSpc="1">
+            <a:noAutofit/>
+          </a:bodyPr>
+          <a:p>
+            <a:pPr lvl="0" algn="ctr"/>
+            <a:endParaRPr lang="zh-CN" altLang="en-US">
+              <a:sym typeface="+mn-ea"/>
+            </a:endParaRPr>
+          </a:p>
+        </p:txBody>
+      </p:sp>
+      <p:sp>
+        <p:nvSpPr>
+          <p:cNvPr id="291" name="椭圆 290"/>
+          <p:cNvSpPr/>
+          <p:nvPr/>
+        </p:nvSpPr>
+        <p:spPr>
+          <a:xfrm>
+            <a:off x="11574780" y="4114165"/>
+            <a:ext cx="88265" cy="98425"/>
+          </a:xfrm>
+          <a:prstGeom prst="ellipse">
+            <a:avLst/>
+          </a:prstGeom>
+          <a:noFill/>
+          <a:ln w="6350">
+            <a:solidFill>
+              <a:schemeClr val="tx1"/>
+            </a:solidFill>
+          </a:ln>
+          <a:extLst>
+            <a:ext uri="{909E8E84-426E-40DD-AFC4-6F175D3DCCD1}">
+              <a14:hiddenFill xmlns:a14="http://schemas.microsoft.com/office/drawing/2010/main">
+                <a:solidFill>
+                  <a:srgbClr val="00B050"/>
+                </a:solidFill>
+              </a14:hiddenFill>
+            </a:ext>
+          </a:extLst>
+        </p:spPr>
+        <p:style>
+          <a:lnRef idx="2">
+            <a:schemeClr val="accent1">
+              <a:shade val="50000"/>
+            </a:schemeClr>
+          </a:lnRef>
+          <a:fillRef idx="1">
+            <a:schemeClr val="accent1"/>
+          </a:fillRef>
+          <a:effectRef idx="0">
+            <a:schemeClr val="accent1"/>
+          </a:effectRef>
+          <a:fontRef idx="minor">
+            <a:schemeClr val="lt1"/>
+          </a:fontRef>
+        </p:style>
+        <p:txBody>
+          <a:bodyPr vertOverflow="overflow" horzOverflow="overflow" vert="horz" wrap="square" numCol="1" spcCol="0" rtlCol="0" fromWordArt="0" anchor="ctr" anchorCtr="0" forceAA="0" compatLnSpc="1">
+            <a:noAutofit/>
+          </a:bodyPr>
+          <a:p>
+            <a:pPr lvl="0" algn="ctr"/>
+            <a:endParaRPr lang="zh-CN" altLang="en-US">
+              <a:sym typeface="+mn-ea"/>
+            </a:endParaRPr>
+          </a:p>
+        </p:txBody>
+      </p:sp>
+      <p:sp>
+        <p:nvSpPr>
+          <p:cNvPr id="292" name="椭圆 291"/>
+          <p:cNvSpPr/>
+          <p:nvPr/>
+        </p:nvSpPr>
+        <p:spPr>
+          <a:xfrm>
+            <a:off x="11712575" y="3591560"/>
+            <a:ext cx="88265" cy="98425"/>
+          </a:xfrm>
+          <a:prstGeom prst="ellipse">
+            <a:avLst/>
+          </a:prstGeom>
+          <a:noFill/>
+          <a:ln w="6350">
+            <a:solidFill>
+              <a:schemeClr val="tx1"/>
+            </a:solidFill>
+          </a:ln>
+          <a:extLst>
+            <a:ext uri="{909E8E84-426E-40DD-AFC4-6F175D3DCCD1}">
+              <a14:hiddenFill xmlns:a14="http://schemas.microsoft.com/office/drawing/2010/main">
+                <a:solidFill>
+                  <a:srgbClr val="00B050"/>
+                </a:solidFill>
+              </a14:hiddenFill>
+            </a:ext>
+          </a:extLst>
+        </p:spPr>
+        <p:style>
+          <a:lnRef idx="2">
+            <a:schemeClr val="accent1">
+              <a:shade val="50000"/>
+            </a:schemeClr>
+          </a:lnRef>
+          <a:fillRef idx="1">
+            <a:schemeClr val="accent1"/>
+          </a:fillRef>
+          <a:effectRef idx="0">
+            <a:schemeClr val="accent1"/>
+          </a:effectRef>
+          <a:fontRef idx="minor">
+            <a:schemeClr val="lt1"/>
+          </a:fontRef>
+        </p:style>
+        <p:txBody>
+          <a:bodyPr vertOverflow="overflow" horzOverflow="overflow" vert="horz" wrap="square" numCol="1" spcCol="0" rtlCol="0" fromWordArt="0" anchor="ctr" anchorCtr="0" forceAA="0" compatLnSpc="1">
+            <a:noAutofit/>
+          </a:bodyPr>
+          <a:p>
+            <a:pPr lvl="0" algn="ctr"/>
+            <a:endParaRPr lang="zh-CN" altLang="en-US">
+              <a:sym typeface="+mn-ea"/>
+            </a:endParaRPr>
+          </a:p>
+        </p:txBody>
+      </p:sp>
+      <p:sp>
+        <p:nvSpPr>
+          <p:cNvPr id="293" name="椭圆 292"/>
+          <p:cNvSpPr/>
+          <p:nvPr/>
+        </p:nvSpPr>
+        <p:spPr>
+          <a:xfrm>
+            <a:off x="10964545" y="2670175"/>
+            <a:ext cx="88265" cy="98425"/>
+          </a:xfrm>
+          <a:prstGeom prst="ellipse">
+            <a:avLst/>
+          </a:prstGeom>
+          <a:noFill/>
+          <a:ln w="6350">
+            <a:solidFill>
+              <a:schemeClr val="tx1"/>
+            </a:solidFill>
+          </a:ln>
+          <a:extLst>
+            <a:ext uri="{909E8E84-426E-40DD-AFC4-6F175D3DCCD1}">
+              <a14:hiddenFill xmlns:a14="http://schemas.microsoft.com/office/drawing/2010/main">
+                <a:solidFill>
+                  <a:srgbClr val="00B050"/>
+                </a:solidFill>
+              </a14:hiddenFill>
+            </a:ext>
+          </a:extLst>
+        </p:spPr>
+        <p:style>
+          <a:lnRef idx="2">
+            <a:schemeClr val="accent1">
+              <a:shade val="50000"/>
+            </a:schemeClr>
+          </a:lnRef>
+          <a:fillRef idx="1">
+            <a:schemeClr val="accent1"/>
+          </a:fillRef>
+          <a:effectRef idx="0">
+            <a:schemeClr val="accent1"/>
+          </a:effectRef>
+          <a:fontRef idx="minor">
+            <a:schemeClr val="lt1"/>
+          </a:fontRef>
+        </p:style>
+        <p:txBody>
+          <a:bodyPr vertOverflow="overflow" horzOverflow="overflow" vert="horz" wrap="square" numCol="1" spcCol="0" rtlCol="0" fromWordArt="0" anchor="ctr" anchorCtr="0" forceAA="0" compatLnSpc="1">
+            <a:noAutofit/>
+          </a:bodyPr>
+          <a:p>
+            <a:pPr lvl="0" algn="ctr"/>
+            <a:endParaRPr lang="zh-CN" altLang="en-US">
+              <a:sym typeface="+mn-ea"/>
+            </a:endParaRPr>
+          </a:p>
+        </p:txBody>
+      </p:sp>
+      <p:sp>
+        <p:nvSpPr>
+          <p:cNvPr id="294" name="椭圆 293"/>
+          <p:cNvSpPr/>
+          <p:nvPr/>
+        </p:nvSpPr>
+        <p:spPr>
+          <a:xfrm>
+            <a:off x="10041255" y="3583305"/>
+            <a:ext cx="88265" cy="98425"/>
+          </a:xfrm>
+          <a:prstGeom prst="ellipse">
+            <a:avLst/>
+          </a:prstGeom>
+          <a:solidFill>
+            <a:srgbClr val="FF0000"/>
+          </a:solidFill>
+          <a:ln w="6350">
+            <a:solidFill>
+              <a:srgbClr val="FF0000"/>
+            </a:solidFill>
+          </a:ln>
+        </p:spPr>
+        <p:style>
+          <a:lnRef idx="2">
+            <a:schemeClr val="accent1">
+              <a:shade val="50000"/>
+            </a:schemeClr>
+          </a:lnRef>
+          <a:fillRef idx="1">
+            <a:schemeClr val="accent1"/>
+          </a:fillRef>
+          <a:effectRef idx="0">
+            <a:schemeClr val="accent1"/>
+          </a:effectRef>
+          <a:fontRef idx="minor">
+            <a:schemeClr val="lt1"/>
+          </a:fontRef>
+        </p:style>
+        <p:txBody>
+          <a:bodyPr vertOverflow="overflow" horzOverflow="overflow" vert="horz" wrap="square" numCol="1" spcCol="0" rtlCol="0" fromWordArt="0" anchor="ctr" anchorCtr="0" forceAA="0" compatLnSpc="1">
+            <a:noAutofit/>
+          </a:bodyPr>
+          <a:p>
+            <a:pPr lvl="0" algn="ctr"/>
+            <a:endParaRPr lang="zh-CN" altLang="en-US">
+              <a:sym typeface="+mn-ea"/>
+            </a:endParaRPr>
+          </a:p>
+        </p:txBody>
+      </p:sp>
+      <p:sp>
+        <p:nvSpPr>
+          <p:cNvPr id="295" name="椭圆 294"/>
+          <p:cNvSpPr/>
+          <p:nvPr/>
+        </p:nvSpPr>
+        <p:spPr>
+          <a:xfrm>
+            <a:off x="10465435" y="3277235"/>
+            <a:ext cx="88265" cy="98425"/>
+          </a:xfrm>
+          <a:prstGeom prst="ellipse">
+            <a:avLst/>
+          </a:prstGeom>
+          <a:solidFill>
+            <a:srgbClr val="FF0000"/>
+          </a:solidFill>
+          <a:ln w="6350">
+            <a:solidFill>
+              <a:srgbClr val="FF0000"/>
+            </a:solidFill>
+          </a:ln>
+        </p:spPr>
+        <p:style>
+          <a:lnRef idx="2">
+            <a:schemeClr val="accent1">
+              <a:shade val="50000"/>
+            </a:schemeClr>
+          </a:lnRef>
+          <a:fillRef idx="1">
+            <a:schemeClr val="accent1"/>
+          </a:fillRef>
+          <a:effectRef idx="0">
+            <a:schemeClr val="accent1"/>
+          </a:effectRef>
+          <a:fontRef idx="minor">
+            <a:schemeClr val="lt1"/>
+          </a:fontRef>
+        </p:style>
+        <p:txBody>
+          <a:bodyPr vertOverflow="overflow" horzOverflow="overflow" vert="horz" wrap="square" numCol="1" spcCol="0" rtlCol="0" fromWordArt="0" anchor="ctr" anchorCtr="0" forceAA="0" compatLnSpc="1">
+            <a:noAutofit/>
+          </a:bodyPr>
+          <a:p>
+            <a:pPr lvl="0" algn="ctr"/>
+            <a:endParaRPr lang="zh-CN" altLang="en-US">
+              <a:sym typeface="+mn-ea"/>
+            </a:endParaRPr>
+          </a:p>
+        </p:txBody>
+      </p:sp>
+      <p:sp>
+        <p:nvSpPr>
+          <p:cNvPr id="296" name="椭圆 295"/>
+          <p:cNvSpPr/>
+          <p:nvPr/>
+        </p:nvSpPr>
+        <p:spPr>
+          <a:xfrm>
+            <a:off x="9801225" y="4053205"/>
+            <a:ext cx="88265" cy="98425"/>
+          </a:xfrm>
+          <a:prstGeom prst="ellipse">
+            <a:avLst/>
+          </a:prstGeom>
+          <a:solidFill>
+            <a:srgbClr val="FF0000"/>
+          </a:solidFill>
+          <a:ln w="6350">
+            <a:solidFill>
+              <a:srgbClr val="FF0000"/>
+            </a:solidFill>
+          </a:ln>
+        </p:spPr>
+        <p:style>
+          <a:lnRef idx="2">
+            <a:schemeClr val="accent1">
+              <a:shade val="50000"/>
+            </a:schemeClr>
+          </a:lnRef>
+          <a:fillRef idx="1">
+            <a:schemeClr val="accent1"/>
+          </a:fillRef>
+          <a:effectRef idx="0">
+            <a:schemeClr val="accent1"/>
+          </a:effectRef>
+          <a:fontRef idx="minor">
+            <a:schemeClr val="lt1"/>
+          </a:fontRef>
+        </p:style>
+        <p:txBody>
+          <a:bodyPr vertOverflow="overflow" horzOverflow="overflow" vert="horz" wrap="square" numCol="1" spcCol="0" rtlCol="0" fromWordArt="0" anchor="ctr" anchorCtr="0" forceAA="0" compatLnSpc="1">
+            <a:noAutofit/>
+          </a:bodyPr>
+          <a:p>
+            <a:pPr lvl="0" algn="ctr"/>
+            <a:endParaRPr lang="zh-CN" altLang="en-US">
+              <a:sym typeface="+mn-ea"/>
+            </a:endParaRPr>
+          </a:p>
+        </p:txBody>
+      </p:sp>
+      <p:sp>
+        <p:nvSpPr>
+          <p:cNvPr id="297" name="椭圆 296"/>
+          <p:cNvSpPr/>
+          <p:nvPr/>
+        </p:nvSpPr>
+        <p:spPr>
+          <a:xfrm>
+            <a:off x="10041255" y="4382135"/>
+            <a:ext cx="88265" cy="98425"/>
+          </a:xfrm>
+          <a:prstGeom prst="ellipse">
+            <a:avLst/>
+          </a:prstGeom>
+          <a:solidFill>
+            <a:srgbClr val="FF0000"/>
+          </a:solidFill>
+          <a:ln w="6350">
+            <a:solidFill>
+              <a:srgbClr val="FF0000"/>
+            </a:solidFill>
+          </a:ln>
+        </p:spPr>
+        <p:style>
+          <a:lnRef idx="2">
+            <a:schemeClr val="accent1">
+              <a:shade val="50000"/>
+            </a:schemeClr>
+          </a:lnRef>
+          <a:fillRef idx="1">
+            <a:schemeClr val="accent1"/>
+          </a:fillRef>
+          <a:effectRef idx="0">
+            <a:schemeClr val="accent1"/>
+          </a:effectRef>
+          <a:fontRef idx="minor">
+            <a:schemeClr val="lt1"/>
+          </a:fontRef>
+        </p:style>
+        <p:txBody>
+          <a:bodyPr vertOverflow="overflow" horzOverflow="overflow" vert="horz" wrap="square" numCol="1" spcCol="0" rtlCol="0" fromWordArt="0" anchor="ctr" anchorCtr="0" forceAA="0" compatLnSpc="1">
+            <a:noAutofit/>
+          </a:bodyPr>
+          <a:p>
+            <a:pPr lvl="0" algn="ctr"/>
+            <a:endParaRPr lang="zh-CN" altLang="en-US">
+              <a:sym typeface="+mn-ea"/>
+            </a:endParaRPr>
+          </a:p>
+        </p:txBody>
+      </p:sp>
+      <p:sp>
+        <p:nvSpPr>
+          <p:cNvPr id="298" name="椭圆 297"/>
+          <p:cNvSpPr/>
+          <p:nvPr/>
+        </p:nvSpPr>
+        <p:spPr>
+          <a:xfrm>
+            <a:off x="10553700" y="4382135"/>
+            <a:ext cx="88265" cy="98425"/>
+          </a:xfrm>
+          <a:prstGeom prst="ellipse">
+            <a:avLst/>
+          </a:prstGeom>
+          <a:solidFill>
+            <a:srgbClr val="FF0000"/>
+          </a:solidFill>
+          <a:ln w="6350">
+            <a:solidFill>
+              <a:srgbClr val="FF0000"/>
+            </a:solidFill>
+          </a:ln>
+        </p:spPr>
+        <p:style>
+          <a:lnRef idx="2">
+            <a:schemeClr val="accent1">
+              <a:shade val="50000"/>
+            </a:schemeClr>
+          </a:lnRef>
+          <a:fillRef idx="1">
+            <a:schemeClr val="accent1"/>
+          </a:fillRef>
+          <a:effectRef idx="0">
+            <a:schemeClr val="accent1"/>
+          </a:effectRef>
+          <a:fontRef idx="minor">
+            <a:schemeClr val="lt1"/>
+          </a:fontRef>
+        </p:style>
+        <p:txBody>
+          <a:bodyPr vertOverflow="overflow" horzOverflow="overflow" vert="horz" wrap="square" numCol="1" spcCol="0" rtlCol="0" fromWordArt="0" anchor="ctr" anchorCtr="0" forceAA="0" compatLnSpc="1">
+            <a:noAutofit/>
+          </a:bodyPr>
+          <a:p>
+            <a:pPr lvl="0" algn="ctr"/>
+            <a:endParaRPr lang="zh-CN" altLang="en-US">
+              <a:sym typeface="+mn-ea"/>
+            </a:endParaRPr>
+          </a:p>
+        </p:txBody>
+      </p:sp>
+      <p:sp>
+        <p:nvSpPr>
+          <p:cNvPr id="299" name="椭圆 298"/>
+          <p:cNvSpPr/>
+          <p:nvPr/>
+        </p:nvSpPr>
+        <p:spPr>
+          <a:xfrm>
+            <a:off x="10876280" y="3317240"/>
+            <a:ext cx="88265" cy="98425"/>
+          </a:xfrm>
+          <a:prstGeom prst="ellipse">
+            <a:avLst/>
+          </a:prstGeom>
+          <a:solidFill>
+            <a:srgbClr val="FF0000"/>
+          </a:solidFill>
+          <a:ln w="6350">
+            <a:solidFill>
+              <a:srgbClr val="FF0000"/>
+            </a:solidFill>
+          </a:ln>
+        </p:spPr>
+        <p:style>
+          <a:lnRef idx="2">
+            <a:schemeClr val="accent1">
+              <a:shade val="50000"/>
+            </a:schemeClr>
+          </a:lnRef>
+          <a:fillRef idx="1">
+            <a:schemeClr val="accent1"/>
+          </a:fillRef>
+          <a:effectRef idx="0">
+            <a:schemeClr val="accent1"/>
+          </a:effectRef>
+          <a:fontRef idx="minor">
+            <a:schemeClr val="lt1"/>
+          </a:fontRef>
+        </p:style>
+        <p:txBody>
+          <a:bodyPr vertOverflow="overflow" horzOverflow="overflow" vert="horz" wrap="square" numCol="1" spcCol="0" rtlCol="0" fromWordArt="0" anchor="ctr" anchorCtr="0" forceAA="0" compatLnSpc="1">
+            <a:noAutofit/>
+          </a:bodyPr>
+          <a:p>
+            <a:pPr lvl="0" algn="ctr"/>
+            <a:endParaRPr lang="zh-CN" altLang="en-US">
+              <a:sym typeface="+mn-ea"/>
+            </a:endParaRPr>
+          </a:p>
+        </p:txBody>
+      </p:sp>
+      <p:sp>
+        <p:nvSpPr>
+          <p:cNvPr id="300" name="椭圆 299"/>
+          <p:cNvSpPr/>
+          <p:nvPr/>
+        </p:nvSpPr>
+        <p:spPr>
+          <a:xfrm>
+            <a:off x="11098530" y="4184650"/>
+            <a:ext cx="88265" cy="98425"/>
+          </a:xfrm>
+          <a:prstGeom prst="ellipse">
+            <a:avLst/>
+          </a:prstGeom>
+          <a:solidFill>
+            <a:srgbClr val="FF0000"/>
+          </a:solidFill>
+          <a:ln w="6350">
+            <a:solidFill>
+              <a:srgbClr val="FF0000"/>
+            </a:solidFill>
+          </a:ln>
+        </p:spPr>
+        <p:style>
+          <a:lnRef idx="2">
+            <a:schemeClr val="accent1">
+              <a:shade val="50000"/>
+            </a:schemeClr>
+          </a:lnRef>
+          <a:fillRef idx="1">
+            <a:schemeClr val="accent1"/>
+          </a:fillRef>
+          <a:effectRef idx="0">
+            <a:schemeClr val="accent1"/>
+          </a:effectRef>
+          <a:fontRef idx="minor">
+            <a:schemeClr val="lt1"/>
+          </a:fontRef>
+        </p:style>
+        <p:txBody>
+          <a:bodyPr vertOverflow="overflow" horzOverflow="overflow" vert="horz" wrap="square" numCol="1" spcCol="0" rtlCol="0" fromWordArt="0" anchor="ctr" anchorCtr="0" forceAA="0" compatLnSpc="1">
+            <a:noAutofit/>
+          </a:bodyPr>
+          <a:p>
+            <a:pPr lvl="0" algn="ctr"/>
+            <a:endParaRPr lang="zh-CN" altLang="en-US">
+              <a:sym typeface="+mn-ea"/>
+            </a:endParaRPr>
+          </a:p>
+        </p:txBody>
+      </p:sp>
+      <p:cxnSp>
+        <p:nvCxnSpPr>
+          <p:cNvPr id="303" name="直接箭头连接符 302"/>
+          <p:cNvCxnSpPr/>
+          <p:nvPr/>
+        </p:nvCxnSpPr>
+        <p:spPr>
+          <a:xfrm>
+            <a:off x="4849495" y="5535930"/>
+            <a:ext cx="3058795" cy="5715"/>
+          </a:xfrm>
+          <a:prstGeom prst="straightConnector1">
+            <a:avLst/>
+          </a:prstGeom>
+          <a:ln w="3175">
+            <a:tailEnd type="arrow" w="med" len="med"/>
+          </a:ln>
+        </p:spPr>
+        <p:style>
+          <a:lnRef idx="1">
+            <a:schemeClr val="dk1"/>
+          </a:lnRef>
+          <a:fillRef idx="0">
+            <a:schemeClr val="dk1"/>
+          </a:fillRef>
+          <a:effectRef idx="0">
+            <a:schemeClr val="dk1"/>
+          </a:effectRef>
+          <a:fontRef idx="minor">
+            <a:schemeClr val="tx1"/>
+          </a:fontRef>
+        </p:style>
+      </p:cxnSp>
+      <p:cxnSp>
+        <p:nvCxnSpPr>
+          <p:cNvPr id="304" name="直接箭头连接符 303"/>
+          <p:cNvCxnSpPr/>
+          <p:nvPr/>
+        </p:nvCxnSpPr>
+        <p:spPr>
+          <a:xfrm flipV="1">
+            <a:off x="4839970" y="2487930"/>
+            <a:ext cx="0" cy="3056255"/>
+          </a:xfrm>
+          <a:prstGeom prst="straightConnector1">
+            <a:avLst/>
+          </a:prstGeom>
+          <a:ln w="3175">
+            <a:tailEnd type="arrow" w="med" len="med"/>
+          </a:ln>
+        </p:spPr>
+        <p:style>
+          <a:lnRef idx="1">
+            <a:schemeClr val="dk1"/>
+          </a:lnRef>
+          <a:fillRef idx="0">
+            <a:schemeClr val="dk1"/>
+          </a:fillRef>
+          <a:effectRef idx="0">
+            <a:schemeClr val="dk1"/>
+          </a:effectRef>
+          <a:fontRef idx="minor">
+            <a:schemeClr val="tx1"/>
+          </a:fontRef>
+        </p:style>
+      </p:cxnSp>
+      <p:cxnSp>
+        <p:nvCxnSpPr>
+          <p:cNvPr id="305" name="直接箭头连接符 304"/>
+          <p:cNvCxnSpPr/>
+          <p:nvPr/>
+        </p:nvCxnSpPr>
+        <p:spPr>
+          <a:xfrm flipH="1">
+            <a:off x="4326890" y="5535295"/>
+            <a:ext cx="513080" cy="440690"/>
+          </a:xfrm>
+          <a:prstGeom prst="straightConnector1">
+            <a:avLst/>
+          </a:prstGeom>
+          <a:ln w="3175">
+            <a:tailEnd type="arrow" w="med" len="med"/>
+          </a:ln>
+        </p:spPr>
+        <p:style>
+          <a:lnRef idx="1">
+            <a:schemeClr val="dk1"/>
+          </a:lnRef>
+          <a:fillRef idx="0">
+            <a:schemeClr val="dk1"/>
+          </a:fillRef>
+          <a:effectRef idx="0">
+            <a:schemeClr val="dk1"/>
+          </a:effectRef>
+          <a:fontRef idx="minor">
+            <a:schemeClr val="tx1"/>
+          </a:fontRef>
+        </p:style>
+      </p:cxnSp>
+      <p:cxnSp>
+        <p:nvCxnSpPr>
+          <p:cNvPr id="306" name="直接箭头连接符 305"/>
+          <p:cNvCxnSpPr/>
+          <p:nvPr/>
+        </p:nvCxnSpPr>
+        <p:spPr>
+          <a:xfrm>
+            <a:off x="4839970" y="5525770"/>
+            <a:ext cx="212090" cy="342900"/>
+          </a:xfrm>
+          <a:prstGeom prst="straightConnector1">
+            <a:avLst/>
+          </a:prstGeom>
+          <a:ln w="3175">
+            <a:tailEnd type="arrow" w="med" len="med"/>
+          </a:ln>
+        </p:spPr>
+        <p:style>
+          <a:lnRef idx="1">
+            <a:schemeClr val="dk1"/>
+          </a:lnRef>
+          <a:fillRef idx="0">
+            <a:schemeClr val="dk1"/>
+          </a:fillRef>
+          <a:effectRef idx="0">
+            <a:schemeClr val="dk1"/>
+          </a:effectRef>
+          <a:fontRef idx="minor">
+            <a:schemeClr val="tx1"/>
+          </a:fontRef>
+        </p:style>
+      </p:cxnSp>
+      <p:sp>
+        <p:nvSpPr>
+          <p:cNvPr id="307" name="椭圆 306"/>
+          <p:cNvSpPr/>
+          <p:nvPr/>
+        </p:nvSpPr>
+        <p:spPr>
+          <a:xfrm>
+            <a:off x="5737860" y="2909570"/>
+            <a:ext cx="88265" cy="98425"/>
+          </a:xfrm>
+          <a:prstGeom prst="ellipse">
+            <a:avLst/>
+          </a:prstGeom>
+          <a:noFill/>
+          <a:ln w="6350">
+            <a:solidFill>
+              <a:schemeClr val="tx1"/>
+            </a:solidFill>
+          </a:ln>
+          <a:extLst>
+            <a:ext uri="{909E8E84-426E-40DD-AFC4-6F175D3DCCD1}">
+              <a14:hiddenFill xmlns:a14="http://schemas.microsoft.com/office/drawing/2010/main">
+                <a:solidFill>
+                  <a:srgbClr val="00B050"/>
+                </a:solidFill>
+              </a14:hiddenFill>
+            </a:ext>
+          </a:extLst>
+        </p:spPr>
+        <p:style>
+          <a:lnRef idx="2">
+            <a:schemeClr val="accent1">
+              <a:shade val="50000"/>
+            </a:schemeClr>
+          </a:lnRef>
+          <a:fillRef idx="1">
+            <a:schemeClr val="accent1"/>
+          </a:fillRef>
+          <a:effectRef idx="0">
+            <a:schemeClr val="accent1"/>
+          </a:effectRef>
+          <a:fontRef idx="minor">
+            <a:schemeClr val="lt1"/>
+          </a:fontRef>
+        </p:style>
+        <p:txBody>
+          <a:bodyPr vertOverflow="overflow" horzOverflow="overflow" vert="horz" wrap="square" numCol="1" spcCol="0" rtlCol="0" fromWordArt="0" anchor="ctr" anchorCtr="0" forceAA="0" compatLnSpc="1">
+            <a:noAutofit/>
+          </a:bodyPr>
+          <a:p>
+            <a:pPr lvl="0" algn="ctr"/>
+            <a:endParaRPr lang="zh-CN" altLang="en-US">
+              <a:sym typeface="+mn-ea"/>
+            </a:endParaRPr>
+          </a:p>
+        </p:txBody>
+      </p:sp>
+      <p:sp>
+        <p:nvSpPr>
+          <p:cNvPr id="308" name="椭圆 307"/>
+          <p:cNvSpPr/>
+          <p:nvPr/>
+        </p:nvSpPr>
+        <p:spPr>
+          <a:xfrm>
+            <a:off x="5493385" y="3190875"/>
+            <a:ext cx="88265" cy="98425"/>
+          </a:xfrm>
+          <a:prstGeom prst="ellipse">
+            <a:avLst/>
+          </a:prstGeom>
+          <a:noFill/>
+          <a:ln w="6350">
+            <a:solidFill>
+              <a:schemeClr val="tx1"/>
+            </a:solidFill>
+          </a:ln>
+          <a:extLst>
+            <a:ext uri="{909E8E84-426E-40DD-AFC4-6F175D3DCCD1}">
+              <a14:hiddenFill xmlns:a14="http://schemas.microsoft.com/office/drawing/2010/main">
+                <a:solidFill>
+                  <a:srgbClr val="00B050"/>
+                </a:solidFill>
+              </a14:hiddenFill>
+            </a:ext>
+          </a:extLst>
+        </p:spPr>
+        <p:style>
+          <a:lnRef idx="2">
+            <a:schemeClr val="accent1">
+              <a:shade val="50000"/>
+            </a:schemeClr>
+          </a:lnRef>
+          <a:fillRef idx="1">
+            <a:schemeClr val="accent1"/>
+          </a:fillRef>
+          <a:effectRef idx="0">
+            <a:schemeClr val="accent1"/>
+          </a:effectRef>
+          <a:fontRef idx="minor">
+            <a:schemeClr val="lt1"/>
+          </a:fontRef>
+        </p:style>
+        <p:txBody>
+          <a:bodyPr vertOverflow="overflow" horzOverflow="overflow" vert="horz" wrap="square" numCol="1" spcCol="0" rtlCol="0" fromWordArt="0" anchor="ctr" anchorCtr="0" forceAA="0" compatLnSpc="1">
+            <a:noAutofit/>
+          </a:bodyPr>
+          <a:p>
+            <a:pPr lvl="0" algn="ctr"/>
+            <a:endParaRPr lang="zh-CN" altLang="en-US">
+              <a:sym typeface="+mn-ea"/>
+            </a:endParaRPr>
+          </a:p>
+        </p:txBody>
+      </p:sp>
+      <p:sp>
+        <p:nvSpPr>
+          <p:cNvPr id="309" name="椭圆 308"/>
+          <p:cNvSpPr/>
+          <p:nvPr/>
+        </p:nvSpPr>
+        <p:spPr>
+          <a:xfrm>
+            <a:off x="5080635" y="3649345"/>
+            <a:ext cx="88265" cy="98425"/>
+          </a:xfrm>
+          <a:prstGeom prst="ellipse">
+            <a:avLst/>
+          </a:prstGeom>
+          <a:noFill/>
+          <a:ln w="6350">
+            <a:solidFill>
+              <a:schemeClr val="tx1"/>
+            </a:solidFill>
+          </a:ln>
+          <a:extLst>
+            <a:ext uri="{909E8E84-426E-40DD-AFC4-6F175D3DCCD1}">
+              <a14:hiddenFill xmlns:a14="http://schemas.microsoft.com/office/drawing/2010/main">
+                <a:solidFill>
+                  <a:srgbClr val="00B050"/>
+                </a:solidFill>
+              </a14:hiddenFill>
+            </a:ext>
+          </a:extLst>
+        </p:spPr>
+        <p:style>
+          <a:lnRef idx="2">
+            <a:schemeClr val="accent1">
+              <a:shade val="50000"/>
+            </a:schemeClr>
+          </a:lnRef>
+          <a:fillRef idx="1">
+            <a:schemeClr val="accent1"/>
+          </a:fillRef>
+          <a:effectRef idx="0">
+            <a:schemeClr val="accent1"/>
+          </a:effectRef>
+          <a:fontRef idx="minor">
+            <a:schemeClr val="lt1"/>
+          </a:fontRef>
+        </p:style>
+        <p:txBody>
+          <a:bodyPr vertOverflow="overflow" horzOverflow="overflow" vert="horz" wrap="square" numCol="1" spcCol="0" rtlCol="0" fromWordArt="0" anchor="ctr" anchorCtr="0" forceAA="0" compatLnSpc="1">
+            <a:noAutofit/>
+          </a:bodyPr>
+          <a:p>
+            <a:pPr lvl="0" algn="ctr"/>
+            <a:endParaRPr lang="zh-CN" altLang="en-US">
+              <a:sym typeface="+mn-ea"/>
+            </a:endParaRPr>
+          </a:p>
+        </p:txBody>
+      </p:sp>
+      <p:sp>
+        <p:nvSpPr>
+          <p:cNvPr id="310" name="椭圆 309"/>
+          <p:cNvSpPr/>
+          <p:nvPr/>
+        </p:nvSpPr>
+        <p:spPr>
+          <a:xfrm>
+            <a:off x="5080635" y="4184650"/>
+            <a:ext cx="88265" cy="98425"/>
+          </a:xfrm>
+          <a:prstGeom prst="ellipse">
+            <a:avLst/>
+          </a:prstGeom>
+          <a:noFill/>
+          <a:ln w="6350">
+            <a:solidFill>
+              <a:schemeClr val="tx1"/>
+            </a:solidFill>
+          </a:ln>
+          <a:extLst>
+            <a:ext uri="{909E8E84-426E-40DD-AFC4-6F175D3DCCD1}">
+              <a14:hiddenFill xmlns:a14="http://schemas.microsoft.com/office/drawing/2010/main">
+                <a:solidFill>
+                  <a:srgbClr val="00B050"/>
+                </a:solidFill>
+              </a14:hiddenFill>
+            </a:ext>
+          </a:extLst>
+        </p:spPr>
+        <p:style>
+          <a:lnRef idx="2">
+            <a:schemeClr val="accent1">
+              <a:shade val="50000"/>
+            </a:schemeClr>
+          </a:lnRef>
+          <a:fillRef idx="1">
+            <a:schemeClr val="accent1"/>
+          </a:fillRef>
+          <a:effectRef idx="0">
+            <a:schemeClr val="accent1"/>
+          </a:effectRef>
+          <a:fontRef idx="minor">
+            <a:schemeClr val="lt1"/>
+          </a:fontRef>
+        </p:style>
+        <p:txBody>
+          <a:bodyPr vertOverflow="overflow" horzOverflow="overflow" vert="horz" wrap="square" numCol="1" spcCol="0" rtlCol="0" fromWordArt="0" anchor="ctr" anchorCtr="0" forceAA="0" compatLnSpc="1">
+            <a:noAutofit/>
+          </a:bodyPr>
+          <a:p>
+            <a:pPr lvl="0" algn="ctr"/>
+            <a:endParaRPr lang="zh-CN" altLang="en-US">
+              <a:sym typeface="+mn-ea"/>
+            </a:endParaRPr>
+          </a:p>
+        </p:txBody>
+      </p:sp>
+      <p:sp>
+        <p:nvSpPr>
+          <p:cNvPr id="311" name="椭圆 310"/>
+          <p:cNvSpPr/>
+          <p:nvPr/>
+        </p:nvSpPr>
+        <p:spPr>
+          <a:xfrm>
+            <a:off x="5328285" y="4575175"/>
+            <a:ext cx="88265" cy="98425"/>
+          </a:xfrm>
+          <a:prstGeom prst="ellipse">
+            <a:avLst/>
+          </a:prstGeom>
+          <a:noFill/>
+          <a:ln w="6350">
+            <a:solidFill>
+              <a:schemeClr val="tx1"/>
+            </a:solidFill>
+          </a:ln>
+          <a:extLst>
+            <a:ext uri="{909E8E84-426E-40DD-AFC4-6F175D3DCCD1}">
+              <a14:hiddenFill xmlns:a14="http://schemas.microsoft.com/office/drawing/2010/main">
+                <a:solidFill>
+                  <a:srgbClr val="00B050"/>
+                </a:solidFill>
+              </a14:hiddenFill>
+            </a:ext>
+          </a:extLst>
+        </p:spPr>
+        <p:style>
+          <a:lnRef idx="2">
+            <a:schemeClr val="accent1">
+              <a:shade val="50000"/>
+            </a:schemeClr>
+          </a:lnRef>
+          <a:fillRef idx="1">
+            <a:schemeClr val="accent1"/>
+          </a:fillRef>
+          <a:effectRef idx="0">
+            <a:schemeClr val="accent1"/>
+          </a:effectRef>
+          <a:fontRef idx="minor">
+            <a:schemeClr val="lt1"/>
+          </a:fontRef>
+        </p:style>
+        <p:txBody>
+          <a:bodyPr vertOverflow="overflow" horzOverflow="overflow" vert="horz" wrap="square" numCol="1" spcCol="0" rtlCol="0" fromWordArt="0" anchor="ctr" anchorCtr="0" forceAA="0" compatLnSpc="1">
+            <a:noAutofit/>
+          </a:bodyPr>
+          <a:p>
+            <a:pPr lvl="0" algn="ctr"/>
+            <a:endParaRPr lang="zh-CN" altLang="en-US">
+              <a:sym typeface="+mn-ea"/>
+            </a:endParaRPr>
+          </a:p>
+        </p:txBody>
+      </p:sp>
+      <p:sp>
+        <p:nvSpPr>
+          <p:cNvPr id="312" name="椭圆 311"/>
+          <p:cNvSpPr/>
+          <p:nvPr/>
+        </p:nvSpPr>
+        <p:spPr>
+          <a:xfrm>
+            <a:off x="5737860" y="4863465"/>
+            <a:ext cx="88265" cy="98425"/>
+          </a:xfrm>
+          <a:prstGeom prst="ellipse">
+            <a:avLst/>
+          </a:prstGeom>
+          <a:noFill/>
+          <a:ln w="6350">
+            <a:solidFill>
+              <a:schemeClr val="tx1"/>
+            </a:solidFill>
+          </a:ln>
+          <a:extLst>
+            <a:ext uri="{909E8E84-426E-40DD-AFC4-6F175D3DCCD1}">
+              <a14:hiddenFill xmlns:a14="http://schemas.microsoft.com/office/drawing/2010/main">
+                <a:solidFill>
+                  <a:srgbClr val="00B050"/>
+                </a:solidFill>
+              </a14:hiddenFill>
+            </a:ext>
+          </a:extLst>
+        </p:spPr>
+        <p:style>
+          <a:lnRef idx="2">
+            <a:schemeClr val="accent1">
+              <a:shade val="50000"/>
+            </a:schemeClr>
+          </a:lnRef>
+          <a:fillRef idx="1">
+            <a:schemeClr val="accent1"/>
+          </a:fillRef>
+          <a:effectRef idx="0">
+            <a:schemeClr val="accent1"/>
+          </a:effectRef>
+          <a:fontRef idx="minor">
+            <a:schemeClr val="lt1"/>
+          </a:fontRef>
+        </p:style>
+        <p:txBody>
+          <a:bodyPr vertOverflow="overflow" horzOverflow="overflow" vert="horz" wrap="square" numCol="1" spcCol="0" rtlCol="0" fromWordArt="0" anchor="ctr" anchorCtr="0" forceAA="0" compatLnSpc="1">
+            <a:noAutofit/>
+          </a:bodyPr>
+          <a:p>
+            <a:pPr lvl="0" algn="ctr"/>
+            <a:endParaRPr lang="zh-CN" altLang="en-US">
+              <a:sym typeface="+mn-ea"/>
+            </a:endParaRPr>
+          </a:p>
+        </p:txBody>
+      </p:sp>
+      <p:sp>
+        <p:nvSpPr>
+          <p:cNvPr id="313" name="椭圆 312"/>
+          <p:cNvSpPr/>
+          <p:nvPr/>
+        </p:nvSpPr>
+        <p:spPr>
+          <a:xfrm>
+            <a:off x="6224905" y="2812415"/>
+            <a:ext cx="88265" cy="98425"/>
+          </a:xfrm>
+          <a:prstGeom prst="ellipse">
+            <a:avLst/>
+          </a:prstGeom>
+          <a:noFill/>
+          <a:ln w="6350">
+            <a:solidFill>
+              <a:schemeClr val="tx1"/>
+            </a:solidFill>
+          </a:ln>
+          <a:extLst>
+            <a:ext uri="{909E8E84-426E-40DD-AFC4-6F175D3DCCD1}">
+              <a14:hiddenFill xmlns:a14="http://schemas.microsoft.com/office/drawing/2010/main">
+                <a:solidFill>
+                  <a:srgbClr val="00B050"/>
+                </a:solidFill>
+              </a14:hiddenFill>
+            </a:ext>
+          </a:extLst>
+        </p:spPr>
+        <p:style>
+          <a:lnRef idx="2">
+            <a:schemeClr val="accent1">
+              <a:shade val="50000"/>
+            </a:schemeClr>
+          </a:lnRef>
+          <a:fillRef idx="1">
+            <a:schemeClr val="accent1"/>
+          </a:fillRef>
+          <a:effectRef idx="0">
+            <a:schemeClr val="accent1"/>
+          </a:effectRef>
+          <a:fontRef idx="minor">
+            <a:schemeClr val="lt1"/>
+          </a:fontRef>
+        </p:style>
+        <p:txBody>
+          <a:bodyPr vertOverflow="overflow" horzOverflow="overflow" vert="horz" wrap="square" numCol="1" spcCol="0" rtlCol="0" fromWordArt="0" anchor="ctr" anchorCtr="0" forceAA="0" compatLnSpc="1">
+            <a:noAutofit/>
+          </a:bodyPr>
+          <a:p>
+            <a:pPr lvl="0" algn="ctr"/>
+            <a:endParaRPr lang="zh-CN" altLang="en-US">
+              <a:sym typeface="+mn-ea"/>
+            </a:endParaRPr>
+          </a:p>
+        </p:txBody>
+      </p:sp>
+      <p:sp>
+        <p:nvSpPr>
+          <p:cNvPr id="314" name="椭圆 313"/>
+          <p:cNvSpPr/>
+          <p:nvPr/>
+        </p:nvSpPr>
+        <p:spPr>
+          <a:xfrm>
+            <a:off x="7099935" y="3688080"/>
+            <a:ext cx="88265" cy="98425"/>
+          </a:xfrm>
+          <a:prstGeom prst="ellipse">
+            <a:avLst/>
+          </a:prstGeom>
+          <a:solidFill>
+            <a:srgbClr val="FF0000"/>
+          </a:solidFill>
+          <a:ln w="6350">
+            <a:solidFill>
+              <a:srgbClr val="FF0000"/>
+            </a:solidFill>
+          </a:ln>
+        </p:spPr>
+        <p:style>
+          <a:lnRef idx="2">
+            <a:schemeClr val="accent1">
+              <a:shade val="50000"/>
+            </a:schemeClr>
+          </a:lnRef>
+          <a:fillRef idx="1">
+            <a:schemeClr val="accent1"/>
+          </a:fillRef>
+          <a:effectRef idx="0">
+            <a:schemeClr val="accent1"/>
+          </a:effectRef>
+          <a:fontRef idx="minor">
+            <a:schemeClr val="lt1"/>
+          </a:fontRef>
+        </p:style>
+        <p:txBody>
+          <a:bodyPr vertOverflow="overflow" horzOverflow="overflow" vert="horz" wrap="square" numCol="1" spcCol="0" rtlCol="0" fromWordArt="0" anchor="ctr" anchorCtr="0" forceAA="0" compatLnSpc="1">
+            <a:noAutofit/>
+          </a:bodyPr>
+          <a:p>
+            <a:pPr lvl="0" algn="ctr"/>
+            <a:endParaRPr lang="zh-CN" altLang="en-US">
+              <a:sym typeface="+mn-ea"/>
+            </a:endParaRPr>
+          </a:p>
+        </p:txBody>
+      </p:sp>
+      <p:sp>
+        <p:nvSpPr>
+          <p:cNvPr id="315" name="椭圆 314"/>
+          <p:cNvSpPr/>
+          <p:nvPr/>
+        </p:nvSpPr>
+        <p:spPr>
+          <a:xfrm>
+            <a:off x="7099935" y="3034030"/>
+            <a:ext cx="88265" cy="98425"/>
+          </a:xfrm>
+          <a:prstGeom prst="ellipse">
+            <a:avLst/>
+          </a:prstGeom>
+          <a:noFill/>
+          <a:ln w="6350">
+            <a:solidFill>
+              <a:schemeClr val="tx1"/>
+            </a:solidFill>
+          </a:ln>
+          <a:extLst>
+            <a:ext uri="{909E8E84-426E-40DD-AFC4-6F175D3DCCD1}">
+              <a14:hiddenFill xmlns:a14="http://schemas.microsoft.com/office/drawing/2010/main">
+                <a:solidFill>
+                  <a:srgbClr val="00B050"/>
+                </a:solidFill>
+              </a14:hiddenFill>
+            </a:ext>
+          </a:extLst>
+        </p:spPr>
+        <p:style>
+          <a:lnRef idx="2">
+            <a:schemeClr val="accent1">
+              <a:shade val="50000"/>
+            </a:schemeClr>
+          </a:lnRef>
+          <a:fillRef idx="1">
+            <a:schemeClr val="accent1"/>
+          </a:fillRef>
+          <a:effectRef idx="0">
+            <a:schemeClr val="accent1"/>
+          </a:effectRef>
+          <a:fontRef idx="minor">
+            <a:schemeClr val="lt1"/>
+          </a:fontRef>
+        </p:style>
+        <p:txBody>
+          <a:bodyPr vertOverflow="overflow" horzOverflow="overflow" vert="horz" wrap="square" numCol="1" spcCol="0" rtlCol="0" fromWordArt="0" anchor="ctr" anchorCtr="0" forceAA="0" compatLnSpc="1">
+            <a:noAutofit/>
+          </a:bodyPr>
+          <a:p>
+            <a:pPr lvl="0" algn="ctr"/>
+            <a:endParaRPr lang="zh-CN" altLang="en-US">
+              <a:sym typeface="+mn-ea"/>
+            </a:endParaRPr>
+          </a:p>
+        </p:txBody>
+      </p:sp>
+      <p:sp>
+        <p:nvSpPr>
+          <p:cNvPr id="316" name="椭圆 315"/>
+          <p:cNvSpPr/>
+          <p:nvPr/>
+        </p:nvSpPr>
+        <p:spPr>
+          <a:xfrm>
+            <a:off x="6313805" y="4863465"/>
+            <a:ext cx="88265" cy="98425"/>
+          </a:xfrm>
+          <a:prstGeom prst="ellipse">
+            <a:avLst/>
+          </a:prstGeom>
+          <a:noFill/>
+          <a:ln w="6350">
+            <a:solidFill>
+              <a:schemeClr val="tx1"/>
+            </a:solidFill>
+          </a:ln>
+          <a:extLst>
+            <a:ext uri="{909E8E84-426E-40DD-AFC4-6F175D3DCCD1}">
+              <a14:hiddenFill xmlns:a14="http://schemas.microsoft.com/office/drawing/2010/main">
+                <a:solidFill>
+                  <a:srgbClr val="00B050"/>
+                </a:solidFill>
+              </a14:hiddenFill>
+            </a:ext>
+          </a:extLst>
+        </p:spPr>
+        <p:style>
+          <a:lnRef idx="2">
+            <a:schemeClr val="accent1">
+              <a:shade val="50000"/>
+            </a:schemeClr>
+          </a:lnRef>
+          <a:fillRef idx="1">
+            <a:schemeClr val="accent1"/>
+          </a:fillRef>
+          <a:effectRef idx="0">
+            <a:schemeClr val="accent1"/>
+          </a:effectRef>
+          <a:fontRef idx="minor">
+            <a:schemeClr val="lt1"/>
+          </a:fontRef>
+        </p:style>
+        <p:txBody>
+          <a:bodyPr vertOverflow="overflow" horzOverflow="overflow" vert="horz" wrap="square" numCol="1" spcCol="0" rtlCol="0" fromWordArt="0" anchor="ctr" anchorCtr="0" forceAA="0" compatLnSpc="1">
+            <a:noAutofit/>
+          </a:bodyPr>
+          <a:p>
+            <a:pPr lvl="0" algn="ctr"/>
+            <a:endParaRPr lang="zh-CN" altLang="en-US">
+              <a:sym typeface="+mn-ea"/>
+            </a:endParaRPr>
+          </a:p>
+        </p:txBody>
+      </p:sp>
+      <p:sp>
+        <p:nvSpPr>
+          <p:cNvPr id="317" name="椭圆 316"/>
+          <p:cNvSpPr/>
+          <p:nvPr/>
+        </p:nvSpPr>
+        <p:spPr>
+          <a:xfrm>
+            <a:off x="6834505" y="4673600"/>
+            <a:ext cx="88265" cy="98425"/>
+          </a:xfrm>
+          <a:prstGeom prst="ellipse">
+            <a:avLst/>
+          </a:prstGeom>
+          <a:noFill/>
+          <a:ln w="6350">
+            <a:solidFill>
+              <a:schemeClr val="tx1"/>
+            </a:solidFill>
+          </a:ln>
+          <a:extLst>
+            <a:ext uri="{909E8E84-426E-40DD-AFC4-6F175D3DCCD1}">
+              <a14:hiddenFill xmlns:a14="http://schemas.microsoft.com/office/drawing/2010/main">
+                <a:solidFill>
+                  <a:srgbClr val="00B050"/>
+                </a:solidFill>
+              </a14:hiddenFill>
+            </a:ext>
+          </a:extLst>
+        </p:spPr>
+        <p:style>
+          <a:lnRef idx="2">
+            <a:schemeClr val="accent1">
+              <a:shade val="50000"/>
+            </a:schemeClr>
+          </a:lnRef>
+          <a:fillRef idx="1">
+            <a:schemeClr val="accent1"/>
+          </a:fillRef>
+          <a:effectRef idx="0">
+            <a:schemeClr val="accent1"/>
+          </a:effectRef>
+          <a:fontRef idx="minor">
+            <a:schemeClr val="lt1"/>
+          </a:fontRef>
+        </p:style>
+        <p:txBody>
+          <a:bodyPr vertOverflow="overflow" horzOverflow="overflow" vert="horz" wrap="square" numCol="1" spcCol="0" rtlCol="0" fromWordArt="0" anchor="ctr" anchorCtr="0" forceAA="0" compatLnSpc="1">
+            <a:noAutofit/>
+          </a:bodyPr>
+          <a:p>
+            <a:pPr lvl="0" algn="ctr"/>
+            <a:endParaRPr lang="zh-CN" altLang="en-US">
+              <a:sym typeface="+mn-ea"/>
+            </a:endParaRPr>
+          </a:p>
+        </p:txBody>
+      </p:sp>
+      <p:sp>
+        <p:nvSpPr>
+          <p:cNvPr id="318" name="椭圆 317"/>
+          <p:cNvSpPr/>
+          <p:nvPr/>
+        </p:nvSpPr>
+        <p:spPr>
+          <a:xfrm>
+            <a:off x="7493635" y="3406775"/>
+            <a:ext cx="88265" cy="98425"/>
+          </a:xfrm>
+          <a:prstGeom prst="ellipse">
+            <a:avLst/>
+          </a:prstGeom>
+          <a:noFill/>
+          <a:ln w="6350">
+            <a:solidFill>
+              <a:schemeClr val="tx1"/>
+            </a:solidFill>
+          </a:ln>
+          <a:extLst>
+            <a:ext uri="{909E8E84-426E-40DD-AFC4-6F175D3DCCD1}">
+              <a14:hiddenFill xmlns:a14="http://schemas.microsoft.com/office/drawing/2010/main">
+                <a:solidFill>
+                  <a:srgbClr val="00B050"/>
+                </a:solidFill>
+              </a14:hiddenFill>
+            </a:ext>
+          </a:extLst>
+        </p:spPr>
+        <p:style>
+          <a:lnRef idx="2">
+            <a:schemeClr val="accent1">
+              <a:shade val="50000"/>
+            </a:schemeClr>
+          </a:lnRef>
+          <a:fillRef idx="1">
+            <a:schemeClr val="accent1"/>
+          </a:fillRef>
+          <a:effectRef idx="0">
+            <a:schemeClr val="accent1"/>
+          </a:effectRef>
+          <a:fontRef idx="minor">
+            <a:schemeClr val="lt1"/>
+          </a:fontRef>
+        </p:style>
+        <p:txBody>
+          <a:bodyPr vertOverflow="overflow" horzOverflow="overflow" vert="horz" wrap="square" numCol="1" spcCol="0" rtlCol="0" fromWordArt="0" anchor="ctr" anchorCtr="0" forceAA="0" compatLnSpc="1">
+            <a:noAutofit/>
+          </a:bodyPr>
+          <a:p>
+            <a:pPr lvl="0" algn="ctr"/>
+            <a:endParaRPr lang="zh-CN" altLang="en-US">
+              <a:sym typeface="+mn-ea"/>
+            </a:endParaRPr>
+          </a:p>
+        </p:txBody>
+      </p:sp>
+      <p:sp>
+        <p:nvSpPr>
+          <p:cNvPr id="319" name="椭圆 318"/>
+          <p:cNvSpPr/>
+          <p:nvPr/>
+        </p:nvSpPr>
+        <p:spPr>
+          <a:xfrm>
+            <a:off x="6224905" y="3747770"/>
+            <a:ext cx="88265" cy="98425"/>
+          </a:xfrm>
+          <a:prstGeom prst="ellipse">
+            <a:avLst/>
+          </a:prstGeom>
+          <a:solidFill>
+            <a:schemeClr val="tx1"/>
+          </a:solidFill>
+          <a:ln w="6350">
+            <a:solidFill>
+              <a:schemeClr val="tx1"/>
+            </a:solidFill>
+          </a:ln>
+        </p:spPr>
+        <p:style>
+          <a:lnRef idx="2">
+            <a:schemeClr val="accent1">
+              <a:shade val="50000"/>
+            </a:schemeClr>
+          </a:lnRef>
+          <a:fillRef idx="1">
+            <a:schemeClr val="accent1"/>
+          </a:fillRef>
+          <a:effectRef idx="0">
+            <a:schemeClr val="accent1"/>
+          </a:effectRef>
+          <a:fontRef idx="minor">
+            <a:schemeClr val="lt1"/>
+          </a:fontRef>
+        </p:style>
+        <p:txBody>
+          <a:bodyPr vertOverflow="overflow" horzOverflow="overflow" vert="horz" wrap="square" numCol="1" spcCol="0" rtlCol="0" fromWordArt="0" anchor="ctr" anchorCtr="0" forceAA="0" compatLnSpc="1">
+            <a:noAutofit/>
+          </a:bodyPr>
+          <a:p>
+            <a:pPr lvl="0" algn="ctr"/>
+            <a:endParaRPr lang="zh-CN" altLang="en-US">
+              <a:sym typeface="+mn-ea"/>
+            </a:endParaRPr>
+          </a:p>
+        </p:txBody>
+      </p:sp>
+      <p:sp>
+        <p:nvSpPr>
+          <p:cNvPr id="320" name="椭圆 319"/>
+          <p:cNvSpPr/>
+          <p:nvPr/>
+        </p:nvSpPr>
+        <p:spPr>
+          <a:xfrm>
+            <a:off x="7267575" y="4379595"/>
+            <a:ext cx="88265" cy="98425"/>
+          </a:xfrm>
+          <a:prstGeom prst="ellipse">
+            <a:avLst/>
+          </a:prstGeom>
+          <a:noFill/>
+          <a:ln w="6350">
+            <a:solidFill>
+              <a:schemeClr val="tx1"/>
+            </a:solidFill>
+          </a:ln>
+          <a:extLst>
+            <a:ext uri="{909E8E84-426E-40DD-AFC4-6F175D3DCCD1}">
+              <a14:hiddenFill xmlns:a14="http://schemas.microsoft.com/office/drawing/2010/main">
+                <a:solidFill>
+                  <a:srgbClr val="00B050"/>
+                </a:solidFill>
+              </a14:hiddenFill>
+            </a:ext>
+          </a:extLst>
+        </p:spPr>
+        <p:style>
+          <a:lnRef idx="2">
+            <a:schemeClr val="accent1">
+              <a:shade val="50000"/>
+            </a:schemeClr>
+          </a:lnRef>
+          <a:fillRef idx="1">
+            <a:schemeClr val="accent1"/>
+          </a:fillRef>
+          <a:effectRef idx="0">
+            <a:schemeClr val="accent1"/>
+          </a:effectRef>
+          <a:fontRef idx="minor">
+            <a:schemeClr val="lt1"/>
+          </a:fontRef>
+        </p:style>
+        <p:txBody>
+          <a:bodyPr vertOverflow="overflow" horzOverflow="overflow" vert="horz" wrap="square" numCol="1" spcCol="0" rtlCol="0" fromWordArt="0" anchor="ctr" anchorCtr="0" forceAA="0" compatLnSpc="1">
+            <a:noAutofit/>
+          </a:bodyPr>
+          <a:p>
+            <a:pPr lvl="0" algn="ctr"/>
+            <a:endParaRPr lang="zh-CN" altLang="en-US">
+              <a:sym typeface="+mn-ea"/>
+            </a:endParaRPr>
+          </a:p>
+        </p:txBody>
+      </p:sp>
+      <p:sp>
+        <p:nvSpPr>
+          <p:cNvPr id="321" name="椭圆 320"/>
+          <p:cNvSpPr/>
+          <p:nvPr/>
+        </p:nvSpPr>
+        <p:spPr>
+          <a:xfrm>
+            <a:off x="7493635" y="4027805"/>
+            <a:ext cx="88265" cy="98425"/>
+          </a:xfrm>
+          <a:prstGeom prst="ellipse">
+            <a:avLst/>
+          </a:prstGeom>
+          <a:noFill/>
+          <a:ln w="6350">
+            <a:solidFill>
+              <a:schemeClr val="tx1"/>
+            </a:solidFill>
+          </a:ln>
+          <a:extLst>
+            <a:ext uri="{909E8E84-426E-40DD-AFC4-6F175D3DCCD1}">
+              <a14:hiddenFill xmlns:a14="http://schemas.microsoft.com/office/drawing/2010/main">
+                <a:solidFill>
+                  <a:srgbClr val="00B050"/>
+                </a:solidFill>
+              </a14:hiddenFill>
+            </a:ext>
+          </a:extLst>
+        </p:spPr>
+        <p:style>
+          <a:lnRef idx="2">
+            <a:schemeClr val="accent1">
+              <a:shade val="50000"/>
+            </a:schemeClr>
+          </a:lnRef>
+          <a:fillRef idx="1">
+            <a:schemeClr val="accent1"/>
+          </a:fillRef>
+          <a:effectRef idx="0">
+            <a:schemeClr val="accent1"/>
+          </a:effectRef>
+          <a:fontRef idx="minor">
+            <a:schemeClr val="lt1"/>
+          </a:fontRef>
+        </p:style>
+        <p:txBody>
+          <a:bodyPr vertOverflow="overflow" horzOverflow="overflow" vert="horz" wrap="square" numCol="1" spcCol="0" rtlCol="0" fromWordArt="0" anchor="ctr" anchorCtr="0" forceAA="0" compatLnSpc="1">
+            <a:noAutofit/>
+          </a:bodyPr>
+          <a:p>
+            <a:pPr lvl="0" algn="ctr"/>
+            <a:endParaRPr lang="zh-CN" altLang="en-US">
+              <a:sym typeface="+mn-ea"/>
+            </a:endParaRPr>
+          </a:p>
+        </p:txBody>
+      </p:sp>
+      <p:sp>
+        <p:nvSpPr>
+          <p:cNvPr id="322" name="椭圆 321"/>
+          <p:cNvSpPr/>
+          <p:nvPr/>
+        </p:nvSpPr>
+        <p:spPr>
+          <a:xfrm>
+            <a:off x="6701155" y="2910205"/>
+            <a:ext cx="88265" cy="98425"/>
+          </a:xfrm>
+          <a:prstGeom prst="ellipse">
+            <a:avLst/>
+          </a:prstGeom>
+          <a:noFill/>
+          <a:ln w="6350">
+            <a:solidFill>
+              <a:schemeClr val="tx1"/>
+            </a:solidFill>
+          </a:ln>
+          <a:extLst>
+            <a:ext uri="{909E8E84-426E-40DD-AFC4-6F175D3DCCD1}">
+              <a14:hiddenFill xmlns:a14="http://schemas.microsoft.com/office/drawing/2010/main">
+                <a:solidFill>
+                  <a:srgbClr val="00B050"/>
+                </a:solidFill>
+              </a14:hiddenFill>
+            </a:ext>
+          </a:extLst>
+        </p:spPr>
+        <p:style>
+          <a:lnRef idx="2">
+            <a:schemeClr val="accent1">
+              <a:shade val="50000"/>
+            </a:schemeClr>
+          </a:lnRef>
+          <a:fillRef idx="1">
+            <a:schemeClr val="accent1"/>
+          </a:fillRef>
+          <a:effectRef idx="0">
+            <a:schemeClr val="accent1"/>
+          </a:effectRef>
+          <a:fontRef idx="minor">
+            <a:schemeClr val="lt1"/>
+          </a:fontRef>
+        </p:style>
+        <p:txBody>
+          <a:bodyPr vertOverflow="overflow" horzOverflow="overflow" vert="horz" wrap="square" numCol="1" spcCol="0" rtlCol="0" fromWordArt="0" anchor="ctr" anchorCtr="0" forceAA="0" compatLnSpc="1">
+            <a:noAutofit/>
+          </a:bodyPr>
+          <a:p>
+            <a:pPr lvl="0" algn="ctr"/>
+            <a:endParaRPr lang="zh-CN" altLang="en-US">
+              <a:sym typeface="+mn-ea"/>
+            </a:endParaRPr>
+          </a:p>
+        </p:txBody>
+      </p:sp>
+      <p:sp>
+        <p:nvSpPr>
+          <p:cNvPr id="323" name="椭圆 322"/>
+          <p:cNvSpPr/>
+          <p:nvPr/>
+        </p:nvSpPr>
+        <p:spPr>
+          <a:xfrm>
+            <a:off x="5649595" y="3562985"/>
+            <a:ext cx="88265" cy="98425"/>
+          </a:xfrm>
+          <a:prstGeom prst="ellipse">
+            <a:avLst/>
+          </a:prstGeom>
+          <a:solidFill>
+            <a:srgbClr val="FF0000"/>
+          </a:solidFill>
+          <a:ln w="6350">
+            <a:solidFill>
+              <a:srgbClr val="FF0000"/>
+            </a:solidFill>
+          </a:ln>
+        </p:spPr>
+        <p:style>
+          <a:lnRef idx="2">
+            <a:schemeClr val="accent1">
+              <a:shade val="50000"/>
+            </a:schemeClr>
+          </a:lnRef>
+          <a:fillRef idx="1">
+            <a:schemeClr val="accent1"/>
+          </a:fillRef>
+          <a:effectRef idx="0">
+            <a:schemeClr val="accent1"/>
+          </a:effectRef>
+          <a:fontRef idx="minor">
+            <a:schemeClr val="lt1"/>
+          </a:fontRef>
+        </p:style>
+        <p:txBody>
+          <a:bodyPr vertOverflow="overflow" horzOverflow="overflow" vert="horz" wrap="square" numCol="1" spcCol="0" rtlCol="0" fromWordArt="0" anchor="ctr" anchorCtr="0" forceAA="0" compatLnSpc="1">
+            <a:noAutofit/>
+          </a:bodyPr>
+          <a:p>
+            <a:pPr lvl="0" algn="ctr"/>
+            <a:endParaRPr lang="zh-CN" altLang="en-US">
+              <a:sym typeface="+mn-ea"/>
+            </a:endParaRPr>
+          </a:p>
+        </p:txBody>
+      </p:sp>
+      <p:sp>
+        <p:nvSpPr>
+          <p:cNvPr id="324" name="椭圆 323"/>
+          <p:cNvSpPr/>
+          <p:nvPr/>
+        </p:nvSpPr>
+        <p:spPr>
+          <a:xfrm>
+            <a:off x="6136640" y="3190875"/>
+            <a:ext cx="88265" cy="98425"/>
+          </a:xfrm>
+          <a:prstGeom prst="ellipse">
+            <a:avLst/>
+          </a:prstGeom>
+          <a:solidFill>
+            <a:srgbClr val="FF0000"/>
+          </a:solidFill>
+          <a:ln w="6350">
+            <a:solidFill>
+              <a:srgbClr val="FF0000"/>
+            </a:solidFill>
+          </a:ln>
+        </p:spPr>
+        <p:style>
+          <a:lnRef idx="2">
+            <a:schemeClr val="accent1">
+              <a:shade val="50000"/>
+            </a:schemeClr>
+          </a:lnRef>
+          <a:fillRef idx="1">
+            <a:schemeClr val="accent1"/>
+          </a:fillRef>
+          <a:effectRef idx="0">
+            <a:schemeClr val="accent1"/>
+          </a:effectRef>
+          <a:fontRef idx="minor">
+            <a:schemeClr val="lt1"/>
+          </a:fontRef>
+        </p:style>
+        <p:txBody>
+          <a:bodyPr vertOverflow="overflow" horzOverflow="overflow" vert="horz" wrap="square" numCol="1" spcCol="0" rtlCol="0" fromWordArt="0" anchor="ctr" anchorCtr="0" forceAA="0" compatLnSpc="1">
+            <a:noAutofit/>
+          </a:bodyPr>
+          <a:p>
+            <a:pPr lvl="0" algn="ctr"/>
+            <a:endParaRPr lang="zh-CN" altLang="en-US">
+              <a:sym typeface="+mn-ea"/>
+            </a:endParaRPr>
+          </a:p>
+        </p:txBody>
+      </p:sp>
+      <p:sp>
+        <p:nvSpPr>
+          <p:cNvPr id="325" name="椭圆 324"/>
+          <p:cNvSpPr/>
+          <p:nvPr/>
+        </p:nvSpPr>
+        <p:spPr>
+          <a:xfrm>
+            <a:off x="5670550" y="4124960"/>
+            <a:ext cx="88265" cy="98425"/>
+          </a:xfrm>
+          <a:prstGeom prst="ellipse">
+            <a:avLst/>
+          </a:prstGeom>
+          <a:solidFill>
+            <a:srgbClr val="FF0000"/>
+          </a:solidFill>
+          <a:ln w="6350">
+            <a:solidFill>
+              <a:srgbClr val="FF0000"/>
+            </a:solidFill>
+          </a:ln>
+        </p:spPr>
+        <p:style>
+          <a:lnRef idx="2">
+            <a:schemeClr val="accent1">
+              <a:shade val="50000"/>
+            </a:schemeClr>
+          </a:lnRef>
+          <a:fillRef idx="1">
+            <a:schemeClr val="accent1"/>
+          </a:fillRef>
+          <a:effectRef idx="0">
+            <a:schemeClr val="accent1"/>
+          </a:effectRef>
+          <a:fontRef idx="minor">
+            <a:schemeClr val="lt1"/>
+          </a:fontRef>
+        </p:style>
+        <p:txBody>
+          <a:bodyPr vertOverflow="overflow" horzOverflow="overflow" vert="horz" wrap="square" numCol="1" spcCol="0" rtlCol="0" fromWordArt="0" anchor="ctr" anchorCtr="0" forceAA="0" compatLnSpc="1">
+            <a:noAutofit/>
+          </a:bodyPr>
+          <a:p>
+            <a:pPr lvl="0" algn="ctr"/>
+            <a:endParaRPr lang="zh-CN" altLang="en-US">
+              <a:sym typeface="+mn-ea"/>
+            </a:endParaRPr>
+          </a:p>
+        </p:txBody>
+      </p:sp>
+      <p:sp>
+        <p:nvSpPr>
+          <p:cNvPr id="326" name="椭圆 325"/>
+          <p:cNvSpPr/>
+          <p:nvPr/>
+        </p:nvSpPr>
+        <p:spPr>
+          <a:xfrm>
+            <a:off x="6048375" y="4379595"/>
+            <a:ext cx="88265" cy="98425"/>
+          </a:xfrm>
+          <a:prstGeom prst="ellipse">
+            <a:avLst/>
+          </a:prstGeom>
+          <a:solidFill>
+            <a:srgbClr val="FF0000"/>
+          </a:solidFill>
+          <a:ln w="6350">
+            <a:solidFill>
+              <a:srgbClr val="FF0000"/>
+            </a:solidFill>
+          </a:ln>
+        </p:spPr>
+        <p:style>
+          <a:lnRef idx="2">
+            <a:schemeClr val="accent1">
+              <a:shade val="50000"/>
+            </a:schemeClr>
+          </a:lnRef>
+          <a:fillRef idx="1">
+            <a:schemeClr val="accent1"/>
+          </a:fillRef>
+          <a:effectRef idx="0">
+            <a:schemeClr val="accent1"/>
+          </a:effectRef>
+          <a:fontRef idx="minor">
+            <a:schemeClr val="lt1"/>
+          </a:fontRef>
+        </p:style>
+        <p:txBody>
+          <a:bodyPr vertOverflow="overflow" horzOverflow="overflow" vert="horz" wrap="square" numCol="1" spcCol="0" rtlCol="0" fromWordArt="0" anchor="ctr" anchorCtr="0" forceAA="0" compatLnSpc="1">
+            <a:noAutofit/>
+          </a:bodyPr>
+          <a:p>
+            <a:pPr lvl="0" algn="ctr"/>
+            <a:endParaRPr lang="zh-CN" altLang="en-US">
+              <a:sym typeface="+mn-ea"/>
+            </a:endParaRPr>
+          </a:p>
+        </p:txBody>
+      </p:sp>
+      <p:sp>
+        <p:nvSpPr>
+          <p:cNvPr id="327" name="椭圆 326"/>
+          <p:cNvSpPr/>
+          <p:nvPr/>
+        </p:nvSpPr>
+        <p:spPr>
+          <a:xfrm>
+            <a:off x="6523990" y="4379595"/>
+            <a:ext cx="88265" cy="98425"/>
+          </a:xfrm>
+          <a:prstGeom prst="ellipse">
+            <a:avLst/>
+          </a:prstGeom>
+          <a:solidFill>
+            <a:srgbClr val="FF0000"/>
+          </a:solidFill>
+          <a:ln w="6350">
+            <a:solidFill>
+              <a:srgbClr val="FF0000"/>
+            </a:solidFill>
+          </a:ln>
+        </p:spPr>
+        <p:style>
+          <a:lnRef idx="2">
+            <a:schemeClr val="accent1">
+              <a:shade val="50000"/>
+            </a:schemeClr>
+          </a:lnRef>
+          <a:fillRef idx="1">
+            <a:schemeClr val="accent1"/>
+          </a:fillRef>
+          <a:effectRef idx="0">
+            <a:schemeClr val="accent1"/>
+          </a:effectRef>
+          <a:fontRef idx="minor">
+            <a:schemeClr val="lt1"/>
+          </a:fontRef>
+        </p:style>
+        <p:txBody>
+          <a:bodyPr vertOverflow="overflow" horzOverflow="overflow" vert="horz" wrap="square" numCol="1" spcCol="0" rtlCol="0" fromWordArt="0" anchor="ctr" anchorCtr="0" forceAA="0" compatLnSpc="1">
+            <a:noAutofit/>
+          </a:bodyPr>
+          <a:p>
+            <a:pPr lvl="0" algn="ctr"/>
+            <a:endParaRPr lang="zh-CN" altLang="en-US">
+              <a:sym typeface="+mn-ea"/>
+            </a:endParaRPr>
+          </a:p>
+        </p:txBody>
+      </p:sp>
+      <p:sp>
+        <p:nvSpPr>
+          <p:cNvPr id="328" name="椭圆 327"/>
+          <p:cNvSpPr/>
+          <p:nvPr/>
+        </p:nvSpPr>
+        <p:spPr>
+          <a:xfrm>
+            <a:off x="6612255" y="3367405"/>
+            <a:ext cx="88265" cy="98425"/>
+          </a:xfrm>
+          <a:prstGeom prst="ellipse">
+            <a:avLst/>
+          </a:prstGeom>
+          <a:solidFill>
+            <a:srgbClr val="FF0000"/>
+          </a:solidFill>
+          <a:ln w="6350">
+            <a:solidFill>
+              <a:srgbClr val="FF0000"/>
+            </a:solidFill>
+          </a:ln>
+        </p:spPr>
+        <p:style>
+          <a:lnRef idx="2">
+            <a:schemeClr val="accent1">
+              <a:shade val="50000"/>
+            </a:schemeClr>
+          </a:lnRef>
+          <a:fillRef idx="1">
+            <a:schemeClr val="accent1"/>
+          </a:fillRef>
+          <a:effectRef idx="0">
+            <a:schemeClr val="accent1"/>
+          </a:effectRef>
+          <a:fontRef idx="minor">
+            <a:schemeClr val="lt1"/>
+          </a:fontRef>
+        </p:style>
+        <p:txBody>
+          <a:bodyPr vertOverflow="overflow" horzOverflow="overflow" vert="horz" wrap="square" numCol="1" spcCol="0" rtlCol="0" fromWordArt="0" anchor="ctr" anchorCtr="0" forceAA="0" compatLnSpc="1">
+            <a:noAutofit/>
+          </a:bodyPr>
+          <a:p>
+            <a:pPr lvl="0" algn="ctr"/>
+            <a:endParaRPr lang="zh-CN" altLang="en-US">
+              <a:sym typeface="+mn-ea"/>
+            </a:endParaRPr>
+          </a:p>
+        </p:txBody>
+      </p:sp>
+      <p:sp>
+        <p:nvSpPr>
+          <p:cNvPr id="329" name="椭圆 328"/>
+          <p:cNvSpPr/>
+          <p:nvPr/>
+        </p:nvSpPr>
+        <p:spPr>
+          <a:xfrm>
+            <a:off x="6745605" y="4027805"/>
+            <a:ext cx="88265" cy="98425"/>
+          </a:xfrm>
+          <a:prstGeom prst="ellipse">
+            <a:avLst/>
+          </a:prstGeom>
+          <a:solidFill>
+            <a:srgbClr val="FF0000"/>
+          </a:solidFill>
+          <a:ln w="6350">
+            <a:solidFill>
+              <a:srgbClr val="FF0000"/>
+            </a:solidFill>
+          </a:ln>
+        </p:spPr>
+        <p:style>
+          <a:lnRef idx="2">
+            <a:schemeClr val="accent1">
+              <a:shade val="50000"/>
+            </a:schemeClr>
+          </a:lnRef>
+          <a:fillRef idx="1">
+            <a:schemeClr val="accent1"/>
+          </a:fillRef>
+          <a:effectRef idx="0">
+            <a:schemeClr val="accent1"/>
+          </a:effectRef>
+          <a:fontRef idx="minor">
+            <a:schemeClr val="lt1"/>
+          </a:fontRef>
+        </p:style>
+        <p:txBody>
+          <a:bodyPr vertOverflow="overflow" horzOverflow="overflow" vert="horz" wrap="square" numCol="1" spcCol="0" rtlCol="0" fromWordArt="0" anchor="ctr" anchorCtr="0" forceAA="0" compatLnSpc="1">
+            <a:noAutofit/>
+          </a:bodyPr>
+          <a:p>
+            <a:pPr lvl="0" algn="ctr"/>
+            <a:endParaRPr lang="zh-CN" altLang="en-US">
+              <a:sym typeface="+mn-ea"/>
+            </a:endParaRPr>
+          </a:p>
+        </p:txBody>
+      </p:sp>
+      <p:graphicFrame>
+        <p:nvGraphicFramePr>
+          <p:cNvPr id="330" name="对象 329">
+            <a:hlinkClick r:id="" action="ppaction://ole?verb="/>
+          </p:cNvPr>
+          <p:cNvGraphicFramePr>
+            <a:graphicFrameLocks noChangeAspect="1"/>
+          </p:cNvGraphicFramePr>
+          <p:nvPr/>
+        </p:nvGraphicFramePr>
+        <p:xfrm>
+          <a:off x="5829300" y="3681730"/>
+          <a:ext cx="370205" cy="432435"/>
+        </p:xfrm>
+        <a:graphic>
+          <a:graphicData uri="http://schemas.openxmlformats.org/presentationml/2006/ole">
+            <mc:AlternateContent xmlns:mc="http://schemas.openxmlformats.org/markup-compatibility/2006">
+              <mc:Choice xmlns:v="urn:schemas-microsoft-com:vml" Requires="v">
+                <p:oleObj spid="_x0000_s331" name="" r:id="rId3" imgW="152400" imgH="177165" progId="Equation.KSEE3">
+                  <p:embed/>
+                </p:oleObj>
+              </mc:Choice>
+              <mc:Fallback>
+                <p:oleObj name="" r:id="rId3" imgW="152400" imgH="177165" progId="Equation.KSEE3">
+                  <p:embed/>
+                  <p:pic>
+                    <p:nvPicPr>
+                      <p:cNvPr id="0" name="图片 1025"/>
+                      <p:cNvPicPr/>
+                      <p:nvPr/>
+                    </p:nvPicPr>
+                    <p:blipFill>
+                      <a:blip r:embed="rId2"/>
+                      <a:stretch>
+                        <a:fillRect/>
+                      </a:stretch>
+                    </p:blipFill>
+                    <p:spPr>
+                      <a:xfrm>
+                        <a:off x="5829300" y="3681730"/>
+                        <a:ext cx="370205" cy="432435"/>
+                      </a:xfrm>
+                      <a:prstGeom prst="rect">
+                        <a:avLst/>
+                      </a:prstGeom>
+                    </p:spPr>
+                  </p:pic>
+                </p:oleObj>
+              </mc:Fallback>
+            </mc:AlternateContent>
+          </a:graphicData>
+        </a:graphic>
+      </p:graphicFrame>
+      <p:cxnSp>
+        <p:nvCxnSpPr>
+          <p:cNvPr id="332" name="直接连接符 331"/>
+          <p:cNvCxnSpPr>
+            <a:stCxn id="324" idx="4"/>
+          </p:cNvCxnSpPr>
+          <p:nvPr/>
+        </p:nvCxnSpPr>
+        <p:spPr>
+          <a:xfrm>
+            <a:off x="6181090" y="3289300"/>
+            <a:ext cx="93345" cy="458470"/>
+          </a:xfrm>
+          <a:prstGeom prst="line">
+            <a:avLst/>
+          </a:prstGeom>
+          <a:ln w="12700">
+            <a:prstDash val="sysDash"/>
+          </a:ln>
+        </p:spPr>
+        <p:style>
+          <a:lnRef idx="1">
+            <a:schemeClr val="dk1"/>
+          </a:lnRef>
+          <a:fillRef idx="0">
+            <a:schemeClr val="dk1"/>
+          </a:fillRef>
+          <a:effectRef idx="0">
+            <a:schemeClr val="dk1"/>
+          </a:effectRef>
+          <a:fontRef idx="minor">
+            <a:schemeClr val="tx1"/>
+          </a:fontRef>
+        </p:style>
+      </p:cxnSp>
+      <p:cxnSp>
+        <p:nvCxnSpPr>
+          <p:cNvPr id="333" name="直接连接符 332"/>
+          <p:cNvCxnSpPr/>
+          <p:nvPr/>
+        </p:nvCxnSpPr>
+        <p:spPr>
+          <a:xfrm>
+            <a:off x="5737860" y="3644265"/>
+            <a:ext cx="493395" cy="104775"/>
+          </a:xfrm>
+          <a:prstGeom prst="line">
+            <a:avLst/>
+          </a:prstGeom>
+          <a:ln w="12700">
+            <a:prstDash val="sysDash"/>
+          </a:ln>
+        </p:spPr>
+        <p:style>
+          <a:lnRef idx="1">
+            <a:schemeClr val="dk1"/>
+          </a:lnRef>
+          <a:fillRef idx="0">
+            <a:schemeClr val="dk1"/>
+          </a:fillRef>
+          <a:effectRef idx="0">
+            <a:schemeClr val="dk1"/>
+          </a:effectRef>
+          <a:fontRef idx="minor">
+            <a:schemeClr val="tx1"/>
+          </a:fontRef>
+        </p:style>
+      </p:cxnSp>
+      <p:cxnSp>
+        <p:nvCxnSpPr>
+          <p:cNvPr id="334" name="直接连接符 333"/>
+          <p:cNvCxnSpPr>
+            <a:stCxn id="325" idx="6"/>
+            <a:endCxn id="319" idx="2"/>
+          </p:cNvCxnSpPr>
+          <p:nvPr/>
+        </p:nvCxnSpPr>
+        <p:spPr>
+          <a:xfrm flipV="1">
+            <a:off x="5758815" y="3797300"/>
+            <a:ext cx="466090" cy="377190"/>
+          </a:xfrm>
+          <a:prstGeom prst="line">
+            <a:avLst/>
+          </a:prstGeom>
+          <a:ln w="12700">
+            <a:prstDash val="sysDash"/>
+          </a:ln>
+        </p:spPr>
+        <p:style>
+          <a:lnRef idx="1">
+            <a:schemeClr val="dk1"/>
+          </a:lnRef>
+          <a:fillRef idx="0">
+            <a:schemeClr val="dk1"/>
+          </a:fillRef>
+          <a:effectRef idx="0">
+            <a:schemeClr val="dk1"/>
+          </a:effectRef>
+          <a:fontRef idx="minor">
+            <a:schemeClr val="tx1"/>
+          </a:fontRef>
+        </p:style>
+      </p:cxnSp>
+      <p:cxnSp>
+        <p:nvCxnSpPr>
+          <p:cNvPr id="335" name="直接连接符 334"/>
+          <p:cNvCxnSpPr>
+            <a:stCxn id="326" idx="0"/>
+            <a:endCxn id="319" idx="3"/>
+          </p:cNvCxnSpPr>
+          <p:nvPr/>
+        </p:nvCxnSpPr>
+        <p:spPr>
+          <a:xfrm flipV="1">
+            <a:off x="6092825" y="3831590"/>
+            <a:ext cx="144780" cy="548005"/>
+          </a:xfrm>
+          <a:prstGeom prst="line">
+            <a:avLst/>
+          </a:prstGeom>
+          <a:ln w="12700">
+            <a:prstDash val="sysDash"/>
+          </a:ln>
+        </p:spPr>
+        <p:style>
+          <a:lnRef idx="1">
+            <a:schemeClr val="dk1"/>
+          </a:lnRef>
+          <a:fillRef idx="0">
+            <a:schemeClr val="dk1"/>
+          </a:fillRef>
+          <a:effectRef idx="0">
+            <a:schemeClr val="dk1"/>
+          </a:effectRef>
+          <a:fontRef idx="minor">
+            <a:schemeClr val="tx1"/>
+          </a:fontRef>
+        </p:style>
+      </p:cxnSp>
+      <p:cxnSp>
+        <p:nvCxnSpPr>
+          <p:cNvPr id="336" name="直接连接符 335"/>
+          <p:cNvCxnSpPr/>
+          <p:nvPr/>
+        </p:nvCxnSpPr>
+        <p:spPr>
+          <a:xfrm flipH="1">
+            <a:off x="6274435" y="3434080"/>
+            <a:ext cx="358775" cy="337185"/>
+          </a:xfrm>
+          <a:prstGeom prst="line">
+            <a:avLst/>
+          </a:prstGeom>
+          <a:ln w="12700">
+            <a:prstDash val="sysDash"/>
+          </a:ln>
+        </p:spPr>
+        <p:style>
+          <a:lnRef idx="1">
+            <a:schemeClr val="dk1"/>
+          </a:lnRef>
+          <a:fillRef idx="0">
+            <a:schemeClr val="dk1"/>
+          </a:fillRef>
+          <a:effectRef idx="0">
+            <a:schemeClr val="dk1"/>
+          </a:effectRef>
+          <a:fontRef idx="minor">
+            <a:schemeClr val="tx1"/>
+          </a:fontRef>
+        </p:style>
+      </p:cxnSp>
+      <p:cxnSp>
+        <p:nvCxnSpPr>
+          <p:cNvPr id="337" name="直接连接符 336"/>
+          <p:cNvCxnSpPr>
+            <a:stCxn id="319" idx="5"/>
+            <a:endCxn id="327" idx="1"/>
+          </p:cNvCxnSpPr>
+          <p:nvPr/>
+        </p:nvCxnSpPr>
+        <p:spPr>
+          <a:xfrm>
+            <a:off x="6300470" y="3831590"/>
+            <a:ext cx="236220" cy="562610"/>
+          </a:xfrm>
+          <a:prstGeom prst="line">
+            <a:avLst/>
+          </a:prstGeom>
+          <a:ln w="12700">
+            <a:prstDash val="sysDash"/>
+          </a:ln>
+        </p:spPr>
+        <p:style>
+          <a:lnRef idx="1">
+            <a:schemeClr val="dk1"/>
+          </a:lnRef>
+          <a:fillRef idx="0">
+            <a:schemeClr val="dk1"/>
+          </a:fillRef>
+          <a:effectRef idx="0">
+            <a:schemeClr val="dk1"/>
+          </a:effectRef>
+          <a:fontRef idx="minor">
+            <a:schemeClr val="tx1"/>
+          </a:fontRef>
+        </p:style>
+      </p:cxnSp>
+      <p:cxnSp>
+        <p:nvCxnSpPr>
+          <p:cNvPr id="338" name="直接连接符 337"/>
+          <p:cNvCxnSpPr>
+            <a:stCxn id="314" idx="2"/>
+          </p:cNvCxnSpPr>
+          <p:nvPr/>
+        </p:nvCxnSpPr>
+        <p:spPr>
+          <a:xfrm flipH="1">
+            <a:off x="6307455" y="3737610"/>
+            <a:ext cx="792480" cy="44450"/>
+          </a:xfrm>
+          <a:prstGeom prst="line">
+            <a:avLst/>
+          </a:prstGeom>
+          <a:ln w="12700">
+            <a:prstDash val="sysDash"/>
+          </a:ln>
+        </p:spPr>
+        <p:style>
+          <a:lnRef idx="1">
+            <a:schemeClr val="dk1"/>
+          </a:lnRef>
+          <a:fillRef idx="0">
+            <a:schemeClr val="dk1"/>
+          </a:fillRef>
+          <a:effectRef idx="0">
+            <a:schemeClr val="dk1"/>
+          </a:effectRef>
+          <a:fontRef idx="minor">
+            <a:schemeClr val="tx1"/>
+          </a:fontRef>
+        </p:style>
+      </p:cxnSp>
+      <p:cxnSp>
+        <p:nvCxnSpPr>
+          <p:cNvPr id="339" name="直接连接符 338"/>
+          <p:cNvCxnSpPr>
+            <a:stCxn id="329" idx="1"/>
+          </p:cNvCxnSpPr>
+          <p:nvPr/>
+        </p:nvCxnSpPr>
+        <p:spPr>
+          <a:xfrm flipH="1" flipV="1">
+            <a:off x="6318250" y="3782060"/>
+            <a:ext cx="440055" cy="260350"/>
+          </a:xfrm>
+          <a:prstGeom prst="line">
+            <a:avLst/>
+          </a:prstGeom>
+          <a:ln w="12700">
+            <a:prstDash val="sysDash"/>
+          </a:ln>
+        </p:spPr>
+        <p:style>
+          <a:lnRef idx="1">
+            <a:schemeClr val="dk1"/>
+          </a:lnRef>
+          <a:fillRef idx="0">
+            <a:schemeClr val="dk1"/>
+          </a:fillRef>
+          <a:effectRef idx="0">
+            <a:schemeClr val="dk1"/>
+          </a:effectRef>
+          <a:fontRef idx="minor">
+            <a:schemeClr val="tx1"/>
+          </a:fontRef>
+        </p:style>
+      </p:cxnSp>
+      <p:graphicFrame>
+        <p:nvGraphicFramePr>
+          <p:cNvPr id="340" name="对象 339">
+            <a:hlinkClick r:id="" action="ppaction://ole?verb="/>
+          </p:cNvPr>
+          <p:cNvGraphicFramePr>
+            <a:graphicFrameLocks noChangeAspect="1"/>
+          </p:cNvGraphicFramePr>
+          <p:nvPr/>
+        </p:nvGraphicFramePr>
+        <p:xfrm>
+          <a:off x="7237730" y="3606165"/>
+          <a:ext cx="386715" cy="419735"/>
+        </p:xfrm>
+        <a:graphic>
+          <a:graphicData uri="http://schemas.openxmlformats.org/presentationml/2006/ole">
+            <mc:AlternateContent xmlns:mc="http://schemas.openxmlformats.org/markup-compatibility/2006">
+              <mc:Choice xmlns:v="urn:schemas-microsoft-com:vml" Requires="v">
+                <p:oleObj spid="_x0000_s341" name="" r:id="rId4" imgW="177165" imgH="190500" progId="Equation.KSEE3">
+                  <p:embed/>
+                </p:oleObj>
+              </mc:Choice>
+              <mc:Fallback>
+                <p:oleObj name="" r:id="rId4" imgW="177165" imgH="190500" progId="Equation.KSEE3">
+                  <p:embed/>
+                  <p:pic>
+                    <p:nvPicPr>
+                      <p:cNvPr id="0" name="图片 1025"/>
+                      <p:cNvPicPr/>
+                      <p:nvPr/>
+                    </p:nvPicPr>
+                    <p:blipFill>
+                      <a:blip r:embed="rId5"/>
+                      <a:stretch>
+                        <a:fillRect/>
+                      </a:stretch>
+                    </p:blipFill>
+                    <p:spPr>
+                      <a:xfrm>
+                        <a:off x="7237730" y="3606165"/>
+                        <a:ext cx="386715" cy="419735"/>
+                      </a:xfrm>
+                      <a:prstGeom prst="rect">
+                        <a:avLst/>
+                      </a:prstGeom>
+                    </p:spPr>
+                  </p:pic>
+                </p:oleObj>
+              </mc:Fallback>
+            </mc:AlternateContent>
+          </a:graphicData>
+        </a:graphic>
+      </p:graphicFrame>
+      <p:graphicFrame>
+        <p:nvGraphicFramePr>
+          <p:cNvPr id="342" name="对象 341">
+            <a:hlinkClick r:id="" action="ppaction://ole?verb="/>
+          </p:cNvPr>
+          <p:cNvGraphicFramePr>
+            <a:graphicFrameLocks noChangeAspect="1"/>
+          </p:cNvGraphicFramePr>
+          <p:nvPr/>
+        </p:nvGraphicFramePr>
+        <p:xfrm>
+          <a:off x="6698615" y="3595370"/>
+          <a:ext cx="445770" cy="518160"/>
+        </p:xfrm>
+        <a:graphic>
+          <a:graphicData uri="http://schemas.openxmlformats.org/presentationml/2006/ole">
+            <mc:AlternateContent xmlns:mc="http://schemas.openxmlformats.org/markup-compatibility/2006">
+              <mc:Choice xmlns:v="urn:schemas-microsoft-com:vml" Requires="v">
+                <p:oleObj spid="_x0000_s343" name="" r:id="rId6" imgW="165100" imgH="190500" progId="Equation.KSEE3">
+                  <p:embed/>
+                </p:oleObj>
+              </mc:Choice>
+              <mc:Fallback>
+                <p:oleObj name="" r:id="rId6" imgW="165100" imgH="190500" progId="Equation.KSEE3">
+                  <p:embed/>
+                  <p:pic>
+                    <p:nvPicPr>
+                      <p:cNvPr id="0" name="图片 1025"/>
+                      <p:cNvPicPr/>
+                      <p:nvPr/>
+                    </p:nvPicPr>
+                    <p:blipFill>
+                      <a:blip r:embed="rId7"/>
+                      <a:stretch>
+                        <a:fillRect/>
+                      </a:stretch>
+                    </p:blipFill>
+                    <p:spPr>
+                      <a:xfrm>
+                        <a:off x="6698615" y="3595370"/>
+                        <a:ext cx="445770" cy="518160"/>
+                      </a:xfrm>
+                      <a:prstGeom prst="rect">
+                        <a:avLst/>
+                      </a:prstGeom>
+                    </p:spPr>
+                  </p:pic>
+                </p:oleObj>
+              </mc:Fallback>
+            </mc:AlternateContent>
+          </a:graphicData>
+        </a:graphic>
+      </p:graphicFrame>
+      <p:cxnSp>
+        <p:nvCxnSpPr>
+          <p:cNvPr id="345" name="直接连接符 344"/>
+          <p:cNvCxnSpPr>
+            <a:stCxn id="295" idx="4"/>
+            <a:endCxn id="290" idx="0"/>
+          </p:cNvCxnSpPr>
+          <p:nvPr/>
+        </p:nvCxnSpPr>
+        <p:spPr>
+          <a:xfrm>
+            <a:off x="10509885" y="3375660"/>
+            <a:ext cx="88265" cy="477520"/>
+          </a:xfrm>
+          <a:prstGeom prst="line">
+            <a:avLst/>
+          </a:prstGeom>
+          <a:ln w="12700">
+            <a:prstDash val="sysDash"/>
+          </a:ln>
+        </p:spPr>
+        <p:style>
+          <a:lnRef idx="1">
+            <a:schemeClr val="dk1"/>
+          </a:lnRef>
+          <a:fillRef idx="0">
+            <a:schemeClr val="dk1"/>
+          </a:fillRef>
+          <a:effectRef idx="0">
+            <a:schemeClr val="dk1"/>
+          </a:effectRef>
+          <a:fontRef idx="minor">
+            <a:schemeClr val="tx1"/>
+          </a:fontRef>
+        </p:style>
+      </p:cxnSp>
+      <p:cxnSp>
+        <p:nvCxnSpPr>
+          <p:cNvPr id="346" name="直接连接符 345"/>
+          <p:cNvCxnSpPr>
+            <a:stCxn id="296" idx="6"/>
+            <a:endCxn id="290" idx="3"/>
+          </p:cNvCxnSpPr>
+          <p:nvPr/>
+        </p:nvCxnSpPr>
+        <p:spPr>
+          <a:xfrm flipV="1">
+            <a:off x="9889490" y="3937000"/>
+            <a:ext cx="676910" cy="165735"/>
+          </a:xfrm>
+          <a:prstGeom prst="line">
+            <a:avLst/>
+          </a:prstGeom>
+          <a:ln w="12700">
+            <a:prstDash val="sysDash"/>
+          </a:ln>
+        </p:spPr>
+        <p:style>
+          <a:lnRef idx="1">
+            <a:schemeClr val="dk1"/>
+          </a:lnRef>
+          <a:fillRef idx="0">
+            <a:schemeClr val="dk1"/>
+          </a:fillRef>
+          <a:effectRef idx="0">
+            <a:schemeClr val="dk1"/>
+          </a:effectRef>
+          <a:fontRef idx="minor">
+            <a:schemeClr val="tx1"/>
+          </a:fontRef>
+        </p:style>
+      </p:cxnSp>
+      <p:cxnSp>
+        <p:nvCxnSpPr>
+          <p:cNvPr id="347" name="直接连接符 346"/>
+          <p:cNvCxnSpPr>
+            <a:stCxn id="297" idx="6"/>
+          </p:cNvCxnSpPr>
+          <p:nvPr/>
+        </p:nvCxnSpPr>
+        <p:spPr>
+          <a:xfrm flipV="1">
+            <a:off x="10129520" y="3945255"/>
+            <a:ext cx="462915" cy="486410"/>
+          </a:xfrm>
+          <a:prstGeom prst="line">
+            <a:avLst/>
+          </a:prstGeom>
+          <a:ln w="12700">
+            <a:prstDash val="sysDash"/>
+          </a:ln>
+        </p:spPr>
+        <p:style>
+          <a:lnRef idx="1">
+            <a:schemeClr val="dk1"/>
+          </a:lnRef>
+          <a:fillRef idx="0">
+            <a:schemeClr val="dk1"/>
+          </a:fillRef>
+          <a:effectRef idx="0">
+            <a:schemeClr val="dk1"/>
+          </a:effectRef>
+          <a:fontRef idx="minor">
+            <a:schemeClr val="tx1"/>
+          </a:fontRef>
+        </p:style>
+      </p:cxnSp>
+      <p:cxnSp>
+        <p:nvCxnSpPr>
+          <p:cNvPr id="348" name="直接连接符 347"/>
+          <p:cNvCxnSpPr>
+            <a:stCxn id="299" idx="4"/>
+          </p:cNvCxnSpPr>
+          <p:nvPr/>
+        </p:nvCxnSpPr>
+        <p:spPr>
+          <a:xfrm flipH="1">
+            <a:off x="10635615" y="3415665"/>
+            <a:ext cx="285115" cy="464185"/>
+          </a:xfrm>
+          <a:prstGeom prst="line">
+            <a:avLst/>
+          </a:prstGeom>
+          <a:ln w="12700">
+            <a:prstDash val="sysDash"/>
+          </a:ln>
+        </p:spPr>
+        <p:style>
+          <a:lnRef idx="1">
+            <a:schemeClr val="dk1"/>
+          </a:lnRef>
+          <a:fillRef idx="0">
+            <a:schemeClr val="dk1"/>
+          </a:fillRef>
+          <a:effectRef idx="0">
+            <a:schemeClr val="dk1"/>
+          </a:effectRef>
+          <a:fontRef idx="minor">
+            <a:schemeClr val="tx1"/>
+          </a:fontRef>
+        </p:style>
+      </p:cxnSp>
+      <p:cxnSp>
+        <p:nvCxnSpPr>
+          <p:cNvPr id="349" name="直接连接符 348"/>
+          <p:cNvCxnSpPr>
+            <a:stCxn id="300" idx="2"/>
+            <a:endCxn id="290" idx="5"/>
+          </p:cNvCxnSpPr>
+          <p:nvPr/>
+        </p:nvCxnSpPr>
+        <p:spPr>
+          <a:xfrm flipH="1" flipV="1">
+            <a:off x="10629265" y="3937000"/>
+            <a:ext cx="469265" cy="297180"/>
+          </a:xfrm>
+          <a:prstGeom prst="line">
+            <a:avLst/>
+          </a:prstGeom>
+          <a:ln w="12700">
+            <a:prstDash val="sysDash"/>
+          </a:ln>
+        </p:spPr>
+        <p:style>
+          <a:lnRef idx="1">
+            <a:schemeClr val="dk1"/>
+          </a:lnRef>
+          <a:fillRef idx="0">
+            <a:schemeClr val="dk1"/>
+          </a:fillRef>
+          <a:effectRef idx="0">
+            <a:schemeClr val="dk1"/>
+          </a:effectRef>
+          <a:fontRef idx="minor">
+            <a:schemeClr val="tx1"/>
+          </a:fontRef>
+        </p:style>
+      </p:cxnSp>
+      <p:cxnSp>
+        <p:nvCxnSpPr>
+          <p:cNvPr id="350" name="直接连接符 349"/>
+          <p:cNvCxnSpPr>
+            <a:stCxn id="294" idx="5"/>
+            <a:endCxn id="290" idx="2"/>
+          </p:cNvCxnSpPr>
+          <p:nvPr/>
+        </p:nvCxnSpPr>
+        <p:spPr>
+          <a:xfrm>
+            <a:off x="10116820" y="3667125"/>
+            <a:ext cx="436880" cy="235585"/>
+          </a:xfrm>
+          <a:prstGeom prst="line">
+            <a:avLst/>
+          </a:prstGeom>
+          <a:ln w="12700">
+            <a:prstDash val="sysDash"/>
+          </a:ln>
+        </p:spPr>
+        <p:style>
+          <a:lnRef idx="1">
+            <a:schemeClr val="dk1"/>
+          </a:lnRef>
+          <a:fillRef idx="0">
+            <a:schemeClr val="dk1"/>
+          </a:fillRef>
+          <a:effectRef idx="0">
+            <a:schemeClr val="dk1"/>
+          </a:effectRef>
+          <a:fontRef idx="minor">
+            <a:schemeClr val="tx1"/>
+          </a:fontRef>
+        </p:style>
+      </p:cxnSp>
+      <p:cxnSp>
+        <p:nvCxnSpPr>
+          <p:cNvPr id="351" name="直接连接符 350"/>
+          <p:cNvCxnSpPr>
+            <a:stCxn id="298" idx="0"/>
+          </p:cNvCxnSpPr>
+          <p:nvPr/>
+        </p:nvCxnSpPr>
+        <p:spPr>
+          <a:xfrm flipH="1" flipV="1">
+            <a:off x="10592435" y="3945255"/>
+            <a:ext cx="5715" cy="436880"/>
+          </a:xfrm>
+          <a:prstGeom prst="line">
+            <a:avLst/>
+          </a:prstGeom>
+          <a:ln w="12700">
+            <a:prstDash val="sysDash"/>
+          </a:ln>
+        </p:spPr>
+        <p:style>
+          <a:lnRef idx="1">
+            <a:schemeClr val="dk1"/>
+          </a:lnRef>
+          <a:fillRef idx="0">
+            <a:schemeClr val="dk1"/>
+          </a:fillRef>
+          <a:effectRef idx="0">
+            <a:schemeClr val="dk1"/>
+          </a:effectRef>
+          <a:fontRef idx="minor">
+            <a:schemeClr val="tx1"/>
+          </a:fontRef>
+        </p:style>
+      </p:cxnSp>
+      <p:cxnSp>
+        <p:nvCxnSpPr>
+          <p:cNvPr id="352" name="直接连接符 351"/>
+          <p:cNvCxnSpPr>
+            <a:endCxn id="290" idx="6"/>
+          </p:cNvCxnSpPr>
+          <p:nvPr/>
+        </p:nvCxnSpPr>
+        <p:spPr>
+          <a:xfrm flipH="1">
+            <a:off x="10641965" y="3704590"/>
+            <a:ext cx="544830" cy="198120"/>
+          </a:xfrm>
+          <a:prstGeom prst="line">
+            <a:avLst/>
+          </a:prstGeom>
+          <a:ln w="12700">
+            <a:prstDash val="sysDash"/>
+          </a:ln>
+        </p:spPr>
+        <p:style>
+          <a:lnRef idx="1">
+            <a:schemeClr val="dk1"/>
+          </a:lnRef>
+          <a:fillRef idx="0">
+            <a:schemeClr val="dk1"/>
+          </a:fillRef>
+          <a:effectRef idx="0">
+            <a:schemeClr val="dk1"/>
+          </a:effectRef>
+          <a:fontRef idx="minor">
+            <a:schemeClr val="tx1"/>
+          </a:fontRef>
+        </p:style>
+      </p:cxnSp>
+      <p:graphicFrame>
+        <p:nvGraphicFramePr>
+          <p:cNvPr id="353" name="对象 352">
+            <a:hlinkClick r:id="" action="ppaction://ole?verb="/>
+          </p:cNvPr>
+          <p:cNvGraphicFramePr>
+            <a:graphicFrameLocks noChangeAspect="1"/>
+          </p:cNvGraphicFramePr>
+          <p:nvPr/>
+        </p:nvGraphicFramePr>
+        <p:xfrm>
+          <a:off x="11180128" y="4102735"/>
+          <a:ext cx="306070" cy="419735"/>
+        </p:xfrm>
+        <a:graphic>
+          <a:graphicData uri="http://schemas.openxmlformats.org/presentationml/2006/ole">
+            <mc:AlternateContent xmlns:mc="http://schemas.openxmlformats.org/markup-compatibility/2006">
+              <mc:Choice xmlns:v="urn:schemas-microsoft-com:vml" Requires="v">
+                <p:oleObj spid="_x0000_s354" name="" r:id="rId8" imgW="139700" imgH="190500" progId="Equation.KSEE3">
+                  <p:embed/>
+                </p:oleObj>
+              </mc:Choice>
+              <mc:Fallback>
+                <p:oleObj name="" r:id="rId8" imgW="139700" imgH="190500" progId="Equation.KSEE3">
+                  <p:embed/>
+                  <p:pic>
+                    <p:nvPicPr>
+                      <p:cNvPr id="0" name="图片 1025"/>
+                      <p:cNvPicPr/>
+                      <p:nvPr/>
+                    </p:nvPicPr>
+                    <p:blipFill>
+                      <a:blip r:embed="rId9"/>
+                      <a:stretch>
+                        <a:fillRect/>
+                      </a:stretch>
+                    </p:blipFill>
+                    <p:spPr>
+                      <a:xfrm>
+                        <a:off x="11180128" y="4102735"/>
+                        <a:ext cx="306070" cy="419735"/>
+                      </a:xfrm>
+                      <a:prstGeom prst="rect">
+                        <a:avLst/>
+                      </a:prstGeom>
+                    </p:spPr>
+                  </p:pic>
+                </p:oleObj>
+              </mc:Fallback>
+            </mc:AlternateContent>
+          </a:graphicData>
+        </a:graphic>
+      </p:graphicFrame>
+      <p:graphicFrame>
+        <p:nvGraphicFramePr>
+          <p:cNvPr id="355" name="对象 354">
+            <a:hlinkClick r:id="" action="ppaction://ole?verb="/>
+          </p:cNvPr>
+          <p:cNvGraphicFramePr>
+            <a:graphicFrameLocks noChangeAspect="1"/>
+          </p:cNvGraphicFramePr>
+          <p:nvPr/>
+        </p:nvGraphicFramePr>
+        <p:xfrm>
+          <a:off x="10243820" y="3623945"/>
+          <a:ext cx="278765" cy="390525"/>
+        </p:xfrm>
+        <a:graphic>
+          <a:graphicData uri="http://schemas.openxmlformats.org/presentationml/2006/ole">
+            <mc:AlternateContent xmlns:mc="http://schemas.openxmlformats.org/markup-compatibility/2006">
+              <mc:Choice xmlns:v="urn:schemas-microsoft-com:vml" Requires="v">
+                <p:oleObj spid="_x0000_s356" name="" r:id="rId10" imgW="127000" imgH="177165" progId="Equation.KSEE3">
+                  <p:embed/>
+                </p:oleObj>
+              </mc:Choice>
+              <mc:Fallback>
+                <p:oleObj name="" r:id="rId10" imgW="127000" imgH="177165" progId="Equation.KSEE3">
+                  <p:embed/>
+                  <p:pic>
+                    <p:nvPicPr>
+                      <p:cNvPr id="0" name="图片 1025"/>
+                      <p:cNvPicPr/>
+                      <p:nvPr/>
+                    </p:nvPicPr>
+                    <p:blipFill>
+                      <a:blip r:embed="rId11"/>
+                      <a:stretch>
+                        <a:fillRect/>
+                      </a:stretch>
+                    </p:blipFill>
+                    <p:spPr>
+                      <a:xfrm>
+                        <a:off x="10243820" y="3623945"/>
+                        <a:ext cx="278765" cy="390525"/>
+                      </a:xfrm>
+                      <a:prstGeom prst="rect">
+                        <a:avLst/>
+                      </a:prstGeom>
+                    </p:spPr>
+                  </p:pic>
+                </p:oleObj>
+              </mc:Fallback>
+            </mc:AlternateContent>
+          </a:graphicData>
+        </a:graphic>
+      </p:graphicFrame>
+      <p:graphicFrame>
+        <p:nvGraphicFramePr>
+          <p:cNvPr id="357" name="对象 356">
+            <a:hlinkClick r:id="" action="ppaction://ole?verb="/>
+          </p:cNvPr>
+          <p:cNvGraphicFramePr>
+            <a:graphicFrameLocks noChangeAspect="1"/>
+          </p:cNvGraphicFramePr>
+          <p:nvPr/>
+        </p:nvGraphicFramePr>
+        <p:xfrm>
+          <a:off x="10629265" y="3879850"/>
+          <a:ext cx="445770" cy="518160"/>
+        </p:xfrm>
+        <a:graphic>
+          <a:graphicData uri="http://schemas.openxmlformats.org/presentationml/2006/ole">
+            <mc:AlternateContent xmlns:mc="http://schemas.openxmlformats.org/markup-compatibility/2006">
+              <mc:Choice xmlns:v="urn:schemas-microsoft-com:vml" Requires="v">
+                <p:oleObj spid="_x0000_s358" name="" r:id="rId12" imgW="165100" imgH="190500" progId="Equation.KSEE3">
+                  <p:embed/>
+                </p:oleObj>
+              </mc:Choice>
+              <mc:Fallback>
+                <p:oleObj name="" r:id="rId12" imgW="165100" imgH="190500" progId="Equation.KSEE3">
+                  <p:embed/>
+                  <p:pic>
+                    <p:nvPicPr>
+                      <p:cNvPr id="0" name="图片 1025"/>
+                      <p:cNvPicPr/>
+                      <p:nvPr/>
+                    </p:nvPicPr>
+                    <p:blipFill>
+                      <a:blip r:embed="rId7"/>
+                      <a:stretch>
+                        <a:fillRect/>
+                      </a:stretch>
+                    </p:blipFill>
+                    <p:spPr>
+                      <a:xfrm>
+                        <a:off x="10629265" y="3879850"/>
+                        <a:ext cx="445770" cy="518160"/>
+                      </a:xfrm>
+                      <a:prstGeom prst="rect">
+                        <a:avLst/>
+                      </a:prstGeom>
+                    </p:spPr>
+                  </p:pic>
+                </p:oleObj>
+              </mc:Fallback>
+            </mc:AlternateContent>
+          </a:graphicData>
+        </a:graphic>
+      </p:graphicFrame>
+      <p:cxnSp>
+        <p:nvCxnSpPr>
+          <p:cNvPr id="359" name="直接箭头连接符 358"/>
+          <p:cNvCxnSpPr/>
+          <p:nvPr/>
+        </p:nvCxnSpPr>
+        <p:spPr>
+          <a:xfrm>
+            <a:off x="3849370" y="3934460"/>
+            <a:ext cx="728345" cy="0"/>
+          </a:xfrm>
+          <a:prstGeom prst="straightConnector1">
+            <a:avLst/>
+          </a:prstGeom>
+          <a:ln w="50800">
+            <a:solidFill>
+              <a:schemeClr val="tx1"/>
+            </a:solidFill>
+            <a:tailEnd type="arrow"/>
+          </a:ln>
+        </p:spPr>
+        <p:style>
+          <a:lnRef idx="1">
+            <a:schemeClr val="accent1"/>
+          </a:lnRef>
+          <a:fillRef idx="0">
+            <a:schemeClr val="accent1"/>
+          </a:fillRef>
+          <a:effectRef idx="0">
+            <a:schemeClr val="accent1"/>
+          </a:effectRef>
+          <a:fontRef idx="minor">
+            <a:schemeClr val="tx1"/>
+          </a:fontRef>
+        </p:style>
+      </p:cxnSp>
+      <p:cxnSp>
+        <p:nvCxnSpPr>
+          <p:cNvPr id="360" name="直接箭头连接符 359"/>
+          <p:cNvCxnSpPr/>
+          <p:nvPr/>
+        </p:nvCxnSpPr>
+        <p:spPr>
+          <a:xfrm>
+            <a:off x="8011160" y="3912235"/>
+            <a:ext cx="728345" cy="0"/>
+          </a:xfrm>
+          <a:prstGeom prst="straightConnector1">
+            <a:avLst/>
+          </a:prstGeom>
+          <a:ln w="50800">
+            <a:solidFill>
+              <a:schemeClr val="tx1"/>
+            </a:solidFill>
+            <a:tailEnd type="arrow"/>
+          </a:ln>
+        </p:spPr>
+        <p:style>
+          <a:lnRef idx="1">
+            <a:schemeClr val="accent1"/>
+          </a:lnRef>
+          <a:fillRef idx="0">
+            <a:schemeClr val="accent1"/>
+          </a:fillRef>
+          <a:effectRef idx="0">
+            <a:schemeClr val="accent1"/>
+          </a:effectRef>
+          <a:fontRef idx="minor">
+            <a:schemeClr val="tx1"/>
+          </a:fontRef>
+        </p:style>
+      </p:cxnSp>
+    </p:spTree>
+  </p:cSld>
+  <p:clrMapOvr>
+    <a:masterClrMapping/>
+  </p:clrMapOvr>
+</p:sld>
+</file>
+
 <file path=ppt/slides/slide3.xml><?xml version="1.0" encoding="utf-8"?>
 <p:sld xmlns:a="http://schemas.openxmlformats.org/drawingml/2006/main" xmlns:r="http://schemas.openxmlformats.org/officeDocument/2006/relationships" xmlns:p="http://schemas.openxmlformats.org/presentationml/2006/main">
   <p:cSld>
